--- a/going-serverless-2017.pptx
+++ b/going-serverless-2017.pptx
@@ -18,6 +18,10 @@
     <p:sldId id="261" r:id="rId12"/>
     <p:sldId id="262" r:id="rId13"/>
     <p:sldId id="263" r:id="rId14"/>
+    <p:sldId id="269" r:id="rId15"/>
+    <p:sldId id="270" r:id="rId16"/>
+    <p:sldId id="271" r:id="rId17"/>
+    <p:sldId id="272" r:id="rId18"/>
   </p:sldIdLst>
   <p:sldSz cx="12192000" cy="6858000"/>
   <p:notesSz cx="6858000" cy="9144000"/>
@@ -3072,10 +3076,10 @@
           <a:lstStyle/>
           <a:p>
             <a:r>
-              <a:rPr lang="en-US" smtClean="0"/>
+              <a:rPr lang="en-US" dirty="0" smtClean="0"/>
               <a:t>Automation</a:t>
             </a:r>
-            <a:endParaRPr lang="en-US"/>
+            <a:endParaRPr lang="en-US" dirty="0"/>
           </a:p>
         </p:txBody>
       </p:sp>
@@ -3332,7 +3336,22 @@
           <a:bodyPr/>
           <a:lstStyle/>
           <a:p>
-            <a:endParaRPr lang="en-US"/>
+            <a:r>
+              <a:rPr lang="en-US" dirty="0" smtClean="0"/>
+              <a:t>Console</a:t>
+            </a:r>
+          </a:p>
+          <a:p>
+            <a:r>
+              <a:rPr lang="en-US" dirty="0" smtClean="0"/>
+              <a:t>Manual</a:t>
+            </a:r>
+          </a:p>
+          <a:p>
+            <a:r>
+              <a:rPr lang="en-US" dirty="0" smtClean="0"/>
+              <a:t>Frameworks</a:t>
+            </a:r>
           </a:p>
         </p:txBody>
       </p:sp>
@@ -3340,6 +3359,318 @@
     <p:extLst>
       <p:ext uri="{BB962C8B-B14F-4D97-AF65-F5344CB8AC3E}">
         <p14:creationId xmlns:p14="http://schemas.microsoft.com/office/powerpoint/2010/main" val="1062341890"/>
+      </p:ext>
+    </p:extLst>
+  </p:cSld>
+  <p:clrMapOvr>
+    <a:masterClrMapping/>
+  </p:clrMapOvr>
+</p:sld>
+</file>
+
+<file path=ppt/slides/slide14.xml><?xml version="1.0" encoding="utf-8"?>
+<p:sld xmlns:a="http://schemas.openxmlformats.org/drawingml/2006/main" xmlns:r="http://schemas.openxmlformats.org/officeDocument/2006/relationships" xmlns:p="http://schemas.openxmlformats.org/presentationml/2006/main">
+  <p:cSld>
+    <p:spTree>
+      <p:nvGrpSpPr>
+        <p:cNvPr id="1" name=""/>
+        <p:cNvGrpSpPr/>
+        <p:nvPr/>
+      </p:nvGrpSpPr>
+      <p:grpSpPr>
+        <a:xfrm>
+          <a:off x="0" y="0"/>
+          <a:ext cx="0" cy="0"/>
+          <a:chOff x="0" y="0"/>
+          <a:chExt cx="0" cy="0"/>
+        </a:xfrm>
+      </p:grpSpPr>
+      <p:sp>
+        <p:nvSpPr>
+          <p:cNvPr id="2" name="Title 1"/>
+          <p:cNvSpPr>
+            <a:spLocks noGrp="1"/>
+          </p:cNvSpPr>
+          <p:nvPr>
+            <p:ph type="title"/>
+          </p:nvPr>
+        </p:nvSpPr>
+        <p:spPr/>
+        <p:txBody>
+          <a:bodyPr/>
+          <a:lstStyle/>
+          <a:p>
+            <a:r>
+              <a:rPr lang="en-US" dirty="0" smtClean="0"/>
+              <a:t>Console</a:t>
+            </a:r>
+            <a:endParaRPr lang="en-US" dirty="0"/>
+          </a:p>
+        </p:txBody>
+      </p:sp>
+      <p:sp>
+        <p:nvSpPr>
+          <p:cNvPr id="3" name="Content Placeholder 2"/>
+          <p:cNvSpPr>
+            <a:spLocks noGrp="1"/>
+          </p:cNvSpPr>
+          <p:nvPr>
+            <p:ph idx="1"/>
+          </p:nvPr>
+        </p:nvSpPr>
+        <p:spPr/>
+        <p:txBody>
+          <a:bodyPr/>
+          <a:lstStyle/>
+          <a:p>
+            <a:r>
+              <a:rPr lang="en-US" dirty="0" smtClean="0"/>
+              <a:t>STOP right now</a:t>
+            </a:r>
+            <a:endParaRPr lang="en-US" dirty="0"/>
+          </a:p>
+        </p:txBody>
+      </p:sp>
+    </p:spTree>
+    <p:extLst>
+      <p:ext uri="{BB962C8B-B14F-4D97-AF65-F5344CB8AC3E}">
+        <p14:creationId xmlns:p14="http://schemas.microsoft.com/office/powerpoint/2010/main" val="656123180"/>
+      </p:ext>
+    </p:extLst>
+  </p:cSld>
+  <p:clrMapOvr>
+    <a:masterClrMapping/>
+  </p:clrMapOvr>
+</p:sld>
+</file>
+
+<file path=ppt/slides/slide15.xml><?xml version="1.0" encoding="utf-8"?>
+<p:sld xmlns:a="http://schemas.openxmlformats.org/drawingml/2006/main" xmlns:r="http://schemas.openxmlformats.org/officeDocument/2006/relationships" xmlns:p="http://schemas.openxmlformats.org/presentationml/2006/main">
+  <p:cSld>
+    <p:spTree>
+      <p:nvGrpSpPr>
+        <p:cNvPr id="1" name=""/>
+        <p:cNvGrpSpPr/>
+        <p:nvPr/>
+      </p:nvGrpSpPr>
+      <p:grpSpPr>
+        <a:xfrm>
+          <a:off x="0" y="0"/>
+          <a:ext cx="0" cy="0"/>
+          <a:chOff x="0" y="0"/>
+          <a:chExt cx="0" cy="0"/>
+        </a:xfrm>
+      </p:grpSpPr>
+      <p:sp>
+        <p:nvSpPr>
+          <p:cNvPr id="2" name="Title 1"/>
+          <p:cNvSpPr>
+            <a:spLocks noGrp="1"/>
+          </p:cNvSpPr>
+          <p:nvPr>
+            <p:ph type="title"/>
+          </p:nvPr>
+        </p:nvSpPr>
+        <p:spPr/>
+        <p:txBody>
+          <a:bodyPr/>
+          <a:lstStyle/>
+          <a:p>
+            <a:r>
+              <a:rPr lang="en-US" dirty="0" smtClean="0"/>
+              <a:t>Manual</a:t>
+            </a:r>
+            <a:endParaRPr lang="en-US" dirty="0"/>
+          </a:p>
+        </p:txBody>
+      </p:sp>
+      <p:sp>
+        <p:nvSpPr>
+          <p:cNvPr id="3" name="Content Placeholder 2"/>
+          <p:cNvSpPr>
+            <a:spLocks noGrp="1"/>
+          </p:cNvSpPr>
+          <p:nvPr>
+            <p:ph idx="1"/>
+          </p:nvPr>
+        </p:nvSpPr>
+        <p:spPr/>
+        <p:txBody>
+          <a:bodyPr/>
+          <a:lstStyle/>
+          <a:p>
+            <a:r>
+              <a:rPr lang="en-US" dirty="0" smtClean="0"/>
+              <a:t>Here’s an anchor to swim with</a:t>
+            </a:r>
+            <a:endParaRPr lang="en-US" dirty="0"/>
+          </a:p>
+        </p:txBody>
+      </p:sp>
+    </p:spTree>
+    <p:extLst>
+      <p:ext uri="{BB962C8B-B14F-4D97-AF65-F5344CB8AC3E}">
+        <p14:creationId xmlns:p14="http://schemas.microsoft.com/office/powerpoint/2010/main" val="2085623155"/>
+      </p:ext>
+    </p:extLst>
+  </p:cSld>
+  <p:clrMapOvr>
+    <a:masterClrMapping/>
+  </p:clrMapOvr>
+</p:sld>
+</file>
+
+<file path=ppt/slides/slide16.xml><?xml version="1.0" encoding="utf-8"?>
+<p:sld xmlns:a="http://schemas.openxmlformats.org/drawingml/2006/main" xmlns:r="http://schemas.openxmlformats.org/officeDocument/2006/relationships" xmlns:p="http://schemas.openxmlformats.org/presentationml/2006/main">
+  <p:cSld>
+    <p:spTree>
+      <p:nvGrpSpPr>
+        <p:cNvPr id="1" name=""/>
+        <p:cNvGrpSpPr/>
+        <p:nvPr/>
+      </p:nvGrpSpPr>
+      <p:grpSpPr>
+        <a:xfrm>
+          <a:off x="0" y="0"/>
+          <a:ext cx="0" cy="0"/>
+          <a:chOff x="0" y="0"/>
+          <a:chExt cx="0" cy="0"/>
+        </a:xfrm>
+      </p:grpSpPr>
+      <p:sp>
+        <p:nvSpPr>
+          <p:cNvPr id="2" name="Title 1"/>
+          <p:cNvSpPr>
+            <a:spLocks noGrp="1"/>
+          </p:cNvSpPr>
+          <p:nvPr>
+            <p:ph type="title"/>
+          </p:nvPr>
+        </p:nvSpPr>
+        <p:spPr/>
+        <p:txBody>
+          <a:bodyPr/>
+          <a:lstStyle/>
+          <a:p>
+            <a:r>
+              <a:rPr lang="en-US" dirty="0" smtClean="0"/>
+              <a:t>Frameworks</a:t>
+            </a:r>
+            <a:endParaRPr lang="en-US" dirty="0"/>
+          </a:p>
+        </p:txBody>
+      </p:sp>
+      <p:sp>
+        <p:nvSpPr>
+          <p:cNvPr id="3" name="Content Placeholder 2"/>
+          <p:cNvSpPr>
+            <a:spLocks noGrp="1"/>
+          </p:cNvSpPr>
+          <p:nvPr>
+            <p:ph idx="1"/>
+          </p:nvPr>
+        </p:nvSpPr>
+        <p:spPr/>
+        <p:txBody>
+          <a:bodyPr/>
+          <a:lstStyle/>
+          <a:p>
+            <a:r>
+              <a:rPr lang="en-US" dirty="0" smtClean="0"/>
+              <a:t>Apex</a:t>
+            </a:r>
+          </a:p>
+          <a:p>
+            <a:r>
+              <a:rPr lang="en-US" dirty="0" smtClean="0"/>
+              <a:t>AWS Sam</a:t>
+            </a:r>
+          </a:p>
+          <a:p>
+            <a:r>
+              <a:rPr lang="en-US" dirty="0" err="1" smtClean="0"/>
+              <a:t>Serverless</a:t>
+            </a:r>
+            <a:endParaRPr lang="en-US" dirty="0" smtClean="0"/>
+          </a:p>
+        </p:txBody>
+      </p:sp>
+    </p:spTree>
+    <p:extLst>
+      <p:ext uri="{BB962C8B-B14F-4D97-AF65-F5344CB8AC3E}">
+        <p14:creationId xmlns:p14="http://schemas.microsoft.com/office/powerpoint/2010/main" val="1115277555"/>
+      </p:ext>
+    </p:extLst>
+  </p:cSld>
+  <p:clrMapOvr>
+    <a:masterClrMapping/>
+  </p:clrMapOvr>
+</p:sld>
+</file>
+
+<file path=ppt/slides/slide17.xml><?xml version="1.0" encoding="utf-8"?>
+<p:sld xmlns:a="http://schemas.openxmlformats.org/drawingml/2006/main" xmlns:r="http://schemas.openxmlformats.org/officeDocument/2006/relationships" xmlns:p="http://schemas.openxmlformats.org/presentationml/2006/main">
+  <p:cSld>
+    <p:spTree>
+      <p:nvGrpSpPr>
+        <p:cNvPr id="1" name=""/>
+        <p:cNvGrpSpPr/>
+        <p:nvPr/>
+      </p:nvGrpSpPr>
+      <p:grpSpPr>
+        <a:xfrm>
+          <a:off x="0" y="0"/>
+          <a:ext cx="0" cy="0"/>
+          <a:chOff x="0" y="0"/>
+          <a:chExt cx="0" cy="0"/>
+        </a:xfrm>
+      </p:grpSpPr>
+      <p:sp>
+        <p:nvSpPr>
+          <p:cNvPr id="2" name="Title 1"/>
+          <p:cNvSpPr>
+            <a:spLocks noGrp="1"/>
+          </p:cNvSpPr>
+          <p:nvPr>
+            <p:ph type="title"/>
+          </p:nvPr>
+        </p:nvSpPr>
+        <p:spPr/>
+        <p:txBody>
+          <a:bodyPr/>
+          <a:lstStyle/>
+          <a:p>
+            <a:r>
+              <a:rPr lang="en-US" smtClean="0"/>
+              <a:t>Questions</a:t>
+            </a:r>
+            <a:endParaRPr lang="en-US"/>
+          </a:p>
+        </p:txBody>
+      </p:sp>
+      <p:sp>
+        <p:nvSpPr>
+          <p:cNvPr id="3" name="Content Placeholder 2"/>
+          <p:cNvSpPr>
+            <a:spLocks noGrp="1"/>
+          </p:cNvSpPr>
+          <p:nvPr>
+            <p:ph idx="1"/>
+          </p:nvPr>
+        </p:nvSpPr>
+        <p:spPr/>
+        <p:txBody>
+          <a:bodyPr/>
+          <a:lstStyle/>
+          <a:p>
+            <a:endParaRPr lang="en-US"/>
+          </a:p>
+        </p:txBody>
+      </p:sp>
+    </p:spTree>
+    <p:extLst>
+      <p:ext uri="{BB962C8B-B14F-4D97-AF65-F5344CB8AC3E}">
+        <p14:creationId xmlns:p14="http://schemas.microsoft.com/office/powerpoint/2010/main" val="1541502691"/>
       </p:ext>
     </p:extLst>
   </p:cSld>

--- a/going-serverless-2017.pptx
+++ b/going-serverless-2017.pptx
@@ -10,18 +10,21 @@
     <p:sldId id="258" r:id="rId4"/>
     <p:sldId id="259" r:id="rId5"/>
     <p:sldId id="260" r:id="rId6"/>
-    <p:sldId id="264" r:id="rId7"/>
-    <p:sldId id="265" r:id="rId8"/>
-    <p:sldId id="266" r:id="rId9"/>
-    <p:sldId id="267" r:id="rId10"/>
-    <p:sldId id="268" r:id="rId11"/>
-    <p:sldId id="261" r:id="rId12"/>
-    <p:sldId id="262" r:id="rId13"/>
-    <p:sldId id="263" r:id="rId14"/>
-    <p:sldId id="269" r:id="rId15"/>
-    <p:sldId id="270" r:id="rId16"/>
-    <p:sldId id="271" r:id="rId17"/>
-    <p:sldId id="272" r:id="rId18"/>
+    <p:sldId id="274" r:id="rId7"/>
+    <p:sldId id="273" r:id="rId8"/>
+    <p:sldId id="275" r:id="rId9"/>
+    <p:sldId id="262" r:id="rId10"/>
+    <p:sldId id="264" r:id="rId11"/>
+    <p:sldId id="265" r:id="rId12"/>
+    <p:sldId id="266" r:id="rId13"/>
+    <p:sldId id="267" r:id="rId14"/>
+    <p:sldId id="268" r:id="rId15"/>
+    <p:sldId id="261" r:id="rId16"/>
+    <p:sldId id="263" r:id="rId17"/>
+    <p:sldId id="269" r:id="rId18"/>
+    <p:sldId id="270" r:id="rId19"/>
+    <p:sldId id="271" r:id="rId20"/>
+    <p:sldId id="272" r:id="rId21"/>
   </p:sldIdLst>
   <p:sldSz cx="12192000" cy="6858000"/>
   <p:notesSz cx="6858000" cy="9144000"/>
@@ -3077,35 +3080,70 @@
           <a:p>
             <a:r>
               <a:rPr lang="en-US" dirty="0" smtClean="0"/>
+              <a:t>Patterns</a:t>
+            </a:r>
+            <a:endParaRPr lang="en-US" dirty="0"/>
+          </a:p>
+        </p:txBody>
+      </p:sp>
+      <p:sp>
+        <p:nvSpPr>
+          <p:cNvPr id="3" name="Content Placeholder 2"/>
+          <p:cNvSpPr>
+            <a:spLocks noGrp="1"/>
+          </p:cNvSpPr>
+          <p:nvPr>
+            <p:ph idx="1"/>
+          </p:nvPr>
+        </p:nvSpPr>
+        <p:spPr/>
+        <p:txBody>
+          <a:bodyPr/>
+          <a:lstStyle/>
+          <a:p>
+            <a:r>
+              <a:rPr lang="en-US" dirty="0" smtClean="0"/>
+              <a:t>3 Tier Web Application</a:t>
+            </a:r>
+          </a:p>
+          <a:p>
+            <a:r>
+              <a:rPr lang="en-US" dirty="0" smtClean="0"/>
+              <a:t>Batch Processing</a:t>
+            </a:r>
+          </a:p>
+          <a:p>
+            <a:r>
+              <a:rPr lang="en-US" dirty="0" smtClean="0"/>
+              <a:t>Stream Processing</a:t>
+            </a:r>
+          </a:p>
+          <a:p>
+            <a:r>
+              <a:rPr lang="en-US" dirty="0" smtClean="0"/>
               <a:t>Automation</a:t>
             </a:r>
+          </a:p>
+          <a:p>
+            <a:r>
+              <a:rPr lang="en-US" dirty="0" smtClean="0"/>
+              <a:t>And more</a:t>
+            </a:r>
+            <a:r>
+              <a:rPr lang="mr-IN" dirty="0" smtClean="0"/>
+              <a:t>…</a:t>
+            </a:r>
+            <a:endParaRPr lang="en-US" dirty="0" smtClean="0"/>
+          </a:p>
+          <a:p>
             <a:endParaRPr lang="en-US" dirty="0"/>
-          </a:p>
-        </p:txBody>
-      </p:sp>
-      <p:sp>
-        <p:nvSpPr>
-          <p:cNvPr id="3" name="Content Placeholder 2"/>
-          <p:cNvSpPr>
-            <a:spLocks noGrp="1"/>
-          </p:cNvSpPr>
-          <p:nvPr>
-            <p:ph idx="1"/>
-          </p:nvPr>
-        </p:nvSpPr>
-        <p:spPr/>
-        <p:txBody>
-          <a:bodyPr/>
-          <a:lstStyle/>
-          <a:p>
-            <a:endParaRPr lang="en-US"/>
           </a:p>
         </p:txBody>
       </p:sp>
     </p:spTree>
     <p:extLst>
       <p:ext uri="{BB962C8B-B14F-4D97-AF65-F5344CB8AC3E}">
-        <p14:creationId xmlns:p14="http://schemas.microsoft.com/office/powerpoint/2010/main" val="878048976"/>
+        <p14:creationId xmlns:p14="http://schemas.microsoft.com/office/powerpoint/2010/main" val="1755753080"/>
       </p:ext>
     </p:extLst>
   </p:cSld>
@@ -3149,7 +3187,7 @@
           <a:p>
             <a:r>
               <a:rPr lang="en-US" dirty="0" smtClean="0"/>
-              <a:t>Who</a:t>
+              <a:t>3 Tier Web Application</a:t>
             </a:r>
             <a:endParaRPr lang="en-US" dirty="0"/>
           </a:p>
@@ -3170,36 +3208,14 @@
           <a:bodyPr/>
           <a:lstStyle/>
           <a:p>
-            <a:r>
-              <a:rPr lang="en-US" dirty="0" smtClean="0"/>
-              <a:t>Google Cloud Functions</a:t>
-            </a:r>
-          </a:p>
-          <a:p>
-            <a:r>
-              <a:rPr lang="en-US" dirty="0" smtClean="0"/>
-              <a:t>IBM Open Whisk</a:t>
-            </a:r>
-          </a:p>
-          <a:p>
-            <a:r>
-              <a:rPr lang="en-US" dirty="0" smtClean="0"/>
-              <a:t>Microsoft Azure</a:t>
-            </a:r>
-          </a:p>
-          <a:p>
-            <a:r>
-              <a:rPr lang="en-US" dirty="0" smtClean="0"/>
-              <a:t>AWS Lambda</a:t>
-            </a:r>
-            <a:endParaRPr lang="en-US" dirty="0"/>
+            <a:endParaRPr lang="en-US"/>
           </a:p>
         </p:txBody>
       </p:sp>
     </p:spTree>
     <p:extLst>
       <p:ext uri="{BB962C8B-B14F-4D97-AF65-F5344CB8AC3E}">
-        <p14:creationId xmlns:p14="http://schemas.microsoft.com/office/powerpoint/2010/main" val="1971640995"/>
+        <p14:creationId xmlns:p14="http://schemas.microsoft.com/office/powerpoint/2010/main" val="469415979"/>
       </p:ext>
     </p:extLst>
   </p:cSld>
@@ -3243,7 +3259,7 @@
           <a:p>
             <a:r>
               <a:rPr lang="en-US" dirty="0" smtClean="0"/>
-              <a:t>Cost</a:t>
+              <a:t>Batch Processing</a:t>
             </a:r>
             <a:endParaRPr lang="en-US" dirty="0"/>
           </a:p>
@@ -3271,7 +3287,7 @@
     </p:spTree>
     <p:extLst>
       <p:ext uri="{BB962C8B-B14F-4D97-AF65-F5344CB8AC3E}">
-        <p14:creationId xmlns:p14="http://schemas.microsoft.com/office/powerpoint/2010/main" val="1697529755"/>
+        <p14:creationId xmlns:p14="http://schemas.microsoft.com/office/powerpoint/2010/main" val="772178849"/>
       </p:ext>
     </p:extLst>
   </p:cSld>
@@ -3315,7 +3331,7 @@
           <a:p>
             <a:r>
               <a:rPr lang="en-US" dirty="0" smtClean="0"/>
-              <a:t>How to</a:t>
+              <a:t>Stream Processing</a:t>
             </a:r>
             <a:endParaRPr lang="en-US" dirty="0"/>
           </a:p>
@@ -3336,29 +3352,14 @@
           <a:bodyPr/>
           <a:lstStyle/>
           <a:p>
-            <a:r>
-              <a:rPr lang="en-US" dirty="0" smtClean="0"/>
-              <a:t>Console</a:t>
-            </a:r>
-          </a:p>
-          <a:p>
-            <a:r>
-              <a:rPr lang="en-US" dirty="0" smtClean="0"/>
-              <a:t>Manual</a:t>
-            </a:r>
-          </a:p>
-          <a:p>
-            <a:r>
-              <a:rPr lang="en-US" dirty="0" smtClean="0"/>
-              <a:t>Frameworks</a:t>
-            </a:r>
+            <a:endParaRPr lang="en-US"/>
           </a:p>
         </p:txBody>
       </p:sp>
     </p:spTree>
     <p:extLst>
       <p:ext uri="{BB962C8B-B14F-4D97-AF65-F5344CB8AC3E}">
-        <p14:creationId xmlns:p14="http://schemas.microsoft.com/office/powerpoint/2010/main" val="1062341890"/>
+        <p14:creationId xmlns:p14="http://schemas.microsoft.com/office/powerpoint/2010/main" val="1940946997"/>
       </p:ext>
     </p:extLst>
   </p:cSld>
@@ -3402,7 +3403,7 @@
           <a:p>
             <a:r>
               <a:rPr lang="en-US" dirty="0" smtClean="0"/>
-              <a:t>Console</a:t>
+              <a:t>Automation</a:t>
             </a:r>
             <a:endParaRPr lang="en-US" dirty="0"/>
           </a:p>
@@ -3423,18 +3424,14 @@
           <a:bodyPr/>
           <a:lstStyle/>
           <a:p>
-            <a:r>
-              <a:rPr lang="en-US" dirty="0" smtClean="0"/>
-              <a:t>STOP right now</a:t>
-            </a:r>
-            <a:endParaRPr lang="en-US" dirty="0"/>
+            <a:endParaRPr lang="en-US"/>
           </a:p>
         </p:txBody>
       </p:sp>
     </p:spTree>
     <p:extLst>
       <p:ext uri="{BB962C8B-B14F-4D97-AF65-F5344CB8AC3E}">
-        <p14:creationId xmlns:p14="http://schemas.microsoft.com/office/powerpoint/2010/main" val="656123180"/>
+        <p14:creationId xmlns:p14="http://schemas.microsoft.com/office/powerpoint/2010/main" val="878048976"/>
       </p:ext>
     </p:extLst>
   </p:cSld>
@@ -3478,7 +3475,7 @@
           <a:p>
             <a:r>
               <a:rPr lang="en-US" dirty="0" smtClean="0"/>
-              <a:t>Manual</a:t>
+              <a:t>Who</a:t>
             </a:r>
             <a:endParaRPr lang="en-US" dirty="0"/>
           </a:p>
@@ -3501,7 +3498,25 @@
           <a:p>
             <a:r>
               <a:rPr lang="en-US" dirty="0" smtClean="0"/>
-              <a:t>Here’s an anchor to swim with</a:t>
+              <a:t>Google Cloud Functions</a:t>
+            </a:r>
+          </a:p>
+          <a:p>
+            <a:r>
+              <a:rPr lang="en-US" dirty="0" smtClean="0"/>
+              <a:t>IBM Open Whisk</a:t>
+            </a:r>
+          </a:p>
+          <a:p>
+            <a:r>
+              <a:rPr lang="en-US" dirty="0" smtClean="0"/>
+              <a:t>Microsoft Azure</a:t>
+            </a:r>
+          </a:p>
+          <a:p>
+            <a:r>
+              <a:rPr lang="en-US" dirty="0" smtClean="0"/>
+              <a:t>AWS Lambda</a:t>
             </a:r>
             <a:endParaRPr lang="en-US" dirty="0"/>
           </a:p>
@@ -3510,7 +3525,7 @@
     </p:spTree>
     <p:extLst>
       <p:ext uri="{BB962C8B-B14F-4D97-AF65-F5344CB8AC3E}">
-        <p14:creationId xmlns:p14="http://schemas.microsoft.com/office/powerpoint/2010/main" val="2085623155"/>
+        <p14:creationId xmlns:p14="http://schemas.microsoft.com/office/powerpoint/2010/main" val="1971640995"/>
       </p:ext>
     </p:extLst>
   </p:cSld>
@@ -3554,51 +3569,50 @@
           <a:p>
             <a:r>
               <a:rPr lang="en-US" dirty="0" smtClean="0"/>
+              <a:t>How to</a:t>
+            </a:r>
+            <a:endParaRPr lang="en-US" dirty="0"/>
+          </a:p>
+        </p:txBody>
+      </p:sp>
+      <p:sp>
+        <p:nvSpPr>
+          <p:cNvPr id="3" name="Content Placeholder 2"/>
+          <p:cNvSpPr>
+            <a:spLocks noGrp="1"/>
+          </p:cNvSpPr>
+          <p:nvPr>
+            <p:ph idx="1"/>
+          </p:nvPr>
+        </p:nvSpPr>
+        <p:spPr/>
+        <p:txBody>
+          <a:bodyPr/>
+          <a:lstStyle/>
+          <a:p>
+            <a:r>
+              <a:rPr lang="en-US" dirty="0" smtClean="0"/>
+              <a:t>Console</a:t>
+            </a:r>
+          </a:p>
+          <a:p>
+            <a:r>
+              <a:rPr lang="en-US" dirty="0" smtClean="0"/>
+              <a:t>Manual</a:t>
+            </a:r>
+          </a:p>
+          <a:p>
+            <a:r>
+              <a:rPr lang="en-US" dirty="0" smtClean="0"/>
               <a:t>Frameworks</a:t>
             </a:r>
-            <a:endParaRPr lang="en-US" dirty="0"/>
-          </a:p>
-        </p:txBody>
-      </p:sp>
-      <p:sp>
-        <p:nvSpPr>
-          <p:cNvPr id="3" name="Content Placeholder 2"/>
-          <p:cNvSpPr>
-            <a:spLocks noGrp="1"/>
-          </p:cNvSpPr>
-          <p:nvPr>
-            <p:ph idx="1"/>
-          </p:nvPr>
-        </p:nvSpPr>
-        <p:spPr/>
-        <p:txBody>
-          <a:bodyPr/>
-          <a:lstStyle/>
-          <a:p>
-            <a:r>
-              <a:rPr lang="en-US" dirty="0" smtClean="0"/>
-              <a:t>Apex</a:t>
-            </a:r>
-          </a:p>
-          <a:p>
-            <a:r>
-              <a:rPr lang="en-US" dirty="0" smtClean="0"/>
-              <a:t>AWS Sam</a:t>
-            </a:r>
-          </a:p>
-          <a:p>
-            <a:r>
-              <a:rPr lang="en-US" dirty="0" err="1" smtClean="0"/>
-              <a:t>Serverless</a:t>
-            </a:r>
-            <a:endParaRPr lang="en-US" dirty="0" smtClean="0"/>
           </a:p>
         </p:txBody>
       </p:sp>
     </p:spTree>
     <p:extLst>
       <p:ext uri="{BB962C8B-B14F-4D97-AF65-F5344CB8AC3E}">
-        <p14:creationId xmlns:p14="http://schemas.microsoft.com/office/powerpoint/2010/main" val="1115277555"/>
+        <p14:creationId xmlns:p14="http://schemas.microsoft.com/office/powerpoint/2010/main" val="1062341890"/>
       </p:ext>
     </p:extLst>
   </p:cSld>
@@ -3641,10 +3655,10 @@
           <a:lstStyle/>
           <a:p>
             <a:r>
-              <a:rPr lang="en-US" smtClean="0"/>
-              <a:t>Questions</a:t>
-            </a:r>
-            <a:endParaRPr lang="en-US"/>
+              <a:rPr lang="en-US" dirty="0" smtClean="0"/>
+              <a:t>Console</a:t>
+            </a:r>
+            <a:endParaRPr lang="en-US" dirty="0"/>
           </a:p>
         </p:txBody>
       </p:sp>
@@ -3663,14 +3677,182 @@
           <a:bodyPr/>
           <a:lstStyle/>
           <a:p>
-            <a:endParaRPr lang="en-US"/>
+            <a:r>
+              <a:rPr lang="en-US" dirty="0" smtClean="0"/>
+              <a:t>STOP right now</a:t>
+            </a:r>
+            <a:endParaRPr lang="en-US" dirty="0"/>
           </a:p>
         </p:txBody>
       </p:sp>
     </p:spTree>
     <p:extLst>
       <p:ext uri="{BB962C8B-B14F-4D97-AF65-F5344CB8AC3E}">
-        <p14:creationId xmlns:p14="http://schemas.microsoft.com/office/powerpoint/2010/main" val="1541502691"/>
+        <p14:creationId xmlns:p14="http://schemas.microsoft.com/office/powerpoint/2010/main" val="656123180"/>
+      </p:ext>
+    </p:extLst>
+  </p:cSld>
+  <p:clrMapOvr>
+    <a:masterClrMapping/>
+  </p:clrMapOvr>
+</p:sld>
+</file>
+
+<file path=ppt/slides/slide18.xml><?xml version="1.0" encoding="utf-8"?>
+<p:sld xmlns:a="http://schemas.openxmlformats.org/drawingml/2006/main" xmlns:r="http://schemas.openxmlformats.org/officeDocument/2006/relationships" xmlns:p="http://schemas.openxmlformats.org/presentationml/2006/main">
+  <p:cSld>
+    <p:spTree>
+      <p:nvGrpSpPr>
+        <p:cNvPr id="1" name=""/>
+        <p:cNvGrpSpPr/>
+        <p:nvPr/>
+      </p:nvGrpSpPr>
+      <p:grpSpPr>
+        <a:xfrm>
+          <a:off x="0" y="0"/>
+          <a:ext cx="0" cy="0"/>
+          <a:chOff x="0" y="0"/>
+          <a:chExt cx="0" cy="0"/>
+        </a:xfrm>
+      </p:grpSpPr>
+      <p:sp>
+        <p:nvSpPr>
+          <p:cNvPr id="2" name="Title 1"/>
+          <p:cNvSpPr>
+            <a:spLocks noGrp="1"/>
+          </p:cNvSpPr>
+          <p:nvPr>
+            <p:ph type="title"/>
+          </p:nvPr>
+        </p:nvSpPr>
+        <p:spPr/>
+        <p:txBody>
+          <a:bodyPr/>
+          <a:lstStyle/>
+          <a:p>
+            <a:r>
+              <a:rPr lang="en-US" dirty="0" smtClean="0"/>
+              <a:t>Manual</a:t>
+            </a:r>
+            <a:endParaRPr lang="en-US" dirty="0"/>
+          </a:p>
+        </p:txBody>
+      </p:sp>
+      <p:sp>
+        <p:nvSpPr>
+          <p:cNvPr id="3" name="Content Placeholder 2"/>
+          <p:cNvSpPr>
+            <a:spLocks noGrp="1"/>
+          </p:cNvSpPr>
+          <p:nvPr>
+            <p:ph idx="1"/>
+          </p:nvPr>
+        </p:nvSpPr>
+        <p:spPr/>
+        <p:txBody>
+          <a:bodyPr/>
+          <a:lstStyle/>
+          <a:p>
+            <a:r>
+              <a:rPr lang="en-US" dirty="0" smtClean="0"/>
+              <a:t>Here’s an anchor to swim with</a:t>
+            </a:r>
+            <a:endParaRPr lang="en-US" dirty="0"/>
+          </a:p>
+        </p:txBody>
+      </p:sp>
+    </p:spTree>
+    <p:extLst>
+      <p:ext uri="{BB962C8B-B14F-4D97-AF65-F5344CB8AC3E}">
+        <p14:creationId xmlns:p14="http://schemas.microsoft.com/office/powerpoint/2010/main" val="2085623155"/>
+      </p:ext>
+    </p:extLst>
+  </p:cSld>
+  <p:clrMapOvr>
+    <a:masterClrMapping/>
+  </p:clrMapOvr>
+</p:sld>
+</file>
+
+<file path=ppt/slides/slide19.xml><?xml version="1.0" encoding="utf-8"?>
+<p:sld xmlns:a="http://schemas.openxmlformats.org/drawingml/2006/main" xmlns:r="http://schemas.openxmlformats.org/officeDocument/2006/relationships" xmlns:p="http://schemas.openxmlformats.org/presentationml/2006/main">
+  <p:cSld>
+    <p:spTree>
+      <p:nvGrpSpPr>
+        <p:cNvPr id="1" name=""/>
+        <p:cNvGrpSpPr/>
+        <p:nvPr/>
+      </p:nvGrpSpPr>
+      <p:grpSpPr>
+        <a:xfrm>
+          <a:off x="0" y="0"/>
+          <a:ext cx="0" cy="0"/>
+          <a:chOff x="0" y="0"/>
+          <a:chExt cx="0" cy="0"/>
+        </a:xfrm>
+      </p:grpSpPr>
+      <p:sp>
+        <p:nvSpPr>
+          <p:cNvPr id="2" name="Title 1"/>
+          <p:cNvSpPr>
+            <a:spLocks noGrp="1"/>
+          </p:cNvSpPr>
+          <p:nvPr>
+            <p:ph type="title"/>
+          </p:nvPr>
+        </p:nvSpPr>
+        <p:spPr/>
+        <p:txBody>
+          <a:bodyPr/>
+          <a:lstStyle/>
+          <a:p>
+            <a:r>
+              <a:rPr lang="en-US" dirty="0" smtClean="0"/>
+              <a:t>Frameworks</a:t>
+            </a:r>
+            <a:endParaRPr lang="en-US" dirty="0"/>
+          </a:p>
+        </p:txBody>
+      </p:sp>
+      <p:sp>
+        <p:nvSpPr>
+          <p:cNvPr id="3" name="Content Placeholder 2"/>
+          <p:cNvSpPr>
+            <a:spLocks noGrp="1"/>
+          </p:cNvSpPr>
+          <p:nvPr>
+            <p:ph idx="1"/>
+          </p:nvPr>
+        </p:nvSpPr>
+        <p:spPr/>
+        <p:txBody>
+          <a:bodyPr/>
+          <a:lstStyle/>
+          <a:p>
+            <a:r>
+              <a:rPr lang="en-US" dirty="0" smtClean="0"/>
+              <a:t>Apex</a:t>
+            </a:r>
+          </a:p>
+          <a:p>
+            <a:r>
+              <a:rPr lang="en-US" dirty="0" smtClean="0"/>
+              <a:t>AWS Sam</a:t>
+            </a:r>
+          </a:p>
+          <a:p>
+            <a:r>
+              <a:rPr lang="en-US" dirty="0" err="1" smtClean="0"/>
+              <a:t>Serverless</a:t>
+            </a:r>
+            <a:endParaRPr lang="en-US" dirty="0" smtClean="0"/>
+          </a:p>
+        </p:txBody>
+      </p:sp>
+    </p:spTree>
+    <p:extLst>
+      <p:ext uri="{BB962C8B-B14F-4D97-AF65-F5344CB8AC3E}">
+        <p14:creationId xmlns:p14="http://schemas.microsoft.com/office/powerpoint/2010/main" val="1115277555"/>
       </p:ext>
     </p:extLst>
   </p:cSld>
@@ -3743,6 +3925,78 @@
     <p:extLst>
       <p:ext uri="{BB962C8B-B14F-4D97-AF65-F5344CB8AC3E}">
         <p14:creationId xmlns:p14="http://schemas.microsoft.com/office/powerpoint/2010/main" val="1780265973"/>
+      </p:ext>
+    </p:extLst>
+  </p:cSld>
+  <p:clrMapOvr>
+    <a:masterClrMapping/>
+  </p:clrMapOvr>
+</p:sld>
+</file>
+
+<file path=ppt/slides/slide20.xml><?xml version="1.0" encoding="utf-8"?>
+<p:sld xmlns:a="http://schemas.openxmlformats.org/drawingml/2006/main" xmlns:r="http://schemas.openxmlformats.org/officeDocument/2006/relationships" xmlns:p="http://schemas.openxmlformats.org/presentationml/2006/main">
+  <p:cSld>
+    <p:spTree>
+      <p:nvGrpSpPr>
+        <p:cNvPr id="1" name=""/>
+        <p:cNvGrpSpPr/>
+        <p:nvPr/>
+      </p:nvGrpSpPr>
+      <p:grpSpPr>
+        <a:xfrm>
+          <a:off x="0" y="0"/>
+          <a:ext cx="0" cy="0"/>
+          <a:chOff x="0" y="0"/>
+          <a:chExt cx="0" cy="0"/>
+        </a:xfrm>
+      </p:grpSpPr>
+      <p:sp>
+        <p:nvSpPr>
+          <p:cNvPr id="2" name="Title 1"/>
+          <p:cNvSpPr>
+            <a:spLocks noGrp="1"/>
+          </p:cNvSpPr>
+          <p:nvPr>
+            <p:ph type="title"/>
+          </p:nvPr>
+        </p:nvSpPr>
+        <p:spPr/>
+        <p:txBody>
+          <a:bodyPr/>
+          <a:lstStyle/>
+          <a:p>
+            <a:r>
+              <a:rPr lang="en-US" dirty="0" smtClean="0"/>
+              <a:t>Questions</a:t>
+            </a:r>
+            <a:endParaRPr lang="en-US" dirty="0"/>
+          </a:p>
+        </p:txBody>
+      </p:sp>
+      <p:sp>
+        <p:nvSpPr>
+          <p:cNvPr id="3" name="Content Placeholder 2"/>
+          <p:cNvSpPr>
+            <a:spLocks noGrp="1"/>
+          </p:cNvSpPr>
+          <p:nvPr>
+            <p:ph idx="1"/>
+          </p:nvPr>
+        </p:nvSpPr>
+        <p:spPr/>
+        <p:txBody>
+          <a:bodyPr/>
+          <a:lstStyle/>
+          <a:p>
+            <a:endParaRPr lang="en-US"/>
+          </a:p>
+        </p:txBody>
+      </p:sp>
+    </p:spTree>
+    <p:extLst>
+      <p:ext uri="{BB962C8B-B14F-4D97-AF65-F5344CB8AC3E}">
+        <p14:creationId xmlns:p14="http://schemas.microsoft.com/office/powerpoint/2010/main" val="1541502691"/>
       </p:ext>
     </p:extLst>
   </p:cSld>
@@ -4016,7 +4270,7 @@
           <a:p>
             <a:r>
               <a:rPr lang="en-US" dirty="0" smtClean="0"/>
-              <a:t>Security</a:t>
+              <a:t>Cost</a:t>
             </a:r>
           </a:p>
         </p:txBody>
@@ -4068,7 +4322,7 @@
           <a:p>
             <a:r>
               <a:rPr lang="en-US" dirty="0" smtClean="0"/>
-              <a:t>Patterns</a:t>
+              <a:t>Managed</a:t>
             </a:r>
             <a:endParaRPr lang="en-US" dirty="0"/>
           </a:p>
@@ -4089,49 +4343,14 @@
           <a:bodyPr/>
           <a:lstStyle/>
           <a:p>
-            <a:r>
-              <a:rPr lang="en-US" dirty="0" smtClean="0"/>
-              <a:t>3 Tier Web Application</a:t>
-            </a:r>
-          </a:p>
-          <a:p>
-            <a:r>
-              <a:rPr lang="en-US" dirty="0" smtClean="0"/>
-              <a:t>Batch Processing</a:t>
-            </a:r>
-          </a:p>
-          <a:p>
-            <a:r>
-              <a:rPr lang="en-US" dirty="0" smtClean="0"/>
-              <a:t>Stream Processing</a:t>
-            </a:r>
-          </a:p>
-          <a:p>
-            <a:r>
-              <a:rPr lang="en-US" dirty="0" smtClean="0"/>
-              <a:t>Automation</a:t>
-            </a:r>
-          </a:p>
-          <a:p>
-            <a:r>
-              <a:rPr lang="en-US" dirty="0" smtClean="0"/>
-              <a:t>And more</a:t>
-            </a:r>
-            <a:r>
-              <a:rPr lang="mr-IN" dirty="0" smtClean="0"/>
-              <a:t>…</a:t>
-            </a:r>
-            <a:endParaRPr lang="en-US" dirty="0" smtClean="0"/>
-          </a:p>
-          <a:p>
-            <a:endParaRPr lang="en-US" dirty="0"/>
+            <a:endParaRPr lang="en-US"/>
           </a:p>
         </p:txBody>
       </p:sp>
     </p:spTree>
     <p:extLst>
       <p:ext uri="{BB962C8B-B14F-4D97-AF65-F5344CB8AC3E}">
-        <p14:creationId xmlns:p14="http://schemas.microsoft.com/office/powerpoint/2010/main" val="1755753080"/>
+        <p14:creationId xmlns:p14="http://schemas.microsoft.com/office/powerpoint/2010/main" val="902979938"/>
       </p:ext>
     </p:extLst>
   </p:cSld>
@@ -4175,7 +4394,7 @@
           <a:p>
             <a:r>
               <a:rPr lang="en-US" dirty="0" smtClean="0"/>
-              <a:t>3 Tier Web Application</a:t>
+              <a:t>Scalable</a:t>
             </a:r>
             <a:endParaRPr lang="en-US" dirty="0"/>
           </a:p>
@@ -4203,7 +4422,7 @@
     </p:spTree>
     <p:extLst>
       <p:ext uri="{BB962C8B-B14F-4D97-AF65-F5344CB8AC3E}">
-        <p14:creationId xmlns:p14="http://schemas.microsoft.com/office/powerpoint/2010/main" val="469415979"/>
+        <p14:creationId xmlns:p14="http://schemas.microsoft.com/office/powerpoint/2010/main" val="1998115011"/>
       </p:ext>
     </p:extLst>
   </p:cSld>
@@ -4247,7 +4466,7 @@
           <a:p>
             <a:r>
               <a:rPr lang="en-US" dirty="0" smtClean="0"/>
-              <a:t>Batch Processing</a:t>
+              <a:t>Leverage Services</a:t>
             </a:r>
             <a:endParaRPr lang="en-US" dirty="0"/>
           </a:p>
@@ -4268,14 +4487,44 @@
           <a:bodyPr/>
           <a:lstStyle/>
           <a:p>
-            <a:endParaRPr lang="en-US"/>
+            <a:r>
+              <a:rPr lang="en-US" dirty="0" err="1" smtClean="0"/>
+              <a:t>Cognito</a:t>
+            </a:r>
+            <a:endParaRPr lang="en-US" dirty="0" smtClean="0"/>
+          </a:p>
+          <a:p>
+            <a:r>
+              <a:rPr lang="en-US" dirty="0" smtClean="0"/>
+              <a:t>S3</a:t>
+            </a:r>
+          </a:p>
+          <a:p>
+            <a:r>
+              <a:rPr lang="en-US" dirty="0" smtClean="0"/>
+              <a:t>SNS</a:t>
+            </a:r>
+          </a:p>
+          <a:p>
+            <a:r>
+              <a:rPr lang="en-US" dirty="0" err="1" smtClean="0"/>
+              <a:t>Kinises</a:t>
+            </a:r>
+            <a:endParaRPr lang="en-US" dirty="0" smtClean="0"/>
+          </a:p>
+          <a:p>
+            <a:r>
+              <a:rPr lang="en-US" dirty="0" smtClean="0"/>
+              <a:t>Etc..</a:t>
+            </a:r>
+            <a:endParaRPr lang="en-US" dirty="0"/>
           </a:p>
         </p:txBody>
       </p:sp>
     </p:spTree>
     <p:extLst>
       <p:ext uri="{BB962C8B-B14F-4D97-AF65-F5344CB8AC3E}">
-        <p14:creationId xmlns:p14="http://schemas.microsoft.com/office/powerpoint/2010/main" val="772178849"/>
+        <p14:creationId xmlns:p14="http://schemas.microsoft.com/office/powerpoint/2010/main" val="2036119871"/>
       </p:ext>
     </p:extLst>
   </p:cSld>
@@ -4319,7 +4568,7 @@
           <a:p>
             <a:r>
               <a:rPr lang="en-US" dirty="0" smtClean="0"/>
-              <a:t>Stream Processing</a:t>
+              <a:t>Cost</a:t>
             </a:r>
             <a:endParaRPr lang="en-US" dirty="0"/>
           </a:p>
@@ -4347,7 +4596,7 @@
     </p:spTree>
     <p:extLst>
       <p:ext uri="{BB962C8B-B14F-4D97-AF65-F5344CB8AC3E}">
-        <p14:creationId xmlns:p14="http://schemas.microsoft.com/office/powerpoint/2010/main" val="1940946997"/>
+        <p14:creationId xmlns:p14="http://schemas.microsoft.com/office/powerpoint/2010/main" val="1697529755"/>
       </p:ext>
     </p:extLst>
   </p:cSld>

--- a/going-serverless-2017.pptx
+++ b/going-serverless-2017.pptx
@@ -3193,25 +3193,668 @@
           </a:p>
         </p:txBody>
       </p:sp>
-      <p:sp>
-        <p:nvSpPr>
-          <p:cNvPr id="3" name="Content Placeholder 2"/>
-          <p:cNvSpPr>
-            <a:spLocks noGrp="1"/>
-          </p:cNvSpPr>
-          <p:nvPr>
-            <p:ph idx="1"/>
-          </p:nvPr>
-        </p:nvSpPr>
-        <p:spPr/>
-        <p:txBody>
-          <a:bodyPr/>
-          <a:lstStyle/>
-          <a:p>
-            <a:endParaRPr lang="en-US"/>
-          </a:p>
-        </p:txBody>
-      </p:sp>
+      <p:grpSp>
+        <p:nvGrpSpPr>
+          <p:cNvPr id="7" name="Group 6"/>
+          <p:cNvGrpSpPr/>
+          <p:nvPr/>
+        </p:nvGrpSpPr>
+        <p:grpSpPr>
+          <a:xfrm>
+            <a:off x="3671458" y="1690688"/>
+            <a:ext cx="731520" cy="835564"/>
+            <a:chOff x="444164" y="680288"/>
+            <a:chExt cx="731520" cy="835564"/>
+          </a:xfrm>
+        </p:grpSpPr>
+        <p:pic>
+          <p:nvPicPr>
+            <p:cNvPr id="5" name="Picture 4"/>
+            <p:cNvPicPr>
+              <a:picLocks noChangeAspect="1"/>
+            </p:cNvPicPr>
+            <p:nvPr/>
+          </p:nvPicPr>
+          <p:blipFill>
+            <a:blip r:embed="rId2">
+              <a:extLst>
+                <a:ext uri="{28A0092B-C50C-407E-A947-70E740481C1C}">
+                  <a14:useLocalDpi xmlns:a14="http://schemas.microsoft.com/office/drawing/2010/main" val="0"/>
+                </a:ext>
+              </a:extLst>
+            </a:blip>
+            <a:stretch>
+              <a:fillRect/>
+            </a:stretch>
+          </p:blipFill>
+          <p:spPr>
+            <a:xfrm>
+              <a:off x="537534" y="680288"/>
+              <a:ext cx="544780" cy="653098"/>
+            </a:xfrm>
+            <a:prstGeom prst="rect">
+              <a:avLst/>
+            </a:prstGeom>
+          </p:spPr>
+        </p:pic>
+        <p:sp>
+          <p:nvSpPr>
+            <p:cNvPr id="6" name="TextBox 5"/>
+            <p:cNvSpPr txBox="1"/>
+            <p:nvPr/>
+          </p:nvSpPr>
+          <p:spPr>
+            <a:xfrm>
+              <a:off x="444164" y="1360220"/>
+              <a:ext cx="731520" cy="155632"/>
+            </a:xfrm>
+            <a:prstGeom prst="rect">
+              <a:avLst/>
+            </a:prstGeom>
+            <a:noFill/>
+          </p:spPr>
+          <p:txBody>
+            <a:bodyPr wrap="square" lIns="0" tIns="0" rIns="0" bIns="0" rtlCol="0" anchor="t">
+              <a:noAutofit/>
+            </a:bodyPr>
+            <a:lstStyle/>
+            <a:p>
+              <a:pPr algn="ctr"/>
+              <a:r>
+                <a:rPr lang="en-US" sz="1000" b="1" dirty="0" smtClean="0"/>
+                <a:t>Amazon </a:t>
+              </a:r>
+              <a:r>
+                <a:rPr lang="en-US" sz="1000" b="1" dirty="0" err="1" smtClean="0"/>
+                <a:t>CloudFront</a:t>
+              </a:r>
+              <a:endParaRPr lang="en-US" b="1" dirty="0"/>
+            </a:p>
+          </p:txBody>
+        </p:sp>
+      </p:grpSp>
+      <p:grpSp>
+        <p:nvGrpSpPr>
+          <p:cNvPr id="10" name="Group 9"/>
+          <p:cNvGrpSpPr/>
+          <p:nvPr/>
+        </p:nvGrpSpPr>
+        <p:grpSpPr>
+          <a:xfrm>
+            <a:off x="5916580" y="3488884"/>
+            <a:ext cx="825006" cy="836556"/>
+            <a:chOff x="6022353" y="781542"/>
+            <a:chExt cx="825006" cy="836556"/>
+          </a:xfrm>
+        </p:grpSpPr>
+        <p:pic>
+          <p:nvPicPr>
+            <p:cNvPr id="8" name="Picture 7"/>
+            <p:cNvPicPr>
+              <a:picLocks noChangeAspect="1"/>
+            </p:cNvPicPr>
+            <p:nvPr/>
+          </p:nvPicPr>
+          <p:blipFill>
+            <a:blip r:embed="rId3">
+              <a:extLst>
+                <a:ext uri="{28A0092B-C50C-407E-A947-70E740481C1C}">
+                  <a14:useLocalDpi xmlns:a14="http://schemas.microsoft.com/office/drawing/2010/main" val="0"/>
+                </a:ext>
+              </a:extLst>
+            </a:blip>
+            <a:stretch>
+              <a:fillRect/>
+            </a:stretch>
+          </p:blipFill>
+          <p:spPr>
+            <a:xfrm>
+              <a:off x="6162466" y="781542"/>
+              <a:ext cx="544781" cy="653737"/>
+            </a:xfrm>
+            <a:prstGeom prst="rect">
+              <a:avLst/>
+            </a:prstGeom>
+          </p:spPr>
+        </p:pic>
+        <p:sp>
+          <p:nvSpPr>
+            <p:cNvPr id="9" name="TextBox 8"/>
+            <p:cNvSpPr txBox="1"/>
+            <p:nvPr/>
+          </p:nvSpPr>
+          <p:spPr>
+            <a:xfrm>
+              <a:off x="6022353" y="1462466"/>
+              <a:ext cx="825006" cy="155632"/>
+            </a:xfrm>
+            <a:prstGeom prst="rect">
+              <a:avLst/>
+            </a:prstGeom>
+            <a:noFill/>
+          </p:spPr>
+          <p:txBody>
+            <a:bodyPr wrap="square" lIns="0" tIns="0" rIns="0" bIns="0" rtlCol="0" anchor="t">
+              <a:noAutofit/>
+            </a:bodyPr>
+            <a:lstStyle/>
+            <a:p>
+              <a:pPr algn="ctr"/>
+              <a:r>
+                <a:rPr lang="en-US" sz="1000" b="1" dirty="0" smtClean="0"/>
+                <a:t>AWS</a:t>
+              </a:r>
+            </a:p>
+            <a:p>
+              <a:pPr algn="ctr"/>
+              <a:r>
+                <a:rPr lang="en-US" sz="1000" b="1" dirty="0" smtClean="0"/>
+                <a:t>Lambda</a:t>
+              </a:r>
+              <a:endParaRPr lang="en-US" sz="1000" b="1" dirty="0"/>
+            </a:p>
+          </p:txBody>
+        </p:sp>
+      </p:grpSp>
+      <p:grpSp>
+        <p:nvGrpSpPr>
+          <p:cNvPr id="13" name="Group 12"/>
+          <p:cNvGrpSpPr/>
+          <p:nvPr/>
+        </p:nvGrpSpPr>
+        <p:grpSpPr>
+          <a:xfrm>
+            <a:off x="8074844" y="3519405"/>
+            <a:ext cx="894752" cy="806035"/>
+            <a:chOff x="365197" y="709817"/>
+            <a:chExt cx="894752" cy="806035"/>
+          </a:xfrm>
+        </p:grpSpPr>
+        <p:pic>
+          <p:nvPicPr>
+            <p:cNvPr id="11" name="Picture 10"/>
+            <p:cNvPicPr>
+              <a:picLocks noChangeAspect="1"/>
+            </p:cNvPicPr>
+            <p:nvPr/>
+          </p:nvPicPr>
+          <p:blipFill>
+            <a:blip r:embed="rId4">
+              <a:extLst>
+                <a:ext uri="{28A0092B-C50C-407E-A947-70E740481C1C}">
+                  <a14:useLocalDpi xmlns:a14="http://schemas.microsoft.com/office/drawing/2010/main" val="0"/>
+                </a:ext>
+              </a:extLst>
+            </a:blip>
+            <a:stretch>
+              <a:fillRect/>
+            </a:stretch>
+          </p:blipFill>
+          <p:spPr>
+            <a:xfrm>
+              <a:off x="540839" y="709817"/>
+              <a:ext cx="543466" cy="601994"/>
+            </a:xfrm>
+            <a:prstGeom prst="rect">
+              <a:avLst/>
+            </a:prstGeom>
+          </p:spPr>
+        </p:pic>
+        <p:sp>
+          <p:nvSpPr>
+            <p:cNvPr id="12" name="TextBox 11"/>
+            <p:cNvSpPr txBox="1"/>
+            <p:nvPr/>
+          </p:nvSpPr>
+          <p:spPr>
+            <a:xfrm>
+              <a:off x="365197" y="1360220"/>
+              <a:ext cx="894752" cy="155632"/>
+            </a:xfrm>
+            <a:prstGeom prst="rect">
+              <a:avLst/>
+            </a:prstGeom>
+            <a:noFill/>
+          </p:spPr>
+          <p:txBody>
+            <a:bodyPr wrap="square" lIns="0" tIns="0" rIns="0" bIns="0" rtlCol="0" anchor="t">
+              <a:noAutofit/>
+            </a:bodyPr>
+            <a:lstStyle/>
+            <a:p>
+              <a:pPr algn="ctr"/>
+              <a:r>
+                <a:rPr lang="en-US" sz="1000" b="1" dirty="0" smtClean="0"/>
+                <a:t>Amazon</a:t>
+              </a:r>
+              <a:br>
+                <a:rPr lang="en-US" sz="1000" b="1" dirty="0" smtClean="0"/>
+              </a:br>
+              <a:r>
+                <a:rPr lang="en-US" sz="1000" b="1" dirty="0" err="1" smtClean="0"/>
+                <a:t>DynamoDB</a:t>
+              </a:r>
+              <a:endParaRPr lang="en-US" b="1" dirty="0"/>
+            </a:p>
+          </p:txBody>
+        </p:sp>
+      </p:grpSp>
+      <p:grpSp>
+        <p:nvGrpSpPr>
+          <p:cNvPr id="16" name="Group 15"/>
+          <p:cNvGrpSpPr/>
+          <p:nvPr/>
+        </p:nvGrpSpPr>
+        <p:grpSpPr>
+          <a:xfrm>
+            <a:off x="5963323" y="1690688"/>
+            <a:ext cx="731520" cy="806494"/>
+            <a:chOff x="2586020" y="709358"/>
+            <a:chExt cx="731520" cy="806494"/>
+          </a:xfrm>
+        </p:grpSpPr>
+        <p:pic>
+          <p:nvPicPr>
+            <p:cNvPr id="14" name="Picture 13"/>
+            <p:cNvPicPr>
+              <a:picLocks noChangeAspect="1"/>
+            </p:cNvPicPr>
+            <p:nvPr/>
+          </p:nvPicPr>
+          <p:blipFill>
+            <a:blip r:embed="rId5">
+              <a:extLst>
+                <a:ext uri="{28A0092B-C50C-407E-A947-70E740481C1C}">
+                  <a14:useLocalDpi xmlns:a14="http://schemas.microsoft.com/office/drawing/2010/main" val="0"/>
+                </a:ext>
+              </a:extLst>
+            </a:blip>
+            <a:stretch>
+              <a:fillRect/>
+            </a:stretch>
+          </p:blipFill>
+          <p:spPr>
+            <a:xfrm>
+              <a:off x="2689579" y="709358"/>
+              <a:ext cx="521367" cy="625640"/>
+            </a:xfrm>
+            <a:prstGeom prst="rect">
+              <a:avLst/>
+            </a:prstGeom>
+          </p:spPr>
+        </p:pic>
+        <p:sp>
+          <p:nvSpPr>
+            <p:cNvPr id="15" name="TextBox 14"/>
+            <p:cNvSpPr txBox="1"/>
+            <p:nvPr/>
+          </p:nvSpPr>
+          <p:spPr>
+            <a:xfrm>
+              <a:off x="2586020" y="1360220"/>
+              <a:ext cx="731520" cy="155632"/>
+            </a:xfrm>
+            <a:prstGeom prst="rect">
+              <a:avLst/>
+            </a:prstGeom>
+            <a:noFill/>
+          </p:spPr>
+          <p:txBody>
+            <a:bodyPr wrap="square" lIns="0" tIns="0" rIns="0" bIns="0" rtlCol="0" anchor="t">
+              <a:noAutofit/>
+            </a:bodyPr>
+            <a:lstStyle/>
+            <a:p>
+              <a:pPr algn="ctr"/>
+              <a:r>
+                <a:rPr lang="en-US" sz="1000" b="1" dirty="0" smtClean="0"/>
+                <a:t>Amazon</a:t>
+              </a:r>
+              <a:br>
+                <a:rPr lang="en-US" sz="1000" b="1" dirty="0" smtClean="0"/>
+              </a:br>
+              <a:r>
+                <a:rPr lang="en-US" sz="1000" b="1" dirty="0" smtClean="0"/>
+                <a:t>S3</a:t>
+              </a:r>
+              <a:endParaRPr lang="en-US" b="1" dirty="0"/>
+            </a:p>
+          </p:txBody>
+        </p:sp>
+      </p:grpSp>
+      <p:grpSp>
+        <p:nvGrpSpPr>
+          <p:cNvPr id="19" name="Group 18"/>
+          <p:cNvGrpSpPr/>
+          <p:nvPr/>
+        </p:nvGrpSpPr>
+        <p:grpSpPr>
+          <a:xfrm>
+            <a:off x="3589842" y="3499009"/>
+            <a:ext cx="894752" cy="826431"/>
+            <a:chOff x="362197" y="689421"/>
+            <a:chExt cx="894752" cy="826431"/>
+          </a:xfrm>
+        </p:grpSpPr>
+        <p:pic>
+          <p:nvPicPr>
+            <p:cNvPr id="17" name="Picture 16"/>
+            <p:cNvPicPr>
+              <a:picLocks noChangeAspect="1"/>
+            </p:cNvPicPr>
+            <p:nvPr/>
+          </p:nvPicPr>
+          <p:blipFill>
+            <a:blip r:embed="rId6">
+              <a:extLst>
+                <a:ext uri="{28A0092B-C50C-407E-A947-70E740481C1C}">
+                  <a14:useLocalDpi xmlns:a14="http://schemas.microsoft.com/office/drawing/2010/main" val="0"/>
+                </a:ext>
+              </a:extLst>
+            </a:blip>
+            <a:stretch>
+              <a:fillRect/>
+            </a:stretch>
+          </p:blipFill>
+          <p:spPr>
+            <a:xfrm>
+              <a:off x="549398" y="689421"/>
+              <a:ext cx="521366" cy="625640"/>
+            </a:xfrm>
+            <a:prstGeom prst="rect">
+              <a:avLst/>
+            </a:prstGeom>
+          </p:spPr>
+        </p:pic>
+        <p:sp>
+          <p:nvSpPr>
+            <p:cNvPr id="18" name="TextBox 17"/>
+            <p:cNvSpPr txBox="1"/>
+            <p:nvPr/>
+          </p:nvSpPr>
+          <p:spPr>
+            <a:xfrm>
+              <a:off x="362197" y="1360220"/>
+              <a:ext cx="894752" cy="155632"/>
+            </a:xfrm>
+            <a:prstGeom prst="rect">
+              <a:avLst/>
+            </a:prstGeom>
+            <a:noFill/>
+          </p:spPr>
+          <p:txBody>
+            <a:bodyPr wrap="square" lIns="0" tIns="0" rIns="0" bIns="0" rtlCol="0" anchor="t">
+              <a:noAutofit/>
+            </a:bodyPr>
+            <a:lstStyle/>
+            <a:p>
+              <a:pPr algn="ctr"/>
+              <a:r>
+                <a:rPr lang="en-US" sz="1000" b="1" dirty="0" smtClean="0"/>
+                <a:t>Amazon API Gateway*</a:t>
+              </a:r>
+              <a:endParaRPr lang="en-US" b="1" dirty="0"/>
+            </a:p>
+          </p:txBody>
+        </p:sp>
+      </p:grpSp>
+      <p:pic>
+        <p:nvPicPr>
+          <p:cNvPr id="20" name="Picture 19"/>
+          <p:cNvPicPr>
+            <a:picLocks noChangeAspect="1"/>
+          </p:cNvPicPr>
+          <p:nvPr/>
+        </p:nvPicPr>
+        <p:blipFill>
+          <a:blip r:embed="rId7">
+            <a:extLst>
+              <a:ext uri="{28A0092B-C50C-407E-A947-70E740481C1C}">
+                <a14:useLocalDpi xmlns:a14="http://schemas.microsoft.com/office/drawing/2010/main" val="0"/>
+              </a:ext>
+            </a:extLst>
+          </a:blip>
+          <a:stretch>
+            <a:fillRect/>
+          </a:stretch>
+        </p:blipFill>
+        <p:spPr>
+          <a:xfrm>
+            <a:off x="1287239" y="2757364"/>
+            <a:ext cx="731520" cy="731520"/>
+          </a:xfrm>
+          <a:prstGeom prst="rect">
+            <a:avLst/>
+          </a:prstGeom>
+        </p:spPr>
+      </p:pic>
+      <p:sp>
+        <p:nvSpPr>
+          <p:cNvPr id="21" name="TextBox 20"/>
+          <p:cNvSpPr txBox="1"/>
+          <p:nvPr/>
+        </p:nvSpPr>
+        <p:spPr>
+          <a:xfrm>
+            <a:off x="1104001" y="3589775"/>
+            <a:ext cx="1078992" cy="155448"/>
+          </a:xfrm>
+          <a:prstGeom prst="rect">
+            <a:avLst/>
+          </a:prstGeom>
+          <a:noFill/>
+        </p:spPr>
+        <p:txBody>
+          <a:bodyPr wrap="square" lIns="0" tIns="0" rIns="0" bIns="0" rtlCol="0">
+            <a:noAutofit/>
+          </a:bodyPr>
+          <a:lstStyle/>
+          <a:p>
+            <a:pPr algn="ctr"/>
+            <a:r>
+              <a:rPr lang="en-US" sz="1000" dirty="0" smtClean="0">
+                <a:latin typeface="Helvetica Neue"/>
+                <a:cs typeface="Helvetica Neue"/>
+              </a:rPr>
+              <a:t>Browser</a:t>
+            </a:r>
+            <a:endParaRPr lang="en-US" sz="1000" dirty="0">
+              <a:latin typeface="Helvetica Neue"/>
+              <a:cs typeface="Helvetica Neue"/>
+            </a:endParaRPr>
+          </a:p>
+        </p:txBody>
+      </p:sp>
+      <p:cxnSp>
+        <p:nvCxnSpPr>
+          <p:cNvPr id="22" name="Straight Connector 21"/>
+          <p:cNvCxnSpPr>
+            <a:stCxn id="5" idx="1"/>
+          </p:cNvCxnSpPr>
+          <p:nvPr/>
+        </p:nvCxnSpPr>
+        <p:spPr>
+          <a:xfrm flipH="1">
+            <a:off x="2034993" y="2017237"/>
+            <a:ext cx="1729835" cy="1101254"/>
+          </a:xfrm>
+          <a:prstGeom prst="line">
+            <a:avLst/>
+          </a:prstGeom>
+          <a:ln>
+            <a:solidFill>
+              <a:srgbClr val="414042"/>
+            </a:solidFill>
+          </a:ln>
+          <a:effectLst/>
+        </p:spPr>
+        <p:style>
+          <a:lnRef idx="2">
+            <a:schemeClr val="accent1"/>
+          </a:lnRef>
+          <a:fillRef idx="0">
+            <a:schemeClr val="accent1"/>
+          </a:fillRef>
+          <a:effectRef idx="1">
+            <a:schemeClr val="accent1"/>
+          </a:effectRef>
+          <a:fontRef idx="minor">
+            <a:schemeClr val="tx1"/>
+          </a:fontRef>
+        </p:style>
+      </p:cxnSp>
+      <p:cxnSp>
+        <p:nvCxnSpPr>
+          <p:cNvPr id="23" name="Straight Connector 22"/>
+          <p:cNvCxnSpPr>
+            <a:stCxn id="14" idx="1"/>
+          </p:cNvCxnSpPr>
+          <p:nvPr/>
+        </p:nvCxnSpPr>
+        <p:spPr>
+          <a:xfrm flipH="1" flipV="1">
+            <a:off x="4298409" y="1988167"/>
+            <a:ext cx="1768473" cy="15341"/>
+          </a:xfrm>
+          <a:prstGeom prst="line">
+            <a:avLst/>
+          </a:prstGeom>
+          <a:ln>
+            <a:solidFill>
+              <a:srgbClr val="414042"/>
+            </a:solidFill>
+          </a:ln>
+          <a:effectLst/>
+        </p:spPr>
+        <p:style>
+          <a:lnRef idx="2">
+            <a:schemeClr val="accent1"/>
+          </a:lnRef>
+          <a:fillRef idx="0">
+            <a:schemeClr val="accent1"/>
+          </a:fillRef>
+          <a:effectRef idx="1">
+            <a:schemeClr val="accent1"/>
+          </a:effectRef>
+          <a:fontRef idx="minor">
+            <a:schemeClr val="tx1"/>
+          </a:fontRef>
+        </p:style>
+      </p:cxnSp>
+      <p:cxnSp>
+        <p:nvCxnSpPr>
+          <p:cNvPr id="24" name="Straight Connector 23"/>
+          <p:cNvCxnSpPr>
+            <a:stCxn id="11" idx="1"/>
+          </p:cNvCxnSpPr>
+          <p:nvPr/>
+        </p:nvCxnSpPr>
+        <p:spPr>
+          <a:xfrm flipH="1" flipV="1">
+            <a:off x="6588249" y="3811829"/>
+            <a:ext cx="1662237" cy="8573"/>
+          </a:xfrm>
+          <a:prstGeom prst="line">
+            <a:avLst/>
+          </a:prstGeom>
+          <a:ln>
+            <a:solidFill>
+              <a:srgbClr val="414042"/>
+            </a:solidFill>
+          </a:ln>
+          <a:effectLst/>
+        </p:spPr>
+        <p:style>
+          <a:lnRef idx="2">
+            <a:schemeClr val="accent1"/>
+          </a:lnRef>
+          <a:fillRef idx="0">
+            <a:schemeClr val="accent1"/>
+          </a:fillRef>
+          <a:effectRef idx="1">
+            <a:schemeClr val="accent1"/>
+          </a:effectRef>
+          <a:fontRef idx="minor">
+            <a:schemeClr val="tx1"/>
+          </a:fontRef>
+        </p:style>
+      </p:cxnSp>
+      <p:cxnSp>
+        <p:nvCxnSpPr>
+          <p:cNvPr id="25" name="Straight Connector 24"/>
+          <p:cNvCxnSpPr>
+            <a:stCxn id="8" idx="1"/>
+          </p:cNvCxnSpPr>
+          <p:nvPr/>
+        </p:nvCxnSpPr>
+        <p:spPr>
+          <a:xfrm flipH="1" flipV="1">
+            <a:off x="4309608" y="3811829"/>
+            <a:ext cx="1747085" cy="3924"/>
+          </a:xfrm>
+          <a:prstGeom prst="line">
+            <a:avLst/>
+          </a:prstGeom>
+          <a:ln>
+            <a:solidFill>
+              <a:srgbClr val="414042"/>
+            </a:solidFill>
+          </a:ln>
+          <a:effectLst/>
+        </p:spPr>
+        <p:style>
+          <a:lnRef idx="2">
+            <a:schemeClr val="accent1"/>
+          </a:lnRef>
+          <a:fillRef idx="0">
+            <a:schemeClr val="accent1"/>
+          </a:fillRef>
+          <a:effectRef idx="1">
+            <a:schemeClr val="accent1"/>
+          </a:effectRef>
+          <a:fontRef idx="minor">
+            <a:schemeClr val="tx1"/>
+          </a:fontRef>
+        </p:style>
+      </p:cxnSp>
+      <p:cxnSp>
+        <p:nvCxnSpPr>
+          <p:cNvPr id="26" name="Straight Connector 25"/>
+          <p:cNvCxnSpPr>
+            <a:stCxn id="17" idx="1"/>
+          </p:cNvCxnSpPr>
+          <p:nvPr/>
+        </p:nvCxnSpPr>
+        <p:spPr>
+          <a:xfrm flipH="1" flipV="1">
+            <a:off x="2018759" y="3123124"/>
+            <a:ext cx="1758284" cy="688705"/>
+          </a:xfrm>
+          <a:prstGeom prst="line">
+            <a:avLst/>
+          </a:prstGeom>
+          <a:ln>
+            <a:solidFill>
+              <a:srgbClr val="414042"/>
+            </a:solidFill>
+          </a:ln>
+          <a:effectLst/>
+        </p:spPr>
+        <p:style>
+          <a:lnRef idx="2">
+            <a:schemeClr val="accent1"/>
+          </a:lnRef>
+          <a:fillRef idx="0">
+            <a:schemeClr val="accent1"/>
+          </a:fillRef>
+          <a:effectRef idx="1">
+            <a:schemeClr val="accent1"/>
+          </a:effectRef>
+          <a:fontRef idx="minor">
+            <a:schemeClr val="tx1"/>
+          </a:fontRef>
+        </p:style>
+      </p:cxnSp>
     </p:spTree>
     <p:extLst>
       <p:ext uri="{BB962C8B-B14F-4D97-AF65-F5344CB8AC3E}">

--- a/going-serverless-2017.pptx
+++ b/going-serverless-2017.pptx
@@ -4810,6 +4810,24 @@
           </a:p>
           <a:p>
             <a:r>
+              <a:rPr lang="en-US" dirty="0" smtClean="0"/>
+              <a:t>Everything is an HTTPS interface </a:t>
+            </a:r>
+            <a:r>
+              <a:rPr lang="en-US" sz="1200" dirty="0" smtClean="0"/>
+              <a:t>(https://</a:t>
+            </a:r>
+            <a:r>
+              <a:rPr lang="en-US" sz="1200" dirty="0" err="1" smtClean="0"/>
+              <a:t>serverless.zone</a:t>
+            </a:r>
+            <a:r>
+              <a:rPr lang="en-US" sz="1200" dirty="0" smtClean="0"/>
+              <a:t>/everything-is-an-https-interface-ead2e888b31)</a:t>
+            </a:r>
+          </a:p>
+          <a:p>
+            <a:r>
               <a:rPr lang="en-US" dirty="0" err="1" smtClean="0"/>
               <a:t>APPopps</a:t>
             </a:r>

--- a/going-serverless-2017.pptx
+++ b/going-serverless-2017.pptx
@@ -3195,21 +3195,756 @@
       </p:sp>
       <p:grpSp>
         <p:nvGrpSpPr>
+          <p:cNvPr id="32" name="Group 31"/>
+          <p:cNvGrpSpPr/>
+          <p:nvPr/>
+        </p:nvGrpSpPr>
+        <p:grpSpPr>
+          <a:xfrm>
+            <a:off x="2163202" y="2524405"/>
+            <a:ext cx="7865595" cy="2634752"/>
+            <a:chOff x="1104001" y="1690688"/>
+            <a:chExt cx="7865595" cy="2634752"/>
+          </a:xfrm>
+        </p:grpSpPr>
+        <p:grpSp>
+          <p:nvGrpSpPr>
+            <p:cNvPr id="7" name="Group 6"/>
+            <p:cNvGrpSpPr/>
+            <p:nvPr/>
+          </p:nvGrpSpPr>
+          <p:grpSpPr>
+            <a:xfrm>
+              <a:off x="3671458" y="1690688"/>
+              <a:ext cx="731520" cy="835564"/>
+              <a:chOff x="444164" y="680288"/>
+              <a:chExt cx="731520" cy="835564"/>
+            </a:xfrm>
+          </p:grpSpPr>
+          <p:pic>
+            <p:nvPicPr>
+              <p:cNvPr id="5" name="Picture 4"/>
+              <p:cNvPicPr>
+                <a:picLocks noChangeAspect="1"/>
+              </p:cNvPicPr>
+              <p:nvPr/>
+            </p:nvPicPr>
+            <p:blipFill>
+              <a:blip r:embed="rId2">
+                <a:extLst>
+                  <a:ext uri="{28A0092B-C50C-407E-A947-70E740481C1C}">
+                    <a14:useLocalDpi xmlns:a14="http://schemas.microsoft.com/office/drawing/2010/main" val="0"/>
+                  </a:ext>
+                </a:extLst>
+              </a:blip>
+              <a:stretch>
+                <a:fillRect/>
+              </a:stretch>
+            </p:blipFill>
+            <p:spPr>
+              <a:xfrm>
+                <a:off x="537534" y="680288"/>
+                <a:ext cx="544780" cy="653098"/>
+              </a:xfrm>
+              <a:prstGeom prst="rect">
+                <a:avLst/>
+              </a:prstGeom>
+            </p:spPr>
+          </p:pic>
+          <p:sp>
+            <p:nvSpPr>
+              <p:cNvPr id="6" name="TextBox 5"/>
+              <p:cNvSpPr txBox="1"/>
+              <p:nvPr/>
+            </p:nvSpPr>
+            <p:spPr>
+              <a:xfrm>
+                <a:off x="444164" y="1360220"/>
+                <a:ext cx="731520" cy="155632"/>
+              </a:xfrm>
+              <a:prstGeom prst="rect">
+                <a:avLst/>
+              </a:prstGeom>
+              <a:noFill/>
+            </p:spPr>
+            <p:txBody>
+              <a:bodyPr wrap="square" lIns="0" tIns="0" rIns="0" bIns="0" rtlCol="0" anchor="t">
+                <a:noAutofit/>
+              </a:bodyPr>
+              <a:lstStyle/>
+              <a:p>
+                <a:pPr algn="ctr"/>
+                <a:r>
+                  <a:rPr lang="en-US" sz="1000" b="1" dirty="0" smtClean="0"/>
+                  <a:t>Amazon </a:t>
+                </a:r>
+                <a:r>
+                  <a:rPr lang="en-US" sz="1000" b="1" dirty="0" err="1" smtClean="0"/>
+                  <a:t>CloudFront</a:t>
+                </a:r>
+                <a:endParaRPr lang="en-US" b="1" dirty="0"/>
+              </a:p>
+            </p:txBody>
+          </p:sp>
+        </p:grpSp>
+        <p:grpSp>
+          <p:nvGrpSpPr>
+            <p:cNvPr id="10" name="Group 9"/>
+            <p:cNvGrpSpPr/>
+            <p:nvPr/>
+          </p:nvGrpSpPr>
+          <p:grpSpPr>
+            <a:xfrm>
+              <a:off x="5916580" y="3488884"/>
+              <a:ext cx="825006" cy="836556"/>
+              <a:chOff x="6022353" y="781542"/>
+              <a:chExt cx="825006" cy="836556"/>
+            </a:xfrm>
+          </p:grpSpPr>
+          <p:pic>
+            <p:nvPicPr>
+              <p:cNvPr id="8" name="Picture 7"/>
+              <p:cNvPicPr>
+                <a:picLocks noChangeAspect="1"/>
+              </p:cNvPicPr>
+              <p:nvPr/>
+            </p:nvPicPr>
+            <p:blipFill>
+              <a:blip r:embed="rId3">
+                <a:extLst>
+                  <a:ext uri="{28A0092B-C50C-407E-A947-70E740481C1C}">
+                    <a14:useLocalDpi xmlns:a14="http://schemas.microsoft.com/office/drawing/2010/main" val="0"/>
+                  </a:ext>
+                </a:extLst>
+              </a:blip>
+              <a:stretch>
+                <a:fillRect/>
+              </a:stretch>
+            </p:blipFill>
+            <p:spPr>
+              <a:xfrm>
+                <a:off x="6162466" y="781542"/>
+                <a:ext cx="544781" cy="653737"/>
+              </a:xfrm>
+              <a:prstGeom prst="rect">
+                <a:avLst/>
+              </a:prstGeom>
+            </p:spPr>
+          </p:pic>
+          <p:sp>
+            <p:nvSpPr>
+              <p:cNvPr id="9" name="TextBox 8"/>
+              <p:cNvSpPr txBox="1"/>
+              <p:nvPr/>
+            </p:nvSpPr>
+            <p:spPr>
+              <a:xfrm>
+                <a:off x="6022353" y="1462466"/>
+                <a:ext cx="825006" cy="155632"/>
+              </a:xfrm>
+              <a:prstGeom prst="rect">
+                <a:avLst/>
+              </a:prstGeom>
+              <a:noFill/>
+            </p:spPr>
+            <p:txBody>
+              <a:bodyPr wrap="square" lIns="0" tIns="0" rIns="0" bIns="0" rtlCol="0" anchor="t">
+                <a:noAutofit/>
+              </a:bodyPr>
+              <a:lstStyle/>
+              <a:p>
+                <a:pPr algn="ctr"/>
+                <a:r>
+                  <a:rPr lang="en-US" sz="1000" b="1" dirty="0" smtClean="0"/>
+                  <a:t>AWS</a:t>
+                </a:r>
+              </a:p>
+              <a:p>
+                <a:pPr algn="ctr"/>
+                <a:r>
+                  <a:rPr lang="en-US" sz="1000" b="1" dirty="0" smtClean="0"/>
+                  <a:t>Lambda</a:t>
+                </a:r>
+                <a:endParaRPr lang="en-US" sz="1000" b="1" dirty="0"/>
+              </a:p>
+            </p:txBody>
+          </p:sp>
+        </p:grpSp>
+        <p:grpSp>
+          <p:nvGrpSpPr>
+            <p:cNvPr id="13" name="Group 12"/>
+            <p:cNvGrpSpPr/>
+            <p:nvPr/>
+          </p:nvGrpSpPr>
+          <p:grpSpPr>
+            <a:xfrm>
+              <a:off x="8074844" y="3519405"/>
+              <a:ext cx="894752" cy="806035"/>
+              <a:chOff x="365197" y="709817"/>
+              <a:chExt cx="894752" cy="806035"/>
+            </a:xfrm>
+          </p:grpSpPr>
+          <p:pic>
+            <p:nvPicPr>
+              <p:cNvPr id="11" name="Picture 10"/>
+              <p:cNvPicPr>
+                <a:picLocks noChangeAspect="1"/>
+              </p:cNvPicPr>
+              <p:nvPr/>
+            </p:nvPicPr>
+            <p:blipFill>
+              <a:blip r:embed="rId4">
+                <a:extLst>
+                  <a:ext uri="{28A0092B-C50C-407E-A947-70E740481C1C}">
+                    <a14:useLocalDpi xmlns:a14="http://schemas.microsoft.com/office/drawing/2010/main" val="0"/>
+                  </a:ext>
+                </a:extLst>
+              </a:blip>
+              <a:stretch>
+                <a:fillRect/>
+              </a:stretch>
+            </p:blipFill>
+            <p:spPr>
+              <a:xfrm>
+                <a:off x="540839" y="709817"/>
+                <a:ext cx="543466" cy="601994"/>
+              </a:xfrm>
+              <a:prstGeom prst="rect">
+                <a:avLst/>
+              </a:prstGeom>
+            </p:spPr>
+          </p:pic>
+          <p:sp>
+            <p:nvSpPr>
+              <p:cNvPr id="12" name="TextBox 11"/>
+              <p:cNvSpPr txBox="1"/>
+              <p:nvPr/>
+            </p:nvSpPr>
+            <p:spPr>
+              <a:xfrm>
+                <a:off x="365197" y="1360220"/>
+                <a:ext cx="894752" cy="155632"/>
+              </a:xfrm>
+              <a:prstGeom prst="rect">
+                <a:avLst/>
+              </a:prstGeom>
+              <a:noFill/>
+            </p:spPr>
+            <p:txBody>
+              <a:bodyPr wrap="square" lIns="0" tIns="0" rIns="0" bIns="0" rtlCol="0" anchor="t">
+                <a:noAutofit/>
+              </a:bodyPr>
+              <a:lstStyle/>
+              <a:p>
+                <a:pPr algn="ctr"/>
+                <a:r>
+                  <a:rPr lang="en-US" sz="1000" b="1" dirty="0" smtClean="0"/>
+                  <a:t>Amazon</a:t>
+                </a:r>
+                <a:br>
+                  <a:rPr lang="en-US" sz="1000" b="1" dirty="0" smtClean="0"/>
+                </a:br>
+                <a:r>
+                  <a:rPr lang="en-US" sz="1000" b="1" dirty="0" err="1" smtClean="0"/>
+                  <a:t>DynamoDB</a:t>
+                </a:r>
+                <a:endParaRPr lang="en-US" b="1" dirty="0"/>
+              </a:p>
+            </p:txBody>
+          </p:sp>
+        </p:grpSp>
+        <p:grpSp>
+          <p:nvGrpSpPr>
+            <p:cNvPr id="16" name="Group 15"/>
+            <p:cNvGrpSpPr/>
+            <p:nvPr/>
+          </p:nvGrpSpPr>
+          <p:grpSpPr>
+            <a:xfrm>
+              <a:off x="5963323" y="1690688"/>
+              <a:ext cx="731520" cy="806494"/>
+              <a:chOff x="2586020" y="709358"/>
+              <a:chExt cx="731520" cy="806494"/>
+            </a:xfrm>
+          </p:grpSpPr>
+          <p:pic>
+            <p:nvPicPr>
+              <p:cNvPr id="14" name="Picture 13"/>
+              <p:cNvPicPr>
+                <a:picLocks noChangeAspect="1"/>
+              </p:cNvPicPr>
+              <p:nvPr/>
+            </p:nvPicPr>
+            <p:blipFill>
+              <a:blip r:embed="rId5">
+                <a:extLst>
+                  <a:ext uri="{28A0092B-C50C-407E-A947-70E740481C1C}">
+                    <a14:useLocalDpi xmlns:a14="http://schemas.microsoft.com/office/drawing/2010/main" val="0"/>
+                  </a:ext>
+                </a:extLst>
+              </a:blip>
+              <a:stretch>
+                <a:fillRect/>
+              </a:stretch>
+            </p:blipFill>
+            <p:spPr>
+              <a:xfrm>
+                <a:off x="2689579" y="709358"/>
+                <a:ext cx="521367" cy="625640"/>
+              </a:xfrm>
+              <a:prstGeom prst="rect">
+                <a:avLst/>
+              </a:prstGeom>
+            </p:spPr>
+          </p:pic>
+          <p:sp>
+            <p:nvSpPr>
+              <p:cNvPr id="15" name="TextBox 14"/>
+              <p:cNvSpPr txBox="1"/>
+              <p:nvPr/>
+            </p:nvSpPr>
+            <p:spPr>
+              <a:xfrm>
+                <a:off x="2586020" y="1360220"/>
+                <a:ext cx="731520" cy="155632"/>
+              </a:xfrm>
+              <a:prstGeom prst="rect">
+                <a:avLst/>
+              </a:prstGeom>
+              <a:noFill/>
+            </p:spPr>
+            <p:txBody>
+              <a:bodyPr wrap="square" lIns="0" tIns="0" rIns="0" bIns="0" rtlCol="0" anchor="t">
+                <a:noAutofit/>
+              </a:bodyPr>
+              <a:lstStyle/>
+              <a:p>
+                <a:pPr algn="ctr"/>
+                <a:r>
+                  <a:rPr lang="en-US" sz="1000" b="1" dirty="0" smtClean="0"/>
+                  <a:t>Amazon</a:t>
+                </a:r>
+                <a:br>
+                  <a:rPr lang="en-US" sz="1000" b="1" dirty="0" smtClean="0"/>
+                </a:br>
+                <a:r>
+                  <a:rPr lang="en-US" sz="1000" b="1" dirty="0" smtClean="0"/>
+                  <a:t>S3</a:t>
+                </a:r>
+                <a:endParaRPr lang="en-US" b="1" dirty="0"/>
+              </a:p>
+            </p:txBody>
+          </p:sp>
+        </p:grpSp>
+        <p:grpSp>
+          <p:nvGrpSpPr>
+            <p:cNvPr id="19" name="Group 18"/>
+            <p:cNvGrpSpPr/>
+            <p:nvPr/>
+          </p:nvGrpSpPr>
+          <p:grpSpPr>
+            <a:xfrm>
+              <a:off x="3589842" y="3499009"/>
+              <a:ext cx="894752" cy="826431"/>
+              <a:chOff x="362197" y="689421"/>
+              <a:chExt cx="894752" cy="826431"/>
+            </a:xfrm>
+          </p:grpSpPr>
+          <p:pic>
+            <p:nvPicPr>
+              <p:cNvPr id="17" name="Picture 16"/>
+              <p:cNvPicPr>
+                <a:picLocks noChangeAspect="1"/>
+              </p:cNvPicPr>
+              <p:nvPr/>
+            </p:nvPicPr>
+            <p:blipFill>
+              <a:blip r:embed="rId6">
+                <a:extLst>
+                  <a:ext uri="{28A0092B-C50C-407E-A947-70E740481C1C}">
+                    <a14:useLocalDpi xmlns:a14="http://schemas.microsoft.com/office/drawing/2010/main" val="0"/>
+                  </a:ext>
+                </a:extLst>
+              </a:blip>
+              <a:stretch>
+                <a:fillRect/>
+              </a:stretch>
+            </p:blipFill>
+            <p:spPr>
+              <a:xfrm>
+                <a:off x="549398" y="689421"/>
+                <a:ext cx="521366" cy="625640"/>
+              </a:xfrm>
+              <a:prstGeom prst="rect">
+                <a:avLst/>
+              </a:prstGeom>
+            </p:spPr>
+          </p:pic>
+          <p:sp>
+            <p:nvSpPr>
+              <p:cNvPr id="18" name="TextBox 17"/>
+              <p:cNvSpPr txBox="1"/>
+              <p:nvPr/>
+            </p:nvSpPr>
+            <p:spPr>
+              <a:xfrm>
+                <a:off x="362197" y="1360220"/>
+                <a:ext cx="894752" cy="155632"/>
+              </a:xfrm>
+              <a:prstGeom prst="rect">
+                <a:avLst/>
+              </a:prstGeom>
+              <a:noFill/>
+            </p:spPr>
+            <p:txBody>
+              <a:bodyPr wrap="square" lIns="0" tIns="0" rIns="0" bIns="0" rtlCol="0" anchor="t">
+                <a:noAutofit/>
+              </a:bodyPr>
+              <a:lstStyle/>
+              <a:p>
+                <a:pPr algn="ctr"/>
+                <a:r>
+                  <a:rPr lang="en-US" sz="1000" b="1" dirty="0" smtClean="0"/>
+                  <a:t>Amazon API Gateway*</a:t>
+                </a:r>
+                <a:endParaRPr lang="en-US" b="1" dirty="0"/>
+              </a:p>
+            </p:txBody>
+          </p:sp>
+        </p:grpSp>
+        <p:pic>
+          <p:nvPicPr>
+            <p:cNvPr id="20" name="Picture 19"/>
+            <p:cNvPicPr>
+              <a:picLocks noChangeAspect="1"/>
+            </p:cNvPicPr>
+            <p:nvPr/>
+          </p:nvPicPr>
+          <p:blipFill>
+            <a:blip r:embed="rId7">
+              <a:extLst>
+                <a:ext uri="{28A0092B-C50C-407E-A947-70E740481C1C}">
+                  <a14:useLocalDpi xmlns:a14="http://schemas.microsoft.com/office/drawing/2010/main" val="0"/>
+                </a:ext>
+              </a:extLst>
+            </a:blip>
+            <a:stretch>
+              <a:fillRect/>
+            </a:stretch>
+          </p:blipFill>
+          <p:spPr>
+            <a:xfrm>
+              <a:off x="1287239" y="2757364"/>
+              <a:ext cx="731520" cy="731520"/>
+            </a:xfrm>
+            <a:prstGeom prst="rect">
+              <a:avLst/>
+            </a:prstGeom>
+          </p:spPr>
+        </p:pic>
+        <p:sp>
+          <p:nvSpPr>
+            <p:cNvPr id="21" name="TextBox 20"/>
+            <p:cNvSpPr txBox="1"/>
+            <p:nvPr/>
+          </p:nvSpPr>
+          <p:spPr>
+            <a:xfrm>
+              <a:off x="1104001" y="3589775"/>
+              <a:ext cx="1078992" cy="155448"/>
+            </a:xfrm>
+            <a:prstGeom prst="rect">
+              <a:avLst/>
+            </a:prstGeom>
+            <a:noFill/>
+          </p:spPr>
+          <p:txBody>
+            <a:bodyPr wrap="square" lIns="0" tIns="0" rIns="0" bIns="0" rtlCol="0">
+              <a:noAutofit/>
+            </a:bodyPr>
+            <a:lstStyle/>
+            <a:p>
+              <a:pPr algn="ctr"/>
+              <a:r>
+                <a:rPr lang="en-US" sz="1000" dirty="0" smtClean="0">
+                  <a:latin typeface="Helvetica Neue"/>
+                  <a:cs typeface="Helvetica Neue"/>
+                </a:rPr>
+                <a:t>Browser</a:t>
+              </a:r>
+              <a:endParaRPr lang="en-US" sz="1000" dirty="0">
+                <a:latin typeface="Helvetica Neue"/>
+                <a:cs typeface="Helvetica Neue"/>
+              </a:endParaRPr>
+            </a:p>
+          </p:txBody>
+        </p:sp>
+        <p:cxnSp>
+          <p:nvCxnSpPr>
+            <p:cNvPr id="22" name="Straight Connector 21"/>
+            <p:cNvCxnSpPr>
+              <a:stCxn id="5" idx="1"/>
+            </p:cNvCxnSpPr>
+            <p:nvPr/>
+          </p:nvCxnSpPr>
+          <p:spPr>
+            <a:xfrm flipH="1">
+              <a:off x="2034993" y="2017237"/>
+              <a:ext cx="1729835" cy="1101254"/>
+            </a:xfrm>
+            <a:prstGeom prst="line">
+              <a:avLst/>
+            </a:prstGeom>
+            <a:ln>
+              <a:solidFill>
+                <a:srgbClr val="414042"/>
+              </a:solidFill>
+            </a:ln>
+            <a:effectLst/>
+          </p:spPr>
+          <p:style>
+            <a:lnRef idx="2">
+              <a:schemeClr val="accent1"/>
+            </a:lnRef>
+            <a:fillRef idx="0">
+              <a:schemeClr val="accent1"/>
+            </a:fillRef>
+            <a:effectRef idx="1">
+              <a:schemeClr val="accent1"/>
+            </a:effectRef>
+            <a:fontRef idx="minor">
+              <a:schemeClr val="tx1"/>
+            </a:fontRef>
+          </p:style>
+        </p:cxnSp>
+        <p:cxnSp>
+          <p:nvCxnSpPr>
+            <p:cNvPr id="23" name="Straight Connector 22"/>
+            <p:cNvCxnSpPr>
+              <a:stCxn id="14" idx="1"/>
+            </p:cNvCxnSpPr>
+            <p:nvPr/>
+          </p:nvCxnSpPr>
+          <p:spPr>
+            <a:xfrm flipH="1" flipV="1">
+              <a:off x="4298409" y="1988167"/>
+              <a:ext cx="1768473" cy="15341"/>
+            </a:xfrm>
+            <a:prstGeom prst="line">
+              <a:avLst/>
+            </a:prstGeom>
+            <a:ln>
+              <a:solidFill>
+                <a:srgbClr val="414042"/>
+              </a:solidFill>
+            </a:ln>
+            <a:effectLst/>
+          </p:spPr>
+          <p:style>
+            <a:lnRef idx="2">
+              <a:schemeClr val="accent1"/>
+            </a:lnRef>
+            <a:fillRef idx="0">
+              <a:schemeClr val="accent1"/>
+            </a:fillRef>
+            <a:effectRef idx="1">
+              <a:schemeClr val="accent1"/>
+            </a:effectRef>
+            <a:fontRef idx="minor">
+              <a:schemeClr val="tx1"/>
+            </a:fontRef>
+          </p:style>
+        </p:cxnSp>
+        <p:cxnSp>
+          <p:nvCxnSpPr>
+            <p:cNvPr id="24" name="Straight Connector 23"/>
+            <p:cNvCxnSpPr>
+              <a:stCxn id="11" idx="1"/>
+            </p:cNvCxnSpPr>
+            <p:nvPr/>
+          </p:nvCxnSpPr>
+          <p:spPr>
+            <a:xfrm flipH="1" flipV="1">
+              <a:off x="6588249" y="3811829"/>
+              <a:ext cx="1662237" cy="8573"/>
+            </a:xfrm>
+            <a:prstGeom prst="line">
+              <a:avLst/>
+            </a:prstGeom>
+            <a:ln>
+              <a:solidFill>
+                <a:srgbClr val="414042"/>
+              </a:solidFill>
+            </a:ln>
+            <a:effectLst/>
+          </p:spPr>
+          <p:style>
+            <a:lnRef idx="2">
+              <a:schemeClr val="accent1"/>
+            </a:lnRef>
+            <a:fillRef idx="0">
+              <a:schemeClr val="accent1"/>
+            </a:fillRef>
+            <a:effectRef idx="1">
+              <a:schemeClr val="accent1"/>
+            </a:effectRef>
+            <a:fontRef idx="minor">
+              <a:schemeClr val="tx1"/>
+            </a:fontRef>
+          </p:style>
+        </p:cxnSp>
+        <p:cxnSp>
+          <p:nvCxnSpPr>
+            <p:cNvPr id="25" name="Straight Connector 24"/>
+            <p:cNvCxnSpPr>
+              <a:stCxn id="8" idx="1"/>
+            </p:cNvCxnSpPr>
+            <p:nvPr/>
+          </p:nvCxnSpPr>
+          <p:spPr>
+            <a:xfrm flipH="1" flipV="1">
+              <a:off x="4309608" y="3811829"/>
+              <a:ext cx="1747085" cy="3924"/>
+            </a:xfrm>
+            <a:prstGeom prst="line">
+              <a:avLst/>
+            </a:prstGeom>
+            <a:ln>
+              <a:solidFill>
+                <a:srgbClr val="414042"/>
+              </a:solidFill>
+            </a:ln>
+            <a:effectLst/>
+          </p:spPr>
+          <p:style>
+            <a:lnRef idx="2">
+              <a:schemeClr val="accent1"/>
+            </a:lnRef>
+            <a:fillRef idx="0">
+              <a:schemeClr val="accent1"/>
+            </a:fillRef>
+            <a:effectRef idx="1">
+              <a:schemeClr val="accent1"/>
+            </a:effectRef>
+            <a:fontRef idx="minor">
+              <a:schemeClr val="tx1"/>
+            </a:fontRef>
+          </p:style>
+        </p:cxnSp>
+        <p:cxnSp>
+          <p:nvCxnSpPr>
+            <p:cNvPr id="26" name="Straight Connector 25"/>
+            <p:cNvCxnSpPr>
+              <a:stCxn id="17" idx="1"/>
+            </p:cNvCxnSpPr>
+            <p:nvPr/>
+          </p:nvCxnSpPr>
+          <p:spPr>
+            <a:xfrm flipH="1" flipV="1">
+              <a:off x="2018759" y="3123124"/>
+              <a:ext cx="1758284" cy="688705"/>
+            </a:xfrm>
+            <a:prstGeom prst="line">
+              <a:avLst/>
+            </a:prstGeom>
+            <a:ln>
+              <a:solidFill>
+                <a:srgbClr val="414042"/>
+              </a:solidFill>
+            </a:ln>
+            <a:effectLst/>
+          </p:spPr>
+          <p:style>
+            <a:lnRef idx="2">
+              <a:schemeClr val="accent1"/>
+            </a:lnRef>
+            <a:fillRef idx="0">
+              <a:schemeClr val="accent1"/>
+            </a:fillRef>
+            <a:effectRef idx="1">
+              <a:schemeClr val="accent1"/>
+            </a:effectRef>
+            <a:fontRef idx="minor">
+              <a:schemeClr val="tx1"/>
+            </a:fontRef>
+          </p:style>
+        </p:cxnSp>
+      </p:grpSp>
+    </p:spTree>
+    <p:extLst>
+      <p:ext uri="{BB962C8B-B14F-4D97-AF65-F5344CB8AC3E}">
+        <p14:creationId xmlns:p14="http://schemas.microsoft.com/office/powerpoint/2010/main" val="469415979"/>
+      </p:ext>
+    </p:extLst>
+  </p:cSld>
+  <p:clrMapOvr>
+    <a:masterClrMapping/>
+  </p:clrMapOvr>
+</p:sld>
+</file>
+
+<file path=ppt/slides/slide12.xml><?xml version="1.0" encoding="utf-8"?>
+<p:sld xmlns:a="http://schemas.openxmlformats.org/drawingml/2006/main" xmlns:r="http://schemas.openxmlformats.org/officeDocument/2006/relationships" xmlns:p="http://schemas.openxmlformats.org/presentationml/2006/main">
+  <p:cSld>
+    <p:spTree>
+      <p:nvGrpSpPr>
+        <p:cNvPr id="1" name=""/>
+        <p:cNvGrpSpPr/>
+        <p:nvPr/>
+      </p:nvGrpSpPr>
+      <p:grpSpPr>
+        <a:xfrm>
+          <a:off x="0" y="0"/>
+          <a:ext cx="0" cy="0"/>
+          <a:chOff x="0" y="0"/>
+          <a:chExt cx="0" cy="0"/>
+        </a:xfrm>
+      </p:grpSpPr>
+      <p:sp>
+        <p:nvSpPr>
+          <p:cNvPr id="2" name="Title 1"/>
+          <p:cNvSpPr>
+            <a:spLocks noGrp="1"/>
+          </p:cNvSpPr>
+          <p:nvPr>
+            <p:ph type="title"/>
+          </p:nvPr>
+        </p:nvSpPr>
+        <p:spPr>
+          <a:xfrm>
+            <a:off x="838200" y="218673"/>
+            <a:ext cx="10515600" cy="1325563"/>
+          </a:xfrm>
+        </p:spPr>
+        <p:txBody>
+          <a:bodyPr/>
+          <a:lstStyle/>
+          <a:p>
+            <a:r>
+              <a:rPr lang="en-US" dirty="0" smtClean="0"/>
+              <a:t>Batch Processing</a:t>
+            </a:r>
+            <a:endParaRPr lang="en-US" dirty="0"/>
+          </a:p>
+        </p:txBody>
+      </p:sp>
+      <p:grpSp>
+        <p:nvGrpSpPr>
           <p:cNvPr id="7" name="Group 6"/>
           <p:cNvGrpSpPr/>
           <p:nvPr/>
         </p:nvGrpSpPr>
         <p:grpSpPr>
           <a:xfrm>
-            <a:off x="3671458" y="1690688"/>
-            <a:ext cx="731520" cy="835564"/>
-            <a:chOff x="444164" y="680288"/>
-            <a:chExt cx="731520" cy="835564"/>
+            <a:off x="6652303" y="3383911"/>
+            <a:ext cx="894752" cy="806035"/>
+            <a:chOff x="365197" y="709817"/>
+            <a:chExt cx="894752" cy="806035"/>
           </a:xfrm>
         </p:grpSpPr>
         <p:pic>
           <p:nvPicPr>
-            <p:cNvPr id="5" name="Picture 4"/>
+            <p:cNvPr id="21" name="Picture 20"/>
             <p:cNvPicPr>
               <a:picLocks noChangeAspect="1"/>
             </p:cNvPicPr>
@@ -3229,8 +3964,8 @@
           </p:blipFill>
           <p:spPr>
             <a:xfrm>
-              <a:off x="537534" y="680288"/>
-              <a:ext cx="544780" cy="653098"/>
+              <a:off x="540839" y="709817"/>
+              <a:ext cx="543466" cy="601994"/>
             </a:xfrm>
             <a:prstGeom prst="rect">
               <a:avLst/>
@@ -3239,14 +3974,14 @@
         </p:pic>
         <p:sp>
           <p:nvSpPr>
-            <p:cNvPr id="6" name="TextBox 5"/>
+            <p:cNvPr id="22" name="TextBox 21"/>
             <p:cNvSpPr txBox="1"/>
             <p:nvPr/>
           </p:nvSpPr>
           <p:spPr>
             <a:xfrm>
-              <a:off x="444164" y="1360220"/>
-              <a:ext cx="731520" cy="155632"/>
+              <a:off x="365197" y="1360220"/>
+              <a:ext cx="894752" cy="155632"/>
             </a:xfrm>
             <a:prstGeom prst="rect">
               <a:avLst/>
@@ -3262,26 +3997,375 @@
               <a:pPr algn="ctr"/>
               <a:r>
                 <a:rPr lang="en-US" sz="1000" b="1" dirty="0" smtClean="0"/>
-                <a:t>Amazon </a:t>
+                <a:t>Amazon</a:t>
               </a:r>
+              <a:br>
+                <a:rPr lang="en-US" sz="1000" b="1" dirty="0" smtClean="0"/>
+              </a:br>
               <a:r>
                 <a:rPr lang="en-US" sz="1000" b="1" dirty="0" err="1" smtClean="0"/>
-                <a:t>CloudFront</a:t>
+                <a:t>DynamoDB</a:t>
               </a:r>
               <a:endParaRPr lang="en-US" b="1" dirty="0"/>
             </a:p>
           </p:txBody>
         </p:sp>
       </p:grpSp>
+      <p:cxnSp>
+        <p:nvCxnSpPr>
+          <p:cNvPr id="13" name="Straight Connector 12"/>
+          <p:cNvCxnSpPr/>
+          <p:nvPr/>
+        </p:nvCxnSpPr>
+        <p:spPr>
+          <a:xfrm flipH="1" flipV="1">
+            <a:off x="3375367" y="3634529"/>
+            <a:ext cx="1122055" cy="18950"/>
+          </a:xfrm>
+          <a:prstGeom prst="line">
+            <a:avLst/>
+          </a:prstGeom>
+          <a:ln>
+            <a:solidFill>
+              <a:srgbClr val="414042"/>
+            </a:solidFill>
+          </a:ln>
+          <a:effectLst/>
+        </p:spPr>
+        <p:style>
+          <a:lnRef idx="2">
+            <a:schemeClr val="accent1"/>
+          </a:lnRef>
+          <a:fillRef idx="0">
+            <a:schemeClr val="accent1"/>
+          </a:fillRef>
+          <a:effectRef idx="1">
+            <a:schemeClr val="accent1"/>
+          </a:effectRef>
+          <a:fontRef idx="minor">
+            <a:schemeClr val="tx1"/>
+          </a:fontRef>
+        </p:style>
+      </p:cxnSp>
+      <p:cxnSp>
+        <p:nvCxnSpPr>
+          <p:cNvPr id="15" name="Straight Connector 14"/>
+          <p:cNvCxnSpPr>
+            <a:stCxn id="23" idx="1"/>
+          </p:cNvCxnSpPr>
+          <p:nvPr/>
+        </p:nvCxnSpPr>
+        <p:spPr>
+          <a:xfrm flipH="1">
+            <a:off x="2202129" y="3641106"/>
+            <a:ext cx="850764" cy="9377"/>
+          </a:xfrm>
+          <a:prstGeom prst="line">
+            <a:avLst/>
+          </a:prstGeom>
+          <a:ln>
+            <a:solidFill>
+              <a:srgbClr val="414042"/>
+            </a:solidFill>
+          </a:ln>
+          <a:effectLst/>
+        </p:spPr>
+        <p:style>
+          <a:lnRef idx="2">
+            <a:schemeClr val="accent1"/>
+          </a:lnRef>
+          <a:fillRef idx="0">
+            <a:schemeClr val="accent1"/>
+          </a:fillRef>
+          <a:effectRef idx="1">
+            <a:schemeClr val="accent1"/>
+          </a:effectRef>
+          <a:fontRef idx="minor">
+            <a:schemeClr val="tx1"/>
+          </a:fontRef>
+        </p:style>
+      </p:cxnSp>
+      <p:pic>
+        <p:nvPicPr>
+          <p:cNvPr id="28" name="Picture 27"/>
+          <p:cNvPicPr>
+            <a:picLocks noChangeAspect="1"/>
+          </p:cNvPicPr>
+          <p:nvPr/>
+        </p:nvPicPr>
+        <p:blipFill>
+          <a:blip r:embed="rId3">
+            <a:extLst>
+              <a:ext uri="{28A0092B-C50C-407E-A947-70E740481C1C}">
+                <a14:useLocalDpi xmlns:a14="http://schemas.microsoft.com/office/drawing/2010/main" val="0"/>
+              </a:ext>
+            </a:extLst>
+          </a:blip>
+          <a:stretch>
+            <a:fillRect/>
+          </a:stretch>
+        </p:blipFill>
+        <p:spPr>
+          <a:xfrm>
+            <a:off x="1680761" y="3314237"/>
+            <a:ext cx="521367" cy="625640"/>
+          </a:xfrm>
+          <a:prstGeom prst="rect">
+            <a:avLst/>
+          </a:prstGeom>
+        </p:spPr>
+      </p:pic>
+      <p:sp>
+        <p:nvSpPr>
+          <p:cNvPr id="29" name="TextBox 28"/>
+          <p:cNvSpPr txBox="1"/>
+          <p:nvPr/>
+        </p:nvSpPr>
+        <p:spPr>
+          <a:xfrm>
+            <a:off x="1575684" y="3832300"/>
+            <a:ext cx="731520" cy="215153"/>
+          </a:xfrm>
+          <a:prstGeom prst="rect">
+            <a:avLst/>
+          </a:prstGeom>
+          <a:noFill/>
+        </p:spPr>
+        <p:txBody>
+          <a:bodyPr wrap="square" lIns="0" tIns="0" rIns="0" bIns="0" rtlCol="0" anchor="t">
+            <a:noAutofit/>
+          </a:bodyPr>
+          <a:lstStyle/>
+          <a:p>
+            <a:pPr algn="ctr"/>
+            <a:r>
+              <a:rPr lang="en-US" sz="1000" b="1" smtClean="0"/>
+              <a:t/>
+            </a:r>
+            <a:br>
+              <a:rPr lang="en-US" sz="1000" b="1" smtClean="0"/>
+            </a:br>
+            <a:r>
+              <a:rPr lang="en-US" sz="1000" b="1" smtClean="0"/>
+              <a:t>S3</a:t>
+            </a:r>
+            <a:br>
+              <a:rPr lang="en-US" sz="1000" b="1" smtClean="0"/>
+            </a:br>
+            <a:r>
+              <a:rPr lang="en-US" sz="1000" b="1" smtClean="0"/>
+              <a:t>Object</a:t>
+            </a:r>
+            <a:endParaRPr lang="en-US" b="1" dirty="0"/>
+          </a:p>
+        </p:txBody>
+      </p:sp>
+      <p:pic>
+        <p:nvPicPr>
+          <p:cNvPr id="31" name="Picture 30"/>
+          <p:cNvPicPr>
+            <a:picLocks noChangeAspect="1"/>
+          </p:cNvPicPr>
+          <p:nvPr/>
+        </p:nvPicPr>
+        <p:blipFill>
+          <a:blip r:embed="rId4">
+            <a:extLst>
+              <a:ext uri="{28A0092B-C50C-407E-A947-70E740481C1C}">
+                <a14:useLocalDpi xmlns:a14="http://schemas.microsoft.com/office/drawing/2010/main" val="0"/>
+              </a:ext>
+            </a:extLst>
+          </a:blip>
+          <a:stretch>
+            <a:fillRect/>
+          </a:stretch>
+        </p:blipFill>
+        <p:spPr>
+          <a:xfrm>
+            <a:off x="8408268" y="3375362"/>
+            <a:ext cx="543639" cy="564959"/>
+          </a:xfrm>
+          <a:prstGeom prst="rect">
+            <a:avLst/>
+          </a:prstGeom>
+        </p:spPr>
+      </p:pic>
+      <p:sp>
+        <p:nvSpPr>
+          <p:cNvPr id="33" name="Rounded Rectangle 32"/>
+          <p:cNvSpPr/>
+          <p:nvPr/>
+        </p:nvSpPr>
+        <p:spPr>
+          <a:xfrm>
+            <a:off x="4483475" y="3111145"/>
+            <a:ext cx="1300228" cy="1296825"/>
+          </a:xfrm>
+          <a:prstGeom prst="roundRect">
+            <a:avLst>
+              <a:gd name="adj" fmla="val 9818"/>
+            </a:avLst>
+          </a:prstGeom>
+          <a:noFill/>
+          <a:ln w="19050">
+            <a:solidFill>
+              <a:srgbClr val="F7981F"/>
+            </a:solidFill>
+            <a:prstDash val="lgDash"/>
+          </a:ln>
+          <a:effectLst/>
+        </p:spPr>
+        <p:style>
+          <a:lnRef idx="1">
+            <a:schemeClr val="accent1"/>
+          </a:lnRef>
+          <a:fillRef idx="3">
+            <a:schemeClr val="accent1"/>
+          </a:fillRef>
+          <a:effectRef idx="2">
+            <a:schemeClr val="accent1"/>
+          </a:effectRef>
+          <a:fontRef idx="minor">
+            <a:schemeClr val="lt1"/>
+          </a:fontRef>
+        </p:style>
+        <p:txBody>
+          <a:bodyPr anchor="ctr"/>
+          <a:lstStyle/>
+          <a:p>
+            <a:pPr algn="ctr" fontAlgn="auto">
+              <a:spcBef>
+                <a:spcPts val="0"/>
+              </a:spcBef>
+              <a:spcAft>
+                <a:spcPts val="0"/>
+              </a:spcAft>
+              <a:defRPr/>
+            </a:pPr>
+            <a:endParaRPr lang="en-US" dirty="0">
+              <a:solidFill>
+                <a:schemeClr val="tx1"/>
+              </a:solidFill>
+              <a:latin typeface="Helvetica Neue"/>
+              <a:cs typeface="Helvetica Neue"/>
+            </a:endParaRPr>
+          </a:p>
+        </p:txBody>
+      </p:sp>
       <p:grpSp>
         <p:nvGrpSpPr>
-          <p:cNvPr id="10" name="Group 9"/>
+          <p:cNvPr id="38" name="Group 37"/>
           <p:cNvGrpSpPr/>
           <p:nvPr/>
         </p:nvGrpSpPr>
         <p:grpSpPr>
           <a:xfrm>
-            <a:off x="5916580" y="3488884"/>
+            <a:off x="4719730" y="3352050"/>
+            <a:ext cx="848439" cy="869759"/>
+            <a:chOff x="6162466" y="1999436"/>
+            <a:chExt cx="848439" cy="869759"/>
+          </a:xfrm>
+        </p:grpSpPr>
+        <p:pic>
+          <p:nvPicPr>
+            <p:cNvPr id="34" name="Picture 33"/>
+            <p:cNvPicPr>
+              <a:picLocks noChangeAspect="1"/>
+            </p:cNvPicPr>
+            <p:nvPr/>
+          </p:nvPicPr>
+          <p:blipFill>
+            <a:blip r:embed="rId4">
+              <a:extLst>
+                <a:ext uri="{28A0092B-C50C-407E-A947-70E740481C1C}">
+                  <a14:useLocalDpi xmlns:a14="http://schemas.microsoft.com/office/drawing/2010/main" val="0"/>
+                </a:ext>
+              </a:extLst>
+            </a:blip>
+            <a:stretch>
+              <a:fillRect/>
+            </a:stretch>
+          </p:blipFill>
+          <p:spPr>
+            <a:xfrm>
+              <a:off x="6162466" y="1999436"/>
+              <a:ext cx="543639" cy="564959"/>
+            </a:xfrm>
+            <a:prstGeom prst="rect">
+              <a:avLst/>
+            </a:prstGeom>
+          </p:spPr>
+        </p:pic>
+        <p:pic>
+          <p:nvPicPr>
+            <p:cNvPr id="35" name="Picture 34"/>
+            <p:cNvPicPr>
+              <a:picLocks noChangeAspect="1"/>
+            </p:cNvPicPr>
+            <p:nvPr/>
+          </p:nvPicPr>
+          <p:blipFill>
+            <a:blip r:embed="rId4">
+              <a:extLst>
+                <a:ext uri="{28A0092B-C50C-407E-A947-70E740481C1C}">
+                  <a14:useLocalDpi xmlns:a14="http://schemas.microsoft.com/office/drawing/2010/main" val="0"/>
+                </a:ext>
+              </a:extLst>
+            </a:blip>
+            <a:stretch>
+              <a:fillRect/>
+            </a:stretch>
+          </p:blipFill>
+          <p:spPr>
+            <a:xfrm>
+              <a:off x="6314866" y="2151836"/>
+              <a:ext cx="543639" cy="564959"/>
+            </a:xfrm>
+            <a:prstGeom prst="rect">
+              <a:avLst/>
+            </a:prstGeom>
+          </p:spPr>
+        </p:pic>
+        <p:pic>
+          <p:nvPicPr>
+            <p:cNvPr id="36" name="Picture 35"/>
+            <p:cNvPicPr>
+              <a:picLocks noChangeAspect="1"/>
+            </p:cNvPicPr>
+            <p:nvPr/>
+          </p:nvPicPr>
+          <p:blipFill>
+            <a:blip r:embed="rId4">
+              <a:extLst>
+                <a:ext uri="{28A0092B-C50C-407E-A947-70E740481C1C}">
+                  <a14:useLocalDpi xmlns:a14="http://schemas.microsoft.com/office/drawing/2010/main" val="0"/>
+                </a:ext>
+              </a:extLst>
+            </a:blip>
+            <a:stretch>
+              <a:fillRect/>
+            </a:stretch>
+          </p:blipFill>
+          <p:spPr>
+            <a:xfrm>
+              <a:off x="6467266" y="2304236"/>
+              <a:ext cx="543639" cy="564959"/>
+            </a:xfrm>
+            <a:prstGeom prst="rect">
+              <a:avLst/>
+            </a:prstGeom>
+          </p:spPr>
+        </p:pic>
+      </p:grpSp>
+      <p:grpSp>
+        <p:nvGrpSpPr>
+          <p:cNvPr id="6" name="Group 5"/>
+          <p:cNvGrpSpPr/>
+          <p:nvPr/>
+        </p:nvGrpSpPr>
+        <p:grpSpPr>
+          <a:xfrm>
+            <a:off x="2912780" y="3314237"/>
             <a:ext cx="825006" cy="836556"/>
             <a:chOff x="6022353" y="781542"/>
             <a:chExt cx="825006" cy="836556"/>
@@ -3289,14 +4373,14 @@
         </p:grpSpPr>
         <p:pic>
           <p:nvPicPr>
-            <p:cNvPr id="8" name="Picture 7"/>
+            <p:cNvPr id="23" name="Picture 22"/>
             <p:cNvPicPr>
               <a:picLocks noChangeAspect="1"/>
             </p:cNvPicPr>
             <p:nvPr/>
           </p:nvPicPr>
           <p:blipFill>
-            <a:blip r:embed="rId3">
+            <a:blip r:embed="rId5">
               <a:extLst>
                 <a:ext uri="{28A0092B-C50C-407E-A947-70E740481C1C}">
                   <a14:useLocalDpi xmlns:a14="http://schemas.microsoft.com/office/drawing/2010/main" val="0"/>
@@ -3319,7 +4403,7 @@
         </p:pic>
         <p:sp>
           <p:nvSpPr>
-            <p:cNvPr id="9" name="TextBox 8"/>
+            <p:cNvPr id="24" name="TextBox 23"/>
             <p:cNvSpPr txBox="1"/>
             <p:nvPr/>
           </p:nvSpPr>
@@ -3356,98 +4440,203 @@
           </p:txBody>
         </p:sp>
       </p:grpSp>
+      <p:cxnSp>
+        <p:nvCxnSpPr>
+          <p:cNvPr id="567" name="Straight Connector 566"/>
+          <p:cNvCxnSpPr>
+            <a:stCxn id="21" idx="1"/>
+          </p:cNvCxnSpPr>
+          <p:nvPr/>
+        </p:nvCxnSpPr>
+        <p:spPr>
+          <a:xfrm flipH="1" flipV="1">
+            <a:off x="5791088" y="3656850"/>
+            <a:ext cx="1036857" cy="28058"/>
+          </a:xfrm>
+          <a:prstGeom prst="line">
+            <a:avLst/>
+          </a:prstGeom>
+          <a:ln>
+            <a:solidFill>
+              <a:srgbClr val="414042"/>
+            </a:solidFill>
+          </a:ln>
+          <a:effectLst/>
+        </p:spPr>
+        <p:style>
+          <a:lnRef idx="2">
+            <a:schemeClr val="accent1"/>
+          </a:lnRef>
+          <a:fillRef idx="0">
+            <a:schemeClr val="accent1"/>
+          </a:fillRef>
+          <a:effectRef idx="1">
+            <a:schemeClr val="accent1"/>
+          </a:effectRef>
+          <a:fontRef idx="minor">
+            <a:schemeClr val="tx1"/>
+          </a:fontRef>
+        </p:style>
+      </p:cxnSp>
+      <p:cxnSp>
+        <p:nvCxnSpPr>
+          <p:cNvPr id="568" name="Straight Connector 567"/>
+          <p:cNvCxnSpPr>
+            <a:stCxn id="21" idx="1"/>
+          </p:cNvCxnSpPr>
+          <p:nvPr/>
+        </p:nvCxnSpPr>
+        <p:spPr>
+          <a:xfrm flipH="1">
+            <a:off x="5780058" y="3684908"/>
+            <a:ext cx="1047887" cy="222626"/>
+          </a:xfrm>
+          <a:prstGeom prst="line">
+            <a:avLst/>
+          </a:prstGeom>
+          <a:ln>
+            <a:solidFill>
+              <a:srgbClr val="414042"/>
+            </a:solidFill>
+          </a:ln>
+          <a:effectLst/>
+        </p:spPr>
+        <p:style>
+          <a:lnRef idx="2">
+            <a:schemeClr val="accent1"/>
+          </a:lnRef>
+          <a:fillRef idx="0">
+            <a:schemeClr val="accent1"/>
+          </a:fillRef>
+          <a:effectRef idx="1">
+            <a:schemeClr val="accent1"/>
+          </a:effectRef>
+          <a:fontRef idx="minor">
+            <a:schemeClr val="tx1"/>
+          </a:fontRef>
+        </p:style>
+      </p:cxnSp>
+      <p:cxnSp>
+        <p:nvCxnSpPr>
+          <p:cNvPr id="569" name="Straight Connector 568"/>
+          <p:cNvCxnSpPr>
+            <a:stCxn id="21" idx="1"/>
+          </p:cNvCxnSpPr>
+          <p:nvPr/>
+        </p:nvCxnSpPr>
+        <p:spPr>
+          <a:xfrm flipH="1" flipV="1">
+            <a:off x="5783704" y="3372452"/>
+            <a:ext cx="1044241" cy="312456"/>
+          </a:xfrm>
+          <a:prstGeom prst="line">
+            <a:avLst/>
+          </a:prstGeom>
+          <a:ln>
+            <a:solidFill>
+              <a:srgbClr val="414042"/>
+            </a:solidFill>
+          </a:ln>
+          <a:effectLst/>
+        </p:spPr>
+        <p:style>
+          <a:lnRef idx="2">
+            <a:schemeClr val="accent1"/>
+          </a:lnRef>
+          <a:fillRef idx="0">
+            <a:schemeClr val="accent1"/>
+          </a:fillRef>
+          <a:effectRef idx="1">
+            <a:schemeClr val="accent1"/>
+          </a:effectRef>
+          <a:fontRef idx="minor">
+            <a:schemeClr val="tx1"/>
+          </a:fontRef>
+        </p:style>
+      </p:cxnSp>
+      <p:cxnSp>
+        <p:nvCxnSpPr>
+          <p:cNvPr id="573" name="Straight Connector 572"/>
+          <p:cNvCxnSpPr/>
+          <p:nvPr/>
+        </p:nvCxnSpPr>
+        <p:spPr>
+          <a:xfrm flipH="1" flipV="1">
+            <a:off x="8951264" y="3675433"/>
+            <a:ext cx="1122055" cy="18950"/>
+          </a:xfrm>
+          <a:prstGeom prst="line">
+            <a:avLst/>
+          </a:prstGeom>
+          <a:ln>
+            <a:solidFill>
+              <a:srgbClr val="414042"/>
+            </a:solidFill>
+          </a:ln>
+          <a:effectLst/>
+        </p:spPr>
+        <p:style>
+          <a:lnRef idx="2">
+            <a:schemeClr val="accent1"/>
+          </a:lnRef>
+          <a:fillRef idx="0">
+            <a:schemeClr val="accent1"/>
+          </a:fillRef>
+          <a:effectRef idx="1">
+            <a:schemeClr val="accent1"/>
+          </a:effectRef>
+          <a:fontRef idx="minor">
+            <a:schemeClr val="tx1"/>
+          </a:fontRef>
+        </p:style>
+      </p:cxnSp>
+      <p:cxnSp>
+        <p:nvCxnSpPr>
+          <p:cNvPr id="574" name="Straight Connector 573"/>
+          <p:cNvCxnSpPr>
+            <a:endCxn id="21" idx="3"/>
+          </p:cNvCxnSpPr>
+          <p:nvPr/>
+        </p:nvCxnSpPr>
+        <p:spPr>
+          <a:xfrm flipH="1">
+            <a:off x="7371411" y="3684908"/>
+            <a:ext cx="1018497" cy="0"/>
+          </a:xfrm>
+          <a:prstGeom prst="line">
+            <a:avLst/>
+          </a:prstGeom>
+          <a:ln>
+            <a:solidFill>
+              <a:srgbClr val="414042"/>
+            </a:solidFill>
+          </a:ln>
+          <a:effectLst/>
+        </p:spPr>
+        <p:style>
+          <a:lnRef idx="2">
+            <a:schemeClr val="accent1"/>
+          </a:lnRef>
+          <a:fillRef idx="0">
+            <a:schemeClr val="accent1"/>
+          </a:fillRef>
+          <a:effectRef idx="1">
+            <a:schemeClr val="accent1"/>
+          </a:effectRef>
+          <a:fontRef idx="minor">
+            <a:schemeClr val="tx1"/>
+          </a:fontRef>
+        </p:style>
+      </p:cxnSp>
       <p:grpSp>
         <p:nvGrpSpPr>
-          <p:cNvPr id="13" name="Group 12"/>
+          <p:cNvPr id="8" name="Group 7"/>
           <p:cNvGrpSpPr/>
           <p:nvPr/>
         </p:nvGrpSpPr>
         <p:grpSpPr>
           <a:xfrm>
-            <a:off x="8074844" y="3519405"/>
-            <a:ext cx="894752" cy="806035"/>
-            <a:chOff x="365197" y="709817"/>
-            <a:chExt cx="894752" cy="806035"/>
-          </a:xfrm>
-        </p:grpSpPr>
-        <p:pic>
-          <p:nvPicPr>
-            <p:cNvPr id="11" name="Picture 10"/>
-            <p:cNvPicPr>
-              <a:picLocks noChangeAspect="1"/>
-            </p:cNvPicPr>
-            <p:nvPr/>
-          </p:nvPicPr>
-          <p:blipFill>
-            <a:blip r:embed="rId4">
-              <a:extLst>
-                <a:ext uri="{28A0092B-C50C-407E-A947-70E740481C1C}">
-                  <a14:useLocalDpi xmlns:a14="http://schemas.microsoft.com/office/drawing/2010/main" val="0"/>
-                </a:ext>
-              </a:extLst>
-            </a:blip>
-            <a:stretch>
-              <a:fillRect/>
-            </a:stretch>
-          </p:blipFill>
-          <p:spPr>
-            <a:xfrm>
-              <a:off x="540839" y="709817"/>
-              <a:ext cx="543466" cy="601994"/>
-            </a:xfrm>
-            <a:prstGeom prst="rect">
-              <a:avLst/>
-            </a:prstGeom>
-          </p:spPr>
-        </p:pic>
-        <p:sp>
-          <p:nvSpPr>
-            <p:cNvPr id="12" name="TextBox 11"/>
-            <p:cNvSpPr txBox="1"/>
-            <p:nvPr/>
-          </p:nvSpPr>
-          <p:spPr>
-            <a:xfrm>
-              <a:off x="365197" y="1360220"/>
-              <a:ext cx="894752" cy="155632"/>
-            </a:xfrm>
-            <a:prstGeom prst="rect">
-              <a:avLst/>
-            </a:prstGeom>
-            <a:noFill/>
-          </p:spPr>
-          <p:txBody>
-            <a:bodyPr wrap="square" lIns="0" tIns="0" rIns="0" bIns="0" rtlCol="0" anchor="t">
-              <a:noAutofit/>
-            </a:bodyPr>
-            <a:lstStyle/>
-            <a:p>
-              <a:pPr algn="ctr"/>
-              <a:r>
-                <a:rPr lang="en-US" sz="1000" b="1" dirty="0" smtClean="0"/>
-                <a:t>Amazon</a:t>
-              </a:r>
-              <a:br>
-                <a:rPr lang="en-US" sz="1000" b="1" dirty="0" smtClean="0"/>
-              </a:br>
-              <a:r>
-                <a:rPr lang="en-US" sz="1000" b="1" dirty="0" err="1" smtClean="0"/>
-                <a:t>DynamoDB</a:t>
-              </a:r>
-              <a:endParaRPr lang="en-US" b="1" dirty="0"/>
-            </a:p>
-          </p:txBody>
-        </p:sp>
-      </p:grpSp>
-      <p:grpSp>
-        <p:nvGrpSpPr>
-          <p:cNvPr id="16" name="Group 15"/>
-          <p:cNvGrpSpPr/>
-          <p:nvPr/>
-        </p:nvGrpSpPr>
-        <p:grpSpPr>
-          <a:xfrm>
-            <a:off x="5963323" y="1690688"/>
+            <a:off x="9884795" y="3372452"/>
             <a:ext cx="731520" cy="806494"/>
             <a:chOff x="2586020" y="709358"/>
             <a:chExt cx="731520" cy="806494"/>
@@ -3455,14 +4644,14 @@
         </p:grpSpPr>
         <p:pic>
           <p:nvPicPr>
-            <p:cNvPr id="14" name="Picture 13"/>
+            <p:cNvPr id="19" name="Picture 18"/>
             <p:cNvPicPr>
               <a:picLocks noChangeAspect="1"/>
             </p:cNvPicPr>
             <p:nvPr/>
           </p:nvPicPr>
           <p:blipFill>
-            <a:blip r:embed="rId5">
+            <a:blip r:embed="rId3">
               <a:extLst>
                 <a:ext uri="{28A0092B-C50C-407E-A947-70E740481C1C}">
                   <a14:useLocalDpi xmlns:a14="http://schemas.microsoft.com/office/drawing/2010/main" val="0"/>
@@ -3485,7 +4674,7 @@
         </p:pic>
         <p:sp>
           <p:nvSpPr>
-            <p:cNvPr id="15" name="TextBox 14"/>
+            <p:cNvPr id="20" name="TextBox 19"/>
             <p:cNvSpPr txBox="1"/>
             <p:nvPr/>
           </p:nvSpPr>
@@ -3522,161 +4711,18 @@
           </p:txBody>
         </p:sp>
       </p:grpSp>
-      <p:grpSp>
-        <p:nvGrpSpPr>
-          <p:cNvPr id="19" name="Group 18"/>
-          <p:cNvGrpSpPr/>
-          <p:nvPr/>
-        </p:nvGrpSpPr>
-        <p:grpSpPr>
-          <a:xfrm>
-            <a:off x="3589842" y="3499009"/>
-            <a:ext cx="894752" cy="826431"/>
-            <a:chOff x="362197" y="689421"/>
-            <a:chExt cx="894752" cy="826431"/>
-          </a:xfrm>
-        </p:grpSpPr>
-        <p:pic>
-          <p:nvPicPr>
-            <p:cNvPr id="17" name="Picture 16"/>
-            <p:cNvPicPr>
-              <a:picLocks noChangeAspect="1"/>
-            </p:cNvPicPr>
-            <p:nvPr/>
-          </p:nvPicPr>
-          <p:blipFill>
-            <a:blip r:embed="rId6">
-              <a:extLst>
-                <a:ext uri="{28A0092B-C50C-407E-A947-70E740481C1C}">
-                  <a14:useLocalDpi xmlns:a14="http://schemas.microsoft.com/office/drawing/2010/main" val="0"/>
-                </a:ext>
-              </a:extLst>
-            </a:blip>
-            <a:stretch>
-              <a:fillRect/>
-            </a:stretch>
-          </p:blipFill>
-          <p:spPr>
-            <a:xfrm>
-              <a:off x="549398" y="689421"/>
-              <a:ext cx="521366" cy="625640"/>
-            </a:xfrm>
-            <a:prstGeom prst="rect">
-              <a:avLst/>
-            </a:prstGeom>
-          </p:spPr>
-        </p:pic>
-        <p:sp>
-          <p:nvSpPr>
-            <p:cNvPr id="18" name="TextBox 17"/>
-            <p:cNvSpPr txBox="1"/>
-            <p:nvPr/>
-          </p:nvSpPr>
-          <p:spPr>
-            <a:xfrm>
-              <a:off x="362197" y="1360220"/>
-              <a:ext cx="894752" cy="155632"/>
-            </a:xfrm>
-            <a:prstGeom prst="rect">
-              <a:avLst/>
-            </a:prstGeom>
-            <a:noFill/>
-          </p:spPr>
-          <p:txBody>
-            <a:bodyPr wrap="square" lIns="0" tIns="0" rIns="0" bIns="0" rtlCol="0" anchor="t">
-              <a:noAutofit/>
-            </a:bodyPr>
-            <a:lstStyle/>
-            <a:p>
-              <a:pPr algn="ctr"/>
-              <a:r>
-                <a:rPr lang="en-US" sz="1000" b="1" dirty="0" smtClean="0"/>
-                <a:t>Amazon API Gateway*</a:t>
-              </a:r>
-              <a:endParaRPr lang="en-US" b="1" dirty="0"/>
-            </a:p>
-          </p:txBody>
-        </p:sp>
-      </p:grpSp>
-      <p:pic>
-        <p:nvPicPr>
-          <p:cNvPr id="20" name="Picture 19"/>
-          <p:cNvPicPr>
-            <a:picLocks noChangeAspect="1"/>
-          </p:cNvPicPr>
-          <p:nvPr/>
-        </p:nvPicPr>
-        <p:blipFill>
-          <a:blip r:embed="rId7">
-            <a:extLst>
-              <a:ext uri="{28A0092B-C50C-407E-A947-70E740481C1C}">
-                <a14:useLocalDpi xmlns:a14="http://schemas.microsoft.com/office/drawing/2010/main" val="0"/>
-              </a:ext>
-            </a:extLst>
-          </a:blip>
-          <a:stretch>
-            <a:fillRect/>
-          </a:stretch>
-        </p:blipFill>
-        <p:spPr>
-          <a:xfrm>
-            <a:off x="1287239" y="2757364"/>
-            <a:ext cx="731520" cy="731520"/>
-          </a:xfrm>
-          <a:prstGeom prst="rect">
-            <a:avLst/>
-          </a:prstGeom>
-        </p:spPr>
-      </p:pic>
-      <p:sp>
-        <p:nvSpPr>
-          <p:cNvPr id="21" name="TextBox 20"/>
-          <p:cNvSpPr txBox="1"/>
-          <p:nvPr/>
-        </p:nvSpPr>
-        <p:spPr>
-          <a:xfrm>
-            <a:off x="1104001" y="3589775"/>
-            <a:ext cx="1078992" cy="155448"/>
-          </a:xfrm>
-          <a:prstGeom prst="rect">
-            <a:avLst/>
-          </a:prstGeom>
-          <a:noFill/>
-        </p:spPr>
-        <p:txBody>
-          <a:bodyPr wrap="square" lIns="0" tIns="0" rIns="0" bIns="0" rtlCol="0">
-            <a:noAutofit/>
-          </a:bodyPr>
-          <a:lstStyle/>
-          <a:p>
-            <a:pPr algn="ctr"/>
-            <a:r>
-              <a:rPr lang="en-US" sz="1000" dirty="0" smtClean="0">
-                <a:latin typeface="Helvetica Neue"/>
-                <a:cs typeface="Helvetica Neue"/>
-              </a:rPr>
-              <a:t>Browser</a:t>
-            </a:r>
-            <a:endParaRPr lang="en-US" sz="1000" dirty="0">
-              <a:latin typeface="Helvetica Neue"/>
-              <a:cs typeface="Helvetica Neue"/>
-            </a:endParaRPr>
-          </a:p>
-        </p:txBody>
-      </p:sp>
       <p:cxnSp>
         <p:nvCxnSpPr>
-          <p:cNvPr id="22" name="Straight Connector 21"/>
+          <p:cNvPr id="577" name="Straight Connector 576"/>
           <p:cNvCxnSpPr>
-            <a:stCxn id="5" idx="1"/>
+            <a:endCxn id="23" idx="3"/>
           </p:cNvCxnSpPr>
           <p:nvPr/>
         </p:nvCxnSpPr>
         <p:spPr>
-          <a:xfrm flipH="1">
-            <a:off x="2034993" y="2017237"/>
-            <a:ext cx="1729835" cy="1101254"/>
+          <a:xfrm flipH="1" flipV="1">
+            <a:off x="3597674" y="3641106"/>
+            <a:ext cx="848206" cy="320292"/>
           </a:xfrm>
           <a:prstGeom prst="line">
             <a:avLst/>
@@ -3705,16 +4751,16 @@
       </p:cxnSp>
       <p:cxnSp>
         <p:nvCxnSpPr>
-          <p:cNvPr id="23" name="Straight Connector 22"/>
+          <p:cNvPr id="578" name="Straight Connector 577"/>
           <p:cNvCxnSpPr>
-            <a:stCxn id="14" idx="1"/>
+            <a:endCxn id="23" idx="3"/>
           </p:cNvCxnSpPr>
           <p:nvPr/>
         </p:nvCxnSpPr>
         <p:spPr>
-          <a:xfrm flipH="1" flipV="1">
-            <a:off x="4298409" y="1988167"/>
-            <a:ext cx="1768473" cy="15341"/>
+          <a:xfrm flipH="1">
+            <a:off x="3597674" y="3372452"/>
+            <a:ext cx="850764" cy="268654"/>
           </a:xfrm>
           <a:prstGeom prst="line">
             <a:avLst/>
@@ -3741,192 +4787,6 @@
           </a:fontRef>
         </p:style>
       </p:cxnSp>
-      <p:cxnSp>
-        <p:nvCxnSpPr>
-          <p:cNvPr id="24" name="Straight Connector 23"/>
-          <p:cNvCxnSpPr>
-            <a:stCxn id="11" idx="1"/>
-          </p:cNvCxnSpPr>
-          <p:nvPr/>
-        </p:nvCxnSpPr>
-        <p:spPr>
-          <a:xfrm flipH="1" flipV="1">
-            <a:off x="6588249" y="3811829"/>
-            <a:ext cx="1662237" cy="8573"/>
-          </a:xfrm>
-          <a:prstGeom prst="line">
-            <a:avLst/>
-          </a:prstGeom>
-          <a:ln>
-            <a:solidFill>
-              <a:srgbClr val="414042"/>
-            </a:solidFill>
-          </a:ln>
-          <a:effectLst/>
-        </p:spPr>
-        <p:style>
-          <a:lnRef idx="2">
-            <a:schemeClr val="accent1"/>
-          </a:lnRef>
-          <a:fillRef idx="0">
-            <a:schemeClr val="accent1"/>
-          </a:fillRef>
-          <a:effectRef idx="1">
-            <a:schemeClr val="accent1"/>
-          </a:effectRef>
-          <a:fontRef idx="minor">
-            <a:schemeClr val="tx1"/>
-          </a:fontRef>
-        </p:style>
-      </p:cxnSp>
-      <p:cxnSp>
-        <p:nvCxnSpPr>
-          <p:cNvPr id="25" name="Straight Connector 24"/>
-          <p:cNvCxnSpPr>
-            <a:stCxn id="8" idx="1"/>
-          </p:cNvCxnSpPr>
-          <p:nvPr/>
-        </p:nvCxnSpPr>
-        <p:spPr>
-          <a:xfrm flipH="1" flipV="1">
-            <a:off x="4309608" y="3811829"/>
-            <a:ext cx="1747085" cy="3924"/>
-          </a:xfrm>
-          <a:prstGeom prst="line">
-            <a:avLst/>
-          </a:prstGeom>
-          <a:ln>
-            <a:solidFill>
-              <a:srgbClr val="414042"/>
-            </a:solidFill>
-          </a:ln>
-          <a:effectLst/>
-        </p:spPr>
-        <p:style>
-          <a:lnRef idx="2">
-            <a:schemeClr val="accent1"/>
-          </a:lnRef>
-          <a:fillRef idx="0">
-            <a:schemeClr val="accent1"/>
-          </a:fillRef>
-          <a:effectRef idx="1">
-            <a:schemeClr val="accent1"/>
-          </a:effectRef>
-          <a:fontRef idx="minor">
-            <a:schemeClr val="tx1"/>
-          </a:fontRef>
-        </p:style>
-      </p:cxnSp>
-      <p:cxnSp>
-        <p:nvCxnSpPr>
-          <p:cNvPr id="26" name="Straight Connector 25"/>
-          <p:cNvCxnSpPr>
-            <a:stCxn id="17" idx="1"/>
-          </p:cNvCxnSpPr>
-          <p:nvPr/>
-        </p:nvCxnSpPr>
-        <p:spPr>
-          <a:xfrm flipH="1" flipV="1">
-            <a:off x="2018759" y="3123124"/>
-            <a:ext cx="1758284" cy="688705"/>
-          </a:xfrm>
-          <a:prstGeom prst="line">
-            <a:avLst/>
-          </a:prstGeom>
-          <a:ln>
-            <a:solidFill>
-              <a:srgbClr val="414042"/>
-            </a:solidFill>
-          </a:ln>
-          <a:effectLst/>
-        </p:spPr>
-        <p:style>
-          <a:lnRef idx="2">
-            <a:schemeClr val="accent1"/>
-          </a:lnRef>
-          <a:fillRef idx="0">
-            <a:schemeClr val="accent1"/>
-          </a:fillRef>
-          <a:effectRef idx="1">
-            <a:schemeClr val="accent1"/>
-          </a:effectRef>
-          <a:fontRef idx="minor">
-            <a:schemeClr val="tx1"/>
-          </a:fontRef>
-        </p:style>
-      </p:cxnSp>
-    </p:spTree>
-    <p:extLst>
-      <p:ext uri="{BB962C8B-B14F-4D97-AF65-F5344CB8AC3E}">
-        <p14:creationId xmlns:p14="http://schemas.microsoft.com/office/powerpoint/2010/main" val="469415979"/>
-      </p:ext>
-    </p:extLst>
-  </p:cSld>
-  <p:clrMapOvr>
-    <a:masterClrMapping/>
-  </p:clrMapOvr>
-</p:sld>
-</file>
-
-<file path=ppt/slides/slide12.xml><?xml version="1.0" encoding="utf-8"?>
-<p:sld xmlns:a="http://schemas.openxmlformats.org/drawingml/2006/main" xmlns:r="http://schemas.openxmlformats.org/officeDocument/2006/relationships" xmlns:p="http://schemas.openxmlformats.org/presentationml/2006/main">
-  <p:cSld>
-    <p:spTree>
-      <p:nvGrpSpPr>
-        <p:cNvPr id="1" name=""/>
-        <p:cNvGrpSpPr/>
-        <p:nvPr/>
-      </p:nvGrpSpPr>
-      <p:grpSpPr>
-        <a:xfrm>
-          <a:off x="0" y="0"/>
-          <a:ext cx="0" cy="0"/>
-          <a:chOff x="0" y="0"/>
-          <a:chExt cx="0" cy="0"/>
-        </a:xfrm>
-      </p:grpSpPr>
-      <p:sp>
-        <p:nvSpPr>
-          <p:cNvPr id="2" name="Title 1"/>
-          <p:cNvSpPr>
-            <a:spLocks noGrp="1"/>
-          </p:cNvSpPr>
-          <p:nvPr>
-            <p:ph type="title"/>
-          </p:nvPr>
-        </p:nvSpPr>
-        <p:spPr/>
-        <p:txBody>
-          <a:bodyPr/>
-          <a:lstStyle/>
-          <a:p>
-            <a:r>
-              <a:rPr lang="en-US" dirty="0" smtClean="0"/>
-              <a:t>Batch Processing</a:t>
-            </a:r>
-            <a:endParaRPr lang="en-US" dirty="0"/>
-          </a:p>
-        </p:txBody>
-      </p:sp>
-      <p:sp>
-        <p:nvSpPr>
-          <p:cNvPr id="3" name="Content Placeholder 2"/>
-          <p:cNvSpPr>
-            <a:spLocks noGrp="1"/>
-          </p:cNvSpPr>
-          <p:nvPr>
-            <p:ph idx="1"/>
-          </p:nvPr>
-        </p:nvSpPr>
-        <p:spPr/>
-        <p:txBody>
-          <a:bodyPr/>
-          <a:lstStyle/>
-          <a:p>
-            <a:endParaRPr lang="en-US"/>
-          </a:p>
-        </p:txBody>
-      </p:sp>
     </p:spTree>
     <p:extLst>
       <p:ext uri="{BB962C8B-B14F-4D97-AF65-F5344CB8AC3E}">

--- a/going-serverless-2017.pptx
+++ b/going-serverless-2017.pptx
@@ -9,17 +9,17 @@
     <p:sldId id="257" r:id="rId3"/>
     <p:sldId id="258" r:id="rId4"/>
     <p:sldId id="259" r:id="rId5"/>
-    <p:sldId id="260" r:id="rId6"/>
-    <p:sldId id="274" r:id="rId7"/>
-    <p:sldId id="273" r:id="rId8"/>
-    <p:sldId id="275" r:id="rId9"/>
-    <p:sldId id="262" r:id="rId10"/>
-    <p:sldId id="264" r:id="rId11"/>
-    <p:sldId id="265" r:id="rId12"/>
-    <p:sldId id="266" r:id="rId13"/>
-    <p:sldId id="267" r:id="rId14"/>
-    <p:sldId id="268" r:id="rId15"/>
-    <p:sldId id="261" r:id="rId16"/>
+    <p:sldId id="261" r:id="rId6"/>
+    <p:sldId id="260" r:id="rId7"/>
+    <p:sldId id="274" r:id="rId8"/>
+    <p:sldId id="273" r:id="rId9"/>
+    <p:sldId id="275" r:id="rId10"/>
+    <p:sldId id="262" r:id="rId11"/>
+    <p:sldId id="264" r:id="rId12"/>
+    <p:sldId id="265" r:id="rId13"/>
+    <p:sldId id="266" r:id="rId14"/>
+    <p:sldId id="267" r:id="rId15"/>
+    <p:sldId id="268" r:id="rId16"/>
     <p:sldId id="263" r:id="rId17"/>
     <p:sldId id="269" r:id="rId18"/>
     <p:sldId id="270" r:id="rId19"/>
@@ -3080,6 +3080,78 @@
           <a:p>
             <a:r>
               <a:rPr lang="en-US" dirty="0" smtClean="0"/>
+              <a:t>Cost</a:t>
+            </a:r>
+            <a:endParaRPr lang="en-US" dirty="0"/>
+          </a:p>
+        </p:txBody>
+      </p:sp>
+      <p:sp>
+        <p:nvSpPr>
+          <p:cNvPr id="3" name="Content Placeholder 2"/>
+          <p:cNvSpPr>
+            <a:spLocks noGrp="1"/>
+          </p:cNvSpPr>
+          <p:nvPr>
+            <p:ph idx="1"/>
+          </p:nvPr>
+        </p:nvSpPr>
+        <p:spPr/>
+        <p:txBody>
+          <a:bodyPr/>
+          <a:lstStyle/>
+          <a:p>
+            <a:endParaRPr lang="en-US"/>
+          </a:p>
+        </p:txBody>
+      </p:sp>
+    </p:spTree>
+    <p:extLst>
+      <p:ext uri="{BB962C8B-B14F-4D97-AF65-F5344CB8AC3E}">
+        <p14:creationId xmlns:p14="http://schemas.microsoft.com/office/powerpoint/2010/main" val="1697529755"/>
+      </p:ext>
+    </p:extLst>
+  </p:cSld>
+  <p:clrMapOvr>
+    <a:masterClrMapping/>
+  </p:clrMapOvr>
+</p:sld>
+</file>
+
+<file path=ppt/slides/slide11.xml><?xml version="1.0" encoding="utf-8"?>
+<p:sld xmlns:a="http://schemas.openxmlformats.org/drawingml/2006/main" xmlns:r="http://schemas.openxmlformats.org/officeDocument/2006/relationships" xmlns:p="http://schemas.openxmlformats.org/presentationml/2006/main">
+  <p:cSld>
+    <p:spTree>
+      <p:nvGrpSpPr>
+        <p:cNvPr id="1" name=""/>
+        <p:cNvGrpSpPr/>
+        <p:nvPr/>
+      </p:nvGrpSpPr>
+      <p:grpSpPr>
+        <a:xfrm>
+          <a:off x="0" y="0"/>
+          <a:ext cx="0" cy="0"/>
+          <a:chOff x="0" y="0"/>
+          <a:chExt cx="0" cy="0"/>
+        </a:xfrm>
+      </p:grpSpPr>
+      <p:sp>
+        <p:nvSpPr>
+          <p:cNvPr id="2" name="Title 1"/>
+          <p:cNvSpPr>
+            <a:spLocks noGrp="1"/>
+          </p:cNvSpPr>
+          <p:nvPr>
+            <p:ph type="title"/>
+          </p:nvPr>
+        </p:nvSpPr>
+        <p:spPr/>
+        <p:txBody>
+          <a:bodyPr/>
+          <a:lstStyle/>
+          <a:p>
+            <a:r>
+              <a:rPr lang="en-US" dirty="0" smtClean="0"/>
               <a:t>Patterns</a:t>
             </a:r>
             <a:endParaRPr lang="en-US" dirty="0"/>
@@ -3153,7 +3225,7 @@
 </p:sld>
 </file>
 
-<file path=ppt/slides/slide11.xml><?xml version="1.0" encoding="utf-8"?>
+<file path=ppt/slides/slide12.xml><?xml version="1.0" encoding="utf-8"?>
 <p:sld xmlns:a="http://schemas.openxmlformats.org/drawingml/2006/main" xmlns:r="http://schemas.openxmlformats.org/officeDocument/2006/relationships" xmlns:p="http://schemas.openxmlformats.org/presentationml/2006/main">
   <p:cSld>
     <p:spTree>
@@ -3883,7 +3955,7 @@
 </p:sld>
 </file>
 
-<file path=ppt/slides/slide12.xml><?xml version="1.0" encoding="utf-8"?>
+<file path=ppt/slides/slide13.xml><?xml version="1.0" encoding="utf-8"?>
 <p:sld xmlns:a="http://schemas.openxmlformats.org/drawingml/2006/main" xmlns:r="http://schemas.openxmlformats.org/officeDocument/2006/relationships" xmlns:p="http://schemas.openxmlformats.org/presentationml/2006/main">
   <p:cSld>
     <p:spTree>
@@ -4800,78 +4872,6 @@
 </p:sld>
 </file>
 
-<file path=ppt/slides/slide13.xml><?xml version="1.0" encoding="utf-8"?>
-<p:sld xmlns:a="http://schemas.openxmlformats.org/drawingml/2006/main" xmlns:r="http://schemas.openxmlformats.org/officeDocument/2006/relationships" xmlns:p="http://schemas.openxmlformats.org/presentationml/2006/main">
-  <p:cSld>
-    <p:spTree>
-      <p:nvGrpSpPr>
-        <p:cNvPr id="1" name=""/>
-        <p:cNvGrpSpPr/>
-        <p:nvPr/>
-      </p:nvGrpSpPr>
-      <p:grpSpPr>
-        <a:xfrm>
-          <a:off x="0" y="0"/>
-          <a:ext cx="0" cy="0"/>
-          <a:chOff x="0" y="0"/>
-          <a:chExt cx="0" cy="0"/>
-        </a:xfrm>
-      </p:grpSpPr>
-      <p:sp>
-        <p:nvSpPr>
-          <p:cNvPr id="2" name="Title 1"/>
-          <p:cNvSpPr>
-            <a:spLocks noGrp="1"/>
-          </p:cNvSpPr>
-          <p:nvPr>
-            <p:ph type="title"/>
-          </p:nvPr>
-        </p:nvSpPr>
-        <p:spPr/>
-        <p:txBody>
-          <a:bodyPr/>
-          <a:lstStyle/>
-          <a:p>
-            <a:r>
-              <a:rPr lang="en-US" dirty="0" smtClean="0"/>
-              <a:t>Stream Processing</a:t>
-            </a:r>
-            <a:endParaRPr lang="en-US" dirty="0"/>
-          </a:p>
-        </p:txBody>
-      </p:sp>
-      <p:sp>
-        <p:nvSpPr>
-          <p:cNvPr id="3" name="Content Placeholder 2"/>
-          <p:cNvSpPr>
-            <a:spLocks noGrp="1"/>
-          </p:cNvSpPr>
-          <p:nvPr>
-            <p:ph idx="1"/>
-          </p:nvPr>
-        </p:nvSpPr>
-        <p:spPr/>
-        <p:txBody>
-          <a:bodyPr/>
-          <a:lstStyle/>
-          <a:p>
-            <a:endParaRPr lang="en-US"/>
-          </a:p>
-        </p:txBody>
-      </p:sp>
-    </p:spTree>
-    <p:extLst>
-      <p:ext uri="{BB962C8B-B14F-4D97-AF65-F5344CB8AC3E}">
-        <p14:creationId xmlns:p14="http://schemas.microsoft.com/office/powerpoint/2010/main" val="1940946997"/>
-      </p:ext>
-    </p:extLst>
-  </p:cSld>
-  <p:clrMapOvr>
-    <a:masterClrMapping/>
-  </p:clrMapOvr>
-</p:sld>
-</file>
-
 <file path=ppt/slides/slide14.xml><?xml version="1.0" encoding="utf-8"?>
 <p:sld xmlns:a="http://schemas.openxmlformats.org/drawingml/2006/main" xmlns:r="http://schemas.openxmlformats.org/officeDocument/2006/relationships" xmlns:p="http://schemas.openxmlformats.org/presentationml/2006/main">
   <p:cSld>
@@ -4906,7 +4906,7 @@
           <a:p>
             <a:r>
               <a:rPr lang="en-US" dirty="0" smtClean="0"/>
-              <a:t>Automation</a:t>
+              <a:t>Stream Processing</a:t>
             </a:r>
             <a:endParaRPr lang="en-US" dirty="0"/>
           </a:p>
@@ -4934,7 +4934,7 @@
     </p:spTree>
     <p:extLst>
       <p:ext uri="{BB962C8B-B14F-4D97-AF65-F5344CB8AC3E}">
-        <p14:creationId xmlns:p14="http://schemas.microsoft.com/office/powerpoint/2010/main" val="878048976"/>
+        <p14:creationId xmlns:p14="http://schemas.microsoft.com/office/powerpoint/2010/main" val="1940946997"/>
       </p:ext>
     </p:extLst>
   </p:cSld>
@@ -4978,7 +4978,7 @@
           <a:p>
             <a:r>
               <a:rPr lang="en-US" dirty="0" smtClean="0"/>
-              <a:t>Who</a:t>
+              <a:t>Automation</a:t>
             </a:r>
             <a:endParaRPr lang="en-US" dirty="0"/>
           </a:p>
@@ -4999,36 +4999,14 @@
           <a:bodyPr/>
           <a:lstStyle/>
           <a:p>
-            <a:r>
-              <a:rPr lang="en-US" dirty="0" smtClean="0"/>
-              <a:t>Google Cloud Functions</a:t>
-            </a:r>
-          </a:p>
-          <a:p>
-            <a:r>
-              <a:rPr lang="en-US" dirty="0" smtClean="0"/>
-              <a:t>IBM Open Whisk</a:t>
-            </a:r>
-          </a:p>
-          <a:p>
-            <a:r>
-              <a:rPr lang="en-US" dirty="0" smtClean="0"/>
-              <a:t>Microsoft Azure</a:t>
-            </a:r>
-          </a:p>
-          <a:p>
-            <a:r>
-              <a:rPr lang="en-US" dirty="0" smtClean="0"/>
-              <a:t>AWS Lambda</a:t>
-            </a:r>
-            <a:endParaRPr lang="en-US" dirty="0"/>
+            <a:endParaRPr lang="en-US"/>
           </a:p>
         </p:txBody>
       </p:sp>
     </p:spTree>
     <p:extLst>
       <p:ext uri="{BB962C8B-B14F-4D97-AF65-F5344CB8AC3E}">
-        <p14:creationId xmlns:p14="http://schemas.microsoft.com/office/powerpoint/2010/main" val="1971640995"/>
+        <p14:creationId xmlns:p14="http://schemas.microsoft.com/office/powerpoint/2010/main" val="878048976"/>
       </p:ext>
     </p:extLst>
   </p:cSld>
@@ -5572,20 +5550,21 @@
           <a:p>
             <a:r>
               <a:rPr lang="en-US" dirty="0" smtClean="0"/>
-              <a:t>Why</a:t>
+              <a:t>Who provides it</a:t>
             </a:r>
           </a:p>
           <a:p>
             <a:r>
               <a:rPr lang="en-US" dirty="0" smtClean="0"/>
-              <a:t>Who</a:t>
-            </a:r>
-          </a:p>
-          <a:p>
-            <a:r>
-              <a:rPr lang="en-US" dirty="0" smtClean="0"/>
-              <a:t>How to</a:t>
-            </a:r>
+              <a:t>Why do it</a:t>
+            </a:r>
+          </a:p>
+          <a:p>
+            <a:r>
+              <a:rPr lang="en-US" smtClean="0"/>
+              <a:t>How to do it</a:t>
+            </a:r>
+            <a:endParaRPr lang="en-US" dirty="0" smtClean="0"/>
           </a:p>
         </p:txBody>
       </p:sp>
@@ -5750,7 +5729,7 @@
           <a:p>
             <a:r>
               <a:rPr lang="en-US" dirty="0" smtClean="0"/>
-              <a:t>Why </a:t>
+              <a:t>Who</a:t>
             </a:r>
             <a:endParaRPr lang="en-US" dirty="0"/>
           </a:p>
@@ -5773,33 +5752,34 @@
           <a:p>
             <a:r>
               <a:rPr lang="en-US" dirty="0" smtClean="0"/>
-              <a:t>Scalable</a:t>
+              <a:t>Google Cloud Functions</a:t>
             </a:r>
           </a:p>
           <a:p>
             <a:r>
               <a:rPr lang="en-US" dirty="0" smtClean="0"/>
-              <a:t>Managed</a:t>
+              <a:t>IBM Open Whisk</a:t>
             </a:r>
           </a:p>
           <a:p>
             <a:r>
               <a:rPr lang="en-US" dirty="0" smtClean="0"/>
-              <a:t>Leverage Services</a:t>
+              <a:t>Microsoft Azure</a:t>
             </a:r>
           </a:p>
           <a:p>
             <a:r>
               <a:rPr lang="en-US" dirty="0" smtClean="0"/>
-              <a:t>Cost</a:t>
-            </a:r>
+              <a:t>AWS Lambda</a:t>
+            </a:r>
+            <a:endParaRPr lang="en-US" dirty="0"/>
           </a:p>
         </p:txBody>
       </p:sp>
     </p:spTree>
     <p:extLst>
       <p:ext uri="{BB962C8B-B14F-4D97-AF65-F5344CB8AC3E}">
-        <p14:creationId xmlns:p14="http://schemas.microsoft.com/office/powerpoint/2010/main" val="634894413"/>
+        <p14:creationId xmlns:p14="http://schemas.microsoft.com/office/powerpoint/2010/main" val="1971640995"/>
       </p:ext>
     </p:extLst>
   </p:cSld>
@@ -5843,35 +5823,56 @@
           <a:p>
             <a:r>
               <a:rPr lang="en-US" dirty="0" smtClean="0"/>
+              <a:t>Why </a:t>
+            </a:r>
+            <a:endParaRPr lang="en-US" dirty="0"/>
+          </a:p>
+        </p:txBody>
+      </p:sp>
+      <p:sp>
+        <p:nvSpPr>
+          <p:cNvPr id="3" name="Content Placeholder 2"/>
+          <p:cNvSpPr>
+            <a:spLocks noGrp="1"/>
+          </p:cNvSpPr>
+          <p:nvPr>
+            <p:ph idx="1"/>
+          </p:nvPr>
+        </p:nvSpPr>
+        <p:spPr/>
+        <p:txBody>
+          <a:bodyPr/>
+          <a:lstStyle/>
+          <a:p>
+            <a:r>
+              <a:rPr lang="en-US" dirty="0" smtClean="0"/>
+              <a:t>Scalable</a:t>
+            </a:r>
+          </a:p>
+          <a:p>
+            <a:r>
+              <a:rPr lang="en-US" dirty="0" smtClean="0"/>
               <a:t>Managed</a:t>
             </a:r>
-            <a:endParaRPr lang="en-US" dirty="0"/>
-          </a:p>
-        </p:txBody>
-      </p:sp>
-      <p:sp>
-        <p:nvSpPr>
-          <p:cNvPr id="3" name="Content Placeholder 2"/>
-          <p:cNvSpPr>
-            <a:spLocks noGrp="1"/>
-          </p:cNvSpPr>
-          <p:nvPr>
-            <p:ph idx="1"/>
-          </p:nvPr>
-        </p:nvSpPr>
-        <p:spPr/>
-        <p:txBody>
-          <a:bodyPr/>
-          <a:lstStyle/>
-          <a:p>
-            <a:endParaRPr lang="en-US"/>
+          </a:p>
+          <a:p>
+            <a:r>
+              <a:rPr lang="en-US" dirty="0" smtClean="0"/>
+              <a:t>Leverage Services</a:t>
+            </a:r>
+          </a:p>
+          <a:p>
+            <a:r>
+              <a:rPr lang="en-US" dirty="0" smtClean="0"/>
+              <a:t>Cost</a:t>
+            </a:r>
           </a:p>
         </p:txBody>
       </p:sp>
     </p:spTree>
     <p:extLst>
       <p:ext uri="{BB962C8B-B14F-4D97-AF65-F5344CB8AC3E}">
-        <p14:creationId xmlns:p14="http://schemas.microsoft.com/office/powerpoint/2010/main" val="902979938"/>
+        <p14:creationId xmlns:p14="http://schemas.microsoft.com/office/powerpoint/2010/main" val="634894413"/>
       </p:ext>
     </p:extLst>
   </p:cSld>
@@ -5915,7 +5916,7 @@
           <a:p>
             <a:r>
               <a:rPr lang="en-US" dirty="0" smtClean="0"/>
-              <a:t>Scalable</a:t>
+              <a:t>Managed</a:t>
             </a:r>
             <a:endParaRPr lang="en-US" dirty="0"/>
           </a:p>
@@ -5943,7 +5944,7 @@
     </p:spTree>
     <p:extLst>
       <p:ext uri="{BB962C8B-B14F-4D97-AF65-F5344CB8AC3E}">
-        <p14:creationId xmlns:p14="http://schemas.microsoft.com/office/powerpoint/2010/main" val="1998115011"/>
+        <p14:creationId xmlns:p14="http://schemas.microsoft.com/office/powerpoint/2010/main" val="902979938"/>
       </p:ext>
     </p:extLst>
   </p:cSld>
@@ -5987,7 +5988,7 @@
           <a:p>
             <a:r>
               <a:rPr lang="en-US" dirty="0" smtClean="0"/>
-              <a:t>Leverage Services</a:t>
+              <a:t>Scalable</a:t>
             </a:r>
             <a:endParaRPr lang="en-US" dirty="0"/>
           </a:p>
@@ -6008,44 +6009,14 @@
           <a:bodyPr/>
           <a:lstStyle/>
           <a:p>
-            <a:r>
-              <a:rPr lang="en-US" dirty="0" err="1" smtClean="0"/>
-              <a:t>Cognito</a:t>
-            </a:r>
-            <a:endParaRPr lang="en-US" dirty="0" smtClean="0"/>
-          </a:p>
-          <a:p>
-            <a:r>
-              <a:rPr lang="en-US" dirty="0" smtClean="0"/>
-              <a:t>S3</a:t>
-            </a:r>
-          </a:p>
-          <a:p>
-            <a:r>
-              <a:rPr lang="en-US" dirty="0" smtClean="0"/>
-              <a:t>SNS</a:t>
-            </a:r>
-          </a:p>
-          <a:p>
-            <a:r>
-              <a:rPr lang="en-US" dirty="0" err="1" smtClean="0"/>
-              <a:t>Kinises</a:t>
-            </a:r>
-            <a:endParaRPr lang="en-US" dirty="0" smtClean="0"/>
-          </a:p>
-          <a:p>
-            <a:r>
-              <a:rPr lang="en-US" dirty="0" smtClean="0"/>
-              <a:t>Etc..</a:t>
-            </a:r>
-            <a:endParaRPr lang="en-US" dirty="0"/>
+            <a:endParaRPr lang="en-US"/>
           </a:p>
         </p:txBody>
       </p:sp>
     </p:spTree>
     <p:extLst>
       <p:ext uri="{BB962C8B-B14F-4D97-AF65-F5344CB8AC3E}">
-        <p14:creationId xmlns:p14="http://schemas.microsoft.com/office/powerpoint/2010/main" val="2036119871"/>
+        <p14:creationId xmlns:p14="http://schemas.microsoft.com/office/powerpoint/2010/main" val="1998115011"/>
       </p:ext>
     </p:extLst>
   </p:cSld>
@@ -6089,7 +6060,7 @@
           <a:p>
             <a:r>
               <a:rPr lang="en-US" dirty="0" smtClean="0"/>
-              <a:t>Cost</a:t>
+              <a:t>Leverage Services</a:t>
             </a:r>
             <a:endParaRPr lang="en-US" dirty="0"/>
           </a:p>
@@ -6110,14 +6081,44 @@
           <a:bodyPr/>
           <a:lstStyle/>
           <a:p>
-            <a:endParaRPr lang="en-US"/>
+            <a:r>
+              <a:rPr lang="en-US" dirty="0" err="1" smtClean="0"/>
+              <a:t>Cognito</a:t>
+            </a:r>
+            <a:endParaRPr lang="en-US" dirty="0" smtClean="0"/>
+          </a:p>
+          <a:p>
+            <a:r>
+              <a:rPr lang="en-US" dirty="0" smtClean="0"/>
+              <a:t>S3</a:t>
+            </a:r>
+          </a:p>
+          <a:p>
+            <a:r>
+              <a:rPr lang="en-US" dirty="0" smtClean="0"/>
+              <a:t>SNS</a:t>
+            </a:r>
+          </a:p>
+          <a:p>
+            <a:r>
+              <a:rPr lang="en-US" dirty="0" err="1" smtClean="0"/>
+              <a:t>Kinises</a:t>
+            </a:r>
+            <a:endParaRPr lang="en-US" dirty="0" smtClean="0"/>
+          </a:p>
+          <a:p>
+            <a:r>
+              <a:rPr lang="en-US" dirty="0" smtClean="0"/>
+              <a:t>Etc..</a:t>
+            </a:r>
+            <a:endParaRPr lang="en-US" dirty="0"/>
           </a:p>
         </p:txBody>
       </p:sp>
     </p:spTree>
     <p:extLst>
       <p:ext uri="{BB962C8B-B14F-4D97-AF65-F5344CB8AC3E}">
-        <p14:creationId xmlns:p14="http://schemas.microsoft.com/office/powerpoint/2010/main" val="1697529755"/>
+        <p14:creationId xmlns:p14="http://schemas.microsoft.com/office/powerpoint/2010/main" val="2036119871"/>
       </p:ext>
     </p:extLst>
   </p:cSld>

--- a/going-serverless-2017.pptx
+++ b/going-serverless-2017.pptx
@@ -8,23 +8,25 @@
     <p:sldId id="256" r:id="rId2"/>
     <p:sldId id="257" r:id="rId3"/>
     <p:sldId id="258" r:id="rId4"/>
-    <p:sldId id="259" r:id="rId5"/>
-    <p:sldId id="261" r:id="rId6"/>
+    <p:sldId id="261" r:id="rId5"/>
+    <p:sldId id="259" r:id="rId6"/>
     <p:sldId id="260" r:id="rId7"/>
-    <p:sldId id="274" r:id="rId8"/>
-    <p:sldId id="273" r:id="rId9"/>
-    <p:sldId id="275" r:id="rId10"/>
-    <p:sldId id="262" r:id="rId11"/>
-    <p:sldId id="264" r:id="rId12"/>
-    <p:sldId id="265" r:id="rId13"/>
-    <p:sldId id="266" r:id="rId14"/>
-    <p:sldId id="267" r:id="rId15"/>
-    <p:sldId id="268" r:id="rId16"/>
-    <p:sldId id="263" r:id="rId17"/>
-    <p:sldId id="269" r:id="rId18"/>
-    <p:sldId id="270" r:id="rId19"/>
-    <p:sldId id="271" r:id="rId20"/>
-    <p:sldId id="272" r:id="rId21"/>
+    <p:sldId id="276" r:id="rId8"/>
+    <p:sldId id="277" r:id="rId9"/>
+    <p:sldId id="274" r:id="rId10"/>
+    <p:sldId id="273" r:id="rId11"/>
+    <p:sldId id="275" r:id="rId12"/>
+    <p:sldId id="262" r:id="rId13"/>
+    <p:sldId id="264" r:id="rId14"/>
+    <p:sldId id="265" r:id="rId15"/>
+    <p:sldId id="266" r:id="rId16"/>
+    <p:sldId id="267" r:id="rId17"/>
+    <p:sldId id="268" r:id="rId18"/>
+    <p:sldId id="263" r:id="rId19"/>
+    <p:sldId id="269" r:id="rId20"/>
+    <p:sldId id="270" r:id="rId21"/>
+    <p:sldId id="271" r:id="rId22"/>
+    <p:sldId id="272" r:id="rId23"/>
   </p:sldIdLst>
   <p:sldSz cx="12192000" cy="6858000"/>
   <p:notesSz cx="6858000" cy="9144000"/>
@@ -3080,7 +3082,7 @@
           <a:p>
             <a:r>
               <a:rPr lang="en-US" dirty="0" smtClean="0"/>
-              <a:t>Cost</a:t>
+              <a:t>Lambda scaling</a:t>
             </a:r>
             <a:endParaRPr lang="en-US" dirty="0"/>
           </a:p>
@@ -3101,14 +3103,84 @@
           <a:bodyPr/>
           <a:lstStyle/>
           <a:p>
-            <a:endParaRPr lang="en-US"/>
+            <a:r>
+              <a:rPr lang="en-US" dirty="0" smtClean="0"/>
+              <a:t>Lambda </a:t>
+            </a:r>
+            <a:r>
+              <a:rPr lang="mr-IN" dirty="0" smtClean="0"/>
+              <a:t>–</a:t>
+            </a:r>
+            <a:r>
+              <a:rPr lang="en-US" dirty="0" smtClean="0"/>
+              <a:t> on a unit of work</a:t>
+            </a:r>
+          </a:p>
+          <a:p>
+            <a:pPr lvl="1"/>
+            <a:r>
+              <a:rPr lang="en-US" dirty="0" smtClean="0"/>
+              <a:t>Streaming source types</a:t>
+            </a:r>
+          </a:p>
+          <a:p>
+            <a:pPr lvl="1"/>
+            <a:r>
+              <a:rPr lang="en-US" dirty="0" smtClean="0"/>
+              <a:t>Synchronous source types</a:t>
+            </a:r>
+          </a:p>
+          <a:p>
+            <a:pPr lvl="1"/>
+            <a:r>
+              <a:rPr lang="en-US" dirty="0" smtClean="0"/>
+              <a:t>(</a:t>
+            </a:r>
+            <a:r>
+              <a:rPr lang="en-US" dirty="0" smtClean="0">
+                <a:hlinkClick r:id="rId2"/>
+              </a:rPr>
+              <a:t>https://cloudncode.blog/2017/03/02/best-practices-aws-lambda-function/)</a:t>
+            </a:r>
+            <a:endParaRPr lang="en-US" dirty="0" smtClean="0"/>
+          </a:p>
+          <a:p>
+            <a:pPr lvl="1"/>
+            <a:r>
+              <a:rPr lang="en-US" dirty="0" smtClean="0"/>
+              <a:t>Concurrent Invocations = events (or requests) per second * function duration (in secs)</a:t>
+            </a:r>
+          </a:p>
+          <a:p>
+            <a:pPr lvl="1"/>
+            <a:r>
+              <a:rPr lang="en-US" dirty="0" smtClean="0"/>
+              <a:t>(http://</a:t>
+            </a:r>
+            <a:r>
+              <a:rPr lang="en-US" dirty="0" err="1" smtClean="0"/>
+              <a:t>docs.aws.amazon.com</a:t>
+            </a:r>
+            <a:r>
+              <a:rPr lang="en-US" dirty="0" smtClean="0"/>
+              <a:t>/lambda/latest/dg/concurrent-</a:t>
+            </a:r>
+            <a:r>
+              <a:rPr lang="en-US" dirty="0" err="1" smtClean="0"/>
+              <a:t>executions.html</a:t>
+            </a:r>
+            <a:r>
+              <a:rPr lang="en-US" dirty="0" smtClean="0"/>
+              <a:t>)</a:t>
+            </a:r>
+            <a:endParaRPr lang="en-US" dirty="0"/>
           </a:p>
         </p:txBody>
       </p:sp>
     </p:spTree>
     <p:extLst>
       <p:ext uri="{BB962C8B-B14F-4D97-AF65-F5344CB8AC3E}">
-        <p14:creationId xmlns:p14="http://schemas.microsoft.com/office/powerpoint/2010/main" val="1697529755"/>
+        <p14:creationId xmlns:p14="http://schemas.microsoft.com/office/powerpoint/2010/main" val="1998115011"/>
       </p:ext>
     </p:extLst>
   </p:cSld>
@@ -3152,6 +3224,180 @@
           <a:p>
             <a:r>
               <a:rPr lang="en-US" dirty="0" smtClean="0"/>
+              <a:t>Leverage Services</a:t>
+            </a:r>
+            <a:endParaRPr lang="en-US" dirty="0"/>
+          </a:p>
+        </p:txBody>
+      </p:sp>
+      <p:sp>
+        <p:nvSpPr>
+          <p:cNvPr id="3" name="Content Placeholder 2"/>
+          <p:cNvSpPr>
+            <a:spLocks noGrp="1"/>
+          </p:cNvSpPr>
+          <p:nvPr>
+            <p:ph idx="1"/>
+          </p:nvPr>
+        </p:nvSpPr>
+        <p:spPr/>
+        <p:txBody>
+          <a:bodyPr/>
+          <a:lstStyle/>
+          <a:p>
+            <a:r>
+              <a:rPr lang="en-US" dirty="0" err="1" smtClean="0"/>
+              <a:t>Cognito</a:t>
+            </a:r>
+            <a:endParaRPr lang="en-US" dirty="0" smtClean="0"/>
+          </a:p>
+          <a:p>
+            <a:r>
+              <a:rPr lang="en-US" dirty="0" smtClean="0"/>
+              <a:t>S3</a:t>
+            </a:r>
+          </a:p>
+          <a:p>
+            <a:r>
+              <a:rPr lang="en-US" dirty="0" smtClean="0"/>
+              <a:t>SNS</a:t>
+            </a:r>
+          </a:p>
+          <a:p>
+            <a:r>
+              <a:rPr lang="en-US" dirty="0" err="1" smtClean="0"/>
+              <a:t>Kinises</a:t>
+            </a:r>
+            <a:endParaRPr lang="en-US" dirty="0" smtClean="0"/>
+          </a:p>
+          <a:p>
+            <a:r>
+              <a:rPr lang="en-US" dirty="0" smtClean="0"/>
+              <a:t>Etc..</a:t>
+            </a:r>
+            <a:endParaRPr lang="en-US" dirty="0"/>
+          </a:p>
+        </p:txBody>
+      </p:sp>
+    </p:spTree>
+    <p:extLst>
+      <p:ext uri="{BB962C8B-B14F-4D97-AF65-F5344CB8AC3E}">
+        <p14:creationId xmlns:p14="http://schemas.microsoft.com/office/powerpoint/2010/main" val="2036119871"/>
+      </p:ext>
+    </p:extLst>
+  </p:cSld>
+  <p:clrMapOvr>
+    <a:masterClrMapping/>
+  </p:clrMapOvr>
+</p:sld>
+</file>
+
+<file path=ppt/slides/slide12.xml><?xml version="1.0" encoding="utf-8"?>
+<p:sld xmlns:a="http://schemas.openxmlformats.org/drawingml/2006/main" xmlns:r="http://schemas.openxmlformats.org/officeDocument/2006/relationships" xmlns:p="http://schemas.openxmlformats.org/presentationml/2006/main">
+  <p:cSld>
+    <p:spTree>
+      <p:nvGrpSpPr>
+        <p:cNvPr id="1" name=""/>
+        <p:cNvGrpSpPr/>
+        <p:nvPr/>
+      </p:nvGrpSpPr>
+      <p:grpSpPr>
+        <a:xfrm>
+          <a:off x="0" y="0"/>
+          <a:ext cx="0" cy="0"/>
+          <a:chOff x="0" y="0"/>
+          <a:chExt cx="0" cy="0"/>
+        </a:xfrm>
+      </p:grpSpPr>
+      <p:sp>
+        <p:nvSpPr>
+          <p:cNvPr id="2" name="Title 1"/>
+          <p:cNvSpPr>
+            <a:spLocks noGrp="1"/>
+          </p:cNvSpPr>
+          <p:nvPr>
+            <p:ph type="title"/>
+          </p:nvPr>
+        </p:nvSpPr>
+        <p:spPr/>
+        <p:txBody>
+          <a:bodyPr/>
+          <a:lstStyle/>
+          <a:p>
+            <a:r>
+              <a:rPr lang="en-US" dirty="0" smtClean="0"/>
+              <a:t>Cost</a:t>
+            </a:r>
+            <a:endParaRPr lang="en-US" dirty="0"/>
+          </a:p>
+        </p:txBody>
+      </p:sp>
+      <p:sp>
+        <p:nvSpPr>
+          <p:cNvPr id="3" name="Content Placeholder 2"/>
+          <p:cNvSpPr>
+            <a:spLocks noGrp="1"/>
+          </p:cNvSpPr>
+          <p:nvPr>
+            <p:ph idx="1"/>
+          </p:nvPr>
+        </p:nvSpPr>
+        <p:spPr/>
+        <p:txBody>
+          <a:bodyPr/>
+          <a:lstStyle/>
+          <a:p>
+            <a:endParaRPr lang="en-US"/>
+          </a:p>
+        </p:txBody>
+      </p:sp>
+    </p:spTree>
+    <p:extLst>
+      <p:ext uri="{BB962C8B-B14F-4D97-AF65-F5344CB8AC3E}">
+        <p14:creationId xmlns:p14="http://schemas.microsoft.com/office/powerpoint/2010/main" val="1697529755"/>
+      </p:ext>
+    </p:extLst>
+  </p:cSld>
+  <p:clrMapOvr>
+    <a:masterClrMapping/>
+  </p:clrMapOvr>
+</p:sld>
+</file>
+
+<file path=ppt/slides/slide13.xml><?xml version="1.0" encoding="utf-8"?>
+<p:sld xmlns:a="http://schemas.openxmlformats.org/drawingml/2006/main" xmlns:r="http://schemas.openxmlformats.org/officeDocument/2006/relationships" xmlns:p="http://schemas.openxmlformats.org/presentationml/2006/main">
+  <p:cSld>
+    <p:spTree>
+      <p:nvGrpSpPr>
+        <p:cNvPr id="1" name=""/>
+        <p:cNvGrpSpPr/>
+        <p:nvPr/>
+      </p:nvGrpSpPr>
+      <p:grpSpPr>
+        <a:xfrm>
+          <a:off x="0" y="0"/>
+          <a:ext cx="0" cy="0"/>
+          <a:chOff x="0" y="0"/>
+          <a:chExt cx="0" cy="0"/>
+        </a:xfrm>
+      </p:grpSpPr>
+      <p:sp>
+        <p:nvSpPr>
+          <p:cNvPr id="2" name="Title 1"/>
+          <p:cNvSpPr>
+            <a:spLocks noGrp="1"/>
+          </p:cNvSpPr>
+          <p:nvPr>
+            <p:ph type="title"/>
+          </p:nvPr>
+        </p:nvSpPr>
+        <p:spPr/>
+        <p:txBody>
+          <a:bodyPr/>
+          <a:lstStyle/>
+          <a:p>
+            <a:r>
+              <a:rPr lang="en-US" dirty="0" smtClean="0"/>
               <a:t>Patterns</a:t>
             </a:r>
             <a:endParaRPr lang="en-US" dirty="0"/>
@@ -3225,7 +3471,7 @@
 </p:sld>
 </file>
 
-<file path=ppt/slides/slide12.xml><?xml version="1.0" encoding="utf-8"?>
+<file path=ppt/slides/slide14.xml><?xml version="1.0" encoding="utf-8"?>
 <p:sld xmlns:a="http://schemas.openxmlformats.org/drawingml/2006/main" xmlns:r="http://schemas.openxmlformats.org/officeDocument/2006/relationships" xmlns:p="http://schemas.openxmlformats.org/presentationml/2006/main">
   <p:cSld>
     <p:spTree>
@@ -3955,7 +4201,7 @@
 </p:sld>
 </file>
 
-<file path=ppt/slides/slide13.xml><?xml version="1.0" encoding="utf-8"?>
+<file path=ppt/slides/slide15.xml><?xml version="1.0" encoding="utf-8"?>
 <p:sld xmlns:a="http://schemas.openxmlformats.org/drawingml/2006/main" xmlns:r="http://schemas.openxmlformats.org/officeDocument/2006/relationships" xmlns:p="http://schemas.openxmlformats.org/presentationml/2006/main">
   <p:cSld>
     <p:spTree>
@@ -4872,150 +5118,6 @@
 </p:sld>
 </file>
 
-<file path=ppt/slides/slide14.xml><?xml version="1.0" encoding="utf-8"?>
-<p:sld xmlns:a="http://schemas.openxmlformats.org/drawingml/2006/main" xmlns:r="http://schemas.openxmlformats.org/officeDocument/2006/relationships" xmlns:p="http://schemas.openxmlformats.org/presentationml/2006/main">
-  <p:cSld>
-    <p:spTree>
-      <p:nvGrpSpPr>
-        <p:cNvPr id="1" name=""/>
-        <p:cNvGrpSpPr/>
-        <p:nvPr/>
-      </p:nvGrpSpPr>
-      <p:grpSpPr>
-        <a:xfrm>
-          <a:off x="0" y="0"/>
-          <a:ext cx="0" cy="0"/>
-          <a:chOff x="0" y="0"/>
-          <a:chExt cx="0" cy="0"/>
-        </a:xfrm>
-      </p:grpSpPr>
-      <p:sp>
-        <p:nvSpPr>
-          <p:cNvPr id="2" name="Title 1"/>
-          <p:cNvSpPr>
-            <a:spLocks noGrp="1"/>
-          </p:cNvSpPr>
-          <p:nvPr>
-            <p:ph type="title"/>
-          </p:nvPr>
-        </p:nvSpPr>
-        <p:spPr/>
-        <p:txBody>
-          <a:bodyPr/>
-          <a:lstStyle/>
-          <a:p>
-            <a:r>
-              <a:rPr lang="en-US" dirty="0" smtClean="0"/>
-              <a:t>Stream Processing</a:t>
-            </a:r>
-            <a:endParaRPr lang="en-US" dirty="0"/>
-          </a:p>
-        </p:txBody>
-      </p:sp>
-      <p:sp>
-        <p:nvSpPr>
-          <p:cNvPr id="3" name="Content Placeholder 2"/>
-          <p:cNvSpPr>
-            <a:spLocks noGrp="1"/>
-          </p:cNvSpPr>
-          <p:nvPr>
-            <p:ph idx="1"/>
-          </p:nvPr>
-        </p:nvSpPr>
-        <p:spPr/>
-        <p:txBody>
-          <a:bodyPr/>
-          <a:lstStyle/>
-          <a:p>
-            <a:endParaRPr lang="en-US"/>
-          </a:p>
-        </p:txBody>
-      </p:sp>
-    </p:spTree>
-    <p:extLst>
-      <p:ext uri="{BB962C8B-B14F-4D97-AF65-F5344CB8AC3E}">
-        <p14:creationId xmlns:p14="http://schemas.microsoft.com/office/powerpoint/2010/main" val="1940946997"/>
-      </p:ext>
-    </p:extLst>
-  </p:cSld>
-  <p:clrMapOvr>
-    <a:masterClrMapping/>
-  </p:clrMapOvr>
-</p:sld>
-</file>
-
-<file path=ppt/slides/slide15.xml><?xml version="1.0" encoding="utf-8"?>
-<p:sld xmlns:a="http://schemas.openxmlformats.org/drawingml/2006/main" xmlns:r="http://schemas.openxmlformats.org/officeDocument/2006/relationships" xmlns:p="http://schemas.openxmlformats.org/presentationml/2006/main">
-  <p:cSld>
-    <p:spTree>
-      <p:nvGrpSpPr>
-        <p:cNvPr id="1" name=""/>
-        <p:cNvGrpSpPr/>
-        <p:nvPr/>
-      </p:nvGrpSpPr>
-      <p:grpSpPr>
-        <a:xfrm>
-          <a:off x="0" y="0"/>
-          <a:ext cx="0" cy="0"/>
-          <a:chOff x="0" y="0"/>
-          <a:chExt cx="0" cy="0"/>
-        </a:xfrm>
-      </p:grpSpPr>
-      <p:sp>
-        <p:nvSpPr>
-          <p:cNvPr id="2" name="Title 1"/>
-          <p:cNvSpPr>
-            <a:spLocks noGrp="1"/>
-          </p:cNvSpPr>
-          <p:nvPr>
-            <p:ph type="title"/>
-          </p:nvPr>
-        </p:nvSpPr>
-        <p:spPr/>
-        <p:txBody>
-          <a:bodyPr/>
-          <a:lstStyle/>
-          <a:p>
-            <a:r>
-              <a:rPr lang="en-US" dirty="0" smtClean="0"/>
-              <a:t>Automation</a:t>
-            </a:r>
-            <a:endParaRPr lang="en-US" dirty="0"/>
-          </a:p>
-        </p:txBody>
-      </p:sp>
-      <p:sp>
-        <p:nvSpPr>
-          <p:cNvPr id="3" name="Content Placeholder 2"/>
-          <p:cNvSpPr>
-            <a:spLocks noGrp="1"/>
-          </p:cNvSpPr>
-          <p:nvPr>
-            <p:ph idx="1"/>
-          </p:nvPr>
-        </p:nvSpPr>
-        <p:spPr/>
-        <p:txBody>
-          <a:bodyPr/>
-          <a:lstStyle/>
-          <a:p>
-            <a:endParaRPr lang="en-US"/>
-          </a:p>
-        </p:txBody>
-      </p:sp>
-    </p:spTree>
-    <p:extLst>
-      <p:ext uri="{BB962C8B-B14F-4D97-AF65-F5344CB8AC3E}">
-        <p14:creationId xmlns:p14="http://schemas.microsoft.com/office/powerpoint/2010/main" val="878048976"/>
-      </p:ext>
-    </p:extLst>
-  </p:cSld>
-  <p:clrMapOvr>
-    <a:masterClrMapping/>
-  </p:clrMapOvr>
-</p:sld>
-</file>
-
 <file path=ppt/slides/slide16.xml><?xml version="1.0" encoding="utf-8"?>
 <p:sld xmlns:a="http://schemas.openxmlformats.org/drawingml/2006/main" xmlns:r="http://schemas.openxmlformats.org/officeDocument/2006/relationships" xmlns:p="http://schemas.openxmlformats.org/presentationml/2006/main">
   <p:cSld>
@@ -5050,7 +5152,7 @@
           <a:p>
             <a:r>
               <a:rPr lang="en-US" dirty="0" smtClean="0"/>
-              <a:t>How to</a:t>
+              <a:t>Stream Processing</a:t>
             </a:r>
             <a:endParaRPr lang="en-US" dirty="0"/>
           </a:p>
@@ -5071,29 +5173,14 @@
           <a:bodyPr/>
           <a:lstStyle/>
           <a:p>
-            <a:r>
-              <a:rPr lang="en-US" dirty="0" smtClean="0"/>
-              <a:t>Console</a:t>
-            </a:r>
-          </a:p>
-          <a:p>
-            <a:r>
-              <a:rPr lang="en-US" dirty="0" smtClean="0"/>
-              <a:t>Manual</a:t>
-            </a:r>
-          </a:p>
-          <a:p>
-            <a:r>
-              <a:rPr lang="en-US" dirty="0" smtClean="0"/>
-              <a:t>Frameworks</a:t>
-            </a:r>
+            <a:endParaRPr lang="en-US"/>
           </a:p>
         </p:txBody>
       </p:sp>
     </p:spTree>
     <p:extLst>
       <p:ext uri="{BB962C8B-B14F-4D97-AF65-F5344CB8AC3E}">
-        <p14:creationId xmlns:p14="http://schemas.microsoft.com/office/powerpoint/2010/main" val="1062341890"/>
+        <p14:creationId xmlns:p14="http://schemas.microsoft.com/office/powerpoint/2010/main" val="1940946997"/>
       </p:ext>
     </p:extLst>
   </p:cSld>
@@ -5137,7 +5224,7 @@
           <a:p>
             <a:r>
               <a:rPr lang="en-US" dirty="0" smtClean="0"/>
-              <a:t>Console</a:t>
+              <a:t>Automation</a:t>
             </a:r>
             <a:endParaRPr lang="en-US" dirty="0"/>
           </a:p>
@@ -5158,18 +5245,14 @@
           <a:bodyPr/>
           <a:lstStyle/>
           <a:p>
-            <a:r>
-              <a:rPr lang="en-US" dirty="0" smtClean="0"/>
-              <a:t>STOP right now</a:t>
-            </a:r>
-            <a:endParaRPr lang="en-US" dirty="0"/>
+            <a:endParaRPr lang="en-US"/>
           </a:p>
         </p:txBody>
       </p:sp>
     </p:spTree>
     <p:extLst>
       <p:ext uri="{BB962C8B-B14F-4D97-AF65-F5344CB8AC3E}">
-        <p14:creationId xmlns:p14="http://schemas.microsoft.com/office/powerpoint/2010/main" val="656123180"/>
+        <p14:creationId xmlns:p14="http://schemas.microsoft.com/office/powerpoint/2010/main" val="878048976"/>
       </p:ext>
     </p:extLst>
   </p:cSld>
@@ -5213,39 +5296,50 @@
           <a:p>
             <a:r>
               <a:rPr lang="en-US" dirty="0" smtClean="0"/>
+              <a:t>How to</a:t>
+            </a:r>
+            <a:endParaRPr lang="en-US" dirty="0"/>
+          </a:p>
+        </p:txBody>
+      </p:sp>
+      <p:sp>
+        <p:nvSpPr>
+          <p:cNvPr id="3" name="Content Placeholder 2"/>
+          <p:cNvSpPr>
+            <a:spLocks noGrp="1"/>
+          </p:cNvSpPr>
+          <p:nvPr>
+            <p:ph idx="1"/>
+          </p:nvPr>
+        </p:nvSpPr>
+        <p:spPr/>
+        <p:txBody>
+          <a:bodyPr/>
+          <a:lstStyle/>
+          <a:p>
+            <a:r>
+              <a:rPr lang="en-US" dirty="0" smtClean="0"/>
+              <a:t>Console</a:t>
+            </a:r>
+          </a:p>
+          <a:p>
+            <a:r>
+              <a:rPr lang="en-US" dirty="0" smtClean="0"/>
               <a:t>Manual</a:t>
             </a:r>
-            <a:endParaRPr lang="en-US" dirty="0"/>
-          </a:p>
-        </p:txBody>
-      </p:sp>
-      <p:sp>
-        <p:nvSpPr>
-          <p:cNvPr id="3" name="Content Placeholder 2"/>
-          <p:cNvSpPr>
-            <a:spLocks noGrp="1"/>
-          </p:cNvSpPr>
-          <p:nvPr>
-            <p:ph idx="1"/>
-          </p:nvPr>
-        </p:nvSpPr>
-        <p:spPr/>
-        <p:txBody>
-          <a:bodyPr/>
-          <a:lstStyle/>
+          </a:p>
           <a:p>
             <a:r>
               <a:rPr lang="en-US" dirty="0" smtClean="0"/>
-              <a:t>Here’s an anchor to swim with</a:t>
-            </a:r>
-            <a:endParaRPr lang="en-US" dirty="0"/>
+              <a:t>Frameworks</a:t>
+            </a:r>
           </a:p>
         </p:txBody>
       </p:sp>
     </p:spTree>
     <p:extLst>
       <p:ext uri="{BB962C8B-B14F-4D97-AF65-F5344CB8AC3E}">
-        <p14:creationId xmlns:p14="http://schemas.microsoft.com/office/powerpoint/2010/main" val="2085623155"/>
+        <p14:creationId xmlns:p14="http://schemas.microsoft.com/office/powerpoint/2010/main" val="1062341890"/>
       </p:ext>
     </p:extLst>
   </p:cSld>
@@ -5289,7 +5383,7 @@
           <a:p>
             <a:r>
               <a:rPr lang="en-US" dirty="0" smtClean="0"/>
-              <a:t>Frameworks</a:t>
+              <a:t>Console</a:t>
             </a:r>
             <a:endParaRPr lang="en-US" dirty="0"/>
           </a:p>
@@ -5312,28 +5406,16 @@
           <a:p>
             <a:r>
               <a:rPr lang="en-US" dirty="0" smtClean="0"/>
-              <a:t>Apex</a:t>
-            </a:r>
-          </a:p>
-          <a:p>
-            <a:r>
-              <a:rPr lang="en-US" dirty="0" smtClean="0"/>
-              <a:t>AWS Sam</a:t>
-            </a:r>
-          </a:p>
-          <a:p>
-            <a:r>
-              <a:rPr lang="en-US" dirty="0" err="1" smtClean="0"/>
-              <a:t>Serverless</a:t>
-            </a:r>
-            <a:endParaRPr lang="en-US" dirty="0" smtClean="0"/>
+              <a:t>STOP right now</a:t>
+            </a:r>
+            <a:endParaRPr lang="en-US" dirty="0"/>
           </a:p>
         </p:txBody>
       </p:sp>
     </p:spTree>
     <p:extLst>
       <p:ext uri="{BB962C8B-B14F-4D97-AF65-F5344CB8AC3E}">
-        <p14:creationId xmlns:p14="http://schemas.microsoft.com/office/powerpoint/2010/main" val="1115277555"/>
+        <p14:creationId xmlns:p14="http://schemas.microsoft.com/office/powerpoint/2010/main" val="656123180"/>
       </p:ext>
     </p:extLst>
   </p:cSld>
@@ -5449,6 +5531,170 @@
           <a:p>
             <a:r>
               <a:rPr lang="en-US" dirty="0" smtClean="0"/>
+              <a:t>Manual</a:t>
+            </a:r>
+            <a:endParaRPr lang="en-US" dirty="0"/>
+          </a:p>
+        </p:txBody>
+      </p:sp>
+      <p:sp>
+        <p:nvSpPr>
+          <p:cNvPr id="3" name="Content Placeholder 2"/>
+          <p:cNvSpPr>
+            <a:spLocks noGrp="1"/>
+          </p:cNvSpPr>
+          <p:nvPr>
+            <p:ph idx="1"/>
+          </p:nvPr>
+        </p:nvSpPr>
+        <p:spPr/>
+        <p:txBody>
+          <a:bodyPr/>
+          <a:lstStyle/>
+          <a:p>
+            <a:r>
+              <a:rPr lang="en-US" dirty="0" smtClean="0"/>
+              <a:t>Here’s an anchor to swim with</a:t>
+            </a:r>
+            <a:endParaRPr lang="en-US" dirty="0"/>
+          </a:p>
+        </p:txBody>
+      </p:sp>
+    </p:spTree>
+    <p:extLst>
+      <p:ext uri="{BB962C8B-B14F-4D97-AF65-F5344CB8AC3E}">
+        <p14:creationId xmlns:p14="http://schemas.microsoft.com/office/powerpoint/2010/main" val="2085623155"/>
+      </p:ext>
+    </p:extLst>
+  </p:cSld>
+  <p:clrMapOvr>
+    <a:masterClrMapping/>
+  </p:clrMapOvr>
+</p:sld>
+</file>
+
+<file path=ppt/slides/slide21.xml><?xml version="1.0" encoding="utf-8"?>
+<p:sld xmlns:a="http://schemas.openxmlformats.org/drawingml/2006/main" xmlns:r="http://schemas.openxmlformats.org/officeDocument/2006/relationships" xmlns:p="http://schemas.openxmlformats.org/presentationml/2006/main">
+  <p:cSld>
+    <p:spTree>
+      <p:nvGrpSpPr>
+        <p:cNvPr id="1" name=""/>
+        <p:cNvGrpSpPr/>
+        <p:nvPr/>
+      </p:nvGrpSpPr>
+      <p:grpSpPr>
+        <a:xfrm>
+          <a:off x="0" y="0"/>
+          <a:ext cx="0" cy="0"/>
+          <a:chOff x="0" y="0"/>
+          <a:chExt cx="0" cy="0"/>
+        </a:xfrm>
+      </p:grpSpPr>
+      <p:sp>
+        <p:nvSpPr>
+          <p:cNvPr id="2" name="Title 1"/>
+          <p:cNvSpPr>
+            <a:spLocks noGrp="1"/>
+          </p:cNvSpPr>
+          <p:nvPr>
+            <p:ph type="title"/>
+          </p:nvPr>
+        </p:nvSpPr>
+        <p:spPr/>
+        <p:txBody>
+          <a:bodyPr/>
+          <a:lstStyle/>
+          <a:p>
+            <a:r>
+              <a:rPr lang="en-US" dirty="0" smtClean="0"/>
+              <a:t>Frameworks</a:t>
+            </a:r>
+            <a:endParaRPr lang="en-US" dirty="0"/>
+          </a:p>
+        </p:txBody>
+      </p:sp>
+      <p:sp>
+        <p:nvSpPr>
+          <p:cNvPr id="3" name="Content Placeholder 2"/>
+          <p:cNvSpPr>
+            <a:spLocks noGrp="1"/>
+          </p:cNvSpPr>
+          <p:nvPr>
+            <p:ph idx="1"/>
+          </p:nvPr>
+        </p:nvSpPr>
+        <p:spPr/>
+        <p:txBody>
+          <a:bodyPr/>
+          <a:lstStyle/>
+          <a:p>
+            <a:r>
+              <a:rPr lang="en-US" dirty="0" smtClean="0"/>
+              <a:t>Apex</a:t>
+            </a:r>
+          </a:p>
+          <a:p>
+            <a:r>
+              <a:rPr lang="en-US" dirty="0" smtClean="0"/>
+              <a:t>AWS Sam</a:t>
+            </a:r>
+          </a:p>
+          <a:p>
+            <a:r>
+              <a:rPr lang="en-US" dirty="0" err="1" smtClean="0"/>
+              <a:t>Serverless</a:t>
+            </a:r>
+            <a:endParaRPr lang="en-US" dirty="0" smtClean="0"/>
+          </a:p>
+        </p:txBody>
+      </p:sp>
+    </p:spTree>
+    <p:extLst>
+      <p:ext uri="{BB962C8B-B14F-4D97-AF65-F5344CB8AC3E}">
+        <p14:creationId xmlns:p14="http://schemas.microsoft.com/office/powerpoint/2010/main" val="1115277555"/>
+      </p:ext>
+    </p:extLst>
+  </p:cSld>
+  <p:clrMapOvr>
+    <a:masterClrMapping/>
+  </p:clrMapOvr>
+</p:sld>
+</file>
+
+<file path=ppt/slides/slide22.xml><?xml version="1.0" encoding="utf-8"?>
+<p:sld xmlns:a="http://schemas.openxmlformats.org/drawingml/2006/main" xmlns:r="http://schemas.openxmlformats.org/officeDocument/2006/relationships" xmlns:p="http://schemas.openxmlformats.org/presentationml/2006/main">
+  <p:cSld>
+    <p:spTree>
+      <p:nvGrpSpPr>
+        <p:cNvPr id="1" name=""/>
+        <p:cNvGrpSpPr/>
+        <p:nvPr/>
+      </p:nvGrpSpPr>
+      <p:grpSpPr>
+        <a:xfrm>
+          <a:off x="0" y="0"/>
+          <a:ext cx="0" cy="0"/>
+          <a:chOff x="0" y="0"/>
+          <a:chExt cx="0" cy="0"/>
+        </a:xfrm>
+      </p:grpSpPr>
+      <p:sp>
+        <p:nvSpPr>
+          <p:cNvPr id="2" name="Title 1"/>
+          <p:cNvSpPr>
+            <a:spLocks noGrp="1"/>
+          </p:cNvSpPr>
+          <p:nvPr>
+            <p:ph type="title"/>
+          </p:nvPr>
+        </p:nvSpPr>
+        <p:spPr/>
+        <p:txBody>
+          <a:bodyPr/>
+          <a:lstStyle/>
+          <a:p>
+            <a:r>
+              <a:rPr lang="en-US" dirty="0" smtClean="0"/>
               <a:t>Questions</a:t>
             </a:r>
             <a:endParaRPr lang="en-US" dirty="0"/>
@@ -5561,10 +5807,9 @@
           </a:p>
           <a:p>
             <a:r>
-              <a:rPr lang="en-US" smtClean="0"/>
+              <a:rPr lang="en-US" dirty="0" smtClean="0"/>
               <a:t>How to do it</a:t>
             </a:r>
-            <a:endParaRPr lang="en-US" dirty="0" smtClean="0"/>
           </a:p>
         </p:txBody>
       </p:sp>
@@ -5615,7 +5860,7 @@
           <a:p>
             <a:r>
               <a:rPr lang="en-US" dirty="0" smtClean="0"/>
-              <a:t>What is it</a:t>
+              <a:t>Who</a:t>
             </a:r>
             <a:endParaRPr lang="en-US" dirty="0"/>
           </a:p>
@@ -5638,54 +5883,34 @@
           <a:p>
             <a:r>
               <a:rPr lang="en-US" dirty="0" smtClean="0"/>
-              <a:t>Functions as a service</a:t>
+              <a:t>Google Cloud Functions</a:t>
             </a:r>
           </a:p>
           <a:p>
             <a:r>
               <a:rPr lang="en-US" dirty="0" smtClean="0"/>
-              <a:t>Events</a:t>
+              <a:t>IBM Open Whisk</a:t>
             </a:r>
           </a:p>
           <a:p>
             <a:r>
               <a:rPr lang="en-US" dirty="0" smtClean="0"/>
-              <a:t>Everything is an HTTPS interface </a:t>
-            </a:r>
-            <a:r>
-              <a:rPr lang="en-US" sz="1200" dirty="0" smtClean="0"/>
-              <a:t>(https://</a:t>
-            </a:r>
-            <a:r>
-              <a:rPr lang="en-US" sz="1200" dirty="0" err="1" smtClean="0"/>
-              <a:t>serverless.zone</a:t>
-            </a:r>
-            <a:r>
-              <a:rPr lang="en-US" sz="1200" dirty="0" smtClean="0"/>
-              <a:t>/everything-is-an-https-interface-ead2e888b31)</a:t>
-            </a:r>
-          </a:p>
-          <a:p>
-            <a:r>
-              <a:rPr lang="en-US" dirty="0" err="1" smtClean="0"/>
-              <a:t>APPopps</a:t>
-            </a:r>
+              <a:t>Microsoft Azure</a:t>
+            </a:r>
+          </a:p>
+          <a:p>
             <a:r>
               <a:rPr lang="en-US" dirty="0" smtClean="0"/>
-              <a:t> not </a:t>
-            </a:r>
-            <a:r>
-              <a:rPr lang="en-US" dirty="0" err="1" smtClean="0"/>
-              <a:t>INFRAops</a:t>
-            </a:r>
-            <a:endParaRPr lang="en-US" dirty="0" smtClean="0"/>
+              <a:t>AWS Lambda</a:t>
+            </a:r>
+            <a:endParaRPr lang="en-US" dirty="0"/>
           </a:p>
         </p:txBody>
       </p:sp>
     </p:spTree>
     <p:extLst>
       <p:ext uri="{BB962C8B-B14F-4D97-AF65-F5344CB8AC3E}">
-        <p14:creationId xmlns:p14="http://schemas.microsoft.com/office/powerpoint/2010/main" val="302476866"/>
+        <p14:creationId xmlns:p14="http://schemas.microsoft.com/office/powerpoint/2010/main" val="1971640995"/>
       </p:ext>
     </p:extLst>
   </p:cSld>
@@ -5729,7 +5954,7 @@
           <a:p>
             <a:r>
               <a:rPr lang="en-US" dirty="0" smtClean="0"/>
-              <a:t>Who</a:t>
+              <a:t>What is it</a:t>
             </a:r>
             <a:endParaRPr lang="en-US" dirty="0"/>
           </a:p>
@@ -5752,34 +5977,54 @@
           <a:p>
             <a:r>
               <a:rPr lang="en-US" dirty="0" smtClean="0"/>
-              <a:t>Google Cloud Functions</a:t>
+              <a:t>Functions as a service</a:t>
             </a:r>
           </a:p>
           <a:p>
             <a:r>
               <a:rPr lang="en-US" dirty="0" smtClean="0"/>
-              <a:t>IBM Open Whisk</a:t>
+              <a:t>Events</a:t>
             </a:r>
           </a:p>
           <a:p>
             <a:r>
               <a:rPr lang="en-US" dirty="0" smtClean="0"/>
-              <a:t>Microsoft Azure</a:t>
-            </a:r>
-          </a:p>
-          <a:p>
+              <a:t>Everything is an HTTPS interface </a:t>
+            </a:r>
+            <a:r>
+              <a:rPr lang="en-US" sz="1200" dirty="0" smtClean="0"/>
+              <a:t>(https://</a:t>
+            </a:r>
+            <a:r>
+              <a:rPr lang="en-US" sz="1200" dirty="0" err="1" smtClean="0"/>
+              <a:t>serverless.zone</a:t>
+            </a:r>
+            <a:r>
+              <a:rPr lang="en-US" sz="1200" dirty="0" smtClean="0"/>
+              <a:t>/everything-is-an-https-interface-ead2e888b31)</a:t>
+            </a:r>
+          </a:p>
+          <a:p>
+            <a:r>
+              <a:rPr lang="en-US" dirty="0" err="1" smtClean="0"/>
+              <a:t>APPopps</a:t>
+            </a:r>
             <a:r>
               <a:rPr lang="en-US" dirty="0" smtClean="0"/>
-              <a:t>AWS Lambda</a:t>
-            </a:r>
-            <a:endParaRPr lang="en-US" dirty="0"/>
+              <a:t> not </a:t>
+            </a:r>
+            <a:r>
+              <a:rPr lang="en-US" dirty="0" err="1" smtClean="0"/>
+              <a:t>INFRAops</a:t>
+            </a:r>
+            <a:endParaRPr lang="en-US" dirty="0" smtClean="0"/>
           </a:p>
         </p:txBody>
       </p:sp>
     </p:spTree>
     <p:extLst>
       <p:ext uri="{BB962C8B-B14F-4D97-AF65-F5344CB8AC3E}">
-        <p14:creationId xmlns:p14="http://schemas.microsoft.com/office/powerpoint/2010/main" val="1971640995"/>
+        <p14:creationId xmlns:p14="http://schemas.microsoft.com/office/powerpoint/2010/main" val="302476866"/>
       </p:ext>
     </p:extLst>
   </p:cSld>
@@ -5916,7 +6161,7 @@
           <a:p>
             <a:r>
               <a:rPr lang="en-US" dirty="0" smtClean="0"/>
-              <a:t>Managed</a:t>
+              <a:t>AWS Focus</a:t>
             </a:r>
             <a:endParaRPr lang="en-US" dirty="0"/>
           </a:p>
@@ -5944,7 +6189,7 @@
     </p:spTree>
     <p:extLst>
       <p:ext uri="{BB962C8B-B14F-4D97-AF65-F5344CB8AC3E}">
-        <p14:creationId xmlns:p14="http://schemas.microsoft.com/office/powerpoint/2010/main" val="902979938"/>
+        <p14:creationId xmlns:p14="http://schemas.microsoft.com/office/powerpoint/2010/main" val="2017501127"/>
       </p:ext>
     </p:extLst>
   </p:cSld>
@@ -5988,41 +6233,535 @@
           <a:p>
             <a:r>
               <a:rPr lang="en-US" dirty="0" smtClean="0"/>
-              <a:t>Scalable</a:t>
+              <a:t>Lambda </a:t>
+            </a:r>
+            <a:r>
+              <a:rPr lang="mr-IN" dirty="0" smtClean="0"/>
+              <a:t>–</a:t>
+            </a:r>
+            <a:r>
+              <a:rPr lang="en-US" dirty="0" smtClean="0"/>
+              <a:t> what it really looks like</a:t>
             </a:r>
             <a:endParaRPr lang="en-US" dirty="0"/>
           </a:p>
         </p:txBody>
       </p:sp>
-      <p:sp>
-        <p:nvSpPr>
-          <p:cNvPr id="3" name="Content Placeholder 2"/>
-          <p:cNvSpPr>
-            <a:spLocks noGrp="1"/>
-          </p:cNvSpPr>
-          <p:nvPr>
-            <p:ph idx="1"/>
-          </p:nvPr>
-        </p:nvSpPr>
-        <p:spPr/>
-        <p:txBody>
-          <a:bodyPr/>
-          <a:lstStyle/>
-          <a:p>
-            <a:endParaRPr lang="en-US"/>
-          </a:p>
-        </p:txBody>
-      </p:sp>
+      <p:grpSp>
+        <p:nvGrpSpPr>
+          <p:cNvPr id="6" name="Group 5"/>
+          <p:cNvGrpSpPr/>
+          <p:nvPr/>
+        </p:nvGrpSpPr>
+        <p:grpSpPr>
+          <a:xfrm>
+            <a:off x="2779041" y="3055870"/>
+            <a:ext cx="825006" cy="836556"/>
+            <a:chOff x="6022353" y="781542"/>
+            <a:chExt cx="825006" cy="836556"/>
+          </a:xfrm>
+        </p:grpSpPr>
+        <p:pic>
+          <p:nvPicPr>
+            <p:cNvPr id="23" name="Picture 22"/>
+            <p:cNvPicPr>
+              <a:picLocks noChangeAspect="1"/>
+            </p:cNvPicPr>
+            <p:nvPr/>
+          </p:nvPicPr>
+          <p:blipFill>
+            <a:blip r:embed="rId2">
+              <a:extLst>
+                <a:ext uri="{28A0092B-C50C-407E-A947-70E740481C1C}">
+                  <a14:useLocalDpi xmlns:a14="http://schemas.microsoft.com/office/drawing/2010/main" val="0"/>
+                </a:ext>
+              </a:extLst>
+            </a:blip>
+            <a:stretch>
+              <a:fillRect/>
+            </a:stretch>
+          </p:blipFill>
+          <p:spPr>
+            <a:xfrm>
+              <a:off x="6162466" y="781542"/>
+              <a:ext cx="544781" cy="653737"/>
+            </a:xfrm>
+            <a:prstGeom prst="rect">
+              <a:avLst/>
+            </a:prstGeom>
+          </p:spPr>
+        </p:pic>
+        <p:sp>
+          <p:nvSpPr>
+            <p:cNvPr id="24" name="TextBox 23"/>
+            <p:cNvSpPr txBox="1"/>
+            <p:nvPr/>
+          </p:nvSpPr>
+          <p:spPr>
+            <a:xfrm>
+              <a:off x="6022353" y="1462466"/>
+              <a:ext cx="825006" cy="155632"/>
+            </a:xfrm>
+            <a:prstGeom prst="rect">
+              <a:avLst/>
+            </a:prstGeom>
+            <a:noFill/>
+          </p:spPr>
+          <p:txBody>
+            <a:bodyPr wrap="square" lIns="0" tIns="0" rIns="0" bIns="0" rtlCol="0" anchor="t">
+              <a:noAutofit/>
+            </a:bodyPr>
+            <a:lstStyle/>
+            <a:p>
+              <a:pPr algn="ctr"/>
+              <a:r>
+                <a:rPr lang="en-US" sz="1000" b="1" dirty="0" smtClean="0"/>
+                <a:t>AWS</a:t>
+              </a:r>
+            </a:p>
+            <a:p>
+              <a:pPr algn="ctr"/>
+              <a:r>
+                <a:rPr lang="en-US" sz="1000" b="1" dirty="0" smtClean="0"/>
+                <a:t>Lambda</a:t>
+              </a:r>
+            </a:p>
+            <a:p>
+              <a:pPr algn="ctr"/>
+              <a:endParaRPr lang="en-US" sz="1000" b="1" dirty="0"/>
+            </a:p>
+          </p:txBody>
+        </p:sp>
+      </p:grpSp>
+      <p:grpSp>
+        <p:nvGrpSpPr>
+          <p:cNvPr id="7" name="Group 6"/>
+          <p:cNvGrpSpPr/>
+          <p:nvPr/>
+        </p:nvGrpSpPr>
+        <p:grpSpPr>
+          <a:xfrm>
+            <a:off x="4714284" y="3013843"/>
+            <a:ext cx="894752" cy="782848"/>
+            <a:chOff x="381399" y="709817"/>
+            <a:chExt cx="894752" cy="782848"/>
+          </a:xfrm>
+        </p:grpSpPr>
+        <p:pic>
+          <p:nvPicPr>
+            <p:cNvPr id="21" name="Picture 20"/>
+            <p:cNvPicPr>
+              <a:picLocks noChangeAspect="1"/>
+            </p:cNvPicPr>
+            <p:nvPr/>
+          </p:nvPicPr>
+          <p:blipFill>
+            <a:blip r:embed="rId3">
+              <a:extLst>
+                <a:ext uri="{28A0092B-C50C-407E-A947-70E740481C1C}">
+                  <a14:useLocalDpi xmlns:a14="http://schemas.microsoft.com/office/drawing/2010/main" val="0"/>
+                </a:ext>
+              </a:extLst>
+            </a:blip>
+            <a:stretch>
+              <a:fillRect/>
+            </a:stretch>
+          </p:blipFill>
+          <p:spPr>
+            <a:xfrm>
+              <a:off x="540839" y="709817"/>
+              <a:ext cx="543466" cy="601994"/>
+            </a:xfrm>
+            <a:prstGeom prst="rect">
+              <a:avLst/>
+            </a:prstGeom>
+          </p:spPr>
+        </p:pic>
+        <p:sp>
+          <p:nvSpPr>
+            <p:cNvPr id="22" name="TextBox 21"/>
+            <p:cNvSpPr txBox="1"/>
+            <p:nvPr/>
+          </p:nvSpPr>
+          <p:spPr>
+            <a:xfrm>
+              <a:off x="381399" y="1337033"/>
+              <a:ext cx="894752" cy="155632"/>
+            </a:xfrm>
+            <a:prstGeom prst="rect">
+              <a:avLst/>
+            </a:prstGeom>
+            <a:noFill/>
+          </p:spPr>
+          <p:txBody>
+            <a:bodyPr wrap="square" lIns="0" tIns="0" rIns="0" bIns="0" rtlCol="0" anchor="t">
+              <a:noAutofit/>
+            </a:bodyPr>
+            <a:lstStyle/>
+            <a:p>
+              <a:pPr algn="ctr"/>
+              <a:r>
+                <a:rPr lang="en-US" sz="1000" b="1" dirty="0" smtClean="0"/>
+                <a:t>Lambda Metadata is stored in </a:t>
+              </a:r>
+              <a:r>
+                <a:rPr lang="en-US" sz="1000" b="1" dirty="0" err="1" smtClean="0"/>
+                <a:t>DynamoDB</a:t>
+              </a:r>
+              <a:endParaRPr lang="en-US" b="1" dirty="0"/>
+            </a:p>
+          </p:txBody>
+        </p:sp>
+      </p:grpSp>
+      <p:grpSp>
+        <p:nvGrpSpPr>
+          <p:cNvPr id="8" name="Group 7"/>
+          <p:cNvGrpSpPr/>
+          <p:nvPr/>
+        </p:nvGrpSpPr>
+        <p:grpSpPr>
+          <a:xfrm>
+            <a:off x="6876964" y="3055514"/>
+            <a:ext cx="731520" cy="806494"/>
+            <a:chOff x="2586020" y="709358"/>
+            <a:chExt cx="731520" cy="806494"/>
+          </a:xfrm>
+        </p:grpSpPr>
+        <p:pic>
+          <p:nvPicPr>
+            <p:cNvPr id="19" name="Picture 18"/>
+            <p:cNvPicPr>
+              <a:picLocks noChangeAspect="1"/>
+            </p:cNvPicPr>
+            <p:nvPr/>
+          </p:nvPicPr>
+          <p:blipFill>
+            <a:blip r:embed="rId4">
+              <a:extLst>
+                <a:ext uri="{28A0092B-C50C-407E-A947-70E740481C1C}">
+                  <a14:useLocalDpi xmlns:a14="http://schemas.microsoft.com/office/drawing/2010/main" val="0"/>
+                </a:ext>
+              </a:extLst>
+            </a:blip>
+            <a:stretch>
+              <a:fillRect/>
+            </a:stretch>
+          </p:blipFill>
+          <p:spPr>
+            <a:xfrm>
+              <a:off x="2689579" y="709358"/>
+              <a:ext cx="521367" cy="625640"/>
+            </a:xfrm>
+            <a:prstGeom prst="rect">
+              <a:avLst/>
+            </a:prstGeom>
+          </p:spPr>
+        </p:pic>
+        <p:sp>
+          <p:nvSpPr>
+            <p:cNvPr id="20" name="TextBox 19"/>
+            <p:cNvSpPr txBox="1"/>
+            <p:nvPr/>
+          </p:nvSpPr>
+          <p:spPr>
+            <a:xfrm>
+              <a:off x="2586020" y="1360220"/>
+              <a:ext cx="731520" cy="155632"/>
+            </a:xfrm>
+            <a:prstGeom prst="rect">
+              <a:avLst/>
+            </a:prstGeom>
+            <a:noFill/>
+          </p:spPr>
+          <p:txBody>
+            <a:bodyPr wrap="square" lIns="0" tIns="0" rIns="0" bIns="0" rtlCol="0" anchor="t">
+              <a:noAutofit/>
+            </a:bodyPr>
+            <a:lstStyle/>
+            <a:p>
+              <a:pPr algn="ctr"/>
+              <a:r>
+                <a:rPr lang="en-US" sz="1000" b="1" dirty="0" smtClean="0"/>
+                <a:t>Lambda code and dependencies are stored in </a:t>
+              </a:r>
+              <a:r>
+                <a:rPr lang="en-US" sz="1000" b="1" dirty="0" smtClean="0"/>
+                <a:t/>
+              </a:r>
+              <a:br>
+                <a:rPr lang="en-US" sz="1000" b="1" dirty="0" smtClean="0"/>
+              </a:br>
+              <a:r>
+                <a:rPr lang="en-US" sz="1000" b="1" dirty="0" smtClean="0"/>
+                <a:t>S3</a:t>
+              </a:r>
+              <a:endParaRPr lang="en-US" b="1" dirty="0"/>
+            </a:p>
+          </p:txBody>
+        </p:sp>
+      </p:grpSp>
+      <p:grpSp>
+        <p:nvGrpSpPr>
+          <p:cNvPr id="30" name="Group 29"/>
+          <p:cNvGrpSpPr/>
+          <p:nvPr/>
+        </p:nvGrpSpPr>
+        <p:grpSpPr>
+          <a:xfrm>
+            <a:off x="8632093" y="3316444"/>
+            <a:ext cx="780865" cy="996332"/>
+            <a:chOff x="4320524" y="2416928"/>
+            <a:chExt cx="780865" cy="996332"/>
+          </a:xfrm>
+        </p:grpSpPr>
+        <p:sp>
+          <p:nvSpPr>
+            <p:cNvPr id="28" name="TextBox 27"/>
+            <p:cNvSpPr txBox="1"/>
+            <p:nvPr/>
+          </p:nvSpPr>
+          <p:spPr>
+            <a:xfrm>
+              <a:off x="4320524" y="2865156"/>
+              <a:ext cx="780865" cy="548104"/>
+            </a:xfrm>
+            <a:prstGeom prst="rect">
+              <a:avLst/>
+            </a:prstGeom>
+            <a:noFill/>
+          </p:spPr>
+          <p:txBody>
+            <a:bodyPr wrap="square" lIns="0" tIns="0" rIns="0" bIns="0" rtlCol="0" anchor="t">
+              <a:noAutofit/>
+            </a:bodyPr>
+            <a:lstStyle/>
+            <a:p>
+              <a:pPr algn="ctr"/>
+              <a:r>
+                <a:rPr lang="en-US" sz="1000" b="1" smtClean="0"/>
+                <a:t>Lambda runtime</a:t>
+              </a:r>
+              <a:endParaRPr lang="en-US" sz="1000" b="1" dirty="0" smtClean="0"/>
+            </a:p>
+            <a:p>
+              <a:pPr algn="ctr"/>
+              <a:r>
+                <a:rPr lang="en-US" sz="1000" b="1" dirty="0" smtClean="0"/>
+                <a:t>EC2 Container </a:t>
+              </a:r>
+            </a:p>
+            <a:p>
+              <a:pPr algn="ctr"/>
+              <a:endParaRPr lang="en-US" sz="1000" b="1" dirty="0"/>
+            </a:p>
+          </p:txBody>
+        </p:sp>
+        <p:pic>
+          <p:nvPicPr>
+            <p:cNvPr id="29" name="Picture 28"/>
+            <p:cNvPicPr>
+              <a:picLocks noChangeAspect="1"/>
+            </p:cNvPicPr>
+            <p:nvPr/>
+          </p:nvPicPr>
+          <p:blipFill>
+            <a:blip r:embed="rId5">
+              <a:extLst>
+                <a:ext uri="{28A0092B-C50C-407E-A947-70E740481C1C}">
+                  <a14:useLocalDpi xmlns:a14="http://schemas.microsoft.com/office/drawing/2010/main" val="0"/>
+                </a:ext>
+              </a:extLst>
+            </a:blip>
+            <a:stretch>
+              <a:fillRect/>
+            </a:stretch>
+          </p:blipFill>
+          <p:spPr>
+            <a:xfrm>
+              <a:off x="4440670" y="2416928"/>
+              <a:ext cx="540572" cy="304833"/>
+            </a:xfrm>
+            <a:prstGeom prst="rect">
+              <a:avLst/>
+            </a:prstGeom>
+          </p:spPr>
+        </p:pic>
+      </p:grpSp>
     </p:spTree>
     <p:extLst>
       <p:ext uri="{BB962C8B-B14F-4D97-AF65-F5344CB8AC3E}">
-        <p14:creationId xmlns:p14="http://schemas.microsoft.com/office/powerpoint/2010/main" val="1998115011"/>
+        <p14:creationId xmlns:p14="http://schemas.microsoft.com/office/powerpoint/2010/main" val="562977714"/>
       </p:ext>
     </p:extLst>
   </p:cSld>
   <p:clrMapOvr>
     <a:masterClrMapping/>
   </p:clrMapOvr>
+  <p:timing>
+    <p:tnLst>
+      <p:par>
+        <p:cTn id="1" dur="indefinite" restart="never" nodeType="tmRoot">
+          <p:childTnLst>
+            <p:seq concurrent="1" nextAc="seek">
+              <p:cTn id="2" dur="indefinite" nodeType="mainSeq">
+                <p:childTnLst>
+                  <p:par>
+                    <p:cTn id="3" fill="hold">
+                      <p:stCondLst>
+                        <p:cond delay="indefinite"/>
+                      </p:stCondLst>
+                      <p:childTnLst>
+                        <p:par>
+                          <p:cTn id="4" fill="hold">
+                            <p:stCondLst>
+                              <p:cond delay="0"/>
+                            </p:stCondLst>
+                            <p:childTnLst>
+                              <p:par>
+                                <p:cTn id="5" presetID="1" presetClass="entr" presetSubtype="0" fill="hold" nodeType="clickEffect">
+                                  <p:stCondLst>
+                                    <p:cond delay="0"/>
+                                  </p:stCondLst>
+                                  <p:childTnLst>
+                                    <p:set>
+                                      <p:cBhvr>
+                                        <p:cTn id="6" dur="1" fill="hold">
+                                          <p:stCondLst>
+                                            <p:cond delay="0"/>
+                                          </p:stCondLst>
+                                        </p:cTn>
+                                        <p:tgtEl>
+                                          <p:spTgt spid="7"/>
+                                        </p:tgtEl>
+                                        <p:attrNameLst>
+                                          <p:attrName>style.visibility</p:attrName>
+                                        </p:attrNameLst>
+                                      </p:cBhvr>
+                                      <p:to>
+                                        <p:strVal val="visible"/>
+                                      </p:to>
+                                    </p:set>
+                                  </p:childTnLst>
+                                </p:cTn>
+                              </p:par>
+                            </p:childTnLst>
+                          </p:cTn>
+                        </p:par>
+                      </p:childTnLst>
+                    </p:cTn>
+                  </p:par>
+                  <p:par>
+                    <p:cTn id="7" fill="hold">
+                      <p:stCondLst>
+                        <p:cond delay="indefinite"/>
+                      </p:stCondLst>
+                      <p:childTnLst>
+                        <p:par>
+                          <p:cTn id="8" fill="hold">
+                            <p:stCondLst>
+                              <p:cond delay="0"/>
+                            </p:stCondLst>
+                            <p:childTnLst>
+                              <p:par>
+                                <p:cTn id="9" presetID="1" presetClass="entr" presetSubtype="0" fill="hold" nodeType="clickEffect">
+                                  <p:stCondLst>
+                                    <p:cond delay="0"/>
+                                  </p:stCondLst>
+                                  <p:childTnLst>
+                                    <p:set>
+                                      <p:cBhvr>
+                                        <p:cTn id="10" dur="1" fill="hold">
+                                          <p:stCondLst>
+                                            <p:cond delay="0"/>
+                                          </p:stCondLst>
+                                        </p:cTn>
+                                        <p:tgtEl>
+                                          <p:spTgt spid="8"/>
+                                        </p:tgtEl>
+                                        <p:attrNameLst>
+                                          <p:attrName>style.visibility</p:attrName>
+                                        </p:attrNameLst>
+                                      </p:cBhvr>
+                                      <p:to>
+                                        <p:strVal val="visible"/>
+                                      </p:to>
+                                    </p:set>
+                                  </p:childTnLst>
+                                </p:cTn>
+                              </p:par>
+                            </p:childTnLst>
+                          </p:cTn>
+                        </p:par>
+                      </p:childTnLst>
+                    </p:cTn>
+                  </p:par>
+                  <p:par>
+                    <p:cTn id="11" fill="hold">
+                      <p:stCondLst>
+                        <p:cond delay="indefinite"/>
+                      </p:stCondLst>
+                      <p:childTnLst>
+                        <p:par>
+                          <p:cTn id="12" fill="hold">
+                            <p:stCondLst>
+                              <p:cond delay="0"/>
+                            </p:stCondLst>
+                            <p:childTnLst>
+                              <p:par>
+                                <p:cTn id="13" presetID="1" presetClass="entr" presetSubtype="0" fill="hold" nodeType="clickEffect">
+                                  <p:stCondLst>
+                                    <p:cond delay="0"/>
+                                  </p:stCondLst>
+                                  <p:childTnLst>
+                                    <p:set>
+                                      <p:cBhvr>
+                                        <p:cTn id="14" dur="1" fill="hold">
+                                          <p:stCondLst>
+                                            <p:cond delay="0"/>
+                                          </p:stCondLst>
+                                        </p:cTn>
+                                        <p:tgtEl>
+                                          <p:spTgt spid="30"/>
+                                        </p:tgtEl>
+                                        <p:attrNameLst>
+                                          <p:attrName>style.visibility</p:attrName>
+                                        </p:attrNameLst>
+                                      </p:cBhvr>
+                                      <p:to>
+                                        <p:strVal val="visible"/>
+                                      </p:to>
+                                    </p:set>
+                                  </p:childTnLst>
+                                </p:cTn>
+                              </p:par>
+                            </p:childTnLst>
+                          </p:cTn>
+                        </p:par>
+                      </p:childTnLst>
+                    </p:cTn>
+                  </p:par>
+                </p:childTnLst>
+              </p:cTn>
+              <p:prevCondLst>
+                <p:cond evt="onPrev" delay="0">
+                  <p:tgtEl>
+                    <p:sldTgt/>
+                  </p:tgtEl>
+                </p:cond>
+              </p:prevCondLst>
+              <p:nextCondLst>
+                <p:cond evt="onNext" delay="0">
+                  <p:tgtEl>
+                    <p:sldTgt/>
+                  </p:tgtEl>
+                </p:cond>
+              </p:nextCondLst>
+            </p:seq>
+          </p:childTnLst>
+        </p:cTn>
+      </p:par>
+    </p:tnLst>
+  </p:timing>
 </p:sld>
 </file>
 
@@ -6060,7 +6799,7 @@
           <a:p>
             <a:r>
               <a:rPr lang="en-US" dirty="0" smtClean="0"/>
-              <a:t>Leverage Services</a:t>
+              <a:t>Managed</a:t>
             </a:r>
             <a:endParaRPr lang="en-US" dirty="0"/>
           </a:p>
@@ -6081,44 +6820,14 @@
           <a:bodyPr/>
           <a:lstStyle/>
           <a:p>
-            <a:r>
-              <a:rPr lang="en-US" dirty="0" err="1" smtClean="0"/>
-              <a:t>Cognito</a:t>
-            </a:r>
-            <a:endParaRPr lang="en-US" dirty="0" smtClean="0"/>
-          </a:p>
-          <a:p>
-            <a:r>
-              <a:rPr lang="en-US" dirty="0" smtClean="0"/>
-              <a:t>S3</a:t>
-            </a:r>
-          </a:p>
-          <a:p>
-            <a:r>
-              <a:rPr lang="en-US" dirty="0" smtClean="0"/>
-              <a:t>SNS</a:t>
-            </a:r>
-          </a:p>
-          <a:p>
-            <a:r>
-              <a:rPr lang="en-US" dirty="0" err="1" smtClean="0"/>
-              <a:t>Kinises</a:t>
-            </a:r>
-            <a:endParaRPr lang="en-US" dirty="0" smtClean="0"/>
-          </a:p>
-          <a:p>
-            <a:r>
-              <a:rPr lang="en-US" dirty="0" smtClean="0"/>
-              <a:t>Etc..</a:t>
-            </a:r>
-            <a:endParaRPr lang="en-US" dirty="0"/>
+            <a:endParaRPr lang="en-US"/>
           </a:p>
         </p:txBody>
       </p:sp>
     </p:spTree>
     <p:extLst>
       <p:ext uri="{BB962C8B-B14F-4D97-AF65-F5344CB8AC3E}">
-        <p14:creationId xmlns:p14="http://schemas.microsoft.com/office/powerpoint/2010/main" val="2036119871"/>
+        <p14:creationId xmlns:p14="http://schemas.microsoft.com/office/powerpoint/2010/main" val="902979938"/>
       </p:ext>
     </p:extLst>
   </p:cSld>

--- a/going-serverless-2017.pptx
+++ b/going-serverless-2017.pptx
@@ -2,8 +2,11 @@
 <file path=ppt/presentation.xml><?xml version="1.0" encoding="utf-8"?>
 <p:presentation xmlns:a="http://schemas.openxmlformats.org/drawingml/2006/main" xmlns:r="http://schemas.openxmlformats.org/officeDocument/2006/relationships" xmlns:p="http://schemas.openxmlformats.org/presentationml/2006/main" saveSubsetFonts="1" autoCompressPictures="0">
   <p:sldMasterIdLst>
-    <p:sldMasterId id="2147483648" r:id="rId1"/>
+    <p:sldMasterId id="2147484390" r:id="rId1"/>
   </p:sldMasterIdLst>
+  <p:notesMasterIdLst>
+    <p:notesMasterId r:id="rId29"/>
+  </p:notesMasterIdLst>
   <p:sldIdLst>
     <p:sldId id="256" r:id="rId2"/>
     <p:sldId id="257" r:id="rId3"/>
@@ -11,22 +14,27 @@
     <p:sldId id="261" r:id="rId5"/>
     <p:sldId id="259" r:id="rId6"/>
     <p:sldId id="260" r:id="rId7"/>
-    <p:sldId id="276" r:id="rId8"/>
-    <p:sldId id="277" r:id="rId9"/>
+    <p:sldId id="279" r:id="rId8"/>
+    <p:sldId id="280" r:id="rId9"/>
     <p:sldId id="274" r:id="rId10"/>
-    <p:sldId id="273" r:id="rId11"/>
-    <p:sldId id="275" r:id="rId12"/>
-    <p:sldId id="262" r:id="rId13"/>
-    <p:sldId id="264" r:id="rId14"/>
-    <p:sldId id="265" r:id="rId15"/>
-    <p:sldId id="266" r:id="rId16"/>
-    <p:sldId id="267" r:id="rId17"/>
-    <p:sldId id="268" r:id="rId18"/>
-    <p:sldId id="263" r:id="rId19"/>
-    <p:sldId id="269" r:id="rId20"/>
-    <p:sldId id="270" r:id="rId21"/>
-    <p:sldId id="271" r:id="rId22"/>
-    <p:sldId id="272" r:id="rId23"/>
+    <p:sldId id="290" r:id="rId11"/>
+    <p:sldId id="288" r:id="rId12"/>
+    <p:sldId id="276" r:id="rId13"/>
+    <p:sldId id="283" r:id="rId14"/>
+    <p:sldId id="284" r:id="rId15"/>
+    <p:sldId id="285" r:id="rId16"/>
+    <p:sldId id="286" r:id="rId17"/>
+    <p:sldId id="287" r:id="rId18"/>
+    <p:sldId id="277" r:id="rId19"/>
+    <p:sldId id="278" r:id="rId20"/>
+    <p:sldId id="273" r:id="rId21"/>
+    <p:sldId id="275" r:id="rId22"/>
+    <p:sldId id="263" r:id="rId23"/>
+    <p:sldId id="269" r:id="rId24"/>
+    <p:sldId id="270" r:id="rId25"/>
+    <p:sldId id="271" r:id="rId26"/>
+    <p:sldId id="289" r:id="rId27"/>
+    <p:sldId id="272" r:id="rId28"/>
   </p:sldIdLst>
   <p:sldSz cx="12192000" cy="6858000"/>
   <p:notesSz cx="6858000" cy="9144000"/>
@@ -125,12 +133,22 @@
       </a:defRPr>
     </a:lvl9pPr>
   </p:defaultTextStyle>
+  <p:extLst>
+    <p:ext uri="{EFAFB233-063F-42B5-8137-9DF3F51BA10A}">
+      <p15:sldGuideLst xmlns:p15="http://schemas.microsoft.com/office/powerpoint/2012/main"/>
+    </p:ext>
+  </p:extLst>
 </p:presentation>
 </file>
 
-<file path=ppt/slideLayouts/slideLayout1.xml><?xml version="1.0" encoding="utf-8"?>
-<p:sldLayout xmlns:a="http://schemas.openxmlformats.org/drawingml/2006/main" xmlns:r="http://schemas.openxmlformats.org/officeDocument/2006/relationships" xmlns:p="http://schemas.openxmlformats.org/presentationml/2006/main" type="title" preserve="1">
-  <p:cSld name="Title Slide">
+<file path=ppt/notesMasters/notesMaster1.xml><?xml version="1.0" encoding="utf-8"?>
+<p:notesMaster xmlns:a="http://schemas.openxmlformats.org/drawingml/2006/main" xmlns:r="http://schemas.openxmlformats.org/officeDocument/2006/relationships" xmlns:p="http://schemas.openxmlformats.org/presentationml/2006/main">
+  <p:cSld>
+    <p:bg>
+      <p:bgRef idx="1001">
+        <a:schemeClr val="bg1"/>
+      </p:bgRef>
+    </p:bg>
     <p:spTree>
       <p:nvGrpSpPr>
         <p:cNvPr id="1" name=""/>
@@ -147,25 +165,581 @@
       </p:grpSpPr>
       <p:sp>
         <p:nvSpPr>
-          <p:cNvPr id="2" name="Title 1"/>
-          <p:cNvSpPr>
-            <a:spLocks noGrp="1"/>
-          </p:cNvSpPr>
-          <p:nvPr>
-            <p:ph type="ctrTitle"/>
+          <p:cNvPr id="2" name="Header Placeholder 1"/>
+          <p:cNvSpPr>
+            <a:spLocks noGrp="1"/>
+          </p:cNvSpPr>
+          <p:nvPr>
+            <p:ph type="hdr" sz="quarter"/>
           </p:nvPr>
         </p:nvSpPr>
         <p:spPr>
           <a:xfrm>
-            <a:off x="1524000" y="1122363"/>
-            <a:ext cx="9144000" cy="2387600"/>
+            <a:off x="0" y="0"/>
+            <a:ext cx="2971800" cy="458788"/>
+          </a:xfrm>
+          <a:prstGeom prst="rect">
+            <a:avLst/>
+          </a:prstGeom>
+        </p:spPr>
+        <p:txBody>
+          <a:bodyPr vert="horz" lIns="91440" tIns="45720" rIns="91440" bIns="45720" rtlCol="0"/>
+          <a:lstStyle>
+            <a:lvl1pPr algn="l">
+              <a:defRPr sz="1200"/>
+            </a:lvl1pPr>
+          </a:lstStyle>
+          <a:p>
+            <a:endParaRPr lang="en-US"/>
+          </a:p>
+        </p:txBody>
+      </p:sp>
+      <p:sp>
+        <p:nvSpPr>
+          <p:cNvPr id="3" name="Date Placeholder 2"/>
+          <p:cNvSpPr>
+            <a:spLocks noGrp="1"/>
+          </p:cNvSpPr>
+          <p:nvPr>
+            <p:ph type="dt" idx="1"/>
+          </p:nvPr>
+        </p:nvSpPr>
+        <p:spPr>
+          <a:xfrm>
+            <a:off x="3884613" y="0"/>
+            <a:ext cx="2971800" cy="458788"/>
+          </a:xfrm>
+          <a:prstGeom prst="rect">
+            <a:avLst/>
+          </a:prstGeom>
+        </p:spPr>
+        <p:txBody>
+          <a:bodyPr vert="horz" lIns="91440" tIns="45720" rIns="91440" bIns="45720" rtlCol="0"/>
+          <a:lstStyle>
+            <a:lvl1pPr algn="r">
+              <a:defRPr sz="1200"/>
+            </a:lvl1pPr>
+          </a:lstStyle>
+          <a:p>
+            <a:fld id="{B2C8C884-D63D-5646-A586-52C29EA0F3E1}" type="datetimeFigureOut">
+              <a:rPr lang="en-US" smtClean="0"/>
+              <a:t>10/4/17</a:t>
+            </a:fld>
+            <a:endParaRPr lang="en-US"/>
+          </a:p>
+        </p:txBody>
+      </p:sp>
+      <p:sp>
+        <p:nvSpPr>
+          <p:cNvPr id="4" name="Slide Image Placeholder 3"/>
+          <p:cNvSpPr>
+            <a:spLocks noGrp="1" noRot="1" noChangeAspect="1"/>
+          </p:cNvSpPr>
+          <p:nvPr>
+            <p:ph type="sldImg" idx="2"/>
+          </p:nvPr>
+        </p:nvSpPr>
+        <p:spPr>
+          <a:xfrm>
+            <a:off x="685800" y="1143000"/>
+            <a:ext cx="5486400" cy="3086100"/>
+          </a:xfrm>
+          <a:prstGeom prst="rect">
+            <a:avLst/>
+          </a:prstGeom>
+          <a:noFill/>
+          <a:ln w="12700">
+            <a:solidFill>
+              <a:prstClr val="black"/>
+            </a:solidFill>
+          </a:ln>
+        </p:spPr>
+        <p:txBody>
+          <a:bodyPr vert="horz" lIns="91440" tIns="45720" rIns="91440" bIns="45720" rtlCol="0" anchor="ctr"/>
+          <a:lstStyle/>
+          <a:p>
+            <a:endParaRPr lang="en-US"/>
+          </a:p>
+        </p:txBody>
+      </p:sp>
+      <p:sp>
+        <p:nvSpPr>
+          <p:cNvPr id="5" name="Notes Placeholder 4"/>
+          <p:cNvSpPr>
+            <a:spLocks noGrp="1"/>
+          </p:cNvSpPr>
+          <p:nvPr>
+            <p:ph type="body" sz="quarter" idx="3"/>
+          </p:nvPr>
+        </p:nvSpPr>
+        <p:spPr>
+          <a:xfrm>
+            <a:off x="685800" y="4400550"/>
+            <a:ext cx="5486400" cy="3600450"/>
+          </a:xfrm>
+          <a:prstGeom prst="rect">
+            <a:avLst/>
+          </a:prstGeom>
+        </p:spPr>
+        <p:txBody>
+          <a:bodyPr vert="horz" lIns="91440" tIns="45720" rIns="91440" bIns="45720" rtlCol="0"/>
+          <a:lstStyle/>
+          <a:p>
+            <a:pPr lvl="0"/>
+            <a:r>
+              <a:rPr lang="en-US" smtClean="0"/>
+              <a:t>Click to edit Master text styles</a:t>
+            </a:r>
+          </a:p>
+          <a:p>
+            <a:pPr lvl="1"/>
+            <a:r>
+              <a:rPr lang="en-US" smtClean="0"/>
+              <a:t>Second level</a:t>
+            </a:r>
+          </a:p>
+          <a:p>
+            <a:pPr lvl="2"/>
+            <a:r>
+              <a:rPr lang="en-US" smtClean="0"/>
+              <a:t>Third level</a:t>
+            </a:r>
+          </a:p>
+          <a:p>
+            <a:pPr lvl="3"/>
+            <a:r>
+              <a:rPr lang="en-US" smtClean="0"/>
+              <a:t>Fourth level</a:t>
+            </a:r>
+          </a:p>
+          <a:p>
+            <a:pPr lvl="4"/>
+            <a:r>
+              <a:rPr lang="en-US" smtClean="0"/>
+              <a:t>Fifth level</a:t>
+            </a:r>
+            <a:endParaRPr lang="en-US"/>
+          </a:p>
+        </p:txBody>
+      </p:sp>
+      <p:sp>
+        <p:nvSpPr>
+          <p:cNvPr id="6" name="Footer Placeholder 5"/>
+          <p:cNvSpPr>
+            <a:spLocks noGrp="1"/>
+          </p:cNvSpPr>
+          <p:nvPr>
+            <p:ph type="ftr" sz="quarter" idx="4"/>
+          </p:nvPr>
+        </p:nvSpPr>
+        <p:spPr>
+          <a:xfrm>
+            <a:off x="0" y="8685213"/>
+            <a:ext cx="2971800" cy="458787"/>
+          </a:xfrm>
+          <a:prstGeom prst="rect">
+            <a:avLst/>
+          </a:prstGeom>
+        </p:spPr>
+        <p:txBody>
+          <a:bodyPr vert="horz" lIns="91440" tIns="45720" rIns="91440" bIns="45720" rtlCol="0" anchor="b"/>
+          <a:lstStyle>
+            <a:lvl1pPr algn="l">
+              <a:defRPr sz="1200"/>
+            </a:lvl1pPr>
+          </a:lstStyle>
+          <a:p>
+            <a:endParaRPr lang="en-US"/>
+          </a:p>
+        </p:txBody>
+      </p:sp>
+      <p:sp>
+        <p:nvSpPr>
+          <p:cNvPr id="7" name="Slide Number Placeholder 6"/>
+          <p:cNvSpPr>
+            <a:spLocks noGrp="1"/>
+          </p:cNvSpPr>
+          <p:nvPr>
+            <p:ph type="sldNum" sz="quarter" idx="5"/>
+          </p:nvPr>
+        </p:nvSpPr>
+        <p:spPr>
+          <a:xfrm>
+            <a:off x="3884613" y="8685213"/>
+            <a:ext cx="2971800" cy="458787"/>
+          </a:xfrm>
+          <a:prstGeom prst="rect">
+            <a:avLst/>
+          </a:prstGeom>
+        </p:spPr>
+        <p:txBody>
+          <a:bodyPr vert="horz" lIns="91440" tIns="45720" rIns="91440" bIns="45720" rtlCol="0" anchor="b"/>
+          <a:lstStyle>
+            <a:lvl1pPr algn="r">
+              <a:defRPr sz="1200"/>
+            </a:lvl1pPr>
+          </a:lstStyle>
+          <a:p>
+            <a:fld id="{16225FA4-070A-6843-A3F4-68F8FFC7BE4D}" type="slidenum">
+              <a:rPr lang="en-US" smtClean="0"/>
+              <a:t>‹#›</a:t>
+            </a:fld>
+            <a:endParaRPr lang="en-US"/>
+          </a:p>
+        </p:txBody>
+      </p:sp>
+    </p:spTree>
+    <p:extLst>
+      <p:ext uri="{BB962C8B-B14F-4D97-AF65-F5344CB8AC3E}">
+        <p14:creationId xmlns:p14="http://schemas.microsoft.com/office/powerpoint/2010/main" val="1758809549"/>
+      </p:ext>
+    </p:extLst>
+  </p:cSld>
+  <p:clrMap bg1="lt1" tx1="dk1" bg2="lt2" tx2="dk2" accent1="accent1" accent2="accent2" accent3="accent3" accent4="accent4" accent5="accent5" accent6="accent6" hlink="hlink" folHlink="folHlink"/>
+  <p:notesStyle>
+    <a:lvl1pPr marL="0" algn="l" defTabSz="914400" rtl="0" eaLnBrk="1" latinLnBrk="0" hangingPunct="1">
+      <a:defRPr sz="1200" kern="1200">
+        <a:solidFill>
+          <a:schemeClr val="tx1"/>
+        </a:solidFill>
+        <a:latin typeface="+mn-lt"/>
+        <a:ea typeface="+mn-ea"/>
+        <a:cs typeface="+mn-cs"/>
+      </a:defRPr>
+    </a:lvl1pPr>
+    <a:lvl2pPr marL="457200" algn="l" defTabSz="914400" rtl="0" eaLnBrk="1" latinLnBrk="0" hangingPunct="1">
+      <a:defRPr sz="1200" kern="1200">
+        <a:solidFill>
+          <a:schemeClr val="tx1"/>
+        </a:solidFill>
+        <a:latin typeface="+mn-lt"/>
+        <a:ea typeface="+mn-ea"/>
+        <a:cs typeface="+mn-cs"/>
+      </a:defRPr>
+    </a:lvl2pPr>
+    <a:lvl3pPr marL="914400" algn="l" defTabSz="914400" rtl="0" eaLnBrk="1" latinLnBrk="0" hangingPunct="1">
+      <a:defRPr sz="1200" kern="1200">
+        <a:solidFill>
+          <a:schemeClr val="tx1"/>
+        </a:solidFill>
+        <a:latin typeface="+mn-lt"/>
+        <a:ea typeface="+mn-ea"/>
+        <a:cs typeface="+mn-cs"/>
+      </a:defRPr>
+    </a:lvl3pPr>
+    <a:lvl4pPr marL="1371600" algn="l" defTabSz="914400" rtl="0" eaLnBrk="1" latinLnBrk="0" hangingPunct="1">
+      <a:defRPr sz="1200" kern="1200">
+        <a:solidFill>
+          <a:schemeClr val="tx1"/>
+        </a:solidFill>
+        <a:latin typeface="+mn-lt"/>
+        <a:ea typeface="+mn-ea"/>
+        <a:cs typeface="+mn-cs"/>
+      </a:defRPr>
+    </a:lvl4pPr>
+    <a:lvl5pPr marL="1828800" algn="l" defTabSz="914400" rtl="0" eaLnBrk="1" latinLnBrk="0" hangingPunct="1">
+      <a:defRPr sz="1200" kern="1200">
+        <a:solidFill>
+          <a:schemeClr val="tx1"/>
+        </a:solidFill>
+        <a:latin typeface="+mn-lt"/>
+        <a:ea typeface="+mn-ea"/>
+        <a:cs typeface="+mn-cs"/>
+      </a:defRPr>
+    </a:lvl5pPr>
+    <a:lvl6pPr marL="2286000" algn="l" defTabSz="914400" rtl="0" eaLnBrk="1" latinLnBrk="0" hangingPunct="1">
+      <a:defRPr sz="1200" kern="1200">
+        <a:solidFill>
+          <a:schemeClr val="tx1"/>
+        </a:solidFill>
+        <a:latin typeface="+mn-lt"/>
+        <a:ea typeface="+mn-ea"/>
+        <a:cs typeface="+mn-cs"/>
+      </a:defRPr>
+    </a:lvl6pPr>
+    <a:lvl7pPr marL="2743200" algn="l" defTabSz="914400" rtl="0" eaLnBrk="1" latinLnBrk="0" hangingPunct="1">
+      <a:defRPr sz="1200" kern="1200">
+        <a:solidFill>
+          <a:schemeClr val="tx1"/>
+        </a:solidFill>
+        <a:latin typeface="+mn-lt"/>
+        <a:ea typeface="+mn-ea"/>
+        <a:cs typeface="+mn-cs"/>
+      </a:defRPr>
+    </a:lvl7pPr>
+    <a:lvl8pPr marL="3200400" algn="l" defTabSz="914400" rtl="0" eaLnBrk="1" latinLnBrk="0" hangingPunct="1">
+      <a:defRPr sz="1200" kern="1200">
+        <a:solidFill>
+          <a:schemeClr val="tx1"/>
+        </a:solidFill>
+        <a:latin typeface="+mn-lt"/>
+        <a:ea typeface="+mn-ea"/>
+        <a:cs typeface="+mn-cs"/>
+      </a:defRPr>
+    </a:lvl8pPr>
+    <a:lvl9pPr marL="3657600" algn="l" defTabSz="914400" rtl="0" eaLnBrk="1" latinLnBrk="0" hangingPunct="1">
+      <a:defRPr sz="1200" kern="1200">
+        <a:solidFill>
+          <a:schemeClr val="tx1"/>
+        </a:solidFill>
+        <a:latin typeface="+mn-lt"/>
+        <a:ea typeface="+mn-ea"/>
+        <a:cs typeface="+mn-cs"/>
+      </a:defRPr>
+    </a:lvl9pPr>
+  </p:notesStyle>
+</p:notesMaster>
+</file>
+
+<file path=ppt/slideLayouts/slideLayout1.xml><?xml version="1.0" encoding="utf-8"?>
+<p:sldLayout xmlns:a="http://schemas.openxmlformats.org/drawingml/2006/main" xmlns:r="http://schemas.openxmlformats.org/officeDocument/2006/relationships" xmlns:p="http://schemas.openxmlformats.org/presentationml/2006/main" showMasterSp="0" type="title" preserve="1">
+  <p:cSld name="Title Slide">
+    <p:bg>
+      <p:bgRef idx="1001">
+        <a:schemeClr val="bg2"/>
+      </p:bgRef>
+    </p:bg>
+    <p:spTree>
+      <p:nvGrpSpPr>
+        <p:cNvPr id="1" name=""/>
+        <p:cNvGrpSpPr/>
+        <p:nvPr/>
+      </p:nvGrpSpPr>
+      <p:grpSpPr>
+        <a:xfrm>
+          <a:off x="0" y="0"/>
+          <a:ext cx="0" cy="0"/>
+          <a:chOff x="0" y="0"/>
+          <a:chExt cx="0" cy="0"/>
+        </a:xfrm>
+      </p:grpSpPr>
+      <p:sp>
+        <p:nvSpPr>
+          <p:cNvPr id="12" name="Freeform 6" title="Page Number Shape"/>
+          <p:cNvSpPr/>
+          <p:nvPr/>
+        </p:nvSpPr>
+        <p:spPr bwMode="auto">
+          <a:xfrm>
+            <a:off x="11784011" y="1189204"/>
+            <a:ext cx="407988" cy="819150"/>
+          </a:xfrm>
+          <a:custGeom>
+            <a:avLst/>
+            <a:gdLst/>
+            <a:ahLst/>
+            <a:cxnLst/>
+            <a:rect l="0" t="0" r="r" b="b"/>
+            <a:pathLst>
+              <a:path w="1799" h="3612">
+                <a:moveTo>
+                  <a:pt x="1799" y="0"/>
+                </a:moveTo>
+                <a:lnTo>
+                  <a:pt x="1799" y="3612"/>
+                </a:lnTo>
+                <a:lnTo>
+                  <a:pt x="1686" y="3609"/>
+                </a:lnTo>
+                <a:lnTo>
+                  <a:pt x="1574" y="3598"/>
+                </a:lnTo>
+                <a:lnTo>
+                  <a:pt x="1464" y="3581"/>
+                </a:lnTo>
+                <a:lnTo>
+                  <a:pt x="1357" y="3557"/>
+                </a:lnTo>
+                <a:lnTo>
+                  <a:pt x="1251" y="3527"/>
+                </a:lnTo>
+                <a:lnTo>
+                  <a:pt x="1150" y="3490"/>
+                </a:lnTo>
+                <a:lnTo>
+                  <a:pt x="1050" y="3448"/>
+                </a:lnTo>
+                <a:lnTo>
+                  <a:pt x="953" y="3401"/>
+                </a:lnTo>
+                <a:lnTo>
+                  <a:pt x="860" y="3347"/>
+                </a:lnTo>
+                <a:lnTo>
+                  <a:pt x="771" y="3289"/>
+                </a:lnTo>
+                <a:lnTo>
+                  <a:pt x="686" y="3224"/>
+                </a:lnTo>
+                <a:lnTo>
+                  <a:pt x="604" y="3156"/>
+                </a:lnTo>
+                <a:lnTo>
+                  <a:pt x="527" y="3083"/>
+                </a:lnTo>
+                <a:lnTo>
+                  <a:pt x="454" y="3005"/>
+                </a:lnTo>
+                <a:lnTo>
+                  <a:pt x="386" y="2923"/>
+                </a:lnTo>
+                <a:lnTo>
+                  <a:pt x="323" y="2838"/>
+                </a:lnTo>
+                <a:lnTo>
+                  <a:pt x="265" y="2748"/>
+                </a:lnTo>
+                <a:lnTo>
+                  <a:pt x="211" y="2655"/>
+                </a:lnTo>
+                <a:lnTo>
+                  <a:pt x="163" y="2559"/>
+                </a:lnTo>
+                <a:lnTo>
+                  <a:pt x="121" y="2459"/>
+                </a:lnTo>
+                <a:lnTo>
+                  <a:pt x="85" y="2356"/>
+                </a:lnTo>
+                <a:lnTo>
+                  <a:pt x="55" y="2251"/>
+                </a:lnTo>
+                <a:lnTo>
+                  <a:pt x="32" y="2143"/>
+                </a:lnTo>
+                <a:lnTo>
+                  <a:pt x="14" y="2033"/>
+                </a:lnTo>
+                <a:lnTo>
+                  <a:pt x="4" y="1920"/>
+                </a:lnTo>
+                <a:lnTo>
+                  <a:pt x="0" y="1806"/>
+                </a:lnTo>
+                <a:lnTo>
+                  <a:pt x="4" y="1692"/>
+                </a:lnTo>
+                <a:lnTo>
+                  <a:pt x="14" y="1580"/>
+                </a:lnTo>
+                <a:lnTo>
+                  <a:pt x="32" y="1469"/>
+                </a:lnTo>
+                <a:lnTo>
+                  <a:pt x="55" y="1362"/>
+                </a:lnTo>
+                <a:lnTo>
+                  <a:pt x="85" y="1256"/>
+                </a:lnTo>
+                <a:lnTo>
+                  <a:pt x="121" y="1154"/>
+                </a:lnTo>
+                <a:lnTo>
+                  <a:pt x="163" y="1054"/>
+                </a:lnTo>
+                <a:lnTo>
+                  <a:pt x="211" y="958"/>
+                </a:lnTo>
+                <a:lnTo>
+                  <a:pt x="265" y="864"/>
+                </a:lnTo>
+                <a:lnTo>
+                  <a:pt x="323" y="774"/>
+                </a:lnTo>
+                <a:lnTo>
+                  <a:pt x="386" y="689"/>
+                </a:lnTo>
+                <a:lnTo>
+                  <a:pt x="454" y="607"/>
+                </a:lnTo>
+                <a:lnTo>
+                  <a:pt x="527" y="529"/>
+                </a:lnTo>
+                <a:lnTo>
+                  <a:pt x="604" y="456"/>
+                </a:lnTo>
+                <a:lnTo>
+                  <a:pt x="686" y="388"/>
+                </a:lnTo>
+                <a:lnTo>
+                  <a:pt x="771" y="325"/>
+                </a:lnTo>
+                <a:lnTo>
+                  <a:pt x="860" y="266"/>
+                </a:lnTo>
+                <a:lnTo>
+                  <a:pt x="953" y="212"/>
+                </a:lnTo>
+                <a:lnTo>
+                  <a:pt x="1050" y="164"/>
+                </a:lnTo>
+                <a:lnTo>
+                  <a:pt x="1150" y="122"/>
+                </a:lnTo>
+                <a:lnTo>
+                  <a:pt x="1251" y="85"/>
+                </a:lnTo>
+                <a:lnTo>
+                  <a:pt x="1357" y="55"/>
+                </a:lnTo>
+                <a:lnTo>
+                  <a:pt x="1464" y="32"/>
+                </a:lnTo>
+                <a:lnTo>
+                  <a:pt x="1574" y="14"/>
+                </a:lnTo>
+                <a:lnTo>
+                  <a:pt x="1686" y="5"/>
+                </a:lnTo>
+                <a:lnTo>
+                  <a:pt x="1799" y="0"/>
+                </a:lnTo>
+                <a:close/>
+              </a:path>
+            </a:pathLst>
+          </a:custGeom>
+          <a:solidFill>
+            <a:schemeClr val="tx2"/>
+          </a:solidFill>
+          <a:ln w="0">
+            <a:noFill/>
+            <a:prstDash val="solid"/>
+            <a:round/>
+            <a:headEnd/>
+            <a:tailEnd/>
+          </a:ln>
+        </p:spPr>
+      </p:sp>
+      <p:sp>
+        <p:nvSpPr>
+          <p:cNvPr id="2" name="Title 1"/>
+          <p:cNvSpPr>
+            <a:spLocks noGrp="1"/>
+          </p:cNvSpPr>
+          <p:nvPr>
+            <p:ph type="ctrTitle"/>
+          </p:nvPr>
+        </p:nvSpPr>
+        <p:spPr>
+          <a:xfrm>
+            <a:off x="1088913" y="1143293"/>
+            <a:ext cx="7034362" cy="4268965"/>
           </a:xfrm>
         </p:spPr>
         <p:txBody>
-          <a:bodyPr anchor="b"/>
+          <a:bodyPr anchor="t">
+            <a:normAutofit/>
+          </a:bodyPr>
           <a:lstStyle>
-            <a:lvl1pPr algn="ctr">
-              <a:defRPr sz="6000"/>
+            <a:lvl1pPr algn="l">
+              <a:lnSpc>
+                <a:spcPct val="85000"/>
+              </a:lnSpc>
+              <a:defRPr sz="7700" cap="all" baseline="0">
+                <a:solidFill>
+                  <a:schemeClr val="tx2"/>
+                </a:solidFill>
+              </a:defRPr>
             </a:lvl1pPr>
           </a:lstStyle>
           <a:p>
@@ -173,7 +747,7 @@
               <a:rPr lang="en-US" smtClean="0"/>
               <a:t>Click to edit Master title style</a:t>
             </a:r>
-            <a:endParaRPr lang="en-US"/>
+            <a:endParaRPr lang="en-US" dirty="0"/>
           </a:p>
         </p:txBody>
       </p:sp>
@@ -189,16 +763,28 @@
         </p:nvSpPr>
         <p:spPr>
           <a:xfrm>
-            <a:off x="1524000" y="3602038"/>
-            <a:ext cx="9144000" cy="1655762"/>
+            <a:off x="1088914" y="5537925"/>
+            <a:ext cx="7034362" cy="706355"/>
           </a:xfrm>
         </p:spPr>
         <p:txBody>
-          <a:bodyPr/>
+          <a:bodyPr>
+            <a:normAutofit/>
+          </a:bodyPr>
           <a:lstStyle>
-            <a:lvl1pPr marL="0" indent="0" algn="ctr">
+            <a:lvl1pPr marL="0" indent="0" algn="l">
+              <a:lnSpc>
+                <a:spcPct val="114000"/>
+              </a:lnSpc>
+              <a:spcBef>
+                <a:spcPts val="0"/>
+              </a:spcBef>
               <a:buNone/>
-              <a:defRPr sz="2400"/>
+              <a:defRPr sz="2000" b="0" i="1" baseline="0">
+                <a:solidFill>
+                  <a:schemeClr val="tx2"/>
+                </a:solidFill>
+              </a:defRPr>
             </a:lvl1pPr>
             <a:lvl2pPr marL="457200" indent="0" algn="ctr">
               <a:buNone/>
@@ -238,7 +824,7 @@
               <a:rPr lang="en-US" smtClean="0"/>
               <a:t>Click to edit Master subtitle style</a:t>
             </a:r>
-            <a:endParaRPr lang="en-US"/>
+            <a:endParaRPr lang="en-US" dirty="0"/>
           </a:p>
         </p:txBody>
       </p:sp>
@@ -252,14 +838,27 @@
             <p:ph type="dt" sz="half" idx="10"/>
           </p:nvPr>
         </p:nvSpPr>
-        <p:spPr/>
+        <p:spPr>
+          <a:xfrm>
+            <a:off x="1088913" y="6314440"/>
+            <a:ext cx="1596622" cy="365125"/>
+          </a:xfrm>
+        </p:spPr>
         <p:txBody>
           <a:bodyPr/>
-          <a:lstStyle/>
+          <a:lstStyle>
+            <a:lvl1pPr algn="l">
+              <a:defRPr sz="1200">
+                <a:solidFill>
+                  <a:schemeClr val="tx2"/>
+                </a:solidFill>
+              </a:defRPr>
+            </a:lvl1pPr>
+          </a:lstStyle>
           <a:p>
             <a:fld id="{5163F177-63D5-7643-99DD-EE07EEE1E644}" type="datetimeFigureOut">
               <a:rPr lang="en-US" smtClean="0"/>
-              <a:t>8/29/17</a:t>
+              <a:t>10/4/17</a:t>
             </a:fld>
             <a:endParaRPr lang="en-US"/>
           </a:p>
@@ -275,10 +874,23 @@
             <p:ph type="ftr" sz="quarter" idx="11"/>
           </p:nvPr>
         </p:nvSpPr>
-        <p:spPr/>
+        <p:spPr>
+          <a:xfrm>
+            <a:off x="3000591" y="6314440"/>
+            <a:ext cx="5122683" cy="365125"/>
+          </a:xfrm>
+        </p:spPr>
         <p:txBody>
           <a:bodyPr/>
-          <a:lstStyle/>
+          <a:lstStyle>
+            <a:lvl1pPr algn="l">
+              <a:defRPr b="0">
+                <a:solidFill>
+                  <a:schemeClr val="tx2"/>
+                </a:solidFill>
+              </a:defRPr>
+            </a:lvl1pPr>
+          </a:lstStyle>
           <a:p>
             <a:endParaRPr lang="en-US"/>
           </a:p>
@@ -294,10 +906,23 @@
             <p:ph type="sldNum" sz="quarter" idx="12"/>
           </p:nvPr>
         </p:nvSpPr>
-        <p:spPr/>
+        <p:spPr>
+          <a:xfrm>
+            <a:off x="11784011" y="1416216"/>
+            <a:ext cx="407988" cy="365125"/>
+          </a:xfrm>
+        </p:spPr>
         <p:txBody>
           <a:bodyPr/>
-          <a:lstStyle/>
+          <a:lstStyle>
+            <a:lvl1pPr algn="r">
+              <a:defRPr>
+                <a:solidFill>
+                  <a:schemeClr val="bg2"/>
+                </a:solidFill>
+              </a:defRPr>
+            </a:lvl1pPr>
+          </a:lstStyle>
           <a:p>
             <a:fld id="{7BCFBF63-5D1D-FB43-B65D-8BC5D4F58465}" type="slidenum">
               <a:rPr lang="en-US" smtClean="0"/>
@@ -307,16 +932,57 @@
           </a:p>
         </p:txBody>
       </p:sp>
+      <p:cxnSp>
+        <p:nvCxnSpPr>
+          <p:cNvPr id="9" name="Straight Connector 8" title="Verticle Rule Line"/>
+          <p:cNvCxnSpPr/>
+          <p:nvPr/>
+        </p:nvCxnSpPr>
+        <p:spPr>
+          <a:xfrm>
+            <a:off x="773855" y="1257300"/>
+            <a:ext cx="0" cy="5600700"/>
+          </a:xfrm>
+          <a:prstGeom prst="line">
+            <a:avLst/>
+          </a:prstGeom>
+          <a:ln w="25400">
+            <a:solidFill>
+              <a:schemeClr val="tx2"/>
+            </a:solidFill>
+          </a:ln>
+        </p:spPr>
+        <p:style>
+          <a:lnRef idx="1">
+            <a:schemeClr val="accent1"/>
+          </a:lnRef>
+          <a:fillRef idx="0">
+            <a:schemeClr val="accent1"/>
+          </a:fillRef>
+          <a:effectRef idx="0">
+            <a:schemeClr val="accent1"/>
+          </a:effectRef>
+          <a:fontRef idx="minor">
+            <a:schemeClr val="tx1"/>
+          </a:fontRef>
+        </p:style>
+      </p:cxnSp>
     </p:spTree>
-    <p:extLst>
-      <p:ext uri="{BB962C8B-B14F-4D97-AF65-F5344CB8AC3E}">
-        <p14:creationId xmlns:p14="http://schemas.microsoft.com/office/powerpoint/2010/main" val="2103771926"/>
-      </p:ext>
-    </p:extLst>
   </p:cSld>
   <p:clrMapOvr>
-    <a:masterClrMapping/>
+    <a:overrideClrMapping bg1="dk1" tx1="lt1" bg2="dk2" tx2="lt2" accent1="accent1" accent2="accent2" accent3="accent3" accent4="accent4" accent5="accent5" accent6="accent6" hlink="hlink" folHlink="folHlink"/>
   </p:clrMapOvr>
+  <p:extLst mod="1">
+    <p:ext uri="{DCECCB84-F9BA-43D5-87BE-67443E8EF086}">
+      <p15:sldGuideLst xmlns:p15="http://schemas.microsoft.com/office/powerpoint/2012/main">
+        <p15:guide id="1" orient="horz" pos="792">
+          <p15:clr>
+            <a:srgbClr val="FBAE40"/>
+          </p15:clr>
+        </p15:guide>
+      </p15:sldGuideLst>
+    </p:ext>
+  </p:extLst>
 </p:sldLayout>
 </file>
 
@@ -356,7 +1022,7 @@
               <a:rPr lang="en-US" smtClean="0"/>
               <a:t>Click to edit Master title style</a:t>
             </a:r>
-            <a:endParaRPr lang="en-US"/>
+            <a:endParaRPr lang="en-US" dirty="0"/>
           </a:p>
         </p:txBody>
       </p:sp>
@@ -370,7 +1036,12 @@
             <p:ph type="body" orient="vert" idx="1"/>
           </p:nvPr>
         </p:nvSpPr>
-        <p:spPr/>
+        <p:spPr>
+          <a:xfrm>
+            <a:off x="5181600" y="640080"/>
+            <a:ext cx="6248398" cy="5584142"/>
+          </a:xfrm>
+        </p:spPr>
         <p:txBody>
           <a:bodyPr vert="eaVert"/>
           <a:lstStyle/>
@@ -408,7 +1079,7 @@
               <a:rPr lang="en-US" smtClean="0"/>
               <a:t>Fifth level</a:t>
             </a:r>
-            <a:endParaRPr lang="en-US"/>
+            <a:endParaRPr lang="en-US" dirty="0"/>
           </a:p>
         </p:txBody>
       </p:sp>
@@ -429,7 +1100,7 @@
           <a:p>
             <a:fld id="{5163F177-63D5-7643-99DD-EE07EEE1E644}" type="datetimeFigureOut">
               <a:rPr lang="en-US" smtClean="0"/>
-              <a:t>8/29/17</a:t>
+              <a:t>10/4/17</a:t>
             </a:fld>
             <a:endParaRPr lang="en-US"/>
           </a:p>
@@ -478,11 +1149,6 @@
         </p:txBody>
       </p:sp>
     </p:spTree>
-    <p:extLst>
-      <p:ext uri="{BB962C8B-B14F-4D97-AF65-F5344CB8AC3E}">
-        <p14:creationId xmlns:p14="http://schemas.microsoft.com/office/powerpoint/2010/main" val="68219622"/>
-      </p:ext>
-    </p:extLst>
   </p:cSld>
   <p:clrMapOvr>
     <a:masterClrMapping/>
@@ -491,7 +1157,7 @@
 </file>
 
 <file path=ppt/slideLayouts/slideLayout11.xml><?xml version="1.0" encoding="utf-8"?>
-<p:sldLayout xmlns:a="http://schemas.openxmlformats.org/drawingml/2006/main" xmlns:r="http://schemas.openxmlformats.org/officeDocument/2006/relationships" xmlns:p="http://schemas.openxmlformats.org/presentationml/2006/main" type="vertTitleAndTx" preserve="1">
+<p:sldLayout xmlns:a="http://schemas.openxmlformats.org/drawingml/2006/main" xmlns:r="http://schemas.openxmlformats.org/officeDocument/2006/relationships" xmlns:p="http://schemas.openxmlformats.org/presentationml/2006/main" showMasterSp="0" type="vertTitleAndTx" preserve="1">
   <p:cSld name="Vertical Title and Text">
     <p:spTree>
       <p:nvGrpSpPr>
@@ -509,6 +1175,203 @@
       </p:grpSpPr>
       <p:sp>
         <p:nvSpPr>
+          <p:cNvPr id="12" name="Freeform 6" title="Page Number Shape"/>
+          <p:cNvSpPr/>
+          <p:nvPr/>
+        </p:nvSpPr>
+        <p:spPr bwMode="auto">
+          <a:xfrm>
+            <a:off x="11784011" y="5380580"/>
+            <a:ext cx="407988" cy="819150"/>
+          </a:xfrm>
+          <a:custGeom>
+            <a:avLst/>
+            <a:gdLst/>
+            <a:ahLst/>
+            <a:cxnLst/>
+            <a:rect l="0" t="0" r="r" b="b"/>
+            <a:pathLst>
+              <a:path w="1799" h="3612">
+                <a:moveTo>
+                  <a:pt x="1799" y="0"/>
+                </a:moveTo>
+                <a:lnTo>
+                  <a:pt x="1799" y="3612"/>
+                </a:lnTo>
+                <a:lnTo>
+                  <a:pt x="1686" y="3609"/>
+                </a:lnTo>
+                <a:lnTo>
+                  <a:pt x="1574" y="3598"/>
+                </a:lnTo>
+                <a:lnTo>
+                  <a:pt x="1464" y="3581"/>
+                </a:lnTo>
+                <a:lnTo>
+                  <a:pt x="1357" y="3557"/>
+                </a:lnTo>
+                <a:lnTo>
+                  <a:pt x="1251" y="3527"/>
+                </a:lnTo>
+                <a:lnTo>
+                  <a:pt x="1150" y="3490"/>
+                </a:lnTo>
+                <a:lnTo>
+                  <a:pt x="1050" y="3448"/>
+                </a:lnTo>
+                <a:lnTo>
+                  <a:pt x="953" y="3401"/>
+                </a:lnTo>
+                <a:lnTo>
+                  <a:pt x="860" y="3347"/>
+                </a:lnTo>
+                <a:lnTo>
+                  <a:pt x="771" y="3289"/>
+                </a:lnTo>
+                <a:lnTo>
+                  <a:pt x="686" y="3224"/>
+                </a:lnTo>
+                <a:lnTo>
+                  <a:pt x="604" y="3156"/>
+                </a:lnTo>
+                <a:lnTo>
+                  <a:pt x="527" y="3083"/>
+                </a:lnTo>
+                <a:lnTo>
+                  <a:pt x="454" y="3005"/>
+                </a:lnTo>
+                <a:lnTo>
+                  <a:pt x="386" y="2923"/>
+                </a:lnTo>
+                <a:lnTo>
+                  <a:pt x="323" y="2838"/>
+                </a:lnTo>
+                <a:lnTo>
+                  <a:pt x="265" y="2748"/>
+                </a:lnTo>
+                <a:lnTo>
+                  <a:pt x="211" y="2655"/>
+                </a:lnTo>
+                <a:lnTo>
+                  <a:pt x="163" y="2559"/>
+                </a:lnTo>
+                <a:lnTo>
+                  <a:pt x="121" y="2459"/>
+                </a:lnTo>
+                <a:lnTo>
+                  <a:pt x="85" y="2356"/>
+                </a:lnTo>
+                <a:lnTo>
+                  <a:pt x="55" y="2251"/>
+                </a:lnTo>
+                <a:lnTo>
+                  <a:pt x="32" y="2143"/>
+                </a:lnTo>
+                <a:lnTo>
+                  <a:pt x="14" y="2033"/>
+                </a:lnTo>
+                <a:lnTo>
+                  <a:pt x="4" y="1920"/>
+                </a:lnTo>
+                <a:lnTo>
+                  <a:pt x="0" y="1806"/>
+                </a:lnTo>
+                <a:lnTo>
+                  <a:pt x="4" y="1692"/>
+                </a:lnTo>
+                <a:lnTo>
+                  <a:pt x="14" y="1580"/>
+                </a:lnTo>
+                <a:lnTo>
+                  <a:pt x="32" y="1469"/>
+                </a:lnTo>
+                <a:lnTo>
+                  <a:pt x="55" y="1362"/>
+                </a:lnTo>
+                <a:lnTo>
+                  <a:pt x="85" y="1256"/>
+                </a:lnTo>
+                <a:lnTo>
+                  <a:pt x="121" y="1154"/>
+                </a:lnTo>
+                <a:lnTo>
+                  <a:pt x="163" y="1054"/>
+                </a:lnTo>
+                <a:lnTo>
+                  <a:pt x="211" y="958"/>
+                </a:lnTo>
+                <a:lnTo>
+                  <a:pt x="265" y="864"/>
+                </a:lnTo>
+                <a:lnTo>
+                  <a:pt x="323" y="774"/>
+                </a:lnTo>
+                <a:lnTo>
+                  <a:pt x="386" y="689"/>
+                </a:lnTo>
+                <a:lnTo>
+                  <a:pt x="454" y="607"/>
+                </a:lnTo>
+                <a:lnTo>
+                  <a:pt x="527" y="529"/>
+                </a:lnTo>
+                <a:lnTo>
+                  <a:pt x="604" y="456"/>
+                </a:lnTo>
+                <a:lnTo>
+                  <a:pt x="686" y="388"/>
+                </a:lnTo>
+                <a:lnTo>
+                  <a:pt x="771" y="325"/>
+                </a:lnTo>
+                <a:lnTo>
+                  <a:pt x="860" y="266"/>
+                </a:lnTo>
+                <a:lnTo>
+                  <a:pt x="953" y="212"/>
+                </a:lnTo>
+                <a:lnTo>
+                  <a:pt x="1050" y="164"/>
+                </a:lnTo>
+                <a:lnTo>
+                  <a:pt x="1150" y="122"/>
+                </a:lnTo>
+                <a:lnTo>
+                  <a:pt x="1251" y="85"/>
+                </a:lnTo>
+                <a:lnTo>
+                  <a:pt x="1357" y="55"/>
+                </a:lnTo>
+                <a:lnTo>
+                  <a:pt x="1464" y="32"/>
+                </a:lnTo>
+                <a:lnTo>
+                  <a:pt x="1574" y="14"/>
+                </a:lnTo>
+                <a:lnTo>
+                  <a:pt x="1686" y="5"/>
+                </a:lnTo>
+                <a:lnTo>
+                  <a:pt x="1799" y="0"/>
+                </a:lnTo>
+                <a:close/>
+              </a:path>
+            </a:pathLst>
+          </a:custGeom>
+          <a:solidFill>
+            <a:srgbClr val="262626"/>
+          </a:solidFill>
+          <a:ln w="0">
+            <a:noFill/>
+            <a:prstDash val="solid"/>
+            <a:round/>
+            <a:headEnd/>
+            <a:tailEnd/>
+          </a:ln>
+        </p:spPr>
+      </p:sp>
+      <p:sp>
+        <p:nvSpPr>
           <p:cNvPr id="2" name="Vertical Title 1"/>
           <p:cNvSpPr>
             <a:spLocks noGrp="1"/>
@@ -519,19 +1382,23 @@
         </p:nvSpPr>
         <p:spPr>
           <a:xfrm>
-            <a:off x="8724900" y="365125"/>
-            <a:ext cx="2628900" cy="5811838"/>
+            <a:off x="7990765" y="642931"/>
+            <a:ext cx="2446670" cy="4678106"/>
           </a:xfrm>
         </p:spPr>
         <p:txBody>
           <a:bodyPr vert="eaVert"/>
-          <a:lstStyle/>
+          <a:lstStyle>
+            <a:lvl1pPr algn="l">
+              <a:defRPr/>
+            </a:lvl1pPr>
+          </a:lstStyle>
           <a:p>
             <a:r>
               <a:rPr lang="en-US" smtClean="0"/>
               <a:t>Click to edit Master title style</a:t>
             </a:r>
-            <a:endParaRPr lang="en-US"/>
+            <a:endParaRPr lang="en-US" dirty="0"/>
           </a:p>
         </p:txBody>
       </p:sp>
@@ -547,8 +1414,8 @@
         </p:nvSpPr>
         <p:spPr>
           <a:xfrm>
-            <a:off x="838200" y="365125"/>
-            <a:ext cx="7734300" cy="5811838"/>
+            <a:off x="838200" y="642932"/>
+            <a:ext cx="7070678" cy="4678105"/>
           </a:xfrm>
         </p:spPr>
         <p:txBody>
@@ -588,7 +1455,7 @@
               <a:rPr lang="en-US" smtClean="0"/>
               <a:t>Fifth level</a:t>
             </a:r>
-            <a:endParaRPr lang="en-US"/>
+            <a:endParaRPr lang="en-US" dirty="0"/>
           </a:p>
         </p:txBody>
       </p:sp>
@@ -602,14 +1469,19 @@
             <p:ph type="dt" sz="half" idx="10"/>
           </p:nvPr>
         </p:nvSpPr>
-        <p:spPr/>
+        <p:spPr>
+          <a:xfrm>
+            <a:off x="6536187" y="5927131"/>
+            <a:ext cx="3814856" cy="365125"/>
+          </a:xfrm>
+        </p:spPr>
         <p:txBody>
           <a:bodyPr/>
           <a:lstStyle/>
           <a:p>
             <a:fld id="{5163F177-63D5-7643-99DD-EE07EEE1E644}" type="datetimeFigureOut">
               <a:rPr lang="en-US" smtClean="0"/>
-              <a:t>8/29/17</a:t>
+              <a:t>10/4/17</a:t>
             </a:fld>
             <a:endParaRPr lang="en-US"/>
           </a:p>
@@ -625,7 +1497,12 @@
             <p:ph type="ftr" sz="quarter" idx="11"/>
           </p:nvPr>
         </p:nvSpPr>
-        <p:spPr/>
+        <p:spPr>
+          <a:xfrm>
+            <a:off x="6536187" y="6315949"/>
+            <a:ext cx="3814856" cy="365125"/>
+          </a:xfrm>
+        </p:spPr>
         <p:txBody>
           <a:bodyPr/>
           <a:lstStyle/>
@@ -644,7 +1521,12 @@
             <p:ph type="sldNum" sz="quarter" idx="12"/>
           </p:nvPr>
         </p:nvSpPr>
-        <p:spPr/>
+        <p:spPr>
+          <a:xfrm>
+            <a:off x="11784011" y="5607592"/>
+            <a:ext cx="407988" cy="365125"/>
+          </a:xfrm>
+        </p:spPr>
         <p:txBody>
           <a:bodyPr/>
           <a:lstStyle/>
@@ -657,16 +1539,60 @@
           </a:p>
         </p:txBody>
       </p:sp>
+      <p:cxnSp>
+        <p:nvCxnSpPr>
+          <p:cNvPr id="13" name="Straight Connector 12" title="Horizontal Rule Line"/>
+          <p:cNvCxnSpPr/>
+          <p:nvPr/>
+        </p:nvCxnSpPr>
+        <p:spPr>
+          <a:xfrm>
+            <a:off x="0" y="6199730"/>
+            <a:ext cx="10260011" cy="0"/>
+          </a:xfrm>
+          <a:prstGeom prst="line">
+            <a:avLst/>
+          </a:prstGeom>
+          <a:ln w="25400">
+            <a:solidFill>
+              <a:schemeClr val="tx1">
+                <a:lumMod val="85000"/>
+                <a:lumOff val="15000"/>
+              </a:schemeClr>
+            </a:solidFill>
+          </a:ln>
+        </p:spPr>
+        <p:style>
+          <a:lnRef idx="1">
+            <a:schemeClr val="accent1"/>
+          </a:lnRef>
+          <a:fillRef idx="0">
+            <a:schemeClr val="accent1"/>
+          </a:fillRef>
+          <a:effectRef idx="0">
+            <a:schemeClr val="accent1"/>
+          </a:effectRef>
+          <a:fontRef idx="minor">
+            <a:schemeClr val="tx1"/>
+          </a:fontRef>
+        </p:style>
+      </p:cxnSp>
     </p:spTree>
-    <p:extLst>
-      <p:ext uri="{BB962C8B-B14F-4D97-AF65-F5344CB8AC3E}">
-        <p14:creationId xmlns:p14="http://schemas.microsoft.com/office/powerpoint/2010/main" val="1958403103"/>
-      </p:ext>
-    </p:extLst>
   </p:cSld>
   <p:clrMapOvr>
     <a:masterClrMapping/>
   </p:clrMapOvr>
+  <p:extLst mod="1">
+    <p:ext uri="{DCECCB84-F9BA-43D5-87BE-67443E8EF086}">
+      <p15:sldGuideLst xmlns:p15="http://schemas.microsoft.com/office/powerpoint/2012/main">
+        <p15:guide id="1" pos="6456">
+          <p15:clr>
+            <a:srgbClr val="FBAE40"/>
+          </p15:clr>
+        </p15:guide>
+      </p15:sldGuideLst>
+    </p:ext>
+  </p:extLst>
 </p:sldLayout>
 </file>
 
@@ -706,7 +1632,7 @@
               <a:rPr lang="en-US" smtClean="0"/>
               <a:t>Click to edit Master title style</a:t>
             </a:r>
-            <a:endParaRPr lang="en-US"/>
+            <a:endParaRPr lang="en-US" dirty="0"/>
           </a:p>
         </p:txBody>
       </p:sp>
@@ -758,7 +1684,7 @@
               <a:rPr lang="en-US" smtClean="0"/>
               <a:t>Fifth level</a:t>
             </a:r>
-            <a:endParaRPr lang="en-US"/>
+            <a:endParaRPr lang="en-US" dirty="0"/>
           </a:p>
         </p:txBody>
       </p:sp>
@@ -779,7 +1705,7 @@
           <a:p>
             <a:fld id="{5163F177-63D5-7643-99DD-EE07EEE1E644}" type="datetimeFigureOut">
               <a:rPr lang="en-US" smtClean="0"/>
-              <a:t>8/29/17</a:t>
+              <a:t>10/4/17</a:t>
             </a:fld>
             <a:endParaRPr lang="en-US"/>
           </a:p>
@@ -828,11 +1754,6 @@
         </p:txBody>
       </p:sp>
     </p:spTree>
-    <p:extLst>
-      <p:ext uri="{BB962C8B-B14F-4D97-AF65-F5344CB8AC3E}">
-        <p14:creationId xmlns:p14="http://schemas.microsoft.com/office/powerpoint/2010/main" val="1923996074"/>
-      </p:ext>
-    </p:extLst>
   </p:cSld>
   <p:clrMapOvr>
     <a:masterClrMapping/>
@@ -841,8 +1762,16 @@
 </file>
 
 <file path=ppt/slideLayouts/slideLayout3.xml><?xml version="1.0" encoding="utf-8"?>
-<p:sldLayout xmlns:a="http://schemas.openxmlformats.org/drawingml/2006/main" xmlns:r="http://schemas.openxmlformats.org/officeDocument/2006/relationships" xmlns:p="http://schemas.openxmlformats.org/presentationml/2006/main" type="secHead" preserve="1">
+<p:sldLayout xmlns:a="http://schemas.openxmlformats.org/drawingml/2006/main" xmlns:r="http://schemas.openxmlformats.org/officeDocument/2006/relationships" xmlns:p="http://schemas.openxmlformats.org/presentationml/2006/main" showMasterSp="0" type="secHead" preserve="1">
   <p:cSld name="Section Header">
+    <p:bg>
+      <p:bgPr>
+        <a:solidFill>
+          <a:schemeClr val="bg2"/>
+        </a:solidFill>
+        <a:effectLst/>
+      </p:bgPr>
+    </p:bg>
     <p:spTree>
       <p:nvGrpSpPr>
         <p:cNvPr id="1" name=""/>
@@ -859,6 +1788,206 @@
       </p:grpSpPr>
       <p:sp>
         <p:nvSpPr>
+          <p:cNvPr id="7" name="Freeform 6" title="Page Number Shape"/>
+          <p:cNvSpPr/>
+          <p:nvPr/>
+        </p:nvSpPr>
+        <p:spPr bwMode="auto">
+          <a:xfrm>
+            <a:off x="11784011" y="1393748"/>
+            <a:ext cx="407988" cy="819150"/>
+          </a:xfrm>
+          <a:custGeom>
+            <a:avLst/>
+            <a:gdLst/>
+            <a:ahLst/>
+            <a:cxnLst/>
+            <a:rect l="0" t="0" r="r" b="b"/>
+            <a:pathLst>
+              <a:path w="1799" h="3612">
+                <a:moveTo>
+                  <a:pt x="1799" y="0"/>
+                </a:moveTo>
+                <a:lnTo>
+                  <a:pt x="1799" y="3612"/>
+                </a:lnTo>
+                <a:lnTo>
+                  <a:pt x="1686" y="3609"/>
+                </a:lnTo>
+                <a:lnTo>
+                  <a:pt x="1574" y="3598"/>
+                </a:lnTo>
+                <a:lnTo>
+                  <a:pt x="1464" y="3581"/>
+                </a:lnTo>
+                <a:lnTo>
+                  <a:pt x="1357" y="3557"/>
+                </a:lnTo>
+                <a:lnTo>
+                  <a:pt x="1251" y="3527"/>
+                </a:lnTo>
+                <a:lnTo>
+                  <a:pt x="1150" y="3490"/>
+                </a:lnTo>
+                <a:lnTo>
+                  <a:pt x="1050" y="3448"/>
+                </a:lnTo>
+                <a:lnTo>
+                  <a:pt x="953" y="3401"/>
+                </a:lnTo>
+                <a:lnTo>
+                  <a:pt x="860" y="3347"/>
+                </a:lnTo>
+                <a:lnTo>
+                  <a:pt x="771" y="3289"/>
+                </a:lnTo>
+                <a:lnTo>
+                  <a:pt x="686" y="3224"/>
+                </a:lnTo>
+                <a:lnTo>
+                  <a:pt x="604" y="3156"/>
+                </a:lnTo>
+                <a:lnTo>
+                  <a:pt x="527" y="3083"/>
+                </a:lnTo>
+                <a:lnTo>
+                  <a:pt x="454" y="3005"/>
+                </a:lnTo>
+                <a:lnTo>
+                  <a:pt x="386" y="2923"/>
+                </a:lnTo>
+                <a:lnTo>
+                  <a:pt x="323" y="2838"/>
+                </a:lnTo>
+                <a:lnTo>
+                  <a:pt x="265" y="2748"/>
+                </a:lnTo>
+                <a:lnTo>
+                  <a:pt x="211" y="2655"/>
+                </a:lnTo>
+                <a:lnTo>
+                  <a:pt x="163" y="2559"/>
+                </a:lnTo>
+                <a:lnTo>
+                  <a:pt x="121" y="2459"/>
+                </a:lnTo>
+                <a:lnTo>
+                  <a:pt x="85" y="2356"/>
+                </a:lnTo>
+                <a:lnTo>
+                  <a:pt x="55" y="2251"/>
+                </a:lnTo>
+                <a:lnTo>
+                  <a:pt x="32" y="2143"/>
+                </a:lnTo>
+                <a:lnTo>
+                  <a:pt x="14" y="2033"/>
+                </a:lnTo>
+                <a:lnTo>
+                  <a:pt x="4" y="1920"/>
+                </a:lnTo>
+                <a:lnTo>
+                  <a:pt x="0" y="1806"/>
+                </a:lnTo>
+                <a:lnTo>
+                  <a:pt x="4" y="1692"/>
+                </a:lnTo>
+                <a:lnTo>
+                  <a:pt x="14" y="1580"/>
+                </a:lnTo>
+                <a:lnTo>
+                  <a:pt x="32" y="1469"/>
+                </a:lnTo>
+                <a:lnTo>
+                  <a:pt x="55" y="1362"/>
+                </a:lnTo>
+                <a:lnTo>
+                  <a:pt x="85" y="1256"/>
+                </a:lnTo>
+                <a:lnTo>
+                  <a:pt x="121" y="1154"/>
+                </a:lnTo>
+                <a:lnTo>
+                  <a:pt x="163" y="1054"/>
+                </a:lnTo>
+                <a:lnTo>
+                  <a:pt x="211" y="958"/>
+                </a:lnTo>
+                <a:lnTo>
+                  <a:pt x="265" y="864"/>
+                </a:lnTo>
+                <a:lnTo>
+                  <a:pt x="323" y="774"/>
+                </a:lnTo>
+                <a:lnTo>
+                  <a:pt x="386" y="689"/>
+                </a:lnTo>
+                <a:lnTo>
+                  <a:pt x="454" y="607"/>
+                </a:lnTo>
+                <a:lnTo>
+                  <a:pt x="527" y="529"/>
+                </a:lnTo>
+                <a:lnTo>
+                  <a:pt x="604" y="456"/>
+                </a:lnTo>
+                <a:lnTo>
+                  <a:pt x="686" y="388"/>
+                </a:lnTo>
+                <a:lnTo>
+                  <a:pt x="771" y="325"/>
+                </a:lnTo>
+                <a:lnTo>
+                  <a:pt x="860" y="266"/>
+                </a:lnTo>
+                <a:lnTo>
+                  <a:pt x="953" y="212"/>
+                </a:lnTo>
+                <a:lnTo>
+                  <a:pt x="1050" y="164"/>
+                </a:lnTo>
+                <a:lnTo>
+                  <a:pt x="1150" y="122"/>
+                </a:lnTo>
+                <a:lnTo>
+                  <a:pt x="1251" y="85"/>
+                </a:lnTo>
+                <a:lnTo>
+                  <a:pt x="1357" y="55"/>
+                </a:lnTo>
+                <a:lnTo>
+                  <a:pt x="1464" y="32"/>
+                </a:lnTo>
+                <a:lnTo>
+                  <a:pt x="1574" y="14"/>
+                </a:lnTo>
+                <a:lnTo>
+                  <a:pt x="1686" y="5"/>
+                </a:lnTo>
+                <a:lnTo>
+                  <a:pt x="1799" y="0"/>
+                </a:lnTo>
+                <a:close/>
+              </a:path>
+            </a:pathLst>
+          </a:custGeom>
+          <a:solidFill>
+            <a:schemeClr val="tx1">
+              <a:lumMod val="85000"/>
+              <a:lumOff val="15000"/>
+            </a:schemeClr>
+          </a:solidFill>
+          <a:ln w="0">
+            <a:noFill/>
+            <a:prstDash val="solid"/>
+            <a:round/>
+            <a:headEnd/>
+            <a:tailEnd/>
+          </a:ln>
+        </p:spPr>
+      </p:sp>
+      <p:sp>
+        <p:nvSpPr>
           <p:cNvPr id="2" name="Title 1"/>
           <p:cNvSpPr>
             <a:spLocks noGrp="1"/>
@@ -869,15 +1998,27 @@
         </p:nvSpPr>
         <p:spPr>
           <a:xfrm>
-            <a:off x="831850" y="1709738"/>
-            <a:ext cx="10515600" cy="2852737"/>
+            <a:off x="1947673" y="2571722"/>
+            <a:ext cx="8296654" cy="3286153"/>
           </a:xfrm>
         </p:spPr>
         <p:txBody>
-          <a:bodyPr anchor="b"/>
+          <a:bodyPr anchor="t">
+            <a:normAutofit/>
+          </a:bodyPr>
           <a:lstStyle>
             <a:lvl1pPr>
-              <a:defRPr sz="6000"/>
+              <a:lnSpc>
+                <a:spcPct val="85000"/>
+              </a:lnSpc>
+              <a:defRPr sz="7700" cap="all" baseline="0">
+                <a:solidFill>
+                  <a:schemeClr val="tx1">
+                    <a:lumMod val="85000"/>
+                    <a:lumOff val="15000"/>
+                  </a:schemeClr>
+                </a:solidFill>
+              </a:defRPr>
             </a:lvl1pPr>
           </a:lstStyle>
           <a:p>
@@ -885,7 +2026,7 @@
               <a:rPr lang="en-US" smtClean="0"/>
               <a:t>Click to edit Master title style</a:t>
             </a:r>
-            <a:endParaRPr lang="en-US"/>
+            <a:endParaRPr lang="en-US" dirty="0"/>
           </a:p>
         </p:txBody>
       </p:sp>
@@ -901,19 +2042,28 @@
         </p:nvSpPr>
         <p:spPr>
           <a:xfrm>
-            <a:off x="831850" y="4589463"/>
-            <a:ext cx="10515600" cy="1500187"/>
+            <a:off x="1947673" y="1393748"/>
+            <a:ext cx="8401429" cy="819150"/>
           </a:xfrm>
         </p:spPr>
         <p:txBody>
-          <a:bodyPr/>
+          <a:bodyPr anchor="ctr">
+            <a:normAutofit/>
+          </a:bodyPr>
           <a:lstStyle>
-            <a:lvl1pPr marL="0" indent="0">
+            <a:lvl1pPr marL="0" indent="0" algn="r">
+              <a:lnSpc>
+                <a:spcPct val="113000"/>
+              </a:lnSpc>
+              <a:spcBef>
+                <a:spcPts val="0"/>
+              </a:spcBef>
               <a:buNone/>
-              <a:defRPr sz="2400">
+              <a:defRPr sz="2000" b="0" i="1" baseline="0">
                 <a:solidFill>
                   <a:schemeClr val="tx1">
-                    <a:tint val="75000"/>
+                    <a:lumMod val="85000"/>
+                    <a:lumOff val="15000"/>
                   </a:schemeClr>
                 </a:solidFill>
               </a:defRPr>
@@ -1018,14 +2168,30 @@
             <p:ph type="dt" sz="half" idx="10"/>
           </p:nvPr>
         </p:nvSpPr>
-        <p:spPr/>
+        <p:spPr>
+          <a:xfrm>
+            <a:off x="8742955" y="6314439"/>
+            <a:ext cx="1596622" cy="365125"/>
+          </a:xfrm>
+        </p:spPr>
         <p:txBody>
           <a:bodyPr/>
-          <a:lstStyle/>
+          <a:lstStyle>
+            <a:lvl1pPr>
+              <a:defRPr sz="1200">
+                <a:solidFill>
+                  <a:schemeClr val="tx1">
+                    <a:lumMod val="85000"/>
+                    <a:lumOff val="15000"/>
+                  </a:schemeClr>
+                </a:solidFill>
+              </a:defRPr>
+            </a:lvl1pPr>
+          </a:lstStyle>
           <a:p>
             <a:fld id="{5163F177-63D5-7643-99DD-EE07EEE1E644}" type="datetimeFigureOut">
               <a:rPr lang="en-US" smtClean="0"/>
-              <a:t>8/29/17</a:t>
+              <a:t>10/4/17</a:t>
             </a:fld>
             <a:endParaRPr lang="en-US"/>
           </a:p>
@@ -1041,10 +2207,26 @@
             <p:ph type="ftr" sz="quarter" idx="11"/>
           </p:nvPr>
         </p:nvSpPr>
-        <p:spPr/>
+        <p:spPr>
+          <a:xfrm>
+            <a:off x="1947673" y="6314440"/>
+            <a:ext cx="6480226" cy="365125"/>
+          </a:xfrm>
+        </p:spPr>
         <p:txBody>
           <a:bodyPr/>
-          <a:lstStyle/>
+          <a:lstStyle>
+            <a:lvl1pPr>
+              <a:defRPr b="0">
+                <a:solidFill>
+                  <a:schemeClr val="tx1">
+                    <a:lumMod val="85000"/>
+                    <a:lumOff val="15000"/>
+                  </a:schemeClr>
+                </a:solidFill>
+              </a:defRPr>
+            </a:lvl1pPr>
+          </a:lstStyle>
           <a:p>
             <a:endParaRPr lang="en-US"/>
           </a:p>
@@ -1060,10 +2242,23 @@
             <p:ph type="sldNum" sz="quarter" idx="12"/>
           </p:nvPr>
         </p:nvSpPr>
-        <p:spPr/>
+        <p:spPr>
+          <a:xfrm>
+            <a:off x="11784011" y="1620760"/>
+            <a:ext cx="407988" cy="365125"/>
+          </a:xfrm>
+        </p:spPr>
         <p:txBody>
           <a:bodyPr/>
-          <a:lstStyle/>
+          <a:lstStyle>
+            <a:lvl1pPr>
+              <a:defRPr>
+                <a:solidFill>
+                  <a:schemeClr val="bg2"/>
+                </a:solidFill>
+              </a:defRPr>
+            </a:lvl1pPr>
+          </a:lstStyle>
           <a:p>
             <a:fld id="{7BCFBF63-5D1D-FB43-B65D-8BC5D4F58465}" type="slidenum">
               <a:rPr lang="en-US" smtClean="0"/>
@@ -1073,16 +2268,60 @@
           </a:p>
         </p:txBody>
       </p:sp>
+      <p:cxnSp>
+        <p:nvCxnSpPr>
+          <p:cNvPr id="10" name="Straight Connector 9" title="Horizontal Rule Line"/>
+          <p:cNvCxnSpPr/>
+          <p:nvPr/>
+        </p:nvCxnSpPr>
+        <p:spPr>
+          <a:xfrm flipH="1">
+            <a:off x="1" y="6178167"/>
+            <a:ext cx="10244326" cy="0"/>
+          </a:xfrm>
+          <a:prstGeom prst="line">
+            <a:avLst/>
+          </a:prstGeom>
+          <a:ln w="25400">
+            <a:solidFill>
+              <a:schemeClr val="tx1">
+                <a:lumMod val="85000"/>
+                <a:lumOff val="15000"/>
+              </a:schemeClr>
+            </a:solidFill>
+          </a:ln>
+        </p:spPr>
+        <p:style>
+          <a:lnRef idx="1">
+            <a:schemeClr val="accent1"/>
+          </a:lnRef>
+          <a:fillRef idx="0">
+            <a:schemeClr val="accent1"/>
+          </a:fillRef>
+          <a:effectRef idx="0">
+            <a:schemeClr val="accent1"/>
+          </a:effectRef>
+          <a:fontRef idx="minor">
+            <a:schemeClr val="tx1"/>
+          </a:fontRef>
+        </p:style>
+      </p:cxnSp>
     </p:spTree>
-    <p:extLst>
-      <p:ext uri="{BB962C8B-B14F-4D97-AF65-F5344CB8AC3E}">
-        <p14:creationId xmlns:p14="http://schemas.microsoft.com/office/powerpoint/2010/main" val="1940742839"/>
-      </p:ext>
-    </p:extLst>
   </p:cSld>
   <p:clrMapOvr>
     <a:masterClrMapping/>
   </p:clrMapOvr>
+  <p:extLst mod="1">
+    <p:ext uri="{DCECCB84-F9BA-43D5-87BE-67443E8EF086}">
+      <p15:sldGuideLst xmlns:p15="http://schemas.microsoft.com/office/powerpoint/2012/main">
+        <p15:guide id="1" pos="6456">
+          <p15:clr>
+            <a:srgbClr val="FBAE40"/>
+          </p15:clr>
+        </p15:guide>
+      </p15:sldGuideLst>
+    </p:ext>
+  </p:extLst>
 </p:sldLayout>
 </file>
 
@@ -1122,7 +2361,7 @@
               <a:rPr lang="en-US" smtClean="0"/>
               <a:t>Click to edit Master title style</a:t>
             </a:r>
-            <a:endParaRPr lang="en-US"/>
+            <a:endParaRPr lang="en-US" dirty="0"/>
           </a:p>
         </p:txBody>
       </p:sp>
@@ -1138,8 +2377,8 @@
         </p:nvSpPr>
         <p:spPr>
           <a:xfrm>
-            <a:off x="838200" y="1825625"/>
-            <a:ext cx="5181600" cy="4351338"/>
+            <a:off x="5181600" y="540628"/>
+            <a:ext cx="6248400" cy="2488946"/>
           </a:xfrm>
         </p:spPr>
         <p:txBody>
@@ -1179,7 +2418,7 @@
               <a:rPr lang="en-US" smtClean="0"/>
               <a:t>Fifth level</a:t>
             </a:r>
-            <a:endParaRPr lang="en-US"/>
+            <a:endParaRPr lang="en-US" dirty="0"/>
           </a:p>
         </p:txBody>
       </p:sp>
@@ -1195,8 +2434,8 @@
         </p:nvSpPr>
         <p:spPr>
           <a:xfrm>
-            <a:off x="6172200" y="1825625"/>
-            <a:ext cx="5181600" cy="4351338"/>
+            <a:off x="5181600" y="3712467"/>
+            <a:ext cx="6248400" cy="2482228"/>
           </a:xfrm>
         </p:spPr>
         <p:txBody>
@@ -1236,7 +2475,7 @@
               <a:rPr lang="en-US" smtClean="0"/>
               <a:t>Fifth level</a:t>
             </a:r>
-            <a:endParaRPr lang="en-US"/>
+            <a:endParaRPr lang="en-US" dirty="0"/>
           </a:p>
         </p:txBody>
       </p:sp>
@@ -1257,7 +2496,7 @@
           <a:p>
             <a:fld id="{5163F177-63D5-7643-99DD-EE07EEE1E644}" type="datetimeFigureOut">
               <a:rPr lang="en-US" smtClean="0"/>
-              <a:t>8/29/17</a:t>
+              <a:t>10/4/17</a:t>
             </a:fld>
             <a:endParaRPr lang="en-US"/>
           </a:p>
@@ -1306,15 +2545,15 @@
         </p:txBody>
       </p:sp>
     </p:spTree>
-    <p:extLst>
-      <p:ext uri="{BB962C8B-B14F-4D97-AF65-F5344CB8AC3E}">
-        <p14:creationId xmlns:p14="http://schemas.microsoft.com/office/powerpoint/2010/main" val="2083264437"/>
-      </p:ext>
-    </p:extLst>
   </p:cSld>
   <p:clrMapOvr>
     <a:masterClrMapping/>
   </p:clrMapOvr>
+  <p:extLst>
+    <p:ext uri="{DCECCB84-F9BA-43D5-87BE-67443E8EF086}">
+      <p15:sldGuideLst xmlns:p15="http://schemas.microsoft.com/office/powerpoint/2012/main"/>
+    </p:ext>
+  </p:extLst>
 </p:sldLayout>
 </file>
 
@@ -1347,8 +2586,8 @@
         </p:nvSpPr>
         <p:spPr>
           <a:xfrm>
-            <a:off x="839788" y="365125"/>
-            <a:ext cx="10515600" cy="1325563"/>
+            <a:off x="762000" y="557784"/>
+            <a:ext cx="3831336" cy="4956048"/>
           </a:xfrm>
         </p:spPr>
         <p:txBody>
@@ -1359,7 +2598,7 @@
               <a:rPr lang="en-US" smtClean="0"/>
               <a:t>Click to edit Master title style</a:t>
             </a:r>
-            <a:endParaRPr lang="en-US"/>
+            <a:endParaRPr lang="en-US" dirty="0"/>
           </a:p>
         </p:txBody>
       </p:sp>
@@ -1375,16 +2614,31 @@
         </p:nvSpPr>
         <p:spPr>
           <a:xfrm>
-            <a:off x="839788" y="1681163"/>
-            <a:ext cx="5157787" cy="823912"/>
+            <a:off x="5181600" y="558065"/>
+            <a:ext cx="6245352" cy="914400"/>
           </a:xfrm>
         </p:spPr>
         <p:txBody>
-          <a:bodyPr anchor="b"/>
+          <a:bodyPr anchor="b">
+            <a:normAutofit/>
+          </a:bodyPr>
           <a:lstStyle>
             <a:lvl1pPr marL="0" indent="0">
+              <a:lnSpc>
+                <a:spcPct val="113000"/>
+              </a:lnSpc>
+              <a:spcBef>
+                <a:spcPts val="0"/>
+              </a:spcBef>
               <a:buNone/>
-              <a:defRPr sz="2400" b="1"/>
+              <a:defRPr sz="2400" b="0" i="1" baseline="0">
+                <a:solidFill>
+                  <a:schemeClr val="tx1">
+                    <a:lumMod val="85000"/>
+                    <a:lumOff val="15000"/>
+                  </a:schemeClr>
+                </a:solidFill>
+              </a:defRPr>
             </a:lvl1pPr>
             <a:lvl2pPr marL="457200" indent="0">
               <a:buNone/>
@@ -1440,8 +2694,8 @@
         </p:nvSpPr>
         <p:spPr>
           <a:xfrm>
-            <a:off x="839788" y="2505075"/>
-            <a:ext cx="5157787" cy="3684588"/>
+            <a:off x="5181600" y="1526671"/>
+            <a:ext cx="6245352" cy="1755648"/>
           </a:xfrm>
         </p:spPr>
         <p:txBody>
@@ -1481,7 +2735,7 @@
               <a:rPr lang="en-US" smtClean="0"/>
               <a:t>Fifth level</a:t>
             </a:r>
-            <a:endParaRPr lang="en-US"/>
+            <a:endParaRPr lang="en-US" dirty="0"/>
           </a:p>
         </p:txBody>
       </p:sp>
@@ -1497,16 +2751,25 @@
         </p:nvSpPr>
         <p:spPr>
           <a:xfrm>
-            <a:off x="6172200" y="1681163"/>
-            <a:ext cx="5183188" cy="823912"/>
+            <a:off x="5181600" y="3700826"/>
+            <a:ext cx="6248400" cy="914400"/>
           </a:xfrm>
         </p:spPr>
         <p:txBody>
-          <a:bodyPr anchor="b"/>
+          <a:bodyPr anchor="b">
+            <a:normAutofit/>
+          </a:bodyPr>
           <a:lstStyle>
             <a:lvl1pPr marL="0" indent="0">
               <a:buNone/>
-              <a:defRPr sz="2400" b="1"/>
+              <a:defRPr sz="2400" b="0" i="1" baseline="0">
+                <a:solidFill>
+                  <a:schemeClr val="tx1">
+                    <a:lumMod val="85000"/>
+                    <a:lumOff val="15000"/>
+                  </a:schemeClr>
+                </a:solidFill>
+              </a:defRPr>
             </a:lvl1pPr>
             <a:lvl2pPr marL="457200" indent="0">
               <a:buNone/>
@@ -1562,8 +2825,8 @@
         </p:nvSpPr>
         <p:spPr>
           <a:xfrm>
-            <a:off x="6172200" y="2505075"/>
-            <a:ext cx="5183188" cy="3684588"/>
+            <a:off x="5181600" y="4669432"/>
+            <a:ext cx="6245352" cy="1755648"/>
           </a:xfrm>
         </p:spPr>
         <p:txBody>
@@ -1603,7 +2866,7 @@
               <a:rPr lang="en-US" smtClean="0"/>
               <a:t>Fifth level</a:t>
             </a:r>
-            <a:endParaRPr lang="en-US"/>
+            <a:endParaRPr lang="en-US" dirty="0"/>
           </a:p>
         </p:txBody>
       </p:sp>
@@ -1624,7 +2887,7 @@
           <a:p>
             <a:fld id="{5163F177-63D5-7643-99DD-EE07EEE1E644}" type="datetimeFigureOut">
               <a:rPr lang="en-US" smtClean="0"/>
-              <a:t>8/29/17</a:t>
+              <a:t>10/4/17</a:t>
             </a:fld>
             <a:endParaRPr lang="en-US"/>
           </a:p>
@@ -1673,15 +2936,15 @@
         </p:txBody>
       </p:sp>
     </p:spTree>
-    <p:extLst>
-      <p:ext uri="{BB962C8B-B14F-4D97-AF65-F5344CB8AC3E}">
-        <p14:creationId xmlns:p14="http://schemas.microsoft.com/office/powerpoint/2010/main" val="852011971"/>
-      </p:ext>
-    </p:extLst>
   </p:cSld>
   <p:clrMapOvr>
     <a:masterClrMapping/>
   </p:clrMapOvr>
+  <p:extLst>
+    <p:ext uri="{DCECCB84-F9BA-43D5-87BE-67443E8EF086}">
+      <p15:sldGuideLst xmlns:p15="http://schemas.microsoft.com/office/powerpoint/2012/main"/>
+    </p:ext>
+  </p:extLst>
 </p:sldLayout>
 </file>
 
@@ -1721,7 +2984,7 @@
               <a:rPr lang="en-US" smtClean="0"/>
               <a:t>Click to edit Master title style</a:t>
             </a:r>
-            <a:endParaRPr lang="en-US"/>
+            <a:endParaRPr lang="en-US" dirty="0"/>
           </a:p>
         </p:txBody>
       </p:sp>
@@ -1742,7 +3005,7 @@
           <a:p>
             <a:fld id="{5163F177-63D5-7643-99DD-EE07EEE1E644}" type="datetimeFigureOut">
               <a:rPr lang="en-US" smtClean="0"/>
-              <a:t>8/29/17</a:t>
+              <a:t>10/4/17</a:t>
             </a:fld>
             <a:endParaRPr lang="en-US"/>
           </a:p>
@@ -1791,11 +3054,6 @@
         </p:txBody>
       </p:sp>
     </p:spTree>
-    <p:extLst>
-      <p:ext uri="{BB962C8B-B14F-4D97-AF65-F5344CB8AC3E}">
-        <p14:creationId xmlns:p14="http://schemas.microsoft.com/office/powerpoint/2010/main" val="344238401"/>
-      </p:ext>
-    </p:extLst>
   </p:cSld>
   <p:clrMapOvr>
     <a:masterClrMapping/>
@@ -1837,7 +3095,7 @@
           <a:p>
             <a:fld id="{5163F177-63D5-7643-99DD-EE07EEE1E644}" type="datetimeFigureOut">
               <a:rPr lang="en-US" smtClean="0"/>
-              <a:t>8/29/17</a:t>
+              <a:t>10/4/17</a:t>
             </a:fld>
             <a:endParaRPr lang="en-US"/>
           </a:p>
@@ -1886,15 +3144,15 @@
         </p:txBody>
       </p:sp>
     </p:spTree>
-    <p:extLst>
-      <p:ext uri="{BB962C8B-B14F-4D97-AF65-F5344CB8AC3E}">
-        <p14:creationId xmlns:p14="http://schemas.microsoft.com/office/powerpoint/2010/main" val="293860589"/>
-      </p:ext>
-    </p:extLst>
   </p:cSld>
   <p:clrMapOvr>
     <a:masterClrMapping/>
   </p:clrMapOvr>
+  <p:extLst>
+    <p:ext uri="{DCECCB84-F9BA-43D5-87BE-67443E8EF086}">
+      <p15:sldGuideLst xmlns:p15="http://schemas.microsoft.com/office/powerpoint/2012/main"/>
+    </p:ext>
+  </p:extLst>
 </p:sldLayout>
 </file>
 
@@ -1927,15 +3185,20 @@
         </p:nvSpPr>
         <p:spPr>
           <a:xfrm>
-            <a:off x="839788" y="457200"/>
-            <a:ext cx="3932237" cy="1600200"/>
+            <a:off x="762000" y="555479"/>
+            <a:ext cx="3838776" cy="1921022"/>
           </a:xfrm>
         </p:spPr>
         <p:txBody>
-          <a:bodyPr anchor="b"/>
+          <a:bodyPr anchor="t">
+            <a:noAutofit/>
+          </a:bodyPr>
           <a:lstStyle>
             <a:lvl1pPr>
-              <a:defRPr sz="3200"/>
+              <a:lnSpc>
+                <a:spcPct val="93000"/>
+              </a:lnSpc>
+              <a:defRPr sz="4000"/>
             </a:lvl1pPr>
           </a:lstStyle>
           <a:p>
@@ -1943,7 +3206,7 @@
               <a:rPr lang="en-US" smtClean="0"/>
               <a:t>Click to edit Master title style</a:t>
             </a:r>
-            <a:endParaRPr lang="en-US"/>
+            <a:endParaRPr lang="en-US" dirty="0"/>
           </a:p>
         </p:txBody>
       </p:sp>
@@ -1959,39 +3222,54 @@
         </p:nvSpPr>
         <p:spPr>
           <a:xfrm>
-            <a:off x="5183188" y="987425"/>
-            <a:ext cx="6172200" cy="4873625"/>
+            <a:off x="5181600" y="564147"/>
+            <a:ext cx="6248400" cy="5622644"/>
           </a:xfrm>
         </p:spPr>
         <p:txBody>
           <a:bodyPr/>
           <a:lstStyle>
             <a:lvl1pPr>
-              <a:defRPr sz="3200"/>
+              <a:lnSpc>
+                <a:spcPct val="112000"/>
+              </a:lnSpc>
+              <a:defRPr sz="2000"/>
             </a:lvl1pPr>
             <a:lvl2pPr>
-              <a:defRPr sz="2800"/>
+              <a:lnSpc>
+                <a:spcPct val="112000"/>
+              </a:lnSpc>
+              <a:defRPr sz="1800"/>
             </a:lvl2pPr>
             <a:lvl3pPr>
-              <a:defRPr sz="2400"/>
+              <a:lnSpc>
+                <a:spcPct val="112000"/>
+              </a:lnSpc>
+              <a:defRPr sz="1600"/>
             </a:lvl3pPr>
             <a:lvl4pPr>
-              <a:defRPr sz="2000"/>
+              <a:lnSpc>
+                <a:spcPct val="112000"/>
+              </a:lnSpc>
+              <a:defRPr sz="1400"/>
             </a:lvl4pPr>
             <a:lvl5pPr>
-              <a:defRPr sz="2000"/>
+              <a:lnSpc>
+                <a:spcPct val="112000"/>
+              </a:lnSpc>
+              <a:defRPr sz="1400"/>
             </a:lvl5pPr>
             <a:lvl6pPr>
-              <a:defRPr sz="2000"/>
+              <a:defRPr sz="1400"/>
             </a:lvl6pPr>
             <a:lvl7pPr>
-              <a:defRPr sz="2000"/>
+              <a:defRPr sz="1400"/>
             </a:lvl7pPr>
             <a:lvl8pPr>
-              <a:defRPr sz="2000"/>
+              <a:defRPr sz="1400"/>
             </a:lvl8pPr>
             <a:lvl9pPr>
-              <a:defRPr sz="2000"/>
+              <a:defRPr sz="1400"/>
             </a:lvl9pPr>
           </a:lstStyle>
           <a:p>
@@ -2028,7 +3306,7 @@
               <a:rPr lang="en-US" smtClean="0"/>
               <a:t>Fifth level</a:t>
             </a:r>
-            <a:endParaRPr lang="en-US"/>
+            <a:endParaRPr lang="en-US" dirty="0"/>
           </a:p>
         </p:txBody>
       </p:sp>
@@ -2044,14 +3322,17 @@
         </p:nvSpPr>
         <p:spPr>
           <a:xfrm>
-            <a:off x="839788" y="2057400"/>
-            <a:ext cx="3932237" cy="3811588"/>
+            <a:off x="762000" y="2621512"/>
+            <a:ext cx="3838776" cy="3239537"/>
           </a:xfrm>
         </p:spPr>
         <p:txBody>
           <a:bodyPr/>
           <a:lstStyle>
-            <a:lvl1pPr marL="0" indent="0">
+            <a:lvl1pPr marL="0" indent="0" algn="r">
+              <a:lnSpc>
+                <a:spcPct val="125000"/>
+              </a:lnSpc>
               <a:buNone/>
               <a:defRPr sz="1600"/>
             </a:lvl1pPr>
@@ -2114,7 +3395,7 @@
           <a:p>
             <a:fld id="{5163F177-63D5-7643-99DD-EE07EEE1E644}" type="datetimeFigureOut">
               <a:rPr lang="en-US" smtClean="0"/>
-              <a:t>8/29/17</a:t>
+              <a:t>10/4/17</a:t>
             </a:fld>
             <a:endParaRPr lang="en-US"/>
           </a:p>
@@ -2163,15 +3444,15 @@
         </p:txBody>
       </p:sp>
     </p:spTree>
-    <p:extLst>
-      <p:ext uri="{BB962C8B-B14F-4D97-AF65-F5344CB8AC3E}">
-        <p14:creationId xmlns:p14="http://schemas.microsoft.com/office/powerpoint/2010/main" val="1850014870"/>
-      </p:ext>
-    </p:extLst>
   </p:cSld>
   <p:clrMapOvr>
     <a:masterClrMapping/>
   </p:clrMapOvr>
+  <p:extLst>
+    <p:ext uri="{DCECCB84-F9BA-43D5-87BE-67443E8EF086}">
+      <p15:sldGuideLst xmlns:p15="http://schemas.microsoft.com/office/powerpoint/2012/main"/>
+    </p:ext>
+  </p:extLst>
 </p:sldLayout>
 </file>
 
@@ -2204,15 +3485,20 @@
         </p:nvSpPr>
         <p:spPr>
           <a:xfrm>
-            <a:off x="839788" y="457200"/>
-            <a:ext cx="3932237" cy="1600200"/>
+            <a:off x="758952" y="557261"/>
+            <a:ext cx="3840480" cy="1919239"/>
           </a:xfrm>
         </p:spPr>
         <p:txBody>
-          <a:bodyPr anchor="b"/>
+          <a:bodyPr anchor="t">
+            <a:noAutofit/>
+          </a:bodyPr>
           <a:lstStyle>
             <a:lvl1pPr>
-              <a:defRPr sz="3200"/>
+              <a:lnSpc>
+                <a:spcPct val="93000"/>
+              </a:lnSpc>
+              <a:defRPr sz="4000" baseline="0"/>
             </a:lvl1pPr>
           </a:lstStyle>
           <a:p>
@@ -2220,7 +3506,7 @@
               <a:rPr lang="en-US" smtClean="0"/>
               <a:t>Click to edit Master title style</a:t>
             </a:r>
-            <a:endParaRPr lang="en-US"/>
+            <a:endParaRPr lang="en-US" dirty="0"/>
           </a:p>
         </p:txBody>
       </p:sp>
@@ -2228,7 +3514,7 @@
         <p:nvSpPr>
           <p:cNvPr id="3" name="Picture Placeholder 2"/>
           <p:cNvSpPr>
-            <a:spLocks noGrp="1"/>
+            <a:spLocks noGrp="1" noChangeAspect="1"/>
           </p:cNvSpPr>
           <p:nvPr>
             <p:ph type="pic" idx="1"/>
@@ -2236,12 +3522,12 @@
         </p:nvSpPr>
         <p:spPr>
           <a:xfrm>
-            <a:off x="5183188" y="987425"/>
-            <a:ext cx="6172200" cy="4873625"/>
+            <a:off x="5257800" y="0"/>
+            <a:ext cx="6172200" cy="6857999"/>
           </a:xfrm>
         </p:spPr>
         <p:txBody>
-          <a:bodyPr/>
+          <a:bodyPr anchor="t"/>
           <a:lstStyle>
             <a:lvl1pPr marL="0" indent="0">
               <a:buNone/>
@@ -2281,7 +3567,11 @@
             </a:lvl9pPr>
           </a:lstStyle>
           <a:p>
-            <a:endParaRPr lang="en-US"/>
+            <a:r>
+              <a:rPr lang="en-US" smtClean="0"/>
+              <a:t>Drag picture to placeholder or click icon to add</a:t>
+            </a:r>
+            <a:endParaRPr lang="en-US" dirty="0"/>
           </a:p>
         </p:txBody>
       </p:sp>
@@ -2297,14 +3587,17 @@
         </p:nvSpPr>
         <p:spPr>
           <a:xfrm>
-            <a:off x="839788" y="2057400"/>
-            <a:ext cx="3932237" cy="3811588"/>
+            <a:off x="758952" y="2621512"/>
+            <a:ext cx="3840480" cy="3236976"/>
           </a:xfrm>
         </p:spPr>
         <p:txBody>
           <a:bodyPr/>
           <a:lstStyle>
-            <a:lvl1pPr marL="0" indent="0">
+            <a:lvl1pPr marL="0" indent="0" algn="r">
+              <a:lnSpc>
+                <a:spcPct val="125000"/>
+              </a:lnSpc>
               <a:buNone/>
               <a:defRPr sz="1600"/>
             </a:lvl1pPr>
@@ -2367,7 +3660,7 @@
           <a:p>
             <a:fld id="{5163F177-63D5-7643-99DD-EE07EEE1E644}" type="datetimeFigureOut">
               <a:rPr lang="en-US" smtClean="0"/>
-              <a:t>8/29/17</a:t>
+              <a:t>10/4/17</a:t>
             </a:fld>
             <a:endParaRPr lang="en-US"/>
           </a:p>
@@ -2388,7 +3681,7 @@
           <a:bodyPr/>
           <a:lstStyle/>
           <a:p>
-            <a:endParaRPr lang="en-US"/>
+            <a:endParaRPr lang="en-US" dirty="0"/>
           </a:p>
         </p:txBody>
       </p:sp>
@@ -2416,11 +3709,6 @@
         </p:txBody>
       </p:sp>
     </p:spTree>
-    <p:extLst>
-      <p:ext uri="{BB962C8B-B14F-4D97-AF65-F5344CB8AC3E}">
-        <p14:creationId xmlns:p14="http://schemas.microsoft.com/office/powerpoint/2010/main" val="1931678824"/>
-      </p:ext>
-    </p:extLst>
   </p:cSld>
   <p:clrMapOvr>
     <a:masterClrMapping/>
@@ -2432,9 +3720,12 @@
 <p:sldMaster xmlns:a="http://schemas.openxmlformats.org/drawingml/2006/main" xmlns:r="http://schemas.openxmlformats.org/officeDocument/2006/relationships" xmlns:p="http://schemas.openxmlformats.org/presentationml/2006/main">
   <p:cSld>
     <p:bg>
-      <p:bgRef idx="1001">
-        <a:schemeClr val="bg1"/>
-      </p:bgRef>
+      <p:bgPr>
+        <a:solidFill>
+          <a:schemeClr val="bg2"/>
+        </a:solidFill>
+        <a:effectLst/>
+      </p:bgPr>
     </p:bg>
     <p:spTree>
       <p:nvGrpSpPr>
@@ -2452,6 +3743,206 @@
       </p:grpSpPr>
       <p:sp>
         <p:nvSpPr>
+          <p:cNvPr id="20" name="Freeform 6" title="Page Number Shape"/>
+          <p:cNvSpPr/>
+          <p:nvPr/>
+        </p:nvSpPr>
+        <p:spPr bwMode="auto">
+          <a:xfrm>
+            <a:off x="11784011" y="5380580"/>
+            <a:ext cx="407988" cy="819150"/>
+          </a:xfrm>
+          <a:custGeom>
+            <a:avLst/>
+            <a:gdLst/>
+            <a:ahLst/>
+            <a:cxnLst/>
+            <a:rect l="0" t="0" r="r" b="b"/>
+            <a:pathLst>
+              <a:path w="1799" h="3612">
+                <a:moveTo>
+                  <a:pt x="1799" y="0"/>
+                </a:moveTo>
+                <a:lnTo>
+                  <a:pt x="1799" y="3612"/>
+                </a:lnTo>
+                <a:lnTo>
+                  <a:pt x="1686" y="3609"/>
+                </a:lnTo>
+                <a:lnTo>
+                  <a:pt x="1574" y="3598"/>
+                </a:lnTo>
+                <a:lnTo>
+                  <a:pt x="1464" y="3581"/>
+                </a:lnTo>
+                <a:lnTo>
+                  <a:pt x="1357" y="3557"/>
+                </a:lnTo>
+                <a:lnTo>
+                  <a:pt x="1251" y="3527"/>
+                </a:lnTo>
+                <a:lnTo>
+                  <a:pt x="1150" y="3490"/>
+                </a:lnTo>
+                <a:lnTo>
+                  <a:pt x="1050" y="3448"/>
+                </a:lnTo>
+                <a:lnTo>
+                  <a:pt x="953" y="3401"/>
+                </a:lnTo>
+                <a:lnTo>
+                  <a:pt x="860" y="3347"/>
+                </a:lnTo>
+                <a:lnTo>
+                  <a:pt x="771" y="3289"/>
+                </a:lnTo>
+                <a:lnTo>
+                  <a:pt x="686" y="3224"/>
+                </a:lnTo>
+                <a:lnTo>
+                  <a:pt x="604" y="3156"/>
+                </a:lnTo>
+                <a:lnTo>
+                  <a:pt x="527" y="3083"/>
+                </a:lnTo>
+                <a:lnTo>
+                  <a:pt x="454" y="3005"/>
+                </a:lnTo>
+                <a:lnTo>
+                  <a:pt x="386" y="2923"/>
+                </a:lnTo>
+                <a:lnTo>
+                  <a:pt x="323" y="2838"/>
+                </a:lnTo>
+                <a:lnTo>
+                  <a:pt x="265" y="2748"/>
+                </a:lnTo>
+                <a:lnTo>
+                  <a:pt x="211" y="2655"/>
+                </a:lnTo>
+                <a:lnTo>
+                  <a:pt x="163" y="2559"/>
+                </a:lnTo>
+                <a:lnTo>
+                  <a:pt x="121" y="2459"/>
+                </a:lnTo>
+                <a:lnTo>
+                  <a:pt x="85" y="2356"/>
+                </a:lnTo>
+                <a:lnTo>
+                  <a:pt x="55" y="2251"/>
+                </a:lnTo>
+                <a:lnTo>
+                  <a:pt x="32" y="2143"/>
+                </a:lnTo>
+                <a:lnTo>
+                  <a:pt x="14" y="2033"/>
+                </a:lnTo>
+                <a:lnTo>
+                  <a:pt x="4" y="1920"/>
+                </a:lnTo>
+                <a:lnTo>
+                  <a:pt x="0" y="1806"/>
+                </a:lnTo>
+                <a:lnTo>
+                  <a:pt x="4" y="1692"/>
+                </a:lnTo>
+                <a:lnTo>
+                  <a:pt x="14" y="1580"/>
+                </a:lnTo>
+                <a:lnTo>
+                  <a:pt x="32" y="1469"/>
+                </a:lnTo>
+                <a:lnTo>
+                  <a:pt x="55" y="1362"/>
+                </a:lnTo>
+                <a:lnTo>
+                  <a:pt x="85" y="1256"/>
+                </a:lnTo>
+                <a:lnTo>
+                  <a:pt x="121" y="1154"/>
+                </a:lnTo>
+                <a:lnTo>
+                  <a:pt x="163" y="1054"/>
+                </a:lnTo>
+                <a:lnTo>
+                  <a:pt x="211" y="958"/>
+                </a:lnTo>
+                <a:lnTo>
+                  <a:pt x="265" y="864"/>
+                </a:lnTo>
+                <a:lnTo>
+                  <a:pt x="323" y="774"/>
+                </a:lnTo>
+                <a:lnTo>
+                  <a:pt x="386" y="689"/>
+                </a:lnTo>
+                <a:lnTo>
+                  <a:pt x="454" y="607"/>
+                </a:lnTo>
+                <a:lnTo>
+                  <a:pt x="527" y="529"/>
+                </a:lnTo>
+                <a:lnTo>
+                  <a:pt x="604" y="456"/>
+                </a:lnTo>
+                <a:lnTo>
+                  <a:pt x="686" y="388"/>
+                </a:lnTo>
+                <a:lnTo>
+                  <a:pt x="771" y="325"/>
+                </a:lnTo>
+                <a:lnTo>
+                  <a:pt x="860" y="266"/>
+                </a:lnTo>
+                <a:lnTo>
+                  <a:pt x="953" y="212"/>
+                </a:lnTo>
+                <a:lnTo>
+                  <a:pt x="1050" y="164"/>
+                </a:lnTo>
+                <a:lnTo>
+                  <a:pt x="1150" y="122"/>
+                </a:lnTo>
+                <a:lnTo>
+                  <a:pt x="1251" y="85"/>
+                </a:lnTo>
+                <a:lnTo>
+                  <a:pt x="1357" y="55"/>
+                </a:lnTo>
+                <a:lnTo>
+                  <a:pt x="1464" y="32"/>
+                </a:lnTo>
+                <a:lnTo>
+                  <a:pt x="1574" y="14"/>
+                </a:lnTo>
+                <a:lnTo>
+                  <a:pt x="1686" y="5"/>
+                </a:lnTo>
+                <a:lnTo>
+                  <a:pt x="1799" y="0"/>
+                </a:lnTo>
+                <a:close/>
+              </a:path>
+            </a:pathLst>
+          </a:custGeom>
+          <a:solidFill>
+            <a:schemeClr val="tx1">
+              <a:lumMod val="85000"/>
+              <a:lumOff val="15000"/>
+            </a:schemeClr>
+          </a:solidFill>
+          <a:ln w="0">
+            <a:noFill/>
+            <a:prstDash val="solid"/>
+            <a:round/>
+            <a:headEnd/>
+            <a:tailEnd/>
+          </a:ln>
+        </p:spPr>
+      </p:sp>
+      <p:sp>
+        <p:nvSpPr>
           <p:cNvPr id="2" name="Title Placeholder 1"/>
           <p:cNvSpPr>
             <a:spLocks noGrp="1"/>
@@ -2462,15 +3953,15 @@
         </p:nvSpPr>
         <p:spPr>
           <a:xfrm>
-            <a:off x="838200" y="365125"/>
-            <a:ext cx="10515600" cy="1325563"/>
+            <a:off x="762000" y="559678"/>
+            <a:ext cx="3833906" cy="4952492"/>
           </a:xfrm>
           <a:prstGeom prst="rect">
             <a:avLst/>
           </a:prstGeom>
         </p:spPr>
         <p:txBody>
-          <a:bodyPr vert="horz" lIns="91440" tIns="45720" rIns="91440" bIns="45720" rtlCol="0" anchor="ctr">
+          <a:bodyPr vert="horz" lIns="91440" tIns="45720" rIns="91440" bIns="45720" rtlCol="0" anchor="t">
             <a:normAutofit/>
           </a:bodyPr>
           <a:lstStyle/>
@@ -2479,7 +3970,7 @@
               <a:rPr lang="en-US" smtClean="0"/>
               <a:t>Click to edit Master title style</a:t>
             </a:r>
-            <a:endParaRPr lang="en-US"/>
+            <a:endParaRPr lang="en-US" dirty="0"/>
           </a:p>
         </p:txBody>
       </p:sp>
@@ -2495,8 +3986,8 @@
         </p:nvSpPr>
         <p:spPr>
           <a:xfrm>
-            <a:off x="838200" y="1825625"/>
-            <a:ext cx="10515600" cy="4351338"/>
+            <a:off x="5181600" y="569066"/>
+            <a:ext cx="6248398" cy="5655156"/>
           </a:xfrm>
           <a:prstGeom prst="rect">
             <a:avLst/>
@@ -2541,7 +4032,7 @@
               <a:rPr lang="en-US" smtClean="0"/>
               <a:t>Fifth level</a:t>
             </a:r>
-            <a:endParaRPr lang="en-US"/>
+            <a:endParaRPr lang="en-US" dirty="0"/>
           </a:p>
         </p:txBody>
       </p:sp>
@@ -2557,30 +4048,32 @@
         </p:nvSpPr>
         <p:spPr>
           <a:xfrm>
-            <a:off x="838200" y="6356350"/>
-            <a:ext cx="2743200" cy="365125"/>
+            <a:off x="762001" y="5930060"/>
+            <a:ext cx="3814856" cy="365125"/>
           </a:xfrm>
           <a:prstGeom prst="rect">
             <a:avLst/>
           </a:prstGeom>
         </p:spPr>
         <p:txBody>
-          <a:bodyPr vert="horz" lIns="91440" tIns="45720" rIns="91440" bIns="45720" rtlCol="0" anchor="ctr"/>
+          <a:bodyPr vert="horz" lIns="91440" tIns="45720" rIns="91440" bIns="45720" rtlCol="0" anchor="t"/>
           <a:lstStyle>
-            <a:lvl1pPr algn="l">
-              <a:defRPr sz="1200">
+            <a:lvl1pPr algn="r">
+              <a:defRPr sz="1000" b="0" i="1" baseline="0">
                 <a:solidFill>
                   <a:schemeClr val="tx1">
-                    <a:tint val="75000"/>
+                    <a:lumMod val="85000"/>
+                    <a:lumOff val="15000"/>
                   </a:schemeClr>
                 </a:solidFill>
+                <a:latin typeface="+mj-lt"/>
               </a:defRPr>
             </a:lvl1pPr>
           </a:lstStyle>
           <a:p>
             <a:fld id="{5163F177-63D5-7643-99DD-EE07EEE1E644}" type="datetimeFigureOut">
               <a:rPr lang="en-US" smtClean="0"/>
-              <a:t>8/29/17</a:t>
+              <a:t>10/4/17</a:t>
             </a:fld>
             <a:endParaRPr lang="en-US"/>
           </a:p>
@@ -2598,23 +4091,25 @@
         </p:nvSpPr>
         <p:spPr>
           <a:xfrm>
-            <a:off x="4038600" y="6356350"/>
-            <a:ext cx="4114800" cy="365125"/>
+            <a:off x="762001" y="6314440"/>
+            <a:ext cx="3814856" cy="365125"/>
           </a:xfrm>
           <a:prstGeom prst="rect">
             <a:avLst/>
           </a:prstGeom>
         </p:spPr>
         <p:txBody>
-          <a:bodyPr vert="horz" lIns="91440" tIns="45720" rIns="91440" bIns="45720" rtlCol="0" anchor="ctr"/>
+          <a:bodyPr vert="horz" lIns="91440" tIns="45720" rIns="91440" bIns="45720" rtlCol="0" anchor="t"/>
           <a:lstStyle>
-            <a:lvl1pPr algn="ctr">
-              <a:defRPr sz="1200">
+            <a:lvl1pPr algn="r">
+              <a:defRPr sz="1200" b="1" i="1" baseline="0">
                 <a:solidFill>
                   <a:schemeClr val="tx1">
-                    <a:tint val="75000"/>
+                    <a:lumMod val="85000"/>
+                    <a:lumOff val="15000"/>
                   </a:schemeClr>
                 </a:solidFill>
+                <a:latin typeface="+mj-lt"/>
               </a:defRPr>
             </a:lvl1pPr>
           </a:lstStyle>
@@ -2635,8 +4130,8 @@
         </p:nvSpPr>
         <p:spPr>
           <a:xfrm>
-            <a:off x="8610600" y="6356350"/>
-            <a:ext cx="2743200" cy="365125"/>
+            <a:off x="11784011" y="5607592"/>
+            <a:ext cx="407988" cy="365125"/>
           </a:xfrm>
           <a:prstGeom prst="rect">
             <a:avLst/>
@@ -2646,12 +4141,11 @@
           <a:bodyPr vert="horz" lIns="91440" tIns="45720" rIns="91440" bIns="45720" rtlCol="0" anchor="ctr"/>
           <a:lstStyle>
             <a:lvl1pPr algn="r">
-              <a:defRPr sz="1200">
+              <a:defRPr sz="1200" b="0" i="1" baseline="0">
                 <a:solidFill>
-                  <a:schemeClr val="tx1">
-                    <a:tint val="75000"/>
-                  </a:schemeClr>
+                  <a:schemeClr val="bg2"/>
                 </a:solidFill>
+                <a:latin typeface="+mj-lt"/>
               </a:defRPr>
             </a:lvl1pPr>
           </a:lstStyle>
@@ -2664,30 +4158,68 @@
           </a:p>
         </p:txBody>
       </p:sp>
+      <p:cxnSp>
+        <p:nvCxnSpPr>
+          <p:cNvPr id="10" name="Straight Connector 9" title="Horizontal Rule Line"/>
+          <p:cNvCxnSpPr/>
+          <p:nvPr/>
+        </p:nvCxnSpPr>
+        <p:spPr>
+          <a:xfrm>
+            <a:off x="0" y="6199730"/>
+            <a:ext cx="4495800" cy="0"/>
+          </a:xfrm>
+          <a:prstGeom prst="line">
+            <a:avLst/>
+          </a:prstGeom>
+          <a:ln w="25400">
+            <a:solidFill>
+              <a:schemeClr val="tx1">
+                <a:lumMod val="85000"/>
+                <a:lumOff val="15000"/>
+              </a:schemeClr>
+            </a:solidFill>
+          </a:ln>
+        </p:spPr>
+        <p:style>
+          <a:lnRef idx="1">
+            <a:schemeClr val="accent1"/>
+          </a:lnRef>
+          <a:fillRef idx="0">
+            <a:schemeClr val="accent1"/>
+          </a:fillRef>
+          <a:effectRef idx="0">
+            <a:schemeClr val="accent1"/>
+          </a:effectRef>
+          <a:fontRef idx="minor">
+            <a:schemeClr val="tx1"/>
+          </a:fontRef>
+        </p:style>
+      </p:cxnSp>
     </p:spTree>
     <p:extLst>
       <p:ext uri="{BB962C8B-B14F-4D97-AF65-F5344CB8AC3E}">
-        <p14:creationId xmlns:p14="http://schemas.microsoft.com/office/powerpoint/2010/main" val="2094327408"/>
+        <p14:creationId xmlns:p14="http://schemas.microsoft.com/office/powerpoint/2010/main" val="556380296"/>
       </p:ext>
     </p:extLst>
   </p:cSld>
   <p:clrMap bg1="lt1" tx1="dk1" bg2="lt2" tx2="dk2" accent1="accent1" accent2="accent2" accent3="accent3" accent4="accent4" accent5="accent5" accent6="accent6" hlink="hlink" folHlink="folHlink"/>
   <p:sldLayoutIdLst>
-    <p:sldLayoutId id="2147483649" r:id="rId1"/>
-    <p:sldLayoutId id="2147483650" r:id="rId2"/>
-    <p:sldLayoutId id="2147483651" r:id="rId3"/>
-    <p:sldLayoutId id="2147483652" r:id="rId4"/>
-    <p:sldLayoutId id="2147483653" r:id="rId5"/>
-    <p:sldLayoutId id="2147483654" r:id="rId6"/>
-    <p:sldLayoutId id="2147483655" r:id="rId7"/>
-    <p:sldLayoutId id="2147483656" r:id="rId8"/>
-    <p:sldLayoutId id="2147483657" r:id="rId9"/>
-    <p:sldLayoutId id="2147483658" r:id="rId10"/>
-    <p:sldLayoutId id="2147483659" r:id="rId11"/>
+    <p:sldLayoutId id="2147484391" r:id="rId1"/>
+    <p:sldLayoutId id="2147484392" r:id="rId2"/>
+    <p:sldLayoutId id="2147484393" r:id="rId3"/>
+    <p:sldLayoutId id="2147484394" r:id="rId4"/>
+    <p:sldLayoutId id="2147484395" r:id="rId5"/>
+    <p:sldLayoutId id="2147484396" r:id="rId6"/>
+    <p:sldLayoutId id="2147484397" r:id="rId7"/>
+    <p:sldLayoutId id="2147484398" r:id="rId8"/>
+    <p:sldLayoutId id="2147484399" r:id="rId9"/>
+    <p:sldLayoutId id="2147484400" r:id="rId10"/>
+    <p:sldLayoutId id="2147484401" r:id="rId11"/>
   </p:sldLayoutIdLst>
   <p:txStyles>
     <p:titleStyle>
-      <a:lvl1pPr algn="l" defTabSz="914400" rtl="0" eaLnBrk="1" latinLnBrk="0" hangingPunct="1">
+      <a:lvl1pPr algn="r" defTabSz="914400" rtl="0" eaLnBrk="1" latinLnBrk="0" hangingPunct="1">
         <a:lnSpc>
           <a:spcPct val="90000"/>
         </a:lnSpc>
@@ -2695,9 +4227,12 @@
           <a:spcPct val="0"/>
         </a:spcBef>
         <a:buNone/>
-        <a:defRPr sz="4400" kern="1200">
+        <a:defRPr sz="5000" b="0" i="1" kern="1200" baseline="0">
           <a:solidFill>
-            <a:schemeClr val="tx1"/>
+            <a:schemeClr val="tx1">
+              <a:lumMod val="85000"/>
+              <a:lumOff val="15000"/>
+            </a:schemeClr>
           </a:solidFill>
           <a:latin typeface="+mj-lt"/>
           <a:ea typeface="+mj-ea"/>
@@ -2706,162 +4241,189 @@
       </a:lvl1pPr>
     </p:titleStyle>
     <p:bodyStyle>
-      <a:lvl1pPr marL="228600" indent="-228600" algn="l" defTabSz="914400" rtl="0" eaLnBrk="1" latinLnBrk="0" hangingPunct="1">
+      <a:lvl1pPr marL="283464" indent="-283464" algn="l" defTabSz="914400" rtl="0" eaLnBrk="1" latinLnBrk="0" hangingPunct="1">
         <a:lnSpc>
-          <a:spcPct val="90000"/>
+          <a:spcPct val="112000"/>
         </a:lnSpc>
         <a:spcBef>
-          <a:spcPts val="1000"/>
+          <a:spcPts val="900"/>
         </a:spcBef>
-        <a:buFont typeface="Arial"/>
+        <a:buFont typeface="Arial" panose="020B0604020202020204" pitchFamily="34" charset="0"/>
         <a:buChar char="•"/>
-        <a:defRPr sz="2800" kern="1200">
+        <a:defRPr sz="2000" kern="1200" baseline="0">
           <a:solidFill>
-            <a:schemeClr val="tx1"/>
+            <a:schemeClr val="tx1">
+              <a:lumMod val="85000"/>
+              <a:lumOff val="15000"/>
+            </a:schemeClr>
           </a:solidFill>
           <a:latin typeface="+mn-lt"/>
           <a:ea typeface="+mn-ea"/>
           <a:cs typeface="+mn-cs"/>
         </a:defRPr>
       </a:lvl1pPr>
-      <a:lvl2pPr marL="685800" indent="-228600" algn="l" defTabSz="914400" rtl="0" eaLnBrk="1" latinLnBrk="0" hangingPunct="1">
+      <a:lvl2pPr marL="283464" indent="-283464" algn="l" defTabSz="914400" rtl="0" eaLnBrk="1" latinLnBrk="0" hangingPunct="1">
         <a:lnSpc>
-          <a:spcPct val="90000"/>
+          <a:spcPct val="112000"/>
         </a:lnSpc>
         <a:spcBef>
-          <a:spcPts val="500"/>
+          <a:spcPts val="900"/>
         </a:spcBef>
-        <a:buFont typeface="Arial"/>
-        <a:buChar char="•"/>
-        <a:defRPr sz="2400" kern="1200">
+        <a:buFont typeface="Corbel" panose="020B0503020204020204" pitchFamily="34" charset="0"/>
+        <a:buChar char="–"/>
+        <a:defRPr sz="1800" kern="1200" baseline="0">
           <a:solidFill>
-            <a:schemeClr val="tx1"/>
+            <a:schemeClr val="tx1">
+              <a:lumMod val="85000"/>
+              <a:lumOff val="15000"/>
+            </a:schemeClr>
           </a:solidFill>
           <a:latin typeface="+mn-lt"/>
           <a:ea typeface="+mn-ea"/>
           <a:cs typeface="+mn-cs"/>
         </a:defRPr>
       </a:lvl2pPr>
-      <a:lvl3pPr marL="1143000" indent="-228600" algn="l" defTabSz="914400" rtl="0" eaLnBrk="1" latinLnBrk="0" hangingPunct="1">
+      <a:lvl3pPr marL="283464" indent="-283464" algn="l" defTabSz="914400" rtl="0" eaLnBrk="1" latinLnBrk="0" hangingPunct="1">
         <a:lnSpc>
-          <a:spcPct val="90000"/>
+          <a:spcPct val="112000"/>
         </a:lnSpc>
         <a:spcBef>
-          <a:spcPts val="500"/>
+          <a:spcPts val="900"/>
         </a:spcBef>
-        <a:buFont typeface="Arial"/>
+        <a:buFont typeface="Arial" panose="020B0604020202020204" pitchFamily="34" charset="0"/>
         <a:buChar char="•"/>
-        <a:defRPr sz="2000" kern="1200">
+        <a:defRPr sz="1600" kern="1200" baseline="0">
           <a:solidFill>
-            <a:schemeClr val="tx1"/>
+            <a:schemeClr val="tx1">
+              <a:lumMod val="85000"/>
+              <a:lumOff val="15000"/>
+            </a:schemeClr>
           </a:solidFill>
           <a:latin typeface="+mn-lt"/>
           <a:ea typeface="+mn-ea"/>
           <a:cs typeface="+mn-cs"/>
         </a:defRPr>
       </a:lvl3pPr>
-      <a:lvl4pPr marL="1600200" indent="-228600" algn="l" defTabSz="914400" rtl="0" eaLnBrk="1" latinLnBrk="0" hangingPunct="1">
+      <a:lvl4pPr marL="283464" indent="-283464" algn="l" defTabSz="914400" rtl="0" eaLnBrk="1" latinLnBrk="0" hangingPunct="1">
         <a:lnSpc>
-          <a:spcPct val="90000"/>
+          <a:spcPct val="112000"/>
         </a:lnSpc>
         <a:spcBef>
-          <a:spcPts val="500"/>
+          <a:spcPts val="900"/>
         </a:spcBef>
-        <a:buFont typeface="Arial"/>
-        <a:buChar char="•"/>
-        <a:defRPr sz="1800" kern="1200">
+        <a:buFont typeface="Corbel" panose="020B0503020204020204" pitchFamily="34" charset="0"/>
+        <a:buChar char="–"/>
+        <a:defRPr sz="1400" kern="1200" baseline="0">
           <a:solidFill>
-            <a:schemeClr val="tx1"/>
+            <a:schemeClr val="tx1">
+              <a:lumMod val="85000"/>
+              <a:lumOff val="15000"/>
+            </a:schemeClr>
           </a:solidFill>
           <a:latin typeface="+mn-lt"/>
           <a:ea typeface="+mn-ea"/>
           <a:cs typeface="+mn-cs"/>
         </a:defRPr>
       </a:lvl4pPr>
-      <a:lvl5pPr marL="2057400" indent="-228600" algn="l" defTabSz="914400" rtl="0" eaLnBrk="1" latinLnBrk="0" hangingPunct="1">
+      <a:lvl5pPr marL="283464" indent="-283464" algn="l" defTabSz="914400" rtl="0" eaLnBrk="1" latinLnBrk="0" hangingPunct="1">
         <a:lnSpc>
-          <a:spcPct val="90000"/>
+          <a:spcPct val="112000"/>
         </a:lnSpc>
         <a:spcBef>
-          <a:spcPts val="500"/>
+          <a:spcPts val="900"/>
         </a:spcBef>
-        <a:buFont typeface="Arial"/>
+        <a:buFont typeface="Arial" panose="020B0604020202020204" pitchFamily="34" charset="0"/>
         <a:buChar char="•"/>
-        <a:defRPr sz="1800" kern="1200">
+        <a:defRPr sz="1400" i="1" kern="1200" baseline="0">
           <a:solidFill>
-            <a:schemeClr val="tx1"/>
+            <a:schemeClr val="tx1">
+              <a:lumMod val="85000"/>
+              <a:lumOff val="15000"/>
+            </a:schemeClr>
           </a:solidFill>
           <a:latin typeface="+mn-lt"/>
           <a:ea typeface="+mn-ea"/>
           <a:cs typeface="+mn-cs"/>
         </a:defRPr>
       </a:lvl5pPr>
-      <a:lvl6pPr marL="2514600" indent="-228600" algn="l" defTabSz="914400" rtl="0" eaLnBrk="1" latinLnBrk="0" hangingPunct="1">
+      <a:lvl6pPr marL="283464" indent="-283464" algn="l" defTabSz="914400" rtl="0" eaLnBrk="1" latinLnBrk="0" hangingPunct="1">
         <a:lnSpc>
-          <a:spcPct val="90000"/>
+          <a:spcPct val="112000"/>
         </a:lnSpc>
         <a:spcBef>
-          <a:spcPts val="500"/>
+          <a:spcPts val="1300"/>
         </a:spcBef>
-        <a:buFont typeface="Arial"/>
-        <a:buChar char="•"/>
-        <a:defRPr sz="1800" kern="1200">
+        <a:buFont typeface="Corbel" panose="020B0503020204020204" pitchFamily="34" charset="0"/>
+        <a:buChar char="–"/>
+        <a:defRPr sz="1400" kern="1200">
           <a:solidFill>
-            <a:schemeClr val="tx1"/>
+            <a:schemeClr val="tx1">
+              <a:lumMod val="85000"/>
+              <a:lumOff val="15000"/>
+            </a:schemeClr>
           </a:solidFill>
           <a:latin typeface="+mn-lt"/>
           <a:ea typeface="+mn-ea"/>
           <a:cs typeface="+mn-cs"/>
         </a:defRPr>
       </a:lvl6pPr>
-      <a:lvl7pPr marL="2971800" indent="-228600" algn="l" defTabSz="914400" rtl="0" eaLnBrk="1" latinLnBrk="0" hangingPunct="1">
+      <a:lvl7pPr marL="283464" indent="-283464" algn="l" defTabSz="914400" rtl="0" eaLnBrk="1" latinLnBrk="0" hangingPunct="1">
         <a:lnSpc>
-          <a:spcPct val="90000"/>
+          <a:spcPct val="112000"/>
         </a:lnSpc>
         <a:spcBef>
-          <a:spcPts val="500"/>
+          <a:spcPts val="1300"/>
         </a:spcBef>
-        <a:buFont typeface="Arial"/>
+        <a:buFont typeface="Arial" panose="020B0604020202020204" pitchFamily="34" charset="0"/>
         <a:buChar char="•"/>
-        <a:defRPr sz="1800" kern="1200">
+        <a:defRPr sz="1400" i="1" kern="1200">
           <a:solidFill>
-            <a:schemeClr val="tx1"/>
+            <a:schemeClr val="tx1">
+              <a:lumMod val="85000"/>
+              <a:lumOff val="15000"/>
+            </a:schemeClr>
           </a:solidFill>
           <a:latin typeface="+mn-lt"/>
           <a:ea typeface="+mn-ea"/>
           <a:cs typeface="+mn-cs"/>
         </a:defRPr>
       </a:lvl7pPr>
-      <a:lvl8pPr marL="3429000" indent="-228600" algn="l" defTabSz="914400" rtl="0" eaLnBrk="1" latinLnBrk="0" hangingPunct="1">
+      <a:lvl8pPr marL="283464" indent="-283464" algn="l" defTabSz="914400" rtl="0" eaLnBrk="1" latinLnBrk="0" hangingPunct="1">
         <a:lnSpc>
-          <a:spcPct val="90000"/>
+          <a:spcPct val="112000"/>
         </a:lnSpc>
         <a:spcBef>
-          <a:spcPts val="500"/>
+          <a:spcPts val="1300"/>
         </a:spcBef>
-        <a:buFont typeface="Arial"/>
-        <a:buChar char="•"/>
-        <a:defRPr sz="1800" kern="1200">
+        <a:buFont typeface="Corbel" panose="020B0503020204020204" pitchFamily="34" charset="0"/>
+        <a:buChar char="–"/>
+        <a:defRPr sz="1400" kern="1200">
           <a:solidFill>
-            <a:schemeClr val="tx1"/>
+            <a:schemeClr val="tx1">
+              <a:lumMod val="85000"/>
+              <a:lumOff val="15000"/>
+            </a:schemeClr>
           </a:solidFill>
           <a:latin typeface="+mn-lt"/>
           <a:ea typeface="+mn-ea"/>
           <a:cs typeface="+mn-cs"/>
         </a:defRPr>
       </a:lvl8pPr>
-      <a:lvl9pPr marL="3886200" indent="-228600" algn="l" defTabSz="914400" rtl="0" eaLnBrk="1" latinLnBrk="0" hangingPunct="1">
+      <a:lvl9pPr marL="283464" indent="-283464" algn="l" defTabSz="914400" rtl="0" eaLnBrk="1" latinLnBrk="0" hangingPunct="1">
         <a:lnSpc>
-          <a:spcPct val="90000"/>
+          <a:spcPct val="112000"/>
         </a:lnSpc>
         <a:spcBef>
-          <a:spcPts val="500"/>
+          <a:spcPts val="1300"/>
         </a:spcBef>
-        <a:buFont typeface="Arial"/>
+        <a:buFont typeface="Arial" panose="020B0604020202020204" pitchFamily="34" charset="0"/>
         <a:buChar char="•"/>
-        <a:defRPr sz="1800" kern="1200">
+        <a:defRPr sz="1400" i="1" kern="1200" baseline="0">
           <a:solidFill>
-            <a:schemeClr val="tx1"/>
+            <a:schemeClr val="tx1">
+              <a:lumMod val="85000"/>
+              <a:lumOff val="15000"/>
+            </a:schemeClr>
           </a:solidFill>
           <a:latin typeface="+mn-lt"/>
           <a:ea typeface="+mn-ea"/>
@@ -2965,6 +4527,37 @@
       </a:lvl9pPr>
     </p:otherStyle>
   </p:txStyles>
+  <p:extLst mod="1">
+    <p:ext uri="{27BBF7A9-308A-43DC-89C8-2F10F3537804}">
+      <p15:sldGuideLst xmlns:p15="http://schemas.microsoft.com/office/powerpoint/2012/main">
+        <p15:guide id="1" pos="2832">
+          <p15:clr>
+            <a:srgbClr val="F26B43"/>
+          </p15:clr>
+        </p15:guide>
+        <p15:guide id="2" pos="480">
+          <p15:clr>
+            <a:srgbClr val="F26B43"/>
+          </p15:clr>
+        </p15:guide>
+        <p15:guide id="3" orient="horz" pos="432">
+          <p15:clr>
+            <a:srgbClr val="F26B43"/>
+          </p15:clr>
+        </p15:guide>
+        <p15:guide id="4" pos="7200">
+          <p15:clr>
+            <a:srgbClr val="F26B43"/>
+          </p15:clr>
+        </p15:guide>
+        <p15:guide id="5" pos="3264">
+          <p15:clr>
+            <a:srgbClr val="F26B43"/>
+          </p15:clr>
+        </p15:guide>
+      </p15:sldGuideLst>
+    </p:ext>
+  </p:extLst>
 </p:sldMaster>
 </file>
 
@@ -2995,7 +4588,12 @@
             <p:ph type="ctrTitle"/>
           </p:nvPr>
         </p:nvSpPr>
-        <p:spPr/>
+        <p:spPr>
+          <a:xfrm>
+            <a:off x="1088912" y="1143293"/>
+            <a:ext cx="10702035" cy="4268965"/>
+          </a:xfrm>
+        </p:spPr>
         <p:txBody>
           <a:bodyPr/>
           <a:lstStyle/>
@@ -3082,8 +4680,11 @@
           <a:p>
             <a:r>
               <a:rPr lang="en-US" dirty="0" smtClean="0"/>
-              <a:t>Lambda scaling</a:t>
-            </a:r>
+              <a:t>Cost</a:t>
+            </a:r>
+            <a:br>
+              <a:rPr lang="en-US" dirty="0" smtClean="0"/>
+            </a:br>
             <a:endParaRPr lang="en-US" dirty="0"/>
           </a:p>
         </p:txBody>
@@ -3100,78 +4701,30 @@
         </p:nvSpPr>
         <p:spPr/>
         <p:txBody>
-          <a:bodyPr/>
+          <a:bodyPr>
+            <a:normAutofit/>
+          </a:bodyPr>
           <a:lstStyle/>
           <a:p>
             <a:r>
               <a:rPr lang="en-US" dirty="0" smtClean="0"/>
-              <a:t>Lambda </a:t>
-            </a:r>
-            <a:r>
-              <a:rPr lang="mr-IN" dirty="0" smtClean="0"/>
-              <a:t>–</a:t>
-            </a:r>
-            <a:r>
-              <a:rPr lang="en-US" dirty="0" smtClean="0"/>
-              <a:t> on a unit of work</a:t>
-            </a:r>
-          </a:p>
-          <a:p>
-            <a:pPr lvl="1"/>
-            <a:r>
-              <a:rPr lang="en-US" dirty="0" smtClean="0"/>
-              <a:t>Streaming source types</a:t>
-            </a:r>
-          </a:p>
-          <a:p>
-            <a:pPr lvl="1"/>
-            <a:r>
-              <a:rPr lang="en-US" dirty="0" smtClean="0"/>
-              <a:t>Synchronous source types</a:t>
-            </a:r>
-          </a:p>
-          <a:p>
-            <a:pPr lvl="1"/>
-            <a:r>
-              <a:rPr lang="en-US" dirty="0" smtClean="0"/>
-              <a:t>(</a:t>
-            </a:r>
-            <a:r>
-              <a:rPr lang="en-US" dirty="0" smtClean="0">
-                <a:hlinkClick r:id="rId2"/>
-              </a:rPr>
-              <a:t>https://cloudncode.blog/2017/03/02/best-practices-aws-lambda-function/)</a:t>
-            </a:r>
-            <a:endParaRPr lang="en-US" dirty="0" smtClean="0"/>
-          </a:p>
-          <a:p>
-            <a:pPr lvl="1"/>
-            <a:r>
-              <a:rPr lang="en-US" dirty="0" smtClean="0"/>
-              <a:t>Concurrent Invocations = events (or requests) per second * function duration (in secs)</a:t>
-            </a:r>
-          </a:p>
-          <a:p>
-            <a:pPr lvl="1"/>
-            <a:r>
-              <a:rPr lang="en-US" dirty="0" smtClean="0"/>
-              <a:t>(http://</a:t>
-            </a:r>
-            <a:r>
-              <a:rPr lang="en-US" dirty="0" err="1" smtClean="0"/>
-              <a:t>docs.aws.amazon.com</a:t>
-            </a:r>
-            <a:r>
-              <a:rPr lang="en-US" dirty="0" smtClean="0"/>
-              <a:t>/lambda/latest/dg/concurrent-</a:t>
-            </a:r>
-            <a:r>
-              <a:rPr lang="en-US" dirty="0" err="1" smtClean="0"/>
-              <a:t>executions.html</a:t>
-            </a:r>
-            <a:r>
-              <a:rPr lang="en-US" dirty="0" smtClean="0"/>
-              <a:t>)</a:t>
+              <a:t>Pay for usage</a:t>
+            </a:r>
+          </a:p>
+          <a:p>
+            <a:r>
+              <a:rPr lang="en-US" dirty="0" smtClean="0"/>
+              <a:t>Pay for capacity</a:t>
+            </a:r>
+          </a:p>
+          <a:p>
+            <a:r>
+              <a:rPr lang="en-US" dirty="0" smtClean="0"/>
+              <a:t>No need </a:t>
+            </a:r>
+            <a:r>
+              <a:rPr lang="en-US" smtClean="0"/>
+              <a:t>to over-provision</a:t>
             </a:r>
             <a:endParaRPr lang="en-US" dirty="0"/>
           </a:p>
@@ -3180,7 +4733,7 @@
     </p:spTree>
     <p:extLst>
       <p:ext uri="{BB962C8B-B14F-4D97-AF65-F5344CB8AC3E}">
-        <p14:creationId xmlns:p14="http://schemas.microsoft.com/office/powerpoint/2010/main" val="1998115011"/>
+        <p14:creationId xmlns:p14="http://schemas.microsoft.com/office/powerpoint/2010/main" val="712143592"/>
       </p:ext>
     </p:extLst>
   </p:cSld>
@@ -3224,8 +4777,22 @@
           <a:p>
             <a:r>
               <a:rPr lang="en-US" dirty="0" smtClean="0"/>
-              <a:t>Leverage Services</a:t>
-            </a:r>
+              <a:t>Cost</a:t>
+            </a:r>
+            <a:br>
+              <a:rPr lang="en-US" dirty="0" smtClean="0"/>
+            </a:br>
+            <a:r>
+              <a:rPr lang="en-US" dirty="0" smtClean="0"/>
+              <a:t>a closer look</a:t>
+            </a:r>
+            <a:r>
+              <a:rPr lang="en-US" dirty="0" smtClean="0"/>
+              <a:t/>
+            </a:r>
+            <a:br>
+              <a:rPr lang="en-US" dirty="0" smtClean="0"/>
+            </a:br>
             <a:endParaRPr lang="en-US" dirty="0"/>
           </a:p>
         </p:txBody>
@@ -3242,39 +4809,144 @@
         </p:nvSpPr>
         <p:spPr/>
         <p:txBody>
-          <a:bodyPr/>
+          <a:bodyPr>
+            <a:normAutofit fontScale="92500" lnSpcReduction="10000"/>
+          </a:bodyPr>
           <a:lstStyle/>
           <a:p>
             <a:r>
+              <a:rPr lang="en-US" dirty="0" smtClean="0"/>
+              <a:t>Lambda</a:t>
+            </a:r>
+          </a:p>
+          <a:p>
+            <a:pPr lvl="1"/>
+            <a:r>
+              <a:rPr lang="en-US" dirty="0" smtClean="0"/>
+              <a:t>Free tier (1 million requests)</a:t>
+            </a:r>
+          </a:p>
+          <a:p>
+            <a:pPr lvl="1"/>
+            <a:r>
+              <a:rPr lang="en-US" dirty="0">
+                <a:hlinkClick r:id="rId2"/>
+              </a:rPr>
+              <a:t>https://aws.amazon.com/lambda/pricing</a:t>
+            </a:r>
+            <a:r>
+              <a:rPr lang="en-US" dirty="0" smtClean="0">
+                <a:hlinkClick r:id="rId2"/>
+              </a:rPr>
+              <a:t>/</a:t>
+            </a:r>
+            <a:endParaRPr lang="en-US" dirty="0" smtClean="0"/>
+          </a:p>
+          <a:p>
+            <a:r>
+              <a:rPr lang="en-US" dirty="0" smtClean="0"/>
+              <a:t>API Gateway</a:t>
+            </a:r>
+          </a:p>
+          <a:p>
+            <a:pPr lvl="1"/>
+            <a:r>
+              <a:rPr lang="en-US" dirty="0" smtClean="0"/>
+              <a:t>$3.50 per million API calls + data transfer</a:t>
+            </a:r>
+          </a:p>
+          <a:p>
+            <a:pPr lvl="1"/>
+            <a:r>
+              <a:rPr lang="en-US" dirty="0" smtClean="0"/>
+              <a:t>$0.09 / GB for the first 10 TB</a:t>
+            </a:r>
+          </a:p>
+          <a:p>
+            <a:pPr lvl="1"/>
+            <a:r>
+              <a:rPr lang="en-US" dirty="0">
+                <a:hlinkClick r:id="rId3"/>
+              </a:rPr>
+              <a:t>https://aws.amazon.com/api-gateway/pricing</a:t>
+            </a:r>
+            <a:r>
+              <a:rPr lang="en-US" dirty="0" smtClean="0">
+                <a:hlinkClick r:id="rId3"/>
+              </a:rPr>
+              <a:t>/</a:t>
+            </a:r>
+            <a:endParaRPr lang="en-US" dirty="0" smtClean="0"/>
+          </a:p>
+          <a:p>
+            <a:r>
+              <a:rPr lang="en-US" dirty="0" smtClean="0"/>
+              <a:t>S3</a:t>
+            </a:r>
+          </a:p>
+          <a:p>
+            <a:pPr lvl="1"/>
+            <a:r>
+              <a:rPr lang="en-US" dirty="0" smtClean="0"/>
+              <a:t>$0.023 / GB for the first 50TB per month</a:t>
+            </a:r>
+          </a:p>
+          <a:p>
+            <a:pPr lvl="1"/>
+            <a:r>
+              <a:rPr lang="en-US" dirty="0">
+                <a:hlinkClick r:id="rId4"/>
+              </a:rPr>
+              <a:t>https://aws.amazon.com/s3/pricing</a:t>
+            </a:r>
+            <a:r>
+              <a:rPr lang="en-US" dirty="0" smtClean="0">
+                <a:hlinkClick r:id="rId4"/>
+              </a:rPr>
+              <a:t>/</a:t>
+            </a:r>
+            <a:endParaRPr lang="en-US" dirty="0" smtClean="0"/>
+          </a:p>
+          <a:p>
+            <a:r>
               <a:rPr lang="en-US" dirty="0" err="1" smtClean="0"/>
-              <a:t>Cognito</a:t>
+              <a:t>DynamoDB</a:t>
             </a:r>
             <a:endParaRPr lang="en-US" dirty="0" smtClean="0"/>
           </a:p>
           <a:p>
-            <a:r>
-              <a:rPr lang="en-US" dirty="0" smtClean="0"/>
-              <a:t>S3</a:t>
-            </a:r>
-          </a:p>
-          <a:p>
-            <a:r>
-              <a:rPr lang="en-US" dirty="0" smtClean="0"/>
-              <a:t>SNS</a:t>
-            </a:r>
-          </a:p>
-          <a:p>
-            <a:r>
-              <a:rPr lang="en-US" dirty="0" err="1" smtClean="0"/>
-              <a:t>Kinises</a:t>
+            <a:pPr lvl="1"/>
+            <a:r>
+              <a:rPr lang="en-US" dirty="0" smtClean="0"/>
+              <a:t>Free tier (200 million requests per month: 25 read/25 write, 25GB of storage)</a:t>
+            </a:r>
+          </a:p>
+          <a:p>
+            <a:pPr lvl="1"/>
+            <a:r>
+              <a:rPr lang="en-US" dirty="0"/>
+              <a:t>https://</a:t>
+            </a:r>
+            <a:r>
+              <a:rPr lang="en-US" dirty="0" err="1"/>
+              <a:t>aws.amazon.com</a:t>
+            </a:r>
+            <a:r>
+              <a:rPr lang="en-US" dirty="0"/>
+              <a:t>/</a:t>
+            </a:r>
+            <a:r>
+              <a:rPr lang="en-US" dirty="0" err="1"/>
+              <a:t>dynamodb</a:t>
+            </a:r>
+            <a:r>
+              <a:rPr lang="en-US" dirty="0"/>
+              <a:t>/pricing/</a:t>
             </a:r>
             <a:endParaRPr lang="en-US" dirty="0" smtClean="0"/>
           </a:p>
           <a:p>
-            <a:r>
-              <a:rPr lang="en-US" dirty="0" smtClean="0"/>
-              <a:t>Etc..</a:t>
-            </a:r>
+            <a:pPr lvl="1"/>
             <a:endParaRPr lang="en-US" dirty="0"/>
           </a:p>
         </p:txBody>
@@ -3282,7 +4954,7 @@
     </p:spTree>
     <p:extLst>
       <p:ext uri="{BB962C8B-B14F-4D97-AF65-F5344CB8AC3E}">
-        <p14:creationId xmlns:p14="http://schemas.microsoft.com/office/powerpoint/2010/main" val="2036119871"/>
+        <p14:creationId xmlns:p14="http://schemas.microsoft.com/office/powerpoint/2010/main" val="460504530"/>
       </p:ext>
     </p:extLst>
   </p:cSld>
@@ -3326,7 +4998,7 @@
           <a:p>
             <a:r>
               <a:rPr lang="en-US" dirty="0" smtClean="0"/>
-              <a:t>Cost</a:t>
+              <a:t>The AWS view</a:t>
             </a:r>
             <a:endParaRPr lang="en-US" dirty="0"/>
           </a:p>
@@ -3347,14 +5019,14 @@
           <a:bodyPr/>
           <a:lstStyle/>
           <a:p>
-            <a:endParaRPr lang="en-US"/>
+            <a:endParaRPr lang="en-US" dirty="0"/>
           </a:p>
         </p:txBody>
       </p:sp>
     </p:spTree>
     <p:extLst>
       <p:ext uri="{BB962C8B-B14F-4D97-AF65-F5344CB8AC3E}">
-        <p14:creationId xmlns:p14="http://schemas.microsoft.com/office/powerpoint/2010/main" val="1697529755"/>
+        <p14:creationId xmlns:p14="http://schemas.microsoft.com/office/powerpoint/2010/main" val="2017501127"/>
       </p:ext>
     </p:extLst>
   </p:cSld>
@@ -3461,7 +5133,7 @@
     </p:spTree>
     <p:extLst>
       <p:ext uri="{BB962C8B-B14F-4D97-AF65-F5344CB8AC3E}">
-        <p14:creationId xmlns:p14="http://schemas.microsoft.com/office/powerpoint/2010/main" val="1755753080"/>
+        <p14:creationId xmlns:p14="http://schemas.microsoft.com/office/powerpoint/2010/main" val="199689088"/>
       </p:ext>
     </p:extLst>
   </p:cSld>
@@ -4191,7 +5863,7 @@
     </p:spTree>
     <p:extLst>
       <p:ext uri="{BB962C8B-B14F-4D97-AF65-F5344CB8AC3E}">
-        <p14:creationId xmlns:p14="http://schemas.microsoft.com/office/powerpoint/2010/main" val="469415979"/>
+        <p14:creationId xmlns:p14="http://schemas.microsoft.com/office/powerpoint/2010/main" val="1805045402"/>
       </p:ext>
     </p:extLst>
   </p:cSld>
@@ -4230,12 +5902,14 @@
         </p:nvSpPr>
         <p:spPr>
           <a:xfrm>
-            <a:off x="838200" y="218673"/>
-            <a:ext cx="10515600" cy="1325563"/>
+            <a:off x="838201" y="218673"/>
+            <a:ext cx="3659221" cy="1325563"/>
           </a:xfrm>
         </p:spPr>
         <p:txBody>
-          <a:bodyPr/>
+          <a:bodyPr>
+            <a:normAutofit fontScale="90000"/>
+          </a:bodyPr>
           <a:lstStyle/>
           <a:p>
             <a:r>
@@ -5108,7 +6782,7 @@
     </p:spTree>
     <p:extLst>
       <p:ext uri="{BB962C8B-B14F-4D97-AF65-F5344CB8AC3E}">
-        <p14:creationId xmlns:p14="http://schemas.microsoft.com/office/powerpoint/2010/main" val="772178849"/>
+        <p14:creationId xmlns:p14="http://schemas.microsoft.com/office/powerpoint/2010/main" val="2044073892"/>
       </p:ext>
     </p:extLst>
   </p:cSld>
@@ -5180,7 +6854,7 @@
     </p:spTree>
     <p:extLst>
       <p:ext uri="{BB962C8B-B14F-4D97-AF65-F5344CB8AC3E}">
-        <p14:creationId xmlns:p14="http://schemas.microsoft.com/office/powerpoint/2010/main" val="1940946997"/>
+        <p14:creationId xmlns:p14="http://schemas.microsoft.com/office/powerpoint/2010/main" val="1454001785"/>
       </p:ext>
     </p:extLst>
   </p:cSld>
@@ -5252,7 +6926,7 @@
     </p:spTree>
     <p:extLst>
       <p:ext uri="{BB962C8B-B14F-4D97-AF65-F5344CB8AC3E}">
-        <p14:creationId xmlns:p14="http://schemas.microsoft.com/office/powerpoint/2010/main" val="878048976"/>
+        <p14:creationId xmlns:p14="http://schemas.microsoft.com/office/powerpoint/2010/main" val="1191581282"/>
       </p:ext>
     </p:extLst>
   </p:cSld>
@@ -5263,943 +6937,6 @@
 </file>
 
 <file path=ppt/slides/slide18.xml><?xml version="1.0" encoding="utf-8"?>
-<p:sld xmlns:a="http://schemas.openxmlformats.org/drawingml/2006/main" xmlns:r="http://schemas.openxmlformats.org/officeDocument/2006/relationships" xmlns:p="http://schemas.openxmlformats.org/presentationml/2006/main">
-  <p:cSld>
-    <p:spTree>
-      <p:nvGrpSpPr>
-        <p:cNvPr id="1" name=""/>
-        <p:cNvGrpSpPr/>
-        <p:nvPr/>
-      </p:nvGrpSpPr>
-      <p:grpSpPr>
-        <a:xfrm>
-          <a:off x="0" y="0"/>
-          <a:ext cx="0" cy="0"/>
-          <a:chOff x="0" y="0"/>
-          <a:chExt cx="0" cy="0"/>
-        </a:xfrm>
-      </p:grpSpPr>
-      <p:sp>
-        <p:nvSpPr>
-          <p:cNvPr id="2" name="Title 1"/>
-          <p:cNvSpPr>
-            <a:spLocks noGrp="1"/>
-          </p:cNvSpPr>
-          <p:nvPr>
-            <p:ph type="title"/>
-          </p:nvPr>
-        </p:nvSpPr>
-        <p:spPr/>
-        <p:txBody>
-          <a:bodyPr/>
-          <a:lstStyle/>
-          <a:p>
-            <a:r>
-              <a:rPr lang="en-US" dirty="0" smtClean="0"/>
-              <a:t>How to</a:t>
-            </a:r>
-            <a:endParaRPr lang="en-US" dirty="0"/>
-          </a:p>
-        </p:txBody>
-      </p:sp>
-      <p:sp>
-        <p:nvSpPr>
-          <p:cNvPr id="3" name="Content Placeholder 2"/>
-          <p:cNvSpPr>
-            <a:spLocks noGrp="1"/>
-          </p:cNvSpPr>
-          <p:nvPr>
-            <p:ph idx="1"/>
-          </p:nvPr>
-        </p:nvSpPr>
-        <p:spPr/>
-        <p:txBody>
-          <a:bodyPr/>
-          <a:lstStyle/>
-          <a:p>
-            <a:r>
-              <a:rPr lang="en-US" dirty="0" smtClean="0"/>
-              <a:t>Console</a:t>
-            </a:r>
-          </a:p>
-          <a:p>
-            <a:r>
-              <a:rPr lang="en-US" dirty="0" smtClean="0"/>
-              <a:t>Manual</a:t>
-            </a:r>
-          </a:p>
-          <a:p>
-            <a:r>
-              <a:rPr lang="en-US" dirty="0" smtClean="0"/>
-              <a:t>Frameworks</a:t>
-            </a:r>
-          </a:p>
-        </p:txBody>
-      </p:sp>
-    </p:spTree>
-    <p:extLst>
-      <p:ext uri="{BB962C8B-B14F-4D97-AF65-F5344CB8AC3E}">
-        <p14:creationId xmlns:p14="http://schemas.microsoft.com/office/powerpoint/2010/main" val="1062341890"/>
-      </p:ext>
-    </p:extLst>
-  </p:cSld>
-  <p:clrMapOvr>
-    <a:masterClrMapping/>
-  </p:clrMapOvr>
-</p:sld>
-</file>
-
-<file path=ppt/slides/slide19.xml><?xml version="1.0" encoding="utf-8"?>
-<p:sld xmlns:a="http://schemas.openxmlformats.org/drawingml/2006/main" xmlns:r="http://schemas.openxmlformats.org/officeDocument/2006/relationships" xmlns:p="http://schemas.openxmlformats.org/presentationml/2006/main">
-  <p:cSld>
-    <p:spTree>
-      <p:nvGrpSpPr>
-        <p:cNvPr id="1" name=""/>
-        <p:cNvGrpSpPr/>
-        <p:nvPr/>
-      </p:nvGrpSpPr>
-      <p:grpSpPr>
-        <a:xfrm>
-          <a:off x="0" y="0"/>
-          <a:ext cx="0" cy="0"/>
-          <a:chOff x="0" y="0"/>
-          <a:chExt cx="0" cy="0"/>
-        </a:xfrm>
-      </p:grpSpPr>
-      <p:sp>
-        <p:nvSpPr>
-          <p:cNvPr id="2" name="Title 1"/>
-          <p:cNvSpPr>
-            <a:spLocks noGrp="1"/>
-          </p:cNvSpPr>
-          <p:nvPr>
-            <p:ph type="title"/>
-          </p:nvPr>
-        </p:nvSpPr>
-        <p:spPr/>
-        <p:txBody>
-          <a:bodyPr/>
-          <a:lstStyle/>
-          <a:p>
-            <a:r>
-              <a:rPr lang="en-US" dirty="0" smtClean="0"/>
-              <a:t>Console</a:t>
-            </a:r>
-            <a:endParaRPr lang="en-US" dirty="0"/>
-          </a:p>
-        </p:txBody>
-      </p:sp>
-      <p:sp>
-        <p:nvSpPr>
-          <p:cNvPr id="3" name="Content Placeholder 2"/>
-          <p:cNvSpPr>
-            <a:spLocks noGrp="1"/>
-          </p:cNvSpPr>
-          <p:nvPr>
-            <p:ph idx="1"/>
-          </p:nvPr>
-        </p:nvSpPr>
-        <p:spPr/>
-        <p:txBody>
-          <a:bodyPr/>
-          <a:lstStyle/>
-          <a:p>
-            <a:r>
-              <a:rPr lang="en-US" dirty="0" smtClean="0"/>
-              <a:t>STOP right now</a:t>
-            </a:r>
-            <a:endParaRPr lang="en-US" dirty="0"/>
-          </a:p>
-        </p:txBody>
-      </p:sp>
-    </p:spTree>
-    <p:extLst>
-      <p:ext uri="{BB962C8B-B14F-4D97-AF65-F5344CB8AC3E}">
-        <p14:creationId xmlns:p14="http://schemas.microsoft.com/office/powerpoint/2010/main" val="656123180"/>
-      </p:ext>
-    </p:extLst>
-  </p:cSld>
-  <p:clrMapOvr>
-    <a:masterClrMapping/>
-  </p:clrMapOvr>
-</p:sld>
-</file>
-
-<file path=ppt/slides/slide2.xml><?xml version="1.0" encoding="utf-8"?>
-<p:sld xmlns:a="http://schemas.openxmlformats.org/drawingml/2006/main" xmlns:r="http://schemas.openxmlformats.org/officeDocument/2006/relationships" xmlns:p="http://schemas.openxmlformats.org/presentationml/2006/main">
-  <p:cSld>
-    <p:spTree>
-      <p:nvGrpSpPr>
-        <p:cNvPr id="1" name=""/>
-        <p:cNvGrpSpPr/>
-        <p:nvPr/>
-      </p:nvGrpSpPr>
-      <p:grpSpPr>
-        <a:xfrm>
-          <a:off x="0" y="0"/>
-          <a:ext cx="0" cy="0"/>
-          <a:chOff x="0" y="0"/>
-          <a:chExt cx="0" cy="0"/>
-        </a:xfrm>
-      </p:grpSpPr>
-      <p:sp>
-        <p:nvSpPr>
-          <p:cNvPr id="2" name="Title 1"/>
-          <p:cNvSpPr>
-            <a:spLocks noGrp="1"/>
-          </p:cNvSpPr>
-          <p:nvPr>
-            <p:ph type="title"/>
-          </p:nvPr>
-        </p:nvSpPr>
-        <p:spPr/>
-        <p:txBody>
-          <a:bodyPr/>
-          <a:lstStyle/>
-          <a:p>
-            <a:r>
-              <a:rPr lang="en-US" dirty="0" smtClean="0"/>
-              <a:t>bio</a:t>
-            </a:r>
-            <a:endParaRPr lang="en-US" dirty="0"/>
-          </a:p>
-        </p:txBody>
-      </p:sp>
-      <p:sp>
-        <p:nvSpPr>
-          <p:cNvPr id="3" name="Content Placeholder 2"/>
-          <p:cNvSpPr>
-            <a:spLocks noGrp="1"/>
-          </p:cNvSpPr>
-          <p:nvPr>
-            <p:ph idx="1"/>
-          </p:nvPr>
-        </p:nvSpPr>
-        <p:spPr/>
-        <p:txBody>
-          <a:bodyPr/>
-          <a:lstStyle/>
-          <a:p>
-            <a:endParaRPr lang="en-US"/>
-          </a:p>
-        </p:txBody>
-      </p:sp>
-    </p:spTree>
-    <p:extLst>
-      <p:ext uri="{BB962C8B-B14F-4D97-AF65-F5344CB8AC3E}">
-        <p14:creationId xmlns:p14="http://schemas.microsoft.com/office/powerpoint/2010/main" val="1780265973"/>
-      </p:ext>
-    </p:extLst>
-  </p:cSld>
-  <p:clrMapOvr>
-    <a:masterClrMapping/>
-  </p:clrMapOvr>
-</p:sld>
-</file>
-
-<file path=ppt/slides/slide20.xml><?xml version="1.0" encoding="utf-8"?>
-<p:sld xmlns:a="http://schemas.openxmlformats.org/drawingml/2006/main" xmlns:r="http://schemas.openxmlformats.org/officeDocument/2006/relationships" xmlns:p="http://schemas.openxmlformats.org/presentationml/2006/main">
-  <p:cSld>
-    <p:spTree>
-      <p:nvGrpSpPr>
-        <p:cNvPr id="1" name=""/>
-        <p:cNvGrpSpPr/>
-        <p:nvPr/>
-      </p:nvGrpSpPr>
-      <p:grpSpPr>
-        <a:xfrm>
-          <a:off x="0" y="0"/>
-          <a:ext cx="0" cy="0"/>
-          <a:chOff x="0" y="0"/>
-          <a:chExt cx="0" cy="0"/>
-        </a:xfrm>
-      </p:grpSpPr>
-      <p:sp>
-        <p:nvSpPr>
-          <p:cNvPr id="2" name="Title 1"/>
-          <p:cNvSpPr>
-            <a:spLocks noGrp="1"/>
-          </p:cNvSpPr>
-          <p:nvPr>
-            <p:ph type="title"/>
-          </p:nvPr>
-        </p:nvSpPr>
-        <p:spPr/>
-        <p:txBody>
-          <a:bodyPr/>
-          <a:lstStyle/>
-          <a:p>
-            <a:r>
-              <a:rPr lang="en-US" dirty="0" smtClean="0"/>
-              <a:t>Manual</a:t>
-            </a:r>
-            <a:endParaRPr lang="en-US" dirty="0"/>
-          </a:p>
-        </p:txBody>
-      </p:sp>
-      <p:sp>
-        <p:nvSpPr>
-          <p:cNvPr id="3" name="Content Placeholder 2"/>
-          <p:cNvSpPr>
-            <a:spLocks noGrp="1"/>
-          </p:cNvSpPr>
-          <p:nvPr>
-            <p:ph idx="1"/>
-          </p:nvPr>
-        </p:nvSpPr>
-        <p:spPr/>
-        <p:txBody>
-          <a:bodyPr/>
-          <a:lstStyle/>
-          <a:p>
-            <a:r>
-              <a:rPr lang="en-US" dirty="0" smtClean="0"/>
-              <a:t>Here’s an anchor to swim with</a:t>
-            </a:r>
-            <a:endParaRPr lang="en-US" dirty="0"/>
-          </a:p>
-        </p:txBody>
-      </p:sp>
-    </p:spTree>
-    <p:extLst>
-      <p:ext uri="{BB962C8B-B14F-4D97-AF65-F5344CB8AC3E}">
-        <p14:creationId xmlns:p14="http://schemas.microsoft.com/office/powerpoint/2010/main" val="2085623155"/>
-      </p:ext>
-    </p:extLst>
-  </p:cSld>
-  <p:clrMapOvr>
-    <a:masterClrMapping/>
-  </p:clrMapOvr>
-</p:sld>
-</file>
-
-<file path=ppt/slides/slide21.xml><?xml version="1.0" encoding="utf-8"?>
-<p:sld xmlns:a="http://schemas.openxmlformats.org/drawingml/2006/main" xmlns:r="http://schemas.openxmlformats.org/officeDocument/2006/relationships" xmlns:p="http://schemas.openxmlformats.org/presentationml/2006/main">
-  <p:cSld>
-    <p:spTree>
-      <p:nvGrpSpPr>
-        <p:cNvPr id="1" name=""/>
-        <p:cNvGrpSpPr/>
-        <p:nvPr/>
-      </p:nvGrpSpPr>
-      <p:grpSpPr>
-        <a:xfrm>
-          <a:off x="0" y="0"/>
-          <a:ext cx="0" cy="0"/>
-          <a:chOff x="0" y="0"/>
-          <a:chExt cx="0" cy="0"/>
-        </a:xfrm>
-      </p:grpSpPr>
-      <p:sp>
-        <p:nvSpPr>
-          <p:cNvPr id="2" name="Title 1"/>
-          <p:cNvSpPr>
-            <a:spLocks noGrp="1"/>
-          </p:cNvSpPr>
-          <p:nvPr>
-            <p:ph type="title"/>
-          </p:nvPr>
-        </p:nvSpPr>
-        <p:spPr/>
-        <p:txBody>
-          <a:bodyPr/>
-          <a:lstStyle/>
-          <a:p>
-            <a:r>
-              <a:rPr lang="en-US" dirty="0" smtClean="0"/>
-              <a:t>Frameworks</a:t>
-            </a:r>
-            <a:endParaRPr lang="en-US" dirty="0"/>
-          </a:p>
-        </p:txBody>
-      </p:sp>
-      <p:sp>
-        <p:nvSpPr>
-          <p:cNvPr id="3" name="Content Placeholder 2"/>
-          <p:cNvSpPr>
-            <a:spLocks noGrp="1"/>
-          </p:cNvSpPr>
-          <p:nvPr>
-            <p:ph idx="1"/>
-          </p:nvPr>
-        </p:nvSpPr>
-        <p:spPr/>
-        <p:txBody>
-          <a:bodyPr/>
-          <a:lstStyle/>
-          <a:p>
-            <a:r>
-              <a:rPr lang="en-US" dirty="0" smtClean="0"/>
-              <a:t>Apex</a:t>
-            </a:r>
-          </a:p>
-          <a:p>
-            <a:r>
-              <a:rPr lang="en-US" dirty="0" smtClean="0"/>
-              <a:t>AWS Sam</a:t>
-            </a:r>
-          </a:p>
-          <a:p>
-            <a:r>
-              <a:rPr lang="en-US" dirty="0" err="1" smtClean="0"/>
-              <a:t>Serverless</a:t>
-            </a:r>
-            <a:endParaRPr lang="en-US" dirty="0" smtClean="0"/>
-          </a:p>
-        </p:txBody>
-      </p:sp>
-    </p:spTree>
-    <p:extLst>
-      <p:ext uri="{BB962C8B-B14F-4D97-AF65-F5344CB8AC3E}">
-        <p14:creationId xmlns:p14="http://schemas.microsoft.com/office/powerpoint/2010/main" val="1115277555"/>
-      </p:ext>
-    </p:extLst>
-  </p:cSld>
-  <p:clrMapOvr>
-    <a:masterClrMapping/>
-  </p:clrMapOvr>
-</p:sld>
-</file>
-
-<file path=ppt/slides/slide22.xml><?xml version="1.0" encoding="utf-8"?>
-<p:sld xmlns:a="http://schemas.openxmlformats.org/drawingml/2006/main" xmlns:r="http://schemas.openxmlformats.org/officeDocument/2006/relationships" xmlns:p="http://schemas.openxmlformats.org/presentationml/2006/main">
-  <p:cSld>
-    <p:spTree>
-      <p:nvGrpSpPr>
-        <p:cNvPr id="1" name=""/>
-        <p:cNvGrpSpPr/>
-        <p:nvPr/>
-      </p:nvGrpSpPr>
-      <p:grpSpPr>
-        <a:xfrm>
-          <a:off x="0" y="0"/>
-          <a:ext cx="0" cy="0"/>
-          <a:chOff x="0" y="0"/>
-          <a:chExt cx="0" cy="0"/>
-        </a:xfrm>
-      </p:grpSpPr>
-      <p:sp>
-        <p:nvSpPr>
-          <p:cNvPr id="2" name="Title 1"/>
-          <p:cNvSpPr>
-            <a:spLocks noGrp="1"/>
-          </p:cNvSpPr>
-          <p:nvPr>
-            <p:ph type="title"/>
-          </p:nvPr>
-        </p:nvSpPr>
-        <p:spPr/>
-        <p:txBody>
-          <a:bodyPr/>
-          <a:lstStyle/>
-          <a:p>
-            <a:r>
-              <a:rPr lang="en-US" dirty="0" smtClean="0"/>
-              <a:t>Questions</a:t>
-            </a:r>
-            <a:endParaRPr lang="en-US" dirty="0"/>
-          </a:p>
-        </p:txBody>
-      </p:sp>
-      <p:sp>
-        <p:nvSpPr>
-          <p:cNvPr id="3" name="Content Placeholder 2"/>
-          <p:cNvSpPr>
-            <a:spLocks noGrp="1"/>
-          </p:cNvSpPr>
-          <p:nvPr>
-            <p:ph idx="1"/>
-          </p:nvPr>
-        </p:nvSpPr>
-        <p:spPr/>
-        <p:txBody>
-          <a:bodyPr/>
-          <a:lstStyle/>
-          <a:p>
-            <a:endParaRPr lang="en-US"/>
-          </a:p>
-        </p:txBody>
-      </p:sp>
-    </p:spTree>
-    <p:extLst>
-      <p:ext uri="{BB962C8B-B14F-4D97-AF65-F5344CB8AC3E}">
-        <p14:creationId xmlns:p14="http://schemas.microsoft.com/office/powerpoint/2010/main" val="1541502691"/>
-      </p:ext>
-    </p:extLst>
-  </p:cSld>
-  <p:clrMapOvr>
-    <a:masterClrMapping/>
-  </p:clrMapOvr>
-</p:sld>
-</file>
-
-<file path=ppt/slides/slide3.xml><?xml version="1.0" encoding="utf-8"?>
-<p:sld xmlns:a="http://schemas.openxmlformats.org/drawingml/2006/main" xmlns:r="http://schemas.openxmlformats.org/officeDocument/2006/relationships" xmlns:p="http://schemas.openxmlformats.org/presentationml/2006/main">
-  <p:cSld>
-    <p:spTree>
-      <p:nvGrpSpPr>
-        <p:cNvPr id="1" name=""/>
-        <p:cNvGrpSpPr/>
-        <p:nvPr/>
-      </p:nvGrpSpPr>
-      <p:grpSpPr>
-        <a:xfrm>
-          <a:off x="0" y="0"/>
-          <a:ext cx="0" cy="0"/>
-          <a:chOff x="0" y="0"/>
-          <a:chExt cx="0" cy="0"/>
-        </a:xfrm>
-      </p:grpSpPr>
-      <p:sp>
-        <p:nvSpPr>
-          <p:cNvPr id="2" name="Title 1"/>
-          <p:cNvSpPr>
-            <a:spLocks noGrp="1"/>
-          </p:cNvSpPr>
-          <p:nvPr>
-            <p:ph type="title"/>
-          </p:nvPr>
-        </p:nvSpPr>
-        <p:spPr/>
-        <p:txBody>
-          <a:bodyPr/>
-          <a:lstStyle/>
-          <a:p>
-            <a:r>
-              <a:rPr lang="en-US" dirty="0" smtClean="0"/>
-              <a:t>Agenda</a:t>
-            </a:r>
-            <a:endParaRPr lang="en-US" dirty="0"/>
-          </a:p>
-        </p:txBody>
-      </p:sp>
-      <p:sp>
-        <p:nvSpPr>
-          <p:cNvPr id="3" name="Content Placeholder 2"/>
-          <p:cNvSpPr>
-            <a:spLocks noGrp="1"/>
-          </p:cNvSpPr>
-          <p:nvPr>
-            <p:ph idx="1"/>
-          </p:nvPr>
-        </p:nvSpPr>
-        <p:spPr/>
-        <p:txBody>
-          <a:bodyPr/>
-          <a:lstStyle/>
-          <a:p>
-            <a:r>
-              <a:rPr lang="en-US" dirty="0" smtClean="0"/>
-              <a:t>What is it</a:t>
-            </a:r>
-          </a:p>
-          <a:p>
-            <a:r>
-              <a:rPr lang="en-US" dirty="0" smtClean="0"/>
-              <a:t>Who provides it</a:t>
-            </a:r>
-          </a:p>
-          <a:p>
-            <a:r>
-              <a:rPr lang="en-US" dirty="0" smtClean="0"/>
-              <a:t>Why do it</a:t>
-            </a:r>
-          </a:p>
-          <a:p>
-            <a:r>
-              <a:rPr lang="en-US" dirty="0" smtClean="0"/>
-              <a:t>How to do it</a:t>
-            </a:r>
-          </a:p>
-        </p:txBody>
-      </p:sp>
-    </p:spTree>
-    <p:extLst>
-      <p:ext uri="{BB962C8B-B14F-4D97-AF65-F5344CB8AC3E}">
-        <p14:creationId xmlns:p14="http://schemas.microsoft.com/office/powerpoint/2010/main" val="805902953"/>
-      </p:ext>
-    </p:extLst>
-  </p:cSld>
-  <p:clrMapOvr>
-    <a:masterClrMapping/>
-  </p:clrMapOvr>
-</p:sld>
-</file>
-
-<file path=ppt/slides/slide4.xml><?xml version="1.0" encoding="utf-8"?>
-<p:sld xmlns:a="http://schemas.openxmlformats.org/drawingml/2006/main" xmlns:r="http://schemas.openxmlformats.org/officeDocument/2006/relationships" xmlns:p="http://schemas.openxmlformats.org/presentationml/2006/main">
-  <p:cSld>
-    <p:spTree>
-      <p:nvGrpSpPr>
-        <p:cNvPr id="1" name=""/>
-        <p:cNvGrpSpPr/>
-        <p:nvPr/>
-      </p:nvGrpSpPr>
-      <p:grpSpPr>
-        <a:xfrm>
-          <a:off x="0" y="0"/>
-          <a:ext cx="0" cy="0"/>
-          <a:chOff x="0" y="0"/>
-          <a:chExt cx="0" cy="0"/>
-        </a:xfrm>
-      </p:grpSpPr>
-      <p:sp>
-        <p:nvSpPr>
-          <p:cNvPr id="2" name="Title 1"/>
-          <p:cNvSpPr>
-            <a:spLocks noGrp="1"/>
-          </p:cNvSpPr>
-          <p:nvPr>
-            <p:ph type="title"/>
-          </p:nvPr>
-        </p:nvSpPr>
-        <p:spPr/>
-        <p:txBody>
-          <a:bodyPr/>
-          <a:lstStyle/>
-          <a:p>
-            <a:r>
-              <a:rPr lang="en-US" dirty="0" smtClean="0"/>
-              <a:t>Who</a:t>
-            </a:r>
-            <a:endParaRPr lang="en-US" dirty="0"/>
-          </a:p>
-        </p:txBody>
-      </p:sp>
-      <p:sp>
-        <p:nvSpPr>
-          <p:cNvPr id="3" name="Content Placeholder 2"/>
-          <p:cNvSpPr>
-            <a:spLocks noGrp="1"/>
-          </p:cNvSpPr>
-          <p:nvPr>
-            <p:ph idx="1"/>
-          </p:nvPr>
-        </p:nvSpPr>
-        <p:spPr/>
-        <p:txBody>
-          <a:bodyPr/>
-          <a:lstStyle/>
-          <a:p>
-            <a:r>
-              <a:rPr lang="en-US" dirty="0" smtClean="0"/>
-              <a:t>Google Cloud Functions</a:t>
-            </a:r>
-          </a:p>
-          <a:p>
-            <a:r>
-              <a:rPr lang="en-US" dirty="0" smtClean="0"/>
-              <a:t>IBM Open Whisk</a:t>
-            </a:r>
-          </a:p>
-          <a:p>
-            <a:r>
-              <a:rPr lang="en-US" dirty="0" smtClean="0"/>
-              <a:t>Microsoft Azure</a:t>
-            </a:r>
-          </a:p>
-          <a:p>
-            <a:r>
-              <a:rPr lang="en-US" dirty="0" smtClean="0"/>
-              <a:t>AWS Lambda</a:t>
-            </a:r>
-            <a:endParaRPr lang="en-US" dirty="0"/>
-          </a:p>
-        </p:txBody>
-      </p:sp>
-    </p:spTree>
-    <p:extLst>
-      <p:ext uri="{BB962C8B-B14F-4D97-AF65-F5344CB8AC3E}">
-        <p14:creationId xmlns:p14="http://schemas.microsoft.com/office/powerpoint/2010/main" val="1971640995"/>
-      </p:ext>
-    </p:extLst>
-  </p:cSld>
-  <p:clrMapOvr>
-    <a:masterClrMapping/>
-  </p:clrMapOvr>
-</p:sld>
-</file>
-
-<file path=ppt/slides/slide5.xml><?xml version="1.0" encoding="utf-8"?>
-<p:sld xmlns:a="http://schemas.openxmlformats.org/drawingml/2006/main" xmlns:r="http://schemas.openxmlformats.org/officeDocument/2006/relationships" xmlns:p="http://schemas.openxmlformats.org/presentationml/2006/main">
-  <p:cSld>
-    <p:spTree>
-      <p:nvGrpSpPr>
-        <p:cNvPr id="1" name=""/>
-        <p:cNvGrpSpPr/>
-        <p:nvPr/>
-      </p:nvGrpSpPr>
-      <p:grpSpPr>
-        <a:xfrm>
-          <a:off x="0" y="0"/>
-          <a:ext cx="0" cy="0"/>
-          <a:chOff x="0" y="0"/>
-          <a:chExt cx="0" cy="0"/>
-        </a:xfrm>
-      </p:grpSpPr>
-      <p:sp>
-        <p:nvSpPr>
-          <p:cNvPr id="2" name="Title 1"/>
-          <p:cNvSpPr>
-            <a:spLocks noGrp="1"/>
-          </p:cNvSpPr>
-          <p:nvPr>
-            <p:ph type="title"/>
-          </p:nvPr>
-        </p:nvSpPr>
-        <p:spPr/>
-        <p:txBody>
-          <a:bodyPr/>
-          <a:lstStyle/>
-          <a:p>
-            <a:r>
-              <a:rPr lang="en-US" dirty="0" smtClean="0"/>
-              <a:t>What is it</a:t>
-            </a:r>
-            <a:endParaRPr lang="en-US" dirty="0"/>
-          </a:p>
-        </p:txBody>
-      </p:sp>
-      <p:sp>
-        <p:nvSpPr>
-          <p:cNvPr id="3" name="Content Placeholder 2"/>
-          <p:cNvSpPr>
-            <a:spLocks noGrp="1"/>
-          </p:cNvSpPr>
-          <p:nvPr>
-            <p:ph idx="1"/>
-          </p:nvPr>
-        </p:nvSpPr>
-        <p:spPr/>
-        <p:txBody>
-          <a:bodyPr/>
-          <a:lstStyle/>
-          <a:p>
-            <a:r>
-              <a:rPr lang="en-US" dirty="0" smtClean="0"/>
-              <a:t>Functions as a service</a:t>
-            </a:r>
-          </a:p>
-          <a:p>
-            <a:r>
-              <a:rPr lang="en-US" dirty="0" smtClean="0"/>
-              <a:t>Events</a:t>
-            </a:r>
-          </a:p>
-          <a:p>
-            <a:r>
-              <a:rPr lang="en-US" dirty="0" smtClean="0"/>
-              <a:t>Everything is an HTTPS interface </a:t>
-            </a:r>
-            <a:r>
-              <a:rPr lang="en-US" sz="1200" dirty="0" smtClean="0"/>
-              <a:t>(https://</a:t>
-            </a:r>
-            <a:r>
-              <a:rPr lang="en-US" sz="1200" dirty="0" err="1" smtClean="0"/>
-              <a:t>serverless.zone</a:t>
-            </a:r>
-            <a:r>
-              <a:rPr lang="en-US" sz="1200" dirty="0" smtClean="0"/>
-              <a:t>/everything-is-an-https-interface-ead2e888b31)</a:t>
-            </a:r>
-          </a:p>
-          <a:p>
-            <a:r>
-              <a:rPr lang="en-US" dirty="0" err="1" smtClean="0"/>
-              <a:t>APPopps</a:t>
-            </a:r>
-            <a:r>
-              <a:rPr lang="en-US" dirty="0" smtClean="0"/>
-              <a:t> not </a:t>
-            </a:r>
-            <a:r>
-              <a:rPr lang="en-US" dirty="0" err="1" smtClean="0"/>
-              <a:t>INFRAops</a:t>
-            </a:r>
-            <a:endParaRPr lang="en-US" dirty="0" smtClean="0"/>
-          </a:p>
-        </p:txBody>
-      </p:sp>
-    </p:spTree>
-    <p:extLst>
-      <p:ext uri="{BB962C8B-B14F-4D97-AF65-F5344CB8AC3E}">
-        <p14:creationId xmlns:p14="http://schemas.microsoft.com/office/powerpoint/2010/main" val="302476866"/>
-      </p:ext>
-    </p:extLst>
-  </p:cSld>
-  <p:clrMapOvr>
-    <a:masterClrMapping/>
-  </p:clrMapOvr>
-</p:sld>
-</file>
-
-<file path=ppt/slides/slide6.xml><?xml version="1.0" encoding="utf-8"?>
-<p:sld xmlns:a="http://schemas.openxmlformats.org/drawingml/2006/main" xmlns:r="http://schemas.openxmlformats.org/officeDocument/2006/relationships" xmlns:p="http://schemas.openxmlformats.org/presentationml/2006/main">
-  <p:cSld>
-    <p:spTree>
-      <p:nvGrpSpPr>
-        <p:cNvPr id="1" name=""/>
-        <p:cNvGrpSpPr/>
-        <p:nvPr/>
-      </p:nvGrpSpPr>
-      <p:grpSpPr>
-        <a:xfrm>
-          <a:off x="0" y="0"/>
-          <a:ext cx="0" cy="0"/>
-          <a:chOff x="0" y="0"/>
-          <a:chExt cx="0" cy="0"/>
-        </a:xfrm>
-      </p:grpSpPr>
-      <p:sp>
-        <p:nvSpPr>
-          <p:cNvPr id="2" name="Title 1"/>
-          <p:cNvSpPr>
-            <a:spLocks noGrp="1"/>
-          </p:cNvSpPr>
-          <p:nvPr>
-            <p:ph type="title"/>
-          </p:nvPr>
-        </p:nvSpPr>
-        <p:spPr/>
-        <p:txBody>
-          <a:bodyPr/>
-          <a:lstStyle/>
-          <a:p>
-            <a:r>
-              <a:rPr lang="en-US" dirty="0" smtClean="0"/>
-              <a:t>Why </a:t>
-            </a:r>
-            <a:endParaRPr lang="en-US" dirty="0"/>
-          </a:p>
-        </p:txBody>
-      </p:sp>
-      <p:sp>
-        <p:nvSpPr>
-          <p:cNvPr id="3" name="Content Placeholder 2"/>
-          <p:cNvSpPr>
-            <a:spLocks noGrp="1"/>
-          </p:cNvSpPr>
-          <p:nvPr>
-            <p:ph idx="1"/>
-          </p:nvPr>
-        </p:nvSpPr>
-        <p:spPr/>
-        <p:txBody>
-          <a:bodyPr/>
-          <a:lstStyle/>
-          <a:p>
-            <a:r>
-              <a:rPr lang="en-US" dirty="0" smtClean="0"/>
-              <a:t>Scalable</a:t>
-            </a:r>
-          </a:p>
-          <a:p>
-            <a:r>
-              <a:rPr lang="en-US" dirty="0" smtClean="0"/>
-              <a:t>Managed</a:t>
-            </a:r>
-          </a:p>
-          <a:p>
-            <a:r>
-              <a:rPr lang="en-US" dirty="0" smtClean="0"/>
-              <a:t>Leverage Services</a:t>
-            </a:r>
-          </a:p>
-          <a:p>
-            <a:r>
-              <a:rPr lang="en-US" dirty="0" smtClean="0"/>
-              <a:t>Cost</a:t>
-            </a:r>
-          </a:p>
-        </p:txBody>
-      </p:sp>
-    </p:spTree>
-    <p:extLst>
-      <p:ext uri="{BB962C8B-B14F-4D97-AF65-F5344CB8AC3E}">
-        <p14:creationId xmlns:p14="http://schemas.microsoft.com/office/powerpoint/2010/main" val="634894413"/>
-      </p:ext>
-    </p:extLst>
-  </p:cSld>
-  <p:clrMapOvr>
-    <a:masterClrMapping/>
-  </p:clrMapOvr>
-</p:sld>
-</file>
-
-<file path=ppt/slides/slide7.xml><?xml version="1.0" encoding="utf-8"?>
-<p:sld xmlns:a="http://schemas.openxmlformats.org/drawingml/2006/main" xmlns:r="http://schemas.openxmlformats.org/officeDocument/2006/relationships" xmlns:p="http://schemas.openxmlformats.org/presentationml/2006/main">
-  <p:cSld>
-    <p:spTree>
-      <p:nvGrpSpPr>
-        <p:cNvPr id="1" name=""/>
-        <p:cNvGrpSpPr/>
-        <p:nvPr/>
-      </p:nvGrpSpPr>
-      <p:grpSpPr>
-        <a:xfrm>
-          <a:off x="0" y="0"/>
-          <a:ext cx="0" cy="0"/>
-          <a:chOff x="0" y="0"/>
-          <a:chExt cx="0" cy="0"/>
-        </a:xfrm>
-      </p:grpSpPr>
-      <p:sp>
-        <p:nvSpPr>
-          <p:cNvPr id="2" name="Title 1"/>
-          <p:cNvSpPr>
-            <a:spLocks noGrp="1"/>
-          </p:cNvSpPr>
-          <p:nvPr>
-            <p:ph type="title"/>
-          </p:nvPr>
-        </p:nvSpPr>
-        <p:spPr/>
-        <p:txBody>
-          <a:bodyPr/>
-          <a:lstStyle/>
-          <a:p>
-            <a:r>
-              <a:rPr lang="en-US" dirty="0" smtClean="0"/>
-              <a:t>AWS Focus</a:t>
-            </a:r>
-            <a:endParaRPr lang="en-US" dirty="0"/>
-          </a:p>
-        </p:txBody>
-      </p:sp>
-      <p:sp>
-        <p:nvSpPr>
-          <p:cNvPr id="3" name="Content Placeholder 2"/>
-          <p:cNvSpPr>
-            <a:spLocks noGrp="1"/>
-          </p:cNvSpPr>
-          <p:nvPr>
-            <p:ph idx="1"/>
-          </p:nvPr>
-        </p:nvSpPr>
-        <p:spPr/>
-        <p:txBody>
-          <a:bodyPr/>
-          <a:lstStyle/>
-          <a:p>
-            <a:endParaRPr lang="en-US"/>
-          </a:p>
-        </p:txBody>
-      </p:sp>
-    </p:spTree>
-    <p:extLst>
-      <p:ext uri="{BB962C8B-B14F-4D97-AF65-F5344CB8AC3E}">
-        <p14:creationId xmlns:p14="http://schemas.microsoft.com/office/powerpoint/2010/main" val="2017501127"/>
-      </p:ext>
-    </p:extLst>
-  </p:cSld>
-  <p:clrMapOvr>
-    <a:masterClrMapping/>
-  </p:clrMapOvr>
-</p:sld>
-</file>
-
-<file path=ppt/slides/slide8.xml><?xml version="1.0" encoding="utf-8"?>
 <p:sld xmlns:a="http://schemas.openxmlformats.org/drawingml/2006/main" xmlns:r="http://schemas.openxmlformats.org/officeDocument/2006/relationships" xmlns:p="http://schemas.openxmlformats.org/presentationml/2006/main">
   <p:cSld>
     <p:spTree>
@@ -6401,14 +7138,14 @@
             <a:p>
               <a:pPr algn="ctr"/>
               <a:r>
-                <a:rPr lang="en-US" sz="1000" b="1" dirty="0" smtClean="0"/>
+                <a:rPr lang="en-US" sz="1200" b="1" dirty="0" smtClean="0"/>
                 <a:t>Lambda Metadata is stored in </a:t>
               </a:r>
               <a:r>
-                <a:rPr lang="en-US" sz="1000" b="1" dirty="0" err="1" smtClean="0"/>
+                <a:rPr lang="en-US" sz="1200" b="1" dirty="0" err="1" smtClean="0"/>
                 <a:t>DynamoDB</a:t>
               </a:r>
-              <a:endParaRPr lang="en-US" b="1" dirty="0"/>
+              <a:endParaRPr lang="en-US" sz="1200" b="1" dirty="0"/>
             </a:p>
           </p:txBody>
         </p:sp>
@@ -6421,10 +7158,10 @@
         </p:nvGrpSpPr>
         <p:grpSpPr>
           <a:xfrm>
-            <a:off x="6876964" y="3055514"/>
-            <a:ext cx="731520" cy="806494"/>
-            <a:chOff x="2586020" y="709358"/>
-            <a:chExt cx="731520" cy="806494"/>
+            <a:off x="6876963" y="3055514"/>
+            <a:ext cx="903457" cy="836912"/>
+            <a:chOff x="2586019" y="709358"/>
+            <a:chExt cx="903457" cy="836912"/>
           </a:xfrm>
         </p:grpSpPr>
         <p:pic>
@@ -6465,8 +7202,8 @@
           </p:nvSpPr>
           <p:spPr>
             <a:xfrm>
-              <a:off x="2586020" y="1360220"/>
-              <a:ext cx="731520" cy="155632"/>
+              <a:off x="2586019" y="1360220"/>
+              <a:ext cx="903457" cy="186050"/>
             </a:xfrm>
             <a:prstGeom prst="rect">
               <a:avLst/>
@@ -6481,21 +7218,17 @@
             <a:p>
               <a:pPr algn="ctr"/>
               <a:r>
-                <a:rPr lang="en-US" sz="1000" b="1" dirty="0" smtClean="0"/>
+                <a:rPr lang="en-US" sz="1200" b="1" dirty="0" smtClean="0"/>
                 <a:t>Lambda code and dependencies are stored in </a:t>
               </a:r>
-              <a:r>
-                <a:rPr lang="en-US" sz="1000" b="1" dirty="0" smtClean="0"/>
-                <a:t/>
-              </a:r>
               <a:br>
-                <a:rPr lang="en-US" sz="1000" b="1" dirty="0" smtClean="0"/>
+                <a:rPr lang="en-US" sz="1200" b="1" dirty="0" smtClean="0"/>
               </a:br>
               <a:r>
-                <a:rPr lang="en-US" sz="1000" b="1" dirty="0" smtClean="0"/>
+                <a:rPr lang="en-US" sz="1200" b="1" dirty="0" smtClean="0"/>
                 <a:t>S3</a:t>
               </a:r>
-              <a:endParaRPr lang="en-US" b="1" dirty="0"/>
+              <a:endParaRPr lang="en-US" sz="1200" b="1" dirty="0"/>
             </a:p>
           </p:txBody>
         </p:sp>
@@ -6538,15 +7271,18 @@
             <a:p>
               <a:pPr algn="ctr"/>
               <a:r>
-                <a:rPr lang="en-US" sz="1000" b="1" smtClean="0"/>
-                <a:t>Lambda runtime</a:t>
+                <a:rPr lang="en-US" sz="1000" b="1" dirty="0" smtClean="0"/>
+                <a:t>Lambda </a:t>
               </a:r>
-              <a:endParaRPr lang="en-US" sz="1000" b="1" dirty="0" smtClean="0"/>
+              <a:r>
+                <a:rPr lang="en-US" sz="1200" b="1" dirty="0" smtClean="0"/>
+                <a:t>runtime</a:t>
+              </a:r>
             </a:p>
             <a:p>
               <a:pPr algn="ctr"/>
               <a:r>
-                <a:rPr lang="en-US" sz="1000" b="1" dirty="0" smtClean="0"/>
+                <a:rPr lang="en-US" sz="1200" b="1" dirty="0" smtClean="0"/>
                 <a:t>EC2 Container </a:t>
               </a:r>
             </a:p>
@@ -6587,6 +7323,68 @@
           </p:spPr>
         </p:pic>
       </p:grpSp>
+      <p:sp>
+        <p:nvSpPr>
+          <p:cNvPr id="15" name="Rounded Rectangle 14"/>
+          <p:cNvSpPr/>
+          <p:nvPr/>
+        </p:nvSpPr>
+        <p:spPr>
+          <a:xfrm>
+            <a:off x="4347411" y="2794279"/>
+            <a:ext cx="5454315" cy="1857932"/>
+          </a:xfrm>
+          <a:prstGeom prst="roundRect">
+            <a:avLst>
+              <a:gd name="adj" fmla="val 9818"/>
+            </a:avLst>
+          </a:prstGeom>
+          <a:noFill/>
+          <a:ln w="6350">
+            <a:solidFill>
+              <a:schemeClr val="tx1"/>
+            </a:solidFill>
+            <a:prstDash val="solid"/>
+          </a:ln>
+          <a:effectLst/>
+        </p:spPr>
+        <p:style>
+          <a:lnRef idx="1">
+            <a:schemeClr val="accent1"/>
+          </a:lnRef>
+          <a:fillRef idx="3">
+            <a:schemeClr val="accent1"/>
+          </a:fillRef>
+          <a:effectRef idx="2">
+            <a:schemeClr val="accent1"/>
+          </a:effectRef>
+          <a:fontRef idx="minor">
+            <a:schemeClr val="lt1"/>
+          </a:fontRef>
+        </p:style>
+        <p:txBody>
+          <a:bodyPr anchor="ctr"/>
+          <a:lstStyle/>
+          <a:p>
+            <a:pPr algn="ctr" fontAlgn="auto">
+              <a:spcBef>
+                <a:spcPts val="0"/>
+              </a:spcBef>
+              <a:spcAft>
+                <a:spcPts val="0"/>
+              </a:spcAft>
+              <a:defRPr/>
+            </a:pPr>
+            <a:endParaRPr lang="en-US" dirty="0">
+              <a:solidFill>
+                <a:schemeClr val="tx1"/>
+              </a:solidFill>
+              <a:latin typeface="Arial"/>
+              <a:cs typeface="Arial"/>
+            </a:endParaRPr>
+          </a:p>
+        </p:txBody>
+      </p:sp>
     </p:spTree>
     <p:extLst>
       <p:ext uri="{BB962C8B-B14F-4D97-AF65-F5344CB8AC3E}">
@@ -6765,6 +7563,1651 @@
 </p:sld>
 </file>
 
+<file path=ppt/slides/slide19.xml><?xml version="1.0" encoding="utf-8"?>
+<p:sld xmlns:a="http://schemas.openxmlformats.org/drawingml/2006/main" xmlns:r="http://schemas.openxmlformats.org/officeDocument/2006/relationships" xmlns:p="http://schemas.openxmlformats.org/presentationml/2006/main">
+  <p:cSld>
+    <p:spTree>
+      <p:nvGrpSpPr>
+        <p:cNvPr id="1" name=""/>
+        <p:cNvGrpSpPr/>
+        <p:nvPr/>
+      </p:nvGrpSpPr>
+      <p:grpSpPr>
+        <a:xfrm>
+          <a:off x="0" y="0"/>
+          <a:ext cx="0" cy="0"/>
+          <a:chOff x="0" y="0"/>
+          <a:chExt cx="0" cy="0"/>
+        </a:xfrm>
+      </p:grpSpPr>
+      <p:sp>
+        <p:nvSpPr>
+          <p:cNvPr id="2" name="Title 1"/>
+          <p:cNvSpPr>
+            <a:spLocks noGrp="1"/>
+          </p:cNvSpPr>
+          <p:nvPr>
+            <p:ph type="title"/>
+          </p:nvPr>
+        </p:nvSpPr>
+        <p:spPr/>
+        <p:txBody>
+          <a:bodyPr/>
+          <a:lstStyle/>
+          <a:p>
+            <a:r>
+              <a:rPr lang="en-US" dirty="0" smtClean="0"/>
+              <a:t>Versioning</a:t>
+            </a:r>
+            <a:endParaRPr lang="en-US" dirty="0"/>
+          </a:p>
+        </p:txBody>
+      </p:sp>
+      <p:sp>
+        <p:nvSpPr>
+          <p:cNvPr id="3" name="Content Placeholder 2"/>
+          <p:cNvSpPr>
+            <a:spLocks noGrp="1"/>
+          </p:cNvSpPr>
+          <p:nvPr>
+            <p:ph idx="1"/>
+          </p:nvPr>
+        </p:nvSpPr>
+        <p:spPr/>
+        <p:txBody>
+          <a:bodyPr/>
+          <a:lstStyle/>
+          <a:p>
+            <a:r>
+              <a:rPr lang="en-US" dirty="0" smtClean="0"/>
+              <a:t>Lambda </a:t>
+            </a:r>
+            <a:r>
+              <a:rPr lang="mr-IN" dirty="0" smtClean="0"/>
+              <a:t>–</a:t>
+            </a:r>
+            <a:r>
+              <a:rPr lang="en-US" dirty="0" smtClean="0"/>
+              <a:t> different versions of a function</a:t>
+            </a:r>
+          </a:p>
+          <a:p>
+            <a:pPr lvl="1"/>
+            <a:r>
+              <a:rPr lang="en-US" dirty="0" smtClean="0"/>
+              <a:t>Think A/B testing, </a:t>
+            </a:r>
+            <a:r>
+              <a:rPr lang="en-US" smtClean="0"/>
+              <a:t>or Blue/Green deployment</a:t>
+            </a:r>
+            <a:endParaRPr lang="en-US" dirty="0"/>
+          </a:p>
+        </p:txBody>
+      </p:sp>
+    </p:spTree>
+    <p:extLst>
+      <p:ext uri="{BB962C8B-B14F-4D97-AF65-F5344CB8AC3E}">
+        <p14:creationId xmlns:p14="http://schemas.microsoft.com/office/powerpoint/2010/main" val="1532791319"/>
+      </p:ext>
+    </p:extLst>
+  </p:cSld>
+  <p:clrMapOvr>
+    <a:masterClrMapping/>
+  </p:clrMapOvr>
+  <p:timing>
+    <p:tnLst>
+      <p:par>
+        <p:cTn id="1" dur="indefinite" restart="never" nodeType="tmRoot"/>
+      </p:par>
+    </p:tnLst>
+  </p:timing>
+</p:sld>
+</file>
+
+<file path=ppt/slides/slide2.xml><?xml version="1.0" encoding="utf-8"?>
+<p:sld xmlns:a="http://schemas.openxmlformats.org/drawingml/2006/main" xmlns:r="http://schemas.openxmlformats.org/officeDocument/2006/relationships" xmlns:p="http://schemas.openxmlformats.org/presentationml/2006/main">
+  <p:cSld>
+    <p:spTree>
+      <p:nvGrpSpPr>
+        <p:cNvPr id="1" name=""/>
+        <p:cNvGrpSpPr/>
+        <p:nvPr/>
+      </p:nvGrpSpPr>
+      <p:grpSpPr>
+        <a:xfrm>
+          <a:off x="0" y="0"/>
+          <a:ext cx="0" cy="0"/>
+          <a:chOff x="0" y="0"/>
+          <a:chExt cx="0" cy="0"/>
+        </a:xfrm>
+      </p:grpSpPr>
+      <p:sp>
+        <p:nvSpPr>
+          <p:cNvPr id="2" name="Title 1"/>
+          <p:cNvSpPr>
+            <a:spLocks noGrp="1"/>
+          </p:cNvSpPr>
+          <p:nvPr>
+            <p:ph type="title"/>
+          </p:nvPr>
+        </p:nvSpPr>
+        <p:spPr/>
+        <p:txBody>
+          <a:bodyPr/>
+          <a:lstStyle/>
+          <a:p>
+            <a:r>
+              <a:rPr lang="en-US" dirty="0" smtClean="0"/>
+              <a:t>bio</a:t>
+            </a:r>
+            <a:endParaRPr lang="en-US" dirty="0"/>
+          </a:p>
+        </p:txBody>
+      </p:sp>
+      <p:sp>
+        <p:nvSpPr>
+          <p:cNvPr id="3" name="Content Placeholder 2"/>
+          <p:cNvSpPr>
+            <a:spLocks noGrp="1"/>
+          </p:cNvSpPr>
+          <p:nvPr>
+            <p:ph idx="1"/>
+          </p:nvPr>
+        </p:nvSpPr>
+        <p:spPr/>
+        <p:txBody>
+          <a:bodyPr/>
+          <a:lstStyle/>
+          <a:p>
+            <a:r>
+              <a:rPr lang="en-US" dirty="0" smtClean="0"/>
+              <a:t>Adrian Pomilio</a:t>
+            </a:r>
+          </a:p>
+          <a:p>
+            <a:r>
+              <a:rPr lang="en-US" dirty="0" err="1" smtClean="0"/>
+              <a:t>Github</a:t>
+            </a:r>
+            <a:r>
+              <a:rPr lang="en-US" dirty="0" smtClean="0"/>
+              <a:t>/Twitter : </a:t>
+            </a:r>
+            <a:r>
+              <a:rPr lang="en-US" dirty="0" err="1" smtClean="0"/>
+              <a:t>adrianpomilio</a:t>
+            </a:r>
+            <a:endParaRPr lang="en-US" dirty="0" smtClean="0"/>
+          </a:p>
+          <a:p>
+            <a:r>
+              <a:rPr lang="en-US" dirty="0" smtClean="0"/>
+              <a:t>Sr. Manager Platform Services </a:t>
+            </a:r>
+            <a:r>
+              <a:rPr lang="mr-IN" dirty="0" smtClean="0"/>
+              <a:t>–</a:t>
+            </a:r>
+            <a:r>
+              <a:rPr lang="en-US" dirty="0" smtClean="0"/>
+              <a:t> Mapp Digital</a:t>
+            </a:r>
+          </a:p>
+          <a:p>
+            <a:r>
+              <a:rPr lang="en-US" dirty="0" smtClean="0"/>
+              <a:t>20+ years of application development and design</a:t>
+            </a:r>
+          </a:p>
+          <a:p>
+            <a:r>
+              <a:rPr lang="en-US" dirty="0" smtClean="0"/>
+              <a:t>“Learn it by doing it”</a:t>
+            </a:r>
+          </a:p>
+        </p:txBody>
+      </p:sp>
+    </p:spTree>
+    <p:extLst>
+      <p:ext uri="{BB962C8B-B14F-4D97-AF65-F5344CB8AC3E}">
+        <p14:creationId xmlns:p14="http://schemas.microsoft.com/office/powerpoint/2010/main" val="1780265973"/>
+      </p:ext>
+    </p:extLst>
+  </p:cSld>
+  <p:clrMapOvr>
+    <a:masterClrMapping/>
+  </p:clrMapOvr>
+</p:sld>
+</file>
+
+<file path=ppt/slides/slide20.xml><?xml version="1.0" encoding="utf-8"?>
+<p:sld xmlns:a="http://schemas.openxmlformats.org/drawingml/2006/main" xmlns:r="http://schemas.openxmlformats.org/officeDocument/2006/relationships" xmlns:p="http://schemas.openxmlformats.org/presentationml/2006/main">
+  <p:cSld>
+    <p:spTree>
+      <p:nvGrpSpPr>
+        <p:cNvPr id="1" name=""/>
+        <p:cNvGrpSpPr/>
+        <p:nvPr/>
+      </p:nvGrpSpPr>
+      <p:grpSpPr>
+        <a:xfrm>
+          <a:off x="0" y="0"/>
+          <a:ext cx="0" cy="0"/>
+          <a:chOff x="0" y="0"/>
+          <a:chExt cx="0" cy="0"/>
+        </a:xfrm>
+      </p:grpSpPr>
+      <p:sp>
+        <p:nvSpPr>
+          <p:cNvPr id="2" name="Title 1"/>
+          <p:cNvSpPr>
+            <a:spLocks noGrp="1"/>
+          </p:cNvSpPr>
+          <p:nvPr>
+            <p:ph type="title"/>
+          </p:nvPr>
+        </p:nvSpPr>
+        <p:spPr/>
+        <p:txBody>
+          <a:bodyPr/>
+          <a:lstStyle/>
+          <a:p>
+            <a:r>
+              <a:rPr lang="en-US" dirty="0" smtClean="0"/>
+              <a:t>Lambda scaling</a:t>
+            </a:r>
+            <a:endParaRPr lang="en-US" dirty="0"/>
+          </a:p>
+        </p:txBody>
+      </p:sp>
+      <p:sp>
+        <p:nvSpPr>
+          <p:cNvPr id="3" name="Content Placeholder 2"/>
+          <p:cNvSpPr>
+            <a:spLocks noGrp="1"/>
+          </p:cNvSpPr>
+          <p:nvPr>
+            <p:ph idx="1"/>
+          </p:nvPr>
+        </p:nvSpPr>
+        <p:spPr/>
+        <p:txBody>
+          <a:bodyPr>
+            <a:normAutofit/>
+          </a:bodyPr>
+          <a:lstStyle/>
+          <a:p>
+            <a:r>
+              <a:rPr lang="en-US" dirty="0" smtClean="0"/>
+              <a:t>Lambda </a:t>
+            </a:r>
+            <a:r>
+              <a:rPr lang="mr-IN" dirty="0" smtClean="0"/>
+              <a:t>–</a:t>
+            </a:r>
+            <a:r>
+              <a:rPr lang="en-US" dirty="0" smtClean="0"/>
+              <a:t> on a unit of work</a:t>
+            </a:r>
+          </a:p>
+          <a:p>
+            <a:pPr lvl="1"/>
+            <a:r>
+              <a:rPr lang="en-US" dirty="0" smtClean="0"/>
+              <a:t>Streaming source types</a:t>
+            </a:r>
+          </a:p>
+          <a:p>
+            <a:pPr lvl="1"/>
+            <a:r>
+              <a:rPr lang="en-US" dirty="0" smtClean="0"/>
+              <a:t>Synchronous source types</a:t>
+            </a:r>
+          </a:p>
+          <a:p>
+            <a:pPr lvl="1"/>
+            <a:r>
+              <a:rPr lang="en-US" dirty="0" smtClean="0"/>
+              <a:t>(</a:t>
+            </a:r>
+            <a:r>
+              <a:rPr lang="en-US" dirty="0" smtClean="0">
+                <a:hlinkClick r:id="rId2"/>
+              </a:rPr>
+              <a:t>https://cloudncode.blog/2017/03/02/best-practices-aws-lambda-function/)</a:t>
+            </a:r>
+            <a:endParaRPr lang="en-US" dirty="0" smtClean="0"/>
+          </a:p>
+          <a:p>
+            <a:pPr lvl="1"/>
+            <a:r>
+              <a:rPr lang="en-US" dirty="0" smtClean="0"/>
+              <a:t>Concurrent Invocations = events (or requests) per second * function duration (in secs)</a:t>
+            </a:r>
+          </a:p>
+          <a:p>
+            <a:pPr lvl="1"/>
+            <a:r>
+              <a:rPr lang="en-US" dirty="0" smtClean="0"/>
+              <a:t>(</a:t>
+            </a:r>
+            <a:r>
+              <a:rPr lang="en-US" dirty="0" smtClean="0">
+                <a:hlinkClick r:id="rId3"/>
+              </a:rPr>
+              <a:t>http://docs.aws.amazon.com/lambda/latest/dg/concurrent-executions.html)</a:t>
+            </a:r>
+            <a:endParaRPr lang="en-US" dirty="0" smtClean="0"/>
+          </a:p>
+          <a:p>
+            <a:pPr lvl="1"/>
+            <a:r>
+              <a:rPr lang="en-US" dirty="0" smtClean="0"/>
+              <a:t>1000 concurrent limit</a:t>
+            </a:r>
+          </a:p>
+          <a:p>
+            <a:pPr lvl="1"/>
+            <a:r>
+              <a:rPr lang="en-US" dirty="0" smtClean="0"/>
+              <a:t>Kinesis work around (pricey)</a:t>
+            </a:r>
+            <a:endParaRPr lang="en-US" dirty="0"/>
+          </a:p>
+        </p:txBody>
+      </p:sp>
+    </p:spTree>
+    <p:extLst>
+      <p:ext uri="{BB962C8B-B14F-4D97-AF65-F5344CB8AC3E}">
+        <p14:creationId xmlns:p14="http://schemas.microsoft.com/office/powerpoint/2010/main" val="1998115011"/>
+      </p:ext>
+    </p:extLst>
+  </p:cSld>
+  <p:clrMapOvr>
+    <a:masterClrMapping/>
+  </p:clrMapOvr>
+  <p:timing>
+    <p:tnLst>
+      <p:par>
+        <p:cTn id="1" dur="indefinite" restart="never" nodeType="tmRoot"/>
+      </p:par>
+    </p:tnLst>
+  </p:timing>
+</p:sld>
+</file>
+
+<file path=ppt/slides/slide21.xml><?xml version="1.0" encoding="utf-8"?>
+<p:sld xmlns:a="http://schemas.openxmlformats.org/drawingml/2006/main" xmlns:r="http://schemas.openxmlformats.org/officeDocument/2006/relationships" xmlns:p="http://schemas.openxmlformats.org/presentationml/2006/main">
+  <p:cSld>
+    <p:spTree>
+      <p:nvGrpSpPr>
+        <p:cNvPr id="1" name=""/>
+        <p:cNvGrpSpPr/>
+        <p:nvPr/>
+      </p:nvGrpSpPr>
+      <p:grpSpPr>
+        <a:xfrm>
+          <a:off x="0" y="0"/>
+          <a:ext cx="0" cy="0"/>
+          <a:chOff x="0" y="0"/>
+          <a:chExt cx="0" cy="0"/>
+        </a:xfrm>
+      </p:grpSpPr>
+      <p:sp>
+        <p:nvSpPr>
+          <p:cNvPr id="2" name="Title 1"/>
+          <p:cNvSpPr>
+            <a:spLocks noGrp="1"/>
+          </p:cNvSpPr>
+          <p:nvPr>
+            <p:ph type="title"/>
+          </p:nvPr>
+        </p:nvSpPr>
+        <p:spPr/>
+        <p:txBody>
+          <a:bodyPr/>
+          <a:lstStyle/>
+          <a:p>
+            <a:r>
+              <a:rPr lang="en-US" dirty="0" smtClean="0"/>
+              <a:t>Services</a:t>
+            </a:r>
+            <a:endParaRPr lang="en-US" dirty="0"/>
+          </a:p>
+        </p:txBody>
+      </p:sp>
+      <p:sp>
+        <p:nvSpPr>
+          <p:cNvPr id="3" name="Content Placeholder 2"/>
+          <p:cNvSpPr>
+            <a:spLocks noGrp="1"/>
+          </p:cNvSpPr>
+          <p:nvPr>
+            <p:ph idx="1"/>
+          </p:nvPr>
+        </p:nvSpPr>
+        <p:spPr/>
+        <p:txBody>
+          <a:bodyPr/>
+          <a:lstStyle/>
+          <a:p>
+            <a:r>
+              <a:rPr lang="en-US" dirty="0" err="1" smtClean="0"/>
+              <a:t>Cognito</a:t>
+            </a:r>
+            <a:endParaRPr lang="en-US" dirty="0" smtClean="0"/>
+          </a:p>
+          <a:p>
+            <a:r>
+              <a:rPr lang="en-US" dirty="0" smtClean="0"/>
+              <a:t>S3</a:t>
+            </a:r>
+          </a:p>
+          <a:p>
+            <a:r>
+              <a:rPr lang="en-US" dirty="0" smtClean="0"/>
+              <a:t>SNS</a:t>
+            </a:r>
+          </a:p>
+          <a:p>
+            <a:r>
+              <a:rPr lang="en-US" dirty="0" err="1" smtClean="0"/>
+              <a:t>Kinises</a:t>
+            </a:r>
+            <a:endParaRPr lang="en-US" dirty="0" smtClean="0"/>
+          </a:p>
+          <a:p>
+            <a:r>
+              <a:rPr lang="en-US" dirty="0" smtClean="0"/>
+              <a:t>Etc..</a:t>
+            </a:r>
+            <a:endParaRPr lang="en-US" dirty="0"/>
+          </a:p>
+        </p:txBody>
+      </p:sp>
+    </p:spTree>
+    <p:extLst>
+      <p:ext uri="{BB962C8B-B14F-4D97-AF65-F5344CB8AC3E}">
+        <p14:creationId xmlns:p14="http://schemas.microsoft.com/office/powerpoint/2010/main" val="2036119871"/>
+      </p:ext>
+    </p:extLst>
+  </p:cSld>
+  <p:clrMapOvr>
+    <a:masterClrMapping/>
+  </p:clrMapOvr>
+</p:sld>
+</file>
+
+<file path=ppt/slides/slide22.xml><?xml version="1.0" encoding="utf-8"?>
+<p:sld xmlns:a="http://schemas.openxmlformats.org/drawingml/2006/main" xmlns:r="http://schemas.openxmlformats.org/officeDocument/2006/relationships" xmlns:p="http://schemas.openxmlformats.org/presentationml/2006/main">
+  <p:cSld>
+    <p:spTree>
+      <p:nvGrpSpPr>
+        <p:cNvPr id="1" name=""/>
+        <p:cNvGrpSpPr/>
+        <p:nvPr/>
+      </p:nvGrpSpPr>
+      <p:grpSpPr>
+        <a:xfrm>
+          <a:off x="0" y="0"/>
+          <a:ext cx="0" cy="0"/>
+          <a:chOff x="0" y="0"/>
+          <a:chExt cx="0" cy="0"/>
+        </a:xfrm>
+      </p:grpSpPr>
+      <p:sp>
+        <p:nvSpPr>
+          <p:cNvPr id="2" name="Title 1"/>
+          <p:cNvSpPr>
+            <a:spLocks noGrp="1"/>
+          </p:cNvSpPr>
+          <p:nvPr>
+            <p:ph type="title"/>
+          </p:nvPr>
+        </p:nvSpPr>
+        <p:spPr/>
+        <p:txBody>
+          <a:bodyPr/>
+          <a:lstStyle/>
+          <a:p>
+            <a:r>
+              <a:rPr lang="en-US" dirty="0" smtClean="0"/>
+              <a:t>How to</a:t>
+            </a:r>
+            <a:endParaRPr lang="en-US" dirty="0"/>
+          </a:p>
+        </p:txBody>
+      </p:sp>
+      <p:sp>
+        <p:nvSpPr>
+          <p:cNvPr id="3" name="Content Placeholder 2"/>
+          <p:cNvSpPr>
+            <a:spLocks noGrp="1"/>
+          </p:cNvSpPr>
+          <p:nvPr>
+            <p:ph idx="1"/>
+          </p:nvPr>
+        </p:nvSpPr>
+        <p:spPr/>
+        <p:txBody>
+          <a:bodyPr/>
+          <a:lstStyle/>
+          <a:p>
+            <a:r>
+              <a:rPr lang="en-US" dirty="0" smtClean="0"/>
+              <a:t>Console</a:t>
+            </a:r>
+          </a:p>
+          <a:p>
+            <a:r>
+              <a:rPr lang="en-US" dirty="0" smtClean="0"/>
+              <a:t>Manual</a:t>
+            </a:r>
+          </a:p>
+          <a:p>
+            <a:r>
+              <a:rPr lang="en-US" dirty="0" smtClean="0"/>
+              <a:t>Frameworks</a:t>
+            </a:r>
+          </a:p>
+        </p:txBody>
+      </p:sp>
+    </p:spTree>
+    <p:extLst>
+      <p:ext uri="{BB962C8B-B14F-4D97-AF65-F5344CB8AC3E}">
+        <p14:creationId xmlns:p14="http://schemas.microsoft.com/office/powerpoint/2010/main" val="1062341890"/>
+      </p:ext>
+    </p:extLst>
+  </p:cSld>
+  <p:clrMapOvr>
+    <a:masterClrMapping/>
+  </p:clrMapOvr>
+</p:sld>
+</file>
+
+<file path=ppt/slides/slide23.xml><?xml version="1.0" encoding="utf-8"?>
+<p:sld xmlns:a="http://schemas.openxmlformats.org/drawingml/2006/main" xmlns:r="http://schemas.openxmlformats.org/officeDocument/2006/relationships" xmlns:p="http://schemas.openxmlformats.org/presentationml/2006/main">
+  <p:cSld>
+    <p:spTree>
+      <p:nvGrpSpPr>
+        <p:cNvPr id="1" name=""/>
+        <p:cNvGrpSpPr/>
+        <p:nvPr/>
+      </p:nvGrpSpPr>
+      <p:grpSpPr>
+        <a:xfrm>
+          <a:off x="0" y="0"/>
+          <a:ext cx="0" cy="0"/>
+          <a:chOff x="0" y="0"/>
+          <a:chExt cx="0" cy="0"/>
+        </a:xfrm>
+      </p:grpSpPr>
+      <p:sp>
+        <p:nvSpPr>
+          <p:cNvPr id="2" name="Title 1"/>
+          <p:cNvSpPr>
+            <a:spLocks noGrp="1"/>
+          </p:cNvSpPr>
+          <p:nvPr>
+            <p:ph type="title"/>
+          </p:nvPr>
+        </p:nvSpPr>
+        <p:spPr/>
+        <p:txBody>
+          <a:bodyPr/>
+          <a:lstStyle/>
+          <a:p>
+            <a:r>
+              <a:rPr lang="en-US" dirty="0" smtClean="0"/>
+              <a:t>Console</a:t>
+            </a:r>
+            <a:endParaRPr lang="en-US" dirty="0"/>
+          </a:p>
+        </p:txBody>
+      </p:sp>
+      <p:sp>
+        <p:nvSpPr>
+          <p:cNvPr id="3" name="Content Placeholder 2"/>
+          <p:cNvSpPr>
+            <a:spLocks noGrp="1"/>
+          </p:cNvSpPr>
+          <p:nvPr>
+            <p:ph idx="1"/>
+          </p:nvPr>
+        </p:nvSpPr>
+        <p:spPr/>
+        <p:txBody>
+          <a:bodyPr/>
+          <a:lstStyle/>
+          <a:p>
+            <a:r>
+              <a:rPr lang="en-US" dirty="0" smtClean="0"/>
+              <a:t>STOP right now</a:t>
+            </a:r>
+            <a:endParaRPr lang="en-US" dirty="0"/>
+          </a:p>
+        </p:txBody>
+      </p:sp>
+    </p:spTree>
+    <p:extLst>
+      <p:ext uri="{BB962C8B-B14F-4D97-AF65-F5344CB8AC3E}">
+        <p14:creationId xmlns:p14="http://schemas.microsoft.com/office/powerpoint/2010/main" val="656123180"/>
+      </p:ext>
+    </p:extLst>
+  </p:cSld>
+  <p:clrMapOvr>
+    <a:masterClrMapping/>
+  </p:clrMapOvr>
+</p:sld>
+</file>
+
+<file path=ppt/slides/slide24.xml><?xml version="1.0" encoding="utf-8"?>
+<p:sld xmlns:a="http://schemas.openxmlformats.org/drawingml/2006/main" xmlns:r="http://schemas.openxmlformats.org/officeDocument/2006/relationships" xmlns:p="http://schemas.openxmlformats.org/presentationml/2006/main">
+  <p:cSld>
+    <p:spTree>
+      <p:nvGrpSpPr>
+        <p:cNvPr id="1" name=""/>
+        <p:cNvGrpSpPr/>
+        <p:nvPr/>
+      </p:nvGrpSpPr>
+      <p:grpSpPr>
+        <a:xfrm>
+          <a:off x="0" y="0"/>
+          <a:ext cx="0" cy="0"/>
+          <a:chOff x="0" y="0"/>
+          <a:chExt cx="0" cy="0"/>
+        </a:xfrm>
+      </p:grpSpPr>
+      <p:sp>
+        <p:nvSpPr>
+          <p:cNvPr id="2" name="Title 1"/>
+          <p:cNvSpPr>
+            <a:spLocks noGrp="1"/>
+          </p:cNvSpPr>
+          <p:nvPr>
+            <p:ph type="title"/>
+          </p:nvPr>
+        </p:nvSpPr>
+        <p:spPr/>
+        <p:txBody>
+          <a:bodyPr/>
+          <a:lstStyle/>
+          <a:p>
+            <a:r>
+              <a:rPr lang="en-US" dirty="0" smtClean="0"/>
+              <a:t>Manual</a:t>
+            </a:r>
+            <a:endParaRPr lang="en-US" dirty="0"/>
+          </a:p>
+        </p:txBody>
+      </p:sp>
+      <p:sp>
+        <p:nvSpPr>
+          <p:cNvPr id="3" name="Content Placeholder 2"/>
+          <p:cNvSpPr>
+            <a:spLocks noGrp="1"/>
+          </p:cNvSpPr>
+          <p:nvPr>
+            <p:ph idx="1"/>
+          </p:nvPr>
+        </p:nvSpPr>
+        <p:spPr/>
+        <p:txBody>
+          <a:bodyPr/>
+          <a:lstStyle/>
+          <a:p>
+            <a:r>
+              <a:rPr lang="en-US" dirty="0" smtClean="0"/>
+              <a:t>Here’s an anchor to swim with</a:t>
+            </a:r>
+            <a:endParaRPr lang="en-US" dirty="0"/>
+          </a:p>
+        </p:txBody>
+      </p:sp>
+    </p:spTree>
+    <p:extLst>
+      <p:ext uri="{BB962C8B-B14F-4D97-AF65-F5344CB8AC3E}">
+        <p14:creationId xmlns:p14="http://schemas.microsoft.com/office/powerpoint/2010/main" val="2085623155"/>
+      </p:ext>
+    </p:extLst>
+  </p:cSld>
+  <p:clrMapOvr>
+    <a:masterClrMapping/>
+  </p:clrMapOvr>
+</p:sld>
+</file>
+
+<file path=ppt/slides/slide25.xml><?xml version="1.0" encoding="utf-8"?>
+<p:sld xmlns:a="http://schemas.openxmlformats.org/drawingml/2006/main" xmlns:r="http://schemas.openxmlformats.org/officeDocument/2006/relationships" xmlns:p="http://schemas.openxmlformats.org/presentationml/2006/main">
+  <p:cSld>
+    <p:spTree>
+      <p:nvGrpSpPr>
+        <p:cNvPr id="1" name=""/>
+        <p:cNvGrpSpPr/>
+        <p:nvPr/>
+      </p:nvGrpSpPr>
+      <p:grpSpPr>
+        <a:xfrm>
+          <a:off x="0" y="0"/>
+          <a:ext cx="0" cy="0"/>
+          <a:chOff x="0" y="0"/>
+          <a:chExt cx="0" cy="0"/>
+        </a:xfrm>
+      </p:grpSpPr>
+      <p:sp>
+        <p:nvSpPr>
+          <p:cNvPr id="2" name="Title 1"/>
+          <p:cNvSpPr>
+            <a:spLocks noGrp="1"/>
+          </p:cNvSpPr>
+          <p:nvPr>
+            <p:ph type="title"/>
+          </p:nvPr>
+        </p:nvSpPr>
+        <p:spPr/>
+        <p:txBody>
+          <a:bodyPr/>
+          <a:lstStyle/>
+          <a:p>
+            <a:r>
+              <a:rPr lang="en-US" dirty="0" smtClean="0"/>
+              <a:t>Frameworks</a:t>
+            </a:r>
+            <a:endParaRPr lang="en-US" dirty="0"/>
+          </a:p>
+        </p:txBody>
+      </p:sp>
+      <p:sp>
+        <p:nvSpPr>
+          <p:cNvPr id="3" name="Content Placeholder 2"/>
+          <p:cNvSpPr>
+            <a:spLocks noGrp="1"/>
+          </p:cNvSpPr>
+          <p:nvPr>
+            <p:ph idx="1"/>
+          </p:nvPr>
+        </p:nvSpPr>
+        <p:spPr/>
+        <p:txBody>
+          <a:bodyPr/>
+          <a:lstStyle/>
+          <a:p>
+            <a:r>
+              <a:rPr lang="en-US" dirty="0" smtClean="0"/>
+              <a:t>Apex</a:t>
+            </a:r>
+          </a:p>
+          <a:p>
+            <a:r>
+              <a:rPr lang="en-US" dirty="0" smtClean="0"/>
+              <a:t>AWS Sam</a:t>
+            </a:r>
+          </a:p>
+          <a:p>
+            <a:r>
+              <a:rPr lang="en-US" dirty="0" err="1" smtClean="0"/>
+              <a:t>Serverless</a:t>
+            </a:r>
+            <a:endParaRPr lang="en-US" dirty="0" smtClean="0"/>
+          </a:p>
+        </p:txBody>
+      </p:sp>
+    </p:spTree>
+    <p:extLst>
+      <p:ext uri="{BB962C8B-B14F-4D97-AF65-F5344CB8AC3E}">
+        <p14:creationId xmlns:p14="http://schemas.microsoft.com/office/powerpoint/2010/main" val="1115277555"/>
+      </p:ext>
+    </p:extLst>
+  </p:cSld>
+  <p:clrMapOvr>
+    <a:masterClrMapping/>
+  </p:clrMapOvr>
+</p:sld>
+</file>
+
+<file path=ppt/slides/slide26.xml><?xml version="1.0" encoding="utf-8"?>
+<p:sld xmlns:a="http://schemas.openxmlformats.org/drawingml/2006/main" xmlns:r="http://schemas.openxmlformats.org/officeDocument/2006/relationships" xmlns:p="http://schemas.openxmlformats.org/presentationml/2006/main">
+  <p:cSld>
+    <p:spTree>
+      <p:nvGrpSpPr>
+        <p:cNvPr id="1" name=""/>
+        <p:cNvGrpSpPr/>
+        <p:nvPr/>
+      </p:nvGrpSpPr>
+      <p:grpSpPr>
+        <a:xfrm>
+          <a:off x="0" y="0"/>
+          <a:ext cx="0" cy="0"/>
+          <a:chOff x="0" y="0"/>
+          <a:chExt cx="0" cy="0"/>
+        </a:xfrm>
+      </p:grpSpPr>
+      <p:sp>
+        <p:nvSpPr>
+          <p:cNvPr id="2" name="Title 1"/>
+          <p:cNvSpPr>
+            <a:spLocks noGrp="1"/>
+          </p:cNvSpPr>
+          <p:nvPr>
+            <p:ph type="title"/>
+          </p:nvPr>
+        </p:nvSpPr>
+        <p:spPr/>
+        <p:txBody>
+          <a:bodyPr/>
+          <a:lstStyle/>
+          <a:p>
+            <a:r>
+              <a:rPr lang="en-US" dirty="0" smtClean="0"/>
+              <a:t>Additional resources</a:t>
+            </a:r>
+            <a:endParaRPr lang="en-US" dirty="0"/>
+          </a:p>
+        </p:txBody>
+      </p:sp>
+      <p:sp>
+        <p:nvSpPr>
+          <p:cNvPr id="3" name="Content Placeholder 2"/>
+          <p:cNvSpPr>
+            <a:spLocks noGrp="1"/>
+          </p:cNvSpPr>
+          <p:nvPr>
+            <p:ph idx="1"/>
+          </p:nvPr>
+        </p:nvSpPr>
+        <p:spPr/>
+        <p:txBody>
+          <a:bodyPr/>
+          <a:lstStyle/>
+          <a:p>
+            <a:r>
+              <a:rPr lang="en-US" dirty="0"/>
+              <a:t>Pricing example: </a:t>
+            </a:r>
+            <a:r>
+              <a:rPr lang="en-US" dirty="0">
+                <a:hlinkClick r:id="rId2"/>
+              </a:rPr>
+              <a:t>https://alestic.com/2016/12/aws-invoice-example</a:t>
+            </a:r>
+            <a:r>
+              <a:rPr lang="en-US" dirty="0" smtClean="0">
+                <a:hlinkClick r:id="rId2"/>
+              </a:rPr>
+              <a:t>/</a:t>
+            </a:r>
+            <a:endParaRPr lang="en-US" dirty="0" smtClean="0"/>
+          </a:p>
+          <a:p>
+            <a:r>
+              <a:rPr lang="en-US" dirty="0"/>
+              <a:t>A Cloud Guru: </a:t>
+            </a:r>
+            <a:r>
+              <a:rPr lang="en-US" dirty="0">
+                <a:hlinkClick r:id="rId3"/>
+              </a:rPr>
+              <a:t>https://acloud.guru</a:t>
+            </a:r>
+            <a:r>
+              <a:rPr lang="en-US" dirty="0" smtClean="0">
+                <a:hlinkClick r:id="rId3"/>
+              </a:rPr>
+              <a:t>/</a:t>
+            </a:r>
+            <a:endParaRPr lang="en-US" dirty="0" smtClean="0"/>
+          </a:p>
+          <a:p>
+            <a:r>
+              <a:rPr lang="en-US" dirty="0" err="1" smtClean="0"/>
+              <a:t>Serverless</a:t>
+            </a:r>
+            <a:r>
+              <a:rPr lang="en-US" dirty="0"/>
+              <a:t>: </a:t>
+            </a:r>
+            <a:r>
+              <a:rPr lang="en-US" dirty="0">
+                <a:hlinkClick r:id="rId4"/>
+              </a:rPr>
+              <a:t>https://serverless.com</a:t>
+            </a:r>
+            <a:r>
+              <a:rPr lang="en-US" dirty="0" smtClean="0">
+                <a:hlinkClick r:id="rId4"/>
+              </a:rPr>
+              <a:t>/</a:t>
+            </a:r>
+            <a:endParaRPr lang="en-US" dirty="0" smtClean="0"/>
+          </a:p>
+          <a:p>
+            <a:r>
+              <a:rPr lang="en-US" dirty="0"/>
+              <a:t>AWS </a:t>
+            </a:r>
+            <a:r>
+              <a:rPr lang="en-US" dirty="0" err="1"/>
+              <a:t>Serverless</a:t>
+            </a:r>
+            <a:r>
+              <a:rPr lang="en-US" dirty="0"/>
+              <a:t>: </a:t>
+            </a:r>
+            <a:r>
+              <a:rPr lang="en-US" dirty="0">
+                <a:hlinkClick r:id="rId5"/>
+              </a:rPr>
+              <a:t>https://aws.amazon.com/serverless</a:t>
+            </a:r>
+            <a:r>
+              <a:rPr lang="en-US" dirty="0" smtClean="0">
+                <a:hlinkClick r:id="rId5"/>
+              </a:rPr>
+              <a:t>/</a:t>
+            </a:r>
+            <a:endParaRPr lang="en-US" dirty="0" smtClean="0"/>
+          </a:p>
+          <a:p>
+            <a:endParaRPr lang="en-US" dirty="0" smtClean="0"/>
+          </a:p>
+          <a:p>
+            <a:endParaRPr lang="en-US" dirty="0"/>
+          </a:p>
+        </p:txBody>
+      </p:sp>
+    </p:spTree>
+    <p:extLst>
+      <p:ext uri="{BB962C8B-B14F-4D97-AF65-F5344CB8AC3E}">
+        <p14:creationId xmlns:p14="http://schemas.microsoft.com/office/powerpoint/2010/main" val="722583454"/>
+      </p:ext>
+    </p:extLst>
+  </p:cSld>
+  <p:clrMapOvr>
+    <a:masterClrMapping/>
+  </p:clrMapOvr>
+</p:sld>
+</file>
+
+<file path=ppt/slides/slide27.xml><?xml version="1.0" encoding="utf-8"?>
+<p:sld xmlns:a="http://schemas.openxmlformats.org/drawingml/2006/main" xmlns:r="http://schemas.openxmlformats.org/officeDocument/2006/relationships" xmlns:p="http://schemas.openxmlformats.org/presentationml/2006/main">
+  <p:cSld>
+    <p:spTree>
+      <p:nvGrpSpPr>
+        <p:cNvPr id="1" name=""/>
+        <p:cNvGrpSpPr/>
+        <p:nvPr/>
+      </p:nvGrpSpPr>
+      <p:grpSpPr>
+        <a:xfrm>
+          <a:off x="0" y="0"/>
+          <a:ext cx="0" cy="0"/>
+          <a:chOff x="0" y="0"/>
+          <a:chExt cx="0" cy="0"/>
+        </a:xfrm>
+      </p:grpSpPr>
+      <p:sp>
+        <p:nvSpPr>
+          <p:cNvPr id="2" name="Title 1"/>
+          <p:cNvSpPr>
+            <a:spLocks noGrp="1"/>
+          </p:cNvSpPr>
+          <p:nvPr>
+            <p:ph type="title"/>
+          </p:nvPr>
+        </p:nvSpPr>
+        <p:spPr/>
+        <p:txBody>
+          <a:bodyPr/>
+          <a:lstStyle/>
+          <a:p>
+            <a:r>
+              <a:rPr lang="en-US" dirty="0" smtClean="0"/>
+              <a:t>Questions</a:t>
+            </a:r>
+            <a:endParaRPr lang="en-US" dirty="0"/>
+          </a:p>
+        </p:txBody>
+      </p:sp>
+      <p:sp>
+        <p:nvSpPr>
+          <p:cNvPr id="3" name="Content Placeholder 2"/>
+          <p:cNvSpPr>
+            <a:spLocks noGrp="1"/>
+          </p:cNvSpPr>
+          <p:nvPr>
+            <p:ph idx="1"/>
+          </p:nvPr>
+        </p:nvSpPr>
+        <p:spPr/>
+        <p:txBody>
+          <a:bodyPr/>
+          <a:lstStyle/>
+          <a:p>
+            <a:endParaRPr lang="en-US"/>
+          </a:p>
+        </p:txBody>
+      </p:sp>
+    </p:spTree>
+    <p:extLst>
+      <p:ext uri="{BB962C8B-B14F-4D97-AF65-F5344CB8AC3E}">
+        <p14:creationId xmlns:p14="http://schemas.microsoft.com/office/powerpoint/2010/main" val="1541502691"/>
+      </p:ext>
+    </p:extLst>
+  </p:cSld>
+  <p:clrMapOvr>
+    <a:masterClrMapping/>
+  </p:clrMapOvr>
+</p:sld>
+</file>
+
+<file path=ppt/slides/slide3.xml><?xml version="1.0" encoding="utf-8"?>
+<p:sld xmlns:a="http://schemas.openxmlformats.org/drawingml/2006/main" xmlns:r="http://schemas.openxmlformats.org/officeDocument/2006/relationships" xmlns:p="http://schemas.openxmlformats.org/presentationml/2006/main">
+  <p:cSld>
+    <p:spTree>
+      <p:nvGrpSpPr>
+        <p:cNvPr id="1" name=""/>
+        <p:cNvGrpSpPr/>
+        <p:nvPr/>
+      </p:nvGrpSpPr>
+      <p:grpSpPr>
+        <a:xfrm>
+          <a:off x="0" y="0"/>
+          <a:ext cx="0" cy="0"/>
+          <a:chOff x="0" y="0"/>
+          <a:chExt cx="0" cy="0"/>
+        </a:xfrm>
+      </p:grpSpPr>
+      <p:sp>
+        <p:nvSpPr>
+          <p:cNvPr id="2" name="Title 1"/>
+          <p:cNvSpPr>
+            <a:spLocks noGrp="1"/>
+          </p:cNvSpPr>
+          <p:nvPr>
+            <p:ph type="title"/>
+          </p:nvPr>
+        </p:nvSpPr>
+        <p:spPr/>
+        <p:txBody>
+          <a:bodyPr/>
+          <a:lstStyle/>
+          <a:p>
+            <a:r>
+              <a:rPr lang="en-US" dirty="0" smtClean="0"/>
+              <a:t>Agenda</a:t>
+            </a:r>
+            <a:endParaRPr lang="en-US" dirty="0"/>
+          </a:p>
+        </p:txBody>
+      </p:sp>
+      <p:sp>
+        <p:nvSpPr>
+          <p:cNvPr id="3" name="Content Placeholder 2"/>
+          <p:cNvSpPr>
+            <a:spLocks noGrp="1"/>
+          </p:cNvSpPr>
+          <p:nvPr>
+            <p:ph idx="1"/>
+          </p:nvPr>
+        </p:nvSpPr>
+        <p:spPr/>
+        <p:txBody>
+          <a:bodyPr/>
+          <a:lstStyle/>
+          <a:p>
+            <a:r>
+              <a:rPr lang="en-US" dirty="0" smtClean="0"/>
+              <a:t>What is it</a:t>
+            </a:r>
+          </a:p>
+          <a:p>
+            <a:r>
+              <a:rPr lang="en-US" dirty="0" smtClean="0"/>
+              <a:t>Why do it</a:t>
+            </a:r>
+          </a:p>
+          <a:p>
+            <a:r>
+              <a:rPr lang="en-US" dirty="0" smtClean="0"/>
+              <a:t>How to do it</a:t>
+            </a:r>
+          </a:p>
+        </p:txBody>
+      </p:sp>
+    </p:spTree>
+    <p:extLst>
+      <p:ext uri="{BB962C8B-B14F-4D97-AF65-F5344CB8AC3E}">
+        <p14:creationId xmlns:p14="http://schemas.microsoft.com/office/powerpoint/2010/main" val="805902953"/>
+      </p:ext>
+    </p:extLst>
+  </p:cSld>
+  <p:clrMapOvr>
+    <a:masterClrMapping/>
+  </p:clrMapOvr>
+</p:sld>
+</file>
+
+<file path=ppt/slides/slide4.xml><?xml version="1.0" encoding="utf-8"?>
+<p:sld xmlns:a="http://schemas.openxmlformats.org/drawingml/2006/main" xmlns:r="http://schemas.openxmlformats.org/officeDocument/2006/relationships" xmlns:p="http://schemas.openxmlformats.org/presentationml/2006/main">
+  <p:cSld>
+    <p:spTree>
+      <p:nvGrpSpPr>
+        <p:cNvPr id="1" name=""/>
+        <p:cNvGrpSpPr/>
+        <p:nvPr/>
+      </p:nvGrpSpPr>
+      <p:grpSpPr>
+        <a:xfrm>
+          <a:off x="0" y="0"/>
+          <a:ext cx="0" cy="0"/>
+          <a:chOff x="0" y="0"/>
+          <a:chExt cx="0" cy="0"/>
+        </a:xfrm>
+      </p:grpSpPr>
+      <p:sp>
+        <p:nvSpPr>
+          <p:cNvPr id="2" name="Title 1"/>
+          <p:cNvSpPr>
+            <a:spLocks noGrp="1"/>
+          </p:cNvSpPr>
+          <p:nvPr>
+            <p:ph type="title"/>
+          </p:nvPr>
+        </p:nvSpPr>
+        <p:spPr/>
+        <p:txBody>
+          <a:bodyPr/>
+          <a:lstStyle/>
+          <a:p>
+            <a:r>
+              <a:rPr lang="en-US" dirty="0" smtClean="0"/>
+              <a:t>Who’s doing it!</a:t>
+            </a:r>
+            <a:endParaRPr lang="en-US" dirty="0"/>
+          </a:p>
+        </p:txBody>
+      </p:sp>
+      <p:sp>
+        <p:nvSpPr>
+          <p:cNvPr id="3" name="Content Placeholder 2"/>
+          <p:cNvSpPr>
+            <a:spLocks noGrp="1"/>
+          </p:cNvSpPr>
+          <p:nvPr>
+            <p:ph idx="1"/>
+          </p:nvPr>
+        </p:nvSpPr>
+        <p:spPr/>
+        <p:txBody>
+          <a:bodyPr/>
+          <a:lstStyle/>
+          <a:p>
+            <a:r>
+              <a:rPr lang="en-US" dirty="0" smtClean="0"/>
+              <a:t>Google Cloud Functions</a:t>
+            </a:r>
+          </a:p>
+          <a:p>
+            <a:r>
+              <a:rPr lang="en-US" dirty="0" smtClean="0"/>
+              <a:t>IBM Open Whisk</a:t>
+            </a:r>
+          </a:p>
+          <a:p>
+            <a:r>
+              <a:rPr lang="en-US" dirty="0" smtClean="0"/>
+              <a:t>Microsoft Azure</a:t>
+            </a:r>
+          </a:p>
+          <a:p>
+            <a:r>
+              <a:rPr lang="en-US" dirty="0" smtClean="0"/>
+              <a:t>AWS Lambda</a:t>
+            </a:r>
+          </a:p>
+          <a:p>
+            <a:r>
+              <a:rPr lang="en-US" dirty="0" smtClean="0"/>
+              <a:t>Kubernetes </a:t>
+            </a:r>
+            <a:r>
+              <a:rPr lang="en-US" smtClean="0"/>
+              <a:t>- Kubeless</a:t>
+            </a:r>
+            <a:endParaRPr lang="en-US" dirty="0" smtClean="0"/>
+          </a:p>
+          <a:p>
+            <a:r>
+              <a:rPr lang="en-US" dirty="0" err="1" smtClean="0"/>
+              <a:t>Iron.io</a:t>
+            </a:r>
+            <a:endParaRPr lang="en-US" dirty="0" smtClean="0"/>
+          </a:p>
+          <a:p>
+            <a:r>
+              <a:rPr lang="en-US" dirty="0" smtClean="0"/>
+              <a:t>And more</a:t>
+            </a:r>
+            <a:r>
+              <a:rPr lang="mr-IN" dirty="0" smtClean="0"/>
+              <a:t>…</a:t>
+            </a:r>
+            <a:endParaRPr lang="en-US" dirty="0"/>
+          </a:p>
+        </p:txBody>
+      </p:sp>
+    </p:spTree>
+    <p:extLst>
+      <p:ext uri="{BB962C8B-B14F-4D97-AF65-F5344CB8AC3E}">
+        <p14:creationId xmlns:p14="http://schemas.microsoft.com/office/powerpoint/2010/main" val="1971640995"/>
+      </p:ext>
+    </p:extLst>
+  </p:cSld>
+  <p:clrMapOvr>
+    <a:masterClrMapping/>
+  </p:clrMapOvr>
+</p:sld>
+</file>
+
+<file path=ppt/slides/slide5.xml><?xml version="1.0" encoding="utf-8"?>
+<p:sld xmlns:a="http://schemas.openxmlformats.org/drawingml/2006/main" xmlns:r="http://schemas.openxmlformats.org/officeDocument/2006/relationships" xmlns:p="http://schemas.openxmlformats.org/presentationml/2006/main">
+  <p:cSld>
+    <p:spTree>
+      <p:nvGrpSpPr>
+        <p:cNvPr id="1" name=""/>
+        <p:cNvGrpSpPr/>
+        <p:nvPr/>
+      </p:nvGrpSpPr>
+      <p:grpSpPr>
+        <a:xfrm>
+          <a:off x="0" y="0"/>
+          <a:ext cx="0" cy="0"/>
+          <a:chOff x="0" y="0"/>
+          <a:chExt cx="0" cy="0"/>
+        </a:xfrm>
+      </p:grpSpPr>
+      <p:sp>
+        <p:nvSpPr>
+          <p:cNvPr id="2" name="Title 1"/>
+          <p:cNvSpPr>
+            <a:spLocks noGrp="1"/>
+          </p:cNvSpPr>
+          <p:nvPr>
+            <p:ph type="title"/>
+          </p:nvPr>
+        </p:nvSpPr>
+        <p:spPr/>
+        <p:txBody>
+          <a:bodyPr/>
+          <a:lstStyle/>
+          <a:p>
+            <a:r>
+              <a:rPr lang="en-US" dirty="0" smtClean="0"/>
+              <a:t>What is </a:t>
+            </a:r>
+            <a:r>
+              <a:rPr lang="en-US" dirty="0" err="1" smtClean="0"/>
+              <a:t>Serverless</a:t>
+            </a:r>
+            <a:endParaRPr lang="en-US" dirty="0"/>
+          </a:p>
+        </p:txBody>
+      </p:sp>
+      <p:sp>
+        <p:nvSpPr>
+          <p:cNvPr id="3" name="Content Placeholder 2"/>
+          <p:cNvSpPr>
+            <a:spLocks noGrp="1"/>
+          </p:cNvSpPr>
+          <p:nvPr>
+            <p:ph idx="1"/>
+          </p:nvPr>
+        </p:nvSpPr>
+        <p:spPr/>
+        <p:txBody>
+          <a:bodyPr/>
+          <a:lstStyle/>
+          <a:p>
+            <a:r>
+              <a:rPr lang="en-US" dirty="0" smtClean="0"/>
+              <a:t>Functions as a service?</a:t>
+            </a:r>
+          </a:p>
+          <a:p>
+            <a:r>
+              <a:rPr lang="en-US" dirty="0" smtClean="0"/>
+              <a:t>Events based programming?</a:t>
+            </a:r>
+          </a:p>
+          <a:p>
+            <a:r>
+              <a:rPr lang="en-US" dirty="0" smtClean="0"/>
+              <a:t>An HTTPS interface? </a:t>
+            </a:r>
+            <a:r>
+              <a:rPr lang="en-US" sz="1200" dirty="0" smtClean="0"/>
+              <a:t>(https://</a:t>
+            </a:r>
+            <a:r>
+              <a:rPr lang="en-US" sz="1200" dirty="0" err="1" smtClean="0"/>
+              <a:t>serverless.zone</a:t>
+            </a:r>
+            <a:r>
+              <a:rPr lang="en-US" sz="1200" dirty="0" smtClean="0"/>
+              <a:t>/everything-is-an-https-interface-ead2e888b31)</a:t>
+            </a:r>
+          </a:p>
+          <a:p>
+            <a:r>
+              <a:rPr lang="en-US" dirty="0" smtClean="0"/>
+              <a:t>No DevOps?</a:t>
+            </a:r>
+          </a:p>
+          <a:p>
+            <a:r>
+              <a:rPr lang="en-US" dirty="0" smtClean="0"/>
+              <a:t>Collection of services?</a:t>
+            </a:r>
+          </a:p>
+          <a:p>
+            <a:r>
+              <a:rPr lang="en-US" dirty="0" smtClean="0"/>
+              <a:t>Magic?</a:t>
+            </a:r>
+          </a:p>
+        </p:txBody>
+      </p:sp>
+    </p:spTree>
+    <p:extLst>
+      <p:ext uri="{BB962C8B-B14F-4D97-AF65-F5344CB8AC3E}">
+        <p14:creationId xmlns:p14="http://schemas.microsoft.com/office/powerpoint/2010/main" val="302476866"/>
+      </p:ext>
+    </p:extLst>
+  </p:cSld>
+  <p:clrMapOvr>
+    <a:masterClrMapping/>
+  </p:clrMapOvr>
+</p:sld>
+</file>
+
+<file path=ppt/slides/slide6.xml><?xml version="1.0" encoding="utf-8"?>
+<p:sld xmlns:a="http://schemas.openxmlformats.org/drawingml/2006/main" xmlns:r="http://schemas.openxmlformats.org/officeDocument/2006/relationships" xmlns:p="http://schemas.openxmlformats.org/presentationml/2006/main">
+  <p:cSld>
+    <p:spTree>
+      <p:nvGrpSpPr>
+        <p:cNvPr id="1" name=""/>
+        <p:cNvGrpSpPr/>
+        <p:nvPr/>
+      </p:nvGrpSpPr>
+      <p:grpSpPr>
+        <a:xfrm>
+          <a:off x="0" y="0"/>
+          <a:ext cx="0" cy="0"/>
+          <a:chOff x="0" y="0"/>
+          <a:chExt cx="0" cy="0"/>
+        </a:xfrm>
+      </p:grpSpPr>
+      <p:sp>
+        <p:nvSpPr>
+          <p:cNvPr id="2" name="Title 1"/>
+          <p:cNvSpPr>
+            <a:spLocks noGrp="1"/>
+          </p:cNvSpPr>
+          <p:nvPr>
+            <p:ph type="title"/>
+          </p:nvPr>
+        </p:nvSpPr>
+        <p:spPr/>
+        <p:txBody>
+          <a:bodyPr/>
+          <a:lstStyle/>
+          <a:p>
+            <a:r>
+              <a:rPr lang="en-US" dirty="0" smtClean="0"/>
+              <a:t>Why </a:t>
+            </a:r>
+            <a:r>
+              <a:rPr lang="en-US" dirty="0" err="1" smtClean="0"/>
+              <a:t>Serverless</a:t>
+            </a:r>
+            <a:r>
+              <a:rPr lang="en-US" dirty="0" smtClean="0"/>
+              <a:t> </a:t>
+            </a:r>
+            <a:endParaRPr lang="en-US" dirty="0"/>
+          </a:p>
+        </p:txBody>
+      </p:sp>
+      <p:sp>
+        <p:nvSpPr>
+          <p:cNvPr id="3" name="Content Placeholder 2"/>
+          <p:cNvSpPr>
+            <a:spLocks noGrp="1"/>
+          </p:cNvSpPr>
+          <p:nvPr>
+            <p:ph idx="1"/>
+          </p:nvPr>
+        </p:nvSpPr>
+        <p:spPr/>
+        <p:txBody>
+          <a:bodyPr/>
+          <a:lstStyle/>
+          <a:p>
+            <a:r>
+              <a:rPr lang="en-US" dirty="0" smtClean="0"/>
+              <a:t>Scalable</a:t>
+            </a:r>
+          </a:p>
+          <a:p>
+            <a:r>
+              <a:rPr lang="en-US" dirty="0" smtClean="0"/>
+              <a:t>Managed</a:t>
+            </a:r>
+          </a:p>
+          <a:p>
+            <a:r>
+              <a:rPr lang="en-US" dirty="0" smtClean="0"/>
+              <a:t>Services</a:t>
+            </a:r>
+          </a:p>
+          <a:p>
+            <a:r>
+              <a:rPr lang="en-US" dirty="0" smtClean="0"/>
+              <a:t>Cost</a:t>
+            </a:r>
+          </a:p>
+        </p:txBody>
+      </p:sp>
+    </p:spTree>
+    <p:extLst>
+      <p:ext uri="{BB962C8B-B14F-4D97-AF65-F5344CB8AC3E}">
+        <p14:creationId xmlns:p14="http://schemas.microsoft.com/office/powerpoint/2010/main" val="634894413"/>
+      </p:ext>
+    </p:extLst>
+  </p:cSld>
+  <p:clrMapOvr>
+    <a:masterClrMapping/>
+  </p:clrMapOvr>
+</p:sld>
+</file>
+
+<file path=ppt/slides/slide7.xml><?xml version="1.0" encoding="utf-8"?>
+<p:sld xmlns:a="http://schemas.openxmlformats.org/drawingml/2006/main" xmlns:r="http://schemas.openxmlformats.org/officeDocument/2006/relationships" xmlns:p="http://schemas.openxmlformats.org/presentationml/2006/main">
+  <p:cSld>
+    <p:spTree>
+      <p:nvGrpSpPr>
+        <p:cNvPr id="1" name=""/>
+        <p:cNvGrpSpPr/>
+        <p:nvPr/>
+      </p:nvGrpSpPr>
+      <p:grpSpPr>
+        <a:xfrm>
+          <a:off x="0" y="0"/>
+          <a:ext cx="0" cy="0"/>
+          <a:chOff x="0" y="0"/>
+          <a:chExt cx="0" cy="0"/>
+        </a:xfrm>
+      </p:grpSpPr>
+      <p:sp>
+        <p:nvSpPr>
+          <p:cNvPr id="2" name="Title 1"/>
+          <p:cNvSpPr>
+            <a:spLocks noGrp="1"/>
+          </p:cNvSpPr>
+          <p:nvPr>
+            <p:ph type="title"/>
+          </p:nvPr>
+        </p:nvSpPr>
+        <p:spPr/>
+        <p:txBody>
+          <a:bodyPr/>
+          <a:lstStyle/>
+          <a:p>
+            <a:r>
+              <a:rPr lang="en-US" dirty="0" smtClean="0"/>
+              <a:t>What about</a:t>
+            </a:r>
+            <a:endParaRPr lang="en-US" dirty="0"/>
+          </a:p>
+        </p:txBody>
+      </p:sp>
+      <p:sp>
+        <p:nvSpPr>
+          <p:cNvPr id="3" name="Content Placeholder 2"/>
+          <p:cNvSpPr>
+            <a:spLocks noGrp="1"/>
+          </p:cNvSpPr>
+          <p:nvPr>
+            <p:ph idx="1"/>
+          </p:nvPr>
+        </p:nvSpPr>
+        <p:spPr/>
+        <p:txBody>
+          <a:bodyPr/>
+          <a:lstStyle/>
+          <a:p>
+            <a:r>
+              <a:rPr lang="en-US" dirty="0" smtClean="0"/>
+              <a:t>Containers</a:t>
+            </a:r>
+          </a:p>
+          <a:p>
+            <a:r>
+              <a:rPr lang="en-US" dirty="0" smtClean="0"/>
+              <a:t>Micro-services</a:t>
+            </a:r>
+            <a:endParaRPr lang="en-US" dirty="0"/>
+          </a:p>
+        </p:txBody>
+      </p:sp>
+    </p:spTree>
+    <p:extLst>
+      <p:ext uri="{BB962C8B-B14F-4D97-AF65-F5344CB8AC3E}">
+        <p14:creationId xmlns:p14="http://schemas.microsoft.com/office/powerpoint/2010/main" val="268825360"/>
+      </p:ext>
+    </p:extLst>
+  </p:cSld>
+  <p:clrMapOvr>
+    <a:masterClrMapping/>
+  </p:clrMapOvr>
+</p:sld>
+</file>
+
+<file path=ppt/slides/slide8.xml><?xml version="1.0" encoding="utf-8"?>
+<p:sld xmlns:a="http://schemas.openxmlformats.org/drawingml/2006/main" xmlns:r="http://schemas.openxmlformats.org/officeDocument/2006/relationships" xmlns:p="http://schemas.openxmlformats.org/presentationml/2006/main">
+  <p:cSld>
+    <p:spTree>
+      <p:nvGrpSpPr>
+        <p:cNvPr id="1" name=""/>
+        <p:cNvGrpSpPr/>
+        <p:nvPr/>
+      </p:nvGrpSpPr>
+      <p:grpSpPr>
+        <a:xfrm>
+          <a:off x="0" y="0"/>
+          <a:ext cx="0" cy="0"/>
+          <a:chOff x="0" y="0"/>
+          <a:chExt cx="0" cy="0"/>
+        </a:xfrm>
+      </p:grpSpPr>
+      <p:sp>
+        <p:nvSpPr>
+          <p:cNvPr id="2" name="Title 1"/>
+          <p:cNvSpPr>
+            <a:spLocks noGrp="1"/>
+          </p:cNvSpPr>
+          <p:nvPr>
+            <p:ph type="title"/>
+          </p:nvPr>
+        </p:nvSpPr>
+        <p:spPr/>
+        <p:txBody>
+          <a:bodyPr/>
+          <a:lstStyle/>
+          <a:p>
+            <a:r>
+              <a:rPr lang="en-US" dirty="0" smtClean="0"/>
+              <a:t>Scalable</a:t>
+            </a:r>
+            <a:endParaRPr lang="en-US" dirty="0"/>
+          </a:p>
+        </p:txBody>
+      </p:sp>
+      <p:sp>
+        <p:nvSpPr>
+          <p:cNvPr id="3" name="Content Placeholder 2"/>
+          <p:cNvSpPr>
+            <a:spLocks noGrp="1"/>
+          </p:cNvSpPr>
+          <p:nvPr>
+            <p:ph idx="1"/>
+          </p:nvPr>
+        </p:nvSpPr>
+        <p:spPr/>
+        <p:txBody>
+          <a:bodyPr/>
+          <a:lstStyle/>
+          <a:p>
+            <a:r>
+              <a:rPr lang="en-US" dirty="0" smtClean="0"/>
+              <a:t>Auto scaling based on calls</a:t>
+            </a:r>
+          </a:p>
+          <a:p>
+            <a:r>
+              <a:rPr lang="en-US" dirty="0" smtClean="0"/>
+              <a:t>Manually scale with settings</a:t>
+            </a:r>
+          </a:p>
+          <a:p>
+            <a:r>
+              <a:rPr lang="en-US" dirty="0" smtClean="0"/>
+              <a:t>Scale units of computing instead of servers</a:t>
+            </a:r>
+          </a:p>
+          <a:p>
+            <a:r>
+              <a:rPr lang="en-US" dirty="0" smtClean="0"/>
+              <a:t>Scales back down</a:t>
+            </a:r>
+            <a:endParaRPr lang="en-US" dirty="0"/>
+          </a:p>
+        </p:txBody>
+      </p:sp>
+    </p:spTree>
+    <p:extLst>
+      <p:ext uri="{BB962C8B-B14F-4D97-AF65-F5344CB8AC3E}">
+        <p14:creationId xmlns:p14="http://schemas.microsoft.com/office/powerpoint/2010/main" val="498775429"/>
+      </p:ext>
+    </p:extLst>
+  </p:cSld>
+  <p:clrMapOvr>
+    <a:masterClrMapping/>
+  </p:clrMapOvr>
+</p:sld>
+</file>
+
 <file path=ppt/slides/slide9.xml><?xml version="1.0" encoding="utf-8"?>
 <p:sld xmlns:a="http://schemas.openxmlformats.org/drawingml/2006/main" xmlns:r="http://schemas.openxmlformats.org/officeDocument/2006/relationships" xmlns:p="http://schemas.openxmlformats.org/presentationml/2006/main">
   <p:cSld>
@@ -6820,7 +9263,50 @@
           <a:bodyPr/>
           <a:lstStyle/>
           <a:p>
-            <a:endParaRPr lang="en-US"/>
+            <a:r>
+              <a:rPr lang="en-US" dirty="0" smtClean="0"/>
+              <a:t>No runtimes to install</a:t>
+            </a:r>
+          </a:p>
+          <a:p>
+            <a:r>
+              <a:rPr lang="en-US" dirty="0" smtClean="0"/>
+              <a:t>No servers to provision</a:t>
+            </a:r>
+            <a:endParaRPr lang="en-US" dirty="0" smtClean="0"/>
+          </a:p>
+          <a:p>
+            <a:r>
+              <a:rPr lang="en-US" dirty="0" smtClean="0"/>
+              <a:t>No “</a:t>
+            </a:r>
+            <a:r>
+              <a:rPr lang="en-US" dirty="0" err="1" smtClean="0"/>
+              <a:t>INFRAopps</a:t>
+            </a:r>
+            <a:r>
+              <a:rPr lang="en-US" dirty="0" smtClean="0"/>
+              <a:t>”</a:t>
+            </a:r>
+          </a:p>
+          <a:p>
+            <a:r>
+              <a:rPr lang="en-US" dirty="0" smtClean="0"/>
+              <a:t>No logging setup</a:t>
+            </a:r>
+          </a:p>
+          <a:p>
+            <a:r>
+              <a:rPr lang="en-US" dirty="0" smtClean="0"/>
+              <a:t>Data replication</a:t>
+            </a:r>
+          </a:p>
+          <a:p>
+            <a:r>
+              <a:rPr lang="en-US" dirty="0" smtClean="0"/>
+              <a:t>Etc.</a:t>
+            </a:r>
+            <a:endParaRPr lang="en-US" dirty="0"/>
           </a:p>
         </p:txBody>
       </p:sp>
@@ -6834,10 +9320,204 @@
   <p:clrMapOvr>
     <a:masterClrMapping/>
   </p:clrMapOvr>
+  <p:timing>
+    <p:tnLst>
+      <p:par>
+        <p:cTn id="1" dur="indefinite" restart="never" nodeType="tmRoot"/>
+      </p:par>
+    </p:tnLst>
+  </p:timing>
 </p:sld>
 </file>
 
 <file path=ppt/theme/theme1.xml><?xml version="1.0" encoding="utf-8"?>
+<a:theme xmlns:a="http://schemas.openxmlformats.org/drawingml/2006/main" name="Headlines">
+  <a:themeElements>
+    <a:clrScheme name="Headlines">
+      <a:dk1>
+        <a:sysClr val="windowText" lastClr="000000"/>
+      </a:dk1>
+      <a:lt1>
+        <a:sysClr val="window" lastClr="FFFFFF"/>
+      </a:lt1>
+      <a:dk2>
+        <a:srgbClr val="1D1A1D"/>
+      </a:dk2>
+      <a:lt2>
+        <a:srgbClr val="F5F5F5"/>
+      </a:lt2>
+      <a:accent1>
+        <a:srgbClr val="439EB7"/>
+      </a:accent1>
+      <a:accent2>
+        <a:srgbClr val="E28B55"/>
+      </a:accent2>
+      <a:accent3>
+        <a:srgbClr val="DCB64D"/>
+      </a:accent3>
+      <a:accent4>
+        <a:srgbClr val="4CA198"/>
+      </a:accent4>
+      <a:accent5>
+        <a:srgbClr val="835B82"/>
+      </a:accent5>
+      <a:accent6>
+        <a:srgbClr val="645135"/>
+      </a:accent6>
+      <a:hlink>
+        <a:srgbClr val="439EB7"/>
+      </a:hlink>
+      <a:folHlink>
+        <a:srgbClr val="835B82"/>
+      </a:folHlink>
+    </a:clrScheme>
+    <a:fontScheme name="Headlines">
+      <a:majorFont>
+        <a:latin typeface="Century Schoolbook" panose="02040604050505020304"/>
+        <a:ea typeface=""/>
+        <a:cs typeface=""/>
+      </a:majorFont>
+      <a:minorFont>
+        <a:latin typeface="Corbel" panose="020B0503020204020204"/>
+        <a:ea typeface=""/>
+        <a:cs typeface=""/>
+      </a:minorFont>
+    </a:fontScheme>
+    <a:fmtScheme name="Headlines">
+      <a:fillStyleLst>
+        <a:solidFill>
+          <a:schemeClr val="phClr"/>
+        </a:solidFill>
+        <a:solidFill>
+          <a:schemeClr val="phClr">
+            <a:tint val="67000"/>
+            <a:satMod val="105000"/>
+          </a:schemeClr>
+        </a:solidFill>
+        <a:gradFill rotWithShape="1">
+          <a:gsLst>
+            <a:gs pos="0">
+              <a:schemeClr val="phClr">
+                <a:tint val="100000"/>
+                <a:satMod val="103000"/>
+                <a:lumMod val="102000"/>
+              </a:schemeClr>
+            </a:gs>
+            <a:gs pos="50000">
+              <a:schemeClr val="phClr">
+                <a:shade val="100000"/>
+                <a:satMod val="110000"/>
+                <a:lumMod val="100000"/>
+              </a:schemeClr>
+            </a:gs>
+            <a:gs pos="100000">
+              <a:schemeClr val="phClr">
+                <a:shade val="70000"/>
+                <a:satMod val="120000"/>
+                <a:lumMod val="99000"/>
+              </a:schemeClr>
+            </a:gs>
+          </a:gsLst>
+          <a:path path="circle">
+            <a:fillToRect l="100000" t="100000" r="100000" b="100000"/>
+          </a:path>
+        </a:gradFill>
+      </a:fillStyleLst>
+      <a:lnStyleLst>
+        <a:ln w="6350" cap="flat" cmpd="sng" algn="in">
+          <a:solidFill>
+            <a:schemeClr val="phClr"/>
+          </a:solidFill>
+          <a:prstDash val="solid"/>
+        </a:ln>
+        <a:ln w="12700" cap="flat" cmpd="sng" algn="in">
+          <a:solidFill>
+            <a:schemeClr val="phClr"/>
+          </a:solidFill>
+          <a:prstDash val="solid"/>
+        </a:ln>
+        <a:ln w="19050" cap="flat" cmpd="sng" algn="in">
+          <a:solidFill>
+            <a:schemeClr val="phClr">
+              <a:satMod val="150000"/>
+            </a:schemeClr>
+          </a:solidFill>
+          <a:prstDash val="solid"/>
+        </a:ln>
+      </a:lnStyleLst>
+      <a:effectStyleLst>
+        <a:effectStyle>
+          <a:effectLst/>
+        </a:effectStyle>
+        <a:effectStyle>
+          <a:effectLst/>
+        </a:effectStyle>
+        <a:effectStyle>
+          <a:effectLst>
+            <a:innerShdw blurRad="88900" dist="25400" dir="10800000">
+              <a:srgbClr val="000000">
+                <a:alpha val="25000"/>
+              </a:srgbClr>
+            </a:innerShdw>
+            <a:outerShdw blurRad="25400" dist="25400" dir="5400000" rotWithShape="0">
+              <a:srgbClr val="FFFFFF">
+                <a:alpha val="10000"/>
+              </a:srgbClr>
+            </a:outerShdw>
+          </a:effectLst>
+        </a:effectStyle>
+      </a:effectStyleLst>
+      <a:bgFillStyleLst>
+        <a:solidFill>
+          <a:schemeClr val="phClr"/>
+        </a:solidFill>
+        <a:solidFill>
+          <a:schemeClr val="phClr">
+            <a:tint val="95000"/>
+            <a:satMod val="170000"/>
+          </a:schemeClr>
+        </a:solidFill>
+        <a:gradFill rotWithShape="1">
+          <a:gsLst>
+            <a:gs pos="0">
+              <a:schemeClr val="phClr">
+                <a:tint val="93000"/>
+                <a:shade val="98000"/>
+                <a:satMod val="150000"/>
+                <a:lumMod val="102000"/>
+              </a:schemeClr>
+            </a:gs>
+            <a:gs pos="50000">
+              <a:schemeClr val="phClr">
+                <a:tint val="98000"/>
+                <a:shade val="90000"/>
+                <a:satMod val="130000"/>
+                <a:lumMod val="103000"/>
+              </a:schemeClr>
+            </a:gs>
+            <a:gs pos="100000">
+              <a:schemeClr val="phClr">
+                <a:shade val="63000"/>
+                <a:satMod val="120000"/>
+              </a:schemeClr>
+            </a:gs>
+          </a:gsLst>
+          <a:lin ang="5400000" scaled="0"/>
+        </a:gradFill>
+      </a:bgFillStyleLst>
+    </a:fmtScheme>
+  </a:themeElements>
+  <a:objectDefaults/>
+  <a:extraClrSchemeLst/>
+  <a:extLst>
+    <a:ext uri="{05A4C25C-085E-4340-85A3-A5531E510DB2}">
+      <thm15:themeFamily xmlns:thm15="http://schemas.microsoft.com/office/thememl/2012/main" name="Headlines" id="{3841520A-25F2-4EB8-BE4C-611DB5ABEED9}" vid="{ECD25A4C-D97E-4C12-84B1-63580BFFAEEB}"/>
+    </a:ext>
+  </a:extLst>
+</a:theme>
+</file>
+
+<file path=ppt/theme/theme2.xml><?xml version="1.0" encoding="utf-8"?>
 <a:theme xmlns:a="http://schemas.openxmlformats.org/drawingml/2006/main" name="Office Theme">
   <a:themeElements>
     <a:clrScheme name="Office">

--- a/going-serverless-2017.pptx
+++ b/going-serverless-2017.pptx
@@ -135,7 +135,7 @@
   </p:defaultTextStyle>
   <p:extLst>
     <p:ext uri="{EFAFB233-063F-42B5-8137-9DF3F51BA10A}">
-      <p15:sldGuideLst xmlns:p15="http://schemas.microsoft.com/office/powerpoint/2012/main"/>
+      <p15:sldGuideLst xmlns:p15="http://schemas.microsoft.com/office/powerpoint/2012/main" xmlns=""/>
     </p:ext>
   </p:extLst>
 </p:presentation>
@@ -974,7 +974,7 @@
   </p:clrMapOvr>
   <p:extLst mod="1">
     <p:ext uri="{DCECCB84-F9BA-43D5-87BE-67443E8EF086}">
-      <p15:sldGuideLst xmlns:p15="http://schemas.microsoft.com/office/powerpoint/2012/main">
+      <p15:sldGuideLst xmlns:p15="http://schemas.microsoft.com/office/powerpoint/2012/main" xmlns="">
         <p15:guide id="1" orient="horz" pos="792">
           <p15:clr>
             <a:srgbClr val="FBAE40"/>
@@ -1584,7 +1584,7 @@
   </p:clrMapOvr>
   <p:extLst mod="1">
     <p:ext uri="{DCECCB84-F9BA-43D5-87BE-67443E8EF086}">
-      <p15:sldGuideLst xmlns:p15="http://schemas.microsoft.com/office/powerpoint/2012/main">
+      <p15:sldGuideLst xmlns:p15="http://schemas.microsoft.com/office/powerpoint/2012/main" xmlns="">
         <p15:guide id="1" pos="6456">
           <p15:clr>
             <a:srgbClr val="FBAE40"/>
@@ -2313,7 +2313,7 @@
   </p:clrMapOvr>
   <p:extLst mod="1">
     <p:ext uri="{DCECCB84-F9BA-43D5-87BE-67443E8EF086}">
-      <p15:sldGuideLst xmlns:p15="http://schemas.microsoft.com/office/powerpoint/2012/main">
+      <p15:sldGuideLst xmlns:p15="http://schemas.microsoft.com/office/powerpoint/2012/main" xmlns="">
         <p15:guide id="1" pos="6456">
           <p15:clr>
             <a:srgbClr val="FBAE40"/>
@@ -2551,7 +2551,7 @@
   </p:clrMapOvr>
   <p:extLst>
     <p:ext uri="{DCECCB84-F9BA-43D5-87BE-67443E8EF086}">
-      <p15:sldGuideLst xmlns:p15="http://schemas.microsoft.com/office/powerpoint/2012/main"/>
+      <p15:sldGuideLst xmlns:p15="http://schemas.microsoft.com/office/powerpoint/2012/main" xmlns=""/>
     </p:ext>
   </p:extLst>
 </p:sldLayout>
@@ -2942,7 +2942,7 @@
   </p:clrMapOvr>
   <p:extLst>
     <p:ext uri="{DCECCB84-F9BA-43D5-87BE-67443E8EF086}">
-      <p15:sldGuideLst xmlns:p15="http://schemas.microsoft.com/office/powerpoint/2012/main"/>
+      <p15:sldGuideLst xmlns:p15="http://schemas.microsoft.com/office/powerpoint/2012/main" xmlns=""/>
     </p:ext>
   </p:extLst>
 </p:sldLayout>
@@ -3150,7 +3150,7 @@
   </p:clrMapOvr>
   <p:extLst>
     <p:ext uri="{DCECCB84-F9BA-43D5-87BE-67443E8EF086}">
-      <p15:sldGuideLst xmlns:p15="http://schemas.microsoft.com/office/powerpoint/2012/main"/>
+      <p15:sldGuideLst xmlns:p15="http://schemas.microsoft.com/office/powerpoint/2012/main" xmlns=""/>
     </p:ext>
   </p:extLst>
 </p:sldLayout>
@@ -3450,7 +3450,7 @@
   </p:clrMapOvr>
   <p:extLst>
     <p:ext uri="{DCECCB84-F9BA-43D5-87BE-67443E8EF086}">
-      <p15:sldGuideLst xmlns:p15="http://schemas.microsoft.com/office/powerpoint/2012/main"/>
+      <p15:sldGuideLst xmlns:p15="http://schemas.microsoft.com/office/powerpoint/2012/main" xmlns=""/>
     </p:ext>
   </p:extLst>
 </p:sldLayout>
@@ -4529,7 +4529,7 @@
   </p:txStyles>
   <p:extLst mod="1">
     <p:ext uri="{27BBF7A9-308A-43DC-89C8-2F10F3537804}">
-      <p15:sldGuideLst xmlns:p15="http://schemas.microsoft.com/office/powerpoint/2012/main">
+      <p15:sldGuideLst xmlns:p15="http://schemas.microsoft.com/office/powerpoint/2012/main" xmlns="">
         <p15:guide id="1" pos="2832">
           <p15:clr>
             <a:srgbClr val="F26B43"/>
@@ -4785,10 +4785,6 @@
             <a:r>
               <a:rPr lang="en-US" dirty="0" smtClean="0"/>
               <a:t>a closer look</a:t>
-            </a:r>
-            <a:r>
-              <a:rPr lang="en-US" dirty="0" smtClean="0"/>
-              <a:t/>
             </a:r>
             <a:br>
               <a:rPr lang="en-US" dirty="0" smtClean="0"/>
@@ -7398,7 +7394,7 @@
   <p:timing>
     <p:tnLst>
       <p:par>
-        <p:cTn id="1" dur="indefinite" restart="never" nodeType="tmRoot">
+        <p:cTn xmlns:p14="http://schemas.microsoft.com/office/powerpoint/2010/main" id="1" dur="indefinite" restart="never" nodeType="tmRoot">
           <p:childTnLst>
             <p:seq concurrent="1" nextAc="seek">
               <p:cTn id="2" dur="indefinite" nodeType="mainSeq">
@@ -7658,7 +7654,7 @@
   <p:timing>
     <p:tnLst>
       <p:par>
-        <p:cTn id="1" dur="indefinite" restart="never" nodeType="tmRoot"/>
+        <p:cTn xmlns:p14="http://schemas.microsoft.com/office/powerpoint/2010/main" id="1" dur="indefinite" restart="never" nodeType="tmRoot"/>
       </p:par>
     </p:tnLst>
   </p:timing>
@@ -7930,7 +7926,7 @@
   <p:timing>
     <p:tnLst>
       <p:par>
-        <p:cTn id="1" dur="indefinite" restart="never" nodeType="tmRoot"/>
+        <p:cTn xmlns:p14="http://schemas.microsoft.com/office/powerpoint/2010/main" id="1" dur="indefinite" restart="never" nodeType="tmRoot"/>
       </p:par>
     </p:tnLst>
   </p:timing>
@@ -8162,33 +8158,47 @@
               <a:rPr lang="en-US" dirty="0" smtClean="0"/>
               <a:t>Console</a:t>
             </a:r>
-            <a:endParaRPr lang="en-US" dirty="0"/>
-          </a:p>
-        </p:txBody>
-      </p:sp>
-      <p:sp>
-        <p:nvSpPr>
-          <p:cNvPr id="3" name="Content Placeholder 2"/>
-          <p:cNvSpPr>
-            <a:spLocks noGrp="1"/>
-          </p:cNvSpPr>
-          <p:nvPr>
-            <p:ph idx="1"/>
-          </p:nvPr>
-        </p:nvSpPr>
-        <p:spPr/>
-        <p:txBody>
-          <a:bodyPr/>
-          <a:lstStyle/>
-          <a:p>
-            <a:r>
-              <a:rPr lang="en-US" dirty="0" smtClean="0"/>
-              <a:t>STOP right now</a:t>
-            </a:r>
-            <a:endParaRPr lang="en-US" dirty="0"/>
-          </a:p>
-        </p:txBody>
-      </p:sp>
+            <a:br>
+              <a:rPr lang="en-US" dirty="0" smtClean="0"/>
+            </a:br>
+            <a:r>
+              <a:rPr lang="en-US" sz="2800" dirty="0" smtClean="0"/>
+              <a:t>just don’t</a:t>
+            </a:r>
+            <a:endParaRPr lang="en-US" sz="2800" dirty="0"/>
+          </a:p>
+        </p:txBody>
+      </p:sp>
+      <p:pic>
+        <p:nvPicPr>
+          <p:cNvPr id="5" name="Picture 4" descr="Screen Shot 2017-10-04 at 7.43.05 PM.png"/>
+          <p:cNvPicPr>
+            <a:picLocks noChangeAspect="1"/>
+          </p:cNvPicPr>
+          <p:nvPr/>
+        </p:nvPicPr>
+        <p:blipFill>
+          <a:blip r:embed="rId2">
+            <a:extLst>
+              <a:ext uri="{28A0092B-C50C-407E-A947-70E740481C1C}">
+                <a14:useLocalDpi xmlns:a14="http://schemas.microsoft.com/office/drawing/2010/main" val="0"/>
+              </a:ext>
+            </a:extLst>
+          </a:blip>
+          <a:stretch>
+            <a:fillRect/>
+          </a:stretch>
+        </p:blipFill>
+        <p:spPr>
+          <a:xfrm>
+            <a:off x="5303728" y="781420"/>
+            <a:ext cx="6364395" cy="4222750"/>
+          </a:xfrm>
+          <a:prstGeom prst="rect">
+            <a:avLst/>
+          </a:prstGeom>
+        </p:spPr>
+      </p:pic>
     </p:spTree>
     <p:extLst>
       <p:ext uri="{BB962C8B-B14F-4D97-AF65-F5344CB8AC3E}">
@@ -8238,33 +8248,41 @@
               <a:rPr lang="en-US" dirty="0" smtClean="0"/>
               <a:t>Manual</a:t>
             </a:r>
-            <a:endParaRPr lang="en-US" dirty="0"/>
-          </a:p>
-        </p:txBody>
-      </p:sp>
-      <p:sp>
-        <p:nvSpPr>
-          <p:cNvPr id="3" name="Content Placeholder 2"/>
-          <p:cNvSpPr>
-            <a:spLocks noGrp="1"/>
-          </p:cNvSpPr>
-          <p:nvPr>
-            <p:ph idx="1"/>
-          </p:nvPr>
-        </p:nvSpPr>
-        <p:spPr/>
-        <p:txBody>
-          <a:bodyPr/>
-          <a:lstStyle/>
-          <a:p>
-            <a:r>
-              <a:rPr lang="en-US" dirty="0" smtClean="0"/>
-              <a:t>Here’s an anchor to swim with</a:t>
-            </a:r>
-            <a:endParaRPr lang="en-US" dirty="0"/>
-          </a:p>
-        </p:txBody>
-      </p:sp>
+            <a:br>
+              <a:rPr lang="en-US" dirty="0" smtClean="0"/>
+            </a:br>
+            <a:r>
+              <a:rPr lang="en-US" sz="2400" dirty="0" smtClean="0"/>
+              <a:t>oh joy!</a:t>
+            </a:r>
+            <a:endParaRPr lang="en-US" sz="2400" dirty="0"/>
+          </a:p>
+        </p:txBody>
+      </p:sp>
+      <p:pic>
+        <p:nvPicPr>
+          <p:cNvPr id="5" name="Picture 4"/>
+          <p:cNvPicPr>
+            <a:picLocks noChangeAspect="1"/>
+          </p:cNvPicPr>
+          <p:nvPr/>
+        </p:nvPicPr>
+        <p:blipFill>
+          <a:blip r:embed="rId2"/>
+          <a:stretch>
+            <a:fillRect/>
+          </a:stretch>
+        </p:blipFill>
+        <p:spPr>
+          <a:xfrm>
+            <a:off x="4841875" y="559678"/>
+            <a:ext cx="7127875" cy="4750170"/>
+          </a:xfrm>
+          <a:prstGeom prst="rect">
+            <a:avLst/>
+          </a:prstGeom>
+        </p:spPr>
+      </p:pic>
     </p:spTree>
     <p:extLst>
       <p:ext uri="{BB962C8B-B14F-4D97-AF65-F5344CB8AC3E}">
@@ -8314,7 +8332,14 @@
               <a:rPr lang="en-US" dirty="0" smtClean="0"/>
               <a:t>Frameworks</a:t>
             </a:r>
-            <a:endParaRPr lang="en-US" dirty="0"/>
+            <a:br>
+              <a:rPr lang="en-US" dirty="0" smtClean="0"/>
+            </a:br>
+            <a:r>
+              <a:rPr lang="en-US" sz="2400" dirty="0" smtClean="0"/>
+              <a:t>now we’re getting somewhere</a:t>
+            </a:r>
+            <a:endParaRPr lang="en-US" sz="2400" dirty="0"/>
           </a:p>
         </p:txBody>
       </p:sp>
@@ -9273,7 +9298,6 @@
               <a:rPr lang="en-US" dirty="0" smtClean="0"/>
               <a:t>No servers to provision</a:t>
             </a:r>
-            <a:endParaRPr lang="en-US" dirty="0" smtClean="0"/>
           </a:p>
           <a:p>
             <a:r>
@@ -9323,7 +9347,7 @@
   <p:timing>
     <p:tnLst>
       <p:par>
-        <p:cTn id="1" dur="indefinite" restart="never" nodeType="tmRoot"/>
+        <p:cTn xmlns:p14="http://schemas.microsoft.com/office/powerpoint/2010/main" id="1" dur="indefinite" restart="never" nodeType="tmRoot"/>
       </p:par>
     </p:tnLst>
   </p:timing>
@@ -9373,12 +9397,12 @@
     </a:clrScheme>
     <a:fontScheme name="Headlines">
       <a:majorFont>
-        <a:latin typeface="Century Schoolbook" panose="02040604050505020304"/>
+        <a:latin typeface="Century Schoolbook"/>
         <a:ea typeface=""/>
         <a:cs typeface=""/>
       </a:majorFont>
       <a:minorFont>
-        <a:latin typeface="Corbel" panose="020B0503020204020204"/>
+        <a:latin typeface="Corbel"/>
         <a:ea typeface=""/>
         <a:cs typeface=""/>
       </a:minorFont>
@@ -9511,7 +9535,7 @@
   <a:extraClrSchemeLst/>
   <a:extLst>
     <a:ext uri="{05A4C25C-085E-4340-85A3-A5531E510DB2}">
-      <thm15:themeFamily xmlns:thm15="http://schemas.microsoft.com/office/thememl/2012/main" name="Headlines" id="{3841520A-25F2-4EB8-BE4C-611DB5ABEED9}" vid="{ECD25A4C-D97E-4C12-84B1-63580BFFAEEB}"/>
+      <thm15:themeFamily xmlns:thm15="http://schemas.microsoft.com/office/thememl/2012/main" xmlns="" name="Headlines" id="{3841520A-25F2-4EB8-BE4C-611DB5ABEED9}" vid="{ECD25A4C-D97E-4C12-84B1-63580BFFAEEB}"/>
     </a:ext>
   </a:extLst>
 </a:theme>
@@ -9560,7 +9584,7 @@
     </a:clrScheme>
     <a:fontScheme name="Office">
       <a:majorFont>
-        <a:latin typeface="Calibri Light" panose="020F0302020204030204"/>
+        <a:latin typeface="Calibri Light"/>
         <a:ea typeface=""/>
         <a:cs typeface=""/>
         <a:font script="Jpan" typeface="Yu Gothic Light"/>
@@ -9595,7 +9619,7 @@
         <a:font script="Geor" typeface="Sylfaen"/>
       </a:majorFont>
       <a:minorFont>
-        <a:latin typeface="Calibri" panose="020F0502020204030204"/>
+        <a:latin typeface="Calibri"/>
         <a:ea typeface=""/>
         <a:cs typeface=""/>
         <a:font script="Jpan" typeface="Yu Gothic"/>
@@ -9772,7 +9796,7 @@
   <a:extraClrSchemeLst/>
   <a:extLst>
     <a:ext uri="{05A4C25C-085E-4340-85A3-A5531E510DB2}">
-      <thm15:themeFamily xmlns:thm15="http://schemas.microsoft.com/office/thememl/2012/main" name="Office Theme" id="{62F939B6-93AF-4DB8-9C6B-D6C7DFDC589F}" vid="{4A3C46E8-61CC-4603-A589-7422A47A8E4A}"/>
+      <thm15:themeFamily xmlns:thm15="http://schemas.microsoft.com/office/thememl/2012/main" xmlns="" name="Office Theme" id="{62F939B6-93AF-4DB8-9C6B-D6C7DFDC589F}" vid="{4A3C46E8-61CC-4603-A589-7422A47A8E4A}"/>
     </a:ext>
   </a:extLst>
 </a:theme>

--- a/going-serverless-2017.pptx
+++ b/going-serverless-2017.pptx
@@ -5,7 +5,7 @@
     <p:sldMasterId id="2147484390" r:id="rId1"/>
   </p:sldMasterIdLst>
   <p:notesMasterIdLst>
-    <p:notesMasterId r:id="rId29"/>
+    <p:notesMasterId r:id="rId30"/>
   </p:notesMasterIdLst>
   <p:sldIdLst>
     <p:sldId id="256" r:id="rId2"/>
@@ -33,8 +33,9 @@
     <p:sldId id="269" r:id="rId24"/>
     <p:sldId id="270" r:id="rId25"/>
     <p:sldId id="271" r:id="rId26"/>
-    <p:sldId id="289" r:id="rId27"/>
-    <p:sldId id="272" r:id="rId28"/>
+    <p:sldId id="291" r:id="rId27"/>
+    <p:sldId id="289" r:id="rId28"/>
+    <p:sldId id="272" r:id="rId29"/>
   </p:sldIdLst>
   <p:sldSz cx="12192000" cy="6858000"/>
   <p:notesSz cx="6858000" cy="9144000"/>
@@ -8424,6 +8425,142 @@
           <a:lstStyle/>
           <a:p>
             <a:r>
+              <a:rPr lang="en-US" dirty="0" err="1" smtClean="0"/>
+              <a:t>Serverless</a:t>
+            </a:r>
+            <a:r>
+              <a:rPr lang="en-US" dirty="0" smtClean="0"/>
+              <a:t/>
+            </a:r>
+            <a:br>
+              <a:rPr lang="en-US" dirty="0" smtClean="0"/>
+            </a:br>
+            <a:r>
+              <a:rPr lang="en-US" sz="2400" dirty="0" smtClean="0"/>
+              <a:t>the framework</a:t>
+            </a:r>
+            <a:endParaRPr lang="en-US" sz="2400" dirty="0"/>
+          </a:p>
+        </p:txBody>
+      </p:sp>
+      <p:sp>
+        <p:nvSpPr>
+          <p:cNvPr id="3" name="Content Placeholder 2"/>
+          <p:cNvSpPr>
+            <a:spLocks noGrp="1"/>
+          </p:cNvSpPr>
+          <p:nvPr>
+            <p:ph idx="1"/>
+          </p:nvPr>
+        </p:nvSpPr>
+        <p:spPr/>
+        <p:txBody>
+          <a:bodyPr/>
+          <a:lstStyle/>
+          <a:p>
+            <a:r>
+              <a:rPr lang="en-US" dirty="0" err="1" smtClean="0"/>
+              <a:t>Serverless</a:t>
+            </a:r>
+            <a:r>
+              <a:rPr lang="en-US" dirty="0"/>
+              <a:t>: </a:t>
+            </a:r>
+            <a:r>
+              <a:rPr lang="en-US" dirty="0">
+                <a:hlinkClick r:id="rId2"/>
+              </a:rPr>
+              <a:t>https://</a:t>
+            </a:r>
+            <a:r>
+              <a:rPr lang="en-US" dirty="0" err="1">
+                <a:hlinkClick r:id="rId2"/>
+              </a:rPr>
+              <a:t>serverless.com</a:t>
+            </a:r>
+            <a:endParaRPr lang="en-US" dirty="0" smtClean="0"/>
+          </a:p>
+          <a:p>
+            <a:r>
+              <a:rPr lang="en-US" dirty="0" smtClean="0"/>
+              <a:t>Works for multiple providers</a:t>
+            </a:r>
+          </a:p>
+          <a:p>
+            <a:r>
+              <a:rPr lang="en-US" dirty="0" smtClean="0"/>
+              <a:t>Works with multiple templates</a:t>
+            </a:r>
+          </a:p>
+          <a:p>
+            <a:r>
+              <a:rPr lang="en-US" dirty="0" smtClean="0"/>
+              <a:t>Very similar to cloud formation templates</a:t>
+            </a:r>
+          </a:p>
+          <a:p>
+            <a:r>
+              <a:rPr lang="en-US" dirty="0" smtClean="0"/>
+              <a:t>Sanity for the developers</a:t>
+            </a:r>
+          </a:p>
+          <a:p>
+            <a:pPr marL="0" indent="0">
+              <a:buNone/>
+            </a:pPr>
+            <a:endParaRPr lang="en-US" dirty="0" smtClean="0"/>
+          </a:p>
+          <a:p>
+            <a:endParaRPr lang="en-US" dirty="0"/>
+          </a:p>
+        </p:txBody>
+      </p:sp>
+    </p:spTree>
+    <p:extLst>
+      <p:ext uri="{BB962C8B-B14F-4D97-AF65-F5344CB8AC3E}">
+        <p14:creationId xmlns:p14="http://schemas.microsoft.com/office/powerpoint/2010/main" val="1124419550"/>
+      </p:ext>
+    </p:extLst>
+  </p:cSld>
+  <p:clrMapOvr>
+    <a:masterClrMapping/>
+  </p:clrMapOvr>
+</p:sld>
+</file>
+
+<file path=ppt/slides/slide27.xml><?xml version="1.0" encoding="utf-8"?>
+<p:sld xmlns:a="http://schemas.openxmlformats.org/drawingml/2006/main" xmlns:r="http://schemas.openxmlformats.org/officeDocument/2006/relationships" xmlns:p="http://schemas.openxmlformats.org/presentationml/2006/main">
+  <p:cSld>
+    <p:spTree>
+      <p:nvGrpSpPr>
+        <p:cNvPr id="1" name=""/>
+        <p:cNvGrpSpPr/>
+        <p:nvPr/>
+      </p:nvGrpSpPr>
+      <p:grpSpPr>
+        <a:xfrm>
+          <a:off x="0" y="0"/>
+          <a:ext cx="0" cy="0"/>
+          <a:chOff x="0" y="0"/>
+          <a:chExt cx="0" cy="0"/>
+        </a:xfrm>
+      </p:grpSpPr>
+      <p:sp>
+        <p:nvSpPr>
+          <p:cNvPr id="2" name="Title 1"/>
+          <p:cNvSpPr>
+            <a:spLocks noGrp="1"/>
+          </p:cNvSpPr>
+          <p:nvPr>
+            <p:ph type="title"/>
+          </p:nvPr>
+        </p:nvSpPr>
+        <p:spPr/>
+        <p:txBody>
+          <a:bodyPr/>
+          <a:lstStyle/>
+          <a:p>
+            <a:r>
               <a:rPr lang="en-US" dirty="0" smtClean="0"/>
               <a:t>Additional resources</a:t>
             </a:r>
@@ -8554,7 +8691,7 @@
 </p:sld>
 </file>
 
-<file path=ppt/slides/slide27.xml><?xml version="1.0" encoding="utf-8"?>
+<file path=ppt/slides/slide28.xml><?xml version="1.0" encoding="utf-8"?>
 <p:sld xmlns:a="http://schemas.openxmlformats.org/drawingml/2006/main" xmlns:r="http://schemas.openxmlformats.org/officeDocument/2006/relationships" xmlns:p="http://schemas.openxmlformats.org/presentationml/2006/main">
   <p:cSld>
     <p:spTree>

--- a/going-serverless-2017.pptx
+++ b/going-serverless-2017.pptx
@@ -5,7 +5,7 @@
     <p:sldMasterId id="2147484390" r:id="rId1"/>
   </p:sldMasterIdLst>
   <p:notesMasterIdLst>
-    <p:notesMasterId r:id="rId30"/>
+    <p:notesMasterId r:id="rId31"/>
   </p:notesMasterIdLst>
   <p:sldIdLst>
     <p:sldId id="256" r:id="rId2"/>
@@ -13,29 +13,30 @@
     <p:sldId id="258" r:id="rId4"/>
     <p:sldId id="261" r:id="rId5"/>
     <p:sldId id="259" r:id="rId6"/>
-    <p:sldId id="260" r:id="rId7"/>
-    <p:sldId id="279" r:id="rId8"/>
-    <p:sldId id="280" r:id="rId9"/>
-    <p:sldId id="274" r:id="rId10"/>
-    <p:sldId id="290" r:id="rId11"/>
-    <p:sldId id="288" r:id="rId12"/>
+    <p:sldId id="292" r:id="rId7"/>
+    <p:sldId id="260" r:id="rId8"/>
+    <p:sldId id="279" r:id="rId9"/>
+    <p:sldId id="280" r:id="rId10"/>
+    <p:sldId id="274" r:id="rId11"/>
+    <p:sldId id="290" r:id="rId12"/>
     <p:sldId id="276" r:id="rId13"/>
     <p:sldId id="283" r:id="rId14"/>
     <p:sldId id="284" r:id="rId15"/>
     <p:sldId id="285" r:id="rId16"/>
     <p:sldId id="286" r:id="rId17"/>
     <p:sldId id="287" r:id="rId18"/>
-    <p:sldId id="277" r:id="rId19"/>
-    <p:sldId id="278" r:id="rId20"/>
-    <p:sldId id="273" r:id="rId21"/>
-    <p:sldId id="275" r:id="rId22"/>
-    <p:sldId id="263" r:id="rId23"/>
-    <p:sldId id="269" r:id="rId24"/>
-    <p:sldId id="270" r:id="rId25"/>
-    <p:sldId id="271" r:id="rId26"/>
-    <p:sldId id="291" r:id="rId27"/>
-    <p:sldId id="289" r:id="rId28"/>
-    <p:sldId id="272" r:id="rId29"/>
+    <p:sldId id="288" r:id="rId19"/>
+    <p:sldId id="277" r:id="rId20"/>
+    <p:sldId id="278" r:id="rId21"/>
+    <p:sldId id="273" r:id="rId22"/>
+    <p:sldId id="275" r:id="rId23"/>
+    <p:sldId id="263" r:id="rId24"/>
+    <p:sldId id="269" r:id="rId25"/>
+    <p:sldId id="270" r:id="rId26"/>
+    <p:sldId id="271" r:id="rId27"/>
+    <p:sldId id="291" r:id="rId28"/>
+    <p:sldId id="289" r:id="rId29"/>
+    <p:sldId id="272" r:id="rId30"/>
   </p:sldIdLst>
   <p:sldSz cx="12192000" cy="6858000"/>
   <p:notesSz cx="6858000" cy="9144000"/>
@@ -136,7 +137,18 @@
   </p:defaultTextStyle>
   <p:extLst>
     <p:ext uri="{EFAFB233-063F-42B5-8137-9DF3F51BA10A}">
-      <p15:sldGuideLst xmlns:p15="http://schemas.microsoft.com/office/powerpoint/2012/main" xmlns=""/>
+      <p15:sldGuideLst xmlns:p15="http://schemas.microsoft.com/office/powerpoint/2012/main">
+        <p15:guide id="1" orient="horz" pos="2160">
+          <p15:clr>
+            <a:srgbClr val="A4A3A4"/>
+          </p15:clr>
+        </p15:guide>
+        <p15:guide id="2" pos="3840">
+          <p15:clr>
+            <a:srgbClr val="A4A3A4"/>
+          </p15:clr>
+        </p15:guide>
+      </p15:sldGuideLst>
     </p:ext>
   </p:extLst>
 </p:presentation>
@@ -224,7 +236,7 @@
           <a:p>
             <a:fld id="{B2C8C884-D63D-5646-A586-52C29EA0F3E1}" type="datetimeFigureOut">
               <a:rPr lang="en-US" smtClean="0"/>
-              <a:t>10/4/17</a:t>
+              <a:t>10/5/17</a:t>
             </a:fld>
             <a:endParaRPr lang="en-US"/>
           </a:p>
@@ -859,7 +871,7 @@
           <a:p>
             <a:fld id="{5163F177-63D5-7643-99DD-EE07EEE1E644}" type="datetimeFigureOut">
               <a:rPr lang="en-US" smtClean="0"/>
-              <a:t>10/4/17</a:t>
+              <a:t>10/5/17</a:t>
             </a:fld>
             <a:endParaRPr lang="en-US"/>
           </a:p>
@@ -975,7 +987,7 @@
   </p:clrMapOvr>
   <p:extLst mod="1">
     <p:ext uri="{DCECCB84-F9BA-43D5-87BE-67443E8EF086}">
-      <p15:sldGuideLst xmlns:p15="http://schemas.microsoft.com/office/powerpoint/2012/main" xmlns="">
+      <p15:sldGuideLst xmlns:p15="http://schemas.microsoft.com/office/powerpoint/2012/main">
         <p15:guide id="1" orient="horz" pos="792">
           <p15:clr>
             <a:srgbClr val="FBAE40"/>
@@ -1101,7 +1113,7 @@
           <a:p>
             <a:fld id="{5163F177-63D5-7643-99DD-EE07EEE1E644}" type="datetimeFigureOut">
               <a:rPr lang="en-US" smtClean="0"/>
-              <a:t>10/4/17</a:t>
+              <a:t>10/5/17</a:t>
             </a:fld>
             <a:endParaRPr lang="en-US"/>
           </a:p>
@@ -1482,7 +1494,7 @@
           <a:p>
             <a:fld id="{5163F177-63D5-7643-99DD-EE07EEE1E644}" type="datetimeFigureOut">
               <a:rPr lang="en-US" smtClean="0"/>
-              <a:t>10/4/17</a:t>
+              <a:t>10/5/17</a:t>
             </a:fld>
             <a:endParaRPr lang="en-US"/>
           </a:p>
@@ -1585,7 +1597,7 @@
   </p:clrMapOvr>
   <p:extLst mod="1">
     <p:ext uri="{DCECCB84-F9BA-43D5-87BE-67443E8EF086}">
-      <p15:sldGuideLst xmlns:p15="http://schemas.microsoft.com/office/powerpoint/2012/main" xmlns="">
+      <p15:sldGuideLst xmlns:p15="http://schemas.microsoft.com/office/powerpoint/2012/main">
         <p15:guide id="1" pos="6456">
           <p15:clr>
             <a:srgbClr val="FBAE40"/>
@@ -1706,7 +1718,7 @@
           <a:p>
             <a:fld id="{5163F177-63D5-7643-99DD-EE07EEE1E644}" type="datetimeFigureOut">
               <a:rPr lang="en-US" smtClean="0"/>
-              <a:t>10/4/17</a:t>
+              <a:t>10/5/17</a:t>
             </a:fld>
             <a:endParaRPr lang="en-US"/>
           </a:p>
@@ -2192,7 +2204,7 @@
           <a:p>
             <a:fld id="{5163F177-63D5-7643-99DD-EE07EEE1E644}" type="datetimeFigureOut">
               <a:rPr lang="en-US" smtClean="0"/>
-              <a:t>10/4/17</a:t>
+              <a:t>10/5/17</a:t>
             </a:fld>
             <a:endParaRPr lang="en-US"/>
           </a:p>
@@ -2314,7 +2326,7 @@
   </p:clrMapOvr>
   <p:extLst mod="1">
     <p:ext uri="{DCECCB84-F9BA-43D5-87BE-67443E8EF086}">
-      <p15:sldGuideLst xmlns:p15="http://schemas.microsoft.com/office/powerpoint/2012/main" xmlns="">
+      <p15:sldGuideLst xmlns:p15="http://schemas.microsoft.com/office/powerpoint/2012/main">
         <p15:guide id="1" pos="6456">
           <p15:clr>
             <a:srgbClr val="FBAE40"/>
@@ -2497,7 +2509,7 @@
           <a:p>
             <a:fld id="{5163F177-63D5-7643-99DD-EE07EEE1E644}" type="datetimeFigureOut">
               <a:rPr lang="en-US" smtClean="0"/>
-              <a:t>10/4/17</a:t>
+              <a:t>10/5/17</a:t>
             </a:fld>
             <a:endParaRPr lang="en-US"/>
           </a:p>
@@ -2552,7 +2564,7 @@
   </p:clrMapOvr>
   <p:extLst>
     <p:ext uri="{DCECCB84-F9BA-43D5-87BE-67443E8EF086}">
-      <p15:sldGuideLst xmlns:p15="http://schemas.microsoft.com/office/powerpoint/2012/main" xmlns=""/>
+      <p15:sldGuideLst xmlns:p15="http://schemas.microsoft.com/office/powerpoint/2012/main"/>
     </p:ext>
   </p:extLst>
 </p:sldLayout>
@@ -2888,7 +2900,7 @@
           <a:p>
             <a:fld id="{5163F177-63D5-7643-99DD-EE07EEE1E644}" type="datetimeFigureOut">
               <a:rPr lang="en-US" smtClean="0"/>
-              <a:t>10/4/17</a:t>
+              <a:t>10/5/17</a:t>
             </a:fld>
             <a:endParaRPr lang="en-US"/>
           </a:p>
@@ -2943,7 +2955,7 @@
   </p:clrMapOvr>
   <p:extLst>
     <p:ext uri="{DCECCB84-F9BA-43D5-87BE-67443E8EF086}">
-      <p15:sldGuideLst xmlns:p15="http://schemas.microsoft.com/office/powerpoint/2012/main" xmlns=""/>
+      <p15:sldGuideLst xmlns:p15="http://schemas.microsoft.com/office/powerpoint/2012/main"/>
     </p:ext>
   </p:extLst>
 </p:sldLayout>
@@ -3006,7 +3018,7 @@
           <a:p>
             <a:fld id="{5163F177-63D5-7643-99DD-EE07EEE1E644}" type="datetimeFigureOut">
               <a:rPr lang="en-US" smtClean="0"/>
-              <a:t>10/4/17</a:t>
+              <a:t>10/5/17</a:t>
             </a:fld>
             <a:endParaRPr lang="en-US"/>
           </a:p>
@@ -3096,7 +3108,7 @@
           <a:p>
             <a:fld id="{5163F177-63D5-7643-99DD-EE07EEE1E644}" type="datetimeFigureOut">
               <a:rPr lang="en-US" smtClean="0"/>
-              <a:t>10/4/17</a:t>
+              <a:t>10/5/17</a:t>
             </a:fld>
             <a:endParaRPr lang="en-US"/>
           </a:p>
@@ -3151,7 +3163,7 @@
   </p:clrMapOvr>
   <p:extLst>
     <p:ext uri="{DCECCB84-F9BA-43D5-87BE-67443E8EF086}">
-      <p15:sldGuideLst xmlns:p15="http://schemas.microsoft.com/office/powerpoint/2012/main" xmlns=""/>
+      <p15:sldGuideLst xmlns:p15="http://schemas.microsoft.com/office/powerpoint/2012/main"/>
     </p:ext>
   </p:extLst>
 </p:sldLayout>
@@ -3396,7 +3408,7 @@
           <a:p>
             <a:fld id="{5163F177-63D5-7643-99DD-EE07EEE1E644}" type="datetimeFigureOut">
               <a:rPr lang="en-US" smtClean="0"/>
-              <a:t>10/4/17</a:t>
+              <a:t>10/5/17</a:t>
             </a:fld>
             <a:endParaRPr lang="en-US"/>
           </a:p>
@@ -3451,7 +3463,7 @@
   </p:clrMapOvr>
   <p:extLst>
     <p:ext uri="{DCECCB84-F9BA-43D5-87BE-67443E8EF086}">
-      <p15:sldGuideLst xmlns:p15="http://schemas.microsoft.com/office/powerpoint/2012/main" xmlns=""/>
+      <p15:sldGuideLst xmlns:p15="http://schemas.microsoft.com/office/powerpoint/2012/main"/>
     </p:ext>
   </p:extLst>
 </p:sldLayout>
@@ -3661,7 +3673,7 @@
           <a:p>
             <a:fld id="{5163F177-63D5-7643-99DD-EE07EEE1E644}" type="datetimeFigureOut">
               <a:rPr lang="en-US" smtClean="0"/>
-              <a:t>10/4/17</a:t>
+              <a:t>10/5/17</a:t>
             </a:fld>
             <a:endParaRPr lang="en-US"/>
           </a:p>
@@ -4074,7 +4086,7 @@
           <a:p>
             <a:fld id="{5163F177-63D5-7643-99DD-EE07EEE1E644}" type="datetimeFigureOut">
               <a:rPr lang="en-US" smtClean="0"/>
-              <a:t>10/4/17</a:t>
+              <a:t>10/5/17</a:t>
             </a:fld>
             <a:endParaRPr lang="en-US"/>
           </a:p>
@@ -4530,7 +4542,7 @@
   </p:txStyles>
   <p:extLst mod="1">
     <p:ext uri="{27BBF7A9-308A-43DC-89C8-2F10F3537804}">
-      <p15:sldGuideLst xmlns:p15="http://schemas.microsoft.com/office/powerpoint/2012/main" xmlns="">
+      <p15:sldGuideLst xmlns:p15="http://schemas.microsoft.com/office/powerpoint/2012/main">
         <p15:guide id="1" pos="2832">
           <p15:clr>
             <a:srgbClr val="F26B43"/>
@@ -4681,11 +4693,8 @@
           <a:p>
             <a:r>
               <a:rPr lang="en-US" dirty="0" smtClean="0"/>
-              <a:t>Cost</a:t>
-            </a:r>
-            <a:br>
-              <a:rPr lang="en-US" dirty="0" smtClean="0"/>
-            </a:br>
+              <a:t>Managed</a:t>
+            </a:r>
             <a:endParaRPr lang="en-US" dirty="0"/>
           </a:p>
         </p:txBody>
@@ -4702,30 +4711,50 @@
         </p:nvSpPr>
         <p:spPr/>
         <p:txBody>
-          <a:bodyPr>
-            <a:normAutofit/>
-          </a:bodyPr>
+          <a:bodyPr/>
           <a:lstStyle/>
           <a:p>
             <a:r>
               <a:rPr lang="en-US" dirty="0" smtClean="0"/>
-              <a:t>Pay for usage</a:t>
-            </a:r>
-          </a:p>
-          <a:p>
-            <a:r>
-              <a:rPr lang="en-US" dirty="0" smtClean="0"/>
-              <a:t>Pay for capacity</a:t>
-            </a:r>
-          </a:p>
-          <a:p>
-            <a:r>
-              <a:rPr lang="en-US" dirty="0" smtClean="0"/>
-              <a:t>No need </a:t>
-            </a:r>
-            <a:r>
-              <a:rPr lang="en-US" smtClean="0"/>
-              <a:t>to over-provision</a:t>
+              <a:t>No runtimes to install</a:t>
+            </a:r>
+          </a:p>
+          <a:p>
+            <a:r>
+              <a:rPr lang="en-US" dirty="0" smtClean="0"/>
+              <a:t>No servers to provision</a:t>
+            </a:r>
+          </a:p>
+          <a:p>
+            <a:r>
+              <a:rPr lang="en-US" dirty="0" smtClean="0"/>
+              <a:t>No “</a:t>
+            </a:r>
+            <a:r>
+              <a:rPr lang="en-US" dirty="0" err="1" smtClean="0"/>
+              <a:t>INFRAopps</a:t>
+            </a:r>
+            <a:r>
+              <a:rPr lang="en-US" dirty="0" smtClean="0"/>
+              <a:t>”</a:t>
+            </a:r>
+          </a:p>
+          <a:p>
+            <a:r>
+              <a:rPr lang="en-US" dirty="0" smtClean="0"/>
+              <a:t>No logging setup</a:t>
+            </a:r>
+          </a:p>
+          <a:p>
+            <a:r>
+              <a:rPr lang="en-US" dirty="0" smtClean="0"/>
+              <a:t>Data replication</a:t>
+            </a:r>
+          </a:p>
+          <a:p>
+            <a:r>
+              <a:rPr lang="en-US" dirty="0" smtClean="0"/>
+              <a:t>Etc.</a:t>
             </a:r>
             <a:endParaRPr lang="en-US" dirty="0"/>
           </a:p>
@@ -4734,13 +4763,20 @@
     </p:spTree>
     <p:extLst>
       <p:ext uri="{BB962C8B-B14F-4D97-AF65-F5344CB8AC3E}">
-        <p14:creationId xmlns:p14="http://schemas.microsoft.com/office/powerpoint/2010/main" val="712143592"/>
+        <p14:creationId xmlns:p14="http://schemas.microsoft.com/office/powerpoint/2010/main" val="902979938"/>
       </p:ext>
     </p:extLst>
   </p:cSld>
   <p:clrMapOvr>
     <a:masterClrMapping/>
   </p:clrMapOvr>
+  <p:timing>
+    <p:tnLst>
+      <p:par>
+        <p:cTn id="1" dur="indefinite" restart="never" nodeType="tmRoot"/>
+      </p:par>
+    </p:tnLst>
+  </p:timing>
 </p:sld>
 </file>
 
@@ -4783,13 +4819,6 @@
             <a:br>
               <a:rPr lang="en-US" dirty="0" smtClean="0"/>
             </a:br>
-            <a:r>
-              <a:rPr lang="en-US" dirty="0" smtClean="0"/>
-              <a:t>a closer look</a:t>
-            </a:r>
-            <a:br>
-              <a:rPr lang="en-US" dirty="0" smtClean="0"/>
-            </a:br>
             <a:endParaRPr lang="en-US" dirty="0"/>
           </a:p>
         </p:txBody>
@@ -4807,143 +4836,30 @@
         <p:spPr/>
         <p:txBody>
           <a:bodyPr>
-            <a:normAutofit fontScale="92500" lnSpcReduction="10000"/>
+            <a:normAutofit/>
           </a:bodyPr>
           <a:lstStyle/>
           <a:p>
             <a:r>
               <a:rPr lang="en-US" dirty="0" smtClean="0"/>
-              <a:t>Lambda</a:t>
-            </a:r>
-          </a:p>
-          <a:p>
-            <a:pPr lvl="1"/>
-            <a:r>
-              <a:rPr lang="en-US" dirty="0" smtClean="0"/>
-              <a:t>Free tier (1 million requests)</a:t>
-            </a:r>
-          </a:p>
-          <a:p>
-            <a:pPr lvl="1"/>
-            <a:r>
-              <a:rPr lang="en-US" dirty="0">
-                <a:hlinkClick r:id="rId2"/>
-              </a:rPr>
-              <a:t>https://aws.amazon.com/lambda/pricing</a:t>
-            </a:r>
-            <a:r>
-              <a:rPr lang="en-US" dirty="0" smtClean="0">
-                <a:hlinkClick r:id="rId2"/>
-              </a:rPr>
-              <a:t>/</a:t>
-            </a:r>
-            <a:endParaRPr lang="en-US" dirty="0" smtClean="0"/>
-          </a:p>
-          <a:p>
-            <a:r>
-              <a:rPr lang="en-US" dirty="0" smtClean="0"/>
-              <a:t>API Gateway</a:t>
-            </a:r>
-          </a:p>
-          <a:p>
-            <a:pPr lvl="1"/>
-            <a:r>
-              <a:rPr lang="en-US" dirty="0" smtClean="0"/>
-              <a:t>$3.50 per million API calls + data transfer</a:t>
-            </a:r>
-          </a:p>
-          <a:p>
-            <a:pPr lvl="1"/>
-            <a:r>
-              <a:rPr lang="en-US" dirty="0" smtClean="0"/>
-              <a:t>$0.09 / GB for the first 10 TB</a:t>
-            </a:r>
-          </a:p>
-          <a:p>
-            <a:pPr lvl="1"/>
-            <a:r>
-              <a:rPr lang="en-US" dirty="0">
-                <a:hlinkClick r:id="rId3"/>
-              </a:rPr>
-              <a:t>https://aws.amazon.com/api-gateway/pricing</a:t>
-            </a:r>
-            <a:r>
-              <a:rPr lang="en-US" dirty="0" smtClean="0">
-                <a:hlinkClick r:id="rId3"/>
-              </a:rPr>
-              <a:t>/</a:t>
-            </a:r>
-            <a:endParaRPr lang="en-US" dirty="0" smtClean="0"/>
-          </a:p>
-          <a:p>
-            <a:r>
-              <a:rPr lang="en-US" dirty="0" smtClean="0"/>
-              <a:t>S3</a:t>
-            </a:r>
-          </a:p>
-          <a:p>
-            <a:pPr lvl="1"/>
-            <a:r>
-              <a:rPr lang="en-US" dirty="0" smtClean="0"/>
-              <a:t>$0.023 / GB for the first 50TB per month</a:t>
-            </a:r>
-          </a:p>
-          <a:p>
-            <a:pPr lvl="1"/>
-            <a:r>
-              <a:rPr lang="en-US" dirty="0">
-                <a:hlinkClick r:id="rId4"/>
-              </a:rPr>
-              <a:t>https://aws.amazon.com/s3/pricing</a:t>
-            </a:r>
-            <a:r>
-              <a:rPr lang="en-US" dirty="0" smtClean="0">
-                <a:hlinkClick r:id="rId4"/>
-              </a:rPr>
-              <a:t>/</a:t>
-            </a:r>
-            <a:endParaRPr lang="en-US" dirty="0" smtClean="0"/>
-          </a:p>
-          <a:p>
-            <a:r>
-              <a:rPr lang="en-US" dirty="0" err="1" smtClean="0"/>
-              <a:t>DynamoDB</a:t>
-            </a:r>
-            <a:endParaRPr lang="en-US" dirty="0" smtClean="0"/>
-          </a:p>
-          <a:p>
-            <a:pPr lvl="1"/>
-            <a:r>
-              <a:rPr lang="en-US" dirty="0" smtClean="0"/>
-              <a:t>Free tier (200 million requests per month: 25 read/25 write, 25GB of storage)</a:t>
-            </a:r>
-          </a:p>
-          <a:p>
-            <a:pPr lvl="1"/>
-            <a:r>
-              <a:rPr lang="en-US" dirty="0"/>
-              <a:t>https://</a:t>
-            </a:r>
-            <a:r>
-              <a:rPr lang="en-US" dirty="0" err="1"/>
-              <a:t>aws.amazon.com</a:t>
-            </a:r>
-            <a:r>
-              <a:rPr lang="en-US" dirty="0"/>
-              <a:t>/</a:t>
-            </a:r>
-            <a:r>
-              <a:rPr lang="en-US" dirty="0" err="1"/>
-              <a:t>dynamodb</a:t>
-            </a:r>
-            <a:r>
-              <a:rPr lang="en-US" dirty="0"/>
-              <a:t>/pricing/</a:t>
-            </a:r>
-            <a:endParaRPr lang="en-US" dirty="0" smtClean="0"/>
-          </a:p>
-          <a:p>
-            <a:pPr lvl="1"/>
+              <a:t>Pay for usage</a:t>
+            </a:r>
+          </a:p>
+          <a:p>
+            <a:r>
+              <a:rPr lang="en-US" dirty="0" smtClean="0"/>
+              <a:t>Pay for capacity</a:t>
+            </a:r>
+          </a:p>
+          <a:p>
+            <a:r>
+              <a:rPr lang="en-US" dirty="0" smtClean="0"/>
+              <a:t>No need </a:t>
+            </a:r>
+            <a:r>
+              <a:rPr lang="en-US" smtClean="0"/>
+              <a:t>to over-provision</a:t>
+            </a:r>
             <a:endParaRPr lang="en-US" dirty="0"/>
           </a:p>
         </p:txBody>
@@ -4951,7 +4867,7 @@
     </p:spTree>
     <p:extLst>
       <p:ext uri="{BB962C8B-B14F-4D97-AF65-F5344CB8AC3E}">
-        <p14:creationId xmlns:p14="http://schemas.microsoft.com/office/powerpoint/2010/main" val="460504530"/>
+        <p14:creationId xmlns:p14="http://schemas.microsoft.com/office/powerpoint/2010/main" val="712143592"/>
       </p:ext>
     </p:extLst>
   </p:cSld>
@@ -6966,18 +6882,246 @@
           <a:lstStyle/>
           <a:p>
             <a:r>
-              <a:rPr lang="en-US" dirty="0" smtClean="0"/>
-              <a:t>Lambda </a:t>
-            </a:r>
-            <a:r>
-              <a:rPr lang="mr-IN" dirty="0" smtClean="0"/>
-              <a:t>–</a:t>
-            </a:r>
-            <a:r>
-              <a:rPr lang="en-US" dirty="0" smtClean="0"/>
-              <a:t> what it really looks like</a:t>
-            </a:r>
+              <a:rPr lang="en-US" smtClean="0"/>
+              <a:t>AWS Cost</a:t>
+            </a:r>
+            <a:r>
+              <a:rPr lang="en-US" dirty="0" smtClean="0"/>
+              <a:t/>
+            </a:r>
+            <a:br>
+              <a:rPr lang="en-US" dirty="0" smtClean="0"/>
+            </a:br>
+            <a:r>
+              <a:rPr lang="en-US" sz="2400" dirty="0" smtClean="0"/>
+              <a:t>a closer look</a:t>
+            </a:r>
+            <a:r>
+              <a:rPr lang="en-US" dirty="0" smtClean="0"/>
+              <a:t/>
+            </a:r>
+            <a:br>
+              <a:rPr lang="en-US" dirty="0" smtClean="0"/>
+            </a:br>
             <a:endParaRPr lang="en-US" dirty="0"/>
+          </a:p>
+        </p:txBody>
+      </p:sp>
+      <p:sp>
+        <p:nvSpPr>
+          <p:cNvPr id="3" name="Content Placeholder 2"/>
+          <p:cNvSpPr>
+            <a:spLocks noGrp="1"/>
+          </p:cNvSpPr>
+          <p:nvPr>
+            <p:ph idx="1"/>
+          </p:nvPr>
+        </p:nvSpPr>
+        <p:spPr/>
+        <p:txBody>
+          <a:bodyPr>
+            <a:normAutofit fontScale="92500" lnSpcReduction="10000"/>
+          </a:bodyPr>
+          <a:lstStyle/>
+          <a:p>
+            <a:r>
+              <a:rPr lang="en-US" dirty="0" smtClean="0"/>
+              <a:t>Lambda</a:t>
+            </a:r>
+          </a:p>
+          <a:p>
+            <a:pPr lvl="1"/>
+            <a:r>
+              <a:rPr lang="en-US" dirty="0" smtClean="0"/>
+              <a:t>Free tier (1 million requests)</a:t>
+            </a:r>
+          </a:p>
+          <a:p>
+            <a:pPr lvl="1"/>
+            <a:r>
+              <a:rPr lang="en-US" dirty="0">
+                <a:hlinkClick r:id="rId2"/>
+              </a:rPr>
+              <a:t>https://aws.amazon.com/lambda/pricing</a:t>
+            </a:r>
+            <a:r>
+              <a:rPr lang="en-US" dirty="0" smtClean="0">
+                <a:hlinkClick r:id="rId2"/>
+              </a:rPr>
+              <a:t>/</a:t>
+            </a:r>
+            <a:endParaRPr lang="en-US" dirty="0" smtClean="0"/>
+          </a:p>
+          <a:p>
+            <a:r>
+              <a:rPr lang="en-US" dirty="0" smtClean="0"/>
+              <a:t>API Gateway</a:t>
+            </a:r>
+          </a:p>
+          <a:p>
+            <a:pPr lvl="1"/>
+            <a:r>
+              <a:rPr lang="en-US" dirty="0" smtClean="0"/>
+              <a:t>$3.50 per million API calls + data transfer</a:t>
+            </a:r>
+          </a:p>
+          <a:p>
+            <a:pPr lvl="1"/>
+            <a:r>
+              <a:rPr lang="en-US" dirty="0" smtClean="0"/>
+              <a:t>$0.09 / GB for the first 10 TB</a:t>
+            </a:r>
+          </a:p>
+          <a:p>
+            <a:pPr lvl="1"/>
+            <a:r>
+              <a:rPr lang="en-US" dirty="0">
+                <a:hlinkClick r:id="rId3"/>
+              </a:rPr>
+              <a:t>https://aws.amazon.com/api-gateway/pricing</a:t>
+            </a:r>
+            <a:r>
+              <a:rPr lang="en-US" dirty="0" smtClean="0">
+                <a:hlinkClick r:id="rId3"/>
+              </a:rPr>
+              <a:t>/</a:t>
+            </a:r>
+            <a:endParaRPr lang="en-US" dirty="0" smtClean="0"/>
+          </a:p>
+          <a:p>
+            <a:r>
+              <a:rPr lang="en-US" dirty="0" smtClean="0"/>
+              <a:t>S3</a:t>
+            </a:r>
+          </a:p>
+          <a:p>
+            <a:pPr lvl="1"/>
+            <a:r>
+              <a:rPr lang="en-US" dirty="0" smtClean="0"/>
+              <a:t>$0.023 / GB for the first 50TB per month</a:t>
+            </a:r>
+          </a:p>
+          <a:p>
+            <a:pPr lvl="1"/>
+            <a:r>
+              <a:rPr lang="en-US" dirty="0">
+                <a:hlinkClick r:id="rId4"/>
+              </a:rPr>
+              <a:t>https://aws.amazon.com/s3/pricing</a:t>
+            </a:r>
+            <a:r>
+              <a:rPr lang="en-US" dirty="0" smtClean="0">
+                <a:hlinkClick r:id="rId4"/>
+              </a:rPr>
+              <a:t>/</a:t>
+            </a:r>
+            <a:endParaRPr lang="en-US" dirty="0" smtClean="0"/>
+          </a:p>
+          <a:p>
+            <a:r>
+              <a:rPr lang="en-US" dirty="0" err="1" smtClean="0"/>
+              <a:t>DynamoDB</a:t>
+            </a:r>
+            <a:endParaRPr lang="en-US" dirty="0" smtClean="0"/>
+          </a:p>
+          <a:p>
+            <a:pPr lvl="1"/>
+            <a:r>
+              <a:rPr lang="en-US" dirty="0" smtClean="0"/>
+              <a:t>Free tier (200 million requests per month: 25 read/25 write, 25GB of storage)</a:t>
+            </a:r>
+          </a:p>
+          <a:p>
+            <a:pPr lvl="1"/>
+            <a:r>
+              <a:rPr lang="en-US" dirty="0"/>
+              <a:t>https://</a:t>
+            </a:r>
+            <a:r>
+              <a:rPr lang="en-US" dirty="0" err="1"/>
+              <a:t>aws.amazon.com</a:t>
+            </a:r>
+            <a:r>
+              <a:rPr lang="en-US" dirty="0"/>
+              <a:t>/</a:t>
+            </a:r>
+            <a:r>
+              <a:rPr lang="en-US" dirty="0" err="1"/>
+              <a:t>dynamodb</a:t>
+            </a:r>
+            <a:r>
+              <a:rPr lang="en-US" dirty="0"/>
+              <a:t>/pricing/</a:t>
+            </a:r>
+            <a:endParaRPr lang="en-US" dirty="0" smtClean="0"/>
+          </a:p>
+          <a:p>
+            <a:pPr lvl="1"/>
+            <a:endParaRPr lang="en-US" dirty="0"/>
+          </a:p>
+        </p:txBody>
+      </p:sp>
+    </p:spTree>
+    <p:extLst>
+      <p:ext uri="{BB962C8B-B14F-4D97-AF65-F5344CB8AC3E}">
+        <p14:creationId xmlns:p14="http://schemas.microsoft.com/office/powerpoint/2010/main" val="460504530"/>
+      </p:ext>
+    </p:extLst>
+  </p:cSld>
+  <p:clrMapOvr>
+    <a:masterClrMapping/>
+  </p:clrMapOvr>
+</p:sld>
+</file>
+
+<file path=ppt/slides/slide19.xml><?xml version="1.0" encoding="utf-8"?>
+<p:sld xmlns:a="http://schemas.openxmlformats.org/drawingml/2006/main" xmlns:r="http://schemas.openxmlformats.org/officeDocument/2006/relationships" xmlns:p="http://schemas.openxmlformats.org/presentationml/2006/main">
+  <p:cSld>
+    <p:spTree>
+      <p:nvGrpSpPr>
+        <p:cNvPr id="1" name=""/>
+        <p:cNvGrpSpPr/>
+        <p:nvPr/>
+      </p:nvGrpSpPr>
+      <p:grpSpPr>
+        <a:xfrm>
+          <a:off x="0" y="0"/>
+          <a:ext cx="0" cy="0"/>
+          <a:chOff x="0" y="0"/>
+          <a:chExt cx="0" cy="0"/>
+        </a:xfrm>
+      </p:grpSpPr>
+      <p:sp>
+        <p:nvSpPr>
+          <p:cNvPr id="2" name="Title 1"/>
+          <p:cNvSpPr>
+            <a:spLocks noGrp="1"/>
+          </p:cNvSpPr>
+          <p:nvPr>
+            <p:ph type="title"/>
+          </p:nvPr>
+        </p:nvSpPr>
+        <p:spPr/>
+        <p:txBody>
+          <a:bodyPr/>
+          <a:lstStyle/>
+          <a:p>
+            <a:r>
+              <a:rPr lang="en-US" dirty="0" smtClean="0"/>
+              <a:t>Lambda</a:t>
+            </a:r>
+            <a:br>
+              <a:rPr lang="en-US" dirty="0" smtClean="0"/>
+            </a:br>
+            <a:r>
+              <a:rPr lang="en-US" sz="2400" dirty="0" smtClean="0"/>
+              <a:t>what </a:t>
+            </a:r>
+            <a:r>
+              <a:rPr lang="en-US" sz="2400" dirty="0" smtClean="0"/>
+              <a:t>it really looks like</a:t>
+            </a:r>
+            <a:endParaRPr lang="en-US" sz="2400" dirty="0"/>
           </a:p>
         </p:txBody>
       </p:sp>
@@ -7395,7 +7539,7 @@
   <p:timing>
     <p:tnLst>
       <p:par>
-        <p:cTn xmlns:p14="http://schemas.microsoft.com/office/powerpoint/2010/main" id="1" dur="indefinite" restart="never" nodeType="tmRoot">
+        <p:cTn id="1" dur="indefinite" restart="never" nodeType="tmRoot">
           <p:childTnLst>
             <p:seq concurrent="1" nextAc="seek">
               <p:cTn id="2" dur="indefinite" nodeType="mainSeq">
@@ -7560,108 +7704,6 @@
 </p:sld>
 </file>
 
-<file path=ppt/slides/slide19.xml><?xml version="1.0" encoding="utf-8"?>
-<p:sld xmlns:a="http://schemas.openxmlformats.org/drawingml/2006/main" xmlns:r="http://schemas.openxmlformats.org/officeDocument/2006/relationships" xmlns:p="http://schemas.openxmlformats.org/presentationml/2006/main">
-  <p:cSld>
-    <p:spTree>
-      <p:nvGrpSpPr>
-        <p:cNvPr id="1" name=""/>
-        <p:cNvGrpSpPr/>
-        <p:nvPr/>
-      </p:nvGrpSpPr>
-      <p:grpSpPr>
-        <a:xfrm>
-          <a:off x="0" y="0"/>
-          <a:ext cx="0" cy="0"/>
-          <a:chOff x="0" y="0"/>
-          <a:chExt cx="0" cy="0"/>
-        </a:xfrm>
-      </p:grpSpPr>
-      <p:sp>
-        <p:nvSpPr>
-          <p:cNvPr id="2" name="Title 1"/>
-          <p:cNvSpPr>
-            <a:spLocks noGrp="1"/>
-          </p:cNvSpPr>
-          <p:nvPr>
-            <p:ph type="title"/>
-          </p:nvPr>
-        </p:nvSpPr>
-        <p:spPr/>
-        <p:txBody>
-          <a:bodyPr/>
-          <a:lstStyle/>
-          <a:p>
-            <a:r>
-              <a:rPr lang="en-US" dirty="0" smtClean="0"/>
-              <a:t>Versioning</a:t>
-            </a:r>
-            <a:endParaRPr lang="en-US" dirty="0"/>
-          </a:p>
-        </p:txBody>
-      </p:sp>
-      <p:sp>
-        <p:nvSpPr>
-          <p:cNvPr id="3" name="Content Placeholder 2"/>
-          <p:cNvSpPr>
-            <a:spLocks noGrp="1"/>
-          </p:cNvSpPr>
-          <p:nvPr>
-            <p:ph idx="1"/>
-          </p:nvPr>
-        </p:nvSpPr>
-        <p:spPr/>
-        <p:txBody>
-          <a:bodyPr/>
-          <a:lstStyle/>
-          <a:p>
-            <a:r>
-              <a:rPr lang="en-US" dirty="0" smtClean="0"/>
-              <a:t>Lambda </a:t>
-            </a:r>
-            <a:r>
-              <a:rPr lang="mr-IN" dirty="0" smtClean="0"/>
-              <a:t>–</a:t>
-            </a:r>
-            <a:r>
-              <a:rPr lang="en-US" dirty="0" smtClean="0"/>
-              <a:t> different versions of a function</a:t>
-            </a:r>
-          </a:p>
-          <a:p>
-            <a:pPr lvl="1"/>
-            <a:r>
-              <a:rPr lang="en-US" dirty="0" smtClean="0"/>
-              <a:t>Think A/B testing, </a:t>
-            </a:r>
-            <a:r>
-              <a:rPr lang="en-US" smtClean="0"/>
-              <a:t>or Blue/Green deployment</a:t>
-            </a:r>
-            <a:endParaRPr lang="en-US" dirty="0"/>
-          </a:p>
-        </p:txBody>
-      </p:sp>
-    </p:spTree>
-    <p:extLst>
-      <p:ext uri="{BB962C8B-B14F-4D97-AF65-F5344CB8AC3E}">
-        <p14:creationId xmlns:p14="http://schemas.microsoft.com/office/powerpoint/2010/main" val="1532791319"/>
-      </p:ext>
-    </p:extLst>
-  </p:cSld>
-  <p:clrMapOvr>
-    <a:masterClrMapping/>
-  </p:clrMapOvr>
-  <p:timing>
-    <p:tnLst>
-      <p:par>
-        <p:cTn xmlns:p14="http://schemas.microsoft.com/office/powerpoint/2010/main" id="1" dur="indefinite" restart="never" nodeType="tmRoot"/>
-      </p:par>
-    </p:tnLst>
-  </p:timing>
-</p:sld>
-</file>
-
 <file path=ppt/slides/slide2.xml><?xml version="1.0" encoding="utf-8"?>
 <p:sld xmlns:a="http://schemas.openxmlformats.org/drawingml/2006/main" xmlns:r="http://schemas.openxmlformats.org/officeDocument/2006/relationships" xmlns:p="http://schemas.openxmlformats.org/presentationml/2006/main">
   <p:cSld>
@@ -7812,7 +7854,7 @@
           <a:p>
             <a:r>
               <a:rPr lang="en-US" dirty="0" smtClean="0"/>
-              <a:t>Lambda scaling</a:t>
+              <a:t>Versioning</a:t>
             </a:r>
             <a:endParaRPr lang="en-US" dirty="0"/>
           </a:p>
@@ -7830,9 +7872,7 @@
         </p:nvSpPr>
         <p:spPr/>
         <p:txBody>
-          <a:bodyPr>
-            <a:normAutofit/>
-          </a:bodyPr>
+          <a:bodyPr/>
           <a:lstStyle/>
           <a:p>
             <a:r>
@@ -7845,70 +7885,18 @@
             </a:r>
             <a:r>
               <a:rPr lang="en-US" dirty="0" smtClean="0"/>
-              <a:t> on a unit of work</a:t>
+              <a:t> different versions of a function</a:t>
             </a:r>
           </a:p>
           <a:p>
             <a:pPr lvl="1"/>
             <a:r>
               <a:rPr lang="en-US" dirty="0" smtClean="0"/>
-              <a:t>Streaming source types</a:t>
-            </a:r>
-          </a:p>
-          <a:p>
-            <a:pPr lvl="1"/>
-            <a:r>
-              <a:rPr lang="en-US" dirty="0" smtClean="0"/>
-              <a:t>Synchronous source types</a:t>
-            </a:r>
-          </a:p>
-          <a:p>
-            <a:pPr lvl="1"/>
-            <a:r>
-              <a:rPr lang="en-US" dirty="0" smtClean="0"/>
-              <a:t>(</a:t>
-            </a:r>
-            <a:r>
-              <a:rPr lang="en-US" dirty="0" smtClean="0">
-                <a:hlinkClick r:id="rId2"/>
-              </a:rPr>
-              <a:t>https://cloudncode.blog/2017/03/02/best-practices-aws-lambda-function/)</a:t>
-            </a:r>
-            <a:endParaRPr lang="en-US" dirty="0" smtClean="0"/>
-          </a:p>
-          <a:p>
-            <a:pPr lvl="1"/>
-            <a:r>
-              <a:rPr lang="en-US" dirty="0" smtClean="0"/>
-              <a:t>Concurrent Invocations = events (or requests) per second * function duration (in secs)</a:t>
-            </a:r>
-          </a:p>
-          <a:p>
-            <a:pPr lvl="1"/>
-            <a:r>
-              <a:rPr lang="en-US" dirty="0" smtClean="0"/>
-              <a:t>(</a:t>
-            </a:r>
-            <a:r>
-              <a:rPr lang="en-US" dirty="0" smtClean="0">
-                <a:hlinkClick r:id="rId3"/>
-              </a:rPr>
-              <a:t>http://docs.aws.amazon.com/lambda/latest/dg/concurrent-executions.html)</a:t>
-            </a:r>
-            <a:endParaRPr lang="en-US" dirty="0" smtClean="0"/>
-          </a:p>
-          <a:p>
-            <a:pPr lvl="1"/>
-            <a:r>
-              <a:rPr lang="en-US" dirty="0" smtClean="0"/>
-              <a:t>1000 concurrent limit</a:t>
-            </a:r>
-          </a:p>
-          <a:p>
-            <a:pPr lvl="1"/>
-            <a:r>
-              <a:rPr lang="en-US" dirty="0" smtClean="0"/>
-              <a:t>Kinesis work around (pricey)</a:t>
+              <a:t>Think A/B testing, </a:t>
+            </a:r>
+            <a:r>
+              <a:rPr lang="en-US" smtClean="0"/>
+              <a:t>or Blue/Green deployment</a:t>
             </a:r>
             <a:endParaRPr lang="en-US" dirty="0"/>
           </a:p>
@@ -7917,7 +7905,7 @@
     </p:spTree>
     <p:extLst>
       <p:ext uri="{BB962C8B-B14F-4D97-AF65-F5344CB8AC3E}">
-        <p14:creationId xmlns:p14="http://schemas.microsoft.com/office/powerpoint/2010/main" val="1998115011"/>
+        <p14:creationId xmlns:p14="http://schemas.microsoft.com/office/powerpoint/2010/main" val="1532791319"/>
       </p:ext>
     </p:extLst>
   </p:cSld>
@@ -7927,7 +7915,7 @@
   <p:timing>
     <p:tnLst>
       <p:par>
-        <p:cTn xmlns:p14="http://schemas.microsoft.com/office/powerpoint/2010/main" id="1" dur="indefinite" restart="never" nodeType="tmRoot"/>
+        <p:cTn id="1" dur="indefinite" restart="never" nodeType="tmRoot"/>
       </p:par>
     </p:tnLst>
   </p:timing>
@@ -7968,7 +7956,7 @@
           <a:p>
             <a:r>
               <a:rPr lang="en-US" dirty="0" smtClean="0"/>
-              <a:t>Services</a:t>
+              <a:t>Lambda scaling</a:t>
             </a:r>
             <a:endParaRPr lang="en-US" dirty="0"/>
           </a:p>
@@ -7986,38 +7974,85 @@
         </p:nvSpPr>
         <p:spPr/>
         <p:txBody>
-          <a:bodyPr/>
+          <a:bodyPr>
+            <a:normAutofit/>
+          </a:bodyPr>
           <a:lstStyle/>
           <a:p>
             <a:r>
-              <a:rPr lang="en-US" dirty="0" err="1" smtClean="0"/>
-              <a:t>Cognito</a:t>
+              <a:rPr lang="en-US" dirty="0" smtClean="0"/>
+              <a:t>Lambda </a:t>
+            </a:r>
+            <a:r>
+              <a:rPr lang="mr-IN" dirty="0" smtClean="0"/>
+              <a:t>–</a:t>
+            </a:r>
+            <a:r>
+              <a:rPr lang="en-US" dirty="0" smtClean="0"/>
+              <a:t> on a unit of work</a:t>
+            </a:r>
+          </a:p>
+          <a:p>
+            <a:pPr lvl="1"/>
+            <a:r>
+              <a:rPr lang="en-US" dirty="0" smtClean="0"/>
+              <a:t>Streaming source types</a:t>
+            </a:r>
+          </a:p>
+          <a:p>
+            <a:pPr lvl="1"/>
+            <a:r>
+              <a:rPr lang="en-US" dirty="0" smtClean="0"/>
+              <a:t>Synchronous source types</a:t>
+            </a:r>
+          </a:p>
+          <a:p>
+            <a:pPr lvl="1"/>
+            <a:r>
+              <a:rPr lang="en-US" dirty="0" smtClean="0"/>
+              <a:t>(</a:t>
+            </a:r>
+            <a:r>
+              <a:rPr lang="en-US" dirty="0" smtClean="0">
+                <a:hlinkClick r:id="rId2"/>
+              </a:rPr>
+              <a:t>https://cloudncode.blog/2017/03/02/best-practices-aws-lambda-function/)</a:t>
             </a:r>
             <a:endParaRPr lang="en-US" dirty="0" smtClean="0"/>
           </a:p>
           <a:p>
-            <a:r>
-              <a:rPr lang="en-US" dirty="0" smtClean="0"/>
-              <a:t>S3</a:t>
-            </a:r>
-          </a:p>
-          <a:p>
-            <a:r>
-              <a:rPr lang="en-US" dirty="0" smtClean="0"/>
-              <a:t>SNS</a:t>
-            </a:r>
-          </a:p>
-          <a:p>
-            <a:r>
-              <a:rPr lang="en-US" dirty="0" err="1" smtClean="0"/>
-              <a:t>Kinises</a:t>
+            <a:pPr lvl="1"/>
+            <a:r>
+              <a:rPr lang="en-US" dirty="0" smtClean="0"/>
+              <a:t>Concurrent Invocations = events (or requests) per second * function duration (in secs)</a:t>
+            </a:r>
+          </a:p>
+          <a:p>
+            <a:pPr lvl="1"/>
+            <a:r>
+              <a:rPr lang="en-US" dirty="0" smtClean="0"/>
+              <a:t>(</a:t>
+            </a:r>
+            <a:r>
+              <a:rPr lang="en-US" dirty="0" smtClean="0">
+                <a:hlinkClick r:id="rId3"/>
+              </a:rPr>
+              <a:t>http://docs.aws.amazon.com/lambda/latest/dg/concurrent-executions.html)</a:t>
             </a:r>
             <a:endParaRPr lang="en-US" dirty="0" smtClean="0"/>
           </a:p>
           <a:p>
-            <a:r>
-              <a:rPr lang="en-US" dirty="0" smtClean="0"/>
-              <a:t>Etc..</a:t>
+            <a:pPr lvl="1"/>
+            <a:r>
+              <a:rPr lang="en-US" dirty="0" smtClean="0"/>
+              <a:t>1000 concurrent limit</a:t>
+            </a:r>
+          </a:p>
+          <a:p>
+            <a:pPr lvl="1"/>
+            <a:r>
+              <a:rPr lang="en-US" dirty="0" smtClean="0"/>
+              <a:t>Kinesis work around (pricey)</a:t>
             </a:r>
             <a:endParaRPr lang="en-US" dirty="0"/>
           </a:p>
@@ -8026,13 +8061,20 @@
     </p:spTree>
     <p:extLst>
       <p:ext uri="{BB962C8B-B14F-4D97-AF65-F5344CB8AC3E}">
-        <p14:creationId xmlns:p14="http://schemas.microsoft.com/office/powerpoint/2010/main" val="2036119871"/>
+        <p14:creationId xmlns:p14="http://schemas.microsoft.com/office/powerpoint/2010/main" val="1998115011"/>
       </p:ext>
     </p:extLst>
   </p:cSld>
   <p:clrMapOvr>
     <a:masterClrMapping/>
   </p:clrMapOvr>
+  <p:timing>
+    <p:tnLst>
+      <p:par>
+        <p:cTn id="1" dur="indefinite" restart="never" nodeType="tmRoot"/>
+      </p:par>
+    </p:tnLst>
+  </p:timing>
 </p:sld>
 </file>
 
@@ -8070,6 +8112,108 @@
           <a:p>
             <a:r>
               <a:rPr lang="en-US" dirty="0" smtClean="0"/>
+              <a:t>Services</a:t>
+            </a:r>
+            <a:endParaRPr lang="en-US" dirty="0"/>
+          </a:p>
+        </p:txBody>
+      </p:sp>
+      <p:sp>
+        <p:nvSpPr>
+          <p:cNvPr id="3" name="Content Placeholder 2"/>
+          <p:cNvSpPr>
+            <a:spLocks noGrp="1"/>
+          </p:cNvSpPr>
+          <p:nvPr>
+            <p:ph idx="1"/>
+          </p:nvPr>
+        </p:nvSpPr>
+        <p:spPr/>
+        <p:txBody>
+          <a:bodyPr/>
+          <a:lstStyle/>
+          <a:p>
+            <a:r>
+              <a:rPr lang="en-US" dirty="0" err="1" smtClean="0"/>
+              <a:t>Cognito</a:t>
+            </a:r>
+            <a:endParaRPr lang="en-US" dirty="0" smtClean="0"/>
+          </a:p>
+          <a:p>
+            <a:r>
+              <a:rPr lang="en-US" dirty="0" smtClean="0"/>
+              <a:t>S3</a:t>
+            </a:r>
+          </a:p>
+          <a:p>
+            <a:r>
+              <a:rPr lang="en-US" dirty="0" smtClean="0"/>
+              <a:t>SNS</a:t>
+            </a:r>
+          </a:p>
+          <a:p>
+            <a:r>
+              <a:rPr lang="en-US" dirty="0" err="1" smtClean="0"/>
+              <a:t>Kinises</a:t>
+            </a:r>
+            <a:endParaRPr lang="en-US" dirty="0" smtClean="0"/>
+          </a:p>
+          <a:p>
+            <a:r>
+              <a:rPr lang="en-US" dirty="0" smtClean="0"/>
+              <a:t>Etc..</a:t>
+            </a:r>
+            <a:endParaRPr lang="en-US" dirty="0"/>
+          </a:p>
+        </p:txBody>
+      </p:sp>
+    </p:spTree>
+    <p:extLst>
+      <p:ext uri="{BB962C8B-B14F-4D97-AF65-F5344CB8AC3E}">
+        <p14:creationId xmlns:p14="http://schemas.microsoft.com/office/powerpoint/2010/main" val="2036119871"/>
+      </p:ext>
+    </p:extLst>
+  </p:cSld>
+  <p:clrMapOvr>
+    <a:masterClrMapping/>
+  </p:clrMapOvr>
+</p:sld>
+</file>
+
+<file path=ppt/slides/slide23.xml><?xml version="1.0" encoding="utf-8"?>
+<p:sld xmlns:a="http://schemas.openxmlformats.org/drawingml/2006/main" xmlns:r="http://schemas.openxmlformats.org/officeDocument/2006/relationships" xmlns:p="http://schemas.openxmlformats.org/presentationml/2006/main">
+  <p:cSld>
+    <p:spTree>
+      <p:nvGrpSpPr>
+        <p:cNvPr id="1" name=""/>
+        <p:cNvGrpSpPr/>
+        <p:nvPr/>
+      </p:nvGrpSpPr>
+      <p:grpSpPr>
+        <a:xfrm>
+          <a:off x="0" y="0"/>
+          <a:ext cx="0" cy="0"/>
+          <a:chOff x="0" y="0"/>
+          <a:chExt cx="0" cy="0"/>
+        </a:xfrm>
+      </p:grpSpPr>
+      <p:sp>
+        <p:nvSpPr>
+          <p:cNvPr id="2" name="Title 1"/>
+          <p:cNvSpPr>
+            <a:spLocks noGrp="1"/>
+          </p:cNvSpPr>
+          <p:nvPr>
+            <p:ph type="title"/>
+          </p:nvPr>
+        </p:nvSpPr>
+        <p:spPr/>
+        <p:txBody>
+          <a:bodyPr/>
+          <a:lstStyle/>
+          <a:p>
+            <a:r>
+              <a:rPr lang="en-US" dirty="0" smtClean="0"/>
               <a:t>How to</a:t>
             </a:r>
             <a:endParaRPr lang="en-US" dirty="0"/>
@@ -8123,7 +8267,7 @@
 </p:sld>
 </file>
 
-<file path=ppt/slides/slide23.xml><?xml version="1.0" encoding="utf-8"?>
+<file path=ppt/slides/slide24.xml><?xml version="1.0" encoding="utf-8"?>
 <p:sld xmlns:a="http://schemas.openxmlformats.org/drawingml/2006/main" xmlns:r="http://schemas.openxmlformats.org/officeDocument/2006/relationships" xmlns:p="http://schemas.openxmlformats.org/presentationml/2006/main">
   <p:cSld>
     <p:spTree>
@@ -8213,7 +8357,7 @@
 </p:sld>
 </file>
 
-<file path=ppt/slides/slide24.xml><?xml version="1.0" encoding="utf-8"?>
+<file path=ppt/slides/slide25.xml><?xml version="1.0" encoding="utf-8"?>
 <p:sld xmlns:a="http://schemas.openxmlformats.org/drawingml/2006/main" xmlns:r="http://schemas.openxmlformats.org/officeDocument/2006/relationships" xmlns:p="http://schemas.openxmlformats.org/presentationml/2006/main">
   <p:cSld>
     <p:spTree>
@@ -8297,101 +8441,6 @@
 </p:sld>
 </file>
 
-<file path=ppt/slides/slide25.xml><?xml version="1.0" encoding="utf-8"?>
-<p:sld xmlns:a="http://schemas.openxmlformats.org/drawingml/2006/main" xmlns:r="http://schemas.openxmlformats.org/officeDocument/2006/relationships" xmlns:p="http://schemas.openxmlformats.org/presentationml/2006/main">
-  <p:cSld>
-    <p:spTree>
-      <p:nvGrpSpPr>
-        <p:cNvPr id="1" name=""/>
-        <p:cNvGrpSpPr/>
-        <p:nvPr/>
-      </p:nvGrpSpPr>
-      <p:grpSpPr>
-        <a:xfrm>
-          <a:off x="0" y="0"/>
-          <a:ext cx="0" cy="0"/>
-          <a:chOff x="0" y="0"/>
-          <a:chExt cx="0" cy="0"/>
-        </a:xfrm>
-      </p:grpSpPr>
-      <p:sp>
-        <p:nvSpPr>
-          <p:cNvPr id="2" name="Title 1"/>
-          <p:cNvSpPr>
-            <a:spLocks noGrp="1"/>
-          </p:cNvSpPr>
-          <p:nvPr>
-            <p:ph type="title"/>
-          </p:nvPr>
-        </p:nvSpPr>
-        <p:spPr/>
-        <p:txBody>
-          <a:bodyPr/>
-          <a:lstStyle/>
-          <a:p>
-            <a:r>
-              <a:rPr lang="en-US" dirty="0" smtClean="0"/>
-              <a:t>Frameworks</a:t>
-            </a:r>
-            <a:br>
-              <a:rPr lang="en-US" dirty="0" smtClean="0"/>
-            </a:br>
-            <a:r>
-              <a:rPr lang="en-US" sz="2400" dirty="0" smtClean="0"/>
-              <a:t>now we’re getting somewhere</a:t>
-            </a:r>
-            <a:endParaRPr lang="en-US" sz="2400" dirty="0"/>
-          </a:p>
-        </p:txBody>
-      </p:sp>
-      <p:sp>
-        <p:nvSpPr>
-          <p:cNvPr id="3" name="Content Placeholder 2"/>
-          <p:cNvSpPr>
-            <a:spLocks noGrp="1"/>
-          </p:cNvSpPr>
-          <p:nvPr>
-            <p:ph idx="1"/>
-          </p:nvPr>
-        </p:nvSpPr>
-        <p:spPr/>
-        <p:txBody>
-          <a:bodyPr/>
-          <a:lstStyle/>
-          <a:p>
-            <a:r>
-              <a:rPr lang="en-US" dirty="0" smtClean="0"/>
-              <a:t>Apex</a:t>
-            </a:r>
-          </a:p>
-          <a:p>
-            <a:r>
-              <a:rPr lang="en-US" dirty="0" smtClean="0"/>
-              <a:t>AWS Sam</a:t>
-            </a:r>
-          </a:p>
-          <a:p>
-            <a:r>
-              <a:rPr lang="en-US" dirty="0" err="1" smtClean="0"/>
-              <a:t>Serverless</a:t>
-            </a:r>
-            <a:endParaRPr lang="en-US" dirty="0" smtClean="0"/>
-          </a:p>
-        </p:txBody>
-      </p:sp>
-    </p:spTree>
-    <p:extLst>
-      <p:ext uri="{BB962C8B-B14F-4D97-AF65-F5344CB8AC3E}">
-        <p14:creationId xmlns:p14="http://schemas.microsoft.com/office/powerpoint/2010/main" val="1115277555"/>
-      </p:ext>
-    </p:extLst>
-  </p:cSld>
-  <p:clrMapOvr>
-    <a:masterClrMapping/>
-  </p:clrMapOvr>
-</p:sld>
-</file>
-
 <file path=ppt/slides/slide26.xml><?xml version="1.0" encoding="utf-8"?>
 <p:sld xmlns:a="http://schemas.openxmlformats.org/drawingml/2006/main" xmlns:r="http://schemas.openxmlformats.org/officeDocument/2006/relationships" xmlns:p="http://schemas.openxmlformats.org/presentationml/2006/main">
   <p:cSld>
@@ -8425,100 +8474,59 @@
           <a:lstStyle/>
           <a:p>
             <a:r>
+              <a:rPr lang="en-US" dirty="0" smtClean="0"/>
+              <a:t>Frameworks</a:t>
+            </a:r>
+            <a:br>
+              <a:rPr lang="en-US" dirty="0" smtClean="0"/>
+            </a:br>
+            <a:r>
+              <a:rPr lang="en-US" sz="2400" dirty="0" smtClean="0"/>
+              <a:t>now we’re getting somewhere</a:t>
+            </a:r>
+            <a:endParaRPr lang="en-US" sz="2400" dirty="0"/>
+          </a:p>
+        </p:txBody>
+      </p:sp>
+      <p:sp>
+        <p:nvSpPr>
+          <p:cNvPr id="3" name="Content Placeholder 2"/>
+          <p:cNvSpPr>
+            <a:spLocks noGrp="1"/>
+          </p:cNvSpPr>
+          <p:nvPr>
+            <p:ph idx="1"/>
+          </p:nvPr>
+        </p:nvSpPr>
+        <p:spPr/>
+        <p:txBody>
+          <a:bodyPr/>
+          <a:lstStyle/>
+          <a:p>
+            <a:r>
+              <a:rPr lang="en-US" dirty="0" smtClean="0"/>
+              <a:t>Apex</a:t>
+            </a:r>
+          </a:p>
+          <a:p>
+            <a:r>
+              <a:rPr lang="en-US" dirty="0" smtClean="0"/>
+              <a:t>AWS Sam</a:t>
+            </a:r>
+          </a:p>
+          <a:p>
+            <a:r>
               <a:rPr lang="en-US" dirty="0" err="1" smtClean="0"/>
               <a:t>Serverless</a:t>
             </a:r>
-            <a:r>
-              <a:rPr lang="en-US" dirty="0" smtClean="0"/>
-              <a:t/>
-            </a:r>
-            <a:br>
-              <a:rPr lang="en-US" dirty="0" smtClean="0"/>
-            </a:br>
-            <a:r>
-              <a:rPr lang="en-US" sz="2400" dirty="0" smtClean="0"/>
-              <a:t>the framework</a:t>
-            </a:r>
-            <a:endParaRPr lang="en-US" sz="2400" dirty="0"/>
-          </a:p>
-        </p:txBody>
-      </p:sp>
-      <p:sp>
-        <p:nvSpPr>
-          <p:cNvPr id="3" name="Content Placeholder 2"/>
-          <p:cNvSpPr>
-            <a:spLocks noGrp="1"/>
-          </p:cNvSpPr>
-          <p:nvPr>
-            <p:ph idx="1"/>
-          </p:nvPr>
-        </p:nvSpPr>
-        <p:spPr/>
-        <p:txBody>
-          <a:bodyPr/>
-          <a:lstStyle/>
-          <a:p>
-            <a:r>
-              <a:rPr lang="en-US" dirty="0" err="1" smtClean="0"/>
-              <a:t>Serverless</a:t>
-            </a:r>
-            <a:r>
-              <a:rPr lang="en-US" dirty="0"/>
-              <a:t>: </a:t>
-            </a:r>
-            <a:r>
-              <a:rPr lang="en-US" dirty="0">
-                <a:hlinkClick r:id="rId2"/>
-              </a:rPr>
-              <a:t>https://</a:t>
-            </a:r>
-            <a:r>
-              <a:rPr lang="en-US" dirty="0" err="1">
-                <a:hlinkClick r:id="rId2"/>
-              </a:rPr>
-              <a:t>serverless.com</a:t>
-            </a:r>
             <a:endParaRPr lang="en-US" dirty="0" smtClean="0"/>
-          </a:p>
-          <a:p>
-            <a:r>
-              <a:rPr lang="en-US" dirty="0" smtClean="0"/>
-              <a:t>Works for multiple providers</a:t>
-            </a:r>
-          </a:p>
-          <a:p>
-            <a:r>
-              <a:rPr lang="en-US" dirty="0" smtClean="0"/>
-              <a:t>Works with multiple templates</a:t>
-            </a:r>
-          </a:p>
-          <a:p>
-            <a:r>
-              <a:rPr lang="en-US" dirty="0" smtClean="0"/>
-              <a:t>Very similar to cloud formation templates</a:t>
-            </a:r>
-          </a:p>
-          <a:p>
-            <a:r>
-              <a:rPr lang="en-US" dirty="0" smtClean="0"/>
-              <a:t>Sanity for the developers</a:t>
-            </a:r>
-          </a:p>
-          <a:p>
-            <a:pPr marL="0" indent="0">
-              <a:buNone/>
-            </a:pPr>
-            <a:endParaRPr lang="en-US" dirty="0" smtClean="0"/>
-          </a:p>
-          <a:p>
-            <a:endParaRPr lang="en-US" dirty="0"/>
           </a:p>
         </p:txBody>
       </p:sp>
     </p:spTree>
     <p:extLst>
       <p:ext uri="{BB962C8B-B14F-4D97-AF65-F5344CB8AC3E}">
-        <p14:creationId xmlns:p14="http://schemas.microsoft.com/office/powerpoint/2010/main" val="1124419550"/>
+        <p14:creationId xmlns:p14="http://schemas.microsoft.com/office/powerpoint/2010/main" val="1115277555"/>
       </p:ext>
     </p:extLst>
   </p:cSld>
@@ -8561,6 +8569,142 @@
           <a:lstStyle/>
           <a:p>
             <a:r>
+              <a:rPr lang="en-US" dirty="0" err="1" smtClean="0"/>
+              <a:t>Serverless</a:t>
+            </a:r>
+            <a:r>
+              <a:rPr lang="en-US" dirty="0" smtClean="0"/>
+              <a:t/>
+            </a:r>
+            <a:br>
+              <a:rPr lang="en-US" dirty="0" smtClean="0"/>
+            </a:br>
+            <a:r>
+              <a:rPr lang="en-US" sz="2400" dirty="0" smtClean="0"/>
+              <a:t>the framework</a:t>
+            </a:r>
+            <a:endParaRPr lang="en-US" sz="2400" dirty="0"/>
+          </a:p>
+        </p:txBody>
+      </p:sp>
+      <p:sp>
+        <p:nvSpPr>
+          <p:cNvPr id="3" name="Content Placeholder 2"/>
+          <p:cNvSpPr>
+            <a:spLocks noGrp="1"/>
+          </p:cNvSpPr>
+          <p:nvPr>
+            <p:ph idx="1"/>
+          </p:nvPr>
+        </p:nvSpPr>
+        <p:spPr/>
+        <p:txBody>
+          <a:bodyPr/>
+          <a:lstStyle/>
+          <a:p>
+            <a:r>
+              <a:rPr lang="en-US" dirty="0" err="1" smtClean="0"/>
+              <a:t>Serverless</a:t>
+            </a:r>
+            <a:r>
+              <a:rPr lang="en-US" dirty="0"/>
+              <a:t>: </a:t>
+            </a:r>
+            <a:r>
+              <a:rPr lang="en-US" dirty="0">
+                <a:hlinkClick r:id="rId2"/>
+              </a:rPr>
+              <a:t>https://</a:t>
+            </a:r>
+            <a:r>
+              <a:rPr lang="en-US" dirty="0" err="1">
+                <a:hlinkClick r:id="rId2"/>
+              </a:rPr>
+              <a:t>serverless.com</a:t>
+            </a:r>
+            <a:endParaRPr lang="en-US" dirty="0" smtClean="0"/>
+          </a:p>
+          <a:p>
+            <a:r>
+              <a:rPr lang="en-US" dirty="0" smtClean="0"/>
+              <a:t>Works for multiple providers</a:t>
+            </a:r>
+          </a:p>
+          <a:p>
+            <a:r>
+              <a:rPr lang="en-US" dirty="0" smtClean="0"/>
+              <a:t>Works with multiple templates</a:t>
+            </a:r>
+          </a:p>
+          <a:p>
+            <a:r>
+              <a:rPr lang="en-US" dirty="0" smtClean="0"/>
+              <a:t>Very similar to cloud formation templates</a:t>
+            </a:r>
+          </a:p>
+          <a:p>
+            <a:r>
+              <a:rPr lang="en-US" dirty="0" smtClean="0"/>
+              <a:t>Sanity for the developers</a:t>
+            </a:r>
+          </a:p>
+          <a:p>
+            <a:pPr marL="0" indent="0">
+              <a:buNone/>
+            </a:pPr>
+            <a:endParaRPr lang="en-US" dirty="0" smtClean="0"/>
+          </a:p>
+          <a:p>
+            <a:endParaRPr lang="en-US" dirty="0"/>
+          </a:p>
+        </p:txBody>
+      </p:sp>
+    </p:spTree>
+    <p:extLst>
+      <p:ext uri="{BB962C8B-B14F-4D97-AF65-F5344CB8AC3E}">
+        <p14:creationId xmlns:p14="http://schemas.microsoft.com/office/powerpoint/2010/main" val="1124419550"/>
+      </p:ext>
+    </p:extLst>
+  </p:cSld>
+  <p:clrMapOvr>
+    <a:masterClrMapping/>
+  </p:clrMapOvr>
+</p:sld>
+</file>
+
+<file path=ppt/slides/slide28.xml><?xml version="1.0" encoding="utf-8"?>
+<p:sld xmlns:a="http://schemas.openxmlformats.org/drawingml/2006/main" xmlns:r="http://schemas.openxmlformats.org/officeDocument/2006/relationships" xmlns:p="http://schemas.openxmlformats.org/presentationml/2006/main">
+  <p:cSld>
+    <p:spTree>
+      <p:nvGrpSpPr>
+        <p:cNvPr id="1" name=""/>
+        <p:cNvGrpSpPr/>
+        <p:nvPr/>
+      </p:nvGrpSpPr>
+      <p:grpSpPr>
+        <a:xfrm>
+          <a:off x="0" y="0"/>
+          <a:ext cx="0" cy="0"/>
+          <a:chOff x="0" y="0"/>
+          <a:chExt cx="0" cy="0"/>
+        </a:xfrm>
+      </p:grpSpPr>
+      <p:sp>
+        <p:nvSpPr>
+          <p:cNvPr id="2" name="Title 1"/>
+          <p:cNvSpPr>
+            <a:spLocks noGrp="1"/>
+          </p:cNvSpPr>
+          <p:nvPr>
+            <p:ph type="title"/>
+          </p:nvPr>
+        </p:nvSpPr>
+        <p:spPr/>
+        <p:txBody>
+          <a:bodyPr/>
+          <a:lstStyle/>
+          <a:p>
+            <a:r>
               <a:rPr lang="en-US" dirty="0" smtClean="0"/>
               <a:t>Additional resources</a:t>
             </a:r>
@@ -8691,7 +8835,7 @@
 </p:sld>
 </file>
 
-<file path=ppt/slides/slide28.xml><?xml version="1.0" encoding="utf-8"?>
+<file path=ppt/slides/slide29.xml><?xml version="1.0" encoding="utf-8"?>
 <p:sld xmlns:a="http://schemas.openxmlformats.org/drawingml/2006/main" xmlns:r="http://schemas.openxmlformats.org/officeDocument/2006/relationships" xmlns:p="http://schemas.openxmlformats.org/presentationml/2006/main">
   <p:cSld>
     <p:spTree>
@@ -9127,17 +9271,16 @@
           <a:p>
             <a:r>
               <a:rPr lang="en-US" dirty="0" smtClean="0"/>
-              <a:t>Why </a:t>
-            </a:r>
-            <a:r>
-              <a:rPr lang="en-US" dirty="0" err="1" smtClean="0"/>
-              <a:t>Serverless</a:t>
-            </a:r>
-            <a:r>
-              <a:rPr lang="en-US" dirty="0" smtClean="0"/>
-              <a:t> </a:t>
-            </a:r>
-            <a:endParaRPr lang="en-US" dirty="0"/>
+              <a:t>Patterns</a:t>
+            </a:r>
+            <a:br>
+              <a:rPr lang="en-US" dirty="0" smtClean="0"/>
+            </a:br>
+            <a:r>
+              <a:rPr lang="en-US" sz="2400" dirty="0" smtClean="0"/>
+              <a:t>we will see this again</a:t>
+            </a:r>
+            <a:endParaRPr lang="en-US" sz="2400" dirty="0"/>
           </a:p>
         </p:txBody>
       </p:sp>
@@ -9158,33 +9301,47 @@
           <a:p>
             <a:r>
               <a:rPr lang="en-US" dirty="0" smtClean="0"/>
-              <a:t>Scalable</a:t>
-            </a:r>
-          </a:p>
-          <a:p>
-            <a:r>
-              <a:rPr lang="en-US" dirty="0" smtClean="0"/>
-              <a:t>Managed</a:t>
-            </a:r>
-          </a:p>
-          <a:p>
-            <a:r>
-              <a:rPr lang="en-US" dirty="0" smtClean="0"/>
-              <a:t>Services</a:t>
-            </a:r>
-          </a:p>
-          <a:p>
-            <a:r>
-              <a:rPr lang="en-US" dirty="0" smtClean="0"/>
-              <a:t>Cost</a:t>
-            </a:r>
+              <a:t>3 Tier Web Application</a:t>
+            </a:r>
+          </a:p>
+          <a:p>
+            <a:r>
+              <a:rPr lang="en-US" dirty="0" smtClean="0"/>
+              <a:t>Batch Processing</a:t>
+            </a:r>
+          </a:p>
+          <a:p>
+            <a:r>
+              <a:rPr lang="en-US" dirty="0" smtClean="0"/>
+              <a:t>Stream Processing</a:t>
+            </a:r>
+          </a:p>
+          <a:p>
+            <a:r>
+              <a:rPr lang="en-US" dirty="0" smtClean="0"/>
+              <a:t>Automation</a:t>
+            </a:r>
+          </a:p>
+          <a:p>
+            <a:r>
+              <a:rPr lang="en-US" dirty="0" smtClean="0"/>
+              <a:t>And more</a:t>
+            </a:r>
+            <a:r>
+              <a:rPr lang="mr-IN" dirty="0" smtClean="0"/>
+              <a:t>…</a:t>
+            </a:r>
+            <a:endParaRPr lang="en-US" dirty="0" smtClean="0"/>
+          </a:p>
+          <a:p>
+            <a:endParaRPr lang="en-US" dirty="0"/>
           </a:p>
         </p:txBody>
       </p:sp>
     </p:spTree>
     <p:extLst>
       <p:ext uri="{BB962C8B-B14F-4D97-AF65-F5344CB8AC3E}">
-        <p14:creationId xmlns:p14="http://schemas.microsoft.com/office/powerpoint/2010/main" val="634894413"/>
+        <p14:creationId xmlns:p14="http://schemas.microsoft.com/office/powerpoint/2010/main" val="1361616562"/>
       </p:ext>
     </p:extLst>
   </p:cSld>
@@ -9228,7 +9385,15 @@
           <a:p>
             <a:r>
               <a:rPr lang="en-US" dirty="0" smtClean="0"/>
-              <a:t>What about</a:t>
+              <a:t>Why </a:t>
+            </a:r>
+            <a:r>
+              <a:rPr lang="en-US" dirty="0" err="1" smtClean="0"/>
+              <a:t>Serverless</a:t>
+            </a:r>
+            <a:r>
+              <a:rPr lang="en-US" dirty="0" smtClean="0"/>
+              <a:t> </a:t>
             </a:r>
             <a:endParaRPr lang="en-US" dirty="0"/>
           </a:p>
@@ -9251,22 +9416,33 @@
           <a:p>
             <a:r>
               <a:rPr lang="en-US" dirty="0" smtClean="0"/>
-              <a:t>Containers</a:t>
-            </a:r>
-          </a:p>
-          <a:p>
-            <a:r>
-              <a:rPr lang="en-US" dirty="0" smtClean="0"/>
-              <a:t>Micro-services</a:t>
-            </a:r>
-            <a:endParaRPr lang="en-US" dirty="0"/>
+              <a:t>Scalable</a:t>
+            </a:r>
+          </a:p>
+          <a:p>
+            <a:r>
+              <a:rPr lang="en-US" dirty="0" smtClean="0"/>
+              <a:t>Managed</a:t>
+            </a:r>
+          </a:p>
+          <a:p>
+            <a:r>
+              <a:rPr lang="en-US" dirty="0" smtClean="0"/>
+              <a:t>Services</a:t>
+            </a:r>
+          </a:p>
+          <a:p>
+            <a:r>
+              <a:rPr lang="en-US" dirty="0" smtClean="0"/>
+              <a:t>Cost</a:t>
+            </a:r>
           </a:p>
         </p:txBody>
       </p:sp>
     </p:spTree>
     <p:extLst>
       <p:ext uri="{BB962C8B-B14F-4D97-AF65-F5344CB8AC3E}">
-        <p14:creationId xmlns:p14="http://schemas.microsoft.com/office/powerpoint/2010/main" val="268825360"/>
+        <p14:creationId xmlns:p14="http://schemas.microsoft.com/office/powerpoint/2010/main" val="634894413"/>
       </p:ext>
     </p:extLst>
   </p:cSld>
@@ -9310,7 +9486,7 @@
           <a:p>
             <a:r>
               <a:rPr lang="en-US" dirty="0" smtClean="0"/>
-              <a:t>Scalable</a:t>
+              <a:t>What about</a:t>
             </a:r>
             <a:endParaRPr lang="en-US" dirty="0"/>
           </a:p>
@@ -9333,25 +9509,13 @@
           <a:p>
             <a:r>
               <a:rPr lang="en-US" dirty="0" smtClean="0"/>
-              <a:t>Auto scaling based on calls</a:t>
-            </a:r>
-          </a:p>
-          <a:p>
-            <a:r>
-              <a:rPr lang="en-US" dirty="0" smtClean="0"/>
-              <a:t>Manually scale with settings</a:t>
-            </a:r>
-          </a:p>
-          <a:p>
-            <a:r>
-              <a:rPr lang="en-US" dirty="0" smtClean="0"/>
-              <a:t>Scale units of computing instead of servers</a:t>
-            </a:r>
-          </a:p>
-          <a:p>
-            <a:r>
-              <a:rPr lang="en-US" dirty="0" smtClean="0"/>
-              <a:t>Scales back down</a:t>
+              <a:t>Containers</a:t>
+            </a:r>
+          </a:p>
+          <a:p>
+            <a:r>
+              <a:rPr lang="en-US" dirty="0" smtClean="0"/>
+              <a:t>Micro-services</a:t>
             </a:r>
             <a:endParaRPr lang="en-US" dirty="0"/>
           </a:p>
@@ -9360,7 +9524,7 @@
     </p:spTree>
     <p:extLst>
       <p:ext uri="{BB962C8B-B14F-4D97-AF65-F5344CB8AC3E}">
-        <p14:creationId xmlns:p14="http://schemas.microsoft.com/office/powerpoint/2010/main" val="498775429"/>
+        <p14:creationId xmlns:p14="http://schemas.microsoft.com/office/powerpoint/2010/main" val="268825360"/>
       </p:ext>
     </p:extLst>
   </p:cSld>
@@ -9404,7 +9568,7 @@
           <a:p>
             <a:r>
               <a:rPr lang="en-US" dirty="0" smtClean="0"/>
-              <a:t>Managed</a:t>
+              <a:t>Scalable</a:t>
             </a:r>
             <a:endParaRPr lang="en-US" dirty="0"/>
           </a:p>
@@ -9427,45 +9591,25 @@
           <a:p>
             <a:r>
               <a:rPr lang="en-US" dirty="0" smtClean="0"/>
-              <a:t>No runtimes to install</a:t>
-            </a:r>
-          </a:p>
-          <a:p>
-            <a:r>
-              <a:rPr lang="en-US" dirty="0" smtClean="0"/>
-              <a:t>No servers to provision</a:t>
-            </a:r>
-          </a:p>
-          <a:p>
-            <a:r>
-              <a:rPr lang="en-US" dirty="0" smtClean="0"/>
-              <a:t>No “</a:t>
-            </a:r>
-            <a:r>
-              <a:rPr lang="en-US" dirty="0" err="1" smtClean="0"/>
-              <a:t>INFRAopps</a:t>
-            </a:r>
-            <a:r>
-              <a:rPr lang="en-US" dirty="0" smtClean="0"/>
-              <a:t>”</a:t>
-            </a:r>
-          </a:p>
-          <a:p>
-            <a:r>
-              <a:rPr lang="en-US" dirty="0" smtClean="0"/>
-              <a:t>No logging setup</a:t>
-            </a:r>
-          </a:p>
-          <a:p>
-            <a:r>
-              <a:rPr lang="en-US" dirty="0" smtClean="0"/>
-              <a:t>Data replication</a:t>
-            </a:r>
-          </a:p>
-          <a:p>
-            <a:r>
-              <a:rPr lang="en-US" dirty="0" smtClean="0"/>
-              <a:t>Etc.</a:t>
+              <a:t>Auto scaling based on calls</a:t>
+            </a:r>
+          </a:p>
+          <a:p>
+            <a:r>
+              <a:rPr lang="en-US" dirty="0" smtClean="0"/>
+              <a:t>Manually scale with settings</a:t>
+            </a:r>
+          </a:p>
+          <a:p>
+            <a:r>
+              <a:rPr lang="en-US" dirty="0" smtClean="0"/>
+              <a:t>Scale units of computing instead of servers</a:t>
+            </a:r>
+          </a:p>
+          <a:p>
+            <a:r>
+              <a:rPr lang="en-US" dirty="0" smtClean="0"/>
+              <a:t>Scales back down</a:t>
             </a:r>
             <a:endParaRPr lang="en-US" dirty="0"/>
           </a:p>
@@ -9474,20 +9618,13 @@
     </p:spTree>
     <p:extLst>
       <p:ext uri="{BB962C8B-B14F-4D97-AF65-F5344CB8AC3E}">
-        <p14:creationId xmlns:p14="http://schemas.microsoft.com/office/powerpoint/2010/main" val="902979938"/>
+        <p14:creationId xmlns:p14="http://schemas.microsoft.com/office/powerpoint/2010/main" val="498775429"/>
       </p:ext>
     </p:extLst>
   </p:cSld>
   <p:clrMapOvr>
     <a:masterClrMapping/>
   </p:clrMapOvr>
-  <p:timing>
-    <p:tnLst>
-      <p:par>
-        <p:cTn xmlns:p14="http://schemas.microsoft.com/office/powerpoint/2010/main" id="1" dur="indefinite" restart="never" nodeType="tmRoot"/>
-      </p:par>
-    </p:tnLst>
-  </p:timing>
 </p:sld>
 </file>
 
@@ -9672,7 +9809,7 @@
   <a:extraClrSchemeLst/>
   <a:extLst>
     <a:ext uri="{05A4C25C-085E-4340-85A3-A5531E510DB2}">
-      <thm15:themeFamily xmlns:thm15="http://schemas.microsoft.com/office/thememl/2012/main" xmlns="" name="Headlines" id="{3841520A-25F2-4EB8-BE4C-611DB5ABEED9}" vid="{ECD25A4C-D97E-4C12-84B1-63580BFFAEEB}"/>
+      <thm15:themeFamily xmlns:thm15="http://schemas.microsoft.com/office/thememl/2012/main" name="Headlines" id="{3841520A-25F2-4EB8-BE4C-611DB5ABEED9}" vid="{ECD25A4C-D97E-4C12-84B1-63580BFFAEEB}"/>
     </a:ext>
   </a:extLst>
 </a:theme>
@@ -9933,7 +10070,7 @@
   <a:extraClrSchemeLst/>
   <a:extLst>
     <a:ext uri="{05A4C25C-085E-4340-85A3-A5531E510DB2}">
-      <thm15:themeFamily xmlns:thm15="http://schemas.microsoft.com/office/thememl/2012/main" xmlns="" name="Office Theme" id="{62F939B6-93AF-4DB8-9C6B-D6C7DFDC589F}" vid="{4A3C46E8-61CC-4603-A589-7422A47A8E4A}"/>
+      <thm15:themeFamily xmlns:thm15="http://schemas.microsoft.com/office/thememl/2012/main" name="Office Theme" id="{62F939B6-93AF-4DB8-9C6B-D6C7DFDC589F}" vid="{4A3C46E8-61CC-4603-A589-7422A47A8E4A}"/>
     </a:ext>
   </a:extLst>
 </a:theme>

--- a/going-serverless-2017.pptx
+++ b/going-serverless-2017.pptx
@@ -5,7 +5,7 @@
     <p:sldMasterId id="2147484390" r:id="rId1"/>
   </p:sldMasterIdLst>
   <p:notesMasterIdLst>
-    <p:notesMasterId r:id="rId31"/>
+    <p:notesMasterId r:id="rId32"/>
   </p:notesMasterIdLst>
   <p:sldIdLst>
     <p:sldId id="256" r:id="rId2"/>
@@ -26,17 +26,18 @@
     <p:sldId id="286" r:id="rId17"/>
     <p:sldId id="287" r:id="rId18"/>
     <p:sldId id="288" r:id="rId19"/>
-    <p:sldId id="277" r:id="rId20"/>
-    <p:sldId id="278" r:id="rId21"/>
-    <p:sldId id="273" r:id="rId22"/>
-    <p:sldId id="275" r:id="rId23"/>
-    <p:sldId id="263" r:id="rId24"/>
-    <p:sldId id="269" r:id="rId25"/>
-    <p:sldId id="270" r:id="rId26"/>
-    <p:sldId id="271" r:id="rId27"/>
-    <p:sldId id="291" r:id="rId28"/>
-    <p:sldId id="289" r:id="rId29"/>
-    <p:sldId id="272" r:id="rId30"/>
+    <p:sldId id="293" r:id="rId20"/>
+    <p:sldId id="277" r:id="rId21"/>
+    <p:sldId id="278" r:id="rId22"/>
+    <p:sldId id="273" r:id="rId23"/>
+    <p:sldId id="275" r:id="rId24"/>
+    <p:sldId id="263" r:id="rId25"/>
+    <p:sldId id="269" r:id="rId26"/>
+    <p:sldId id="270" r:id="rId27"/>
+    <p:sldId id="271" r:id="rId28"/>
+    <p:sldId id="291" r:id="rId29"/>
+    <p:sldId id="289" r:id="rId30"/>
+    <p:sldId id="272" r:id="rId31"/>
   </p:sldIdLst>
   <p:sldSz cx="12192000" cy="6858000"/>
   <p:notesSz cx="6858000" cy="9144000"/>
@@ -6882,7 +6883,7 @@
           <a:lstStyle/>
           <a:p>
             <a:r>
-              <a:rPr lang="en-US" smtClean="0"/>
+              <a:rPr lang="en-US" dirty="0" smtClean="0"/>
               <a:t>AWS Cost</a:t>
             </a:r>
             <a:r>
@@ -7075,6 +7076,208 @@
 </file>
 
 <file path=ppt/slides/slide19.xml><?xml version="1.0" encoding="utf-8"?>
+<p:sld xmlns:a="http://schemas.openxmlformats.org/drawingml/2006/main" xmlns:r="http://schemas.openxmlformats.org/officeDocument/2006/relationships" xmlns:p="http://schemas.openxmlformats.org/presentationml/2006/main">
+  <p:cSld>
+    <p:spTree>
+      <p:nvGrpSpPr>
+        <p:cNvPr id="1" name=""/>
+        <p:cNvGrpSpPr/>
+        <p:nvPr/>
+      </p:nvGrpSpPr>
+      <p:grpSpPr>
+        <a:xfrm>
+          <a:off x="0" y="0"/>
+          <a:ext cx="0" cy="0"/>
+          <a:chOff x="0" y="0"/>
+          <a:chExt cx="0" cy="0"/>
+        </a:xfrm>
+      </p:grpSpPr>
+      <p:sp>
+        <p:nvSpPr>
+          <p:cNvPr id="2" name="Title 1"/>
+          <p:cNvSpPr>
+            <a:spLocks noGrp="1"/>
+          </p:cNvSpPr>
+          <p:nvPr>
+            <p:ph type="title"/>
+          </p:nvPr>
+        </p:nvSpPr>
+        <p:spPr/>
+        <p:txBody>
+          <a:bodyPr/>
+          <a:lstStyle/>
+          <a:p>
+            <a:r>
+              <a:rPr lang="en-US" dirty="0" smtClean="0"/>
+              <a:t>Lambda</a:t>
+            </a:r>
+            <a:br>
+              <a:rPr lang="en-US" dirty="0" smtClean="0"/>
+            </a:br>
+            <a:r>
+              <a:rPr lang="en-US" sz="2400" dirty="0" smtClean="0"/>
+              <a:t>the rabbit hole</a:t>
+            </a:r>
+            <a:endParaRPr lang="en-US" sz="2400" dirty="0"/>
+          </a:p>
+        </p:txBody>
+      </p:sp>
+      <p:pic>
+        <p:nvPicPr>
+          <p:cNvPr id="4" name="Content Placeholder 3"/>
+          <p:cNvPicPr>
+            <a:picLocks noGrp="1" noChangeAspect="1"/>
+          </p:cNvPicPr>
+          <p:nvPr>
+            <p:ph idx="1"/>
+          </p:nvPr>
+        </p:nvPicPr>
+        <p:blipFill>
+          <a:blip r:embed="rId2"/>
+          <a:stretch>
+            <a:fillRect/>
+          </a:stretch>
+        </p:blipFill>
+        <p:spPr>
+          <a:xfrm>
+            <a:off x="5181600" y="1865598"/>
+            <a:ext cx="6248400" cy="3061716"/>
+          </a:xfrm>
+          <a:prstGeom prst="rect">
+            <a:avLst/>
+          </a:prstGeom>
+        </p:spPr>
+      </p:pic>
+    </p:spTree>
+    <p:extLst>
+      <p:ext uri="{BB962C8B-B14F-4D97-AF65-F5344CB8AC3E}">
+        <p14:creationId xmlns:p14="http://schemas.microsoft.com/office/powerpoint/2010/main" val="405133803"/>
+      </p:ext>
+    </p:extLst>
+  </p:cSld>
+  <p:clrMapOvr>
+    <a:masterClrMapping/>
+  </p:clrMapOvr>
+</p:sld>
+</file>
+
+<file path=ppt/slides/slide2.xml><?xml version="1.0" encoding="utf-8"?>
+<p:sld xmlns:a="http://schemas.openxmlformats.org/drawingml/2006/main" xmlns:r="http://schemas.openxmlformats.org/officeDocument/2006/relationships" xmlns:p="http://schemas.openxmlformats.org/presentationml/2006/main">
+  <p:cSld>
+    <p:spTree>
+      <p:nvGrpSpPr>
+        <p:cNvPr id="1" name=""/>
+        <p:cNvGrpSpPr/>
+        <p:nvPr/>
+      </p:nvGrpSpPr>
+      <p:grpSpPr>
+        <a:xfrm>
+          <a:off x="0" y="0"/>
+          <a:ext cx="0" cy="0"/>
+          <a:chOff x="0" y="0"/>
+          <a:chExt cx="0" cy="0"/>
+        </a:xfrm>
+      </p:grpSpPr>
+      <p:sp>
+        <p:nvSpPr>
+          <p:cNvPr id="2" name="Title 1"/>
+          <p:cNvSpPr>
+            <a:spLocks noGrp="1"/>
+          </p:cNvSpPr>
+          <p:nvPr>
+            <p:ph type="title"/>
+          </p:nvPr>
+        </p:nvSpPr>
+        <p:spPr/>
+        <p:txBody>
+          <a:bodyPr/>
+          <a:lstStyle/>
+          <a:p>
+            <a:r>
+              <a:rPr lang="en-US" dirty="0" smtClean="0"/>
+              <a:t>bio</a:t>
+            </a:r>
+            <a:endParaRPr lang="en-US" dirty="0"/>
+          </a:p>
+        </p:txBody>
+      </p:sp>
+      <p:sp>
+        <p:nvSpPr>
+          <p:cNvPr id="3" name="Content Placeholder 2"/>
+          <p:cNvSpPr>
+            <a:spLocks noGrp="1"/>
+          </p:cNvSpPr>
+          <p:nvPr>
+            <p:ph idx="1"/>
+          </p:nvPr>
+        </p:nvSpPr>
+        <p:spPr/>
+        <p:txBody>
+          <a:bodyPr/>
+          <a:lstStyle/>
+          <a:p>
+            <a:r>
+              <a:rPr lang="en-US" dirty="0" smtClean="0"/>
+              <a:t>Adrian Pomilio</a:t>
+            </a:r>
+          </a:p>
+          <a:p>
+            <a:r>
+              <a:rPr lang="en-US" dirty="0" err="1" smtClean="0"/>
+              <a:t>Github</a:t>
+            </a:r>
+            <a:r>
+              <a:rPr lang="en-US" dirty="0" smtClean="0"/>
+              <a:t>/Twitter : </a:t>
+            </a:r>
+            <a:r>
+              <a:rPr lang="en-US" dirty="0" err="1" smtClean="0"/>
+              <a:t>adrianpomilio</a:t>
+            </a:r>
+            <a:endParaRPr lang="en-US" dirty="0" smtClean="0"/>
+          </a:p>
+          <a:p>
+            <a:r>
+              <a:rPr lang="en-US" dirty="0" smtClean="0"/>
+              <a:t>Sr. Manager Platform Services </a:t>
+            </a:r>
+            <a:r>
+              <a:rPr lang="mr-IN" dirty="0" smtClean="0"/>
+              <a:t>–</a:t>
+            </a:r>
+            <a:r>
+              <a:rPr lang="en-US" dirty="0" smtClean="0"/>
+              <a:t> Mapp Digital</a:t>
+            </a:r>
+          </a:p>
+          <a:p>
+            <a:r>
+              <a:rPr lang="en-US" dirty="0" smtClean="0"/>
+              <a:t>20+ years of application development and design</a:t>
+            </a:r>
+          </a:p>
+          <a:p>
+            <a:r>
+              <a:rPr lang="en-US" dirty="0" smtClean="0"/>
+              <a:t>“Learn it by doing it”</a:t>
+            </a:r>
+          </a:p>
+        </p:txBody>
+      </p:sp>
+    </p:spTree>
+    <p:extLst>
+      <p:ext uri="{BB962C8B-B14F-4D97-AF65-F5344CB8AC3E}">
+        <p14:creationId xmlns:p14="http://schemas.microsoft.com/office/powerpoint/2010/main" val="1780265973"/>
+      </p:ext>
+    </p:extLst>
+  </p:cSld>
+  <p:clrMapOvr>
+    <a:masterClrMapping/>
+  </p:clrMapOvr>
+</p:sld>
+</file>
+
+<file path=ppt/slides/slide20.xml><?xml version="1.0" encoding="utf-8"?>
 <p:sld xmlns:a="http://schemas.openxmlformats.org/drawingml/2006/main" xmlns:r="http://schemas.openxmlformats.org/officeDocument/2006/relationships" xmlns:p="http://schemas.openxmlformats.org/presentationml/2006/main">
   <p:cSld>
     <p:spTree>
@@ -7704,224 +7907,6 @@
 </p:sld>
 </file>
 
-<file path=ppt/slides/slide2.xml><?xml version="1.0" encoding="utf-8"?>
-<p:sld xmlns:a="http://schemas.openxmlformats.org/drawingml/2006/main" xmlns:r="http://schemas.openxmlformats.org/officeDocument/2006/relationships" xmlns:p="http://schemas.openxmlformats.org/presentationml/2006/main">
-  <p:cSld>
-    <p:spTree>
-      <p:nvGrpSpPr>
-        <p:cNvPr id="1" name=""/>
-        <p:cNvGrpSpPr/>
-        <p:nvPr/>
-      </p:nvGrpSpPr>
-      <p:grpSpPr>
-        <a:xfrm>
-          <a:off x="0" y="0"/>
-          <a:ext cx="0" cy="0"/>
-          <a:chOff x="0" y="0"/>
-          <a:chExt cx="0" cy="0"/>
-        </a:xfrm>
-      </p:grpSpPr>
-      <p:sp>
-        <p:nvSpPr>
-          <p:cNvPr id="2" name="Title 1"/>
-          <p:cNvSpPr>
-            <a:spLocks noGrp="1"/>
-          </p:cNvSpPr>
-          <p:nvPr>
-            <p:ph type="title"/>
-          </p:nvPr>
-        </p:nvSpPr>
-        <p:spPr/>
-        <p:txBody>
-          <a:bodyPr/>
-          <a:lstStyle/>
-          <a:p>
-            <a:r>
-              <a:rPr lang="en-US" dirty="0" smtClean="0"/>
-              <a:t>bio</a:t>
-            </a:r>
-            <a:endParaRPr lang="en-US" dirty="0"/>
-          </a:p>
-        </p:txBody>
-      </p:sp>
-      <p:sp>
-        <p:nvSpPr>
-          <p:cNvPr id="3" name="Content Placeholder 2"/>
-          <p:cNvSpPr>
-            <a:spLocks noGrp="1"/>
-          </p:cNvSpPr>
-          <p:nvPr>
-            <p:ph idx="1"/>
-          </p:nvPr>
-        </p:nvSpPr>
-        <p:spPr/>
-        <p:txBody>
-          <a:bodyPr/>
-          <a:lstStyle/>
-          <a:p>
-            <a:r>
-              <a:rPr lang="en-US" dirty="0" smtClean="0"/>
-              <a:t>Adrian Pomilio</a:t>
-            </a:r>
-          </a:p>
-          <a:p>
-            <a:r>
-              <a:rPr lang="en-US" dirty="0" err="1" smtClean="0"/>
-              <a:t>Github</a:t>
-            </a:r>
-            <a:r>
-              <a:rPr lang="en-US" dirty="0" smtClean="0"/>
-              <a:t>/Twitter : </a:t>
-            </a:r>
-            <a:r>
-              <a:rPr lang="en-US" dirty="0" err="1" smtClean="0"/>
-              <a:t>adrianpomilio</a:t>
-            </a:r>
-            <a:endParaRPr lang="en-US" dirty="0" smtClean="0"/>
-          </a:p>
-          <a:p>
-            <a:r>
-              <a:rPr lang="en-US" dirty="0" smtClean="0"/>
-              <a:t>Sr. Manager Platform Services </a:t>
-            </a:r>
-            <a:r>
-              <a:rPr lang="mr-IN" dirty="0" smtClean="0"/>
-              <a:t>–</a:t>
-            </a:r>
-            <a:r>
-              <a:rPr lang="en-US" dirty="0" smtClean="0"/>
-              <a:t> Mapp Digital</a:t>
-            </a:r>
-          </a:p>
-          <a:p>
-            <a:r>
-              <a:rPr lang="en-US" dirty="0" smtClean="0"/>
-              <a:t>20+ years of application development and design</a:t>
-            </a:r>
-          </a:p>
-          <a:p>
-            <a:r>
-              <a:rPr lang="en-US" dirty="0" smtClean="0"/>
-              <a:t>“Learn it by doing it”</a:t>
-            </a:r>
-          </a:p>
-        </p:txBody>
-      </p:sp>
-    </p:spTree>
-    <p:extLst>
-      <p:ext uri="{BB962C8B-B14F-4D97-AF65-F5344CB8AC3E}">
-        <p14:creationId xmlns:p14="http://schemas.microsoft.com/office/powerpoint/2010/main" val="1780265973"/>
-      </p:ext>
-    </p:extLst>
-  </p:cSld>
-  <p:clrMapOvr>
-    <a:masterClrMapping/>
-  </p:clrMapOvr>
-</p:sld>
-</file>
-
-<file path=ppt/slides/slide20.xml><?xml version="1.0" encoding="utf-8"?>
-<p:sld xmlns:a="http://schemas.openxmlformats.org/drawingml/2006/main" xmlns:r="http://schemas.openxmlformats.org/officeDocument/2006/relationships" xmlns:p="http://schemas.openxmlformats.org/presentationml/2006/main">
-  <p:cSld>
-    <p:spTree>
-      <p:nvGrpSpPr>
-        <p:cNvPr id="1" name=""/>
-        <p:cNvGrpSpPr/>
-        <p:nvPr/>
-      </p:nvGrpSpPr>
-      <p:grpSpPr>
-        <a:xfrm>
-          <a:off x="0" y="0"/>
-          <a:ext cx="0" cy="0"/>
-          <a:chOff x="0" y="0"/>
-          <a:chExt cx="0" cy="0"/>
-        </a:xfrm>
-      </p:grpSpPr>
-      <p:sp>
-        <p:nvSpPr>
-          <p:cNvPr id="2" name="Title 1"/>
-          <p:cNvSpPr>
-            <a:spLocks noGrp="1"/>
-          </p:cNvSpPr>
-          <p:nvPr>
-            <p:ph type="title"/>
-          </p:nvPr>
-        </p:nvSpPr>
-        <p:spPr/>
-        <p:txBody>
-          <a:bodyPr/>
-          <a:lstStyle/>
-          <a:p>
-            <a:r>
-              <a:rPr lang="en-US" dirty="0" smtClean="0"/>
-              <a:t>Versioning</a:t>
-            </a:r>
-            <a:endParaRPr lang="en-US" dirty="0"/>
-          </a:p>
-        </p:txBody>
-      </p:sp>
-      <p:sp>
-        <p:nvSpPr>
-          <p:cNvPr id="3" name="Content Placeholder 2"/>
-          <p:cNvSpPr>
-            <a:spLocks noGrp="1"/>
-          </p:cNvSpPr>
-          <p:nvPr>
-            <p:ph idx="1"/>
-          </p:nvPr>
-        </p:nvSpPr>
-        <p:spPr/>
-        <p:txBody>
-          <a:bodyPr/>
-          <a:lstStyle/>
-          <a:p>
-            <a:r>
-              <a:rPr lang="en-US" dirty="0" smtClean="0"/>
-              <a:t>Lambda </a:t>
-            </a:r>
-            <a:r>
-              <a:rPr lang="mr-IN" dirty="0" smtClean="0"/>
-              <a:t>–</a:t>
-            </a:r>
-            <a:r>
-              <a:rPr lang="en-US" dirty="0" smtClean="0"/>
-              <a:t> different versions of a function</a:t>
-            </a:r>
-          </a:p>
-          <a:p>
-            <a:pPr lvl="1"/>
-            <a:r>
-              <a:rPr lang="en-US" dirty="0" smtClean="0"/>
-              <a:t>Think A/B testing, </a:t>
-            </a:r>
-            <a:r>
-              <a:rPr lang="en-US" smtClean="0"/>
-              <a:t>or Blue/Green deployment</a:t>
-            </a:r>
-            <a:endParaRPr lang="en-US" dirty="0"/>
-          </a:p>
-        </p:txBody>
-      </p:sp>
-    </p:spTree>
-    <p:extLst>
-      <p:ext uri="{BB962C8B-B14F-4D97-AF65-F5344CB8AC3E}">
-        <p14:creationId xmlns:p14="http://schemas.microsoft.com/office/powerpoint/2010/main" val="1532791319"/>
-      </p:ext>
-    </p:extLst>
-  </p:cSld>
-  <p:clrMapOvr>
-    <a:masterClrMapping/>
-  </p:clrMapOvr>
-  <p:timing>
-    <p:tnLst>
-      <p:par>
-        <p:cTn id="1" dur="indefinite" restart="never" nodeType="tmRoot"/>
-      </p:par>
-    </p:tnLst>
-  </p:timing>
-</p:sld>
-</file>
-
 <file path=ppt/slides/slide21.xml><?xml version="1.0" encoding="utf-8"?>
 <p:sld xmlns:a="http://schemas.openxmlformats.org/drawingml/2006/main" xmlns:r="http://schemas.openxmlformats.org/officeDocument/2006/relationships" xmlns:p="http://schemas.openxmlformats.org/presentationml/2006/main">
   <p:cSld>
@@ -7956,112 +7941,138 @@
           <a:p>
             <a:r>
               <a:rPr lang="en-US" dirty="0" smtClean="0"/>
-              <a:t>Lambda scaling</a:t>
+              <a:t>Lambda</a:t>
+            </a:r>
+            <a:br>
+              <a:rPr lang="en-US" dirty="0" smtClean="0"/>
+            </a:br>
+            <a:r>
+              <a:rPr lang="en-US" sz="2400" dirty="0" smtClean="0"/>
+              <a:t>language/runtime support</a:t>
+            </a:r>
+            <a:endParaRPr lang="en-US" sz="2400" dirty="0"/>
+          </a:p>
+        </p:txBody>
+      </p:sp>
+      <p:sp>
+        <p:nvSpPr>
+          <p:cNvPr id="3" name="Content Placeholder 2"/>
+          <p:cNvSpPr>
+            <a:spLocks noGrp="1"/>
+          </p:cNvSpPr>
+          <p:nvPr>
+            <p:ph idx="1"/>
+          </p:nvPr>
+        </p:nvSpPr>
+        <p:spPr/>
+        <p:txBody>
+          <a:bodyPr/>
+          <a:lstStyle/>
+          <a:p>
+            <a:r>
+              <a:rPr lang="en-US" dirty="0" err="1" smtClean="0"/>
+              <a:t>NodeJS</a:t>
+            </a:r>
+            <a:endParaRPr lang="en-US" dirty="0" smtClean="0"/>
+          </a:p>
+          <a:p>
+            <a:r>
+              <a:rPr lang="en-US" dirty="0" smtClean="0"/>
+              <a:t>Python</a:t>
+            </a:r>
+          </a:p>
+          <a:p>
+            <a:r>
+              <a:rPr lang="en-US" dirty="0" smtClean="0"/>
+              <a:t>C#</a:t>
+            </a:r>
+          </a:p>
+          <a:p>
+            <a:pPr lvl="1"/>
+            <a:r>
+              <a:rPr lang="en-US" dirty="0" smtClean="0"/>
+              <a:t>DLLs too </a:t>
+            </a:r>
+            <a:endParaRPr lang="en-US" dirty="0" smtClean="0"/>
+          </a:p>
+          <a:p>
+            <a:r>
+              <a:rPr lang="en-US" dirty="0" smtClean="0"/>
+              <a:t>Java</a:t>
+            </a:r>
+            <a:endParaRPr lang="en-US" dirty="0" smtClean="0"/>
+          </a:p>
+          <a:p>
+            <a:pPr lvl="1"/>
+            <a:r>
+              <a:rPr lang="en-US" dirty="0" smtClean="0"/>
+              <a:t>This includes JVM languages</a:t>
+            </a:r>
+            <a:r>
+              <a:rPr lang="mr-IN" dirty="0" smtClean="0"/>
+              <a:t>…</a:t>
+            </a:r>
+            <a:r>
+              <a:rPr lang="en-US" dirty="0" smtClean="0"/>
+              <a:t> Scala, </a:t>
+            </a:r>
+            <a:r>
+              <a:rPr lang="en-US" dirty="0" err="1" smtClean="0"/>
+              <a:t>Kotlin</a:t>
+            </a:r>
+            <a:r>
+              <a:rPr lang="en-US" dirty="0" smtClean="0"/>
+              <a:t>, etc.</a:t>
             </a:r>
             <a:endParaRPr lang="en-US" dirty="0"/>
           </a:p>
-        </p:txBody>
-      </p:sp>
-      <p:sp>
-        <p:nvSpPr>
-          <p:cNvPr id="3" name="Content Placeholder 2"/>
-          <p:cNvSpPr>
-            <a:spLocks noGrp="1"/>
-          </p:cNvSpPr>
-          <p:nvPr>
-            <p:ph idx="1"/>
-          </p:nvPr>
-        </p:nvSpPr>
-        <p:spPr/>
-        <p:txBody>
-          <a:bodyPr>
-            <a:normAutofit/>
-          </a:bodyPr>
-          <a:lstStyle/>
-          <a:p>
-            <a:r>
-              <a:rPr lang="en-US" dirty="0" smtClean="0"/>
-              <a:t>Lambda </a:t>
-            </a:r>
-            <a:r>
-              <a:rPr lang="mr-IN" dirty="0" smtClean="0"/>
-              <a:t>–</a:t>
-            </a:r>
-            <a:r>
-              <a:rPr lang="en-US" dirty="0" smtClean="0"/>
-              <a:t> on a unit of work</a:t>
+          <a:p>
+            <a:r>
+              <a:rPr lang="en-US" dirty="0" smtClean="0"/>
+              <a:t>Shell scripts</a:t>
+            </a:r>
+          </a:p>
+          <a:p>
+            <a:r>
+              <a:rPr lang="en-US" dirty="0" smtClean="0"/>
+              <a:t>Executables</a:t>
+            </a:r>
+          </a:p>
+          <a:p>
+            <a:r>
+              <a:rPr lang="en-US" dirty="0" smtClean="0"/>
+              <a:t>Pretty much anything*</a:t>
             </a:r>
           </a:p>
           <a:p>
             <a:pPr lvl="1"/>
             <a:r>
-              <a:rPr lang="en-US" dirty="0" smtClean="0"/>
-              <a:t>Streaming source types</a:t>
-            </a:r>
-          </a:p>
-          <a:p>
-            <a:pPr lvl="1"/>
-            <a:r>
-              <a:rPr lang="en-US" dirty="0" smtClean="0"/>
-              <a:t>Synchronous source types</a:t>
-            </a:r>
-          </a:p>
-          <a:p>
-            <a:pPr lvl="1"/>
-            <a:r>
-              <a:rPr lang="en-US" dirty="0" smtClean="0"/>
-              <a:t>(</a:t>
-            </a:r>
-            <a:r>
-              <a:rPr lang="en-US" dirty="0" smtClean="0">
-                <a:hlinkClick r:id="rId2"/>
-              </a:rPr>
-              <a:t>https://cloudncode.blog/2017/03/02/best-practices-aws-lambda-function/)</a:t>
-            </a:r>
-            <a:endParaRPr lang="en-US" dirty="0" smtClean="0"/>
-          </a:p>
-          <a:p>
-            <a:pPr lvl="1"/>
-            <a:r>
-              <a:rPr lang="en-US" dirty="0" smtClean="0"/>
-              <a:t>Concurrent Invocations = events (or requests) per second * function duration (in secs)</a:t>
-            </a:r>
-          </a:p>
-          <a:p>
-            <a:pPr lvl="1"/>
-            <a:r>
-              <a:rPr lang="en-US" dirty="0" smtClean="0"/>
-              <a:t>(</a:t>
-            </a:r>
-            <a:r>
-              <a:rPr lang="en-US" dirty="0" smtClean="0">
-                <a:hlinkClick r:id="rId3"/>
-              </a:rPr>
-              <a:t>http://docs.aws.amazon.com/lambda/latest/dg/concurrent-executions.html)</a:t>
-            </a:r>
-            <a:endParaRPr lang="en-US" dirty="0" smtClean="0"/>
-          </a:p>
-          <a:p>
-            <a:pPr lvl="1"/>
-            <a:r>
-              <a:rPr lang="en-US" dirty="0" smtClean="0"/>
-              <a:t>1000 concurrent limit</a:t>
-            </a:r>
-          </a:p>
-          <a:p>
-            <a:pPr lvl="1"/>
-            <a:r>
-              <a:rPr lang="en-US" dirty="0" smtClean="0"/>
-              <a:t>Kinesis work around (pricey)</a:t>
-            </a:r>
-            <a:endParaRPr lang="en-US" dirty="0"/>
+              <a:rPr lang="en-US" dirty="0"/>
+              <a:t>https://</a:t>
+            </a:r>
+            <a:r>
+              <a:rPr lang="en-US" dirty="0" err="1"/>
+              <a:t>aws.amazon.com</a:t>
+            </a:r>
+            <a:r>
+              <a:rPr lang="en-US" dirty="0"/>
+              <a:t>/blogs/compute/running-executables-in-</a:t>
+            </a:r>
+            <a:r>
+              <a:rPr lang="en-US" dirty="0" err="1"/>
+              <a:t>aws</a:t>
+            </a:r>
+            <a:r>
+              <a:rPr lang="en-US" dirty="0"/>
+              <a:t>-lambda/</a:t>
+            </a:r>
           </a:p>
         </p:txBody>
       </p:sp>
     </p:spTree>
     <p:extLst>
       <p:ext uri="{BB962C8B-B14F-4D97-AF65-F5344CB8AC3E}">
-        <p14:creationId xmlns:p14="http://schemas.microsoft.com/office/powerpoint/2010/main" val="1998115011"/>
+        <p14:creationId xmlns:p14="http://schemas.microsoft.com/office/powerpoint/2010/main" val="1532791319"/>
       </p:ext>
     </p:extLst>
   </p:cSld>
@@ -8112,7 +8123,7 @@
           <a:p>
             <a:r>
               <a:rPr lang="en-US" dirty="0" smtClean="0"/>
-              <a:t>Services</a:t>
+              <a:t>Lambda scaling</a:t>
             </a:r>
             <a:endParaRPr lang="en-US" dirty="0"/>
           </a:p>
@@ -8130,38 +8141,85 @@
         </p:nvSpPr>
         <p:spPr/>
         <p:txBody>
-          <a:bodyPr/>
+          <a:bodyPr>
+            <a:normAutofit/>
+          </a:bodyPr>
           <a:lstStyle/>
           <a:p>
             <a:r>
-              <a:rPr lang="en-US" dirty="0" err="1" smtClean="0"/>
-              <a:t>Cognito</a:t>
+              <a:rPr lang="en-US" dirty="0" smtClean="0"/>
+              <a:t>Lambda </a:t>
+            </a:r>
+            <a:r>
+              <a:rPr lang="mr-IN" dirty="0" smtClean="0"/>
+              <a:t>–</a:t>
+            </a:r>
+            <a:r>
+              <a:rPr lang="en-US" dirty="0" smtClean="0"/>
+              <a:t> on a unit of work</a:t>
+            </a:r>
+          </a:p>
+          <a:p>
+            <a:pPr lvl="1"/>
+            <a:r>
+              <a:rPr lang="en-US" dirty="0" smtClean="0"/>
+              <a:t>Streaming source types</a:t>
+            </a:r>
+          </a:p>
+          <a:p>
+            <a:pPr lvl="1"/>
+            <a:r>
+              <a:rPr lang="en-US" dirty="0" smtClean="0"/>
+              <a:t>Synchronous source types</a:t>
+            </a:r>
+          </a:p>
+          <a:p>
+            <a:pPr lvl="1"/>
+            <a:r>
+              <a:rPr lang="en-US" dirty="0" smtClean="0"/>
+              <a:t>(</a:t>
+            </a:r>
+            <a:r>
+              <a:rPr lang="en-US" dirty="0" smtClean="0">
+                <a:hlinkClick r:id="rId2"/>
+              </a:rPr>
+              <a:t>https://cloudncode.blog/2017/03/02/best-practices-aws-lambda-function/)</a:t>
             </a:r>
             <a:endParaRPr lang="en-US" dirty="0" smtClean="0"/>
           </a:p>
           <a:p>
-            <a:r>
-              <a:rPr lang="en-US" dirty="0" smtClean="0"/>
-              <a:t>S3</a:t>
-            </a:r>
-          </a:p>
-          <a:p>
-            <a:r>
-              <a:rPr lang="en-US" dirty="0" smtClean="0"/>
-              <a:t>SNS</a:t>
-            </a:r>
-          </a:p>
-          <a:p>
-            <a:r>
-              <a:rPr lang="en-US" dirty="0" err="1" smtClean="0"/>
-              <a:t>Kinises</a:t>
+            <a:pPr lvl="1"/>
+            <a:r>
+              <a:rPr lang="en-US" dirty="0" smtClean="0"/>
+              <a:t>Concurrent Invocations = events (or requests) per second * function duration (in secs)</a:t>
+            </a:r>
+          </a:p>
+          <a:p>
+            <a:pPr lvl="1"/>
+            <a:r>
+              <a:rPr lang="en-US" dirty="0" smtClean="0"/>
+              <a:t>(</a:t>
+            </a:r>
+            <a:r>
+              <a:rPr lang="en-US" dirty="0" smtClean="0">
+                <a:hlinkClick r:id="rId3"/>
+              </a:rPr>
+              <a:t>http://docs.aws.amazon.com/lambda/latest/dg/concurrent-executions.html)</a:t>
             </a:r>
             <a:endParaRPr lang="en-US" dirty="0" smtClean="0"/>
           </a:p>
           <a:p>
-            <a:r>
-              <a:rPr lang="en-US" dirty="0" smtClean="0"/>
-              <a:t>Etc..</a:t>
+            <a:pPr lvl="1"/>
+            <a:r>
+              <a:rPr lang="en-US" dirty="0" smtClean="0"/>
+              <a:t>1000 concurrent limit</a:t>
+            </a:r>
+          </a:p>
+          <a:p>
+            <a:pPr lvl="1"/>
+            <a:r>
+              <a:rPr lang="en-US" dirty="0" smtClean="0"/>
+              <a:t>Kinesis work around (pricey)</a:t>
             </a:r>
             <a:endParaRPr lang="en-US" dirty="0"/>
           </a:p>
@@ -8170,13 +8228,20 @@
     </p:spTree>
     <p:extLst>
       <p:ext uri="{BB962C8B-B14F-4D97-AF65-F5344CB8AC3E}">
-        <p14:creationId xmlns:p14="http://schemas.microsoft.com/office/powerpoint/2010/main" val="2036119871"/>
+        <p14:creationId xmlns:p14="http://schemas.microsoft.com/office/powerpoint/2010/main" val="1998115011"/>
       </p:ext>
     </p:extLst>
   </p:cSld>
   <p:clrMapOvr>
     <a:masterClrMapping/>
   </p:clrMapOvr>
+  <p:timing>
+    <p:tnLst>
+      <p:par>
+        <p:cTn id="1" dur="indefinite" restart="never" nodeType="tmRoot"/>
+      </p:par>
+    </p:tnLst>
+  </p:timing>
 </p:sld>
 </file>
 
@@ -8214,6 +8279,108 @@
           <a:p>
             <a:r>
               <a:rPr lang="en-US" dirty="0" smtClean="0"/>
+              <a:t>Services</a:t>
+            </a:r>
+            <a:endParaRPr lang="en-US" dirty="0"/>
+          </a:p>
+        </p:txBody>
+      </p:sp>
+      <p:sp>
+        <p:nvSpPr>
+          <p:cNvPr id="3" name="Content Placeholder 2"/>
+          <p:cNvSpPr>
+            <a:spLocks noGrp="1"/>
+          </p:cNvSpPr>
+          <p:nvPr>
+            <p:ph idx="1"/>
+          </p:nvPr>
+        </p:nvSpPr>
+        <p:spPr/>
+        <p:txBody>
+          <a:bodyPr/>
+          <a:lstStyle/>
+          <a:p>
+            <a:r>
+              <a:rPr lang="en-US" dirty="0" err="1" smtClean="0"/>
+              <a:t>Cognito</a:t>
+            </a:r>
+            <a:endParaRPr lang="en-US" dirty="0" smtClean="0"/>
+          </a:p>
+          <a:p>
+            <a:r>
+              <a:rPr lang="en-US" dirty="0" smtClean="0"/>
+              <a:t>S3</a:t>
+            </a:r>
+          </a:p>
+          <a:p>
+            <a:r>
+              <a:rPr lang="en-US" dirty="0" smtClean="0"/>
+              <a:t>SNS</a:t>
+            </a:r>
+          </a:p>
+          <a:p>
+            <a:r>
+              <a:rPr lang="en-US" dirty="0" err="1" smtClean="0"/>
+              <a:t>Kinises</a:t>
+            </a:r>
+            <a:endParaRPr lang="en-US" dirty="0" smtClean="0"/>
+          </a:p>
+          <a:p>
+            <a:r>
+              <a:rPr lang="en-US" dirty="0" smtClean="0"/>
+              <a:t>Etc..</a:t>
+            </a:r>
+            <a:endParaRPr lang="en-US" dirty="0"/>
+          </a:p>
+        </p:txBody>
+      </p:sp>
+    </p:spTree>
+    <p:extLst>
+      <p:ext uri="{BB962C8B-B14F-4D97-AF65-F5344CB8AC3E}">
+        <p14:creationId xmlns:p14="http://schemas.microsoft.com/office/powerpoint/2010/main" val="2036119871"/>
+      </p:ext>
+    </p:extLst>
+  </p:cSld>
+  <p:clrMapOvr>
+    <a:masterClrMapping/>
+  </p:clrMapOvr>
+</p:sld>
+</file>
+
+<file path=ppt/slides/slide24.xml><?xml version="1.0" encoding="utf-8"?>
+<p:sld xmlns:a="http://schemas.openxmlformats.org/drawingml/2006/main" xmlns:r="http://schemas.openxmlformats.org/officeDocument/2006/relationships" xmlns:p="http://schemas.openxmlformats.org/presentationml/2006/main">
+  <p:cSld>
+    <p:spTree>
+      <p:nvGrpSpPr>
+        <p:cNvPr id="1" name=""/>
+        <p:cNvGrpSpPr/>
+        <p:nvPr/>
+      </p:nvGrpSpPr>
+      <p:grpSpPr>
+        <a:xfrm>
+          <a:off x="0" y="0"/>
+          <a:ext cx="0" cy="0"/>
+          <a:chOff x="0" y="0"/>
+          <a:chExt cx="0" cy="0"/>
+        </a:xfrm>
+      </p:grpSpPr>
+      <p:sp>
+        <p:nvSpPr>
+          <p:cNvPr id="2" name="Title 1"/>
+          <p:cNvSpPr>
+            <a:spLocks noGrp="1"/>
+          </p:cNvSpPr>
+          <p:nvPr>
+            <p:ph type="title"/>
+          </p:nvPr>
+        </p:nvSpPr>
+        <p:spPr/>
+        <p:txBody>
+          <a:bodyPr/>
+          <a:lstStyle/>
+          <a:p>
+            <a:r>
+              <a:rPr lang="en-US" dirty="0" smtClean="0"/>
               <a:t>How to</a:t>
             </a:r>
             <a:endParaRPr lang="en-US" dirty="0"/>
@@ -8267,7 +8434,7 @@
 </p:sld>
 </file>
 
-<file path=ppt/slides/slide24.xml><?xml version="1.0" encoding="utf-8"?>
+<file path=ppt/slides/slide25.xml><?xml version="1.0" encoding="utf-8"?>
 <p:sld xmlns:a="http://schemas.openxmlformats.org/drawingml/2006/main" xmlns:r="http://schemas.openxmlformats.org/officeDocument/2006/relationships" xmlns:p="http://schemas.openxmlformats.org/presentationml/2006/main">
   <p:cSld>
     <p:spTree>
@@ -8357,7 +8524,7 @@
 </p:sld>
 </file>
 
-<file path=ppt/slides/slide25.xml><?xml version="1.0" encoding="utf-8"?>
+<file path=ppt/slides/slide26.xml><?xml version="1.0" encoding="utf-8"?>
 <p:sld xmlns:a="http://schemas.openxmlformats.org/drawingml/2006/main" xmlns:r="http://schemas.openxmlformats.org/officeDocument/2006/relationships" xmlns:p="http://schemas.openxmlformats.org/presentationml/2006/main">
   <p:cSld>
     <p:spTree>
@@ -8441,101 +8608,6 @@
 </p:sld>
 </file>
 
-<file path=ppt/slides/slide26.xml><?xml version="1.0" encoding="utf-8"?>
-<p:sld xmlns:a="http://schemas.openxmlformats.org/drawingml/2006/main" xmlns:r="http://schemas.openxmlformats.org/officeDocument/2006/relationships" xmlns:p="http://schemas.openxmlformats.org/presentationml/2006/main">
-  <p:cSld>
-    <p:spTree>
-      <p:nvGrpSpPr>
-        <p:cNvPr id="1" name=""/>
-        <p:cNvGrpSpPr/>
-        <p:nvPr/>
-      </p:nvGrpSpPr>
-      <p:grpSpPr>
-        <a:xfrm>
-          <a:off x="0" y="0"/>
-          <a:ext cx="0" cy="0"/>
-          <a:chOff x="0" y="0"/>
-          <a:chExt cx="0" cy="0"/>
-        </a:xfrm>
-      </p:grpSpPr>
-      <p:sp>
-        <p:nvSpPr>
-          <p:cNvPr id="2" name="Title 1"/>
-          <p:cNvSpPr>
-            <a:spLocks noGrp="1"/>
-          </p:cNvSpPr>
-          <p:nvPr>
-            <p:ph type="title"/>
-          </p:nvPr>
-        </p:nvSpPr>
-        <p:spPr/>
-        <p:txBody>
-          <a:bodyPr/>
-          <a:lstStyle/>
-          <a:p>
-            <a:r>
-              <a:rPr lang="en-US" dirty="0" smtClean="0"/>
-              <a:t>Frameworks</a:t>
-            </a:r>
-            <a:br>
-              <a:rPr lang="en-US" dirty="0" smtClean="0"/>
-            </a:br>
-            <a:r>
-              <a:rPr lang="en-US" sz="2400" dirty="0" smtClean="0"/>
-              <a:t>now we’re getting somewhere</a:t>
-            </a:r>
-            <a:endParaRPr lang="en-US" sz="2400" dirty="0"/>
-          </a:p>
-        </p:txBody>
-      </p:sp>
-      <p:sp>
-        <p:nvSpPr>
-          <p:cNvPr id="3" name="Content Placeholder 2"/>
-          <p:cNvSpPr>
-            <a:spLocks noGrp="1"/>
-          </p:cNvSpPr>
-          <p:nvPr>
-            <p:ph idx="1"/>
-          </p:nvPr>
-        </p:nvSpPr>
-        <p:spPr/>
-        <p:txBody>
-          <a:bodyPr/>
-          <a:lstStyle/>
-          <a:p>
-            <a:r>
-              <a:rPr lang="en-US" dirty="0" smtClean="0"/>
-              <a:t>Apex</a:t>
-            </a:r>
-          </a:p>
-          <a:p>
-            <a:r>
-              <a:rPr lang="en-US" dirty="0" smtClean="0"/>
-              <a:t>AWS Sam</a:t>
-            </a:r>
-          </a:p>
-          <a:p>
-            <a:r>
-              <a:rPr lang="en-US" dirty="0" err="1" smtClean="0"/>
-              <a:t>Serverless</a:t>
-            </a:r>
-            <a:endParaRPr lang="en-US" dirty="0" smtClean="0"/>
-          </a:p>
-        </p:txBody>
-      </p:sp>
-    </p:spTree>
-    <p:extLst>
-      <p:ext uri="{BB962C8B-B14F-4D97-AF65-F5344CB8AC3E}">
-        <p14:creationId xmlns:p14="http://schemas.microsoft.com/office/powerpoint/2010/main" val="1115277555"/>
-      </p:ext>
-    </p:extLst>
-  </p:cSld>
-  <p:clrMapOvr>
-    <a:masterClrMapping/>
-  </p:clrMapOvr>
-</p:sld>
-</file>
-
 <file path=ppt/slides/slide27.xml><?xml version="1.0" encoding="utf-8"?>
 <p:sld xmlns:a="http://schemas.openxmlformats.org/drawingml/2006/main" xmlns:r="http://schemas.openxmlformats.org/officeDocument/2006/relationships" xmlns:p="http://schemas.openxmlformats.org/presentationml/2006/main">
   <p:cSld>
@@ -8569,100 +8641,59 @@
           <a:lstStyle/>
           <a:p>
             <a:r>
+              <a:rPr lang="en-US" dirty="0" smtClean="0"/>
+              <a:t>Frameworks</a:t>
+            </a:r>
+            <a:br>
+              <a:rPr lang="en-US" dirty="0" smtClean="0"/>
+            </a:br>
+            <a:r>
+              <a:rPr lang="en-US" sz="2400" dirty="0" smtClean="0"/>
+              <a:t>now we’re getting somewhere</a:t>
+            </a:r>
+            <a:endParaRPr lang="en-US" sz="2400" dirty="0"/>
+          </a:p>
+        </p:txBody>
+      </p:sp>
+      <p:sp>
+        <p:nvSpPr>
+          <p:cNvPr id="3" name="Content Placeholder 2"/>
+          <p:cNvSpPr>
+            <a:spLocks noGrp="1"/>
+          </p:cNvSpPr>
+          <p:nvPr>
+            <p:ph idx="1"/>
+          </p:nvPr>
+        </p:nvSpPr>
+        <p:spPr/>
+        <p:txBody>
+          <a:bodyPr/>
+          <a:lstStyle/>
+          <a:p>
+            <a:r>
+              <a:rPr lang="en-US" dirty="0" smtClean="0"/>
+              <a:t>Apex</a:t>
+            </a:r>
+          </a:p>
+          <a:p>
+            <a:r>
+              <a:rPr lang="en-US" dirty="0" smtClean="0"/>
+              <a:t>AWS Sam</a:t>
+            </a:r>
+          </a:p>
+          <a:p>
+            <a:r>
               <a:rPr lang="en-US" dirty="0" err="1" smtClean="0"/>
               <a:t>Serverless</a:t>
             </a:r>
-            <a:r>
-              <a:rPr lang="en-US" dirty="0" smtClean="0"/>
-              <a:t/>
-            </a:r>
-            <a:br>
-              <a:rPr lang="en-US" dirty="0" smtClean="0"/>
-            </a:br>
-            <a:r>
-              <a:rPr lang="en-US" sz="2400" dirty="0" smtClean="0"/>
-              <a:t>the framework</a:t>
-            </a:r>
-            <a:endParaRPr lang="en-US" sz="2400" dirty="0"/>
-          </a:p>
-        </p:txBody>
-      </p:sp>
-      <p:sp>
-        <p:nvSpPr>
-          <p:cNvPr id="3" name="Content Placeholder 2"/>
-          <p:cNvSpPr>
-            <a:spLocks noGrp="1"/>
-          </p:cNvSpPr>
-          <p:nvPr>
-            <p:ph idx="1"/>
-          </p:nvPr>
-        </p:nvSpPr>
-        <p:spPr/>
-        <p:txBody>
-          <a:bodyPr/>
-          <a:lstStyle/>
-          <a:p>
-            <a:r>
-              <a:rPr lang="en-US" dirty="0" err="1" smtClean="0"/>
-              <a:t>Serverless</a:t>
-            </a:r>
-            <a:r>
-              <a:rPr lang="en-US" dirty="0"/>
-              <a:t>: </a:t>
-            </a:r>
-            <a:r>
-              <a:rPr lang="en-US" dirty="0">
-                <a:hlinkClick r:id="rId2"/>
-              </a:rPr>
-              <a:t>https://</a:t>
-            </a:r>
-            <a:r>
-              <a:rPr lang="en-US" dirty="0" err="1">
-                <a:hlinkClick r:id="rId2"/>
-              </a:rPr>
-              <a:t>serverless.com</a:t>
-            </a:r>
             <a:endParaRPr lang="en-US" dirty="0" smtClean="0"/>
-          </a:p>
-          <a:p>
-            <a:r>
-              <a:rPr lang="en-US" dirty="0" smtClean="0"/>
-              <a:t>Works for multiple providers</a:t>
-            </a:r>
-          </a:p>
-          <a:p>
-            <a:r>
-              <a:rPr lang="en-US" dirty="0" smtClean="0"/>
-              <a:t>Works with multiple templates</a:t>
-            </a:r>
-          </a:p>
-          <a:p>
-            <a:r>
-              <a:rPr lang="en-US" dirty="0" smtClean="0"/>
-              <a:t>Very similar to cloud formation templates</a:t>
-            </a:r>
-          </a:p>
-          <a:p>
-            <a:r>
-              <a:rPr lang="en-US" dirty="0" smtClean="0"/>
-              <a:t>Sanity for the developers</a:t>
-            </a:r>
-          </a:p>
-          <a:p>
-            <a:pPr marL="0" indent="0">
-              <a:buNone/>
-            </a:pPr>
-            <a:endParaRPr lang="en-US" dirty="0" smtClean="0"/>
-          </a:p>
-          <a:p>
-            <a:endParaRPr lang="en-US" dirty="0"/>
           </a:p>
         </p:txBody>
       </p:sp>
     </p:spTree>
     <p:extLst>
       <p:ext uri="{BB962C8B-B14F-4D97-AF65-F5344CB8AC3E}">
-        <p14:creationId xmlns:p14="http://schemas.microsoft.com/office/powerpoint/2010/main" val="1124419550"/>
+        <p14:creationId xmlns:p14="http://schemas.microsoft.com/office/powerpoint/2010/main" val="1115277555"/>
       </p:ext>
     </p:extLst>
   </p:cSld>
@@ -8705,10 +8736,21 @@
           <a:lstStyle/>
           <a:p>
             <a:r>
-              <a:rPr lang="en-US" dirty="0" smtClean="0"/>
-              <a:t>Additional resources</a:t>
-            </a:r>
-            <a:endParaRPr lang="en-US" dirty="0"/>
+              <a:rPr lang="en-US" dirty="0" err="1" smtClean="0"/>
+              <a:t>Serverless</a:t>
+            </a:r>
+            <a:r>
+              <a:rPr lang="en-US" dirty="0" smtClean="0"/>
+              <a:t/>
+            </a:r>
+            <a:br>
+              <a:rPr lang="en-US" dirty="0" smtClean="0"/>
+            </a:br>
+            <a:r>
+              <a:rPr lang="en-US" sz="2400" dirty="0" smtClean="0"/>
+              <a:t>the framework</a:t>
+            </a:r>
+            <a:endParaRPr lang="en-US" sz="2400" dirty="0"/>
           </a:p>
         </p:txBody>
       </p:sp>
@@ -8728,93 +8770,55 @@
           <a:lstStyle/>
           <a:p>
             <a:r>
+              <a:rPr lang="en-US" dirty="0" err="1" smtClean="0"/>
+              <a:t>Serverless</a:t>
+            </a:r>
+            <a:r>
               <a:rPr lang="en-US" dirty="0"/>
-              <a:t>Pricing example: </a:t>
+              <a:t>: </a:t>
             </a:r>
             <a:r>
               <a:rPr lang="en-US" dirty="0">
                 <a:hlinkClick r:id="rId2"/>
               </a:rPr>
-              <a:t>https://alestic.com/2016/12/aws-invoice-example</a:t>
-            </a:r>
-            <a:r>
-              <a:rPr lang="en-US" dirty="0" smtClean="0">
+              <a:t>https://</a:t>
+            </a:r>
+            <a:r>
+              <a:rPr lang="en-US" dirty="0" err="1">
                 <a:hlinkClick r:id="rId2"/>
               </a:rPr>
-              <a:t>/</a:t>
+              <a:t>serverless.com</a:t>
             </a:r>
             <a:endParaRPr lang="en-US" dirty="0" smtClean="0"/>
           </a:p>
           <a:p>
             <a:r>
-              <a:rPr lang="en-US" dirty="0"/>
-              <a:t>A Cloud Guru: </a:t>
-            </a:r>
-            <a:r>
-              <a:rPr lang="en-US" dirty="0">
-                <a:hlinkClick r:id="rId3"/>
-              </a:rPr>
-              <a:t>https://acloud.guru</a:t>
-            </a:r>
-            <a:r>
-              <a:rPr lang="en-US" dirty="0" smtClean="0">
-                <a:hlinkClick r:id="rId3"/>
-              </a:rPr>
-              <a:t>/</a:t>
-            </a:r>
-            <a:endParaRPr lang="en-US" dirty="0" smtClean="0"/>
-          </a:p>
-          <a:p>
-            <a:r>
-              <a:rPr lang="en-US" dirty="0" err="1" smtClean="0"/>
-              <a:t>Serverless</a:t>
-            </a:r>
-            <a:r>
-              <a:rPr lang="en-US" dirty="0"/>
-              <a:t>: </a:t>
-            </a:r>
-            <a:r>
-              <a:rPr lang="en-US" dirty="0">
-                <a:hlinkClick r:id="rId4"/>
-              </a:rPr>
-              <a:t>https://serverless.com</a:t>
-            </a:r>
-            <a:r>
-              <a:rPr lang="en-US" dirty="0" smtClean="0">
-                <a:hlinkClick r:id="rId4"/>
-              </a:rPr>
-              <a:t>/</a:t>
-            </a:r>
-            <a:endParaRPr lang="en-US" dirty="0" smtClean="0"/>
-          </a:p>
-          <a:p>
-            <a:r>
-              <a:rPr lang="en-US" dirty="0"/>
-              <a:t>AWS </a:t>
-            </a:r>
-            <a:r>
-              <a:rPr lang="en-US" dirty="0" err="1"/>
-              <a:t>Serverless</a:t>
-            </a:r>
-            <a:r>
-              <a:rPr lang="en-US" dirty="0"/>
-              <a:t>: </a:t>
-            </a:r>
-            <a:r>
-              <a:rPr lang="en-US" dirty="0">
-                <a:hlinkClick r:id="rId5"/>
-              </a:rPr>
-              <a:t>https://aws.amazon.com/serverless</a:t>
-            </a:r>
-            <a:r>
-              <a:rPr lang="en-US" dirty="0" smtClean="0">
-                <a:hlinkClick r:id="rId5"/>
-              </a:rPr>
-              <a:t>/</a:t>
-            </a:r>
-            <a:endParaRPr lang="en-US" dirty="0" smtClean="0"/>
-          </a:p>
-          <a:p>
+              <a:rPr lang="en-US" dirty="0" smtClean="0"/>
+              <a:t>Works for multiple providers</a:t>
+            </a:r>
+          </a:p>
+          <a:p>
+            <a:r>
+              <a:rPr lang="en-US" dirty="0" smtClean="0"/>
+              <a:t>Works with multiple templates</a:t>
+            </a:r>
+          </a:p>
+          <a:p>
+            <a:r>
+              <a:rPr lang="en-US" dirty="0" smtClean="0"/>
+              <a:t>Very similar to cloud formation templates</a:t>
+            </a:r>
+          </a:p>
+          <a:p>
+            <a:r>
+              <a:rPr lang="en-US" dirty="0" smtClean="0"/>
+              <a:t>Sanity for the developers</a:t>
+            </a:r>
+          </a:p>
+          <a:p>
+            <a:pPr marL="0" indent="0">
+              <a:buNone/>
+            </a:pPr>
             <a:endParaRPr lang="en-US" dirty="0" smtClean="0"/>
           </a:p>
           <a:p>
@@ -8825,7 +8829,7 @@
     </p:spTree>
     <p:extLst>
       <p:ext uri="{BB962C8B-B14F-4D97-AF65-F5344CB8AC3E}">
-        <p14:creationId xmlns:p14="http://schemas.microsoft.com/office/powerpoint/2010/main" val="722583454"/>
+        <p14:creationId xmlns:p14="http://schemas.microsoft.com/office/powerpoint/2010/main" val="1124419550"/>
       </p:ext>
     </p:extLst>
   </p:cSld>
@@ -8869,7 +8873,7 @@
           <a:p>
             <a:r>
               <a:rPr lang="en-US" dirty="0" smtClean="0"/>
-              <a:t>Questions</a:t>
+              <a:t>Additional resources</a:t>
             </a:r>
             <a:endParaRPr lang="en-US" dirty="0"/>
           </a:p>
@@ -8890,14 +8894,105 @@
           <a:bodyPr/>
           <a:lstStyle/>
           <a:p>
-            <a:endParaRPr lang="en-US"/>
+            <a:r>
+              <a:rPr lang="en-US" dirty="0"/>
+              <a:t>Pricing example: </a:t>
+            </a:r>
+            <a:r>
+              <a:rPr lang="en-US" dirty="0">
+                <a:hlinkClick r:id="rId2"/>
+              </a:rPr>
+              <a:t>https://alestic.com/2016/12/aws-invoice-example</a:t>
+            </a:r>
+            <a:r>
+              <a:rPr lang="en-US" dirty="0" smtClean="0">
+                <a:hlinkClick r:id="rId2"/>
+              </a:rPr>
+              <a:t>/</a:t>
+            </a:r>
+            <a:endParaRPr lang="en-US" dirty="0" smtClean="0"/>
+          </a:p>
+          <a:p>
+            <a:r>
+              <a:rPr lang="en-US" dirty="0"/>
+              <a:t>A Cloud Guru: </a:t>
+            </a:r>
+            <a:r>
+              <a:rPr lang="en-US" dirty="0">
+                <a:hlinkClick r:id="rId3"/>
+              </a:rPr>
+              <a:t>https://acloud.guru</a:t>
+            </a:r>
+            <a:r>
+              <a:rPr lang="en-US" dirty="0" smtClean="0">
+                <a:hlinkClick r:id="rId3"/>
+              </a:rPr>
+              <a:t>/</a:t>
+            </a:r>
+            <a:endParaRPr lang="en-US" dirty="0" smtClean="0"/>
+          </a:p>
+          <a:p>
+            <a:r>
+              <a:rPr lang="en-US" dirty="0" err="1" smtClean="0"/>
+              <a:t>Serverless</a:t>
+            </a:r>
+            <a:r>
+              <a:rPr lang="en-US" dirty="0"/>
+              <a:t>: </a:t>
+            </a:r>
+            <a:r>
+              <a:rPr lang="en-US" dirty="0">
+                <a:hlinkClick r:id="rId4"/>
+              </a:rPr>
+              <a:t>https://serverless.com</a:t>
+            </a:r>
+            <a:r>
+              <a:rPr lang="en-US" dirty="0" smtClean="0">
+                <a:hlinkClick r:id="rId4"/>
+              </a:rPr>
+              <a:t>/</a:t>
+            </a:r>
+            <a:endParaRPr lang="en-US" dirty="0" smtClean="0"/>
+          </a:p>
+          <a:p>
+            <a:r>
+              <a:rPr lang="en-US" dirty="0"/>
+              <a:t>AWS </a:t>
+            </a:r>
+            <a:r>
+              <a:rPr lang="en-US" dirty="0" err="1"/>
+              <a:t>Serverless</a:t>
+            </a:r>
+            <a:r>
+              <a:rPr lang="en-US" dirty="0"/>
+              <a:t>: </a:t>
+            </a:r>
+            <a:r>
+              <a:rPr lang="en-US" dirty="0">
+                <a:hlinkClick r:id="rId5"/>
+              </a:rPr>
+              <a:t>https://aws.amazon.com/serverless</a:t>
+            </a:r>
+            <a:r>
+              <a:rPr lang="en-US" dirty="0" smtClean="0">
+                <a:hlinkClick r:id="rId5"/>
+              </a:rPr>
+              <a:t>/</a:t>
+            </a:r>
+            <a:endParaRPr lang="en-US" dirty="0" smtClean="0"/>
+          </a:p>
+          <a:p>
+            <a:endParaRPr lang="en-US" dirty="0" smtClean="0"/>
+          </a:p>
+          <a:p>
+            <a:endParaRPr lang="en-US" dirty="0"/>
           </a:p>
         </p:txBody>
       </p:sp>
     </p:spTree>
     <p:extLst>
       <p:ext uri="{BB962C8B-B14F-4D97-AF65-F5344CB8AC3E}">
-        <p14:creationId xmlns:p14="http://schemas.microsoft.com/office/powerpoint/2010/main" val="1541502691"/>
+        <p14:creationId xmlns:p14="http://schemas.microsoft.com/office/powerpoint/2010/main" val="722583454"/>
       </p:ext>
     </p:extLst>
   </p:cSld>
@@ -8985,6 +9080,78 @@
     <p:extLst>
       <p:ext uri="{BB962C8B-B14F-4D97-AF65-F5344CB8AC3E}">
         <p14:creationId xmlns:p14="http://schemas.microsoft.com/office/powerpoint/2010/main" val="805902953"/>
+      </p:ext>
+    </p:extLst>
+  </p:cSld>
+  <p:clrMapOvr>
+    <a:masterClrMapping/>
+  </p:clrMapOvr>
+</p:sld>
+</file>
+
+<file path=ppt/slides/slide30.xml><?xml version="1.0" encoding="utf-8"?>
+<p:sld xmlns:a="http://schemas.openxmlformats.org/drawingml/2006/main" xmlns:r="http://schemas.openxmlformats.org/officeDocument/2006/relationships" xmlns:p="http://schemas.openxmlformats.org/presentationml/2006/main">
+  <p:cSld>
+    <p:spTree>
+      <p:nvGrpSpPr>
+        <p:cNvPr id="1" name=""/>
+        <p:cNvGrpSpPr/>
+        <p:nvPr/>
+      </p:nvGrpSpPr>
+      <p:grpSpPr>
+        <a:xfrm>
+          <a:off x="0" y="0"/>
+          <a:ext cx="0" cy="0"/>
+          <a:chOff x="0" y="0"/>
+          <a:chExt cx="0" cy="0"/>
+        </a:xfrm>
+      </p:grpSpPr>
+      <p:sp>
+        <p:nvSpPr>
+          <p:cNvPr id="2" name="Title 1"/>
+          <p:cNvSpPr>
+            <a:spLocks noGrp="1"/>
+          </p:cNvSpPr>
+          <p:nvPr>
+            <p:ph type="title"/>
+          </p:nvPr>
+        </p:nvSpPr>
+        <p:spPr/>
+        <p:txBody>
+          <a:bodyPr/>
+          <a:lstStyle/>
+          <a:p>
+            <a:r>
+              <a:rPr lang="en-US" dirty="0" smtClean="0"/>
+              <a:t>Questions</a:t>
+            </a:r>
+            <a:endParaRPr lang="en-US" dirty="0"/>
+          </a:p>
+        </p:txBody>
+      </p:sp>
+      <p:sp>
+        <p:nvSpPr>
+          <p:cNvPr id="3" name="Content Placeholder 2"/>
+          <p:cNvSpPr>
+            <a:spLocks noGrp="1"/>
+          </p:cNvSpPr>
+          <p:nvPr>
+            <p:ph idx="1"/>
+          </p:nvPr>
+        </p:nvSpPr>
+        <p:spPr/>
+        <p:txBody>
+          <a:bodyPr/>
+          <a:lstStyle/>
+          <a:p>
+            <a:endParaRPr lang="en-US"/>
+          </a:p>
+        </p:txBody>
+      </p:sp>
+    </p:spTree>
+    <p:extLst>
+      <p:ext uri="{BB962C8B-B14F-4D97-AF65-F5344CB8AC3E}">
+        <p14:creationId xmlns:p14="http://schemas.microsoft.com/office/powerpoint/2010/main" val="1541502691"/>
       </p:ext>
     </p:extLst>
   </p:cSld>

--- a/going-serverless-2017.pptx
+++ b/going-serverless-2017.pptx
@@ -4592,32 +4592,325 @@
           <a:chExt cx="0" cy="0"/>
         </a:xfrm>
       </p:grpSpPr>
-      <p:sp>
-        <p:nvSpPr>
-          <p:cNvPr id="2" name="Title 1"/>
-          <p:cNvSpPr>
-            <a:spLocks noGrp="1"/>
-          </p:cNvSpPr>
-          <p:nvPr>
-            <p:ph type="ctrTitle"/>
-          </p:nvPr>
-        </p:nvSpPr>
+      <p:sp useBgFill="1">
+        <p:nvSpPr>
+          <p:cNvPr id="10" name="Rectangle 9">
+            <a:extLst>
+              <a:ext uri="{FF2B5EF4-FFF2-40B4-BE49-F238E27FC236}">
+                <a16:creationId xmlns:a16="http://schemas.microsoft.com/office/drawing/2014/main" xmlns="" id="{544C1FFD-8D6A-4A12-997F-ECA8F3321524}"/>
+              </a:ext>
+            </a:extLst>
+          </p:cNvPr>
+          <p:cNvSpPr>
+            <a:spLocks noGrp="1" noRot="1" noChangeAspect="1" noMove="1" noResize="1" noEditPoints="1" noAdjustHandles="1" noChangeArrowheads="1" noChangeShapeType="1" noTextEdit="1"/>
+          </p:cNvSpPr>
+          <p:nvPr>
+            <p:extLst>
+              <p:ext uri="{386F3935-93C4-4BCD-93E2-E3B085C9AB24}">
+                <p16:designElem xmlns:p16="http://schemas.microsoft.com/office/powerpoint/2015/main" val="1"/>
+              </p:ext>
+            </p:extLst>
+          </p:nvPr>
+        </p:nvSpPr>
+        <p:spPr bwMode="grayWhite">
+          <a:xfrm>
+            <a:off x="0" y="-32638"/>
+            <a:ext cx="12191999" cy="6890638"/>
+          </a:xfrm>
+          <a:prstGeom prst="rect">
+            <a:avLst/>
+          </a:prstGeom>
+          <a:ln>
+            <a:noFill/>
+          </a:ln>
+        </p:spPr>
+        <p:style>
+          <a:lnRef idx="2">
+            <a:schemeClr val="accent1">
+              <a:shade val="50000"/>
+            </a:schemeClr>
+          </a:lnRef>
+          <a:fillRef idx="1">
+            <a:schemeClr val="accent1"/>
+          </a:fillRef>
+          <a:effectRef idx="0">
+            <a:schemeClr val="accent1"/>
+          </a:effectRef>
+          <a:fontRef idx="minor">
+            <a:schemeClr val="lt1"/>
+          </a:fontRef>
+        </p:style>
+        <p:txBody>
+          <a:bodyPr rtlCol="0" anchor="ctr"/>
+          <a:lstStyle/>
+          <a:p>
+            <a:pPr algn="ctr"/>
+            <a:endParaRPr lang="en-US"/>
+          </a:p>
+        </p:txBody>
+      </p:sp>
+      <p:pic>
+        <p:nvPicPr>
+          <p:cNvPr id="5" name="Picture 4"/>
+          <p:cNvPicPr>
+            <a:picLocks noChangeAspect="1"/>
+          </p:cNvPicPr>
+          <p:nvPr/>
+        </p:nvPicPr>
+        <p:blipFill rotWithShape="1">
+          <a:blip r:embed="rId2"/>
+          <a:srcRect t="29455" b="32058"/>
+          <a:stretch/>
+        </p:blipFill>
         <p:spPr>
           <a:xfrm>
-            <a:off x="1088912" y="1143293"/>
-            <a:ext cx="10702035" cy="4268965"/>
+            <a:off x="20" y="-32638"/>
+            <a:ext cx="12191980" cy="2346158"/>
+          </a:xfrm>
+          <a:prstGeom prst="rect">
+            <a:avLst/>
+          </a:prstGeom>
+        </p:spPr>
+      </p:pic>
+      <p:sp>
+        <p:nvSpPr>
+          <p:cNvPr id="12" name="Freeform 6" title="Page Number Shape">
+            <a:extLst>
+              <a:ext uri="{FF2B5EF4-FFF2-40B4-BE49-F238E27FC236}">
+                <a16:creationId xmlns:a16="http://schemas.microsoft.com/office/drawing/2014/main" xmlns="" id="{014B3DE6-0CA2-4818-9E10-8ACF44107B10}"/>
+              </a:ext>
+            </a:extLst>
+          </p:cNvPr>
+          <p:cNvSpPr>
+            <a:spLocks noGrp="1" noRot="1" noChangeAspect="1" noMove="1" noResize="1" noEditPoints="1" noAdjustHandles="1" noChangeArrowheads="1" noChangeShapeType="1" noTextEdit="1"/>
+          </p:cNvSpPr>
+          <p:nvPr>
+            <p:extLst>
+              <p:ext uri="{386F3935-93C4-4BCD-93E2-E3B085C9AB24}">
+                <p16:designElem xmlns:p16="http://schemas.microsoft.com/office/powerpoint/2015/main" val="1"/>
+              </p:ext>
+            </p:extLst>
+          </p:nvPr>
+        </p:nvSpPr>
+        <p:spPr bwMode="auto">
+          <a:xfrm>
+            <a:off x="11784011" y="2735609"/>
+            <a:ext cx="407988" cy="819150"/>
+          </a:xfrm>
+          <a:custGeom>
+            <a:avLst/>
+            <a:gdLst/>
+            <a:ahLst/>
+            <a:cxnLst/>
+            <a:rect l="0" t="0" r="r" b="b"/>
+            <a:pathLst>
+              <a:path w="1799" h="3612">
+                <a:moveTo>
+                  <a:pt x="1799" y="0"/>
+                </a:moveTo>
+                <a:lnTo>
+                  <a:pt x="1799" y="3612"/>
+                </a:lnTo>
+                <a:lnTo>
+                  <a:pt x="1686" y="3609"/>
+                </a:lnTo>
+                <a:lnTo>
+                  <a:pt x="1574" y="3598"/>
+                </a:lnTo>
+                <a:lnTo>
+                  <a:pt x="1464" y="3581"/>
+                </a:lnTo>
+                <a:lnTo>
+                  <a:pt x="1357" y="3557"/>
+                </a:lnTo>
+                <a:lnTo>
+                  <a:pt x="1251" y="3527"/>
+                </a:lnTo>
+                <a:lnTo>
+                  <a:pt x="1150" y="3490"/>
+                </a:lnTo>
+                <a:lnTo>
+                  <a:pt x="1050" y="3448"/>
+                </a:lnTo>
+                <a:lnTo>
+                  <a:pt x="953" y="3401"/>
+                </a:lnTo>
+                <a:lnTo>
+                  <a:pt x="860" y="3347"/>
+                </a:lnTo>
+                <a:lnTo>
+                  <a:pt x="771" y="3289"/>
+                </a:lnTo>
+                <a:lnTo>
+                  <a:pt x="686" y="3224"/>
+                </a:lnTo>
+                <a:lnTo>
+                  <a:pt x="604" y="3156"/>
+                </a:lnTo>
+                <a:lnTo>
+                  <a:pt x="527" y="3083"/>
+                </a:lnTo>
+                <a:lnTo>
+                  <a:pt x="454" y="3005"/>
+                </a:lnTo>
+                <a:lnTo>
+                  <a:pt x="386" y="2923"/>
+                </a:lnTo>
+                <a:lnTo>
+                  <a:pt x="323" y="2838"/>
+                </a:lnTo>
+                <a:lnTo>
+                  <a:pt x="265" y="2748"/>
+                </a:lnTo>
+                <a:lnTo>
+                  <a:pt x="211" y="2655"/>
+                </a:lnTo>
+                <a:lnTo>
+                  <a:pt x="163" y="2559"/>
+                </a:lnTo>
+                <a:lnTo>
+                  <a:pt x="121" y="2459"/>
+                </a:lnTo>
+                <a:lnTo>
+                  <a:pt x="85" y="2356"/>
+                </a:lnTo>
+                <a:lnTo>
+                  <a:pt x="55" y="2251"/>
+                </a:lnTo>
+                <a:lnTo>
+                  <a:pt x="32" y="2143"/>
+                </a:lnTo>
+                <a:lnTo>
+                  <a:pt x="14" y="2033"/>
+                </a:lnTo>
+                <a:lnTo>
+                  <a:pt x="4" y="1920"/>
+                </a:lnTo>
+                <a:lnTo>
+                  <a:pt x="0" y="1806"/>
+                </a:lnTo>
+                <a:lnTo>
+                  <a:pt x="4" y="1692"/>
+                </a:lnTo>
+                <a:lnTo>
+                  <a:pt x="14" y="1580"/>
+                </a:lnTo>
+                <a:lnTo>
+                  <a:pt x="32" y="1469"/>
+                </a:lnTo>
+                <a:lnTo>
+                  <a:pt x="55" y="1362"/>
+                </a:lnTo>
+                <a:lnTo>
+                  <a:pt x="85" y="1256"/>
+                </a:lnTo>
+                <a:lnTo>
+                  <a:pt x="121" y="1154"/>
+                </a:lnTo>
+                <a:lnTo>
+                  <a:pt x="163" y="1054"/>
+                </a:lnTo>
+                <a:lnTo>
+                  <a:pt x="211" y="958"/>
+                </a:lnTo>
+                <a:lnTo>
+                  <a:pt x="265" y="864"/>
+                </a:lnTo>
+                <a:lnTo>
+                  <a:pt x="323" y="774"/>
+                </a:lnTo>
+                <a:lnTo>
+                  <a:pt x="386" y="689"/>
+                </a:lnTo>
+                <a:lnTo>
+                  <a:pt x="454" y="607"/>
+                </a:lnTo>
+                <a:lnTo>
+                  <a:pt x="527" y="529"/>
+                </a:lnTo>
+                <a:lnTo>
+                  <a:pt x="604" y="456"/>
+                </a:lnTo>
+                <a:lnTo>
+                  <a:pt x="686" y="388"/>
+                </a:lnTo>
+                <a:lnTo>
+                  <a:pt x="771" y="325"/>
+                </a:lnTo>
+                <a:lnTo>
+                  <a:pt x="860" y="266"/>
+                </a:lnTo>
+                <a:lnTo>
+                  <a:pt x="953" y="212"/>
+                </a:lnTo>
+                <a:lnTo>
+                  <a:pt x="1050" y="164"/>
+                </a:lnTo>
+                <a:lnTo>
+                  <a:pt x="1150" y="122"/>
+                </a:lnTo>
+                <a:lnTo>
+                  <a:pt x="1251" y="85"/>
+                </a:lnTo>
+                <a:lnTo>
+                  <a:pt x="1357" y="55"/>
+                </a:lnTo>
+                <a:lnTo>
+                  <a:pt x="1464" y="32"/>
+                </a:lnTo>
+                <a:lnTo>
+                  <a:pt x="1574" y="14"/>
+                </a:lnTo>
+                <a:lnTo>
+                  <a:pt x="1686" y="5"/>
+                </a:lnTo>
+                <a:lnTo>
+                  <a:pt x="1799" y="0"/>
+                </a:lnTo>
+                <a:close/>
+              </a:path>
+            </a:pathLst>
+          </a:custGeom>
+          <a:solidFill>
+            <a:schemeClr val="tx2"/>
+          </a:solidFill>
+          <a:ln w="0">
+            <a:noFill/>
+            <a:prstDash val="solid"/>
+            <a:round/>
+            <a:headEnd/>
+            <a:tailEnd/>
+          </a:ln>
+        </p:spPr>
+      </p:sp>
+      <p:sp>
+        <p:nvSpPr>
+          <p:cNvPr id="2" name="Title 1"/>
+          <p:cNvSpPr>
+            <a:spLocks noGrp="1"/>
+          </p:cNvSpPr>
+          <p:nvPr>
+            <p:ph type="ctrTitle"/>
+          </p:nvPr>
+        </p:nvSpPr>
+        <p:spPr>
+          <a:xfrm>
+            <a:off x="677599" y="2686846"/>
+            <a:ext cx="7816699" cy="2177424"/>
           </a:xfrm>
         </p:spPr>
         <p:txBody>
-          <a:bodyPr/>
+          <a:bodyPr>
+            <a:normAutofit/>
+          </a:bodyPr>
           <a:lstStyle/>
           <a:p>
             <a:r>
-              <a:rPr lang="en-US" dirty="0" smtClean="0"/>
+              <a:rPr lang="en-US" dirty="0"/>
               <a:t>Going </a:t>
             </a:r>
             <a:r>
-              <a:rPr lang="en-US" dirty="0" err="1" smtClean="0"/>
+              <a:rPr lang="en-US" dirty="0" err="1"/>
               <a:t>Serverless</a:t>
             </a:r>
             <a:endParaRPr lang="en-US" dirty="0"/>
@@ -4634,23 +4927,34 @@
             <p:ph type="subTitle" idx="1"/>
           </p:nvPr>
         </p:nvSpPr>
-        <p:spPr/>
-        <p:txBody>
-          <a:bodyPr/>
+        <p:spPr>
+          <a:xfrm>
+            <a:off x="677601" y="5136290"/>
+            <a:ext cx="7034362" cy="706355"/>
+          </a:xfrm>
+        </p:spPr>
+        <p:txBody>
+          <a:bodyPr anchor="b">
+            <a:normAutofit/>
+          </a:bodyPr>
           <a:lstStyle/>
           <a:p>
-            <a:r>
-              <a:rPr lang="en-US" dirty="0" smtClean="0"/>
+            <a:pPr>
+              <a:spcAft>
+                <a:spcPts val="600"/>
+              </a:spcAft>
+            </a:pPr>
+            <a:r>
+              <a:rPr lang="en-US" dirty="0"/>
               <a:t>Adrian Pomilio</a:t>
             </a:r>
-            <a:endParaRPr lang="en-US" dirty="0"/>
           </a:p>
         </p:txBody>
       </p:sp>
     </p:spTree>
     <p:extLst>
       <p:ext uri="{BB962C8B-B14F-4D97-AF65-F5344CB8AC3E}">
-        <p14:creationId xmlns:p14="http://schemas.microsoft.com/office/powerpoint/2010/main" val="399094552"/>
+        <p14:creationId xmlns:p14="http://schemas.microsoft.com/office/powerpoint/2010/main" val="1533315147"/>
       </p:ext>
     </p:extLst>
   </p:cSld>

--- a/going-serverless-2017.pptx
+++ b/going-serverless-2017.pptx
@@ -27,8 +27,8 @@
     <p:sldId id="287" r:id="rId18"/>
     <p:sldId id="288" r:id="rId19"/>
     <p:sldId id="293" r:id="rId20"/>
-    <p:sldId id="277" r:id="rId21"/>
-    <p:sldId id="278" r:id="rId22"/>
+    <p:sldId id="278" r:id="rId21"/>
+    <p:sldId id="277" r:id="rId22"/>
     <p:sldId id="273" r:id="rId23"/>
     <p:sldId id="275" r:id="rId24"/>
     <p:sldId id="263" r:id="rId25"/>
@@ -5201,6 +5201,866 @@
       </p:grpSpPr>
       <p:sp>
         <p:nvSpPr>
+          <p:cNvPr id="9" name="Rectangle 8"/>
+          <p:cNvSpPr>
+            <a:spLocks noGrp="1" noRot="1" noChangeAspect="1" noMove="1" noResize="1" noEditPoints="1" noAdjustHandles="1" noChangeArrowheads="1" noChangeShapeType="1" noTextEdit="1"/>
+          </p:cNvSpPr>
+          <p:nvPr>
+            <p:extLst>
+              <p:ext uri="{386F3935-93C4-4BCD-93E2-E3B085C9AB24}">
+                <p16:designElem xmlns:p16="http://schemas.microsoft.com/office/powerpoint/2015/main" val="1"/>
+              </p:ext>
+            </p:extLst>
+          </p:nvPr>
+        </p:nvSpPr>
+        <p:spPr bwMode="white">
+          <a:xfrm>
+            <a:off x="0" y="0"/>
+            <a:ext cx="12192000" cy="6858000"/>
+          </a:xfrm>
+          <a:prstGeom prst="rect">
+            <a:avLst/>
+          </a:prstGeom>
+          <a:solidFill>
+            <a:schemeClr val="bg2"/>
+          </a:solidFill>
+          <a:ln>
+            <a:noFill/>
+          </a:ln>
+          <a:effectLst/>
+        </p:spPr>
+      </p:sp>
+      <p:sp>
+        <p:nvSpPr>
+          <p:cNvPr id="11" name="Freeform 6" title="Page Number Shape">
+            <a:extLst>
+              <a:ext uri="{FF2B5EF4-FFF2-40B4-BE49-F238E27FC236}">
+                <a16:creationId xmlns:a16="http://schemas.microsoft.com/office/drawing/2014/main" xmlns="" id="{63293441-3B04-46DE-92BF-F6494B38EB47}"/>
+              </a:ext>
+            </a:extLst>
+          </p:cNvPr>
+          <p:cNvSpPr>
+            <a:spLocks noGrp="1" noRot="1" noChangeAspect="1" noMove="1" noResize="1" noEditPoints="1" noAdjustHandles="1" noChangeArrowheads="1" noChangeShapeType="1" noTextEdit="1"/>
+          </p:cNvSpPr>
+          <p:nvPr>
+            <p:extLst>
+              <p:ext uri="{386F3935-93C4-4BCD-93E2-E3B085C9AB24}">
+                <p16:designElem xmlns:p16="http://schemas.microsoft.com/office/powerpoint/2015/main" val="1"/>
+              </p:ext>
+            </p:extLst>
+          </p:nvPr>
+        </p:nvSpPr>
+        <p:spPr bwMode="auto">
+          <a:xfrm>
+            <a:off x="11784011" y="1189204"/>
+            <a:ext cx="407988" cy="819150"/>
+          </a:xfrm>
+          <a:custGeom>
+            <a:avLst/>
+            <a:gdLst/>
+            <a:ahLst/>
+            <a:cxnLst/>
+            <a:rect l="0" t="0" r="r" b="b"/>
+            <a:pathLst>
+              <a:path w="1799" h="3612">
+                <a:moveTo>
+                  <a:pt x="1799" y="0"/>
+                </a:moveTo>
+                <a:lnTo>
+                  <a:pt x="1799" y="3612"/>
+                </a:lnTo>
+                <a:lnTo>
+                  <a:pt x="1686" y="3609"/>
+                </a:lnTo>
+                <a:lnTo>
+                  <a:pt x="1574" y="3598"/>
+                </a:lnTo>
+                <a:lnTo>
+                  <a:pt x="1464" y="3581"/>
+                </a:lnTo>
+                <a:lnTo>
+                  <a:pt x="1357" y="3557"/>
+                </a:lnTo>
+                <a:lnTo>
+                  <a:pt x="1251" y="3527"/>
+                </a:lnTo>
+                <a:lnTo>
+                  <a:pt x="1150" y="3490"/>
+                </a:lnTo>
+                <a:lnTo>
+                  <a:pt x="1050" y="3448"/>
+                </a:lnTo>
+                <a:lnTo>
+                  <a:pt x="953" y="3401"/>
+                </a:lnTo>
+                <a:lnTo>
+                  <a:pt x="860" y="3347"/>
+                </a:lnTo>
+                <a:lnTo>
+                  <a:pt x="771" y="3289"/>
+                </a:lnTo>
+                <a:lnTo>
+                  <a:pt x="686" y="3224"/>
+                </a:lnTo>
+                <a:lnTo>
+                  <a:pt x="604" y="3156"/>
+                </a:lnTo>
+                <a:lnTo>
+                  <a:pt x="527" y="3083"/>
+                </a:lnTo>
+                <a:lnTo>
+                  <a:pt x="454" y="3005"/>
+                </a:lnTo>
+                <a:lnTo>
+                  <a:pt x="386" y="2923"/>
+                </a:lnTo>
+                <a:lnTo>
+                  <a:pt x="323" y="2838"/>
+                </a:lnTo>
+                <a:lnTo>
+                  <a:pt x="265" y="2748"/>
+                </a:lnTo>
+                <a:lnTo>
+                  <a:pt x="211" y="2655"/>
+                </a:lnTo>
+                <a:lnTo>
+                  <a:pt x="163" y="2559"/>
+                </a:lnTo>
+                <a:lnTo>
+                  <a:pt x="121" y="2459"/>
+                </a:lnTo>
+                <a:lnTo>
+                  <a:pt x="85" y="2356"/>
+                </a:lnTo>
+                <a:lnTo>
+                  <a:pt x="55" y="2251"/>
+                </a:lnTo>
+                <a:lnTo>
+                  <a:pt x="32" y="2143"/>
+                </a:lnTo>
+                <a:lnTo>
+                  <a:pt x="14" y="2033"/>
+                </a:lnTo>
+                <a:lnTo>
+                  <a:pt x="4" y="1920"/>
+                </a:lnTo>
+                <a:lnTo>
+                  <a:pt x="0" y="1806"/>
+                </a:lnTo>
+                <a:lnTo>
+                  <a:pt x="4" y="1692"/>
+                </a:lnTo>
+                <a:lnTo>
+                  <a:pt x="14" y="1580"/>
+                </a:lnTo>
+                <a:lnTo>
+                  <a:pt x="32" y="1469"/>
+                </a:lnTo>
+                <a:lnTo>
+                  <a:pt x="55" y="1362"/>
+                </a:lnTo>
+                <a:lnTo>
+                  <a:pt x="85" y="1256"/>
+                </a:lnTo>
+                <a:lnTo>
+                  <a:pt x="121" y="1154"/>
+                </a:lnTo>
+                <a:lnTo>
+                  <a:pt x="163" y="1054"/>
+                </a:lnTo>
+                <a:lnTo>
+                  <a:pt x="211" y="958"/>
+                </a:lnTo>
+                <a:lnTo>
+                  <a:pt x="265" y="864"/>
+                </a:lnTo>
+                <a:lnTo>
+                  <a:pt x="323" y="774"/>
+                </a:lnTo>
+                <a:lnTo>
+                  <a:pt x="386" y="689"/>
+                </a:lnTo>
+                <a:lnTo>
+                  <a:pt x="454" y="607"/>
+                </a:lnTo>
+                <a:lnTo>
+                  <a:pt x="527" y="529"/>
+                </a:lnTo>
+                <a:lnTo>
+                  <a:pt x="604" y="456"/>
+                </a:lnTo>
+                <a:lnTo>
+                  <a:pt x="686" y="388"/>
+                </a:lnTo>
+                <a:lnTo>
+                  <a:pt x="771" y="325"/>
+                </a:lnTo>
+                <a:lnTo>
+                  <a:pt x="860" y="266"/>
+                </a:lnTo>
+                <a:lnTo>
+                  <a:pt x="953" y="212"/>
+                </a:lnTo>
+                <a:lnTo>
+                  <a:pt x="1050" y="164"/>
+                </a:lnTo>
+                <a:lnTo>
+                  <a:pt x="1150" y="122"/>
+                </a:lnTo>
+                <a:lnTo>
+                  <a:pt x="1251" y="85"/>
+                </a:lnTo>
+                <a:lnTo>
+                  <a:pt x="1357" y="55"/>
+                </a:lnTo>
+                <a:lnTo>
+                  <a:pt x="1464" y="32"/>
+                </a:lnTo>
+                <a:lnTo>
+                  <a:pt x="1574" y="14"/>
+                </a:lnTo>
+                <a:lnTo>
+                  <a:pt x="1686" y="5"/>
+                </a:lnTo>
+                <a:lnTo>
+                  <a:pt x="1799" y="0"/>
+                </a:lnTo>
+                <a:close/>
+              </a:path>
+            </a:pathLst>
+          </a:custGeom>
+          <a:solidFill>
+            <a:schemeClr val="tx2"/>
+          </a:solidFill>
+          <a:ln w="0">
+            <a:noFill/>
+            <a:prstDash val="solid"/>
+            <a:round/>
+            <a:headEnd/>
+            <a:tailEnd/>
+          </a:ln>
+        </p:spPr>
+      </p:sp>
+      <p:cxnSp>
+        <p:nvCxnSpPr>
+          <p:cNvPr id="13" name="Straight Connector 12" title="Verticle Rule Line">
+            <a:extLst>
+              <a:ext uri="{FF2B5EF4-FFF2-40B4-BE49-F238E27FC236}">
+                <a16:creationId xmlns:a16="http://schemas.microsoft.com/office/drawing/2014/main" xmlns="" id="{77EEC01B-B858-4BAA-A85D-512B076C0E30}"/>
+              </a:ext>
+            </a:extLst>
+          </p:cNvPr>
+          <p:cNvCxnSpPr>
+            <a:cxnSpLocks noGrp="1" noRot="1" noChangeAspect="1" noMove="1" noResize="1" noEditPoints="1" noAdjustHandles="1" noChangeArrowheads="1" noChangeShapeType="1"/>
+          </p:cNvCxnSpPr>
+          <p:nvPr>
+            <p:extLst>
+              <p:ext uri="{386F3935-93C4-4BCD-93E2-E3B085C9AB24}">
+                <p16:designElem xmlns:p16="http://schemas.microsoft.com/office/powerpoint/2015/main" val="1"/>
+              </p:ext>
+            </p:extLst>
+          </p:nvPr>
+        </p:nvCxnSpPr>
+        <p:spPr>
+          <a:xfrm>
+            <a:off x="773855" y="1257300"/>
+            <a:ext cx="0" cy="5600700"/>
+          </a:xfrm>
+          <a:prstGeom prst="line">
+            <a:avLst/>
+          </a:prstGeom>
+          <a:ln w="25400">
+            <a:solidFill>
+              <a:schemeClr val="tx2"/>
+            </a:solidFill>
+          </a:ln>
+        </p:spPr>
+        <p:style>
+          <a:lnRef idx="1">
+            <a:schemeClr val="accent1"/>
+          </a:lnRef>
+          <a:fillRef idx="0">
+            <a:schemeClr val="accent1"/>
+          </a:fillRef>
+          <a:effectRef idx="0">
+            <a:schemeClr val="accent1"/>
+          </a:effectRef>
+          <a:fontRef idx="minor">
+            <a:schemeClr val="tx1"/>
+          </a:fontRef>
+        </p:style>
+      </p:cxnSp>
+      <p:sp useBgFill="1">
+        <p:nvSpPr>
+          <p:cNvPr id="15" name="Rectangle 14">
+            <a:extLst>
+              <a:ext uri="{FF2B5EF4-FFF2-40B4-BE49-F238E27FC236}">
+                <a16:creationId xmlns:a16="http://schemas.microsoft.com/office/drawing/2014/main" xmlns="" id="{238A9029-B6C8-493A-8A35-351F371FD85E}"/>
+              </a:ext>
+            </a:extLst>
+          </p:cNvPr>
+          <p:cNvSpPr>
+            <a:spLocks noGrp="1" noRot="1" noChangeAspect="1" noMove="1" noResize="1" noEditPoints="1" noAdjustHandles="1" noChangeArrowheads="1" noChangeShapeType="1" noTextEdit="1"/>
+          </p:cNvSpPr>
+          <p:nvPr>
+            <p:extLst>
+              <p:ext uri="{386F3935-93C4-4BCD-93E2-E3B085C9AB24}">
+                <p16:designElem xmlns:p16="http://schemas.microsoft.com/office/powerpoint/2015/main" val="1"/>
+              </p:ext>
+            </p:extLst>
+          </p:nvPr>
+        </p:nvSpPr>
+        <p:spPr bwMode="grayWhite">
+          <a:xfrm>
+            <a:off x="0" y="0"/>
+            <a:ext cx="12192000" cy="6858000"/>
+          </a:xfrm>
+          <a:prstGeom prst="rect">
+            <a:avLst/>
+          </a:prstGeom>
+          <a:ln>
+            <a:noFill/>
+          </a:ln>
+        </p:spPr>
+        <p:style>
+          <a:lnRef idx="2">
+            <a:schemeClr val="accent1">
+              <a:shade val="50000"/>
+            </a:schemeClr>
+          </a:lnRef>
+          <a:fillRef idx="1">
+            <a:schemeClr val="accent1"/>
+          </a:fillRef>
+          <a:effectRef idx="0">
+            <a:schemeClr val="accent1"/>
+          </a:effectRef>
+          <a:fontRef idx="minor">
+            <a:schemeClr val="lt1"/>
+          </a:fontRef>
+        </p:style>
+        <p:txBody>
+          <a:bodyPr rot="0" spcFirstLastPara="0" vert="horz" wrap="square" lIns="91440" tIns="45720" rIns="91440" bIns="45720" numCol="1" spcCol="0" rtlCol="0" fromWordArt="0" anchor="ctr" anchorCtr="0" forceAA="0" compatLnSpc="1">
+            <a:prstTxWarp prst="textNoShape">
+              <a:avLst/>
+            </a:prstTxWarp>
+            <a:noAutofit/>
+          </a:bodyPr>
+          <a:lstStyle>
+            <a:defPPr>
+              <a:defRPr lang="en-US"/>
+            </a:defPPr>
+            <a:lvl1pPr marL="0" algn="l" defTabSz="914400" rtl="0" eaLnBrk="1" latinLnBrk="0" hangingPunct="1">
+              <a:defRPr sz="1800" kern="1200">
+                <a:solidFill>
+                  <a:schemeClr val="lt1"/>
+                </a:solidFill>
+                <a:latin typeface="+mn-lt"/>
+                <a:ea typeface="+mn-ea"/>
+                <a:cs typeface="+mn-cs"/>
+              </a:defRPr>
+            </a:lvl1pPr>
+            <a:lvl2pPr marL="457200" algn="l" defTabSz="914400" rtl="0" eaLnBrk="1" latinLnBrk="0" hangingPunct="1">
+              <a:defRPr sz="1800" kern="1200">
+                <a:solidFill>
+                  <a:schemeClr val="lt1"/>
+                </a:solidFill>
+                <a:latin typeface="+mn-lt"/>
+                <a:ea typeface="+mn-ea"/>
+                <a:cs typeface="+mn-cs"/>
+              </a:defRPr>
+            </a:lvl2pPr>
+            <a:lvl3pPr marL="914400" algn="l" defTabSz="914400" rtl="0" eaLnBrk="1" latinLnBrk="0" hangingPunct="1">
+              <a:defRPr sz="1800" kern="1200">
+                <a:solidFill>
+                  <a:schemeClr val="lt1"/>
+                </a:solidFill>
+                <a:latin typeface="+mn-lt"/>
+                <a:ea typeface="+mn-ea"/>
+                <a:cs typeface="+mn-cs"/>
+              </a:defRPr>
+            </a:lvl3pPr>
+            <a:lvl4pPr marL="1371600" algn="l" defTabSz="914400" rtl="0" eaLnBrk="1" latinLnBrk="0" hangingPunct="1">
+              <a:defRPr sz="1800" kern="1200">
+                <a:solidFill>
+                  <a:schemeClr val="lt1"/>
+                </a:solidFill>
+                <a:latin typeface="+mn-lt"/>
+                <a:ea typeface="+mn-ea"/>
+                <a:cs typeface="+mn-cs"/>
+              </a:defRPr>
+            </a:lvl4pPr>
+            <a:lvl5pPr marL="1828800" algn="l" defTabSz="914400" rtl="0" eaLnBrk="1" latinLnBrk="0" hangingPunct="1">
+              <a:defRPr sz="1800" kern="1200">
+                <a:solidFill>
+                  <a:schemeClr val="lt1"/>
+                </a:solidFill>
+                <a:latin typeface="+mn-lt"/>
+                <a:ea typeface="+mn-ea"/>
+                <a:cs typeface="+mn-cs"/>
+              </a:defRPr>
+            </a:lvl5pPr>
+            <a:lvl6pPr marL="2286000" algn="l" defTabSz="914400" rtl="0" eaLnBrk="1" latinLnBrk="0" hangingPunct="1">
+              <a:defRPr sz="1800" kern="1200">
+                <a:solidFill>
+                  <a:schemeClr val="lt1"/>
+                </a:solidFill>
+                <a:latin typeface="+mn-lt"/>
+                <a:ea typeface="+mn-ea"/>
+                <a:cs typeface="+mn-cs"/>
+              </a:defRPr>
+            </a:lvl6pPr>
+            <a:lvl7pPr marL="2743200" algn="l" defTabSz="914400" rtl="0" eaLnBrk="1" latinLnBrk="0" hangingPunct="1">
+              <a:defRPr sz="1800" kern="1200">
+                <a:solidFill>
+                  <a:schemeClr val="lt1"/>
+                </a:solidFill>
+                <a:latin typeface="+mn-lt"/>
+                <a:ea typeface="+mn-ea"/>
+                <a:cs typeface="+mn-cs"/>
+              </a:defRPr>
+            </a:lvl7pPr>
+            <a:lvl8pPr marL="3200400" algn="l" defTabSz="914400" rtl="0" eaLnBrk="1" latinLnBrk="0" hangingPunct="1">
+              <a:defRPr sz="1800" kern="1200">
+                <a:solidFill>
+                  <a:schemeClr val="lt1"/>
+                </a:solidFill>
+                <a:latin typeface="+mn-lt"/>
+                <a:ea typeface="+mn-ea"/>
+                <a:cs typeface="+mn-cs"/>
+              </a:defRPr>
+            </a:lvl8pPr>
+            <a:lvl9pPr marL="3657600" algn="l" defTabSz="914400" rtl="0" eaLnBrk="1" latinLnBrk="0" hangingPunct="1">
+              <a:defRPr sz="1800" kern="1200">
+                <a:solidFill>
+                  <a:schemeClr val="lt1"/>
+                </a:solidFill>
+                <a:latin typeface="+mn-lt"/>
+                <a:ea typeface="+mn-ea"/>
+                <a:cs typeface="+mn-cs"/>
+              </a:defRPr>
+            </a:lvl9pPr>
+          </a:lstStyle>
+          <a:p>
+            <a:pPr marL="0" marR="0" lvl="0" indent="0" algn="ctr" defTabSz="914400" rtl="0" eaLnBrk="1" fontAlgn="auto" latinLnBrk="0" hangingPunct="1">
+              <a:lnSpc>
+                <a:spcPct val="100000"/>
+              </a:lnSpc>
+              <a:spcBef>
+                <a:spcPts val="0"/>
+              </a:spcBef>
+              <a:spcAft>
+                <a:spcPts val="0"/>
+              </a:spcAft>
+              <a:buClrTx/>
+              <a:buSzTx/>
+              <a:buFontTx/>
+              <a:buNone/>
+              <a:tabLst/>
+              <a:defRPr/>
+            </a:pPr>
+            <a:endParaRPr kumimoji="0" lang="en-US" sz="1800" b="0" i="0" u="none" strike="noStrike" kern="1200" cap="none" spc="0" normalizeH="0" baseline="0" noProof="0">
+              <a:ln>
+                <a:noFill/>
+              </a:ln>
+              <a:solidFill>
+                <a:prstClr val="white"/>
+              </a:solidFill>
+              <a:effectLst/>
+              <a:uLnTx/>
+              <a:uFillTx/>
+              <a:latin typeface="Corbel" panose="020B0503020204020204"/>
+              <a:ea typeface="+mn-ea"/>
+              <a:cs typeface="+mn-cs"/>
+            </a:endParaRPr>
+          </a:p>
+        </p:txBody>
+      </p:sp>
+      <p:pic>
+        <p:nvPicPr>
+          <p:cNvPr id="4" name="Content Placeholder 3"/>
+          <p:cNvPicPr>
+            <a:picLocks noGrp="1" noChangeAspect="1"/>
+          </p:cNvPicPr>
+          <p:nvPr>
+            <p:ph idx="1"/>
+          </p:nvPr>
+        </p:nvPicPr>
+        <p:blipFill rotWithShape="1">
+          <a:blip r:embed="rId2">
+            <a:duotone>
+              <a:schemeClr val="accent3">
+                <a:shade val="45000"/>
+                <a:satMod val="135000"/>
+              </a:schemeClr>
+              <a:prstClr val="white"/>
+            </a:duotone>
+          </a:blip>
+          <a:srcRect t="1640"/>
+          <a:stretch/>
+        </p:blipFill>
+        <p:spPr>
+          <a:xfrm>
+            <a:off x="5219699" y="10"/>
+            <a:ext cx="6972301" cy="6857990"/>
+          </a:xfrm>
+          <a:prstGeom prst="rect">
+            <a:avLst/>
+          </a:prstGeom>
+        </p:spPr>
+      </p:pic>
+      <p:sp>
+        <p:nvSpPr>
+          <p:cNvPr id="17" name="Rectangle 16">
+            <a:extLst>
+              <a:ext uri="{FF2B5EF4-FFF2-40B4-BE49-F238E27FC236}">
+                <a16:creationId xmlns:a16="http://schemas.microsoft.com/office/drawing/2014/main" xmlns="" id="{7227713B-C67F-4F2C-A9DA-7D4B7196E4BC}"/>
+              </a:ext>
+            </a:extLst>
+          </p:cNvPr>
+          <p:cNvSpPr>
+            <a:spLocks noGrp="1" noRot="1" noChangeAspect="1" noMove="1" noResize="1" noEditPoints="1" noAdjustHandles="1" noChangeArrowheads="1" noChangeShapeType="1" noTextEdit="1"/>
+          </p:cNvSpPr>
+          <p:nvPr>
+            <p:extLst>
+              <p:ext uri="{386F3935-93C4-4BCD-93E2-E3B085C9AB24}">
+                <p16:designElem xmlns:p16="http://schemas.microsoft.com/office/powerpoint/2015/main" val="1"/>
+              </p:ext>
+            </p:extLst>
+          </p:nvPr>
+        </p:nvSpPr>
+        <p:spPr>
+          <a:xfrm>
+            <a:off x="5219698" y="0"/>
+            <a:ext cx="6972301" cy="6858000"/>
+          </a:xfrm>
+          <a:prstGeom prst="rect">
+            <a:avLst/>
+          </a:prstGeom>
+          <a:solidFill>
+            <a:schemeClr val="accent3">
+              <a:alpha val="70000"/>
+            </a:schemeClr>
+          </a:solidFill>
+          <a:ln>
+            <a:noFill/>
+          </a:ln>
+        </p:spPr>
+        <p:style>
+          <a:lnRef idx="2">
+            <a:schemeClr val="accent1">
+              <a:shade val="50000"/>
+            </a:schemeClr>
+          </a:lnRef>
+          <a:fillRef idx="1">
+            <a:schemeClr val="accent1"/>
+          </a:fillRef>
+          <a:effectRef idx="0">
+            <a:schemeClr val="accent1"/>
+          </a:effectRef>
+          <a:fontRef idx="minor">
+            <a:schemeClr val="lt1"/>
+          </a:fontRef>
+        </p:style>
+        <p:txBody>
+          <a:bodyPr rtlCol="0" anchor="ctr"/>
+          <a:lstStyle/>
+          <a:p>
+            <a:pPr marL="0" marR="0" lvl="0" indent="0" algn="ctr" defTabSz="457200" rtl="0" eaLnBrk="1" fontAlgn="auto" latinLnBrk="0" hangingPunct="1">
+              <a:lnSpc>
+                <a:spcPct val="100000"/>
+              </a:lnSpc>
+              <a:spcBef>
+                <a:spcPts val="0"/>
+              </a:spcBef>
+              <a:spcAft>
+                <a:spcPts val="0"/>
+              </a:spcAft>
+              <a:buClrTx/>
+              <a:buSzTx/>
+              <a:buFontTx/>
+              <a:buNone/>
+              <a:tabLst/>
+              <a:defRPr/>
+            </a:pPr>
+            <a:endParaRPr kumimoji="0" lang="en-US" sz="1800" b="0" i="0" u="none" strike="noStrike" kern="1200" cap="none" spc="0" normalizeH="0" baseline="0" noProof="0" dirty="0">
+              <a:ln>
+                <a:noFill/>
+              </a:ln>
+              <a:solidFill>
+                <a:prstClr val="white"/>
+              </a:solidFill>
+              <a:effectLst/>
+              <a:uLnTx/>
+              <a:uFillTx/>
+              <a:latin typeface="Corbel" panose="020B0503020204020204"/>
+              <a:ea typeface="+mn-ea"/>
+              <a:cs typeface="+mn-cs"/>
+            </a:endParaRPr>
+          </a:p>
+        </p:txBody>
+      </p:sp>
+      <p:sp>
+        <p:nvSpPr>
+          <p:cNvPr id="19" name="Freeform 6" title="Page Number Shape">
+            <a:extLst>
+              <a:ext uri="{FF2B5EF4-FFF2-40B4-BE49-F238E27FC236}">
+                <a16:creationId xmlns:a16="http://schemas.microsoft.com/office/drawing/2014/main" xmlns="" id="{8179BED0-B0A7-403F-B9F3-72C7D450F15C}"/>
+              </a:ext>
+            </a:extLst>
+          </p:cNvPr>
+          <p:cNvSpPr>
+            <a:spLocks noGrp="1" noRot="1" noChangeAspect="1" noMove="1" noResize="1" noEditPoints="1" noAdjustHandles="1" noChangeArrowheads="1" noChangeShapeType="1" noTextEdit="1"/>
+          </p:cNvSpPr>
+          <p:nvPr>
+            <p:extLst>
+              <p:ext uri="{386F3935-93C4-4BCD-93E2-E3B085C9AB24}">
+                <p16:designElem xmlns:p16="http://schemas.microsoft.com/office/powerpoint/2015/main" val="1"/>
+              </p:ext>
+            </p:extLst>
+          </p:nvPr>
+        </p:nvSpPr>
+        <p:spPr bwMode="auto">
+          <a:xfrm>
+            <a:off x="11784012" y="0"/>
+            <a:ext cx="407988" cy="819150"/>
+          </a:xfrm>
+          <a:custGeom>
+            <a:avLst/>
+            <a:gdLst/>
+            <a:ahLst/>
+            <a:cxnLst/>
+            <a:rect l="0" t="0" r="r" b="b"/>
+            <a:pathLst>
+              <a:path w="1799" h="3612">
+                <a:moveTo>
+                  <a:pt x="1799" y="0"/>
+                </a:moveTo>
+                <a:lnTo>
+                  <a:pt x="1799" y="3612"/>
+                </a:lnTo>
+                <a:lnTo>
+                  <a:pt x="1686" y="3609"/>
+                </a:lnTo>
+                <a:lnTo>
+                  <a:pt x="1574" y="3598"/>
+                </a:lnTo>
+                <a:lnTo>
+                  <a:pt x="1464" y="3581"/>
+                </a:lnTo>
+                <a:lnTo>
+                  <a:pt x="1357" y="3557"/>
+                </a:lnTo>
+                <a:lnTo>
+                  <a:pt x="1251" y="3527"/>
+                </a:lnTo>
+                <a:lnTo>
+                  <a:pt x="1150" y="3490"/>
+                </a:lnTo>
+                <a:lnTo>
+                  <a:pt x="1050" y="3448"/>
+                </a:lnTo>
+                <a:lnTo>
+                  <a:pt x="953" y="3401"/>
+                </a:lnTo>
+                <a:lnTo>
+                  <a:pt x="860" y="3347"/>
+                </a:lnTo>
+                <a:lnTo>
+                  <a:pt x="771" y="3289"/>
+                </a:lnTo>
+                <a:lnTo>
+                  <a:pt x="686" y="3224"/>
+                </a:lnTo>
+                <a:lnTo>
+                  <a:pt x="604" y="3156"/>
+                </a:lnTo>
+                <a:lnTo>
+                  <a:pt x="527" y="3083"/>
+                </a:lnTo>
+                <a:lnTo>
+                  <a:pt x="454" y="3005"/>
+                </a:lnTo>
+                <a:lnTo>
+                  <a:pt x="386" y="2923"/>
+                </a:lnTo>
+                <a:lnTo>
+                  <a:pt x="323" y="2838"/>
+                </a:lnTo>
+                <a:lnTo>
+                  <a:pt x="265" y="2748"/>
+                </a:lnTo>
+                <a:lnTo>
+                  <a:pt x="211" y="2655"/>
+                </a:lnTo>
+                <a:lnTo>
+                  <a:pt x="163" y="2559"/>
+                </a:lnTo>
+                <a:lnTo>
+                  <a:pt x="121" y="2459"/>
+                </a:lnTo>
+                <a:lnTo>
+                  <a:pt x="85" y="2356"/>
+                </a:lnTo>
+                <a:lnTo>
+                  <a:pt x="55" y="2251"/>
+                </a:lnTo>
+                <a:lnTo>
+                  <a:pt x="32" y="2143"/>
+                </a:lnTo>
+                <a:lnTo>
+                  <a:pt x="14" y="2033"/>
+                </a:lnTo>
+                <a:lnTo>
+                  <a:pt x="4" y="1920"/>
+                </a:lnTo>
+                <a:lnTo>
+                  <a:pt x="0" y="1806"/>
+                </a:lnTo>
+                <a:lnTo>
+                  <a:pt x="4" y="1692"/>
+                </a:lnTo>
+                <a:lnTo>
+                  <a:pt x="14" y="1580"/>
+                </a:lnTo>
+                <a:lnTo>
+                  <a:pt x="32" y="1469"/>
+                </a:lnTo>
+                <a:lnTo>
+                  <a:pt x="55" y="1362"/>
+                </a:lnTo>
+                <a:lnTo>
+                  <a:pt x="85" y="1256"/>
+                </a:lnTo>
+                <a:lnTo>
+                  <a:pt x="121" y="1154"/>
+                </a:lnTo>
+                <a:lnTo>
+                  <a:pt x="163" y="1054"/>
+                </a:lnTo>
+                <a:lnTo>
+                  <a:pt x="211" y="958"/>
+                </a:lnTo>
+                <a:lnTo>
+                  <a:pt x="265" y="864"/>
+                </a:lnTo>
+                <a:lnTo>
+                  <a:pt x="323" y="774"/>
+                </a:lnTo>
+                <a:lnTo>
+                  <a:pt x="386" y="689"/>
+                </a:lnTo>
+                <a:lnTo>
+                  <a:pt x="454" y="607"/>
+                </a:lnTo>
+                <a:lnTo>
+                  <a:pt x="527" y="529"/>
+                </a:lnTo>
+                <a:lnTo>
+                  <a:pt x="604" y="456"/>
+                </a:lnTo>
+                <a:lnTo>
+                  <a:pt x="686" y="388"/>
+                </a:lnTo>
+                <a:lnTo>
+                  <a:pt x="771" y="325"/>
+                </a:lnTo>
+                <a:lnTo>
+                  <a:pt x="860" y="266"/>
+                </a:lnTo>
+                <a:lnTo>
+                  <a:pt x="953" y="212"/>
+                </a:lnTo>
+                <a:lnTo>
+                  <a:pt x="1050" y="164"/>
+                </a:lnTo>
+                <a:lnTo>
+                  <a:pt x="1150" y="122"/>
+                </a:lnTo>
+                <a:lnTo>
+                  <a:pt x="1251" y="85"/>
+                </a:lnTo>
+                <a:lnTo>
+                  <a:pt x="1357" y="55"/>
+                </a:lnTo>
+                <a:lnTo>
+                  <a:pt x="1464" y="32"/>
+                </a:lnTo>
+                <a:lnTo>
+                  <a:pt x="1574" y="14"/>
+                </a:lnTo>
+                <a:lnTo>
+                  <a:pt x="1686" y="5"/>
+                </a:lnTo>
+                <a:lnTo>
+                  <a:pt x="1799" y="0"/>
+                </a:lnTo>
+                <a:close/>
+              </a:path>
+            </a:pathLst>
+          </a:custGeom>
+          <a:solidFill>
+            <a:schemeClr val="tx2"/>
+          </a:solidFill>
+          <a:ln w="0">
+            <a:noFill/>
+            <a:prstDash val="solid"/>
+            <a:round/>
+            <a:headEnd/>
+            <a:tailEnd/>
+          </a:ln>
+        </p:spPr>
+      </p:sp>
+      <p:cxnSp>
+        <p:nvCxnSpPr>
+          <p:cNvPr id="21" name="Straight Connector 20" title="Verticle Rule Line">
+            <a:extLst>
+              <a:ext uri="{FF2B5EF4-FFF2-40B4-BE49-F238E27FC236}">
+                <a16:creationId xmlns:a16="http://schemas.microsoft.com/office/drawing/2014/main" xmlns="" id="{E0B1C946-866A-438C-82B4-5BEFCA92A355}"/>
+              </a:ext>
+            </a:extLst>
+          </p:cNvPr>
+          <p:cNvCxnSpPr>
+            <a:cxnSpLocks noGrp="1" noRot="1" noChangeAspect="1" noMove="1" noResize="1" noEditPoints="1" noAdjustHandles="1" noChangeArrowheads="1" noChangeShapeType="1"/>
+          </p:cNvCxnSpPr>
+          <p:nvPr>
+            <p:extLst>
+              <p:ext uri="{386F3935-93C4-4BCD-93E2-E3B085C9AB24}">
+                <p16:designElem xmlns:p16="http://schemas.microsoft.com/office/powerpoint/2015/main" val="1"/>
+              </p:ext>
+            </p:extLst>
+          </p:nvPr>
+        </p:nvCxnSpPr>
+        <p:spPr>
+          <a:xfrm rot="5400000">
+            <a:off x="2658231" y="3558171"/>
+            <a:ext cx="4657344" cy="0"/>
+          </a:xfrm>
+          <a:prstGeom prst="line">
+            <a:avLst/>
+          </a:prstGeom>
+          <a:ln w="25400">
+            <a:solidFill>
+              <a:schemeClr val="accent3"/>
+            </a:solidFill>
+          </a:ln>
+        </p:spPr>
+        <p:style>
+          <a:lnRef idx="1">
+            <a:schemeClr val="accent1"/>
+          </a:lnRef>
+          <a:fillRef idx="0">
+            <a:schemeClr val="accent1"/>
+          </a:fillRef>
+          <a:effectRef idx="0">
+            <a:schemeClr val="accent1"/>
+          </a:effectRef>
+          <a:fontRef idx="minor">
+            <a:schemeClr val="tx1"/>
+          </a:fontRef>
+        </p:style>
+      </p:cxnSp>
+      <p:sp>
+        <p:nvSpPr>
           <p:cNvPr id="2" name="Title 1"/>
           <p:cNvSpPr>
             <a:spLocks noGrp="1"/>
@@ -5209,42 +6069,38 @@
             <p:ph type="title"/>
           </p:nvPr>
         </p:nvSpPr>
-        <p:spPr/>
-        <p:txBody>
-          <a:bodyPr/>
+        <p:spPr>
+          <a:xfrm>
+            <a:off x="5433060" y="643467"/>
+            <a:ext cx="6079708" cy="5560026"/>
+          </a:xfrm>
+        </p:spPr>
+        <p:txBody>
+          <a:bodyPr vert="horz" lIns="91440" tIns="45720" rIns="91440" bIns="45720" rtlCol="0" anchor="ctr">
+            <a:normAutofit/>
+          </a:bodyPr>
           <a:lstStyle/>
           <a:p>
-            <a:r>
-              <a:rPr lang="en-US" dirty="0" smtClean="0"/>
+            <a:pPr algn="l">
+              <a:lnSpc>
+                <a:spcPct val="85000"/>
+              </a:lnSpc>
+            </a:pPr>
+            <a:r>
+              <a:rPr lang="en-US" sz="4400" cap="all">
+                <a:solidFill>
+                  <a:schemeClr val="tx2"/>
+                </a:solidFill>
+              </a:rPr>
               <a:t>The AWS view</a:t>
             </a:r>
-            <a:endParaRPr lang="en-US" dirty="0"/>
-          </a:p>
-        </p:txBody>
-      </p:sp>
-      <p:sp>
-        <p:nvSpPr>
-          <p:cNvPr id="3" name="Content Placeholder 2"/>
-          <p:cNvSpPr>
-            <a:spLocks noGrp="1"/>
-          </p:cNvSpPr>
-          <p:nvPr>
-            <p:ph idx="1"/>
-          </p:nvPr>
-        </p:nvSpPr>
-        <p:spPr/>
-        <p:txBody>
-          <a:bodyPr/>
-          <a:lstStyle/>
-          <a:p>
-            <a:endParaRPr lang="en-US" dirty="0"/>
           </a:p>
         </p:txBody>
       </p:sp>
     </p:spTree>
     <p:extLst>
       <p:ext uri="{BB962C8B-B14F-4D97-AF65-F5344CB8AC3E}">
-        <p14:creationId xmlns:p14="http://schemas.microsoft.com/office/powerpoint/2010/main" val="2017501127"/>
+        <p14:creationId xmlns:p14="http://schemas.microsoft.com/office/powerpoint/2010/main" val="32188555"/>
       </p:ext>
     </p:extLst>
   </p:cSld>
@@ -5290,7 +6146,14 @@
               <a:rPr lang="en-US" dirty="0" smtClean="0"/>
               <a:t>Patterns</a:t>
             </a:r>
-            <a:endParaRPr lang="en-US" dirty="0"/>
+            <a:br>
+              <a:rPr lang="en-US" dirty="0" smtClean="0"/>
+            </a:br>
+            <a:r>
+              <a:rPr lang="en-US" sz="2400" dirty="0" smtClean="0"/>
+              <a:t>again</a:t>
+            </a:r>
+            <a:endParaRPr lang="en-US" sz="2400" dirty="0"/>
           </a:p>
         </p:txBody>
       </p:sp>
@@ -7622,6 +8485,188 @@
             </a:br>
             <a:r>
               <a:rPr lang="en-US" sz="2400" dirty="0" smtClean="0"/>
+              <a:t>language/runtime support</a:t>
+            </a:r>
+            <a:endParaRPr lang="en-US" sz="2400" dirty="0"/>
+          </a:p>
+        </p:txBody>
+      </p:sp>
+      <p:sp>
+        <p:nvSpPr>
+          <p:cNvPr id="3" name="Content Placeholder 2"/>
+          <p:cNvSpPr>
+            <a:spLocks noGrp="1"/>
+          </p:cNvSpPr>
+          <p:nvPr>
+            <p:ph idx="1"/>
+          </p:nvPr>
+        </p:nvSpPr>
+        <p:spPr/>
+        <p:txBody>
+          <a:bodyPr/>
+          <a:lstStyle/>
+          <a:p>
+            <a:r>
+              <a:rPr lang="en-US" dirty="0" err="1" smtClean="0"/>
+              <a:t>NodeJS</a:t>
+            </a:r>
+            <a:endParaRPr lang="en-US" dirty="0" smtClean="0"/>
+          </a:p>
+          <a:p>
+            <a:r>
+              <a:rPr lang="en-US" dirty="0" smtClean="0"/>
+              <a:t>Python</a:t>
+            </a:r>
+          </a:p>
+          <a:p>
+            <a:r>
+              <a:rPr lang="en-US" dirty="0" smtClean="0"/>
+              <a:t>C#</a:t>
+            </a:r>
+          </a:p>
+          <a:p>
+            <a:pPr lvl="1"/>
+            <a:r>
+              <a:rPr lang="en-US" dirty="0" smtClean="0"/>
+              <a:t>DLLs too </a:t>
+            </a:r>
+            <a:endParaRPr lang="en-US" dirty="0" smtClean="0"/>
+          </a:p>
+          <a:p>
+            <a:r>
+              <a:rPr lang="en-US" dirty="0" smtClean="0"/>
+              <a:t>Java</a:t>
+            </a:r>
+            <a:endParaRPr lang="en-US" dirty="0" smtClean="0"/>
+          </a:p>
+          <a:p>
+            <a:pPr lvl="1"/>
+            <a:r>
+              <a:rPr lang="en-US" dirty="0" smtClean="0"/>
+              <a:t>This includes JVM languages</a:t>
+            </a:r>
+            <a:r>
+              <a:rPr lang="mr-IN" dirty="0" smtClean="0"/>
+              <a:t>…</a:t>
+            </a:r>
+            <a:r>
+              <a:rPr lang="en-US" dirty="0" smtClean="0"/>
+              <a:t> Scala, </a:t>
+            </a:r>
+            <a:r>
+              <a:rPr lang="en-US" dirty="0" err="1" smtClean="0"/>
+              <a:t>Kotlin</a:t>
+            </a:r>
+            <a:r>
+              <a:rPr lang="en-US" dirty="0" smtClean="0"/>
+              <a:t>, etc.</a:t>
+            </a:r>
+            <a:endParaRPr lang="en-US" dirty="0"/>
+          </a:p>
+          <a:p>
+            <a:r>
+              <a:rPr lang="en-US" dirty="0" smtClean="0"/>
+              <a:t>Shell scripts</a:t>
+            </a:r>
+          </a:p>
+          <a:p>
+            <a:r>
+              <a:rPr lang="en-US" dirty="0" smtClean="0"/>
+              <a:t>Executables</a:t>
+            </a:r>
+          </a:p>
+          <a:p>
+            <a:r>
+              <a:rPr lang="en-US" dirty="0" smtClean="0"/>
+              <a:t>Pretty much anything*</a:t>
+            </a:r>
+          </a:p>
+          <a:p>
+            <a:pPr lvl="1"/>
+            <a:r>
+              <a:rPr lang="en-US" dirty="0"/>
+              <a:t>https://</a:t>
+            </a:r>
+            <a:r>
+              <a:rPr lang="en-US" dirty="0" err="1"/>
+              <a:t>aws.amazon.com</a:t>
+            </a:r>
+            <a:r>
+              <a:rPr lang="en-US" dirty="0"/>
+              <a:t>/blogs/compute/running-executables-in-</a:t>
+            </a:r>
+            <a:r>
+              <a:rPr lang="en-US" dirty="0" err="1"/>
+              <a:t>aws</a:t>
+            </a:r>
+            <a:r>
+              <a:rPr lang="en-US" dirty="0"/>
+              <a:t>-lambda/</a:t>
+            </a:r>
+          </a:p>
+        </p:txBody>
+      </p:sp>
+    </p:spTree>
+    <p:extLst>
+      <p:ext uri="{BB962C8B-B14F-4D97-AF65-F5344CB8AC3E}">
+        <p14:creationId xmlns:p14="http://schemas.microsoft.com/office/powerpoint/2010/main" val="1532791319"/>
+      </p:ext>
+    </p:extLst>
+  </p:cSld>
+  <p:clrMapOvr>
+    <a:masterClrMapping/>
+  </p:clrMapOvr>
+  <p:timing>
+    <p:tnLst>
+      <p:par>
+        <p:cTn id="1" dur="indefinite" restart="never" nodeType="tmRoot"/>
+      </p:par>
+    </p:tnLst>
+  </p:timing>
+</p:sld>
+</file>
+
+<file path=ppt/slides/slide21.xml><?xml version="1.0" encoding="utf-8"?>
+<p:sld xmlns:a="http://schemas.openxmlformats.org/drawingml/2006/main" xmlns:r="http://schemas.openxmlformats.org/officeDocument/2006/relationships" xmlns:p="http://schemas.openxmlformats.org/presentationml/2006/main">
+  <p:cSld>
+    <p:spTree>
+      <p:nvGrpSpPr>
+        <p:cNvPr id="1" name=""/>
+        <p:cNvGrpSpPr/>
+        <p:nvPr/>
+      </p:nvGrpSpPr>
+      <p:grpSpPr>
+        <a:xfrm>
+          <a:off x="0" y="0"/>
+          <a:ext cx="0" cy="0"/>
+          <a:chOff x="0" y="0"/>
+          <a:chExt cx="0" cy="0"/>
+        </a:xfrm>
+      </p:grpSpPr>
+      <p:sp>
+        <p:nvSpPr>
+          <p:cNvPr id="2" name="Title 1"/>
+          <p:cNvSpPr>
+            <a:spLocks noGrp="1"/>
+          </p:cNvSpPr>
+          <p:nvPr>
+            <p:ph type="title"/>
+          </p:nvPr>
+        </p:nvSpPr>
+        <p:spPr/>
+        <p:txBody>
+          <a:bodyPr/>
+          <a:lstStyle/>
+          <a:p>
+            <a:r>
+              <a:rPr lang="en-US" dirty="0" smtClean="0"/>
+              <a:t>Lambda</a:t>
+            </a:r>
+            <a:br>
+              <a:rPr lang="en-US" dirty="0" smtClean="0"/>
+            </a:br>
+            <a:r>
+              <a:rPr lang="en-US" sz="2400" dirty="0" smtClean="0"/>
               <a:t>what </a:t>
             </a:r>
             <a:r>
@@ -8205,188 +9250,6 @@
             </p:seq>
           </p:childTnLst>
         </p:cTn>
-      </p:par>
-    </p:tnLst>
-  </p:timing>
-</p:sld>
-</file>
-
-<file path=ppt/slides/slide21.xml><?xml version="1.0" encoding="utf-8"?>
-<p:sld xmlns:a="http://schemas.openxmlformats.org/drawingml/2006/main" xmlns:r="http://schemas.openxmlformats.org/officeDocument/2006/relationships" xmlns:p="http://schemas.openxmlformats.org/presentationml/2006/main">
-  <p:cSld>
-    <p:spTree>
-      <p:nvGrpSpPr>
-        <p:cNvPr id="1" name=""/>
-        <p:cNvGrpSpPr/>
-        <p:nvPr/>
-      </p:nvGrpSpPr>
-      <p:grpSpPr>
-        <a:xfrm>
-          <a:off x="0" y="0"/>
-          <a:ext cx="0" cy="0"/>
-          <a:chOff x="0" y="0"/>
-          <a:chExt cx="0" cy="0"/>
-        </a:xfrm>
-      </p:grpSpPr>
-      <p:sp>
-        <p:nvSpPr>
-          <p:cNvPr id="2" name="Title 1"/>
-          <p:cNvSpPr>
-            <a:spLocks noGrp="1"/>
-          </p:cNvSpPr>
-          <p:nvPr>
-            <p:ph type="title"/>
-          </p:nvPr>
-        </p:nvSpPr>
-        <p:spPr/>
-        <p:txBody>
-          <a:bodyPr/>
-          <a:lstStyle/>
-          <a:p>
-            <a:r>
-              <a:rPr lang="en-US" dirty="0" smtClean="0"/>
-              <a:t>Lambda</a:t>
-            </a:r>
-            <a:br>
-              <a:rPr lang="en-US" dirty="0" smtClean="0"/>
-            </a:br>
-            <a:r>
-              <a:rPr lang="en-US" sz="2400" dirty="0" smtClean="0"/>
-              <a:t>language/runtime support</a:t>
-            </a:r>
-            <a:endParaRPr lang="en-US" sz="2400" dirty="0"/>
-          </a:p>
-        </p:txBody>
-      </p:sp>
-      <p:sp>
-        <p:nvSpPr>
-          <p:cNvPr id="3" name="Content Placeholder 2"/>
-          <p:cNvSpPr>
-            <a:spLocks noGrp="1"/>
-          </p:cNvSpPr>
-          <p:nvPr>
-            <p:ph idx="1"/>
-          </p:nvPr>
-        </p:nvSpPr>
-        <p:spPr/>
-        <p:txBody>
-          <a:bodyPr/>
-          <a:lstStyle/>
-          <a:p>
-            <a:r>
-              <a:rPr lang="en-US" dirty="0" err="1" smtClean="0"/>
-              <a:t>NodeJS</a:t>
-            </a:r>
-            <a:endParaRPr lang="en-US" dirty="0" smtClean="0"/>
-          </a:p>
-          <a:p>
-            <a:r>
-              <a:rPr lang="en-US" dirty="0" smtClean="0"/>
-              <a:t>Python</a:t>
-            </a:r>
-          </a:p>
-          <a:p>
-            <a:r>
-              <a:rPr lang="en-US" dirty="0" smtClean="0"/>
-              <a:t>C#</a:t>
-            </a:r>
-          </a:p>
-          <a:p>
-            <a:pPr lvl="1"/>
-            <a:r>
-              <a:rPr lang="en-US" dirty="0" smtClean="0"/>
-              <a:t>DLLs too </a:t>
-            </a:r>
-            <a:endParaRPr lang="en-US" dirty="0" smtClean="0"/>
-          </a:p>
-          <a:p>
-            <a:r>
-              <a:rPr lang="en-US" dirty="0" smtClean="0"/>
-              <a:t>Java</a:t>
-            </a:r>
-            <a:endParaRPr lang="en-US" dirty="0" smtClean="0"/>
-          </a:p>
-          <a:p>
-            <a:pPr lvl="1"/>
-            <a:r>
-              <a:rPr lang="en-US" dirty="0" smtClean="0"/>
-              <a:t>This includes JVM languages</a:t>
-            </a:r>
-            <a:r>
-              <a:rPr lang="mr-IN" dirty="0" smtClean="0"/>
-              <a:t>…</a:t>
-            </a:r>
-            <a:r>
-              <a:rPr lang="en-US" dirty="0" smtClean="0"/>
-              <a:t> Scala, </a:t>
-            </a:r>
-            <a:r>
-              <a:rPr lang="en-US" dirty="0" err="1" smtClean="0"/>
-              <a:t>Kotlin</a:t>
-            </a:r>
-            <a:r>
-              <a:rPr lang="en-US" dirty="0" smtClean="0"/>
-              <a:t>, etc.</a:t>
-            </a:r>
-            <a:endParaRPr lang="en-US" dirty="0"/>
-          </a:p>
-          <a:p>
-            <a:r>
-              <a:rPr lang="en-US" dirty="0" smtClean="0"/>
-              <a:t>Shell scripts</a:t>
-            </a:r>
-          </a:p>
-          <a:p>
-            <a:r>
-              <a:rPr lang="en-US" dirty="0" smtClean="0"/>
-              <a:t>Executables</a:t>
-            </a:r>
-          </a:p>
-          <a:p>
-            <a:r>
-              <a:rPr lang="en-US" dirty="0" smtClean="0"/>
-              <a:t>Pretty much anything*</a:t>
-            </a:r>
-          </a:p>
-          <a:p>
-            <a:pPr lvl="1"/>
-            <a:r>
-              <a:rPr lang="en-US" dirty="0"/>
-              <a:t>https://</a:t>
-            </a:r>
-            <a:r>
-              <a:rPr lang="en-US" dirty="0" err="1"/>
-              <a:t>aws.amazon.com</a:t>
-            </a:r>
-            <a:r>
-              <a:rPr lang="en-US" dirty="0"/>
-              <a:t>/blogs/compute/running-executables-in-</a:t>
-            </a:r>
-            <a:r>
-              <a:rPr lang="en-US" dirty="0" err="1"/>
-              <a:t>aws</a:t>
-            </a:r>
-            <a:r>
-              <a:rPr lang="en-US" dirty="0"/>
-              <a:t>-lambda/</a:t>
-            </a:r>
-          </a:p>
-        </p:txBody>
-      </p:sp>
-    </p:spTree>
-    <p:extLst>
-      <p:ext uri="{BB962C8B-B14F-4D97-AF65-F5344CB8AC3E}">
-        <p14:creationId xmlns:p14="http://schemas.microsoft.com/office/powerpoint/2010/main" val="1532791319"/>
-      </p:ext>
-    </p:extLst>
-  </p:cSld>
-  <p:clrMapOvr>
-    <a:masterClrMapping/>
-  </p:clrMapOvr>
-  <p:timing>
-    <p:tnLst>
-      <p:par>
-        <p:cTn id="1" dur="indefinite" restart="never" nodeType="tmRoot"/>
       </p:par>
     </p:tnLst>
   </p:timing>

--- a/going-serverless-2017.pptx
+++ b/going-serverless-2017.pptx
@@ -8404,30 +8404,51 @@
             <a:endParaRPr lang="en-US" dirty="0" smtClean="0"/>
           </a:p>
           <a:p>
-            <a:r>
-              <a:rPr lang="en-US" dirty="0" smtClean="0"/>
-              <a:t>Sr. Manager Platform Services </a:t>
-            </a:r>
-            <a:r>
-              <a:rPr lang="mr-IN" dirty="0" smtClean="0"/>
-              <a:t>–</a:t>
-            </a:r>
-            <a:r>
-              <a:rPr lang="en-US" dirty="0" smtClean="0"/>
-              <a:t> Mapp Digital</a:t>
-            </a:r>
-          </a:p>
-          <a:p>
-            <a:r>
-              <a:rPr lang="en-US" dirty="0" smtClean="0"/>
-              <a:t>20+ years of application development and design</a:t>
-            </a:r>
-          </a:p>
-          <a:p>
-            <a:r>
-              <a:rPr lang="en-US" dirty="0" smtClean="0"/>
-              <a:t>“Learn it by doing it”</a:t>
-            </a:r>
+            <a:pPr lvl="1">
+              <a:buFont typeface="Arial" panose="020B0604020202020204" pitchFamily="34" charset="0"/>
+              <a:buChar char="•"/>
+            </a:pPr>
+            <a:r>
+              <a:rPr lang="en-US" dirty="0"/>
+              <a:t>20+ years of application </a:t>
+            </a:r>
+            <a:r>
+              <a:rPr lang="en-US" dirty="0" smtClean="0"/>
+              <a:t>design and development</a:t>
+            </a:r>
+            <a:endParaRPr lang="en-US" dirty="0"/>
+          </a:p>
+          <a:p>
+            <a:r>
+              <a:rPr lang="en-US" dirty="0" smtClean="0"/>
+              <a:t>Mapp Digital</a:t>
+            </a:r>
+          </a:p>
+          <a:p>
+            <a:pPr lvl="1"/>
+            <a:r>
+              <a:rPr lang="en-US" dirty="0" smtClean="0"/>
+              <a:t>Opinions and ideas</a:t>
+            </a:r>
+            <a:r>
+              <a:rPr lang="en-US" dirty="0"/>
+              <a:t> expressed are solely my own and do not express the views or opinions of </a:t>
+            </a:r>
+            <a:r>
+              <a:rPr lang="en-US" dirty="0" smtClean="0"/>
+              <a:t>my employer</a:t>
+            </a:r>
+          </a:p>
+          <a:p>
+            <a:r>
+              <a:rPr lang="en-US" dirty="0" smtClean="0"/>
+              <a:t>I’m </a:t>
+            </a:r>
+            <a:r>
+              <a:rPr lang="en-US" smtClean="0"/>
+              <a:t>learning everyday</a:t>
+            </a:r>
+            <a:endParaRPr lang="en-US" dirty="0" smtClean="0"/>
           </a:p>
         </p:txBody>
       </p:sp>

--- a/going-serverless-2017.pptx
+++ b/going-serverless-2017.pptx
@@ -8442,11 +8442,7 @@
           <a:p>
             <a:r>
               <a:rPr lang="en-US" dirty="0" smtClean="0"/>
-              <a:t>I’m </a:t>
-            </a:r>
-            <a:r>
-              <a:rPr lang="en-US" smtClean="0"/>
-              <a:t>learning everyday</a:t>
+              <a:t>I’m learning everyday</a:t>
             </a:r>
             <a:endParaRPr lang="en-US" dirty="0" smtClean="0"/>
           </a:p>
@@ -9489,7 +9485,13 @@
           <a:lstStyle/>
           <a:p>
             <a:r>
-              <a:rPr lang="en-US" dirty="0" err="1" smtClean="0"/>
+              <a:rPr lang="en-US" smtClean="0"/>
+              <a:t>API-Gateway</a:t>
+            </a:r>
+          </a:p>
+          <a:p>
+            <a:r>
+              <a:rPr lang="en-US" smtClean="0"/>
               <a:t>Cognito</a:t>
             </a:r>
             <a:endParaRPr lang="en-US" dirty="0" smtClean="0"/>

--- a/going-serverless-2017.pptx
+++ b/going-serverless-2017.pptx
@@ -8702,7 +8702,7 @@
         </p:nvGrpSpPr>
         <p:grpSpPr>
           <a:xfrm>
-            <a:off x="2779041" y="3055870"/>
+            <a:off x="5400992" y="2841875"/>
             <a:ext cx="825006" cy="836556"/>
             <a:chOff x="6022353" y="781542"/>
             <a:chExt cx="825006" cy="836556"/>
@@ -8788,7 +8788,7 @@
         </p:nvGrpSpPr>
         <p:grpSpPr>
           <a:xfrm>
-            <a:off x="4714284" y="3013843"/>
+            <a:off x="7227406" y="2727243"/>
             <a:ext cx="894752" cy="782848"/>
             <a:chOff x="381399" y="709817"/>
             <a:chExt cx="894752" cy="782848"/>
@@ -8868,8 +8868,8 @@
         </p:nvGrpSpPr>
         <p:grpSpPr>
           <a:xfrm>
-            <a:off x="6876963" y="3055514"/>
-            <a:ext cx="903457" cy="836912"/>
+            <a:off x="8690749" y="2727243"/>
+            <a:ext cx="1279221" cy="836912"/>
             <a:chOff x="2586019" y="709358"/>
             <a:chExt cx="903457" cy="836912"/>
           </a:xfrm>
@@ -8951,7 +8951,7 @@
         </p:nvGrpSpPr>
         <p:grpSpPr>
           <a:xfrm>
-            <a:off x="8632093" y="3316444"/>
+            <a:off x="10683537" y="2841875"/>
             <a:ext cx="780865" cy="996332"/>
             <a:chOff x="4320524" y="2416928"/>
             <a:chExt cx="780865" cy="996332"/>
@@ -9041,8 +9041,8 @@
         </p:nvSpPr>
         <p:spPr>
           <a:xfrm>
-            <a:off x="4347411" y="2794279"/>
-            <a:ext cx="5454315" cy="1857932"/>
+            <a:off x="6612947" y="2385874"/>
+            <a:ext cx="5258211" cy="2121958"/>
           </a:xfrm>
           <a:prstGeom prst="roundRect">
             <a:avLst>
@@ -9485,13 +9485,13 @@
           <a:lstStyle/>
           <a:p>
             <a:r>
-              <a:rPr lang="en-US" smtClean="0"/>
+              <a:rPr lang="en-US" dirty="0" smtClean="0"/>
               <a:t>API-Gateway</a:t>
             </a:r>
           </a:p>
           <a:p>
             <a:r>
-              <a:rPr lang="en-US" smtClean="0"/>
+              <a:rPr lang="en-US" dirty="0" err="1" smtClean="0"/>
               <a:t>Cognito</a:t>
             </a:r>
             <a:endParaRPr lang="en-US" dirty="0" smtClean="0"/>

--- a/going-serverless-2017.pptx
+++ b/going-serverless-2017.pptx
@@ -8595,8 +8595,19 @@
           <a:p>
             <a:r>
               <a:rPr lang="en-US" dirty="0" smtClean="0"/>
-              <a:t>Pretty much anything*</a:t>
-            </a:r>
+              <a:t>Pretty much anything </a:t>
+            </a:r>
+            <a:r>
+              <a:rPr lang="en-US" smtClean="0"/>
+              <a:t>within reason </a:t>
+            </a:r>
+            <a:r>
+              <a:rPr lang="en-US" smtClean="0">
+                <a:sym typeface="Wingdings"/>
+              </a:rPr>
+              <a:t></a:t>
+            </a:r>
+            <a:endParaRPr lang="en-US" dirty="0" smtClean="0"/>
           </a:p>
           <a:p>
             <a:pPr lvl="1"/>

--- a/going-serverless-2017.pptx
+++ b/going-serverless-2017.pptx
@@ -5,7 +5,7 @@
     <p:sldMasterId id="2147484390" r:id="rId1"/>
   </p:sldMasterIdLst>
   <p:notesMasterIdLst>
-    <p:notesMasterId r:id="rId32"/>
+    <p:notesMasterId r:id="rId33"/>
   </p:notesMasterIdLst>
   <p:sldIdLst>
     <p:sldId id="256" r:id="rId2"/>
@@ -20,24 +20,25 @@
     <p:sldId id="274" r:id="rId11"/>
     <p:sldId id="290" r:id="rId12"/>
     <p:sldId id="276" r:id="rId13"/>
-    <p:sldId id="283" r:id="rId14"/>
-    <p:sldId id="284" r:id="rId15"/>
-    <p:sldId id="285" r:id="rId16"/>
-    <p:sldId id="286" r:id="rId17"/>
-    <p:sldId id="287" r:id="rId18"/>
-    <p:sldId id="288" r:id="rId19"/>
-    <p:sldId id="293" r:id="rId20"/>
-    <p:sldId id="278" r:id="rId21"/>
-    <p:sldId id="277" r:id="rId22"/>
-    <p:sldId id="273" r:id="rId23"/>
-    <p:sldId id="275" r:id="rId24"/>
-    <p:sldId id="263" r:id="rId25"/>
-    <p:sldId id="269" r:id="rId26"/>
-    <p:sldId id="270" r:id="rId27"/>
-    <p:sldId id="271" r:id="rId28"/>
-    <p:sldId id="291" r:id="rId29"/>
-    <p:sldId id="289" r:id="rId30"/>
-    <p:sldId id="272" r:id="rId31"/>
+    <p:sldId id="294" r:id="rId14"/>
+    <p:sldId id="283" r:id="rId15"/>
+    <p:sldId id="284" r:id="rId16"/>
+    <p:sldId id="285" r:id="rId17"/>
+    <p:sldId id="286" r:id="rId18"/>
+    <p:sldId id="287" r:id="rId19"/>
+    <p:sldId id="288" r:id="rId20"/>
+    <p:sldId id="293" r:id="rId21"/>
+    <p:sldId id="278" r:id="rId22"/>
+    <p:sldId id="277" r:id="rId23"/>
+    <p:sldId id="273" r:id="rId24"/>
+    <p:sldId id="275" r:id="rId25"/>
+    <p:sldId id="263" r:id="rId26"/>
+    <p:sldId id="269" r:id="rId27"/>
+    <p:sldId id="270" r:id="rId28"/>
+    <p:sldId id="271" r:id="rId29"/>
+    <p:sldId id="291" r:id="rId30"/>
+    <p:sldId id="289" r:id="rId31"/>
+    <p:sldId id="272" r:id="rId32"/>
   </p:sldIdLst>
   <p:sldSz cx="12192000" cy="6858000"/>
   <p:notesSz cx="6858000" cy="9144000"/>
@@ -6144,6 +6145,799 @@
           <a:p>
             <a:r>
               <a:rPr lang="en-US" dirty="0" smtClean="0"/>
+              <a:t>AWS </a:t>
+            </a:r>
+            <a:br>
+              <a:rPr lang="en-US" dirty="0" smtClean="0"/>
+            </a:br>
+            <a:r>
+              <a:rPr lang="en-US" sz="2400" dirty="0" err="1" smtClean="0"/>
+              <a:t>Serverlesss</a:t>
+            </a:r>
+            <a:r>
+              <a:rPr lang="en-US" sz="2400" dirty="0" smtClean="0"/>
+              <a:t> pieces (some)</a:t>
+            </a:r>
+            <a:endParaRPr lang="en-US" sz="2400" dirty="0"/>
+          </a:p>
+        </p:txBody>
+      </p:sp>
+      <p:grpSp>
+        <p:nvGrpSpPr>
+          <p:cNvPr id="11" name="Group 10"/>
+          <p:cNvGrpSpPr/>
+          <p:nvPr/>
+        </p:nvGrpSpPr>
+        <p:grpSpPr>
+          <a:xfrm>
+            <a:off x="7783798" y="2506853"/>
+            <a:ext cx="825006" cy="836556"/>
+            <a:chOff x="5869953" y="629142"/>
+            <a:chExt cx="825006" cy="836556"/>
+          </a:xfrm>
+        </p:grpSpPr>
+        <p:pic>
+          <p:nvPicPr>
+            <p:cNvPr id="4" name="Picture 3"/>
+            <p:cNvPicPr>
+              <a:picLocks noChangeAspect="1"/>
+            </p:cNvPicPr>
+            <p:nvPr/>
+          </p:nvPicPr>
+          <p:blipFill>
+            <a:blip r:embed="rId2">
+              <a:extLst>
+                <a:ext uri="{28A0092B-C50C-407E-A947-70E740481C1C}">
+                  <a14:useLocalDpi xmlns:a14="http://schemas.microsoft.com/office/drawing/2010/main" val="0"/>
+                </a:ext>
+              </a:extLst>
+            </a:blip>
+            <a:stretch>
+              <a:fillRect/>
+            </a:stretch>
+          </p:blipFill>
+          <p:spPr>
+            <a:xfrm>
+              <a:off x="6010066" y="629142"/>
+              <a:ext cx="544781" cy="653737"/>
+            </a:xfrm>
+            <a:prstGeom prst="rect">
+              <a:avLst/>
+            </a:prstGeom>
+          </p:spPr>
+        </p:pic>
+        <p:sp>
+          <p:nvSpPr>
+            <p:cNvPr id="5" name="TextBox 4"/>
+            <p:cNvSpPr txBox="1"/>
+            <p:nvPr/>
+          </p:nvSpPr>
+          <p:spPr>
+            <a:xfrm>
+              <a:off x="5869953" y="1310066"/>
+              <a:ext cx="825006" cy="155632"/>
+            </a:xfrm>
+            <a:prstGeom prst="rect">
+              <a:avLst/>
+            </a:prstGeom>
+            <a:noFill/>
+          </p:spPr>
+          <p:txBody>
+            <a:bodyPr wrap="square" lIns="0" tIns="0" rIns="0" bIns="0" rtlCol="0" anchor="t">
+              <a:noAutofit/>
+            </a:bodyPr>
+            <a:lstStyle/>
+            <a:p>
+              <a:pPr algn="ctr"/>
+              <a:r>
+                <a:rPr lang="en-US" sz="1000" b="1" dirty="0" smtClean="0"/>
+                <a:t>AWS</a:t>
+              </a:r>
+            </a:p>
+            <a:p>
+              <a:pPr algn="ctr"/>
+              <a:r>
+                <a:rPr lang="en-US" sz="1000" b="1" dirty="0" smtClean="0"/>
+                <a:t>Lambda</a:t>
+              </a:r>
+              <a:endParaRPr lang="en-US" sz="1000" b="1" dirty="0"/>
+            </a:p>
+          </p:txBody>
+        </p:sp>
+      </p:grpSp>
+      <p:grpSp>
+        <p:nvGrpSpPr>
+          <p:cNvPr id="10" name="Group 9"/>
+          <p:cNvGrpSpPr/>
+          <p:nvPr/>
+        </p:nvGrpSpPr>
+        <p:grpSpPr>
+          <a:xfrm>
+            <a:off x="9050393" y="1305277"/>
+            <a:ext cx="731520" cy="806494"/>
+            <a:chOff x="7815746" y="709358"/>
+            <a:chExt cx="731520" cy="806494"/>
+          </a:xfrm>
+        </p:grpSpPr>
+        <p:pic>
+          <p:nvPicPr>
+            <p:cNvPr id="8" name="Picture 7"/>
+            <p:cNvPicPr>
+              <a:picLocks noChangeAspect="1"/>
+            </p:cNvPicPr>
+            <p:nvPr/>
+          </p:nvPicPr>
+          <p:blipFill>
+            <a:blip r:embed="rId3">
+              <a:extLst>
+                <a:ext uri="{28A0092B-C50C-407E-A947-70E740481C1C}">
+                  <a14:useLocalDpi xmlns:a14="http://schemas.microsoft.com/office/drawing/2010/main" val="0"/>
+                </a:ext>
+              </a:extLst>
+            </a:blip>
+            <a:stretch>
+              <a:fillRect/>
+            </a:stretch>
+          </p:blipFill>
+          <p:spPr>
+            <a:xfrm>
+              <a:off x="7919305" y="709358"/>
+              <a:ext cx="521367" cy="625640"/>
+            </a:xfrm>
+            <a:prstGeom prst="rect">
+              <a:avLst/>
+            </a:prstGeom>
+          </p:spPr>
+        </p:pic>
+        <p:sp>
+          <p:nvSpPr>
+            <p:cNvPr id="9" name="TextBox 8"/>
+            <p:cNvSpPr txBox="1"/>
+            <p:nvPr/>
+          </p:nvSpPr>
+          <p:spPr>
+            <a:xfrm>
+              <a:off x="7815746" y="1360220"/>
+              <a:ext cx="731520" cy="155632"/>
+            </a:xfrm>
+            <a:prstGeom prst="rect">
+              <a:avLst/>
+            </a:prstGeom>
+            <a:noFill/>
+          </p:spPr>
+          <p:txBody>
+            <a:bodyPr wrap="square" lIns="0" tIns="0" rIns="0" bIns="0" rtlCol="0" anchor="t">
+              <a:noAutofit/>
+            </a:bodyPr>
+            <a:lstStyle/>
+            <a:p>
+              <a:pPr algn="ctr"/>
+              <a:r>
+                <a:rPr lang="en-US" sz="1000" b="1" dirty="0" smtClean="0"/>
+                <a:t>Amazon</a:t>
+              </a:r>
+              <a:br>
+                <a:rPr lang="en-US" sz="1000" b="1" dirty="0" smtClean="0"/>
+              </a:br>
+              <a:r>
+                <a:rPr lang="en-US" sz="1000" b="1" dirty="0" smtClean="0"/>
+                <a:t>S3</a:t>
+              </a:r>
+              <a:endParaRPr lang="en-US" b="1" dirty="0"/>
+            </a:p>
+          </p:txBody>
+        </p:sp>
+      </p:grpSp>
+      <p:grpSp>
+        <p:nvGrpSpPr>
+          <p:cNvPr id="14" name="Group 13"/>
+          <p:cNvGrpSpPr/>
+          <p:nvPr/>
+        </p:nvGrpSpPr>
+        <p:grpSpPr>
+          <a:xfrm>
+            <a:off x="9886410" y="2539327"/>
+            <a:ext cx="894752" cy="806035"/>
+            <a:chOff x="365197" y="709817"/>
+            <a:chExt cx="894752" cy="806035"/>
+          </a:xfrm>
+        </p:grpSpPr>
+        <p:pic>
+          <p:nvPicPr>
+            <p:cNvPr id="12" name="Picture 11"/>
+            <p:cNvPicPr>
+              <a:picLocks noChangeAspect="1"/>
+            </p:cNvPicPr>
+            <p:nvPr/>
+          </p:nvPicPr>
+          <p:blipFill>
+            <a:blip r:embed="rId4">
+              <a:extLst>
+                <a:ext uri="{28A0092B-C50C-407E-A947-70E740481C1C}">
+                  <a14:useLocalDpi xmlns:a14="http://schemas.microsoft.com/office/drawing/2010/main" val="0"/>
+                </a:ext>
+              </a:extLst>
+            </a:blip>
+            <a:stretch>
+              <a:fillRect/>
+            </a:stretch>
+          </p:blipFill>
+          <p:spPr>
+            <a:xfrm>
+              <a:off x="540839" y="709817"/>
+              <a:ext cx="543466" cy="601994"/>
+            </a:xfrm>
+            <a:prstGeom prst="rect">
+              <a:avLst/>
+            </a:prstGeom>
+          </p:spPr>
+        </p:pic>
+        <p:sp>
+          <p:nvSpPr>
+            <p:cNvPr id="13" name="TextBox 12"/>
+            <p:cNvSpPr txBox="1"/>
+            <p:nvPr/>
+          </p:nvSpPr>
+          <p:spPr>
+            <a:xfrm>
+              <a:off x="365197" y="1360220"/>
+              <a:ext cx="894752" cy="155632"/>
+            </a:xfrm>
+            <a:prstGeom prst="rect">
+              <a:avLst/>
+            </a:prstGeom>
+            <a:noFill/>
+          </p:spPr>
+          <p:txBody>
+            <a:bodyPr wrap="square" lIns="0" tIns="0" rIns="0" bIns="0" rtlCol="0" anchor="t">
+              <a:noAutofit/>
+            </a:bodyPr>
+            <a:lstStyle/>
+            <a:p>
+              <a:pPr algn="ctr"/>
+              <a:r>
+                <a:rPr lang="en-US" sz="1000" b="1" dirty="0" smtClean="0"/>
+                <a:t>Amazon</a:t>
+              </a:r>
+              <a:br>
+                <a:rPr lang="en-US" sz="1000" b="1" dirty="0" smtClean="0"/>
+              </a:br>
+              <a:r>
+                <a:rPr lang="en-US" sz="1000" b="1" dirty="0" err="1" smtClean="0"/>
+                <a:t>DynamoDB</a:t>
+              </a:r>
+              <a:endParaRPr lang="en-US" b="1" dirty="0"/>
+            </a:p>
+          </p:txBody>
+        </p:sp>
+      </p:grpSp>
+      <p:grpSp>
+        <p:nvGrpSpPr>
+          <p:cNvPr id="17" name="Group 16"/>
+          <p:cNvGrpSpPr/>
+          <p:nvPr/>
+        </p:nvGrpSpPr>
+        <p:grpSpPr>
+          <a:xfrm>
+            <a:off x="8942860" y="3826848"/>
+            <a:ext cx="943550" cy="805093"/>
+            <a:chOff x="344931" y="710759"/>
+            <a:chExt cx="943550" cy="805093"/>
+          </a:xfrm>
+        </p:grpSpPr>
+        <p:pic>
+          <p:nvPicPr>
+            <p:cNvPr id="15" name="Picture 14"/>
+            <p:cNvPicPr>
+              <a:picLocks noChangeAspect="1"/>
+            </p:cNvPicPr>
+            <p:nvPr/>
+          </p:nvPicPr>
+          <p:blipFill>
+            <a:blip r:embed="rId5">
+              <a:extLst>
+                <a:ext uri="{28A0092B-C50C-407E-A947-70E740481C1C}">
+                  <a14:useLocalDpi xmlns:a14="http://schemas.microsoft.com/office/drawing/2010/main" val="0"/>
+                </a:ext>
+              </a:extLst>
+            </a:blip>
+            <a:stretch>
+              <a:fillRect/>
+            </a:stretch>
+          </p:blipFill>
+          <p:spPr>
+            <a:xfrm>
+              <a:off x="554044" y="710759"/>
+              <a:ext cx="525324" cy="596313"/>
+            </a:xfrm>
+            <a:prstGeom prst="rect">
+              <a:avLst/>
+            </a:prstGeom>
+          </p:spPr>
+        </p:pic>
+        <p:sp>
+          <p:nvSpPr>
+            <p:cNvPr id="16" name="TextBox 15"/>
+            <p:cNvSpPr txBox="1"/>
+            <p:nvPr/>
+          </p:nvSpPr>
+          <p:spPr>
+            <a:xfrm>
+              <a:off x="344931" y="1360404"/>
+              <a:ext cx="943550" cy="155448"/>
+            </a:xfrm>
+            <a:prstGeom prst="rect">
+              <a:avLst/>
+            </a:prstGeom>
+            <a:noFill/>
+          </p:spPr>
+          <p:txBody>
+            <a:bodyPr wrap="square" lIns="0" tIns="0" rIns="0" bIns="0" rtlCol="0" anchor="t">
+              <a:noAutofit/>
+            </a:bodyPr>
+            <a:lstStyle/>
+            <a:p>
+              <a:pPr algn="ctr"/>
+              <a:r>
+                <a:rPr lang="en-US" sz="1000" b="1" dirty="0"/>
+                <a:t>Amazon </a:t>
+              </a:r>
+              <a:r>
+                <a:rPr lang="en-US" sz="1000" b="1" dirty="0" err="1"/>
+                <a:t>CloudWatch</a:t>
+              </a:r>
+              <a:endParaRPr lang="en-US" sz="1000" b="1" dirty="0"/>
+            </a:p>
+          </p:txBody>
+        </p:sp>
+      </p:grpSp>
+      <p:grpSp>
+        <p:nvGrpSpPr>
+          <p:cNvPr id="20" name="Group 19"/>
+          <p:cNvGrpSpPr/>
+          <p:nvPr/>
+        </p:nvGrpSpPr>
+        <p:grpSpPr>
+          <a:xfrm>
+            <a:off x="6371019" y="1351608"/>
+            <a:ext cx="1005840" cy="823874"/>
+            <a:chOff x="2069495" y="691978"/>
+            <a:chExt cx="1005840" cy="823874"/>
+          </a:xfrm>
+        </p:grpSpPr>
+        <p:pic>
+          <p:nvPicPr>
+            <p:cNvPr id="18" name="Picture 17"/>
+            <p:cNvPicPr>
+              <a:picLocks noChangeAspect="1"/>
+            </p:cNvPicPr>
+            <p:nvPr/>
+          </p:nvPicPr>
+          <p:blipFill>
+            <a:blip r:embed="rId6">
+              <a:extLst>
+                <a:ext uri="{28A0092B-C50C-407E-A947-70E740481C1C}">
+                  <a14:useLocalDpi xmlns:a14="http://schemas.microsoft.com/office/drawing/2010/main" val="0"/>
+                </a:ext>
+              </a:extLst>
+            </a:blip>
+            <a:stretch>
+              <a:fillRect/>
+            </a:stretch>
+          </p:blipFill>
+          <p:spPr>
+            <a:xfrm>
+              <a:off x="2315368" y="691978"/>
+              <a:ext cx="514094" cy="635057"/>
+            </a:xfrm>
+            <a:prstGeom prst="rect">
+              <a:avLst/>
+            </a:prstGeom>
+          </p:spPr>
+        </p:pic>
+        <p:sp>
+          <p:nvSpPr>
+            <p:cNvPr id="19" name="TextBox 18"/>
+            <p:cNvSpPr txBox="1"/>
+            <p:nvPr/>
+          </p:nvSpPr>
+          <p:spPr>
+            <a:xfrm>
+              <a:off x="2069495" y="1360404"/>
+              <a:ext cx="1005840" cy="155448"/>
+            </a:xfrm>
+            <a:prstGeom prst="rect">
+              <a:avLst/>
+            </a:prstGeom>
+            <a:noFill/>
+          </p:spPr>
+          <p:txBody>
+            <a:bodyPr wrap="square" lIns="0" tIns="0" rIns="0" bIns="0" rtlCol="0" anchor="t">
+              <a:noAutofit/>
+            </a:bodyPr>
+            <a:lstStyle/>
+            <a:p>
+              <a:pPr algn="ctr"/>
+              <a:r>
+                <a:rPr lang="en-US" sz="1000" b="1" dirty="0" smtClean="0"/>
+                <a:t>AWS</a:t>
+              </a:r>
+              <a:br>
+                <a:rPr lang="en-US" sz="1000" b="1" dirty="0" smtClean="0"/>
+              </a:br>
+              <a:r>
+                <a:rPr lang="en-US" sz="1000" b="1" dirty="0" err="1" smtClean="0"/>
+                <a:t>CloudFormation</a:t>
+              </a:r>
+              <a:endParaRPr lang="en-US" sz="1000" b="1" dirty="0"/>
+            </a:p>
+          </p:txBody>
+        </p:sp>
+      </p:grpSp>
+      <p:grpSp>
+        <p:nvGrpSpPr>
+          <p:cNvPr id="23" name="Group 22"/>
+          <p:cNvGrpSpPr/>
+          <p:nvPr/>
+        </p:nvGrpSpPr>
+        <p:grpSpPr>
+          <a:xfrm>
+            <a:off x="5561264" y="2609508"/>
+            <a:ext cx="640080" cy="852832"/>
+            <a:chOff x="5827256" y="663020"/>
+            <a:chExt cx="640080" cy="852832"/>
+          </a:xfrm>
+        </p:grpSpPr>
+        <p:pic>
+          <p:nvPicPr>
+            <p:cNvPr id="21" name="Picture 20"/>
+            <p:cNvPicPr>
+              <a:picLocks noChangeAspect="1"/>
+            </p:cNvPicPr>
+            <p:nvPr/>
+          </p:nvPicPr>
+          <p:blipFill>
+            <a:blip r:embed="rId7">
+              <a:extLst>
+                <a:ext uri="{28A0092B-C50C-407E-A947-70E740481C1C}">
+                  <a14:useLocalDpi xmlns:a14="http://schemas.microsoft.com/office/drawing/2010/main" val="0"/>
+                </a:ext>
+              </a:extLst>
+            </a:blip>
+            <a:stretch>
+              <a:fillRect/>
+            </a:stretch>
+          </p:blipFill>
+          <p:spPr>
+            <a:xfrm>
+              <a:off x="5979445" y="663020"/>
+              <a:ext cx="335701" cy="636066"/>
+            </a:xfrm>
+            <a:prstGeom prst="rect">
+              <a:avLst/>
+            </a:prstGeom>
+          </p:spPr>
+        </p:pic>
+        <p:sp>
+          <p:nvSpPr>
+            <p:cNvPr id="22" name="TextBox 21"/>
+            <p:cNvSpPr txBox="1"/>
+            <p:nvPr/>
+          </p:nvSpPr>
+          <p:spPr>
+            <a:xfrm>
+              <a:off x="5827256" y="1360404"/>
+              <a:ext cx="640080" cy="155448"/>
+            </a:xfrm>
+            <a:prstGeom prst="rect">
+              <a:avLst/>
+            </a:prstGeom>
+            <a:noFill/>
+          </p:spPr>
+          <p:txBody>
+            <a:bodyPr wrap="square" lIns="0" tIns="0" rIns="0" bIns="0" rtlCol="0" anchor="t">
+              <a:noAutofit/>
+            </a:bodyPr>
+            <a:lstStyle/>
+            <a:p>
+              <a:pPr algn="ctr"/>
+              <a:r>
+                <a:rPr lang="en-US" sz="1000" b="1" dirty="0" smtClean="0"/>
+                <a:t>IAM</a:t>
+              </a:r>
+              <a:endParaRPr lang="en-US" sz="1000" b="1" dirty="0"/>
+            </a:p>
+          </p:txBody>
+        </p:sp>
+      </p:grpSp>
+      <p:grpSp>
+        <p:nvGrpSpPr>
+          <p:cNvPr id="28" name="Group 27"/>
+          <p:cNvGrpSpPr/>
+          <p:nvPr/>
+        </p:nvGrpSpPr>
+        <p:grpSpPr>
+          <a:xfrm>
+            <a:off x="6460356" y="3814297"/>
+            <a:ext cx="894752" cy="817644"/>
+            <a:chOff x="1415572" y="698208"/>
+            <a:chExt cx="894752" cy="817644"/>
+          </a:xfrm>
+        </p:grpSpPr>
+        <p:pic>
+          <p:nvPicPr>
+            <p:cNvPr id="24" name="Picture 23"/>
+            <p:cNvPicPr>
+              <a:picLocks noChangeAspect="1"/>
+            </p:cNvPicPr>
+            <p:nvPr/>
+          </p:nvPicPr>
+          <p:blipFill>
+            <a:blip r:embed="rId8">
+              <a:extLst>
+                <a:ext uri="{28A0092B-C50C-407E-A947-70E740481C1C}">
+                  <a14:useLocalDpi xmlns:a14="http://schemas.microsoft.com/office/drawing/2010/main" val="0"/>
+                </a:ext>
+              </a:extLst>
+            </a:blip>
+            <a:stretch>
+              <a:fillRect/>
+            </a:stretch>
+          </p:blipFill>
+          <p:spPr>
+            <a:xfrm>
+              <a:off x="1604198" y="698208"/>
+              <a:ext cx="519942" cy="623930"/>
+            </a:xfrm>
+            <a:prstGeom prst="rect">
+              <a:avLst/>
+            </a:prstGeom>
+          </p:spPr>
+        </p:pic>
+        <p:sp>
+          <p:nvSpPr>
+            <p:cNvPr id="25" name="TextBox 24"/>
+            <p:cNvSpPr txBox="1"/>
+            <p:nvPr/>
+          </p:nvSpPr>
+          <p:spPr>
+            <a:xfrm>
+              <a:off x="1415572" y="1360220"/>
+              <a:ext cx="894752" cy="155632"/>
+            </a:xfrm>
+            <a:prstGeom prst="rect">
+              <a:avLst/>
+            </a:prstGeom>
+            <a:noFill/>
+          </p:spPr>
+          <p:txBody>
+            <a:bodyPr wrap="square" lIns="0" tIns="0" rIns="0" bIns="0" rtlCol="0" anchor="t">
+              <a:noAutofit/>
+            </a:bodyPr>
+            <a:lstStyle/>
+            <a:p>
+              <a:pPr algn="ctr"/>
+              <a:r>
+                <a:rPr lang="en-US" sz="1000" b="1" dirty="0" smtClean="0"/>
+                <a:t>Amazon</a:t>
+              </a:r>
+              <a:br>
+                <a:rPr lang="en-US" sz="1000" b="1" dirty="0" smtClean="0"/>
+              </a:br>
+              <a:r>
+                <a:rPr lang="en-US" sz="1000" b="1" dirty="0" err="1" smtClean="0"/>
+                <a:t>Cognito</a:t>
+              </a:r>
+              <a:endParaRPr lang="en-US" b="1" dirty="0"/>
+            </a:p>
+          </p:txBody>
+        </p:sp>
+      </p:grpSp>
+      <p:grpSp>
+        <p:nvGrpSpPr>
+          <p:cNvPr id="29" name="Group 28"/>
+          <p:cNvGrpSpPr/>
+          <p:nvPr/>
+        </p:nvGrpSpPr>
+        <p:grpSpPr>
+          <a:xfrm>
+            <a:off x="7695093" y="559678"/>
+            <a:ext cx="894752" cy="826431"/>
+            <a:chOff x="362197" y="689421"/>
+            <a:chExt cx="894752" cy="826431"/>
+          </a:xfrm>
+        </p:grpSpPr>
+        <p:pic>
+          <p:nvPicPr>
+            <p:cNvPr id="26" name="Picture 25"/>
+            <p:cNvPicPr>
+              <a:picLocks noChangeAspect="1"/>
+            </p:cNvPicPr>
+            <p:nvPr/>
+          </p:nvPicPr>
+          <p:blipFill>
+            <a:blip r:embed="rId9">
+              <a:extLst>
+                <a:ext uri="{28A0092B-C50C-407E-A947-70E740481C1C}">
+                  <a14:useLocalDpi xmlns:a14="http://schemas.microsoft.com/office/drawing/2010/main" val="0"/>
+                </a:ext>
+              </a:extLst>
+            </a:blip>
+            <a:stretch>
+              <a:fillRect/>
+            </a:stretch>
+          </p:blipFill>
+          <p:spPr>
+            <a:xfrm>
+              <a:off x="549398" y="689421"/>
+              <a:ext cx="521366" cy="625640"/>
+            </a:xfrm>
+            <a:prstGeom prst="rect">
+              <a:avLst/>
+            </a:prstGeom>
+          </p:spPr>
+        </p:pic>
+        <p:sp>
+          <p:nvSpPr>
+            <p:cNvPr id="27" name="TextBox 26"/>
+            <p:cNvSpPr txBox="1"/>
+            <p:nvPr/>
+          </p:nvSpPr>
+          <p:spPr>
+            <a:xfrm>
+              <a:off x="362197" y="1360220"/>
+              <a:ext cx="894752" cy="155632"/>
+            </a:xfrm>
+            <a:prstGeom prst="rect">
+              <a:avLst/>
+            </a:prstGeom>
+            <a:noFill/>
+          </p:spPr>
+          <p:txBody>
+            <a:bodyPr wrap="square" lIns="0" tIns="0" rIns="0" bIns="0" rtlCol="0" anchor="t">
+              <a:noAutofit/>
+            </a:bodyPr>
+            <a:lstStyle/>
+            <a:p>
+              <a:pPr algn="ctr"/>
+              <a:r>
+                <a:rPr lang="en-US" sz="1000" b="1" dirty="0" smtClean="0"/>
+                <a:t>Amazon API Gateway*</a:t>
+              </a:r>
+              <a:endParaRPr lang="en-US" b="1" dirty="0"/>
+            </a:p>
+          </p:txBody>
+        </p:sp>
+      </p:grpSp>
+      <p:grpSp>
+        <p:nvGrpSpPr>
+          <p:cNvPr id="32" name="Group 31"/>
+          <p:cNvGrpSpPr/>
+          <p:nvPr/>
+        </p:nvGrpSpPr>
+        <p:grpSpPr>
+          <a:xfrm>
+            <a:off x="7882294" y="4962258"/>
+            <a:ext cx="822960" cy="1156941"/>
+            <a:chOff x="4170258" y="2717800"/>
+            <a:chExt cx="822960" cy="1156941"/>
+          </a:xfrm>
+        </p:grpSpPr>
+        <p:pic>
+          <p:nvPicPr>
+            <p:cNvPr id="30" name="Picture 29"/>
+            <p:cNvPicPr>
+              <a:picLocks noChangeAspect="1"/>
+            </p:cNvPicPr>
+            <p:nvPr/>
+          </p:nvPicPr>
+          <p:blipFill>
+            <a:blip r:embed="rId10">
+              <a:extLst>
+                <a:ext uri="{28A0092B-C50C-407E-A947-70E740481C1C}">
+                  <a14:useLocalDpi xmlns:a14="http://schemas.microsoft.com/office/drawing/2010/main" val="0"/>
+                </a:ext>
+              </a:extLst>
+            </a:blip>
+            <a:stretch>
+              <a:fillRect/>
+            </a:stretch>
+          </p:blipFill>
+          <p:spPr>
+            <a:xfrm>
+              <a:off x="4255520" y="2717800"/>
+              <a:ext cx="652436" cy="731519"/>
+            </a:xfrm>
+            <a:prstGeom prst="rect">
+              <a:avLst/>
+            </a:prstGeom>
+          </p:spPr>
+        </p:pic>
+        <p:sp>
+          <p:nvSpPr>
+            <p:cNvPr id="31" name="TextBox 30"/>
+            <p:cNvSpPr txBox="1"/>
+            <p:nvPr/>
+          </p:nvSpPr>
+          <p:spPr>
+            <a:xfrm>
+              <a:off x="4170258" y="3554701"/>
+              <a:ext cx="822960" cy="320040"/>
+            </a:xfrm>
+            <a:prstGeom prst="rect">
+              <a:avLst/>
+            </a:prstGeom>
+            <a:noFill/>
+          </p:spPr>
+          <p:txBody>
+            <a:bodyPr wrap="none" lIns="0" tIns="0" rIns="0" bIns="0" rtlCol="0" anchor="t">
+              <a:noAutofit/>
+            </a:bodyPr>
+            <a:lstStyle/>
+            <a:p>
+              <a:pPr algn="ctr"/>
+              <a:r>
+                <a:rPr lang="en-US" sz="1100" dirty="0" smtClean="0">
+                  <a:latin typeface="Helvetica Neue"/>
+                  <a:cs typeface="Helvetica Neue"/>
+                </a:rPr>
+                <a:t>AWS CLI</a:t>
+              </a:r>
+              <a:endParaRPr lang="en-US" sz="1100" dirty="0">
+                <a:latin typeface="Helvetica Neue"/>
+                <a:cs typeface="Helvetica Neue"/>
+              </a:endParaRPr>
+            </a:p>
+          </p:txBody>
+        </p:sp>
+      </p:grpSp>
+    </p:spTree>
+    <p:extLst>
+      <p:ext uri="{BB962C8B-B14F-4D97-AF65-F5344CB8AC3E}">
+        <p14:creationId xmlns:p14="http://schemas.microsoft.com/office/powerpoint/2010/main" val="1083892659"/>
+      </p:ext>
+    </p:extLst>
+  </p:cSld>
+  <p:clrMapOvr>
+    <a:masterClrMapping/>
+  </p:clrMapOvr>
+</p:sld>
+</file>
+
+<file path=ppt/slides/slide14.xml><?xml version="1.0" encoding="utf-8"?>
+<p:sld xmlns:a="http://schemas.openxmlformats.org/drawingml/2006/main" xmlns:r="http://schemas.openxmlformats.org/officeDocument/2006/relationships" xmlns:p="http://schemas.openxmlformats.org/presentationml/2006/main">
+  <p:cSld>
+    <p:spTree>
+      <p:nvGrpSpPr>
+        <p:cNvPr id="1" name=""/>
+        <p:cNvGrpSpPr/>
+        <p:nvPr/>
+      </p:nvGrpSpPr>
+      <p:grpSpPr>
+        <a:xfrm>
+          <a:off x="0" y="0"/>
+          <a:ext cx="0" cy="0"/>
+          <a:chOff x="0" y="0"/>
+          <a:chExt cx="0" cy="0"/>
+        </a:xfrm>
+      </p:grpSpPr>
+      <p:sp>
+        <p:nvSpPr>
+          <p:cNvPr id="2" name="Title 1"/>
+          <p:cNvSpPr>
+            <a:spLocks noGrp="1"/>
+          </p:cNvSpPr>
+          <p:nvPr>
+            <p:ph type="title"/>
+          </p:nvPr>
+        </p:nvSpPr>
+        <p:spPr/>
+        <p:txBody>
+          <a:bodyPr/>
+          <a:lstStyle/>
+          <a:p>
+            <a:r>
+              <a:rPr lang="en-US" dirty="0" smtClean="0"/>
               <a:t>Patterns</a:t>
             </a:r>
             <a:br>
@@ -6224,7 +7018,7 @@
 </p:sld>
 </file>
 
-<file path=ppt/slides/slide14.xml><?xml version="1.0" encoding="utf-8"?>
+<file path=ppt/slides/slide15.xml><?xml version="1.0" encoding="utf-8"?>
 <p:sld xmlns:a="http://schemas.openxmlformats.org/drawingml/2006/main" xmlns:r="http://schemas.openxmlformats.org/officeDocument/2006/relationships" xmlns:p="http://schemas.openxmlformats.org/presentationml/2006/main">
   <p:cSld>
     <p:spTree>
@@ -6954,7 +7748,7 @@
 </p:sld>
 </file>
 
-<file path=ppt/slides/slide15.xml><?xml version="1.0" encoding="utf-8"?>
+<file path=ppt/slides/slide16.xml><?xml version="1.0" encoding="utf-8"?>
 <p:sld xmlns:a="http://schemas.openxmlformats.org/drawingml/2006/main" xmlns:r="http://schemas.openxmlformats.org/officeDocument/2006/relationships" xmlns:p="http://schemas.openxmlformats.org/presentationml/2006/main">
   <p:cSld>
     <p:spTree>
@@ -7873,78 +8667,6 @@
 </p:sld>
 </file>
 
-<file path=ppt/slides/slide16.xml><?xml version="1.0" encoding="utf-8"?>
-<p:sld xmlns:a="http://schemas.openxmlformats.org/drawingml/2006/main" xmlns:r="http://schemas.openxmlformats.org/officeDocument/2006/relationships" xmlns:p="http://schemas.openxmlformats.org/presentationml/2006/main">
-  <p:cSld>
-    <p:spTree>
-      <p:nvGrpSpPr>
-        <p:cNvPr id="1" name=""/>
-        <p:cNvGrpSpPr/>
-        <p:nvPr/>
-      </p:nvGrpSpPr>
-      <p:grpSpPr>
-        <a:xfrm>
-          <a:off x="0" y="0"/>
-          <a:ext cx="0" cy="0"/>
-          <a:chOff x="0" y="0"/>
-          <a:chExt cx="0" cy="0"/>
-        </a:xfrm>
-      </p:grpSpPr>
-      <p:sp>
-        <p:nvSpPr>
-          <p:cNvPr id="2" name="Title 1"/>
-          <p:cNvSpPr>
-            <a:spLocks noGrp="1"/>
-          </p:cNvSpPr>
-          <p:nvPr>
-            <p:ph type="title"/>
-          </p:nvPr>
-        </p:nvSpPr>
-        <p:spPr/>
-        <p:txBody>
-          <a:bodyPr/>
-          <a:lstStyle/>
-          <a:p>
-            <a:r>
-              <a:rPr lang="en-US" dirty="0" smtClean="0"/>
-              <a:t>Stream Processing</a:t>
-            </a:r>
-            <a:endParaRPr lang="en-US" dirty="0"/>
-          </a:p>
-        </p:txBody>
-      </p:sp>
-      <p:sp>
-        <p:nvSpPr>
-          <p:cNvPr id="3" name="Content Placeholder 2"/>
-          <p:cNvSpPr>
-            <a:spLocks noGrp="1"/>
-          </p:cNvSpPr>
-          <p:nvPr>
-            <p:ph idx="1"/>
-          </p:nvPr>
-        </p:nvSpPr>
-        <p:spPr/>
-        <p:txBody>
-          <a:bodyPr/>
-          <a:lstStyle/>
-          <a:p>
-            <a:endParaRPr lang="en-US"/>
-          </a:p>
-        </p:txBody>
-      </p:sp>
-    </p:spTree>
-    <p:extLst>
-      <p:ext uri="{BB962C8B-B14F-4D97-AF65-F5344CB8AC3E}">
-        <p14:creationId xmlns:p14="http://schemas.microsoft.com/office/powerpoint/2010/main" val="1454001785"/>
-      </p:ext>
-    </p:extLst>
-  </p:cSld>
-  <p:clrMapOvr>
-    <a:masterClrMapping/>
-  </p:clrMapOvr>
-</p:sld>
-</file>
-
 <file path=ppt/slides/slide17.xml><?xml version="1.0" encoding="utf-8"?>
 <p:sld xmlns:a="http://schemas.openxmlformats.org/drawingml/2006/main" xmlns:r="http://schemas.openxmlformats.org/officeDocument/2006/relationships" xmlns:p="http://schemas.openxmlformats.org/presentationml/2006/main">
   <p:cSld>
@@ -7979,7 +8701,7 @@
           <a:p>
             <a:r>
               <a:rPr lang="en-US" dirty="0" smtClean="0"/>
-              <a:t>Automation</a:t>
+              <a:t>Stream Processing</a:t>
             </a:r>
             <a:endParaRPr lang="en-US" dirty="0"/>
           </a:p>
@@ -8007,7 +8729,7 @@
     </p:spTree>
     <p:extLst>
       <p:ext uri="{BB962C8B-B14F-4D97-AF65-F5344CB8AC3E}">
-        <p14:creationId xmlns:p14="http://schemas.microsoft.com/office/powerpoint/2010/main" val="1191581282"/>
+        <p14:creationId xmlns:p14="http://schemas.microsoft.com/office/powerpoint/2010/main" val="1454001785"/>
       </p:ext>
     </p:extLst>
   </p:cSld>
@@ -8051,6 +8773,78 @@
           <a:p>
             <a:r>
               <a:rPr lang="en-US" dirty="0" smtClean="0"/>
+              <a:t>Automation</a:t>
+            </a:r>
+            <a:endParaRPr lang="en-US" dirty="0"/>
+          </a:p>
+        </p:txBody>
+      </p:sp>
+      <p:sp>
+        <p:nvSpPr>
+          <p:cNvPr id="3" name="Content Placeholder 2"/>
+          <p:cNvSpPr>
+            <a:spLocks noGrp="1"/>
+          </p:cNvSpPr>
+          <p:nvPr>
+            <p:ph idx="1"/>
+          </p:nvPr>
+        </p:nvSpPr>
+        <p:spPr/>
+        <p:txBody>
+          <a:bodyPr/>
+          <a:lstStyle/>
+          <a:p>
+            <a:endParaRPr lang="en-US"/>
+          </a:p>
+        </p:txBody>
+      </p:sp>
+    </p:spTree>
+    <p:extLst>
+      <p:ext uri="{BB962C8B-B14F-4D97-AF65-F5344CB8AC3E}">
+        <p14:creationId xmlns:p14="http://schemas.microsoft.com/office/powerpoint/2010/main" val="1191581282"/>
+      </p:ext>
+    </p:extLst>
+  </p:cSld>
+  <p:clrMapOvr>
+    <a:masterClrMapping/>
+  </p:clrMapOvr>
+</p:sld>
+</file>
+
+<file path=ppt/slides/slide19.xml><?xml version="1.0" encoding="utf-8"?>
+<p:sld xmlns:a="http://schemas.openxmlformats.org/drawingml/2006/main" xmlns:r="http://schemas.openxmlformats.org/officeDocument/2006/relationships" xmlns:p="http://schemas.openxmlformats.org/presentationml/2006/main">
+  <p:cSld>
+    <p:spTree>
+      <p:nvGrpSpPr>
+        <p:cNvPr id="1" name=""/>
+        <p:cNvGrpSpPr/>
+        <p:nvPr/>
+      </p:nvGrpSpPr>
+      <p:grpSpPr>
+        <a:xfrm>
+          <a:off x="0" y="0"/>
+          <a:ext cx="0" cy="0"/>
+          <a:chOff x="0" y="0"/>
+          <a:chExt cx="0" cy="0"/>
+        </a:xfrm>
+      </p:grpSpPr>
+      <p:sp>
+        <p:nvSpPr>
+          <p:cNvPr id="2" name="Title 1"/>
+          <p:cNvSpPr>
+            <a:spLocks noGrp="1"/>
+          </p:cNvSpPr>
+          <p:nvPr>
+            <p:ph type="title"/>
+          </p:nvPr>
+        </p:nvSpPr>
+        <p:spPr/>
+        <p:txBody>
+          <a:bodyPr/>
+          <a:lstStyle/>
+          <a:p>
+            <a:r>
+              <a:rPr lang="en-US" dirty="0" smtClean="0"/>
               <a:t>AWS Cost</a:t>
             </a:r>
             <a:r>
@@ -8242,7 +9036,140 @@
 </p:sld>
 </file>
 
-<file path=ppt/slides/slide19.xml><?xml version="1.0" encoding="utf-8"?>
+<file path=ppt/slides/slide2.xml><?xml version="1.0" encoding="utf-8"?>
+<p:sld xmlns:a="http://schemas.openxmlformats.org/drawingml/2006/main" xmlns:r="http://schemas.openxmlformats.org/officeDocument/2006/relationships" xmlns:p="http://schemas.openxmlformats.org/presentationml/2006/main">
+  <p:cSld>
+    <p:spTree>
+      <p:nvGrpSpPr>
+        <p:cNvPr id="1" name=""/>
+        <p:cNvGrpSpPr/>
+        <p:nvPr/>
+      </p:nvGrpSpPr>
+      <p:grpSpPr>
+        <a:xfrm>
+          <a:off x="0" y="0"/>
+          <a:ext cx="0" cy="0"/>
+          <a:chOff x="0" y="0"/>
+          <a:chExt cx="0" cy="0"/>
+        </a:xfrm>
+      </p:grpSpPr>
+      <p:sp>
+        <p:nvSpPr>
+          <p:cNvPr id="2" name="Title 1"/>
+          <p:cNvSpPr>
+            <a:spLocks noGrp="1"/>
+          </p:cNvSpPr>
+          <p:nvPr>
+            <p:ph type="title"/>
+          </p:nvPr>
+        </p:nvSpPr>
+        <p:spPr/>
+        <p:txBody>
+          <a:bodyPr/>
+          <a:lstStyle/>
+          <a:p>
+            <a:r>
+              <a:rPr lang="en-US" dirty="0" smtClean="0"/>
+              <a:t>bio</a:t>
+            </a:r>
+            <a:endParaRPr lang="en-US" dirty="0"/>
+          </a:p>
+        </p:txBody>
+      </p:sp>
+      <p:sp>
+        <p:nvSpPr>
+          <p:cNvPr id="3" name="Content Placeholder 2"/>
+          <p:cNvSpPr>
+            <a:spLocks noGrp="1"/>
+          </p:cNvSpPr>
+          <p:nvPr>
+            <p:ph idx="1"/>
+          </p:nvPr>
+        </p:nvSpPr>
+        <p:spPr/>
+        <p:txBody>
+          <a:bodyPr/>
+          <a:lstStyle/>
+          <a:p>
+            <a:r>
+              <a:rPr lang="en-US" dirty="0" smtClean="0"/>
+              <a:t>Adrian Pomilio</a:t>
+            </a:r>
+          </a:p>
+          <a:p>
+            <a:r>
+              <a:rPr lang="en-US" dirty="0" err="1" smtClean="0"/>
+              <a:t>Github</a:t>
+            </a:r>
+            <a:r>
+              <a:rPr lang="en-US" dirty="0" smtClean="0"/>
+              <a:t>/Twitter : </a:t>
+            </a:r>
+            <a:r>
+              <a:rPr lang="en-US" dirty="0" err="1" smtClean="0"/>
+              <a:t>adrianpomilio</a:t>
+            </a:r>
+            <a:endParaRPr lang="en-US" dirty="0" smtClean="0"/>
+          </a:p>
+          <a:p>
+            <a:pPr lvl="1">
+              <a:buFont typeface="Arial" panose="020B0604020202020204" pitchFamily="34" charset="0"/>
+              <a:buChar char="•"/>
+            </a:pPr>
+            <a:r>
+              <a:rPr lang="en-US" dirty="0"/>
+              <a:t>20+ years of application </a:t>
+            </a:r>
+            <a:r>
+              <a:rPr lang="en-US" dirty="0" smtClean="0"/>
+              <a:t>design and development</a:t>
+            </a:r>
+            <a:endParaRPr lang="en-US" dirty="0"/>
+          </a:p>
+          <a:p>
+            <a:r>
+              <a:rPr lang="en-US" dirty="0" smtClean="0"/>
+              <a:t>Mapp Digital</a:t>
+            </a:r>
+          </a:p>
+          <a:p>
+            <a:pPr lvl="1"/>
+            <a:r>
+              <a:rPr lang="en-US" dirty="0" smtClean="0"/>
+              <a:t>Opinions and ideas</a:t>
+            </a:r>
+            <a:r>
+              <a:rPr lang="en-US" dirty="0"/>
+              <a:t> expressed are solely my own and do not express the views or opinions of </a:t>
+            </a:r>
+            <a:r>
+              <a:rPr lang="en-US" dirty="0" smtClean="0"/>
+              <a:t>my employer</a:t>
+            </a:r>
+          </a:p>
+          <a:p>
+            <a:r>
+              <a:rPr lang="en-US" dirty="0" smtClean="0"/>
+              <a:t>I’m learning everyday</a:t>
+            </a:r>
+            <a:endParaRPr lang="en-US" dirty="0" smtClean="0"/>
+          </a:p>
+        </p:txBody>
+      </p:sp>
+    </p:spTree>
+    <p:extLst>
+      <p:ext uri="{BB962C8B-B14F-4D97-AF65-F5344CB8AC3E}">
+        <p14:creationId xmlns:p14="http://schemas.microsoft.com/office/powerpoint/2010/main" val="1780265973"/>
+      </p:ext>
+    </p:extLst>
+  </p:cSld>
+  <p:clrMapOvr>
+    <a:masterClrMapping/>
+  </p:clrMapOvr>
+</p:sld>
+</file>
+
+<file path=ppt/slides/slide20.xml><?xml version="1.0" encoding="utf-8"?>
 <p:sld xmlns:a="http://schemas.openxmlformats.org/drawingml/2006/main" xmlns:r="http://schemas.openxmlformats.org/officeDocument/2006/relationships" xmlns:p="http://schemas.openxmlformats.org/presentationml/2006/main">
   <p:cSld>
     <p:spTree>
@@ -8328,7 +9255,7 @@
 </p:sld>
 </file>
 
-<file path=ppt/slides/slide2.xml><?xml version="1.0" encoding="utf-8"?>
+<file path=ppt/slides/slide21.xml><?xml version="1.0" encoding="utf-8"?>
 <p:sld xmlns:a="http://schemas.openxmlformats.org/drawingml/2006/main" xmlns:r="http://schemas.openxmlformats.org/officeDocument/2006/relationships" xmlns:p="http://schemas.openxmlformats.org/presentationml/2006/main">
   <p:cSld>
     <p:spTree>
@@ -8362,9 +9289,16 @@
           <a:p>
             <a:r>
               <a:rPr lang="en-US" dirty="0" smtClean="0"/>
-              <a:t>bio</a:t>
-            </a:r>
-            <a:endParaRPr lang="en-US" dirty="0"/>
+              <a:t>Lambda</a:t>
+            </a:r>
+            <a:br>
+              <a:rPr lang="en-US" dirty="0" smtClean="0"/>
+            </a:br>
+            <a:r>
+              <a:rPr lang="en-US" sz="2400" dirty="0" smtClean="0"/>
+              <a:t>language/runtime support</a:t>
+            </a:r>
+            <a:endParaRPr lang="en-US" sz="2400" dirty="0"/>
           </a:p>
         </p:txBody>
       </p:sp>
@@ -8384,146 +9318,6 @@
           <a:lstStyle/>
           <a:p>
             <a:r>
-              <a:rPr lang="en-US" dirty="0" smtClean="0"/>
-              <a:t>Adrian Pomilio</a:t>
-            </a:r>
-          </a:p>
-          <a:p>
-            <a:r>
-              <a:rPr lang="en-US" dirty="0" err="1" smtClean="0"/>
-              <a:t>Github</a:t>
-            </a:r>
-            <a:r>
-              <a:rPr lang="en-US" dirty="0" smtClean="0"/>
-              <a:t>/Twitter : </a:t>
-            </a:r>
-            <a:r>
-              <a:rPr lang="en-US" dirty="0" err="1" smtClean="0"/>
-              <a:t>adrianpomilio</a:t>
-            </a:r>
-            <a:endParaRPr lang="en-US" dirty="0" smtClean="0"/>
-          </a:p>
-          <a:p>
-            <a:pPr lvl="1">
-              <a:buFont typeface="Arial" panose="020B0604020202020204" pitchFamily="34" charset="0"/>
-              <a:buChar char="•"/>
-            </a:pPr>
-            <a:r>
-              <a:rPr lang="en-US" dirty="0"/>
-              <a:t>20+ years of application </a:t>
-            </a:r>
-            <a:r>
-              <a:rPr lang="en-US" dirty="0" smtClean="0"/>
-              <a:t>design and development</a:t>
-            </a:r>
-            <a:endParaRPr lang="en-US" dirty="0"/>
-          </a:p>
-          <a:p>
-            <a:r>
-              <a:rPr lang="en-US" dirty="0" smtClean="0"/>
-              <a:t>Mapp Digital</a:t>
-            </a:r>
-          </a:p>
-          <a:p>
-            <a:pPr lvl="1"/>
-            <a:r>
-              <a:rPr lang="en-US" dirty="0" smtClean="0"/>
-              <a:t>Opinions and ideas</a:t>
-            </a:r>
-            <a:r>
-              <a:rPr lang="en-US" dirty="0"/>
-              <a:t> expressed are solely my own and do not express the views or opinions of </a:t>
-            </a:r>
-            <a:r>
-              <a:rPr lang="en-US" dirty="0" smtClean="0"/>
-              <a:t>my employer</a:t>
-            </a:r>
-          </a:p>
-          <a:p>
-            <a:r>
-              <a:rPr lang="en-US" dirty="0" smtClean="0"/>
-              <a:t>I’m learning everyday</a:t>
-            </a:r>
-            <a:endParaRPr lang="en-US" dirty="0" smtClean="0"/>
-          </a:p>
-        </p:txBody>
-      </p:sp>
-    </p:spTree>
-    <p:extLst>
-      <p:ext uri="{BB962C8B-B14F-4D97-AF65-F5344CB8AC3E}">
-        <p14:creationId xmlns:p14="http://schemas.microsoft.com/office/powerpoint/2010/main" val="1780265973"/>
-      </p:ext>
-    </p:extLst>
-  </p:cSld>
-  <p:clrMapOvr>
-    <a:masterClrMapping/>
-  </p:clrMapOvr>
-</p:sld>
-</file>
-
-<file path=ppt/slides/slide20.xml><?xml version="1.0" encoding="utf-8"?>
-<p:sld xmlns:a="http://schemas.openxmlformats.org/drawingml/2006/main" xmlns:r="http://schemas.openxmlformats.org/officeDocument/2006/relationships" xmlns:p="http://schemas.openxmlformats.org/presentationml/2006/main">
-  <p:cSld>
-    <p:spTree>
-      <p:nvGrpSpPr>
-        <p:cNvPr id="1" name=""/>
-        <p:cNvGrpSpPr/>
-        <p:nvPr/>
-      </p:nvGrpSpPr>
-      <p:grpSpPr>
-        <a:xfrm>
-          <a:off x="0" y="0"/>
-          <a:ext cx="0" cy="0"/>
-          <a:chOff x="0" y="0"/>
-          <a:chExt cx="0" cy="0"/>
-        </a:xfrm>
-      </p:grpSpPr>
-      <p:sp>
-        <p:nvSpPr>
-          <p:cNvPr id="2" name="Title 1"/>
-          <p:cNvSpPr>
-            <a:spLocks noGrp="1"/>
-          </p:cNvSpPr>
-          <p:nvPr>
-            <p:ph type="title"/>
-          </p:nvPr>
-        </p:nvSpPr>
-        <p:spPr/>
-        <p:txBody>
-          <a:bodyPr/>
-          <a:lstStyle/>
-          <a:p>
-            <a:r>
-              <a:rPr lang="en-US" dirty="0" smtClean="0"/>
-              <a:t>Lambda</a:t>
-            </a:r>
-            <a:br>
-              <a:rPr lang="en-US" dirty="0" smtClean="0"/>
-            </a:br>
-            <a:r>
-              <a:rPr lang="en-US" sz="2400" dirty="0" smtClean="0"/>
-              <a:t>language/runtime support</a:t>
-            </a:r>
-            <a:endParaRPr lang="en-US" sz="2400" dirty="0"/>
-          </a:p>
-        </p:txBody>
-      </p:sp>
-      <p:sp>
-        <p:nvSpPr>
-          <p:cNvPr id="3" name="Content Placeholder 2"/>
-          <p:cNvSpPr>
-            <a:spLocks noGrp="1"/>
-          </p:cNvSpPr>
-          <p:nvPr>
-            <p:ph idx="1"/>
-          </p:nvPr>
-        </p:nvSpPr>
-        <p:spPr/>
-        <p:txBody>
-          <a:bodyPr/>
-          <a:lstStyle/>
-          <a:p>
-            <a:r>
               <a:rPr lang="en-US" dirty="0" err="1" smtClean="0"/>
               <a:t>NodeJS</a:t>
             </a:r>
@@ -8595,14 +9389,10 @@
           <a:p>
             <a:r>
               <a:rPr lang="en-US" dirty="0" smtClean="0"/>
-              <a:t>Pretty much anything </a:t>
-            </a:r>
-            <a:r>
-              <a:rPr lang="en-US" smtClean="0"/>
-              <a:t>within reason </a:t>
-            </a:r>
-            <a:r>
-              <a:rPr lang="en-US" smtClean="0">
+              <a:t>Pretty much anything within reason </a:t>
+            </a:r>
+            <a:r>
+              <a:rPr lang="en-US" dirty="0" smtClean="0">
                 <a:sym typeface="Wingdings"/>
               </a:rPr>
               <a:t></a:t>
@@ -8654,7 +9444,7 @@
 </p:sld>
 </file>
 
-<file path=ppt/slides/slide21.xml><?xml version="1.0" encoding="utf-8"?>
+<file path=ppt/slides/slide22.xml><?xml version="1.0" encoding="utf-8"?>
 <p:sld xmlns:a="http://schemas.openxmlformats.org/drawingml/2006/main" xmlns:r="http://schemas.openxmlformats.org/officeDocument/2006/relationships" xmlns:p="http://schemas.openxmlformats.org/presentationml/2006/main">
   <p:cSld>
     <p:spTree>
@@ -9284,7 +10074,7 @@
 </p:sld>
 </file>
 
-<file path=ppt/slides/slide22.xml><?xml version="1.0" encoding="utf-8"?>
+<file path=ppt/slides/slide23.xml><?xml version="1.0" encoding="utf-8"?>
 <p:sld xmlns:a="http://schemas.openxmlformats.org/drawingml/2006/main" xmlns:r="http://schemas.openxmlformats.org/officeDocument/2006/relationships" xmlns:p="http://schemas.openxmlformats.org/presentationml/2006/main">
   <p:cSld>
     <p:spTree>
@@ -9440,114 +10230,6 @@
 </p:sld>
 </file>
 
-<file path=ppt/slides/slide23.xml><?xml version="1.0" encoding="utf-8"?>
-<p:sld xmlns:a="http://schemas.openxmlformats.org/drawingml/2006/main" xmlns:r="http://schemas.openxmlformats.org/officeDocument/2006/relationships" xmlns:p="http://schemas.openxmlformats.org/presentationml/2006/main">
-  <p:cSld>
-    <p:spTree>
-      <p:nvGrpSpPr>
-        <p:cNvPr id="1" name=""/>
-        <p:cNvGrpSpPr/>
-        <p:nvPr/>
-      </p:nvGrpSpPr>
-      <p:grpSpPr>
-        <a:xfrm>
-          <a:off x="0" y="0"/>
-          <a:ext cx="0" cy="0"/>
-          <a:chOff x="0" y="0"/>
-          <a:chExt cx="0" cy="0"/>
-        </a:xfrm>
-      </p:grpSpPr>
-      <p:sp>
-        <p:nvSpPr>
-          <p:cNvPr id="2" name="Title 1"/>
-          <p:cNvSpPr>
-            <a:spLocks noGrp="1"/>
-          </p:cNvSpPr>
-          <p:nvPr>
-            <p:ph type="title"/>
-          </p:nvPr>
-        </p:nvSpPr>
-        <p:spPr/>
-        <p:txBody>
-          <a:bodyPr/>
-          <a:lstStyle/>
-          <a:p>
-            <a:r>
-              <a:rPr lang="en-US" dirty="0" smtClean="0"/>
-              <a:t>Services</a:t>
-            </a:r>
-            <a:endParaRPr lang="en-US" dirty="0"/>
-          </a:p>
-        </p:txBody>
-      </p:sp>
-      <p:sp>
-        <p:nvSpPr>
-          <p:cNvPr id="3" name="Content Placeholder 2"/>
-          <p:cNvSpPr>
-            <a:spLocks noGrp="1"/>
-          </p:cNvSpPr>
-          <p:nvPr>
-            <p:ph idx="1"/>
-          </p:nvPr>
-        </p:nvSpPr>
-        <p:spPr/>
-        <p:txBody>
-          <a:bodyPr/>
-          <a:lstStyle/>
-          <a:p>
-            <a:r>
-              <a:rPr lang="en-US" dirty="0" smtClean="0"/>
-              <a:t>API-Gateway</a:t>
-            </a:r>
-          </a:p>
-          <a:p>
-            <a:r>
-              <a:rPr lang="en-US" dirty="0" err="1" smtClean="0"/>
-              <a:t>Cognito</a:t>
-            </a:r>
-            <a:endParaRPr lang="en-US" dirty="0" smtClean="0"/>
-          </a:p>
-          <a:p>
-            <a:r>
-              <a:rPr lang="en-US" dirty="0" smtClean="0"/>
-              <a:t>S3</a:t>
-            </a:r>
-          </a:p>
-          <a:p>
-            <a:r>
-              <a:rPr lang="en-US" dirty="0" smtClean="0"/>
-              <a:t>SNS</a:t>
-            </a:r>
-          </a:p>
-          <a:p>
-            <a:r>
-              <a:rPr lang="en-US" dirty="0" err="1" smtClean="0"/>
-              <a:t>Kinises</a:t>
-            </a:r>
-            <a:endParaRPr lang="en-US" dirty="0" smtClean="0"/>
-          </a:p>
-          <a:p>
-            <a:r>
-              <a:rPr lang="en-US" dirty="0" smtClean="0"/>
-              <a:t>Etc..</a:t>
-            </a:r>
-            <a:endParaRPr lang="en-US" dirty="0"/>
-          </a:p>
-        </p:txBody>
-      </p:sp>
-    </p:spTree>
-    <p:extLst>
-      <p:ext uri="{BB962C8B-B14F-4D97-AF65-F5344CB8AC3E}">
-        <p14:creationId xmlns:p14="http://schemas.microsoft.com/office/powerpoint/2010/main" val="2036119871"/>
-      </p:ext>
-    </p:extLst>
-  </p:cSld>
-  <p:clrMapOvr>
-    <a:masterClrMapping/>
-  </p:clrMapOvr>
-</p:sld>
-</file>
-
 <file path=ppt/slides/slide24.xml><?xml version="1.0" encoding="utf-8"?>
 <p:sld xmlns:a="http://schemas.openxmlformats.org/drawingml/2006/main" xmlns:r="http://schemas.openxmlformats.org/officeDocument/2006/relationships" xmlns:p="http://schemas.openxmlformats.org/presentationml/2006/main">
   <p:cSld>
@@ -9582,6 +10264,114 @@
           <a:p>
             <a:r>
               <a:rPr lang="en-US" dirty="0" smtClean="0"/>
+              <a:t>Services</a:t>
+            </a:r>
+            <a:endParaRPr lang="en-US" dirty="0"/>
+          </a:p>
+        </p:txBody>
+      </p:sp>
+      <p:sp>
+        <p:nvSpPr>
+          <p:cNvPr id="3" name="Content Placeholder 2"/>
+          <p:cNvSpPr>
+            <a:spLocks noGrp="1"/>
+          </p:cNvSpPr>
+          <p:nvPr>
+            <p:ph idx="1"/>
+          </p:nvPr>
+        </p:nvSpPr>
+        <p:spPr/>
+        <p:txBody>
+          <a:bodyPr/>
+          <a:lstStyle/>
+          <a:p>
+            <a:r>
+              <a:rPr lang="en-US" dirty="0" smtClean="0"/>
+              <a:t>API-Gateway</a:t>
+            </a:r>
+          </a:p>
+          <a:p>
+            <a:r>
+              <a:rPr lang="en-US" dirty="0" err="1" smtClean="0"/>
+              <a:t>Cognito</a:t>
+            </a:r>
+            <a:endParaRPr lang="en-US" dirty="0" smtClean="0"/>
+          </a:p>
+          <a:p>
+            <a:r>
+              <a:rPr lang="en-US" dirty="0" smtClean="0"/>
+              <a:t>S3</a:t>
+            </a:r>
+          </a:p>
+          <a:p>
+            <a:r>
+              <a:rPr lang="en-US" dirty="0" smtClean="0"/>
+              <a:t>SNS</a:t>
+            </a:r>
+          </a:p>
+          <a:p>
+            <a:r>
+              <a:rPr lang="en-US" dirty="0" err="1" smtClean="0"/>
+              <a:t>Kinises</a:t>
+            </a:r>
+            <a:endParaRPr lang="en-US" dirty="0" smtClean="0"/>
+          </a:p>
+          <a:p>
+            <a:r>
+              <a:rPr lang="en-US" dirty="0" smtClean="0"/>
+              <a:t>Etc..</a:t>
+            </a:r>
+            <a:endParaRPr lang="en-US" dirty="0"/>
+          </a:p>
+        </p:txBody>
+      </p:sp>
+    </p:spTree>
+    <p:extLst>
+      <p:ext uri="{BB962C8B-B14F-4D97-AF65-F5344CB8AC3E}">
+        <p14:creationId xmlns:p14="http://schemas.microsoft.com/office/powerpoint/2010/main" val="2036119871"/>
+      </p:ext>
+    </p:extLst>
+  </p:cSld>
+  <p:clrMapOvr>
+    <a:masterClrMapping/>
+  </p:clrMapOvr>
+</p:sld>
+</file>
+
+<file path=ppt/slides/slide25.xml><?xml version="1.0" encoding="utf-8"?>
+<p:sld xmlns:a="http://schemas.openxmlformats.org/drawingml/2006/main" xmlns:r="http://schemas.openxmlformats.org/officeDocument/2006/relationships" xmlns:p="http://schemas.openxmlformats.org/presentationml/2006/main">
+  <p:cSld>
+    <p:spTree>
+      <p:nvGrpSpPr>
+        <p:cNvPr id="1" name=""/>
+        <p:cNvGrpSpPr/>
+        <p:nvPr/>
+      </p:nvGrpSpPr>
+      <p:grpSpPr>
+        <a:xfrm>
+          <a:off x="0" y="0"/>
+          <a:ext cx="0" cy="0"/>
+          <a:chOff x="0" y="0"/>
+          <a:chExt cx="0" cy="0"/>
+        </a:xfrm>
+      </p:grpSpPr>
+      <p:sp>
+        <p:nvSpPr>
+          <p:cNvPr id="2" name="Title 1"/>
+          <p:cNvSpPr>
+            <a:spLocks noGrp="1"/>
+          </p:cNvSpPr>
+          <p:nvPr>
+            <p:ph type="title"/>
+          </p:nvPr>
+        </p:nvSpPr>
+        <p:spPr/>
+        <p:txBody>
+          <a:bodyPr/>
+          <a:lstStyle/>
+          <a:p>
+            <a:r>
+              <a:rPr lang="en-US" dirty="0" smtClean="0"/>
               <a:t>How to</a:t>
             </a:r>
             <a:endParaRPr lang="en-US" dirty="0"/>
@@ -9635,7 +10425,7 @@
 </p:sld>
 </file>
 
-<file path=ppt/slides/slide25.xml><?xml version="1.0" encoding="utf-8"?>
+<file path=ppt/slides/slide26.xml><?xml version="1.0" encoding="utf-8"?>
 <p:sld xmlns:a="http://schemas.openxmlformats.org/drawingml/2006/main" xmlns:r="http://schemas.openxmlformats.org/officeDocument/2006/relationships" xmlns:p="http://schemas.openxmlformats.org/presentationml/2006/main">
   <p:cSld>
     <p:spTree>
@@ -9725,7 +10515,7 @@
 </p:sld>
 </file>
 
-<file path=ppt/slides/slide26.xml><?xml version="1.0" encoding="utf-8"?>
+<file path=ppt/slides/slide27.xml><?xml version="1.0" encoding="utf-8"?>
 <p:sld xmlns:a="http://schemas.openxmlformats.org/drawingml/2006/main" xmlns:r="http://schemas.openxmlformats.org/officeDocument/2006/relationships" xmlns:p="http://schemas.openxmlformats.org/presentationml/2006/main">
   <p:cSld>
     <p:spTree>
@@ -9809,101 +10599,6 @@
 </p:sld>
 </file>
 
-<file path=ppt/slides/slide27.xml><?xml version="1.0" encoding="utf-8"?>
-<p:sld xmlns:a="http://schemas.openxmlformats.org/drawingml/2006/main" xmlns:r="http://schemas.openxmlformats.org/officeDocument/2006/relationships" xmlns:p="http://schemas.openxmlformats.org/presentationml/2006/main">
-  <p:cSld>
-    <p:spTree>
-      <p:nvGrpSpPr>
-        <p:cNvPr id="1" name=""/>
-        <p:cNvGrpSpPr/>
-        <p:nvPr/>
-      </p:nvGrpSpPr>
-      <p:grpSpPr>
-        <a:xfrm>
-          <a:off x="0" y="0"/>
-          <a:ext cx="0" cy="0"/>
-          <a:chOff x="0" y="0"/>
-          <a:chExt cx="0" cy="0"/>
-        </a:xfrm>
-      </p:grpSpPr>
-      <p:sp>
-        <p:nvSpPr>
-          <p:cNvPr id="2" name="Title 1"/>
-          <p:cNvSpPr>
-            <a:spLocks noGrp="1"/>
-          </p:cNvSpPr>
-          <p:nvPr>
-            <p:ph type="title"/>
-          </p:nvPr>
-        </p:nvSpPr>
-        <p:spPr/>
-        <p:txBody>
-          <a:bodyPr/>
-          <a:lstStyle/>
-          <a:p>
-            <a:r>
-              <a:rPr lang="en-US" dirty="0" smtClean="0"/>
-              <a:t>Frameworks</a:t>
-            </a:r>
-            <a:br>
-              <a:rPr lang="en-US" dirty="0" smtClean="0"/>
-            </a:br>
-            <a:r>
-              <a:rPr lang="en-US" sz="2400" dirty="0" smtClean="0"/>
-              <a:t>now we’re getting somewhere</a:t>
-            </a:r>
-            <a:endParaRPr lang="en-US" sz="2400" dirty="0"/>
-          </a:p>
-        </p:txBody>
-      </p:sp>
-      <p:sp>
-        <p:nvSpPr>
-          <p:cNvPr id="3" name="Content Placeholder 2"/>
-          <p:cNvSpPr>
-            <a:spLocks noGrp="1"/>
-          </p:cNvSpPr>
-          <p:nvPr>
-            <p:ph idx="1"/>
-          </p:nvPr>
-        </p:nvSpPr>
-        <p:spPr/>
-        <p:txBody>
-          <a:bodyPr/>
-          <a:lstStyle/>
-          <a:p>
-            <a:r>
-              <a:rPr lang="en-US" dirty="0" smtClean="0"/>
-              <a:t>Apex</a:t>
-            </a:r>
-          </a:p>
-          <a:p>
-            <a:r>
-              <a:rPr lang="en-US" dirty="0" smtClean="0"/>
-              <a:t>AWS Sam</a:t>
-            </a:r>
-          </a:p>
-          <a:p>
-            <a:r>
-              <a:rPr lang="en-US" dirty="0" err="1" smtClean="0"/>
-              <a:t>Serverless</a:t>
-            </a:r>
-            <a:endParaRPr lang="en-US" dirty="0" smtClean="0"/>
-          </a:p>
-        </p:txBody>
-      </p:sp>
-    </p:spTree>
-    <p:extLst>
-      <p:ext uri="{BB962C8B-B14F-4D97-AF65-F5344CB8AC3E}">
-        <p14:creationId xmlns:p14="http://schemas.microsoft.com/office/powerpoint/2010/main" val="1115277555"/>
-      </p:ext>
-    </p:extLst>
-  </p:cSld>
-  <p:clrMapOvr>
-    <a:masterClrMapping/>
-  </p:clrMapOvr>
-</p:sld>
-</file>
-
 <file path=ppt/slides/slide28.xml><?xml version="1.0" encoding="utf-8"?>
 <p:sld xmlns:a="http://schemas.openxmlformats.org/drawingml/2006/main" xmlns:r="http://schemas.openxmlformats.org/officeDocument/2006/relationships" xmlns:p="http://schemas.openxmlformats.org/presentationml/2006/main">
   <p:cSld>
@@ -9937,100 +10632,59 @@
           <a:lstStyle/>
           <a:p>
             <a:r>
+              <a:rPr lang="en-US" dirty="0" smtClean="0"/>
+              <a:t>Frameworks</a:t>
+            </a:r>
+            <a:br>
+              <a:rPr lang="en-US" dirty="0" smtClean="0"/>
+            </a:br>
+            <a:r>
+              <a:rPr lang="en-US" sz="2400" dirty="0" smtClean="0"/>
+              <a:t>now we’re getting somewhere</a:t>
+            </a:r>
+            <a:endParaRPr lang="en-US" sz="2400" dirty="0"/>
+          </a:p>
+        </p:txBody>
+      </p:sp>
+      <p:sp>
+        <p:nvSpPr>
+          <p:cNvPr id="3" name="Content Placeholder 2"/>
+          <p:cNvSpPr>
+            <a:spLocks noGrp="1"/>
+          </p:cNvSpPr>
+          <p:nvPr>
+            <p:ph idx="1"/>
+          </p:nvPr>
+        </p:nvSpPr>
+        <p:spPr/>
+        <p:txBody>
+          <a:bodyPr/>
+          <a:lstStyle/>
+          <a:p>
+            <a:r>
+              <a:rPr lang="en-US" dirty="0" smtClean="0"/>
+              <a:t>Apex</a:t>
+            </a:r>
+          </a:p>
+          <a:p>
+            <a:r>
+              <a:rPr lang="en-US" dirty="0" smtClean="0"/>
+              <a:t>AWS Sam</a:t>
+            </a:r>
+          </a:p>
+          <a:p>
+            <a:r>
               <a:rPr lang="en-US" dirty="0" err="1" smtClean="0"/>
               <a:t>Serverless</a:t>
             </a:r>
-            <a:r>
-              <a:rPr lang="en-US" dirty="0" smtClean="0"/>
-              <a:t/>
-            </a:r>
-            <a:br>
-              <a:rPr lang="en-US" dirty="0" smtClean="0"/>
-            </a:br>
-            <a:r>
-              <a:rPr lang="en-US" sz="2400" dirty="0" smtClean="0"/>
-              <a:t>the framework</a:t>
-            </a:r>
-            <a:endParaRPr lang="en-US" sz="2400" dirty="0"/>
-          </a:p>
-        </p:txBody>
-      </p:sp>
-      <p:sp>
-        <p:nvSpPr>
-          <p:cNvPr id="3" name="Content Placeholder 2"/>
-          <p:cNvSpPr>
-            <a:spLocks noGrp="1"/>
-          </p:cNvSpPr>
-          <p:nvPr>
-            <p:ph idx="1"/>
-          </p:nvPr>
-        </p:nvSpPr>
-        <p:spPr/>
-        <p:txBody>
-          <a:bodyPr/>
-          <a:lstStyle/>
-          <a:p>
-            <a:r>
-              <a:rPr lang="en-US" dirty="0" err="1" smtClean="0"/>
-              <a:t>Serverless</a:t>
-            </a:r>
-            <a:r>
-              <a:rPr lang="en-US" dirty="0"/>
-              <a:t>: </a:t>
-            </a:r>
-            <a:r>
-              <a:rPr lang="en-US" dirty="0">
-                <a:hlinkClick r:id="rId2"/>
-              </a:rPr>
-              <a:t>https://</a:t>
-            </a:r>
-            <a:r>
-              <a:rPr lang="en-US" dirty="0" err="1">
-                <a:hlinkClick r:id="rId2"/>
-              </a:rPr>
-              <a:t>serverless.com</a:t>
-            </a:r>
             <a:endParaRPr lang="en-US" dirty="0" smtClean="0"/>
-          </a:p>
-          <a:p>
-            <a:r>
-              <a:rPr lang="en-US" dirty="0" smtClean="0"/>
-              <a:t>Works for multiple providers</a:t>
-            </a:r>
-          </a:p>
-          <a:p>
-            <a:r>
-              <a:rPr lang="en-US" dirty="0" smtClean="0"/>
-              <a:t>Works with multiple templates</a:t>
-            </a:r>
-          </a:p>
-          <a:p>
-            <a:r>
-              <a:rPr lang="en-US" dirty="0" smtClean="0"/>
-              <a:t>Very similar to cloud formation templates</a:t>
-            </a:r>
-          </a:p>
-          <a:p>
-            <a:r>
-              <a:rPr lang="en-US" dirty="0" smtClean="0"/>
-              <a:t>Sanity for the developers</a:t>
-            </a:r>
-          </a:p>
-          <a:p>
-            <a:pPr marL="0" indent="0">
-              <a:buNone/>
-            </a:pPr>
-            <a:endParaRPr lang="en-US" dirty="0" smtClean="0"/>
-          </a:p>
-          <a:p>
-            <a:endParaRPr lang="en-US" dirty="0"/>
           </a:p>
         </p:txBody>
       </p:sp>
     </p:spTree>
     <p:extLst>
       <p:ext uri="{BB962C8B-B14F-4D97-AF65-F5344CB8AC3E}">
-        <p14:creationId xmlns:p14="http://schemas.microsoft.com/office/powerpoint/2010/main" val="1124419550"/>
+        <p14:creationId xmlns:p14="http://schemas.microsoft.com/office/powerpoint/2010/main" val="1115277555"/>
       </p:ext>
     </p:extLst>
   </p:cSld>
@@ -10073,10 +10727,21 @@
           <a:lstStyle/>
           <a:p>
             <a:r>
-              <a:rPr lang="en-US" dirty="0" smtClean="0"/>
-              <a:t>Additional resources</a:t>
-            </a:r>
-            <a:endParaRPr lang="en-US" dirty="0"/>
+              <a:rPr lang="en-US" dirty="0" err="1" smtClean="0"/>
+              <a:t>Serverless</a:t>
+            </a:r>
+            <a:r>
+              <a:rPr lang="en-US" dirty="0" smtClean="0"/>
+              <a:t/>
+            </a:r>
+            <a:br>
+              <a:rPr lang="en-US" dirty="0" smtClean="0"/>
+            </a:br>
+            <a:r>
+              <a:rPr lang="en-US" sz="2400" dirty="0" smtClean="0"/>
+              <a:t>the framework</a:t>
+            </a:r>
+            <a:endParaRPr lang="en-US" sz="2400" dirty="0"/>
           </a:p>
         </p:txBody>
       </p:sp>
@@ -10096,93 +10761,55 @@
           <a:lstStyle/>
           <a:p>
             <a:r>
+              <a:rPr lang="en-US" dirty="0" err="1" smtClean="0"/>
+              <a:t>Serverless</a:t>
+            </a:r>
+            <a:r>
               <a:rPr lang="en-US" dirty="0"/>
-              <a:t>Pricing example: </a:t>
+              <a:t>: </a:t>
             </a:r>
             <a:r>
               <a:rPr lang="en-US" dirty="0">
                 <a:hlinkClick r:id="rId2"/>
               </a:rPr>
-              <a:t>https://alestic.com/2016/12/aws-invoice-example</a:t>
-            </a:r>
-            <a:r>
-              <a:rPr lang="en-US" dirty="0" smtClean="0">
+              <a:t>https://</a:t>
+            </a:r>
+            <a:r>
+              <a:rPr lang="en-US" dirty="0" err="1">
                 <a:hlinkClick r:id="rId2"/>
               </a:rPr>
-              <a:t>/</a:t>
+              <a:t>serverless.com</a:t>
             </a:r>
             <a:endParaRPr lang="en-US" dirty="0" smtClean="0"/>
           </a:p>
           <a:p>
             <a:r>
-              <a:rPr lang="en-US" dirty="0"/>
-              <a:t>A Cloud Guru: </a:t>
-            </a:r>
-            <a:r>
-              <a:rPr lang="en-US" dirty="0">
-                <a:hlinkClick r:id="rId3"/>
-              </a:rPr>
-              <a:t>https://acloud.guru</a:t>
-            </a:r>
-            <a:r>
-              <a:rPr lang="en-US" dirty="0" smtClean="0">
-                <a:hlinkClick r:id="rId3"/>
-              </a:rPr>
-              <a:t>/</a:t>
-            </a:r>
-            <a:endParaRPr lang="en-US" dirty="0" smtClean="0"/>
-          </a:p>
-          <a:p>
-            <a:r>
-              <a:rPr lang="en-US" dirty="0" err="1" smtClean="0"/>
-              <a:t>Serverless</a:t>
-            </a:r>
-            <a:r>
-              <a:rPr lang="en-US" dirty="0"/>
-              <a:t>: </a:t>
-            </a:r>
-            <a:r>
-              <a:rPr lang="en-US" dirty="0">
-                <a:hlinkClick r:id="rId4"/>
-              </a:rPr>
-              <a:t>https://serverless.com</a:t>
-            </a:r>
-            <a:r>
-              <a:rPr lang="en-US" dirty="0" smtClean="0">
-                <a:hlinkClick r:id="rId4"/>
-              </a:rPr>
-              <a:t>/</a:t>
-            </a:r>
-            <a:endParaRPr lang="en-US" dirty="0" smtClean="0"/>
-          </a:p>
-          <a:p>
-            <a:r>
-              <a:rPr lang="en-US" dirty="0"/>
-              <a:t>AWS </a:t>
-            </a:r>
-            <a:r>
-              <a:rPr lang="en-US" dirty="0" err="1"/>
-              <a:t>Serverless</a:t>
-            </a:r>
-            <a:r>
-              <a:rPr lang="en-US" dirty="0"/>
-              <a:t>: </a:t>
-            </a:r>
-            <a:r>
-              <a:rPr lang="en-US" dirty="0">
-                <a:hlinkClick r:id="rId5"/>
-              </a:rPr>
-              <a:t>https://aws.amazon.com/serverless</a:t>
-            </a:r>
-            <a:r>
-              <a:rPr lang="en-US" dirty="0" smtClean="0">
-                <a:hlinkClick r:id="rId5"/>
-              </a:rPr>
-              <a:t>/</a:t>
-            </a:r>
-            <a:endParaRPr lang="en-US" dirty="0" smtClean="0"/>
-          </a:p>
-          <a:p>
+              <a:rPr lang="en-US" dirty="0" smtClean="0"/>
+              <a:t>Works for multiple providers</a:t>
+            </a:r>
+          </a:p>
+          <a:p>
+            <a:r>
+              <a:rPr lang="en-US" dirty="0" smtClean="0"/>
+              <a:t>Works with multiple templates</a:t>
+            </a:r>
+          </a:p>
+          <a:p>
+            <a:r>
+              <a:rPr lang="en-US" dirty="0" smtClean="0"/>
+              <a:t>Very similar to cloud formation templates</a:t>
+            </a:r>
+          </a:p>
+          <a:p>
+            <a:r>
+              <a:rPr lang="en-US" dirty="0" smtClean="0"/>
+              <a:t>Sanity for the developers</a:t>
+            </a:r>
+          </a:p>
+          <a:p>
+            <a:pPr marL="0" indent="0">
+              <a:buNone/>
+            </a:pPr>
             <a:endParaRPr lang="en-US" dirty="0" smtClean="0"/>
           </a:p>
           <a:p>
@@ -10193,7 +10820,7 @@
     </p:spTree>
     <p:extLst>
       <p:ext uri="{BB962C8B-B14F-4D97-AF65-F5344CB8AC3E}">
-        <p14:creationId xmlns:p14="http://schemas.microsoft.com/office/powerpoint/2010/main" val="722583454"/>
+        <p14:creationId xmlns:p14="http://schemas.microsoft.com/office/powerpoint/2010/main" val="1124419550"/>
       </p:ext>
     </p:extLst>
   </p:cSld>
@@ -10291,6 +10918,169 @@
 </file>
 
 <file path=ppt/slides/slide30.xml><?xml version="1.0" encoding="utf-8"?>
+<p:sld xmlns:a="http://schemas.openxmlformats.org/drawingml/2006/main" xmlns:r="http://schemas.openxmlformats.org/officeDocument/2006/relationships" xmlns:p="http://schemas.openxmlformats.org/presentationml/2006/main">
+  <p:cSld>
+    <p:spTree>
+      <p:nvGrpSpPr>
+        <p:cNvPr id="1" name=""/>
+        <p:cNvGrpSpPr/>
+        <p:nvPr/>
+      </p:nvGrpSpPr>
+      <p:grpSpPr>
+        <a:xfrm>
+          <a:off x="0" y="0"/>
+          <a:ext cx="0" cy="0"/>
+          <a:chOff x="0" y="0"/>
+          <a:chExt cx="0" cy="0"/>
+        </a:xfrm>
+      </p:grpSpPr>
+      <p:sp>
+        <p:nvSpPr>
+          <p:cNvPr id="2" name="Title 1"/>
+          <p:cNvSpPr>
+            <a:spLocks noGrp="1"/>
+          </p:cNvSpPr>
+          <p:nvPr>
+            <p:ph type="title"/>
+          </p:nvPr>
+        </p:nvSpPr>
+        <p:spPr/>
+        <p:txBody>
+          <a:bodyPr/>
+          <a:lstStyle/>
+          <a:p>
+            <a:r>
+              <a:rPr lang="en-US" dirty="0" smtClean="0"/>
+              <a:t>Additional resources</a:t>
+            </a:r>
+            <a:endParaRPr lang="en-US" dirty="0"/>
+          </a:p>
+        </p:txBody>
+      </p:sp>
+      <p:sp>
+        <p:nvSpPr>
+          <p:cNvPr id="3" name="Content Placeholder 2"/>
+          <p:cNvSpPr>
+            <a:spLocks noGrp="1"/>
+          </p:cNvSpPr>
+          <p:nvPr>
+            <p:ph idx="1"/>
+          </p:nvPr>
+        </p:nvSpPr>
+        <p:spPr/>
+        <p:txBody>
+          <a:bodyPr/>
+          <a:lstStyle/>
+          <a:p>
+            <a:r>
+              <a:rPr lang="en-US" dirty="0"/>
+              <a:t>Pricing example: </a:t>
+            </a:r>
+            <a:r>
+              <a:rPr lang="en-US" dirty="0">
+                <a:hlinkClick r:id="rId2"/>
+              </a:rPr>
+              <a:t>https://alestic.com/2016/12/aws-invoice-example</a:t>
+            </a:r>
+            <a:r>
+              <a:rPr lang="en-US" dirty="0" smtClean="0">
+                <a:hlinkClick r:id="rId2"/>
+              </a:rPr>
+              <a:t>/</a:t>
+            </a:r>
+            <a:endParaRPr lang="en-US" dirty="0" smtClean="0"/>
+          </a:p>
+          <a:p>
+            <a:r>
+              <a:rPr lang="en-US" dirty="0"/>
+              <a:t>A Cloud Guru: </a:t>
+            </a:r>
+            <a:r>
+              <a:rPr lang="en-US" dirty="0">
+                <a:hlinkClick r:id="rId3"/>
+              </a:rPr>
+              <a:t>https://acloud.guru</a:t>
+            </a:r>
+            <a:r>
+              <a:rPr lang="en-US" dirty="0" smtClean="0">
+                <a:hlinkClick r:id="rId3"/>
+              </a:rPr>
+              <a:t>/</a:t>
+            </a:r>
+            <a:endParaRPr lang="en-US" dirty="0" smtClean="0"/>
+          </a:p>
+          <a:p>
+            <a:r>
+              <a:rPr lang="en-US" dirty="0" err="1" smtClean="0"/>
+              <a:t>Serverless</a:t>
+            </a:r>
+            <a:r>
+              <a:rPr lang="en-US" dirty="0"/>
+              <a:t>: </a:t>
+            </a:r>
+            <a:r>
+              <a:rPr lang="en-US" dirty="0">
+                <a:hlinkClick r:id="rId4"/>
+              </a:rPr>
+              <a:t>https://serverless.com</a:t>
+            </a:r>
+            <a:r>
+              <a:rPr lang="en-US" dirty="0" smtClean="0">
+                <a:hlinkClick r:id="rId4"/>
+              </a:rPr>
+              <a:t>/</a:t>
+            </a:r>
+            <a:endParaRPr lang="en-US" dirty="0" smtClean="0"/>
+          </a:p>
+          <a:p>
+            <a:r>
+              <a:rPr lang="en-US" dirty="0"/>
+              <a:t>AWS </a:t>
+            </a:r>
+            <a:r>
+              <a:rPr lang="en-US" dirty="0" err="1"/>
+              <a:t>Serverless</a:t>
+            </a:r>
+            <a:r>
+              <a:rPr lang="en-US" dirty="0"/>
+              <a:t>: </a:t>
+            </a:r>
+            <a:r>
+              <a:rPr lang="en-US" dirty="0">
+                <a:hlinkClick r:id="rId5"/>
+              </a:rPr>
+              <a:t>https://aws.amazon.com/serverless</a:t>
+            </a:r>
+            <a:r>
+              <a:rPr lang="en-US" dirty="0" smtClean="0">
+                <a:hlinkClick r:id="rId5"/>
+              </a:rPr>
+              <a:t>/</a:t>
+            </a:r>
+            <a:endParaRPr lang="en-US" dirty="0" smtClean="0"/>
+          </a:p>
+          <a:p>
+            <a:endParaRPr lang="en-US" dirty="0" smtClean="0"/>
+          </a:p>
+          <a:p>
+            <a:endParaRPr lang="en-US" dirty="0"/>
+          </a:p>
+        </p:txBody>
+      </p:sp>
+    </p:spTree>
+    <p:extLst>
+      <p:ext uri="{BB962C8B-B14F-4D97-AF65-F5344CB8AC3E}">
+        <p14:creationId xmlns:p14="http://schemas.microsoft.com/office/powerpoint/2010/main" val="722583454"/>
+      </p:ext>
+    </p:extLst>
+  </p:cSld>
+  <p:clrMapOvr>
+    <a:masterClrMapping/>
+  </p:clrMapOvr>
+</p:sld>
+</file>
+
+<file path=ppt/slides/slide31.xml><?xml version="1.0" encoding="utf-8"?>
 <p:sld xmlns:a="http://schemas.openxmlformats.org/drawingml/2006/main" xmlns:r="http://schemas.openxmlformats.org/officeDocument/2006/relationships" xmlns:p="http://schemas.openxmlformats.org/presentationml/2006/main">
   <p:cSld>
     <p:spTree>

--- a/going-serverless-2017.pptx
+++ b/going-serverless-2017.pptx
@@ -4962,6 +4962,13 @@
   <p:clrMapOvr>
     <a:masterClrMapping/>
   </p:clrMapOvr>
+  <p:timing>
+    <p:tnLst>
+      <p:par>
+        <p:cTn id="1" dur="indefinite" restart="never" nodeType="tmRoot"/>
+      </p:par>
+    </p:tnLst>
+  </p:timing>
 </p:sld>
 </file>
 
@@ -5180,6 +5187,13 @@
   <p:clrMapOvr>
     <a:masterClrMapping/>
   </p:clrMapOvr>
+  <p:timing>
+    <p:tnLst>
+      <p:par>
+        <p:cTn id="1" dur="indefinite" restart="never" nodeType="tmRoot"/>
+      </p:par>
+    </p:tnLst>
+  </p:timing>
 </p:sld>
 </file>
 
@@ -6108,6 +6122,13 @@
   <p:clrMapOvr>
     <a:masterClrMapping/>
   </p:clrMapOvr>
+  <p:timing>
+    <p:tnLst>
+      <p:par>
+        <p:cTn id="1" dur="indefinite" restart="never" nodeType="tmRoot"/>
+      </p:par>
+    </p:tnLst>
+  </p:timing>
 </p:sld>
 </file>
 
@@ -6901,6 +6922,13 @@
   <p:clrMapOvr>
     <a:masterClrMapping/>
   </p:clrMapOvr>
+  <p:timing>
+    <p:tnLst>
+      <p:par>
+        <p:cTn id="1" dur="indefinite" restart="never" nodeType="tmRoot"/>
+      </p:par>
+    </p:tnLst>
+  </p:timing>
 </p:sld>
 </file>
 
@@ -7015,6 +7043,13 @@
   <p:clrMapOvr>
     <a:masterClrMapping/>
   </p:clrMapOvr>
+  <p:timing>
+    <p:tnLst>
+      <p:par>
+        <p:cTn id="1" dur="indefinite" restart="never" nodeType="tmRoot"/>
+      </p:par>
+    </p:tnLst>
+  </p:timing>
 </p:sld>
 </file>
 
@@ -9166,6 +9201,13 @@
   <p:clrMapOvr>
     <a:masterClrMapping/>
   </p:clrMapOvr>
+  <p:timing>
+    <p:tnLst>
+      <p:par>
+        <p:cTn id="1" dur="indefinite" restart="never" nodeType="tmRoot"/>
+      </p:par>
+    </p:tnLst>
+  </p:timing>
 </p:sld>
 </file>
 
@@ -10914,6 +10956,13 @@
   <p:clrMapOvr>
     <a:masterClrMapping/>
   </p:clrMapOvr>
+  <p:timing>
+    <p:tnLst>
+      <p:par>
+        <p:cTn id="1" dur="indefinite" restart="never" nodeType="tmRoot"/>
+      </p:par>
+    </p:tnLst>
+  </p:timing>
 </p:sld>
 </file>
 
@@ -11060,10 +11109,47 @@
             <a:endParaRPr lang="en-US" dirty="0" smtClean="0"/>
           </a:p>
           <a:p>
+            <a:r>
+              <a:rPr lang="en-US" dirty="0" smtClean="0"/>
+              <a:t>Optimizing Enterprise Economics for </a:t>
+            </a:r>
+            <a:r>
+              <a:rPr lang="en-US" dirty="0" err="1" smtClean="0"/>
+              <a:t>Serverless</a:t>
+            </a:r>
+            <a:r>
+              <a:rPr lang="en-US" dirty="0" smtClean="0"/>
+              <a:t> </a:t>
+            </a:r>
+            <a:r>
+              <a:rPr lang="en-US" dirty="0"/>
+              <a:t>Architecture: </a:t>
+            </a:r>
+            <a:r>
+              <a:rPr lang="en-US" dirty="0">
+                <a:hlinkClick r:id="rId6"/>
+              </a:rPr>
+              <a:t>https://d0.awsstatic.com/whitepapers/optimizing-enterprise-economics-</a:t>
+            </a:r>
+            <a:r>
+              <a:rPr lang="en-US" dirty="0" err="1">
+                <a:hlinkClick r:id="rId6"/>
+              </a:rPr>
+              <a:t>serverless</a:t>
+            </a:r>
+            <a:r>
+              <a:rPr lang="en-US" dirty="0">
+                <a:hlinkClick r:id="rId6"/>
+              </a:rPr>
+              <a:t>-</a:t>
+            </a:r>
+            <a:r>
+              <a:rPr lang="en-US" dirty="0" err="1">
+                <a:hlinkClick r:id="rId6"/>
+              </a:rPr>
+              <a:t>architectures.pdf</a:t>
+            </a:r>
             <a:endParaRPr lang="en-US" dirty="0" smtClean="0"/>
-          </a:p>
-          <a:p>
-            <a:endParaRPr lang="en-US" dirty="0"/>
           </a:p>
         </p:txBody>
       </p:sp>
@@ -11271,6 +11357,13 @@
   <p:clrMapOvr>
     <a:masterClrMapping/>
   </p:clrMapOvr>
+  <p:timing>
+    <p:tnLst>
+      <p:par>
+        <p:cTn id="1" dur="indefinite" restart="never" nodeType="tmRoot"/>
+      </p:par>
+    </p:tnLst>
+  </p:timing>
 </p:sld>
 </file>
 
@@ -11392,6 +11485,13 @@
   <p:clrMapOvr>
     <a:masterClrMapping/>
   </p:clrMapOvr>
+  <p:timing>
+    <p:tnLst>
+      <p:par>
+        <p:cTn id="1" dur="indefinite" restart="never" nodeType="tmRoot"/>
+      </p:par>
+    </p:tnLst>
+  </p:timing>
 </p:sld>
 </file>
 
@@ -11506,6 +11606,13 @@
   <p:clrMapOvr>
     <a:masterClrMapping/>
   </p:clrMapOvr>
+  <p:timing>
+    <p:tnLst>
+      <p:par>
+        <p:cTn id="1" dur="indefinite" restart="never" nodeType="tmRoot"/>
+      </p:par>
+    </p:tnLst>
+  </p:timing>
 </p:sld>
 </file>
 
@@ -11607,6 +11714,13 @@
   <p:clrMapOvr>
     <a:masterClrMapping/>
   </p:clrMapOvr>
+  <p:timing>
+    <p:tnLst>
+      <p:par>
+        <p:cTn id="1" dur="indefinite" restart="never" nodeType="tmRoot"/>
+      </p:par>
+    </p:tnLst>
+  </p:timing>
 </p:sld>
 </file>
 
@@ -11689,6 +11803,13 @@
   <p:clrMapOvr>
     <a:masterClrMapping/>
   </p:clrMapOvr>
+  <p:timing>
+    <p:tnLst>
+      <p:par>
+        <p:cTn id="1" dur="indefinite" restart="never" nodeType="tmRoot"/>
+      </p:par>
+    </p:tnLst>
+  </p:timing>
 </p:sld>
 </file>
 
@@ -11783,6 +11904,13 @@
   <p:clrMapOvr>
     <a:masterClrMapping/>
   </p:clrMapOvr>
+  <p:timing>
+    <p:tnLst>
+      <p:par>
+        <p:cTn id="1" dur="indefinite" restart="never" nodeType="tmRoot"/>
+      </p:par>
+    </p:tnLst>
+  </p:timing>
 </p:sld>
 </file>
 

--- a/going-serverless-2017.pptx
+++ b/going-serverless-2017.pptx
@@ -6966,14 +6966,14 @@
           <a:p>
             <a:r>
               <a:rPr lang="en-US" dirty="0" smtClean="0"/>
-              <a:t>Patterns</a:t>
+              <a:t>Use Case</a:t>
             </a:r>
             <a:br>
               <a:rPr lang="en-US" dirty="0" smtClean="0"/>
             </a:br>
             <a:r>
               <a:rPr lang="en-US" sz="2400" dirty="0" smtClean="0"/>
-              <a:t>again</a:t>
+              <a:t>patterns</a:t>
             </a:r>
             <a:endParaRPr lang="en-US" sz="2400" dirty="0"/>
           </a:p>
@@ -11529,7 +11529,7 @@
           <a:p>
             <a:r>
               <a:rPr lang="en-US" dirty="0" smtClean="0"/>
-              <a:t>Patterns</a:t>
+              <a:t>Use Cases</a:t>
             </a:r>
             <a:br>
               <a:rPr lang="en-US" dirty="0" smtClean="0"/>
@@ -11583,11 +11583,26 @@
           <a:p>
             <a:r>
               <a:rPr lang="en-US" dirty="0" smtClean="0"/>
-              <a:t>And more</a:t>
-            </a:r>
-            <a:r>
-              <a:rPr lang="mr-IN" dirty="0" smtClean="0"/>
-              <a:t>…</a:t>
+              <a:t>Mobile </a:t>
+            </a:r>
+            <a:r>
+              <a:rPr lang="en-US" dirty="0" err="1" smtClean="0"/>
+              <a:t>backends</a:t>
+            </a:r>
+            <a:endParaRPr lang="en-US" dirty="0" smtClean="0"/>
+          </a:p>
+          <a:p>
+            <a:r>
+              <a:rPr lang="en-US" dirty="0" err="1" smtClean="0"/>
+              <a:t>IoT</a:t>
+            </a:r>
+            <a:r>
+              <a:rPr lang="en-US" dirty="0" smtClean="0"/>
+              <a:t> </a:t>
+            </a:r>
+            <a:r>
+              <a:rPr lang="en-US" smtClean="0"/>
+              <a:t>backends</a:t>
             </a:r>
             <a:endParaRPr lang="en-US" dirty="0" smtClean="0"/>
           </a:p>

--- a/going-serverless-2017.pptx
+++ b/going-serverless-2017.pptx
@@ -13,9 +13,9 @@
     <p:sldId id="258" r:id="rId4"/>
     <p:sldId id="261" r:id="rId5"/>
     <p:sldId id="259" r:id="rId6"/>
-    <p:sldId id="292" r:id="rId7"/>
-    <p:sldId id="260" r:id="rId8"/>
-    <p:sldId id="279" r:id="rId9"/>
+    <p:sldId id="260" r:id="rId7"/>
+    <p:sldId id="292" r:id="rId8"/>
+    <p:sldId id="295" r:id="rId9"/>
     <p:sldId id="280" r:id="rId10"/>
     <p:sldId id="274" r:id="rId11"/>
     <p:sldId id="290" r:id="rId12"/>
@@ -24,13 +24,13 @@
     <p:sldId id="283" r:id="rId15"/>
     <p:sldId id="284" r:id="rId16"/>
     <p:sldId id="285" r:id="rId17"/>
-    <p:sldId id="286" r:id="rId18"/>
-    <p:sldId id="287" r:id="rId19"/>
-    <p:sldId id="288" r:id="rId20"/>
-    <p:sldId id="293" r:id="rId21"/>
-    <p:sldId id="278" r:id="rId22"/>
-    <p:sldId id="277" r:id="rId23"/>
-    <p:sldId id="273" r:id="rId24"/>
+    <p:sldId id="288" r:id="rId18"/>
+    <p:sldId id="293" r:id="rId19"/>
+    <p:sldId id="296" r:id="rId20"/>
+    <p:sldId id="278" r:id="rId21"/>
+    <p:sldId id="277" r:id="rId22"/>
+    <p:sldId id="273" r:id="rId23"/>
+    <p:sldId id="297" r:id="rId24"/>
     <p:sldId id="275" r:id="rId25"/>
     <p:sldId id="263" r:id="rId26"/>
     <p:sldId id="269" r:id="rId27"/>
@@ -4598,7 +4598,7 @@
           <p:cNvPr id="10" name="Rectangle 9">
             <a:extLst>
               <a:ext uri="{FF2B5EF4-FFF2-40B4-BE49-F238E27FC236}">
-                <a16:creationId xmlns:a16="http://schemas.microsoft.com/office/drawing/2014/main" xmlns="" id="{544C1FFD-8D6A-4A12-997F-ECA8F3321524}"/>
+                <a16:creationId xmlns="" xmlns:a16="http://schemas.microsoft.com/office/drawing/2014/main" id="{544C1FFD-8D6A-4A12-997F-ECA8F3321524}"/>
               </a:ext>
             </a:extLst>
           </p:cNvPr>
@@ -4678,7 +4678,7 @@
           <p:cNvPr id="12" name="Freeform 6" title="Page Number Shape">
             <a:extLst>
               <a:ext uri="{FF2B5EF4-FFF2-40B4-BE49-F238E27FC236}">
-                <a16:creationId xmlns:a16="http://schemas.microsoft.com/office/drawing/2014/main" xmlns="" id="{014B3DE6-0CA2-4818-9E10-8ACF44107B10}"/>
+                <a16:creationId xmlns="" xmlns:a16="http://schemas.microsoft.com/office/drawing/2014/main" id="{014B3DE6-0CA2-4818-9E10-8ACF44107B10}"/>
               </a:ext>
             </a:extLst>
           </p:cNvPr>
@@ -5250,7 +5250,7 @@
           <p:cNvPr id="11" name="Freeform 6" title="Page Number Shape">
             <a:extLst>
               <a:ext uri="{FF2B5EF4-FFF2-40B4-BE49-F238E27FC236}">
-                <a16:creationId xmlns:a16="http://schemas.microsoft.com/office/drawing/2014/main" xmlns="" id="{63293441-3B04-46DE-92BF-F6494B38EB47}"/>
+                <a16:creationId xmlns="" xmlns:a16="http://schemas.microsoft.com/office/drawing/2014/main" id="{63293441-3B04-46DE-92BF-F6494B38EB47}"/>
               </a:ext>
             </a:extLst>
           </p:cNvPr>
@@ -5461,7 +5461,7 @@
           <p:cNvPr id="13" name="Straight Connector 12" title="Verticle Rule Line">
             <a:extLst>
               <a:ext uri="{FF2B5EF4-FFF2-40B4-BE49-F238E27FC236}">
-                <a16:creationId xmlns:a16="http://schemas.microsoft.com/office/drawing/2014/main" xmlns="" id="{77EEC01B-B858-4BAA-A85D-512B076C0E30}"/>
+                <a16:creationId xmlns="" xmlns:a16="http://schemas.microsoft.com/office/drawing/2014/main" id="{77EEC01B-B858-4BAA-A85D-512B076C0E30}"/>
               </a:ext>
             </a:extLst>
           </p:cNvPr>
@@ -5510,7 +5510,7 @@
           <p:cNvPr id="15" name="Rectangle 14">
             <a:extLst>
               <a:ext uri="{FF2B5EF4-FFF2-40B4-BE49-F238E27FC236}">
-                <a16:creationId xmlns:a16="http://schemas.microsoft.com/office/drawing/2014/main" xmlns="" id="{238A9029-B6C8-493A-8A35-351F371FD85E}"/>
+                <a16:creationId xmlns="" xmlns:a16="http://schemas.microsoft.com/office/drawing/2014/main" id="{238A9029-B6C8-493A-8A35-351F371FD85E}"/>
               </a:ext>
             </a:extLst>
           </p:cNvPr>
@@ -5728,7 +5728,7 @@
           <p:cNvPr id="17" name="Rectangle 16">
             <a:extLst>
               <a:ext uri="{FF2B5EF4-FFF2-40B4-BE49-F238E27FC236}">
-                <a16:creationId xmlns:a16="http://schemas.microsoft.com/office/drawing/2014/main" xmlns="" id="{7227713B-C67F-4F2C-A9DA-7D4B7196E4BC}"/>
+                <a16:creationId xmlns="" xmlns:a16="http://schemas.microsoft.com/office/drawing/2014/main" id="{7227713B-C67F-4F2C-A9DA-7D4B7196E4BC}"/>
               </a:ext>
             </a:extLst>
           </p:cNvPr>
@@ -5819,7 +5819,7 @@
           <p:cNvPr id="19" name="Freeform 6" title="Page Number Shape">
             <a:extLst>
               <a:ext uri="{FF2B5EF4-FFF2-40B4-BE49-F238E27FC236}">
-                <a16:creationId xmlns:a16="http://schemas.microsoft.com/office/drawing/2014/main" xmlns="" id="{8179BED0-B0A7-403F-B9F3-72C7D450F15C}"/>
+                <a16:creationId xmlns="" xmlns:a16="http://schemas.microsoft.com/office/drawing/2014/main" id="{8179BED0-B0A7-403F-B9F3-72C7D450F15C}"/>
               </a:ext>
             </a:extLst>
           </p:cNvPr>
@@ -6030,7 +6030,7 @@
           <p:cNvPr id="21" name="Straight Connector 20" title="Verticle Rule Line">
             <a:extLst>
               <a:ext uri="{FF2B5EF4-FFF2-40B4-BE49-F238E27FC236}">
-                <a16:creationId xmlns:a16="http://schemas.microsoft.com/office/drawing/2014/main" xmlns="" id="{E0B1C946-866A-438C-82B4-5BEFCA92A355}"/>
+                <a16:creationId xmlns="" xmlns:a16="http://schemas.microsoft.com/office/drawing/2014/main" id="{E0B1C946-866A-438C-82B4-5BEFCA92A355}"/>
               </a:ext>
             </a:extLst>
           </p:cNvPr>
@@ -7780,6 +7780,13 @@
   <p:clrMapOvr>
     <a:masterClrMapping/>
   </p:clrMapOvr>
+  <p:timing>
+    <p:tnLst>
+      <p:par>
+        <p:cTn id="1" dur="indefinite" restart="never" nodeType="tmRoot"/>
+      </p:par>
+    </p:tnLst>
+  </p:timing>
 </p:sld>
 </file>
 
@@ -8699,6 +8706,13 @@
   <p:clrMapOvr>
     <a:masterClrMapping/>
   </p:clrMapOvr>
+  <p:timing>
+    <p:tnLst>
+      <p:par>
+        <p:cTn id="1" dur="indefinite" restart="never" nodeType="tmRoot"/>
+      </p:par>
+    </p:tnLst>
+  </p:timing>
 </p:sld>
 </file>
 
@@ -8736,8 +8750,22 @@
           <a:p>
             <a:r>
               <a:rPr lang="en-US" dirty="0" smtClean="0"/>
-              <a:t>Stream Processing</a:t>
-            </a:r>
+              <a:t>AWS Cost</a:t>
+            </a:r>
+            <a:br>
+              <a:rPr lang="en-US" dirty="0" smtClean="0"/>
+            </a:br>
+            <a:r>
+              <a:rPr lang="en-US" sz="2400" dirty="0" smtClean="0"/>
+              <a:t>a closer look</a:t>
+            </a:r>
+            <a:r>
+              <a:rPr lang="en-US" dirty="0" smtClean="0"/>
+              <a:t/>
+            </a:r>
+            <a:br>
+              <a:rPr lang="en-US" dirty="0" smtClean="0"/>
+            </a:br>
             <a:endParaRPr lang="en-US" dirty="0"/>
           </a:p>
         </p:txBody>
@@ -8754,23 +8782,165 @@
         </p:nvSpPr>
         <p:spPr/>
         <p:txBody>
-          <a:bodyPr/>
+          <a:bodyPr>
+            <a:normAutofit fontScale="92500" lnSpcReduction="10000"/>
+          </a:bodyPr>
           <a:lstStyle/>
           <a:p>
-            <a:endParaRPr lang="en-US"/>
+            <a:r>
+              <a:rPr lang="en-US" dirty="0" smtClean="0"/>
+              <a:t>Lambda</a:t>
+            </a:r>
+          </a:p>
+          <a:p>
+            <a:pPr lvl="1"/>
+            <a:r>
+              <a:rPr lang="en-US" dirty="0" smtClean="0"/>
+              <a:t>Free tier (1 million requests)</a:t>
+            </a:r>
+          </a:p>
+          <a:p>
+            <a:pPr lvl="1"/>
+            <a:r>
+              <a:rPr lang="en-US" dirty="0">
+                <a:hlinkClick r:id="rId2"/>
+              </a:rPr>
+              <a:t>https://aws.amazon.com/lambda/pricing</a:t>
+            </a:r>
+            <a:r>
+              <a:rPr lang="en-US" dirty="0" smtClean="0">
+                <a:hlinkClick r:id="rId2"/>
+              </a:rPr>
+              <a:t>/</a:t>
+            </a:r>
+            <a:endParaRPr lang="en-US" dirty="0" smtClean="0"/>
+          </a:p>
+          <a:p>
+            <a:r>
+              <a:rPr lang="en-US" dirty="0" smtClean="0"/>
+              <a:t>API Gateway</a:t>
+            </a:r>
+          </a:p>
+          <a:p>
+            <a:pPr lvl="1"/>
+            <a:r>
+              <a:rPr lang="en-US" dirty="0" smtClean="0"/>
+              <a:t>$3.50 per million API calls + data transfer</a:t>
+            </a:r>
+          </a:p>
+          <a:p>
+            <a:pPr lvl="1"/>
+            <a:r>
+              <a:rPr lang="en-US" dirty="0" smtClean="0"/>
+              <a:t>$0.09 / GB for the first 10 TB</a:t>
+            </a:r>
+          </a:p>
+          <a:p>
+            <a:pPr lvl="1"/>
+            <a:r>
+              <a:rPr lang="en-US" dirty="0">
+                <a:hlinkClick r:id="rId3"/>
+              </a:rPr>
+              <a:t>https://aws.amazon.com/api-gateway/pricing</a:t>
+            </a:r>
+            <a:r>
+              <a:rPr lang="en-US" dirty="0" smtClean="0">
+                <a:hlinkClick r:id="rId3"/>
+              </a:rPr>
+              <a:t>/</a:t>
+            </a:r>
+            <a:endParaRPr lang="en-US" dirty="0" smtClean="0"/>
+          </a:p>
+          <a:p>
+            <a:r>
+              <a:rPr lang="en-US" dirty="0" smtClean="0"/>
+              <a:t>S3</a:t>
+            </a:r>
+          </a:p>
+          <a:p>
+            <a:pPr lvl="1"/>
+            <a:r>
+              <a:rPr lang="en-US" dirty="0" smtClean="0"/>
+              <a:t>$0.023 / GB for the first 50TB per month</a:t>
+            </a:r>
+          </a:p>
+          <a:p>
+            <a:pPr lvl="1"/>
+            <a:r>
+              <a:rPr lang="en-US" dirty="0">
+                <a:hlinkClick r:id="rId4"/>
+              </a:rPr>
+              <a:t>https://aws.amazon.com/s3/pricing</a:t>
+            </a:r>
+            <a:r>
+              <a:rPr lang="en-US" dirty="0" smtClean="0">
+                <a:hlinkClick r:id="rId4"/>
+              </a:rPr>
+              <a:t>/</a:t>
+            </a:r>
+            <a:endParaRPr lang="en-US" dirty="0" smtClean="0"/>
+          </a:p>
+          <a:p>
+            <a:r>
+              <a:rPr lang="en-US" dirty="0" err="1" smtClean="0"/>
+              <a:t>DynamoDB</a:t>
+            </a:r>
+            <a:endParaRPr lang="en-US" dirty="0" smtClean="0"/>
+          </a:p>
+          <a:p>
+            <a:pPr lvl="1"/>
+            <a:r>
+              <a:rPr lang="en-US" dirty="0" smtClean="0"/>
+              <a:t>Free tier (200 million requests per month: 25 read/25 write, 25GB of storage)</a:t>
+            </a:r>
+          </a:p>
+          <a:p>
+            <a:pPr lvl="1"/>
+            <a:r>
+              <a:rPr lang="en-US" dirty="0"/>
+              <a:t>https://</a:t>
+            </a:r>
+            <a:r>
+              <a:rPr lang="en-US" dirty="0" err="1"/>
+              <a:t>aws.amazon.com</a:t>
+            </a:r>
+            <a:r>
+              <a:rPr lang="en-US" dirty="0"/>
+              <a:t>/</a:t>
+            </a:r>
+            <a:r>
+              <a:rPr lang="en-US" dirty="0" err="1"/>
+              <a:t>dynamodb</a:t>
+            </a:r>
+            <a:r>
+              <a:rPr lang="en-US" dirty="0"/>
+              <a:t>/pricing/</a:t>
+            </a:r>
+            <a:endParaRPr lang="en-US" dirty="0" smtClean="0"/>
+          </a:p>
+          <a:p>
+            <a:pPr lvl="1"/>
+            <a:endParaRPr lang="en-US" dirty="0"/>
           </a:p>
         </p:txBody>
       </p:sp>
     </p:spTree>
     <p:extLst>
       <p:ext uri="{BB962C8B-B14F-4D97-AF65-F5344CB8AC3E}">
-        <p14:creationId xmlns:p14="http://schemas.microsoft.com/office/powerpoint/2010/main" val="1454001785"/>
+        <p14:creationId xmlns:p14="http://schemas.microsoft.com/office/powerpoint/2010/main" val="460504530"/>
       </p:ext>
     </p:extLst>
   </p:cSld>
   <p:clrMapOvr>
     <a:masterClrMapping/>
   </p:clrMapOvr>
+  <p:timing>
+    <p:tnLst>
+      <p:par>
+        <p:cTn id="1" dur="indefinite" restart="never" nodeType="tmRoot"/>
+      </p:par>
+    </p:tnLst>
+  </p:timing>
 </p:sld>
 </file>
 
@@ -8808,41 +8978,62 @@
           <a:p>
             <a:r>
               <a:rPr lang="en-US" dirty="0" smtClean="0"/>
-              <a:t>Automation</a:t>
-            </a:r>
-            <a:endParaRPr lang="en-US" dirty="0"/>
-          </a:p>
-        </p:txBody>
-      </p:sp>
-      <p:sp>
-        <p:nvSpPr>
-          <p:cNvPr id="3" name="Content Placeholder 2"/>
-          <p:cNvSpPr>
-            <a:spLocks noGrp="1"/>
-          </p:cNvSpPr>
+              <a:t>Lambda</a:t>
+            </a:r>
+            <a:br>
+              <a:rPr lang="en-US" dirty="0" smtClean="0"/>
+            </a:br>
+            <a:r>
+              <a:rPr lang="en-US" sz="2400" dirty="0" smtClean="0"/>
+              <a:t>the rabbit hole</a:t>
+            </a:r>
+            <a:endParaRPr lang="en-US" sz="2400" dirty="0"/>
+          </a:p>
+        </p:txBody>
+      </p:sp>
+      <p:pic>
+        <p:nvPicPr>
+          <p:cNvPr id="4" name="Content Placeholder 3"/>
+          <p:cNvPicPr>
+            <a:picLocks noGrp="1" noChangeAspect="1"/>
+          </p:cNvPicPr>
           <p:nvPr>
             <p:ph idx="1"/>
           </p:nvPr>
-        </p:nvSpPr>
-        <p:spPr/>
-        <p:txBody>
-          <a:bodyPr/>
-          <a:lstStyle/>
-          <a:p>
-            <a:endParaRPr lang="en-US"/>
-          </a:p>
-        </p:txBody>
-      </p:sp>
+        </p:nvPicPr>
+        <p:blipFill>
+          <a:blip r:embed="rId2"/>
+          <a:stretch>
+            <a:fillRect/>
+          </a:stretch>
+        </p:blipFill>
+        <p:spPr>
+          <a:xfrm>
+            <a:off x="5181600" y="1865598"/>
+            <a:ext cx="6248400" cy="3061716"/>
+          </a:xfrm>
+          <a:prstGeom prst="rect">
+            <a:avLst/>
+          </a:prstGeom>
+        </p:spPr>
+      </p:pic>
     </p:spTree>
     <p:extLst>
       <p:ext uri="{BB962C8B-B14F-4D97-AF65-F5344CB8AC3E}">
-        <p14:creationId xmlns:p14="http://schemas.microsoft.com/office/powerpoint/2010/main" val="1191581282"/>
+        <p14:creationId xmlns:p14="http://schemas.microsoft.com/office/powerpoint/2010/main" val="405133803"/>
       </p:ext>
     </p:extLst>
   </p:cSld>
   <p:clrMapOvr>
     <a:masterClrMapping/>
   </p:clrMapOvr>
+  <p:timing>
+    <p:tnLst>
+      <p:par>
+        <p:cTn id="1" dur="indefinite" restart="never" nodeType="tmRoot"/>
+      </p:par>
+    </p:tnLst>
+  </p:timing>
 </p:sld>
 </file>
 
@@ -8880,27 +9071,16 @@
           <a:p>
             <a:r>
               <a:rPr lang="en-US" dirty="0" smtClean="0"/>
-              <a:t>AWS Cost</a:t>
-            </a:r>
-            <a:r>
-              <a:rPr lang="en-US" dirty="0" smtClean="0"/>
-              <a:t/>
+              <a:t>Lambda</a:t>
             </a:r>
             <a:br>
               <a:rPr lang="en-US" dirty="0" smtClean="0"/>
             </a:br>
             <a:r>
               <a:rPr lang="en-US" sz="2400" dirty="0" smtClean="0"/>
-              <a:t>a closer look</a:t>
-            </a:r>
-            <a:r>
-              <a:rPr lang="en-US" dirty="0" smtClean="0"/>
-              <a:t/>
-            </a:r>
-            <a:br>
-              <a:rPr lang="en-US" dirty="0" smtClean="0"/>
-            </a:br>
-            <a:endParaRPr lang="en-US" dirty="0"/>
+              <a:t>what is it</a:t>
+            </a:r>
+            <a:endParaRPr lang="en-US" sz="2400" dirty="0"/>
           </a:p>
         </p:txBody>
       </p:sp>
@@ -8914,154 +9094,67 @@
             <p:ph idx="1"/>
           </p:nvPr>
         </p:nvSpPr>
-        <p:spPr/>
+        <p:spPr>
+          <a:xfrm>
+            <a:off x="5181600" y="569066"/>
+            <a:ext cx="6248398" cy="2142050"/>
+          </a:xfrm>
+        </p:spPr>
         <p:txBody>
           <a:bodyPr>
-            <a:normAutofit fontScale="92500" lnSpcReduction="10000"/>
+            <a:normAutofit/>
           </a:bodyPr>
           <a:lstStyle/>
           <a:p>
-            <a:r>
-              <a:rPr lang="en-US" dirty="0" smtClean="0"/>
-              <a:t>Lambda</a:t>
-            </a:r>
-          </a:p>
-          <a:p>
-            <a:pPr lvl="1"/>
-            <a:r>
-              <a:rPr lang="en-US" dirty="0" smtClean="0"/>
-              <a:t>Free tier (1 million requests)</a:t>
-            </a:r>
-          </a:p>
-          <a:p>
-            <a:pPr lvl="1"/>
-            <a:r>
-              <a:rPr lang="en-US" dirty="0">
+            <a:pPr marL="0" lvl="0" indent="0">
+              <a:lnSpc>
+                <a:spcPct val="100000"/>
+              </a:lnSpc>
+              <a:spcBef>
+                <a:spcPts val="0"/>
+              </a:spcBef>
+              <a:buNone/>
+            </a:pPr>
+            <a:r>
+              <a:rPr lang="en-US" sz="2800" dirty="0">
                 <a:hlinkClick r:id="rId2"/>
               </a:rPr>
-              <a:t>https://aws.amazon.com/lambda/pricing</a:t>
-            </a:r>
-            <a:r>
-              <a:rPr lang="en-US" dirty="0" smtClean="0">
-                <a:hlinkClick r:id="rId2"/>
-              </a:rPr>
-              <a:t>/</a:t>
-            </a:r>
-            <a:endParaRPr lang="en-US" dirty="0" smtClean="0"/>
-          </a:p>
-          <a:p>
-            <a:r>
-              <a:rPr lang="en-US" dirty="0" smtClean="0"/>
-              <a:t>API Gateway</a:t>
-            </a:r>
-          </a:p>
-          <a:p>
-            <a:pPr lvl="1"/>
-            <a:r>
-              <a:rPr lang="en-US" dirty="0" smtClean="0"/>
-              <a:t>$3.50 per million API calls + data transfer</a:t>
-            </a:r>
-          </a:p>
-          <a:p>
-            <a:pPr lvl="1"/>
-            <a:r>
-              <a:rPr lang="en-US" dirty="0" smtClean="0"/>
-              <a:t>$0.09 / GB for the first 10 TB</a:t>
-            </a:r>
-          </a:p>
-          <a:p>
-            <a:pPr lvl="1"/>
-            <a:r>
-              <a:rPr lang="en-US" dirty="0">
-                <a:hlinkClick r:id="rId3"/>
-              </a:rPr>
-              <a:t>https://aws.amazon.com/api-gateway/pricing</a:t>
-            </a:r>
-            <a:r>
-              <a:rPr lang="en-US" dirty="0" smtClean="0">
-                <a:hlinkClick r:id="rId3"/>
-              </a:rPr>
-              <a:t>/</a:t>
-            </a:r>
-            <a:endParaRPr lang="en-US" dirty="0" smtClean="0"/>
-          </a:p>
-          <a:p>
-            <a:r>
-              <a:rPr lang="en-US" dirty="0" smtClean="0"/>
-              <a:t>S3</a:t>
-            </a:r>
-          </a:p>
-          <a:p>
-            <a:pPr lvl="1"/>
-            <a:r>
-              <a:rPr lang="en-US" dirty="0" smtClean="0"/>
-              <a:t>$0.023 / GB for the first 50TB per month</a:t>
-            </a:r>
-          </a:p>
-          <a:p>
-            <a:pPr lvl="1"/>
-            <a:r>
-              <a:rPr lang="en-US" dirty="0">
-                <a:hlinkClick r:id="rId4"/>
-              </a:rPr>
-              <a:t>https://aws.amazon.com/s3/pricing</a:t>
-            </a:r>
-            <a:r>
-              <a:rPr lang="en-US" dirty="0" smtClean="0">
-                <a:hlinkClick r:id="rId4"/>
-              </a:rPr>
-              <a:t>/</a:t>
-            </a:r>
-            <a:endParaRPr lang="en-US" dirty="0" smtClean="0"/>
-          </a:p>
-          <a:p>
-            <a:r>
-              <a:rPr lang="en-US" dirty="0" err="1" smtClean="0"/>
-              <a:t>DynamoDB</a:t>
-            </a:r>
-            <a:endParaRPr lang="en-US" dirty="0" smtClean="0"/>
-          </a:p>
-          <a:p>
-            <a:pPr lvl="1"/>
-            <a:r>
-              <a:rPr lang="en-US" dirty="0" smtClean="0"/>
-              <a:t>Free tier (200 million requests per month: 25 read/25 write, 25GB of storage)</a:t>
-            </a:r>
-          </a:p>
-          <a:p>
-            <a:pPr lvl="1"/>
-            <a:r>
-              <a:rPr lang="en-US" dirty="0"/>
-              <a:t>https://</a:t>
-            </a:r>
-            <a:r>
-              <a:rPr lang="en-US" dirty="0" err="1"/>
-              <a:t>aws.amazon.com</a:t>
-            </a:r>
-            <a:r>
-              <a:rPr lang="en-US" dirty="0"/>
-              <a:t>/</a:t>
-            </a:r>
-            <a:r>
-              <a:rPr lang="en-US" dirty="0" err="1"/>
-              <a:t>dynamodb</a:t>
-            </a:r>
-            <a:r>
-              <a:rPr lang="en-US" dirty="0"/>
-              <a:t>/pricing/</a:t>
-            </a:r>
-            <a:endParaRPr lang="en-US" dirty="0" smtClean="0"/>
-          </a:p>
-          <a:p>
-            <a:pPr lvl="1"/>
-            <a:endParaRPr lang="en-US" dirty="0"/>
+              <a:t>AWS Lambda</a:t>
+            </a:r>
+            <a:r>
+              <a:rPr lang="en-US" sz="2800" dirty="0"/>
+              <a:t> is a compute service that lets you run code without provisioning or managing </a:t>
+            </a:r>
+            <a:r>
+              <a:rPr lang="en-US" sz="2800" dirty="0" smtClean="0"/>
+              <a:t>servers</a:t>
+            </a:r>
+          </a:p>
+          <a:p>
+            <a:pPr marL="0" lvl="0" indent="0">
+              <a:lnSpc>
+                <a:spcPct val="100000"/>
+              </a:lnSpc>
+              <a:spcBef>
+                <a:spcPts val="0"/>
+              </a:spcBef>
+              <a:buNone/>
+            </a:pPr>
+            <a:r>
+              <a:rPr lang="en-US" sz="2800" dirty="0" smtClean="0"/>
+              <a:t>— </a:t>
+            </a:r>
+            <a:r>
+              <a:rPr lang="en-US" sz="2800" dirty="0"/>
+              <a:t>AWS Documentation</a:t>
+            </a:r>
           </a:p>
         </p:txBody>
       </p:sp>
     </p:spTree>
     <p:extLst>
       <p:ext uri="{BB962C8B-B14F-4D97-AF65-F5344CB8AC3E}">
-        <p14:creationId xmlns:p14="http://schemas.microsoft.com/office/powerpoint/2010/main" val="460504530"/>
+        <p14:creationId xmlns:p14="http://schemas.microsoft.com/office/powerpoint/2010/main" val="2028719974"/>
       </p:ext>
     </p:extLst>
   </p:cSld>
@@ -9187,7 +9280,6 @@
               <a:rPr lang="en-US" dirty="0" smtClean="0"/>
               <a:t>I’m learning everyday</a:t>
             </a:r>
-            <a:endParaRPr lang="en-US" dirty="0" smtClean="0"/>
           </a:p>
         </p:txBody>
       </p:sp>
@@ -9252,48 +9344,149 @@
             </a:br>
             <a:r>
               <a:rPr lang="en-US" sz="2400" dirty="0" smtClean="0"/>
-              <a:t>the rabbit hole</a:t>
+              <a:t>language/runtime support</a:t>
             </a:r>
             <a:endParaRPr lang="en-US" sz="2400" dirty="0"/>
           </a:p>
         </p:txBody>
       </p:sp>
-      <p:pic>
-        <p:nvPicPr>
-          <p:cNvPr id="4" name="Content Placeholder 3"/>
-          <p:cNvPicPr>
-            <a:picLocks noGrp="1" noChangeAspect="1"/>
-          </p:cNvPicPr>
+      <p:sp>
+        <p:nvSpPr>
+          <p:cNvPr id="3" name="Content Placeholder 2"/>
+          <p:cNvSpPr>
+            <a:spLocks noGrp="1"/>
+          </p:cNvSpPr>
           <p:nvPr>
             <p:ph idx="1"/>
           </p:nvPr>
-        </p:nvPicPr>
-        <p:blipFill>
-          <a:blip r:embed="rId2"/>
-          <a:stretch>
-            <a:fillRect/>
-          </a:stretch>
-        </p:blipFill>
-        <p:spPr>
-          <a:xfrm>
-            <a:off x="5181600" y="1865598"/>
-            <a:ext cx="6248400" cy="3061716"/>
-          </a:xfrm>
-          <a:prstGeom prst="rect">
-            <a:avLst/>
-          </a:prstGeom>
-        </p:spPr>
-      </p:pic>
+        </p:nvSpPr>
+        <p:spPr/>
+        <p:txBody>
+          <a:bodyPr/>
+          <a:lstStyle/>
+          <a:p>
+            <a:r>
+              <a:rPr lang="en-US" dirty="0" err="1" smtClean="0"/>
+              <a:t>NodeJS</a:t>
+            </a:r>
+            <a:endParaRPr lang="en-US" dirty="0" smtClean="0"/>
+          </a:p>
+          <a:p>
+            <a:r>
+              <a:rPr lang="en-US" dirty="0" smtClean="0"/>
+              <a:t>Python</a:t>
+            </a:r>
+          </a:p>
+          <a:p>
+            <a:r>
+              <a:rPr lang="en-US" dirty="0" smtClean="0"/>
+              <a:t>C#</a:t>
+            </a:r>
+          </a:p>
+          <a:p>
+            <a:pPr lvl="1"/>
+            <a:r>
+              <a:rPr lang="en-US" dirty="0" smtClean="0"/>
+              <a:t>DLLs too </a:t>
+            </a:r>
+          </a:p>
+          <a:p>
+            <a:r>
+              <a:rPr lang="en-US" dirty="0" smtClean="0"/>
+              <a:t>Java</a:t>
+            </a:r>
+          </a:p>
+          <a:p>
+            <a:pPr lvl="1"/>
+            <a:r>
+              <a:rPr lang="en-US" dirty="0" smtClean="0"/>
+              <a:t>This includes JVM languages</a:t>
+            </a:r>
+            <a:r>
+              <a:rPr lang="mr-IN" dirty="0" smtClean="0"/>
+              <a:t>…</a:t>
+            </a:r>
+            <a:r>
+              <a:rPr lang="en-US" dirty="0" smtClean="0"/>
+              <a:t> Scala, </a:t>
+            </a:r>
+            <a:r>
+              <a:rPr lang="en-US" dirty="0" err="1" smtClean="0"/>
+              <a:t>Kotlin</a:t>
+            </a:r>
+            <a:r>
+              <a:rPr lang="en-US" dirty="0" smtClean="0"/>
+              <a:t>, etc.</a:t>
+            </a:r>
+            <a:endParaRPr lang="en-US" dirty="0"/>
+          </a:p>
+          <a:p>
+            <a:r>
+              <a:rPr lang="en-US" dirty="0" smtClean="0"/>
+              <a:t>Shell scripts</a:t>
+            </a:r>
+          </a:p>
+          <a:p>
+            <a:r>
+              <a:rPr lang="en-US" dirty="0" smtClean="0"/>
+              <a:t>Executables</a:t>
+            </a:r>
+          </a:p>
+          <a:p>
+            <a:r>
+              <a:rPr lang="en-US" dirty="0" smtClean="0"/>
+              <a:t>Pretty much anything within reason </a:t>
+            </a:r>
+            <a:r>
+              <a:rPr lang="en-US" dirty="0" smtClean="0">
+                <a:sym typeface="Wingdings"/>
+              </a:rPr>
+              <a:t></a:t>
+            </a:r>
+            <a:endParaRPr lang="en-US" dirty="0" smtClean="0"/>
+          </a:p>
+          <a:p>
+            <a:pPr lvl="1"/>
+            <a:r>
+              <a:rPr lang="en-US" dirty="0"/>
+              <a:t>https://</a:t>
+            </a:r>
+            <a:r>
+              <a:rPr lang="en-US" dirty="0" err="1"/>
+              <a:t>aws.amazon.com</a:t>
+            </a:r>
+            <a:r>
+              <a:rPr lang="en-US" dirty="0"/>
+              <a:t>/blogs/compute/running-executables-in-</a:t>
+            </a:r>
+            <a:r>
+              <a:rPr lang="en-US" dirty="0" err="1"/>
+              <a:t>aws</a:t>
+            </a:r>
+            <a:r>
+              <a:rPr lang="en-US" dirty="0"/>
+              <a:t>-lambda/</a:t>
+            </a:r>
+          </a:p>
+        </p:txBody>
+      </p:sp>
     </p:spTree>
     <p:extLst>
       <p:ext uri="{BB962C8B-B14F-4D97-AF65-F5344CB8AC3E}">
-        <p14:creationId xmlns:p14="http://schemas.microsoft.com/office/powerpoint/2010/main" val="405133803"/>
+        <p14:creationId xmlns:p14="http://schemas.microsoft.com/office/powerpoint/2010/main" val="1532791319"/>
       </p:ext>
     </p:extLst>
   </p:cSld>
   <p:clrMapOvr>
     <a:masterClrMapping/>
   </p:clrMapOvr>
+  <p:timing>
+    <p:tnLst>
+      <p:par>
+        <p:cTn id="1" dur="indefinite" restart="never" nodeType="tmRoot"/>
+      </p:par>
+    </p:tnLst>
+  </p:timing>
 </p:sld>
 </file>
 
@@ -9338,200 +9531,7 @@
             </a:br>
             <a:r>
               <a:rPr lang="en-US" sz="2400" dirty="0" smtClean="0"/>
-              <a:t>language/runtime support</a:t>
-            </a:r>
-            <a:endParaRPr lang="en-US" sz="2400" dirty="0"/>
-          </a:p>
-        </p:txBody>
-      </p:sp>
-      <p:sp>
-        <p:nvSpPr>
-          <p:cNvPr id="3" name="Content Placeholder 2"/>
-          <p:cNvSpPr>
-            <a:spLocks noGrp="1"/>
-          </p:cNvSpPr>
-          <p:nvPr>
-            <p:ph idx="1"/>
-          </p:nvPr>
-        </p:nvSpPr>
-        <p:spPr/>
-        <p:txBody>
-          <a:bodyPr/>
-          <a:lstStyle/>
-          <a:p>
-            <a:r>
-              <a:rPr lang="en-US" dirty="0" err="1" smtClean="0"/>
-              <a:t>NodeJS</a:t>
-            </a:r>
-            <a:endParaRPr lang="en-US" dirty="0" smtClean="0"/>
-          </a:p>
-          <a:p>
-            <a:r>
-              <a:rPr lang="en-US" dirty="0" smtClean="0"/>
-              <a:t>Python</a:t>
-            </a:r>
-          </a:p>
-          <a:p>
-            <a:r>
-              <a:rPr lang="en-US" dirty="0" smtClean="0"/>
-              <a:t>C#</a:t>
-            </a:r>
-          </a:p>
-          <a:p>
-            <a:pPr lvl="1"/>
-            <a:r>
-              <a:rPr lang="en-US" dirty="0" smtClean="0"/>
-              <a:t>DLLs too </a:t>
-            </a:r>
-            <a:endParaRPr lang="en-US" dirty="0" smtClean="0"/>
-          </a:p>
-          <a:p>
-            <a:r>
-              <a:rPr lang="en-US" dirty="0" smtClean="0"/>
-              <a:t>Java</a:t>
-            </a:r>
-            <a:endParaRPr lang="en-US" dirty="0" smtClean="0"/>
-          </a:p>
-          <a:p>
-            <a:pPr lvl="1"/>
-            <a:r>
-              <a:rPr lang="en-US" dirty="0" smtClean="0"/>
-              <a:t>This includes JVM languages</a:t>
-            </a:r>
-            <a:r>
-              <a:rPr lang="mr-IN" dirty="0" smtClean="0"/>
-              <a:t>…</a:t>
-            </a:r>
-            <a:r>
-              <a:rPr lang="en-US" dirty="0" smtClean="0"/>
-              <a:t> Scala, </a:t>
-            </a:r>
-            <a:r>
-              <a:rPr lang="en-US" dirty="0" err="1" smtClean="0"/>
-              <a:t>Kotlin</a:t>
-            </a:r>
-            <a:r>
-              <a:rPr lang="en-US" dirty="0" smtClean="0"/>
-              <a:t>, etc.</a:t>
-            </a:r>
-            <a:endParaRPr lang="en-US" dirty="0"/>
-          </a:p>
-          <a:p>
-            <a:r>
-              <a:rPr lang="en-US" dirty="0" smtClean="0"/>
-              <a:t>Shell scripts</a:t>
-            </a:r>
-          </a:p>
-          <a:p>
-            <a:r>
-              <a:rPr lang="en-US" dirty="0" smtClean="0"/>
-              <a:t>Executables</a:t>
-            </a:r>
-          </a:p>
-          <a:p>
-            <a:r>
-              <a:rPr lang="en-US" dirty="0" smtClean="0"/>
-              <a:t>Pretty much anything within reason </a:t>
-            </a:r>
-            <a:r>
-              <a:rPr lang="en-US" dirty="0" smtClean="0">
-                <a:sym typeface="Wingdings"/>
-              </a:rPr>
-              <a:t></a:t>
-            </a:r>
-            <a:endParaRPr lang="en-US" dirty="0" smtClean="0"/>
-          </a:p>
-          <a:p>
-            <a:pPr lvl="1"/>
-            <a:r>
-              <a:rPr lang="en-US" dirty="0"/>
-              <a:t>https://</a:t>
-            </a:r>
-            <a:r>
-              <a:rPr lang="en-US" dirty="0" err="1"/>
-              <a:t>aws.amazon.com</a:t>
-            </a:r>
-            <a:r>
-              <a:rPr lang="en-US" dirty="0"/>
-              <a:t>/blogs/compute/running-executables-in-</a:t>
-            </a:r>
-            <a:r>
-              <a:rPr lang="en-US" dirty="0" err="1"/>
-              <a:t>aws</a:t>
-            </a:r>
-            <a:r>
-              <a:rPr lang="en-US" dirty="0"/>
-              <a:t>-lambda/</a:t>
-            </a:r>
-          </a:p>
-        </p:txBody>
-      </p:sp>
-    </p:spTree>
-    <p:extLst>
-      <p:ext uri="{BB962C8B-B14F-4D97-AF65-F5344CB8AC3E}">
-        <p14:creationId xmlns:p14="http://schemas.microsoft.com/office/powerpoint/2010/main" val="1532791319"/>
-      </p:ext>
-    </p:extLst>
-  </p:cSld>
-  <p:clrMapOvr>
-    <a:masterClrMapping/>
-  </p:clrMapOvr>
-  <p:timing>
-    <p:tnLst>
-      <p:par>
-        <p:cTn id="1" dur="indefinite" restart="never" nodeType="tmRoot"/>
-      </p:par>
-    </p:tnLst>
-  </p:timing>
-</p:sld>
-</file>
-
-<file path=ppt/slides/slide22.xml><?xml version="1.0" encoding="utf-8"?>
-<p:sld xmlns:a="http://schemas.openxmlformats.org/drawingml/2006/main" xmlns:r="http://schemas.openxmlformats.org/officeDocument/2006/relationships" xmlns:p="http://schemas.openxmlformats.org/presentationml/2006/main">
-  <p:cSld>
-    <p:spTree>
-      <p:nvGrpSpPr>
-        <p:cNvPr id="1" name=""/>
-        <p:cNvGrpSpPr/>
-        <p:nvPr/>
-      </p:nvGrpSpPr>
-      <p:grpSpPr>
-        <a:xfrm>
-          <a:off x="0" y="0"/>
-          <a:ext cx="0" cy="0"/>
-          <a:chOff x="0" y="0"/>
-          <a:chExt cx="0" cy="0"/>
-        </a:xfrm>
-      </p:grpSpPr>
-      <p:sp>
-        <p:nvSpPr>
-          <p:cNvPr id="2" name="Title 1"/>
-          <p:cNvSpPr>
-            <a:spLocks noGrp="1"/>
-          </p:cNvSpPr>
-          <p:nvPr>
-            <p:ph type="title"/>
-          </p:nvPr>
-        </p:nvSpPr>
-        <p:spPr/>
-        <p:txBody>
-          <a:bodyPr/>
-          <a:lstStyle/>
-          <a:p>
-            <a:r>
-              <a:rPr lang="en-US" dirty="0" smtClean="0"/>
-              <a:t>Lambda</a:t>
-            </a:r>
-            <a:br>
-              <a:rPr lang="en-US" dirty="0" smtClean="0"/>
-            </a:br>
-            <a:r>
-              <a:rPr lang="en-US" sz="2400" dirty="0" smtClean="0"/>
-              <a:t>what </a:t>
-            </a:r>
-            <a:r>
-              <a:rPr lang="en-US" sz="2400" dirty="0" smtClean="0"/>
-              <a:t>it really looks like</a:t>
+              <a:t>what it really looks like</a:t>
             </a:r>
             <a:endParaRPr lang="en-US" sz="2400" dirty="0"/>
           </a:p>
@@ -10116,7 +10116,7 @@
 </p:sld>
 </file>
 
-<file path=ppt/slides/slide23.xml><?xml version="1.0" encoding="utf-8"?>
+<file path=ppt/slides/slide22.xml><?xml version="1.0" encoding="utf-8"?>
 <p:sld xmlns:a="http://schemas.openxmlformats.org/drawingml/2006/main" xmlns:r="http://schemas.openxmlformats.org/officeDocument/2006/relationships" xmlns:p="http://schemas.openxmlformats.org/presentationml/2006/main">
   <p:cSld>
     <p:spTree>
@@ -10272,6 +10272,116 @@
 </p:sld>
 </file>
 
+<file path=ppt/slides/slide23.xml><?xml version="1.0" encoding="utf-8"?>
+<p:sld xmlns:a="http://schemas.openxmlformats.org/drawingml/2006/main" xmlns:r="http://schemas.openxmlformats.org/officeDocument/2006/relationships" xmlns:p="http://schemas.openxmlformats.org/presentationml/2006/main">
+  <p:cSld>
+    <p:spTree>
+      <p:nvGrpSpPr>
+        <p:cNvPr id="1" name=""/>
+        <p:cNvGrpSpPr/>
+        <p:nvPr/>
+      </p:nvGrpSpPr>
+      <p:grpSpPr>
+        <a:xfrm>
+          <a:off x="0" y="0"/>
+          <a:ext cx="0" cy="0"/>
+          <a:chOff x="0" y="0"/>
+          <a:chExt cx="0" cy="0"/>
+        </a:xfrm>
+      </p:grpSpPr>
+      <p:sp>
+        <p:nvSpPr>
+          <p:cNvPr id="2" name="Title 1"/>
+          <p:cNvSpPr>
+            <a:spLocks noGrp="1"/>
+          </p:cNvSpPr>
+          <p:nvPr>
+            <p:ph type="title"/>
+          </p:nvPr>
+        </p:nvSpPr>
+        <p:spPr/>
+        <p:txBody>
+          <a:bodyPr>
+            <a:normAutofit/>
+          </a:bodyPr>
+          <a:lstStyle/>
+          <a:p>
+            <a:r>
+              <a:rPr lang="en-US" sz="4000" dirty="0" smtClean="0"/>
+              <a:t>API-Gateway</a:t>
+            </a:r>
+            <a:endParaRPr lang="en-US" sz="4000" dirty="0"/>
+          </a:p>
+        </p:txBody>
+      </p:sp>
+      <p:sp>
+        <p:nvSpPr>
+          <p:cNvPr id="3" name="Content Placeholder 2"/>
+          <p:cNvSpPr>
+            <a:spLocks noGrp="1"/>
+          </p:cNvSpPr>
+          <p:nvPr>
+            <p:ph idx="1"/>
+          </p:nvPr>
+        </p:nvSpPr>
+        <p:spPr/>
+        <p:txBody>
+          <a:bodyPr/>
+          <a:lstStyle/>
+          <a:p>
+            <a:r>
+              <a:rPr lang="en-US" dirty="0" smtClean="0"/>
+              <a:t>REST endpoint provider</a:t>
+            </a:r>
+          </a:p>
+          <a:p>
+            <a:r>
+              <a:rPr lang="en-US" dirty="0" smtClean="0"/>
+              <a:t>Built in monitoring (</a:t>
+            </a:r>
+            <a:r>
+              <a:rPr lang="en-US" dirty="0" err="1" smtClean="0"/>
+              <a:t>CloudWatch</a:t>
+            </a:r>
+            <a:r>
+              <a:rPr lang="en-US" dirty="0" smtClean="0"/>
+              <a:t>)</a:t>
+            </a:r>
+          </a:p>
+          <a:p>
+            <a:r>
+              <a:rPr lang="en-US" dirty="0" smtClean="0"/>
+              <a:t>Run APIs without servers</a:t>
+            </a:r>
+          </a:p>
+          <a:p>
+            <a:r>
+              <a:rPr lang="en-US" dirty="0" smtClean="0"/>
+              <a:t>Scalable</a:t>
+            </a:r>
+          </a:p>
+          <a:p>
+            <a:r>
+              <a:rPr lang="en-US" smtClean="0"/>
+              <a:t>Develop efficiently</a:t>
+            </a:r>
+            <a:endParaRPr lang="en-US" dirty="0"/>
+          </a:p>
+        </p:txBody>
+      </p:sp>
+    </p:spTree>
+    <p:extLst>
+      <p:ext uri="{BB962C8B-B14F-4D97-AF65-F5344CB8AC3E}">
+        <p14:creationId xmlns:p14="http://schemas.microsoft.com/office/powerpoint/2010/main" val="544503135"/>
+      </p:ext>
+    </p:extLst>
+  </p:cSld>
+  <p:clrMapOvr>
+    <a:masterClrMapping/>
+  </p:clrMapOvr>
+</p:sld>
+</file>
+
 <file path=ppt/slides/slide24.xml><?xml version="1.0" encoding="utf-8"?>
 <p:sld xmlns:a="http://schemas.openxmlformats.org/drawingml/2006/main" xmlns:r="http://schemas.openxmlformats.org/officeDocument/2006/relationships" xmlns:p="http://schemas.openxmlformats.org/presentationml/2006/main">
   <p:cSld>
@@ -10377,6 +10487,13 @@
   <p:clrMapOvr>
     <a:masterClrMapping/>
   </p:clrMapOvr>
+  <p:timing>
+    <p:tnLst>
+      <p:par>
+        <p:cTn id="1" dur="indefinite" restart="never" nodeType="tmRoot"/>
+      </p:par>
+    </p:tnLst>
+  </p:timing>
 </p:sld>
 </file>
 
@@ -10464,6 +10581,13 @@
   <p:clrMapOvr>
     <a:masterClrMapping/>
   </p:clrMapOvr>
+  <p:timing>
+    <p:tnLst>
+      <p:par>
+        <p:cTn id="1" dur="indefinite" restart="never" nodeType="tmRoot"/>
+      </p:par>
+    </p:tnLst>
+  </p:timing>
 </p:sld>
 </file>
 
@@ -10554,6 +10678,13 @@
   <p:clrMapOvr>
     <a:masterClrMapping/>
   </p:clrMapOvr>
+  <p:timing>
+    <p:tnLst>
+      <p:par>
+        <p:cTn id="1" dur="indefinite" restart="never" nodeType="tmRoot"/>
+      </p:par>
+    </p:tnLst>
+  </p:timing>
 </p:sld>
 </file>
 
@@ -10638,6 +10769,13 @@
   <p:clrMapOvr>
     <a:masterClrMapping/>
   </p:clrMapOvr>
+  <p:timing>
+    <p:tnLst>
+      <p:par>
+        <p:cTn id="1" dur="indefinite" restart="never" nodeType="tmRoot"/>
+      </p:par>
+    </p:tnLst>
+  </p:timing>
 </p:sld>
 </file>
 
@@ -10733,6 +10871,13 @@
   <p:clrMapOvr>
     <a:masterClrMapping/>
   </p:clrMapOvr>
+  <p:timing>
+    <p:tnLst>
+      <p:par>
+        <p:cTn id="1" dur="indefinite" restart="never" nodeType="tmRoot"/>
+      </p:par>
+    </p:tnLst>
+  </p:timing>
 </p:sld>
 </file>
 
@@ -10869,6 +11014,13 @@
   <p:clrMapOvr>
     <a:masterClrMapping/>
   </p:clrMapOvr>
+  <p:timing>
+    <p:tnLst>
+      <p:par>
+        <p:cTn id="1" dur="indefinite" restart="never" nodeType="tmRoot"/>
+      </p:par>
+    </p:tnLst>
+  </p:timing>
 </p:sld>
 </file>
 
@@ -11163,6 +11315,13 @@
   <p:clrMapOvr>
     <a:masterClrMapping/>
   </p:clrMapOvr>
+  <p:timing>
+    <p:tnLst>
+      <p:par>
+        <p:cTn id="1" dur="indefinite" restart="never" nodeType="tmRoot"/>
+      </p:par>
+    </p:tnLst>
+  </p:timing>
 </p:sld>
 </file>
 
@@ -11235,6 +11394,13 @@
   <p:clrMapOvr>
     <a:masterClrMapping/>
   </p:clrMapOvr>
+  <p:timing>
+    <p:tnLst>
+      <p:par>
+        <p:cTn id="1" dur="indefinite" restart="never" nodeType="tmRoot"/>
+      </p:par>
+    </p:tnLst>
+  </p:timing>
 </p:sld>
 </file>
 
@@ -11529,16 +11695,17 @@
           <a:p>
             <a:r>
               <a:rPr lang="en-US" dirty="0" smtClean="0"/>
-              <a:t>Use Cases</a:t>
-            </a:r>
-            <a:br>
-              <a:rPr lang="en-US" dirty="0" smtClean="0"/>
-            </a:br>
-            <a:r>
-              <a:rPr lang="en-US" sz="2400" dirty="0" smtClean="0"/>
-              <a:t>we will see this again</a:t>
-            </a:r>
-            <a:endParaRPr lang="en-US" sz="2400" dirty="0"/>
+              <a:t>Why </a:t>
+            </a:r>
+            <a:r>
+              <a:rPr lang="en-US" dirty="0" err="1" smtClean="0"/>
+              <a:t>Serverless</a:t>
+            </a:r>
+            <a:r>
+              <a:rPr lang="en-US" dirty="0" smtClean="0"/>
+              <a:t> </a:t>
+            </a:r>
+            <a:endParaRPr lang="en-US" dirty="0"/>
           </a:p>
         </p:txBody>
       </p:sp>
@@ -11559,62 +11726,33 @@
           <a:p>
             <a:r>
               <a:rPr lang="en-US" dirty="0" smtClean="0"/>
-              <a:t>3 Tier Web Application</a:t>
-            </a:r>
-          </a:p>
-          <a:p>
-            <a:r>
-              <a:rPr lang="en-US" dirty="0" smtClean="0"/>
-              <a:t>Batch Processing</a:t>
-            </a:r>
-          </a:p>
-          <a:p>
-            <a:r>
-              <a:rPr lang="en-US" dirty="0" smtClean="0"/>
-              <a:t>Stream Processing</a:t>
-            </a:r>
-          </a:p>
-          <a:p>
-            <a:r>
-              <a:rPr lang="en-US" dirty="0" smtClean="0"/>
-              <a:t>Automation</a:t>
-            </a:r>
-          </a:p>
-          <a:p>
-            <a:r>
-              <a:rPr lang="en-US" dirty="0" smtClean="0"/>
-              <a:t>Mobile </a:t>
-            </a:r>
-            <a:r>
-              <a:rPr lang="en-US" dirty="0" err="1" smtClean="0"/>
-              <a:t>backends</a:t>
-            </a:r>
-            <a:endParaRPr lang="en-US" dirty="0" smtClean="0"/>
-          </a:p>
-          <a:p>
-            <a:r>
-              <a:rPr lang="en-US" dirty="0" err="1" smtClean="0"/>
-              <a:t>IoT</a:t>
-            </a:r>
-            <a:r>
-              <a:rPr lang="en-US" dirty="0" smtClean="0"/>
-              <a:t> </a:t>
-            </a:r>
-            <a:r>
-              <a:rPr lang="en-US" smtClean="0"/>
-              <a:t>backends</a:t>
-            </a:r>
-            <a:endParaRPr lang="en-US" dirty="0" smtClean="0"/>
-          </a:p>
-          <a:p>
-            <a:endParaRPr lang="en-US" dirty="0"/>
+              <a:t>Scalable</a:t>
+            </a:r>
+          </a:p>
+          <a:p>
+            <a:r>
+              <a:rPr lang="en-US" dirty="0" smtClean="0"/>
+              <a:t>Managed</a:t>
+            </a:r>
+          </a:p>
+          <a:p>
+            <a:r>
+              <a:rPr lang="en-US" dirty="0" smtClean="0"/>
+              <a:t>Services</a:t>
+            </a:r>
+          </a:p>
+          <a:p>
+            <a:r>
+              <a:rPr lang="en-US" dirty="0" smtClean="0"/>
+              <a:t>Cost</a:t>
+            </a:r>
           </a:p>
         </p:txBody>
       </p:sp>
     </p:spTree>
     <p:extLst>
       <p:ext uri="{BB962C8B-B14F-4D97-AF65-F5344CB8AC3E}">
-        <p14:creationId xmlns:p14="http://schemas.microsoft.com/office/powerpoint/2010/main" val="1361616562"/>
+        <p14:creationId xmlns:p14="http://schemas.microsoft.com/office/powerpoint/2010/main" val="634894413"/>
       </p:ext>
     </p:extLst>
   </p:cSld>
@@ -11665,17 +11803,16 @@
           <a:p>
             <a:r>
               <a:rPr lang="en-US" dirty="0" smtClean="0"/>
-              <a:t>Why </a:t>
-            </a:r>
-            <a:r>
-              <a:rPr lang="en-US" dirty="0" err="1" smtClean="0"/>
-              <a:t>Serverless</a:t>
-            </a:r>
-            <a:r>
-              <a:rPr lang="en-US" dirty="0" smtClean="0"/>
-              <a:t> </a:t>
-            </a:r>
-            <a:endParaRPr lang="en-US" dirty="0"/>
+              <a:t>Use Cases</a:t>
+            </a:r>
+            <a:br>
+              <a:rPr lang="en-US" dirty="0" smtClean="0"/>
+            </a:br>
+            <a:r>
+              <a:rPr lang="en-US" sz="2400" dirty="0" smtClean="0"/>
+              <a:t>we will see this again</a:t>
+            </a:r>
+            <a:endParaRPr lang="en-US" sz="2400" dirty="0"/>
           </a:p>
         </p:txBody>
       </p:sp>
@@ -11696,33 +11833,62 @@
           <a:p>
             <a:r>
               <a:rPr lang="en-US" dirty="0" smtClean="0"/>
-              <a:t>Scalable</a:t>
-            </a:r>
-          </a:p>
-          <a:p>
-            <a:r>
-              <a:rPr lang="en-US" dirty="0" smtClean="0"/>
-              <a:t>Managed</a:t>
-            </a:r>
-          </a:p>
-          <a:p>
-            <a:r>
-              <a:rPr lang="en-US" dirty="0" smtClean="0"/>
-              <a:t>Services</a:t>
-            </a:r>
-          </a:p>
-          <a:p>
-            <a:r>
-              <a:rPr lang="en-US" dirty="0" smtClean="0"/>
-              <a:t>Cost</a:t>
-            </a:r>
+              <a:t>3 Tier Web Application</a:t>
+            </a:r>
+          </a:p>
+          <a:p>
+            <a:r>
+              <a:rPr lang="en-US" dirty="0" smtClean="0"/>
+              <a:t>Batch Processing</a:t>
+            </a:r>
+          </a:p>
+          <a:p>
+            <a:r>
+              <a:rPr lang="en-US" dirty="0" smtClean="0"/>
+              <a:t>Stream Processing</a:t>
+            </a:r>
+          </a:p>
+          <a:p>
+            <a:r>
+              <a:rPr lang="en-US" dirty="0" smtClean="0"/>
+              <a:t>Automation</a:t>
+            </a:r>
+          </a:p>
+          <a:p>
+            <a:r>
+              <a:rPr lang="en-US" dirty="0" smtClean="0"/>
+              <a:t>Mobile </a:t>
+            </a:r>
+            <a:r>
+              <a:rPr lang="en-US" dirty="0" err="1" smtClean="0"/>
+              <a:t>backends</a:t>
+            </a:r>
+            <a:endParaRPr lang="en-US" dirty="0" smtClean="0"/>
+          </a:p>
+          <a:p>
+            <a:r>
+              <a:rPr lang="en-US" dirty="0" err="1" smtClean="0"/>
+              <a:t>IoT</a:t>
+            </a:r>
+            <a:r>
+              <a:rPr lang="en-US" dirty="0" smtClean="0"/>
+              <a:t> </a:t>
+            </a:r>
+            <a:r>
+              <a:rPr lang="en-US" dirty="0" err="1" smtClean="0"/>
+              <a:t>backends</a:t>
+            </a:r>
+            <a:endParaRPr lang="en-US" dirty="0" smtClean="0"/>
+          </a:p>
+          <a:p>
+            <a:endParaRPr lang="en-US" dirty="0"/>
           </a:p>
         </p:txBody>
       </p:sp>
     </p:spTree>
     <p:extLst>
       <p:ext uri="{BB962C8B-B14F-4D97-AF65-F5344CB8AC3E}">
-        <p14:creationId xmlns:p14="http://schemas.microsoft.com/office/powerpoint/2010/main" val="634894413"/>
+        <p14:creationId xmlns:p14="http://schemas.microsoft.com/office/powerpoint/2010/main" val="1361616562"/>
       </p:ext>
     </p:extLst>
   </p:cSld>
@@ -11773,7 +11939,11 @@
           <a:p>
             <a:r>
               <a:rPr lang="en-US" dirty="0" smtClean="0"/>
-              <a:t>What about</a:t>
+              <a:t>Why NOT </a:t>
+            </a:r>
+            <a:r>
+              <a:rPr lang="en-US" dirty="0" err="1" smtClean="0"/>
+              <a:t>Serverless</a:t>
             </a:r>
             <a:endParaRPr lang="en-US" dirty="0"/>
           </a:p>
@@ -11796,13 +11966,19 @@
           <a:p>
             <a:r>
               <a:rPr lang="en-US" dirty="0" smtClean="0"/>
-              <a:t>Containers</a:t>
-            </a:r>
-          </a:p>
-          <a:p>
-            <a:r>
-              <a:rPr lang="en-US" dirty="0" smtClean="0"/>
-              <a:t>Micro-services</a:t>
+              <a:t>Fine grained environment control is needed</a:t>
+            </a:r>
+          </a:p>
+          <a:p>
+            <a:r>
+              <a:rPr lang="en-US" dirty="0" smtClean="0"/>
+              <a:t>On-premise/co-location applications not available in the public cloud</a:t>
+            </a:r>
+          </a:p>
+          <a:p>
+            <a:r>
+              <a:rPr lang="en-US" dirty="0" smtClean="0"/>
+              <a:t>PII issues with data and customer contracts</a:t>
             </a:r>
             <a:endParaRPr lang="en-US" dirty="0"/>
           </a:p>
@@ -11811,7 +11987,7 @@
     </p:spTree>
     <p:extLst>
       <p:ext uri="{BB962C8B-B14F-4D97-AF65-F5344CB8AC3E}">
-        <p14:creationId xmlns:p14="http://schemas.microsoft.com/office/powerpoint/2010/main" val="268825360"/>
+        <p14:creationId xmlns:p14="http://schemas.microsoft.com/office/powerpoint/2010/main" val="1422429233"/>
       </p:ext>
     </p:extLst>
   </p:cSld>

--- a/going-serverless-2017.pptx
+++ b/going-serverless-2017.pptx
@@ -5,7 +5,7 @@
     <p:sldMasterId id="2147484390" r:id="rId1"/>
   </p:sldMasterIdLst>
   <p:notesMasterIdLst>
-    <p:notesMasterId r:id="rId33"/>
+    <p:notesMasterId r:id="rId32"/>
   </p:notesMasterIdLst>
   <p:sldIdLst>
     <p:sldId id="256" r:id="rId2"/>
@@ -31,14 +31,13 @@
     <p:sldId id="277" r:id="rId22"/>
     <p:sldId id="273" r:id="rId23"/>
     <p:sldId id="297" r:id="rId24"/>
-    <p:sldId id="275" r:id="rId25"/>
-    <p:sldId id="263" r:id="rId26"/>
-    <p:sldId id="269" r:id="rId27"/>
-    <p:sldId id="270" r:id="rId28"/>
-    <p:sldId id="271" r:id="rId29"/>
-    <p:sldId id="291" r:id="rId30"/>
-    <p:sldId id="289" r:id="rId31"/>
-    <p:sldId id="272" r:id="rId32"/>
+    <p:sldId id="263" r:id="rId25"/>
+    <p:sldId id="269" r:id="rId26"/>
+    <p:sldId id="270" r:id="rId27"/>
+    <p:sldId id="271" r:id="rId28"/>
+    <p:sldId id="291" r:id="rId29"/>
+    <p:sldId id="289" r:id="rId30"/>
+    <p:sldId id="272" r:id="rId31"/>
   </p:sldIdLst>
   <p:sldSz cx="12192000" cy="6858000"/>
   <p:notesSz cx="6858000" cy="9144000"/>
@@ -9097,7 +9096,7 @@
         <p:spPr>
           <a:xfrm>
             <a:off x="5181600" y="569066"/>
-            <a:ext cx="6248398" cy="2142050"/>
+            <a:ext cx="6248398" cy="5542976"/>
           </a:xfrm>
         </p:spPr>
         <p:txBody>
@@ -9146,7 +9145,79 @@
             </a:r>
             <a:r>
               <a:rPr lang="en-US" sz="2800" dirty="0"/>
-              <a:t>AWS Documentation</a:t>
+              <a:t>AWS </a:t>
+            </a:r>
+            <a:r>
+              <a:rPr lang="en-US" sz="2800" dirty="0" smtClean="0"/>
+              <a:t>Documentation</a:t>
+            </a:r>
+          </a:p>
+          <a:p>
+            <a:pPr marL="0" lvl="0" indent="0">
+              <a:lnSpc>
+                <a:spcPct val="100000"/>
+              </a:lnSpc>
+              <a:spcBef>
+                <a:spcPts val="0"/>
+              </a:spcBef>
+              <a:buNone/>
+            </a:pPr>
+            <a:endParaRPr lang="en-US" sz="2800" dirty="0"/>
+          </a:p>
+          <a:p>
+            <a:pPr>
+              <a:lnSpc>
+                <a:spcPct val="100000"/>
+              </a:lnSpc>
+              <a:spcBef>
+                <a:spcPts val="0"/>
+              </a:spcBef>
+            </a:pPr>
+            <a:r>
+              <a:rPr lang="en-US" sz="2800" dirty="0" smtClean="0"/>
+              <a:t>Scalable</a:t>
+            </a:r>
+          </a:p>
+          <a:p>
+            <a:pPr>
+              <a:lnSpc>
+                <a:spcPct val="100000"/>
+              </a:lnSpc>
+              <a:spcBef>
+                <a:spcPts val="0"/>
+              </a:spcBef>
+            </a:pPr>
+            <a:r>
+              <a:rPr lang="en-US" sz="2800" dirty="0" smtClean="0"/>
+              <a:t>Pay per use</a:t>
+            </a:r>
+          </a:p>
+          <a:p>
+            <a:pPr>
+              <a:lnSpc>
+                <a:spcPct val="100000"/>
+              </a:lnSpc>
+              <a:spcBef>
+                <a:spcPts val="0"/>
+              </a:spcBef>
+            </a:pPr>
+            <a:r>
+              <a:rPr lang="en-US" sz="2800" dirty="0" smtClean="0"/>
+              <a:t>Managed</a:t>
+            </a:r>
+          </a:p>
+          <a:p>
+            <a:pPr>
+              <a:lnSpc>
+                <a:spcPct val="100000"/>
+              </a:lnSpc>
+              <a:spcBef>
+                <a:spcPts val="0"/>
+              </a:spcBef>
+            </a:pPr>
+            <a:r>
+              <a:rPr lang="en-US" sz="2800" smtClean="0"/>
+              <a:t>No admininstration</a:t>
             </a:r>
           </a:p>
         </p:txBody>
@@ -10362,7 +10433,7 @@
           </a:p>
           <a:p>
             <a:r>
-              <a:rPr lang="en-US" smtClean="0"/>
+              <a:rPr lang="en-US" dirty="0" smtClean="0"/>
               <a:t>Develop efficiently</a:t>
             </a:r>
             <a:endParaRPr lang="en-US" dirty="0"/>
@@ -10416,121 +10487,6 @@
           <a:p>
             <a:r>
               <a:rPr lang="en-US" dirty="0" smtClean="0"/>
-              <a:t>Services</a:t>
-            </a:r>
-            <a:endParaRPr lang="en-US" dirty="0"/>
-          </a:p>
-        </p:txBody>
-      </p:sp>
-      <p:sp>
-        <p:nvSpPr>
-          <p:cNvPr id="3" name="Content Placeholder 2"/>
-          <p:cNvSpPr>
-            <a:spLocks noGrp="1"/>
-          </p:cNvSpPr>
-          <p:nvPr>
-            <p:ph idx="1"/>
-          </p:nvPr>
-        </p:nvSpPr>
-        <p:spPr/>
-        <p:txBody>
-          <a:bodyPr/>
-          <a:lstStyle/>
-          <a:p>
-            <a:r>
-              <a:rPr lang="en-US" dirty="0" smtClean="0"/>
-              <a:t>API-Gateway</a:t>
-            </a:r>
-          </a:p>
-          <a:p>
-            <a:r>
-              <a:rPr lang="en-US" dirty="0" err="1" smtClean="0"/>
-              <a:t>Cognito</a:t>
-            </a:r>
-            <a:endParaRPr lang="en-US" dirty="0" smtClean="0"/>
-          </a:p>
-          <a:p>
-            <a:r>
-              <a:rPr lang="en-US" dirty="0" smtClean="0"/>
-              <a:t>S3</a:t>
-            </a:r>
-          </a:p>
-          <a:p>
-            <a:r>
-              <a:rPr lang="en-US" dirty="0" smtClean="0"/>
-              <a:t>SNS</a:t>
-            </a:r>
-          </a:p>
-          <a:p>
-            <a:r>
-              <a:rPr lang="en-US" dirty="0" err="1" smtClean="0"/>
-              <a:t>Kinises</a:t>
-            </a:r>
-            <a:endParaRPr lang="en-US" dirty="0" smtClean="0"/>
-          </a:p>
-          <a:p>
-            <a:r>
-              <a:rPr lang="en-US" dirty="0" smtClean="0"/>
-              <a:t>Etc..</a:t>
-            </a:r>
-            <a:endParaRPr lang="en-US" dirty="0"/>
-          </a:p>
-        </p:txBody>
-      </p:sp>
-    </p:spTree>
-    <p:extLst>
-      <p:ext uri="{BB962C8B-B14F-4D97-AF65-F5344CB8AC3E}">
-        <p14:creationId xmlns:p14="http://schemas.microsoft.com/office/powerpoint/2010/main" val="2036119871"/>
-      </p:ext>
-    </p:extLst>
-  </p:cSld>
-  <p:clrMapOvr>
-    <a:masterClrMapping/>
-  </p:clrMapOvr>
-  <p:timing>
-    <p:tnLst>
-      <p:par>
-        <p:cTn id="1" dur="indefinite" restart="never" nodeType="tmRoot"/>
-      </p:par>
-    </p:tnLst>
-  </p:timing>
-</p:sld>
-</file>
-
-<file path=ppt/slides/slide25.xml><?xml version="1.0" encoding="utf-8"?>
-<p:sld xmlns:a="http://schemas.openxmlformats.org/drawingml/2006/main" xmlns:r="http://schemas.openxmlformats.org/officeDocument/2006/relationships" xmlns:p="http://schemas.openxmlformats.org/presentationml/2006/main">
-  <p:cSld>
-    <p:spTree>
-      <p:nvGrpSpPr>
-        <p:cNvPr id="1" name=""/>
-        <p:cNvGrpSpPr/>
-        <p:nvPr/>
-      </p:nvGrpSpPr>
-      <p:grpSpPr>
-        <a:xfrm>
-          <a:off x="0" y="0"/>
-          <a:ext cx="0" cy="0"/>
-          <a:chOff x="0" y="0"/>
-          <a:chExt cx="0" cy="0"/>
-        </a:xfrm>
-      </p:grpSpPr>
-      <p:sp>
-        <p:nvSpPr>
-          <p:cNvPr id="2" name="Title 1"/>
-          <p:cNvSpPr>
-            <a:spLocks noGrp="1"/>
-          </p:cNvSpPr>
-          <p:nvPr>
-            <p:ph type="title"/>
-          </p:nvPr>
-        </p:nvSpPr>
-        <p:spPr/>
-        <p:txBody>
-          <a:bodyPr/>
-          <a:lstStyle/>
-          <a:p>
-            <a:r>
-              <a:rPr lang="en-US" dirty="0" smtClean="0"/>
               <a:t>How to</a:t>
             </a:r>
             <a:endParaRPr lang="en-US" dirty="0"/>
@@ -10591,7 +10547,7 @@
 </p:sld>
 </file>
 
-<file path=ppt/slides/slide26.xml><?xml version="1.0" encoding="utf-8"?>
+<file path=ppt/slides/slide25.xml><?xml version="1.0" encoding="utf-8"?>
 <p:sld xmlns:a="http://schemas.openxmlformats.org/drawingml/2006/main" xmlns:r="http://schemas.openxmlformats.org/officeDocument/2006/relationships" xmlns:p="http://schemas.openxmlformats.org/presentationml/2006/main">
   <p:cSld>
     <p:spTree>
@@ -10688,7 +10644,7 @@
 </p:sld>
 </file>
 
-<file path=ppt/slides/slide27.xml><?xml version="1.0" encoding="utf-8"?>
+<file path=ppt/slides/slide26.xml><?xml version="1.0" encoding="utf-8"?>
 <p:sld xmlns:a="http://schemas.openxmlformats.org/drawingml/2006/main" xmlns:r="http://schemas.openxmlformats.org/officeDocument/2006/relationships" xmlns:p="http://schemas.openxmlformats.org/presentationml/2006/main">
   <p:cSld>
     <p:spTree>
@@ -10779,6 +10735,108 @@
 </p:sld>
 </file>
 
+<file path=ppt/slides/slide27.xml><?xml version="1.0" encoding="utf-8"?>
+<p:sld xmlns:a="http://schemas.openxmlformats.org/drawingml/2006/main" xmlns:r="http://schemas.openxmlformats.org/officeDocument/2006/relationships" xmlns:p="http://schemas.openxmlformats.org/presentationml/2006/main">
+  <p:cSld>
+    <p:spTree>
+      <p:nvGrpSpPr>
+        <p:cNvPr id="1" name=""/>
+        <p:cNvGrpSpPr/>
+        <p:nvPr/>
+      </p:nvGrpSpPr>
+      <p:grpSpPr>
+        <a:xfrm>
+          <a:off x="0" y="0"/>
+          <a:ext cx="0" cy="0"/>
+          <a:chOff x="0" y="0"/>
+          <a:chExt cx="0" cy="0"/>
+        </a:xfrm>
+      </p:grpSpPr>
+      <p:sp>
+        <p:nvSpPr>
+          <p:cNvPr id="2" name="Title 1"/>
+          <p:cNvSpPr>
+            <a:spLocks noGrp="1"/>
+          </p:cNvSpPr>
+          <p:nvPr>
+            <p:ph type="title"/>
+          </p:nvPr>
+        </p:nvSpPr>
+        <p:spPr/>
+        <p:txBody>
+          <a:bodyPr/>
+          <a:lstStyle/>
+          <a:p>
+            <a:r>
+              <a:rPr lang="en-US" dirty="0" smtClean="0"/>
+              <a:t>Frameworks</a:t>
+            </a:r>
+            <a:br>
+              <a:rPr lang="en-US" dirty="0" smtClean="0"/>
+            </a:br>
+            <a:r>
+              <a:rPr lang="en-US" sz="2400" dirty="0" smtClean="0"/>
+              <a:t>now we’re getting somewhere</a:t>
+            </a:r>
+            <a:endParaRPr lang="en-US" sz="2400" dirty="0"/>
+          </a:p>
+        </p:txBody>
+      </p:sp>
+      <p:sp>
+        <p:nvSpPr>
+          <p:cNvPr id="3" name="Content Placeholder 2"/>
+          <p:cNvSpPr>
+            <a:spLocks noGrp="1"/>
+          </p:cNvSpPr>
+          <p:nvPr>
+            <p:ph idx="1"/>
+          </p:nvPr>
+        </p:nvSpPr>
+        <p:spPr/>
+        <p:txBody>
+          <a:bodyPr/>
+          <a:lstStyle/>
+          <a:p>
+            <a:r>
+              <a:rPr lang="en-US" dirty="0" smtClean="0"/>
+              <a:t>Apex</a:t>
+            </a:r>
+          </a:p>
+          <a:p>
+            <a:r>
+              <a:rPr lang="en-US" dirty="0" smtClean="0"/>
+              <a:t>AWS Sam</a:t>
+            </a:r>
+          </a:p>
+          <a:p>
+            <a:r>
+              <a:rPr lang="en-US" dirty="0" err="1" smtClean="0"/>
+              <a:t>Serverless</a:t>
+            </a:r>
+            <a:endParaRPr lang="en-US" dirty="0" smtClean="0"/>
+          </a:p>
+        </p:txBody>
+      </p:sp>
+    </p:spTree>
+    <p:extLst>
+      <p:ext uri="{BB962C8B-B14F-4D97-AF65-F5344CB8AC3E}">
+        <p14:creationId xmlns:p14="http://schemas.microsoft.com/office/powerpoint/2010/main" val="1115277555"/>
+      </p:ext>
+    </p:extLst>
+  </p:cSld>
+  <p:clrMapOvr>
+    <a:masterClrMapping/>
+  </p:clrMapOvr>
+  <p:timing>
+    <p:tnLst>
+      <p:par>
+        <p:cTn id="1" dur="indefinite" restart="never" nodeType="tmRoot"/>
+      </p:par>
+    </p:tnLst>
+  </p:timing>
+</p:sld>
+</file>
+
 <file path=ppt/slides/slide28.xml><?xml version="1.0" encoding="utf-8"?>
 <p:sld xmlns:a="http://schemas.openxmlformats.org/drawingml/2006/main" xmlns:r="http://schemas.openxmlformats.org/officeDocument/2006/relationships" xmlns:p="http://schemas.openxmlformats.org/presentationml/2006/main">
   <p:cSld>
@@ -10812,15 +10870,19 @@
           <a:lstStyle/>
           <a:p>
             <a:r>
-              <a:rPr lang="en-US" dirty="0" smtClean="0"/>
-              <a:t>Frameworks</a:t>
+              <a:rPr lang="en-US" dirty="0" err="1" smtClean="0"/>
+              <a:t>Serverless</a:t>
+            </a:r>
+            <a:r>
+              <a:rPr lang="en-US" dirty="0" smtClean="0"/>
+              <a:t/>
             </a:r>
             <a:br>
               <a:rPr lang="en-US" dirty="0" smtClean="0"/>
             </a:br>
             <a:r>
               <a:rPr lang="en-US" sz="2400" dirty="0" smtClean="0"/>
-              <a:t>now we’re getting somewhere</a:t>
+              <a:t>the framework</a:t>
             </a:r>
             <a:endParaRPr lang="en-US" sz="2400" dirty="0"/>
           </a:p>
@@ -10842,29 +10904,66 @@
           <a:lstStyle/>
           <a:p>
             <a:r>
-              <a:rPr lang="en-US" dirty="0" smtClean="0"/>
-              <a:t>Apex</a:t>
-            </a:r>
-          </a:p>
-          <a:p>
-            <a:r>
-              <a:rPr lang="en-US" dirty="0" smtClean="0"/>
-              <a:t>AWS Sam</a:t>
-            </a:r>
-          </a:p>
-          <a:p>
-            <a:r>
               <a:rPr lang="en-US" dirty="0" err="1" smtClean="0"/>
               <a:t>Serverless</a:t>
             </a:r>
+            <a:r>
+              <a:rPr lang="en-US" dirty="0"/>
+              <a:t>: </a:t>
+            </a:r>
+            <a:r>
+              <a:rPr lang="en-US" dirty="0">
+                <a:hlinkClick r:id="rId2"/>
+              </a:rPr>
+              <a:t>https://</a:t>
+            </a:r>
+            <a:r>
+              <a:rPr lang="en-US" dirty="0" err="1">
+                <a:hlinkClick r:id="rId2"/>
+              </a:rPr>
+              <a:t>serverless.com</a:t>
+            </a:r>
             <a:endParaRPr lang="en-US" dirty="0" smtClean="0"/>
+          </a:p>
+          <a:p>
+            <a:r>
+              <a:rPr lang="en-US" dirty="0" smtClean="0"/>
+              <a:t>Works for multiple providers</a:t>
+            </a:r>
+          </a:p>
+          <a:p>
+            <a:r>
+              <a:rPr lang="en-US" dirty="0" smtClean="0"/>
+              <a:t>Works with multiple templates</a:t>
+            </a:r>
+          </a:p>
+          <a:p>
+            <a:r>
+              <a:rPr lang="en-US" dirty="0" smtClean="0"/>
+              <a:t>Very similar to cloud formation templates</a:t>
+            </a:r>
+          </a:p>
+          <a:p>
+            <a:r>
+              <a:rPr lang="en-US" dirty="0" smtClean="0"/>
+              <a:t>Sanity for the developers</a:t>
+            </a:r>
+          </a:p>
+          <a:p>
+            <a:pPr marL="0" indent="0">
+              <a:buNone/>
+            </a:pPr>
+            <a:endParaRPr lang="en-US" dirty="0" smtClean="0"/>
+          </a:p>
+          <a:p>
+            <a:endParaRPr lang="en-US" dirty="0"/>
           </a:p>
         </p:txBody>
       </p:sp>
     </p:spTree>
     <p:extLst>
       <p:ext uri="{BB962C8B-B14F-4D97-AF65-F5344CB8AC3E}">
-        <p14:creationId xmlns:p14="http://schemas.microsoft.com/office/powerpoint/2010/main" val="1115277555"/>
+        <p14:creationId xmlns:p14="http://schemas.microsoft.com/office/powerpoint/2010/main" val="1124419550"/>
       </p:ext>
     </p:extLst>
   </p:cSld>
@@ -10914,21 +11013,10 @@
           <a:lstStyle/>
           <a:p>
             <a:r>
-              <a:rPr lang="en-US" dirty="0" err="1" smtClean="0"/>
-              <a:t>Serverless</a:t>
-            </a:r>
-            <a:r>
-              <a:rPr lang="en-US" dirty="0" smtClean="0"/>
-              <a:t/>
-            </a:r>
-            <a:br>
-              <a:rPr lang="en-US" dirty="0" smtClean="0"/>
-            </a:br>
-            <a:r>
-              <a:rPr lang="en-US" sz="2400" dirty="0" smtClean="0"/>
-              <a:t>the framework</a:t>
-            </a:r>
-            <a:endParaRPr lang="en-US" sz="2400" dirty="0"/>
+              <a:rPr lang="en-US" dirty="0" smtClean="0"/>
+              <a:t>Additional resources</a:t>
+            </a:r>
+            <a:endParaRPr lang="en-US" dirty="0"/>
           </a:p>
         </p:txBody>
       </p:sp>
@@ -10948,66 +11036,141 @@
           <a:lstStyle/>
           <a:p>
             <a:r>
-              <a:rPr lang="en-US" dirty="0" err="1" smtClean="0"/>
-              <a:t>Serverless</a:t>
-            </a:r>
-            <a:r>
               <a:rPr lang="en-US" dirty="0"/>
-              <a:t>: </a:t>
+              <a:t>Pricing example: </a:t>
             </a:r>
             <a:r>
               <a:rPr lang="en-US" dirty="0">
                 <a:hlinkClick r:id="rId2"/>
               </a:rPr>
-              <a:t>https://</a:t>
-            </a:r>
-            <a:r>
-              <a:rPr lang="en-US" dirty="0" err="1">
+              <a:t>https://alestic.com/2016/12/aws-invoice-example</a:t>
+            </a:r>
+            <a:r>
+              <a:rPr lang="en-US" dirty="0" smtClean="0">
                 <a:hlinkClick r:id="rId2"/>
               </a:rPr>
-              <a:t>serverless.com</a:t>
+              <a:t>/</a:t>
             </a:r>
             <a:endParaRPr lang="en-US" dirty="0" smtClean="0"/>
           </a:p>
           <a:p>
             <a:r>
-              <a:rPr lang="en-US" dirty="0" smtClean="0"/>
-              <a:t>Works for multiple providers</a:t>
-            </a:r>
-          </a:p>
-          <a:p>
-            <a:r>
-              <a:rPr lang="en-US" dirty="0" smtClean="0"/>
-              <a:t>Works with multiple templates</a:t>
-            </a:r>
-          </a:p>
-          <a:p>
-            <a:r>
-              <a:rPr lang="en-US" dirty="0" smtClean="0"/>
-              <a:t>Very similar to cloud formation templates</a:t>
-            </a:r>
-          </a:p>
-          <a:p>
-            <a:r>
-              <a:rPr lang="en-US" dirty="0" smtClean="0"/>
-              <a:t>Sanity for the developers</a:t>
-            </a:r>
-          </a:p>
-          <a:p>
-            <a:pPr marL="0" indent="0">
-              <a:buNone/>
-            </a:pPr>
+              <a:rPr lang="en-US" dirty="0"/>
+              <a:t>A Cloud Guru: </a:t>
+            </a:r>
+            <a:r>
+              <a:rPr lang="en-US" dirty="0">
+                <a:hlinkClick r:id="rId3"/>
+              </a:rPr>
+              <a:t>https://acloud.guru</a:t>
+            </a:r>
+            <a:r>
+              <a:rPr lang="en-US" dirty="0" smtClean="0">
+                <a:hlinkClick r:id="rId3"/>
+              </a:rPr>
+              <a:t>/</a:t>
+            </a:r>
             <a:endParaRPr lang="en-US" dirty="0" smtClean="0"/>
           </a:p>
           <a:p>
-            <a:endParaRPr lang="en-US" dirty="0"/>
+            <a:r>
+              <a:rPr lang="en-US" dirty="0" err="1" smtClean="0"/>
+              <a:t>Serverless</a:t>
+            </a:r>
+            <a:r>
+              <a:rPr lang="en-US" dirty="0"/>
+              <a:t>: </a:t>
+            </a:r>
+            <a:r>
+              <a:rPr lang="en-US" dirty="0">
+                <a:hlinkClick r:id="rId4"/>
+              </a:rPr>
+              <a:t>https://serverless.com</a:t>
+            </a:r>
+            <a:r>
+              <a:rPr lang="en-US" dirty="0" smtClean="0">
+                <a:hlinkClick r:id="rId4"/>
+              </a:rPr>
+              <a:t>/</a:t>
+            </a:r>
+            <a:endParaRPr lang="en-US" dirty="0" smtClean="0"/>
+          </a:p>
+          <a:p>
+            <a:r>
+              <a:rPr lang="en-US" dirty="0"/>
+              <a:t>AWS </a:t>
+            </a:r>
+            <a:r>
+              <a:rPr lang="en-US" dirty="0" err="1"/>
+              <a:t>Serverless</a:t>
+            </a:r>
+            <a:r>
+              <a:rPr lang="en-US" dirty="0"/>
+              <a:t>: </a:t>
+            </a:r>
+            <a:r>
+              <a:rPr lang="en-US" dirty="0">
+                <a:hlinkClick r:id="rId5"/>
+              </a:rPr>
+              <a:t>https://aws.amazon.com/serverless</a:t>
+            </a:r>
+            <a:r>
+              <a:rPr lang="en-US" dirty="0" smtClean="0">
+                <a:hlinkClick r:id="rId5"/>
+              </a:rPr>
+              <a:t>/</a:t>
+            </a:r>
+            <a:endParaRPr lang="en-US" dirty="0" smtClean="0"/>
+          </a:p>
+          <a:p>
+            <a:r>
+              <a:rPr lang="en-US" dirty="0" smtClean="0"/>
+              <a:t>Optimizing Enterprise Economics for </a:t>
+            </a:r>
+            <a:r>
+              <a:rPr lang="en-US" dirty="0" err="1" smtClean="0"/>
+              <a:t>Serverless</a:t>
+            </a:r>
+            <a:r>
+              <a:rPr lang="en-US" dirty="0" smtClean="0"/>
+              <a:t> </a:t>
+            </a:r>
+            <a:r>
+              <a:rPr lang="en-US" dirty="0"/>
+              <a:t>Architecture: </a:t>
+            </a:r>
+            <a:r>
+              <a:rPr lang="en-US" dirty="0">
+                <a:hlinkClick r:id="rId6"/>
+              </a:rPr>
+              <a:t>https://d0.awsstatic.com/whitepapers/optimizing-enterprise-economics-</a:t>
+            </a:r>
+            <a:r>
+              <a:rPr lang="en-US" dirty="0" err="1">
+                <a:hlinkClick r:id="rId6"/>
+              </a:rPr>
+              <a:t>serverless</a:t>
+            </a:r>
+            <a:r>
+              <a:rPr lang="en-US" dirty="0">
+                <a:hlinkClick r:id="rId6"/>
+              </a:rPr>
+              <a:t>-</a:t>
+            </a:r>
+            <a:r>
+              <a:rPr lang="en-US" dirty="0" err="1">
+                <a:hlinkClick r:id="rId6"/>
+              </a:rPr>
+              <a:t>architectures.pdf</a:t>
+            </a:r>
+            <a:endParaRPr lang="en-US" dirty="0" smtClean="0"/>
           </a:p>
         </p:txBody>
       </p:sp>
     </p:spTree>
     <p:extLst>
       <p:ext uri="{BB962C8B-B14F-4D97-AF65-F5344CB8AC3E}">
-        <p14:creationId xmlns:p14="http://schemas.microsoft.com/office/powerpoint/2010/main" val="1124419550"/>
+        <p14:creationId xmlns:p14="http://schemas.microsoft.com/office/powerpoint/2010/main" val="722583454"/>
       </p:ext>
     </p:extLst>
   </p:cSld>
@@ -11119,213 +11282,6 @@
 </file>
 
 <file path=ppt/slides/slide30.xml><?xml version="1.0" encoding="utf-8"?>
-<p:sld xmlns:a="http://schemas.openxmlformats.org/drawingml/2006/main" xmlns:r="http://schemas.openxmlformats.org/officeDocument/2006/relationships" xmlns:p="http://schemas.openxmlformats.org/presentationml/2006/main">
-  <p:cSld>
-    <p:spTree>
-      <p:nvGrpSpPr>
-        <p:cNvPr id="1" name=""/>
-        <p:cNvGrpSpPr/>
-        <p:nvPr/>
-      </p:nvGrpSpPr>
-      <p:grpSpPr>
-        <a:xfrm>
-          <a:off x="0" y="0"/>
-          <a:ext cx="0" cy="0"/>
-          <a:chOff x="0" y="0"/>
-          <a:chExt cx="0" cy="0"/>
-        </a:xfrm>
-      </p:grpSpPr>
-      <p:sp>
-        <p:nvSpPr>
-          <p:cNvPr id="2" name="Title 1"/>
-          <p:cNvSpPr>
-            <a:spLocks noGrp="1"/>
-          </p:cNvSpPr>
-          <p:nvPr>
-            <p:ph type="title"/>
-          </p:nvPr>
-        </p:nvSpPr>
-        <p:spPr/>
-        <p:txBody>
-          <a:bodyPr/>
-          <a:lstStyle/>
-          <a:p>
-            <a:r>
-              <a:rPr lang="en-US" dirty="0" smtClean="0"/>
-              <a:t>Additional resources</a:t>
-            </a:r>
-            <a:endParaRPr lang="en-US" dirty="0"/>
-          </a:p>
-        </p:txBody>
-      </p:sp>
-      <p:sp>
-        <p:nvSpPr>
-          <p:cNvPr id="3" name="Content Placeholder 2"/>
-          <p:cNvSpPr>
-            <a:spLocks noGrp="1"/>
-          </p:cNvSpPr>
-          <p:nvPr>
-            <p:ph idx="1"/>
-          </p:nvPr>
-        </p:nvSpPr>
-        <p:spPr/>
-        <p:txBody>
-          <a:bodyPr/>
-          <a:lstStyle/>
-          <a:p>
-            <a:r>
-              <a:rPr lang="en-US" dirty="0"/>
-              <a:t>Pricing example: </a:t>
-            </a:r>
-            <a:r>
-              <a:rPr lang="en-US" dirty="0">
-                <a:hlinkClick r:id="rId2"/>
-              </a:rPr>
-              <a:t>https://alestic.com/2016/12/aws-invoice-example</a:t>
-            </a:r>
-            <a:r>
-              <a:rPr lang="en-US" dirty="0" smtClean="0">
-                <a:hlinkClick r:id="rId2"/>
-              </a:rPr>
-              <a:t>/</a:t>
-            </a:r>
-            <a:endParaRPr lang="en-US" dirty="0" smtClean="0"/>
-          </a:p>
-          <a:p>
-            <a:r>
-              <a:rPr lang="en-US" dirty="0"/>
-              <a:t>A Cloud Guru: </a:t>
-            </a:r>
-            <a:r>
-              <a:rPr lang="en-US" dirty="0">
-                <a:hlinkClick r:id="rId3"/>
-              </a:rPr>
-              <a:t>https://acloud.guru</a:t>
-            </a:r>
-            <a:r>
-              <a:rPr lang="en-US" dirty="0" smtClean="0">
-                <a:hlinkClick r:id="rId3"/>
-              </a:rPr>
-              <a:t>/</a:t>
-            </a:r>
-            <a:endParaRPr lang="en-US" dirty="0" smtClean="0"/>
-          </a:p>
-          <a:p>
-            <a:r>
-              <a:rPr lang="en-US" dirty="0" err="1" smtClean="0"/>
-              <a:t>Serverless</a:t>
-            </a:r>
-            <a:r>
-              <a:rPr lang="en-US" dirty="0"/>
-              <a:t>: </a:t>
-            </a:r>
-            <a:r>
-              <a:rPr lang="en-US" dirty="0">
-                <a:hlinkClick r:id="rId4"/>
-              </a:rPr>
-              <a:t>https://serverless.com</a:t>
-            </a:r>
-            <a:r>
-              <a:rPr lang="en-US" dirty="0" smtClean="0">
-                <a:hlinkClick r:id="rId4"/>
-              </a:rPr>
-              <a:t>/</a:t>
-            </a:r>
-            <a:endParaRPr lang="en-US" dirty="0" smtClean="0"/>
-          </a:p>
-          <a:p>
-            <a:r>
-              <a:rPr lang="en-US" dirty="0"/>
-              <a:t>AWS </a:t>
-            </a:r>
-            <a:r>
-              <a:rPr lang="en-US" dirty="0" err="1"/>
-              <a:t>Serverless</a:t>
-            </a:r>
-            <a:r>
-              <a:rPr lang="en-US" dirty="0"/>
-              <a:t>: </a:t>
-            </a:r>
-            <a:r>
-              <a:rPr lang="en-US" dirty="0">
-                <a:hlinkClick r:id="rId5"/>
-              </a:rPr>
-              <a:t>https://aws.amazon.com/serverless</a:t>
-            </a:r>
-            <a:r>
-              <a:rPr lang="en-US" dirty="0" smtClean="0">
-                <a:hlinkClick r:id="rId5"/>
-              </a:rPr>
-              <a:t>/</a:t>
-            </a:r>
-            <a:endParaRPr lang="en-US" dirty="0" smtClean="0"/>
-          </a:p>
-          <a:p>
-            <a:r>
-              <a:rPr lang="en-US" dirty="0" smtClean="0"/>
-              <a:t>Optimizing Enterprise Economics for </a:t>
-            </a:r>
-            <a:r>
-              <a:rPr lang="en-US" dirty="0" err="1" smtClean="0"/>
-              <a:t>Serverless</a:t>
-            </a:r>
-            <a:r>
-              <a:rPr lang="en-US" dirty="0" smtClean="0"/>
-              <a:t> </a:t>
-            </a:r>
-            <a:r>
-              <a:rPr lang="en-US" dirty="0"/>
-              <a:t>Architecture: </a:t>
-            </a:r>
-            <a:r>
-              <a:rPr lang="en-US" dirty="0">
-                <a:hlinkClick r:id="rId6"/>
-              </a:rPr>
-              <a:t>https://d0.awsstatic.com/whitepapers/optimizing-enterprise-economics-</a:t>
-            </a:r>
-            <a:r>
-              <a:rPr lang="en-US" dirty="0" err="1">
-                <a:hlinkClick r:id="rId6"/>
-              </a:rPr>
-              <a:t>serverless</a:t>
-            </a:r>
-            <a:r>
-              <a:rPr lang="en-US" dirty="0">
-                <a:hlinkClick r:id="rId6"/>
-              </a:rPr>
-              <a:t>-</a:t>
-            </a:r>
-            <a:r>
-              <a:rPr lang="en-US" dirty="0" err="1">
-                <a:hlinkClick r:id="rId6"/>
-              </a:rPr>
-              <a:t>architectures.pdf</a:t>
-            </a:r>
-            <a:endParaRPr lang="en-US" dirty="0" smtClean="0"/>
-          </a:p>
-        </p:txBody>
-      </p:sp>
-    </p:spTree>
-    <p:extLst>
-      <p:ext uri="{BB962C8B-B14F-4D97-AF65-F5344CB8AC3E}">
-        <p14:creationId xmlns:p14="http://schemas.microsoft.com/office/powerpoint/2010/main" val="722583454"/>
-      </p:ext>
-    </p:extLst>
-  </p:cSld>
-  <p:clrMapOvr>
-    <a:masterClrMapping/>
-  </p:clrMapOvr>
-  <p:timing>
-    <p:tnLst>
-      <p:par>
-        <p:cTn id="1" dur="indefinite" restart="never" nodeType="tmRoot"/>
-      </p:par>
-    </p:tnLst>
-  </p:timing>
-</p:sld>
-</file>
-
-<file path=ppt/slides/slide31.xml><?xml version="1.0" encoding="utf-8"?>
 <p:sld xmlns:a="http://schemas.openxmlformats.org/drawingml/2006/main" xmlns:r="http://schemas.openxmlformats.org/officeDocument/2006/relationships" xmlns:p="http://schemas.openxmlformats.org/presentationml/2006/main">
   <p:cSld>
     <p:spTree>

--- a/going-serverless-2017.pptx
+++ b/going-serverless-2017.pptx
@@ -28,8 +28,8 @@
     <p:sldId id="293" r:id="rId19"/>
     <p:sldId id="296" r:id="rId20"/>
     <p:sldId id="278" r:id="rId21"/>
-    <p:sldId id="277" r:id="rId22"/>
-    <p:sldId id="273" r:id="rId23"/>
+    <p:sldId id="298" r:id="rId22"/>
+    <p:sldId id="277" r:id="rId23"/>
     <p:sldId id="297" r:id="rId24"/>
     <p:sldId id="263" r:id="rId25"/>
     <p:sldId id="269" r:id="rId26"/>
@@ -9175,8 +9175,13 @@
             </a:pPr>
             <a:r>
               <a:rPr lang="en-US" sz="2800" dirty="0" smtClean="0"/>
-              <a:t>Scalable</a:t>
-            </a:r>
+              <a:t>The FUNCTION in </a:t>
+            </a:r>
+            <a:r>
+              <a:rPr lang="en-US" sz="2800" dirty="0" err="1" smtClean="0"/>
+              <a:t>FaaS</a:t>
+            </a:r>
+            <a:endParaRPr lang="en-US" sz="2800" dirty="0" smtClean="0"/>
           </a:p>
           <a:p>
             <a:pPr>
@@ -9189,7 +9194,7 @@
             </a:pPr>
             <a:r>
               <a:rPr lang="en-US" sz="2800" dirty="0" smtClean="0"/>
-              <a:t>Pay per use</a:t>
+              <a:t>Scalable</a:t>
             </a:r>
           </a:p>
           <a:p>
@@ -9203,7 +9208,7 @@
             </a:pPr>
             <a:r>
               <a:rPr lang="en-US" sz="2800" dirty="0" smtClean="0"/>
-              <a:t>Managed</a:t>
+              <a:t>Pay per use</a:t>
             </a:r>
           </a:p>
           <a:p>
@@ -9216,9 +9221,28 @@
               </a:spcBef>
             </a:pPr>
             <a:r>
-              <a:rPr lang="en-US" sz="2800" smtClean="0"/>
-              <a:t>No admininstration</a:t>
-            </a:r>
+              <a:rPr lang="en-US" sz="2800" dirty="0" smtClean="0"/>
+              <a:t>Managed</a:t>
+            </a:r>
+          </a:p>
+          <a:p>
+            <a:pPr>
+              <a:lnSpc>
+                <a:spcPct val="100000"/>
+              </a:lnSpc>
+              <a:spcBef>
+                <a:spcPts val="0"/>
+              </a:spcBef>
+            </a:pPr>
+            <a:r>
+              <a:rPr lang="en-US" sz="2800" dirty="0" smtClean="0"/>
+              <a:t>No </a:t>
+            </a:r>
+            <a:r>
+              <a:rPr lang="en-US" sz="2800" dirty="0" err="1" smtClean="0"/>
+              <a:t>admininstration</a:t>
+            </a:r>
+            <a:endParaRPr lang="en-US" sz="2800" dirty="0" smtClean="0"/>
           </a:p>
         </p:txBody>
       </p:sp>
@@ -9562,6 +9586,536 @@
 </file>
 
 <file path=ppt/slides/slide21.xml><?xml version="1.0" encoding="utf-8"?>
+<p:sld xmlns:a="http://schemas.openxmlformats.org/drawingml/2006/main" xmlns:r="http://schemas.openxmlformats.org/officeDocument/2006/relationships" xmlns:p="http://schemas.openxmlformats.org/presentationml/2006/main">
+  <p:cSld>
+    <p:bg>
+      <p:bgPr>
+        <a:solidFill>
+          <a:schemeClr val="bg2"/>
+        </a:solidFill>
+        <a:effectLst/>
+      </p:bgPr>
+    </p:bg>
+    <p:spTree>
+      <p:nvGrpSpPr>
+        <p:cNvPr id="1" name=""/>
+        <p:cNvGrpSpPr/>
+        <p:nvPr/>
+      </p:nvGrpSpPr>
+      <p:grpSpPr>
+        <a:xfrm>
+          <a:off x="0" y="0"/>
+          <a:ext cx="0" cy="0"/>
+          <a:chOff x="0" y="0"/>
+          <a:chExt cx="0" cy="0"/>
+        </a:xfrm>
+      </p:grpSpPr>
+      <p:sp useBgFill="1">
+        <p:nvSpPr>
+          <p:cNvPr id="12" name="Rectangle 11">
+            <a:extLst>
+              <a:ext uri="{FF2B5EF4-FFF2-40B4-BE49-F238E27FC236}">
+                <a16:creationId xmlns:a16="http://schemas.microsoft.com/office/drawing/2014/main" xmlns="" id="{D9FF99B6-0BBC-4955-9A39-545FF77A584B}"/>
+              </a:ext>
+            </a:extLst>
+          </p:cNvPr>
+          <p:cNvSpPr>
+            <a:spLocks noGrp="1" noRot="1" noChangeAspect="1" noMove="1" noResize="1" noEditPoints="1" noAdjustHandles="1" noChangeArrowheads="1" noChangeShapeType="1" noTextEdit="1"/>
+          </p:cNvSpPr>
+          <p:nvPr>
+            <p:extLst>
+              <p:ext uri="{386F3935-93C4-4BCD-93E2-E3B085C9AB24}">
+                <p16:designElem xmlns:p16="http://schemas.microsoft.com/office/powerpoint/2015/main" val="1"/>
+              </p:ext>
+            </p:extLst>
+          </p:nvPr>
+        </p:nvSpPr>
+        <p:spPr>
+          <a:xfrm>
+            <a:off x="0" y="0"/>
+            <a:ext cx="12192000" cy="6858000"/>
+          </a:xfrm>
+          <a:prstGeom prst="rect">
+            <a:avLst/>
+          </a:prstGeom>
+          <a:ln>
+            <a:noFill/>
+          </a:ln>
+        </p:spPr>
+        <p:style>
+          <a:lnRef idx="2">
+            <a:schemeClr val="accent1">
+              <a:shade val="50000"/>
+            </a:schemeClr>
+          </a:lnRef>
+          <a:fillRef idx="1">
+            <a:schemeClr val="accent1"/>
+          </a:fillRef>
+          <a:effectRef idx="0">
+            <a:schemeClr val="accent1"/>
+          </a:effectRef>
+          <a:fontRef idx="minor">
+            <a:schemeClr val="lt1"/>
+          </a:fontRef>
+        </p:style>
+        <p:txBody>
+          <a:bodyPr rtlCol="0" anchor="ctr"/>
+          <a:lstStyle/>
+          <a:p>
+            <a:pPr algn="ctr"/>
+            <a:endParaRPr lang="en-US"/>
+          </a:p>
+        </p:txBody>
+      </p:sp>
+      <p:sp>
+        <p:nvSpPr>
+          <p:cNvPr id="14" name="Freeform 6" title="Page Number Shape">
+            <a:extLst>
+              <a:ext uri="{FF2B5EF4-FFF2-40B4-BE49-F238E27FC236}">
+                <a16:creationId xmlns:a16="http://schemas.microsoft.com/office/drawing/2014/main" xmlns="" id="{EFFCBFD9-BE8B-4513-8B1D-D19F805EA0DF}"/>
+              </a:ext>
+            </a:extLst>
+          </p:cNvPr>
+          <p:cNvSpPr>
+            <a:spLocks noGrp="1" noRot="1" noChangeAspect="1" noMove="1" noResize="1" noEditPoints="1" noAdjustHandles="1" noChangeArrowheads="1" noChangeShapeType="1" noTextEdit="1"/>
+          </p:cNvSpPr>
+          <p:nvPr>
+            <p:extLst>
+              <p:ext uri="{386F3935-93C4-4BCD-93E2-E3B085C9AB24}">
+                <p16:designElem xmlns:p16="http://schemas.microsoft.com/office/powerpoint/2015/main" val="1"/>
+              </p:ext>
+            </p:extLst>
+          </p:nvPr>
+        </p:nvSpPr>
+        <p:spPr bwMode="auto">
+          <a:xfrm>
+            <a:off x="11784011" y="5380580"/>
+            <a:ext cx="407988" cy="819150"/>
+          </a:xfrm>
+          <a:custGeom>
+            <a:avLst/>
+            <a:gdLst/>
+            <a:ahLst/>
+            <a:cxnLst/>
+            <a:rect l="0" t="0" r="r" b="b"/>
+            <a:pathLst>
+              <a:path w="1799" h="3612">
+                <a:moveTo>
+                  <a:pt x="1799" y="0"/>
+                </a:moveTo>
+                <a:lnTo>
+                  <a:pt x="1799" y="3612"/>
+                </a:lnTo>
+                <a:lnTo>
+                  <a:pt x="1686" y="3609"/>
+                </a:lnTo>
+                <a:lnTo>
+                  <a:pt x="1574" y="3598"/>
+                </a:lnTo>
+                <a:lnTo>
+                  <a:pt x="1464" y="3581"/>
+                </a:lnTo>
+                <a:lnTo>
+                  <a:pt x="1357" y="3557"/>
+                </a:lnTo>
+                <a:lnTo>
+                  <a:pt x="1251" y="3527"/>
+                </a:lnTo>
+                <a:lnTo>
+                  <a:pt x="1150" y="3490"/>
+                </a:lnTo>
+                <a:lnTo>
+                  <a:pt x="1050" y="3448"/>
+                </a:lnTo>
+                <a:lnTo>
+                  <a:pt x="953" y="3401"/>
+                </a:lnTo>
+                <a:lnTo>
+                  <a:pt x="860" y="3347"/>
+                </a:lnTo>
+                <a:lnTo>
+                  <a:pt x="771" y="3289"/>
+                </a:lnTo>
+                <a:lnTo>
+                  <a:pt x="686" y="3224"/>
+                </a:lnTo>
+                <a:lnTo>
+                  <a:pt x="604" y="3156"/>
+                </a:lnTo>
+                <a:lnTo>
+                  <a:pt x="527" y="3083"/>
+                </a:lnTo>
+                <a:lnTo>
+                  <a:pt x="454" y="3005"/>
+                </a:lnTo>
+                <a:lnTo>
+                  <a:pt x="386" y="2923"/>
+                </a:lnTo>
+                <a:lnTo>
+                  <a:pt x="323" y="2838"/>
+                </a:lnTo>
+                <a:lnTo>
+                  <a:pt x="265" y="2748"/>
+                </a:lnTo>
+                <a:lnTo>
+                  <a:pt x="211" y="2655"/>
+                </a:lnTo>
+                <a:lnTo>
+                  <a:pt x="163" y="2559"/>
+                </a:lnTo>
+                <a:lnTo>
+                  <a:pt x="121" y="2459"/>
+                </a:lnTo>
+                <a:lnTo>
+                  <a:pt x="85" y="2356"/>
+                </a:lnTo>
+                <a:lnTo>
+                  <a:pt x="55" y="2251"/>
+                </a:lnTo>
+                <a:lnTo>
+                  <a:pt x="32" y="2143"/>
+                </a:lnTo>
+                <a:lnTo>
+                  <a:pt x="14" y="2033"/>
+                </a:lnTo>
+                <a:lnTo>
+                  <a:pt x="4" y="1920"/>
+                </a:lnTo>
+                <a:lnTo>
+                  <a:pt x="0" y="1806"/>
+                </a:lnTo>
+                <a:lnTo>
+                  <a:pt x="4" y="1692"/>
+                </a:lnTo>
+                <a:lnTo>
+                  <a:pt x="14" y="1580"/>
+                </a:lnTo>
+                <a:lnTo>
+                  <a:pt x="32" y="1469"/>
+                </a:lnTo>
+                <a:lnTo>
+                  <a:pt x="55" y="1362"/>
+                </a:lnTo>
+                <a:lnTo>
+                  <a:pt x="85" y="1256"/>
+                </a:lnTo>
+                <a:lnTo>
+                  <a:pt x="121" y="1154"/>
+                </a:lnTo>
+                <a:lnTo>
+                  <a:pt x="163" y="1054"/>
+                </a:lnTo>
+                <a:lnTo>
+                  <a:pt x="211" y="958"/>
+                </a:lnTo>
+                <a:lnTo>
+                  <a:pt x="265" y="864"/>
+                </a:lnTo>
+                <a:lnTo>
+                  <a:pt x="323" y="774"/>
+                </a:lnTo>
+                <a:lnTo>
+                  <a:pt x="386" y="689"/>
+                </a:lnTo>
+                <a:lnTo>
+                  <a:pt x="454" y="607"/>
+                </a:lnTo>
+                <a:lnTo>
+                  <a:pt x="527" y="529"/>
+                </a:lnTo>
+                <a:lnTo>
+                  <a:pt x="604" y="456"/>
+                </a:lnTo>
+                <a:lnTo>
+                  <a:pt x="686" y="388"/>
+                </a:lnTo>
+                <a:lnTo>
+                  <a:pt x="771" y="325"/>
+                </a:lnTo>
+                <a:lnTo>
+                  <a:pt x="860" y="266"/>
+                </a:lnTo>
+                <a:lnTo>
+                  <a:pt x="953" y="212"/>
+                </a:lnTo>
+                <a:lnTo>
+                  <a:pt x="1050" y="164"/>
+                </a:lnTo>
+                <a:lnTo>
+                  <a:pt x="1150" y="122"/>
+                </a:lnTo>
+                <a:lnTo>
+                  <a:pt x="1251" y="85"/>
+                </a:lnTo>
+                <a:lnTo>
+                  <a:pt x="1357" y="55"/>
+                </a:lnTo>
+                <a:lnTo>
+                  <a:pt x="1464" y="32"/>
+                </a:lnTo>
+                <a:lnTo>
+                  <a:pt x="1574" y="14"/>
+                </a:lnTo>
+                <a:lnTo>
+                  <a:pt x="1686" y="5"/>
+                </a:lnTo>
+                <a:lnTo>
+                  <a:pt x="1799" y="0"/>
+                </a:lnTo>
+                <a:close/>
+              </a:path>
+            </a:pathLst>
+          </a:custGeom>
+          <a:solidFill>
+            <a:schemeClr val="tx1">
+              <a:lumMod val="85000"/>
+              <a:lumOff val="15000"/>
+            </a:schemeClr>
+          </a:solidFill>
+          <a:ln w="0">
+            <a:noFill/>
+            <a:prstDash val="solid"/>
+            <a:round/>
+            <a:headEnd/>
+            <a:tailEnd/>
+          </a:ln>
+        </p:spPr>
+      </p:sp>
+      <p:pic>
+        <p:nvPicPr>
+          <p:cNvPr id="7" name="Content Placeholder 3"/>
+          <p:cNvPicPr>
+            <a:picLocks noChangeAspect="1"/>
+          </p:cNvPicPr>
+          <p:nvPr/>
+        </p:nvPicPr>
+        <p:blipFill>
+          <a:blip r:embed="rId2">
+            <a:extLst>
+              <a:ext uri="{28A0092B-C50C-407E-A947-70E740481C1C}">
+                <a14:useLocalDpi xmlns:a14="http://schemas.microsoft.com/office/drawing/2010/main" val="0"/>
+              </a:ext>
+            </a:extLst>
+          </a:blip>
+          <a:stretch>
+            <a:fillRect/>
+          </a:stretch>
+        </p:blipFill>
+        <p:spPr>
+          <a:xfrm>
+            <a:off x="4713404" y="1156729"/>
+            <a:ext cx="6716596" cy="1141820"/>
+          </a:xfrm>
+          <a:prstGeom prst="rect">
+            <a:avLst/>
+          </a:prstGeom>
+        </p:spPr>
+      </p:pic>
+      <p:cxnSp>
+        <p:nvCxnSpPr>
+          <p:cNvPr id="16" name="Straight Connector 15">
+            <a:extLst>
+              <a:ext uri="{FF2B5EF4-FFF2-40B4-BE49-F238E27FC236}">
+                <a16:creationId xmlns:a16="http://schemas.microsoft.com/office/drawing/2014/main" xmlns="" id="{292F8A50-4E5D-40E7-8E9C-0C63722D6F76}"/>
+              </a:ext>
+            </a:extLst>
+          </p:cNvPr>
+          <p:cNvCxnSpPr>
+            <a:cxnSpLocks noGrp="1" noRot="1" noChangeAspect="1" noMove="1" noResize="1" noEditPoints="1" noAdjustHandles="1" noChangeArrowheads="1" noChangeShapeType="1"/>
+          </p:cNvCxnSpPr>
+          <p:nvPr>
+            <p:extLst>
+              <p:ext uri="{386F3935-93C4-4BCD-93E2-E3B085C9AB24}">
+                <p16:designElem xmlns:p16="http://schemas.microsoft.com/office/powerpoint/2015/main" val="1"/>
+              </p:ext>
+            </p:extLst>
+          </p:nvPr>
+        </p:nvCxnSpPr>
+        <p:spPr>
+          <a:xfrm>
+            <a:off x="0" y="6212033"/>
+            <a:ext cx="4062954" cy="0"/>
+          </a:xfrm>
+          <a:prstGeom prst="line">
+            <a:avLst/>
+          </a:prstGeom>
+          <a:ln w="25400">
+            <a:solidFill>
+              <a:schemeClr val="tx1"/>
+            </a:solidFill>
+          </a:ln>
+        </p:spPr>
+        <p:style>
+          <a:lnRef idx="1">
+            <a:schemeClr val="accent1"/>
+          </a:lnRef>
+          <a:fillRef idx="0">
+            <a:schemeClr val="accent1"/>
+          </a:fillRef>
+          <a:effectRef idx="0">
+            <a:schemeClr val="accent1"/>
+          </a:effectRef>
+          <a:fontRef idx="minor">
+            <a:schemeClr val="tx1"/>
+          </a:fontRef>
+        </p:style>
+      </p:cxnSp>
+      <p:sp>
+        <p:nvSpPr>
+          <p:cNvPr id="2" name="Title 1"/>
+          <p:cNvSpPr>
+            <a:spLocks noGrp="1"/>
+          </p:cNvSpPr>
+          <p:nvPr>
+            <p:ph type="title"/>
+          </p:nvPr>
+        </p:nvSpPr>
+        <p:spPr>
+          <a:xfrm>
+            <a:off x="650450" y="559678"/>
+            <a:ext cx="3412504" cy="4952492"/>
+          </a:xfrm>
+        </p:spPr>
+        <p:txBody>
+          <a:bodyPr>
+            <a:normAutofit/>
+          </a:bodyPr>
+          <a:lstStyle/>
+          <a:p>
+            <a:r>
+              <a:rPr lang="en-US" dirty="0"/>
+              <a:t>Lambda</a:t>
+            </a:r>
+            <a:br>
+              <a:rPr lang="en-US" dirty="0"/>
+            </a:br>
+            <a:r>
+              <a:rPr lang="en-US" sz="2400"/>
+              <a:t>function </a:t>
+            </a:r>
+            <a:r>
+              <a:rPr lang="en-US" sz="2400" smtClean="0"/>
+              <a:t>signature</a:t>
+            </a:r>
+            <a:endParaRPr lang="en-US" sz="2400" dirty="0"/>
+          </a:p>
+        </p:txBody>
+      </p:sp>
+      <p:sp>
+        <p:nvSpPr>
+          <p:cNvPr id="9" name="Content Placeholder 8"/>
+          <p:cNvSpPr>
+            <a:spLocks noGrp="1"/>
+          </p:cNvSpPr>
+          <p:nvPr>
+            <p:ph idx="1"/>
+          </p:nvPr>
+        </p:nvSpPr>
+        <p:spPr>
+          <a:xfrm>
+            <a:off x="4713404" y="3124200"/>
+            <a:ext cx="6711884" cy="3087833"/>
+          </a:xfrm>
+        </p:spPr>
+        <p:txBody>
+          <a:bodyPr>
+            <a:normAutofit/>
+          </a:bodyPr>
+          <a:lstStyle/>
+          <a:p>
+            <a:r>
+              <a:rPr lang="en-US" dirty="0" smtClean="0"/>
+              <a:t>Event </a:t>
+            </a:r>
+            <a:r>
+              <a:rPr lang="mr-IN" dirty="0" smtClean="0"/>
+              <a:t>–</a:t>
+            </a:r>
+            <a:r>
+              <a:rPr lang="en-US" dirty="0" smtClean="0"/>
+              <a:t> passes the event data into the handler</a:t>
+            </a:r>
+          </a:p>
+          <a:p>
+            <a:r>
+              <a:rPr lang="en-US" dirty="0" smtClean="0"/>
+              <a:t>Context </a:t>
+            </a:r>
+            <a:r>
+              <a:rPr lang="mr-IN" dirty="0" smtClean="0"/>
+              <a:t>–</a:t>
+            </a:r>
+            <a:r>
+              <a:rPr lang="en-US" dirty="0" smtClean="0"/>
+              <a:t> runtime information </a:t>
+            </a:r>
+          </a:p>
+          <a:p>
+            <a:r>
+              <a:rPr lang="en-US" dirty="0" smtClean="0"/>
+              <a:t>Callback </a:t>
+            </a:r>
+            <a:r>
+              <a:rPr lang="mr-IN" dirty="0" smtClean="0"/>
+              <a:t>–</a:t>
+            </a:r>
+            <a:r>
+              <a:rPr lang="en-US" dirty="0" smtClean="0"/>
+              <a:t> (optional)</a:t>
+            </a:r>
+          </a:p>
+          <a:p>
+            <a:pPr lvl="1"/>
+            <a:r>
+              <a:rPr lang="en-US" dirty="0"/>
+              <a:t>http://</a:t>
+            </a:r>
+            <a:r>
+              <a:rPr lang="en-US" dirty="0" err="1"/>
+              <a:t>docs.aws.amazon.com</a:t>
+            </a:r>
+            <a:r>
+              <a:rPr lang="en-US" dirty="0"/>
+              <a:t>/lambda/latest/dg/</a:t>
+            </a:r>
+            <a:r>
+              <a:rPr lang="en-US" dirty="0" err="1"/>
+              <a:t>nodejs</a:t>
+            </a:r>
+            <a:r>
+              <a:rPr lang="en-US" dirty="0"/>
+              <a:t>-</a:t>
+            </a:r>
+            <a:r>
+              <a:rPr lang="en-US" dirty="0" err="1"/>
+              <a:t>prog</a:t>
+            </a:r>
+            <a:r>
+              <a:rPr lang="en-US" dirty="0"/>
+              <a:t>-model-</a:t>
+            </a:r>
+            <a:r>
+              <a:rPr lang="en-US" dirty="0" err="1"/>
+              <a:t>handler.html</a:t>
+            </a:r>
+            <a:endParaRPr lang="en-US" dirty="0"/>
+          </a:p>
+        </p:txBody>
+      </p:sp>
+    </p:spTree>
+    <p:extLst>
+      <p:ext uri="{BB962C8B-B14F-4D97-AF65-F5344CB8AC3E}">
+        <p14:creationId xmlns:p14="http://schemas.microsoft.com/office/powerpoint/2010/main" val="1103310581"/>
+      </p:ext>
+    </p:extLst>
+  </p:cSld>
+  <p:clrMapOvr>
+    <a:masterClrMapping/>
+  </p:clrMapOvr>
+</p:sld>
+</file>
+
+<file path=ppt/slides/slide22.xml><?xml version="1.0" encoding="utf-8"?>
 <p:sld xmlns:a="http://schemas.openxmlformats.org/drawingml/2006/main" xmlns:r="http://schemas.openxmlformats.org/officeDocument/2006/relationships" xmlns:p="http://schemas.openxmlformats.org/presentationml/2006/main">
   <p:cSld>
     <p:spTree>
@@ -10181,162 +10735,6 @@
             </p:seq>
           </p:childTnLst>
         </p:cTn>
-      </p:par>
-    </p:tnLst>
-  </p:timing>
-</p:sld>
-</file>
-
-<file path=ppt/slides/slide22.xml><?xml version="1.0" encoding="utf-8"?>
-<p:sld xmlns:a="http://schemas.openxmlformats.org/drawingml/2006/main" xmlns:r="http://schemas.openxmlformats.org/officeDocument/2006/relationships" xmlns:p="http://schemas.openxmlformats.org/presentationml/2006/main">
-  <p:cSld>
-    <p:spTree>
-      <p:nvGrpSpPr>
-        <p:cNvPr id="1" name=""/>
-        <p:cNvGrpSpPr/>
-        <p:nvPr/>
-      </p:nvGrpSpPr>
-      <p:grpSpPr>
-        <a:xfrm>
-          <a:off x="0" y="0"/>
-          <a:ext cx="0" cy="0"/>
-          <a:chOff x="0" y="0"/>
-          <a:chExt cx="0" cy="0"/>
-        </a:xfrm>
-      </p:grpSpPr>
-      <p:sp>
-        <p:nvSpPr>
-          <p:cNvPr id="2" name="Title 1"/>
-          <p:cNvSpPr>
-            <a:spLocks noGrp="1"/>
-          </p:cNvSpPr>
-          <p:nvPr>
-            <p:ph type="title"/>
-          </p:nvPr>
-        </p:nvSpPr>
-        <p:spPr/>
-        <p:txBody>
-          <a:bodyPr/>
-          <a:lstStyle/>
-          <a:p>
-            <a:r>
-              <a:rPr lang="en-US" dirty="0" smtClean="0"/>
-              <a:t>Lambda scaling</a:t>
-            </a:r>
-            <a:endParaRPr lang="en-US" dirty="0"/>
-          </a:p>
-        </p:txBody>
-      </p:sp>
-      <p:sp>
-        <p:nvSpPr>
-          <p:cNvPr id="3" name="Content Placeholder 2"/>
-          <p:cNvSpPr>
-            <a:spLocks noGrp="1"/>
-          </p:cNvSpPr>
-          <p:nvPr>
-            <p:ph idx="1"/>
-          </p:nvPr>
-        </p:nvSpPr>
-        <p:spPr/>
-        <p:txBody>
-          <a:bodyPr>
-            <a:normAutofit/>
-          </a:bodyPr>
-          <a:lstStyle/>
-          <a:p>
-            <a:r>
-              <a:rPr lang="en-US" dirty="0" smtClean="0"/>
-              <a:t>Lambda </a:t>
-            </a:r>
-            <a:r>
-              <a:rPr lang="mr-IN" dirty="0" smtClean="0"/>
-              <a:t>–</a:t>
-            </a:r>
-            <a:r>
-              <a:rPr lang="en-US" dirty="0" smtClean="0"/>
-              <a:t> on a unit of work</a:t>
-            </a:r>
-          </a:p>
-          <a:p>
-            <a:pPr lvl="1"/>
-            <a:r>
-              <a:rPr lang="en-US" dirty="0" smtClean="0"/>
-              <a:t>Streaming source types</a:t>
-            </a:r>
-          </a:p>
-          <a:p>
-            <a:pPr lvl="1"/>
-            <a:r>
-              <a:rPr lang="en-US" dirty="0" smtClean="0"/>
-              <a:t>Synchronous source types</a:t>
-            </a:r>
-          </a:p>
-          <a:p>
-            <a:pPr lvl="1"/>
-            <a:r>
-              <a:rPr lang="en-US" dirty="0" smtClean="0"/>
-              <a:t>(</a:t>
-            </a:r>
-            <a:r>
-              <a:rPr lang="en-US" dirty="0" smtClean="0">
-                <a:hlinkClick r:id="rId2"/>
-              </a:rPr>
-              <a:t>https://cloudncode.blog/2017/03/02/best-practices-aws-lambda-function/)</a:t>
-            </a:r>
-            <a:endParaRPr lang="en-US" dirty="0" smtClean="0"/>
-          </a:p>
-          <a:p>
-            <a:pPr lvl="1"/>
-            <a:r>
-              <a:rPr lang="en-US" dirty="0" smtClean="0"/>
-              <a:t>Concurrent Invocations = events (or requests) per second * function duration (in secs)</a:t>
-            </a:r>
-          </a:p>
-          <a:p>
-            <a:pPr lvl="1"/>
-            <a:r>
-              <a:rPr lang="en-US" dirty="0" smtClean="0"/>
-              <a:t>(</a:t>
-            </a:r>
-            <a:r>
-              <a:rPr lang="en-US" dirty="0" smtClean="0">
-                <a:hlinkClick r:id="rId3"/>
-              </a:rPr>
-              <a:t>http://docs.aws.amazon.com/lambda/latest/dg/concurrent-executions.html)</a:t>
-            </a:r>
-            <a:endParaRPr lang="en-US" dirty="0" smtClean="0"/>
-          </a:p>
-          <a:p>
-            <a:pPr lvl="1"/>
-            <a:r>
-              <a:rPr lang="en-US" dirty="0" smtClean="0"/>
-              <a:t>1000 concurrent limit</a:t>
-            </a:r>
-          </a:p>
-          <a:p>
-            <a:pPr lvl="1"/>
-            <a:r>
-              <a:rPr lang="en-US" dirty="0" smtClean="0"/>
-              <a:t>Kinesis work around (pricey)</a:t>
-            </a:r>
-            <a:endParaRPr lang="en-US" dirty="0"/>
-          </a:p>
-        </p:txBody>
-      </p:sp>
-    </p:spTree>
-    <p:extLst>
-      <p:ext uri="{BB962C8B-B14F-4D97-AF65-F5344CB8AC3E}">
-        <p14:creationId xmlns:p14="http://schemas.microsoft.com/office/powerpoint/2010/main" val="1998115011"/>
-      </p:ext>
-    </p:extLst>
-  </p:cSld>
-  <p:clrMapOvr>
-    <a:masterClrMapping/>
-  </p:clrMapOvr>
-  <p:timing>
-    <p:tnLst>
-      <p:par>
-        <p:cTn id="1" dur="indefinite" restart="never" nodeType="tmRoot"/>
       </p:par>
     </p:tnLst>
   </p:timing>

--- a/going-serverless-2017.pptx
+++ b/going-serverless-2017.pptx
@@ -5,7 +5,7 @@
     <p:sldMasterId id="2147484390" r:id="rId1"/>
   </p:sldMasterIdLst>
   <p:notesMasterIdLst>
-    <p:notesMasterId r:id="rId32"/>
+    <p:notesMasterId r:id="rId33"/>
   </p:notesMasterIdLst>
   <p:sldIdLst>
     <p:sldId id="256" r:id="rId2"/>
@@ -13,31 +13,32 @@
     <p:sldId id="258" r:id="rId4"/>
     <p:sldId id="261" r:id="rId5"/>
     <p:sldId id="259" r:id="rId6"/>
-    <p:sldId id="260" r:id="rId7"/>
-    <p:sldId id="292" r:id="rId8"/>
-    <p:sldId id="295" r:id="rId9"/>
-    <p:sldId id="280" r:id="rId10"/>
-    <p:sldId id="274" r:id="rId11"/>
-    <p:sldId id="290" r:id="rId12"/>
-    <p:sldId id="276" r:id="rId13"/>
-    <p:sldId id="294" r:id="rId14"/>
-    <p:sldId id="283" r:id="rId15"/>
-    <p:sldId id="284" r:id="rId16"/>
-    <p:sldId id="285" r:id="rId17"/>
-    <p:sldId id="288" r:id="rId18"/>
-    <p:sldId id="293" r:id="rId19"/>
-    <p:sldId id="296" r:id="rId20"/>
-    <p:sldId id="278" r:id="rId21"/>
-    <p:sldId id="298" r:id="rId22"/>
-    <p:sldId id="277" r:id="rId23"/>
-    <p:sldId id="297" r:id="rId24"/>
-    <p:sldId id="263" r:id="rId25"/>
-    <p:sldId id="269" r:id="rId26"/>
-    <p:sldId id="270" r:id="rId27"/>
-    <p:sldId id="271" r:id="rId28"/>
-    <p:sldId id="291" r:id="rId29"/>
-    <p:sldId id="289" r:id="rId30"/>
-    <p:sldId id="272" r:id="rId31"/>
+    <p:sldId id="299" r:id="rId7"/>
+    <p:sldId id="260" r:id="rId8"/>
+    <p:sldId id="292" r:id="rId9"/>
+    <p:sldId id="295" r:id="rId10"/>
+    <p:sldId id="280" r:id="rId11"/>
+    <p:sldId id="274" r:id="rId12"/>
+    <p:sldId id="290" r:id="rId13"/>
+    <p:sldId id="276" r:id="rId14"/>
+    <p:sldId id="294" r:id="rId15"/>
+    <p:sldId id="283" r:id="rId16"/>
+    <p:sldId id="284" r:id="rId17"/>
+    <p:sldId id="285" r:id="rId18"/>
+    <p:sldId id="288" r:id="rId19"/>
+    <p:sldId id="293" r:id="rId20"/>
+    <p:sldId id="296" r:id="rId21"/>
+    <p:sldId id="278" r:id="rId22"/>
+    <p:sldId id="298" r:id="rId23"/>
+    <p:sldId id="277" r:id="rId24"/>
+    <p:sldId id="297" r:id="rId25"/>
+    <p:sldId id="263" r:id="rId26"/>
+    <p:sldId id="269" r:id="rId27"/>
+    <p:sldId id="270" r:id="rId28"/>
+    <p:sldId id="271" r:id="rId29"/>
+    <p:sldId id="291" r:id="rId30"/>
+    <p:sldId id="289" r:id="rId31"/>
+    <p:sldId id="272" r:id="rId32"/>
   </p:sldIdLst>
   <p:sldSz cx="12192000" cy="6858000"/>
   <p:notesSz cx="6858000" cy="9144000"/>
@@ -138,7 +139,7 @@
   </p:defaultTextStyle>
   <p:extLst>
     <p:ext uri="{EFAFB233-063F-42B5-8137-9DF3F51BA10A}">
-      <p15:sldGuideLst xmlns:p15="http://schemas.microsoft.com/office/powerpoint/2012/main">
+      <p15:sldGuideLst xmlns:p15="http://schemas.microsoft.com/office/powerpoint/2012/main" xmlns="">
         <p15:guide id="1" orient="horz" pos="2160">
           <p15:clr>
             <a:srgbClr val="A4A3A4"/>
@@ -237,7 +238,7 @@
           <a:p>
             <a:fld id="{B2C8C884-D63D-5646-A586-52C29EA0F3E1}" type="datetimeFigureOut">
               <a:rPr lang="en-US" smtClean="0"/>
-              <a:t>10/5/17</a:t>
+              <a:t>10/6/17</a:t>
             </a:fld>
             <a:endParaRPr lang="en-US"/>
           </a:p>
@@ -872,7 +873,7 @@
           <a:p>
             <a:fld id="{5163F177-63D5-7643-99DD-EE07EEE1E644}" type="datetimeFigureOut">
               <a:rPr lang="en-US" smtClean="0"/>
-              <a:t>10/5/17</a:t>
+              <a:t>10/6/17</a:t>
             </a:fld>
             <a:endParaRPr lang="en-US"/>
           </a:p>
@@ -988,7 +989,7 @@
   </p:clrMapOvr>
   <p:extLst mod="1">
     <p:ext uri="{DCECCB84-F9BA-43D5-87BE-67443E8EF086}">
-      <p15:sldGuideLst xmlns:p15="http://schemas.microsoft.com/office/powerpoint/2012/main">
+      <p15:sldGuideLst xmlns:p15="http://schemas.microsoft.com/office/powerpoint/2012/main" xmlns="">
         <p15:guide id="1" orient="horz" pos="792">
           <p15:clr>
             <a:srgbClr val="FBAE40"/>
@@ -1114,7 +1115,7 @@
           <a:p>
             <a:fld id="{5163F177-63D5-7643-99DD-EE07EEE1E644}" type="datetimeFigureOut">
               <a:rPr lang="en-US" smtClean="0"/>
-              <a:t>10/5/17</a:t>
+              <a:t>10/6/17</a:t>
             </a:fld>
             <a:endParaRPr lang="en-US"/>
           </a:p>
@@ -1495,7 +1496,7 @@
           <a:p>
             <a:fld id="{5163F177-63D5-7643-99DD-EE07EEE1E644}" type="datetimeFigureOut">
               <a:rPr lang="en-US" smtClean="0"/>
-              <a:t>10/5/17</a:t>
+              <a:t>10/6/17</a:t>
             </a:fld>
             <a:endParaRPr lang="en-US"/>
           </a:p>
@@ -1598,7 +1599,7 @@
   </p:clrMapOvr>
   <p:extLst mod="1">
     <p:ext uri="{DCECCB84-F9BA-43D5-87BE-67443E8EF086}">
-      <p15:sldGuideLst xmlns:p15="http://schemas.microsoft.com/office/powerpoint/2012/main">
+      <p15:sldGuideLst xmlns:p15="http://schemas.microsoft.com/office/powerpoint/2012/main" xmlns="">
         <p15:guide id="1" pos="6456">
           <p15:clr>
             <a:srgbClr val="FBAE40"/>
@@ -1719,7 +1720,7 @@
           <a:p>
             <a:fld id="{5163F177-63D5-7643-99DD-EE07EEE1E644}" type="datetimeFigureOut">
               <a:rPr lang="en-US" smtClean="0"/>
-              <a:t>10/5/17</a:t>
+              <a:t>10/6/17</a:t>
             </a:fld>
             <a:endParaRPr lang="en-US"/>
           </a:p>
@@ -2205,7 +2206,7 @@
           <a:p>
             <a:fld id="{5163F177-63D5-7643-99DD-EE07EEE1E644}" type="datetimeFigureOut">
               <a:rPr lang="en-US" smtClean="0"/>
-              <a:t>10/5/17</a:t>
+              <a:t>10/6/17</a:t>
             </a:fld>
             <a:endParaRPr lang="en-US"/>
           </a:p>
@@ -2327,7 +2328,7 @@
   </p:clrMapOvr>
   <p:extLst mod="1">
     <p:ext uri="{DCECCB84-F9BA-43D5-87BE-67443E8EF086}">
-      <p15:sldGuideLst xmlns:p15="http://schemas.microsoft.com/office/powerpoint/2012/main">
+      <p15:sldGuideLst xmlns:p15="http://schemas.microsoft.com/office/powerpoint/2012/main" xmlns="">
         <p15:guide id="1" pos="6456">
           <p15:clr>
             <a:srgbClr val="FBAE40"/>
@@ -2510,7 +2511,7 @@
           <a:p>
             <a:fld id="{5163F177-63D5-7643-99DD-EE07EEE1E644}" type="datetimeFigureOut">
               <a:rPr lang="en-US" smtClean="0"/>
-              <a:t>10/5/17</a:t>
+              <a:t>10/6/17</a:t>
             </a:fld>
             <a:endParaRPr lang="en-US"/>
           </a:p>
@@ -2565,7 +2566,7 @@
   </p:clrMapOvr>
   <p:extLst>
     <p:ext uri="{DCECCB84-F9BA-43D5-87BE-67443E8EF086}">
-      <p15:sldGuideLst xmlns:p15="http://schemas.microsoft.com/office/powerpoint/2012/main"/>
+      <p15:sldGuideLst xmlns:p15="http://schemas.microsoft.com/office/powerpoint/2012/main" xmlns=""/>
     </p:ext>
   </p:extLst>
 </p:sldLayout>
@@ -2901,7 +2902,7 @@
           <a:p>
             <a:fld id="{5163F177-63D5-7643-99DD-EE07EEE1E644}" type="datetimeFigureOut">
               <a:rPr lang="en-US" smtClean="0"/>
-              <a:t>10/5/17</a:t>
+              <a:t>10/6/17</a:t>
             </a:fld>
             <a:endParaRPr lang="en-US"/>
           </a:p>
@@ -2956,7 +2957,7 @@
   </p:clrMapOvr>
   <p:extLst>
     <p:ext uri="{DCECCB84-F9BA-43D5-87BE-67443E8EF086}">
-      <p15:sldGuideLst xmlns:p15="http://schemas.microsoft.com/office/powerpoint/2012/main"/>
+      <p15:sldGuideLst xmlns:p15="http://schemas.microsoft.com/office/powerpoint/2012/main" xmlns=""/>
     </p:ext>
   </p:extLst>
 </p:sldLayout>
@@ -3019,7 +3020,7 @@
           <a:p>
             <a:fld id="{5163F177-63D5-7643-99DD-EE07EEE1E644}" type="datetimeFigureOut">
               <a:rPr lang="en-US" smtClean="0"/>
-              <a:t>10/5/17</a:t>
+              <a:t>10/6/17</a:t>
             </a:fld>
             <a:endParaRPr lang="en-US"/>
           </a:p>
@@ -3109,7 +3110,7 @@
           <a:p>
             <a:fld id="{5163F177-63D5-7643-99DD-EE07EEE1E644}" type="datetimeFigureOut">
               <a:rPr lang="en-US" smtClean="0"/>
-              <a:t>10/5/17</a:t>
+              <a:t>10/6/17</a:t>
             </a:fld>
             <a:endParaRPr lang="en-US"/>
           </a:p>
@@ -3164,7 +3165,7 @@
   </p:clrMapOvr>
   <p:extLst>
     <p:ext uri="{DCECCB84-F9BA-43D5-87BE-67443E8EF086}">
-      <p15:sldGuideLst xmlns:p15="http://schemas.microsoft.com/office/powerpoint/2012/main"/>
+      <p15:sldGuideLst xmlns:p15="http://schemas.microsoft.com/office/powerpoint/2012/main" xmlns=""/>
     </p:ext>
   </p:extLst>
 </p:sldLayout>
@@ -3409,7 +3410,7 @@
           <a:p>
             <a:fld id="{5163F177-63D5-7643-99DD-EE07EEE1E644}" type="datetimeFigureOut">
               <a:rPr lang="en-US" smtClean="0"/>
-              <a:t>10/5/17</a:t>
+              <a:t>10/6/17</a:t>
             </a:fld>
             <a:endParaRPr lang="en-US"/>
           </a:p>
@@ -3464,7 +3465,7 @@
   </p:clrMapOvr>
   <p:extLst>
     <p:ext uri="{DCECCB84-F9BA-43D5-87BE-67443E8EF086}">
-      <p15:sldGuideLst xmlns:p15="http://schemas.microsoft.com/office/powerpoint/2012/main"/>
+      <p15:sldGuideLst xmlns:p15="http://schemas.microsoft.com/office/powerpoint/2012/main" xmlns=""/>
     </p:ext>
   </p:extLst>
 </p:sldLayout>
@@ -3674,7 +3675,7 @@
           <a:p>
             <a:fld id="{5163F177-63D5-7643-99DD-EE07EEE1E644}" type="datetimeFigureOut">
               <a:rPr lang="en-US" smtClean="0"/>
-              <a:t>10/5/17</a:t>
+              <a:t>10/6/17</a:t>
             </a:fld>
             <a:endParaRPr lang="en-US"/>
           </a:p>
@@ -4087,7 +4088,7 @@
           <a:p>
             <a:fld id="{5163F177-63D5-7643-99DD-EE07EEE1E644}" type="datetimeFigureOut">
               <a:rPr lang="en-US" smtClean="0"/>
-              <a:t>10/5/17</a:t>
+              <a:t>10/6/17</a:t>
             </a:fld>
             <a:endParaRPr lang="en-US"/>
           </a:p>
@@ -4543,7 +4544,7 @@
   </p:txStyles>
   <p:extLst mod="1">
     <p:ext uri="{27BBF7A9-308A-43DC-89C8-2F10F3537804}">
-      <p15:sldGuideLst xmlns:p15="http://schemas.microsoft.com/office/powerpoint/2012/main">
+      <p15:sldGuideLst xmlns:p15="http://schemas.microsoft.com/office/powerpoint/2012/main" xmlns="">
         <p15:guide id="1" pos="2832">
           <p15:clr>
             <a:srgbClr val="F26B43"/>
@@ -4597,7 +4598,7 @@
           <p:cNvPr id="10" name="Rectangle 9">
             <a:extLst>
               <a:ext uri="{FF2B5EF4-FFF2-40B4-BE49-F238E27FC236}">
-                <a16:creationId xmlns="" xmlns:a16="http://schemas.microsoft.com/office/drawing/2014/main" id="{544C1FFD-8D6A-4A12-997F-ECA8F3321524}"/>
+                <a16:creationId xmlns:a16="http://schemas.microsoft.com/office/drawing/2014/main" xmlns="" id="{544C1FFD-8D6A-4A12-997F-ECA8F3321524}"/>
               </a:ext>
             </a:extLst>
           </p:cNvPr>
@@ -4607,7 +4608,7 @@
           <p:nvPr>
             <p:extLst>
               <p:ext uri="{386F3935-93C4-4BCD-93E2-E3B085C9AB24}">
-                <p16:designElem xmlns:p16="http://schemas.microsoft.com/office/powerpoint/2015/main" val="1"/>
+                <p16:designElem xmlns:p16="http://schemas.microsoft.com/office/powerpoint/2015/main" xmlns="" val="1"/>
               </p:ext>
             </p:extLst>
           </p:nvPr>
@@ -4677,7 +4678,7 @@
           <p:cNvPr id="12" name="Freeform 6" title="Page Number Shape">
             <a:extLst>
               <a:ext uri="{FF2B5EF4-FFF2-40B4-BE49-F238E27FC236}">
-                <a16:creationId xmlns="" xmlns:a16="http://schemas.microsoft.com/office/drawing/2014/main" id="{014B3DE6-0CA2-4818-9E10-8ACF44107B10}"/>
+                <a16:creationId xmlns:a16="http://schemas.microsoft.com/office/drawing/2014/main" xmlns="" id="{014B3DE6-0CA2-4818-9E10-8ACF44107B10}"/>
               </a:ext>
             </a:extLst>
           </p:cNvPr>
@@ -4687,7 +4688,7 @@
           <p:nvPr>
             <p:extLst>
               <p:ext uri="{386F3935-93C4-4BCD-93E2-E3B085C9AB24}">
-                <p16:designElem xmlns:p16="http://schemas.microsoft.com/office/powerpoint/2015/main" val="1"/>
+                <p16:designElem xmlns:p16="http://schemas.microsoft.com/office/powerpoint/2015/main" xmlns="" val="1"/>
               </p:ext>
             </p:extLst>
           </p:nvPr>
@@ -4964,7 +4965,7 @@
   <p:timing>
     <p:tnLst>
       <p:par>
-        <p:cTn id="1" dur="indefinite" restart="never" nodeType="tmRoot"/>
+        <p:cTn xmlns:p14="http://schemas.microsoft.com/office/powerpoint/2010/main" id="1" dur="indefinite" restart="never" nodeType="tmRoot"/>
       </p:par>
     </p:tnLst>
   </p:timing>
@@ -5005,7 +5006,7 @@
           <a:p>
             <a:r>
               <a:rPr lang="en-US" dirty="0" smtClean="0"/>
-              <a:t>Managed</a:t>
+              <a:t>Scalable</a:t>
             </a:r>
             <a:endParaRPr lang="en-US" dirty="0"/>
           </a:p>
@@ -5028,45 +5029,25 @@
           <a:p>
             <a:r>
               <a:rPr lang="en-US" dirty="0" smtClean="0"/>
-              <a:t>No runtimes to install</a:t>
-            </a:r>
-          </a:p>
-          <a:p>
-            <a:r>
-              <a:rPr lang="en-US" dirty="0" smtClean="0"/>
-              <a:t>No servers to provision</a:t>
-            </a:r>
-          </a:p>
-          <a:p>
-            <a:r>
-              <a:rPr lang="en-US" dirty="0" smtClean="0"/>
-              <a:t>No “</a:t>
-            </a:r>
-            <a:r>
-              <a:rPr lang="en-US" dirty="0" err="1" smtClean="0"/>
-              <a:t>INFRAopps</a:t>
-            </a:r>
-            <a:r>
-              <a:rPr lang="en-US" dirty="0" smtClean="0"/>
-              <a:t>”</a:t>
-            </a:r>
-          </a:p>
-          <a:p>
-            <a:r>
-              <a:rPr lang="en-US" dirty="0" smtClean="0"/>
-              <a:t>No logging setup</a:t>
-            </a:r>
-          </a:p>
-          <a:p>
-            <a:r>
-              <a:rPr lang="en-US" dirty="0" smtClean="0"/>
-              <a:t>Data replication</a:t>
-            </a:r>
-          </a:p>
-          <a:p>
-            <a:r>
-              <a:rPr lang="en-US" dirty="0" smtClean="0"/>
-              <a:t>Etc.</a:t>
+              <a:t>Auto scaling based on calls</a:t>
+            </a:r>
+          </a:p>
+          <a:p>
+            <a:r>
+              <a:rPr lang="en-US" dirty="0" smtClean="0"/>
+              <a:t>Manually scale with settings</a:t>
+            </a:r>
+          </a:p>
+          <a:p>
+            <a:r>
+              <a:rPr lang="en-US" dirty="0" smtClean="0"/>
+              <a:t>Scale units of computing instead of servers</a:t>
+            </a:r>
+          </a:p>
+          <a:p>
+            <a:r>
+              <a:rPr lang="en-US" dirty="0" smtClean="0"/>
+              <a:t>Scales back down</a:t>
             </a:r>
             <a:endParaRPr lang="en-US" dirty="0"/>
           </a:p>
@@ -5075,7 +5056,7 @@
     </p:spTree>
     <p:extLst>
       <p:ext uri="{BB962C8B-B14F-4D97-AF65-F5344CB8AC3E}">
-        <p14:creationId xmlns:p14="http://schemas.microsoft.com/office/powerpoint/2010/main" val="902979938"/>
+        <p14:creationId xmlns:p14="http://schemas.microsoft.com/office/powerpoint/2010/main" val="498775429"/>
       </p:ext>
     </p:extLst>
   </p:cSld>
@@ -5085,7 +5066,7 @@
   <p:timing>
     <p:tnLst>
       <p:par>
-        <p:cTn id="1" dur="indefinite" restart="never" nodeType="tmRoot"/>
+        <p:cTn xmlns:p14="http://schemas.microsoft.com/office/powerpoint/2010/main" id="1" dur="indefinite" restart="never" nodeType="tmRoot"/>
       </p:par>
     </p:tnLst>
   </p:timing>
@@ -5126,11 +5107,8 @@
           <a:p>
             <a:r>
               <a:rPr lang="en-US" dirty="0" smtClean="0"/>
-              <a:t>Cost</a:t>
-            </a:r>
-            <a:br>
-              <a:rPr lang="en-US" dirty="0" smtClean="0"/>
-            </a:br>
+              <a:t>Managed</a:t>
+            </a:r>
             <a:endParaRPr lang="en-US" dirty="0"/>
           </a:p>
         </p:txBody>
@@ -5147,30 +5125,50 @@
         </p:nvSpPr>
         <p:spPr/>
         <p:txBody>
-          <a:bodyPr>
-            <a:normAutofit/>
-          </a:bodyPr>
+          <a:bodyPr/>
           <a:lstStyle/>
           <a:p>
             <a:r>
               <a:rPr lang="en-US" dirty="0" smtClean="0"/>
-              <a:t>Pay for usage</a:t>
-            </a:r>
-          </a:p>
-          <a:p>
-            <a:r>
-              <a:rPr lang="en-US" dirty="0" smtClean="0"/>
-              <a:t>Pay for capacity</a:t>
-            </a:r>
-          </a:p>
-          <a:p>
-            <a:r>
-              <a:rPr lang="en-US" dirty="0" smtClean="0"/>
-              <a:t>No need </a:t>
-            </a:r>
-            <a:r>
-              <a:rPr lang="en-US" smtClean="0"/>
-              <a:t>to over-provision</a:t>
+              <a:t>No runtimes to install</a:t>
+            </a:r>
+          </a:p>
+          <a:p>
+            <a:r>
+              <a:rPr lang="en-US" dirty="0" smtClean="0"/>
+              <a:t>No servers to provision</a:t>
+            </a:r>
+          </a:p>
+          <a:p>
+            <a:r>
+              <a:rPr lang="en-US" dirty="0" smtClean="0"/>
+              <a:t>No “</a:t>
+            </a:r>
+            <a:r>
+              <a:rPr lang="en-US" dirty="0" err="1" smtClean="0"/>
+              <a:t>INFRAopps</a:t>
+            </a:r>
+            <a:r>
+              <a:rPr lang="en-US" dirty="0" smtClean="0"/>
+              <a:t>”</a:t>
+            </a:r>
+          </a:p>
+          <a:p>
+            <a:r>
+              <a:rPr lang="en-US" dirty="0" smtClean="0"/>
+              <a:t>No logging setup</a:t>
+            </a:r>
+          </a:p>
+          <a:p>
+            <a:r>
+              <a:rPr lang="en-US" dirty="0" smtClean="0"/>
+              <a:t>Data replication</a:t>
+            </a:r>
+          </a:p>
+          <a:p>
+            <a:r>
+              <a:rPr lang="en-US" dirty="0" smtClean="0"/>
+              <a:t>Etc.</a:t>
             </a:r>
             <a:endParaRPr lang="en-US" dirty="0"/>
           </a:p>
@@ -5179,7 +5177,7 @@
     </p:spTree>
     <p:extLst>
       <p:ext uri="{BB962C8B-B14F-4D97-AF65-F5344CB8AC3E}">
-        <p14:creationId xmlns:p14="http://schemas.microsoft.com/office/powerpoint/2010/main" val="712143592"/>
+        <p14:creationId xmlns:p14="http://schemas.microsoft.com/office/powerpoint/2010/main" val="902979938"/>
       </p:ext>
     </p:extLst>
   </p:cSld>
@@ -5189,7 +5187,7 @@
   <p:timing>
     <p:tnLst>
       <p:par>
-        <p:cTn id="1" dur="indefinite" restart="never" nodeType="tmRoot"/>
+        <p:cTn xmlns:p14="http://schemas.microsoft.com/office/powerpoint/2010/main" id="1" dur="indefinite" restart="never" nodeType="tmRoot"/>
       </p:par>
     </p:tnLst>
   </p:timing>
@@ -5215,6 +5213,110 @@
       </p:grpSpPr>
       <p:sp>
         <p:nvSpPr>
+          <p:cNvPr id="2" name="Title 1"/>
+          <p:cNvSpPr>
+            <a:spLocks noGrp="1"/>
+          </p:cNvSpPr>
+          <p:nvPr>
+            <p:ph type="title"/>
+          </p:nvPr>
+        </p:nvSpPr>
+        <p:spPr/>
+        <p:txBody>
+          <a:bodyPr/>
+          <a:lstStyle/>
+          <a:p>
+            <a:r>
+              <a:rPr lang="en-US" dirty="0" smtClean="0"/>
+              <a:t>Cost</a:t>
+            </a:r>
+            <a:br>
+              <a:rPr lang="en-US" dirty="0" smtClean="0"/>
+            </a:br>
+            <a:endParaRPr lang="en-US" dirty="0"/>
+          </a:p>
+        </p:txBody>
+      </p:sp>
+      <p:sp>
+        <p:nvSpPr>
+          <p:cNvPr id="3" name="Content Placeholder 2"/>
+          <p:cNvSpPr>
+            <a:spLocks noGrp="1"/>
+          </p:cNvSpPr>
+          <p:nvPr>
+            <p:ph idx="1"/>
+          </p:nvPr>
+        </p:nvSpPr>
+        <p:spPr/>
+        <p:txBody>
+          <a:bodyPr>
+            <a:normAutofit/>
+          </a:bodyPr>
+          <a:lstStyle/>
+          <a:p>
+            <a:r>
+              <a:rPr lang="en-US" dirty="0" smtClean="0"/>
+              <a:t>Pay for usage</a:t>
+            </a:r>
+          </a:p>
+          <a:p>
+            <a:r>
+              <a:rPr lang="en-US" dirty="0" smtClean="0"/>
+              <a:t>Pay for capacity</a:t>
+            </a:r>
+          </a:p>
+          <a:p>
+            <a:r>
+              <a:rPr lang="en-US" dirty="0" smtClean="0"/>
+              <a:t>No need </a:t>
+            </a:r>
+            <a:r>
+              <a:rPr lang="en-US" smtClean="0"/>
+              <a:t>to over-provision</a:t>
+            </a:r>
+            <a:endParaRPr lang="en-US" dirty="0"/>
+          </a:p>
+        </p:txBody>
+      </p:sp>
+    </p:spTree>
+    <p:extLst>
+      <p:ext uri="{BB962C8B-B14F-4D97-AF65-F5344CB8AC3E}">
+        <p14:creationId xmlns:p14="http://schemas.microsoft.com/office/powerpoint/2010/main" val="712143592"/>
+      </p:ext>
+    </p:extLst>
+  </p:cSld>
+  <p:clrMapOvr>
+    <a:masterClrMapping/>
+  </p:clrMapOvr>
+  <p:timing>
+    <p:tnLst>
+      <p:par>
+        <p:cTn xmlns:p14="http://schemas.microsoft.com/office/powerpoint/2010/main" id="1" dur="indefinite" restart="never" nodeType="tmRoot"/>
+      </p:par>
+    </p:tnLst>
+  </p:timing>
+</p:sld>
+</file>
+
+<file path=ppt/slides/slide13.xml><?xml version="1.0" encoding="utf-8"?>
+<p:sld xmlns:a="http://schemas.openxmlformats.org/drawingml/2006/main" xmlns:r="http://schemas.openxmlformats.org/officeDocument/2006/relationships" xmlns:p="http://schemas.openxmlformats.org/presentationml/2006/main">
+  <p:cSld>
+    <p:spTree>
+      <p:nvGrpSpPr>
+        <p:cNvPr id="1" name=""/>
+        <p:cNvGrpSpPr/>
+        <p:nvPr/>
+      </p:nvGrpSpPr>
+      <p:grpSpPr>
+        <a:xfrm>
+          <a:off x="0" y="0"/>
+          <a:ext cx="0" cy="0"/>
+          <a:chOff x="0" y="0"/>
+          <a:chExt cx="0" cy="0"/>
+        </a:xfrm>
+      </p:grpSpPr>
+      <p:sp>
+        <p:nvSpPr>
           <p:cNvPr id="9" name="Rectangle 8"/>
           <p:cNvSpPr>
             <a:spLocks noGrp="1" noRot="1" noChangeAspect="1" noMove="1" noResize="1" noEditPoints="1" noAdjustHandles="1" noChangeArrowheads="1" noChangeShapeType="1" noTextEdit="1"/>
@@ -5222,7 +5324,7 @@
           <p:nvPr>
             <p:extLst>
               <p:ext uri="{386F3935-93C4-4BCD-93E2-E3B085C9AB24}">
-                <p16:designElem xmlns:p16="http://schemas.microsoft.com/office/powerpoint/2015/main" val="1"/>
+                <p16:designElem xmlns:p16="http://schemas.microsoft.com/office/powerpoint/2015/main" xmlns="" val="1"/>
               </p:ext>
             </p:extLst>
           </p:nvPr>
@@ -5249,7 +5351,7 @@
           <p:cNvPr id="11" name="Freeform 6" title="Page Number Shape">
             <a:extLst>
               <a:ext uri="{FF2B5EF4-FFF2-40B4-BE49-F238E27FC236}">
-                <a16:creationId xmlns="" xmlns:a16="http://schemas.microsoft.com/office/drawing/2014/main" id="{63293441-3B04-46DE-92BF-F6494B38EB47}"/>
+                <a16:creationId xmlns:a16="http://schemas.microsoft.com/office/drawing/2014/main" xmlns="" id="{63293441-3B04-46DE-92BF-F6494B38EB47}"/>
               </a:ext>
             </a:extLst>
           </p:cNvPr>
@@ -5259,7 +5361,7 @@
           <p:nvPr>
             <p:extLst>
               <p:ext uri="{386F3935-93C4-4BCD-93E2-E3B085C9AB24}">
-                <p16:designElem xmlns:p16="http://schemas.microsoft.com/office/powerpoint/2015/main" val="1"/>
+                <p16:designElem xmlns:p16="http://schemas.microsoft.com/office/powerpoint/2015/main" xmlns="" val="1"/>
               </p:ext>
             </p:extLst>
           </p:nvPr>
@@ -5460,7 +5562,7 @@
           <p:cNvPr id="13" name="Straight Connector 12" title="Verticle Rule Line">
             <a:extLst>
               <a:ext uri="{FF2B5EF4-FFF2-40B4-BE49-F238E27FC236}">
-                <a16:creationId xmlns="" xmlns:a16="http://schemas.microsoft.com/office/drawing/2014/main" id="{77EEC01B-B858-4BAA-A85D-512B076C0E30}"/>
+                <a16:creationId xmlns:a16="http://schemas.microsoft.com/office/drawing/2014/main" xmlns="" id="{77EEC01B-B858-4BAA-A85D-512B076C0E30}"/>
               </a:ext>
             </a:extLst>
           </p:cNvPr>
@@ -5470,7 +5572,7 @@
           <p:nvPr>
             <p:extLst>
               <p:ext uri="{386F3935-93C4-4BCD-93E2-E3B085C9AB24}">
-                <p16:designElem xmlns:p16="http://schemas.microsoft.com/office/powerpoint/2015/main" val="1"/>
+                <p16:designElem xmlns:p16="http://schemas.microsoft.com/office/powerpoint/2015/main" xmlns="" val="1"/>
               </p:ext>
             </p:extLst>
           </p:nvPr>
@@ -5509,7 +5611,7 @@
           <p:cNvPr id="15" name="Rectangle 14">
             <a:extLst>
               <a:ext uri="{FF2B5EF4-FFF2-40B4-BE49-F238E27FC236}">
-                <a16:creationId xmlns="" xmlns:a16="http://schemas.microsoft.com/office/drawing/2014/main" id="{238A9029-B6C8-493A-8A35-351F371FD85E}"/>
+                <a16:creationId xmlns:a16="http://schemas.microsoft.com/office/drawing/2014/main" xmlns="" id="{238A9029-B6C8-493A-8A35-351F371FD85E}"/>
               </a:ext>
             </a:extLst>
           </p:cNvPr>
@@ -5519,7 +5621,7 @@
           <p:nvPr>
             <p:extLst>
               <p:ext uri="{386F3935-93C4-4BCD-93E2-E3B085C9AB24}">
-                <p16:designElem xmlns:p16="http://schemas.microsoft.com/office/powerpoint/2015/main" val="1"/>
+                <p16:designElem xmlns:p16="http://schemas.microsoft.com/office/powerpoint/2015/main" xmlns="" val="1"/>
               </p:ext>
             </p:extLst>
           </p:nvPr>
@@ -5727,7 +5829,7 @@
           <p:cNvPr id="17" name="Rectangle 16">
             <a:extLst>
               <a:ext uri="{FF2B5EF4-FFF2-40B4-BE49-F238E27FC236}">
-                <a16:creationId xmlns="" xmlns:a16="http://schemas.microsoft.com/office/drawing/2014/main" id="{7227713B-C67F-4F2C-A9DA-7D4B7196E4BC}"/>
+                <a16:creationId xmlns:a16="http://schemas.microsoft.com/office/drawing/2014/main" xmlns="" id="{7227713B-C67F-4F2C-A9DA-7D4B7196E4BC}"/>
               </a:ext>
             </a:extLst>
           </p:cNvPr>
@@ -5737,7 +5839,7 @@
           <p:nvPr>
             <p:extLst>
               <p:ext uri="{386F3935-93C4-4BCD-93E2-E3B085C9AB24}">
-                <p16:designElem xmlns:p16="http://schemas.microsoft.com/office/powerpoint/2015/main" val="1"/>
+                <p16:designElem xmlns:p16="http://schemas.microsoft.com/office/powerpoint/2015/main" xmlns="" val="1"/>
               </p:ext>
             </p:extLst>
           </p:nvPr>
@@ -5818,7 +5920,7 @@
           <p:cNvPr id="19" name="Freeform 6" title="Page Number Shape">
             <a:extLst>
               <a:ext uri="{FF2B5EF4-FFF2-40B4-BE49-F238E27FC236}">
-                <a16:creationId xmlns="" xmlns:a16="http://schemas.microsoft.com/office/drawing/2014/main" id="{8179BED0-B0A7-403F-B9F3-72C7D450F15C}"/>
+                <a16:creationId xmlns:a16="http://schemas.microsoft.com/office/drawing/2014/main" xmlns="" id="{8179BED0-B0A7-403F-B9F3-72C7D450F15C}"/>
               </a:ext>
             </a:extLst>
           </p:cNvPr>
@@ -5828,7 +5930,7 @@
           <p:nvPr>
             <p:extLst>
               <p:ext uri="{386F3935-93C4-4BCD-93E2-E3B085C9AB24}">
-                <p16:designElem xmlns:p16="http://schemas.microsoft.com/office/powerpoint/2015/main" val="1"/>
+                <p16:designElem xmlns:p16="http://schemas.microsoft.com/office/powerpoint/2015/main" xmlns="" val="1"/>
               </p:ext>
             </p:extLst>
           </p:nvPr>
@@ -6029,7 +6131,7 @@
           <p:cNvPr id="21" name="Straight Connector 20" title="Verticle Rule Line">
             <a:extLst>
               <a:ext uri="{FF2B5EF4-FFF2-40B4-BE49-F238E27FC236}">
-                <a16:creationId xmlns="" xmlns:a16="http://schemas.microsoft.com/office/drawing/2014/main" id="{E0B1C946-866A-438C-82B4-5BEFCA92A355}"/>
+                <a16:creationId xmlns:a16="http://schemas.microsoft.com/office/drawing/2014/main" xmlns="" id="{E0B1C946-866A-438C-82B4-5BEFCA92A355}"/>
               </a:ext>
             </a:extLst>
           </p:cNvPr>
@@ -6039,7 +6141,7 @@
           <p:nvPr>
             <p:extLst>
               <p:ext uri="{386F3935-93C4-4BCD-93E2-E3B085C9AB24}">
-                <p16:designElem xmlns:p16="http://schemas.microsoft.com/office/powerpoint/2015/main" val="1"/>
+                <p16:designElem xmlns:p16="http://schemas.microsoft.com/office/powerpoint/2015/main" xmlns="" val="1"/>
               </p:ext>
             </p:extLst>
           </p:nvPr>
@@ -6124,14 +6226,14 @@
   <p:timing>
     <p:tnLst>
       <p:par>
-        <p:cTn id="1" dur="indefinite" restart="never" nodeType="tmRoot"/>
+        <p:cTn xmlns:p14="http://schemas.microsoft.com/office/powerpoint/2010/main" id="1" dur="indefinite" restart="never" nodeType="tmRoot"/>
       </p:par>
     </p:tnLst>
   </p:timing>
 </p:sld>
 </file>
 
-<file path=ppt/slides/slide13.xml><?xml version="1.0" encoding="utf-8"?>
+<file path=ppt/slides/slide14.xml><?xml version="1.0" encoding="utf-8"?>
 <p:sld xmlns:a="http://schemas.openxmlformats.org/drawingml/2006/main" xmlns:r="http://schemas.openxmlformats.org/officeDocument/2006/relationships" xmlns:p="http://schemas.openxmlformats.org/presentationml/2006/main">
   <p:cSld>
     <p:spTree>
@@ -6924,14 +7026,14 @@
   <p:timing>
     <p:tnLst>
       <p:par>
-        <p:cTn id="1" dur="indefinite" restart="never" nodeType="tmRoot"/>
+        <p:cTn xmlns:p14="http://schemas.microsoft.com/office/powerpoint/2010/main" id="1" dur="indefinite" restart="never" nodeType="tmRoot"/>
       </p:par>
     </p:tnLst>
   </p:timing>
 </p:sld>
 </file>
 
-<file path=ppt/slides/slide14.xml><?xml version="1.0" encoding="utf-8"?>
+<file path=ppt/slides/slide15.xml><?xml version="1.0" encoding="utf-8"?>
 <p:sld xmlns:a="http://schemas.openxmlformats.org/drawingml/2006/main" xmlns:r="http://schemas.openxmlformats.org/officeDocument/2006/relationships" xmlns:p="http://schemas.openxmlformats.org/presentationml/2006/main">
   <p:cSld>
     <p:spTree>
@@ -7045,14 +7147,14 @@
   <p:timing>
     <p:tnLst>
       <p:par>
-        <p:cTn id="1" dur="indefinite" restart="never" nodeType="tmRoot"/>
+        <p:cTn xmlns:p14="http://schemas.microsoft.com/office/powerpoint/2010/main" id="1" dur="indefinite" restart="never" nodeType="tmRoot"/>
       </p:par>
     </p:tnLst>
   </p:timing>
 </p:sld>
 </file>
 
-<file path=ppt/slides/slide15.xml><?xml version="1.0" encoding="utf-8"?>
+<file path=ppt/slides/slide16.xml><?xml version="1.0" encoding="utf-8"?>
 <p:sld xmlns:a="http://schemas.openxmlformats.org/drawingml/2006/main" xmlns:r="http://schemas.openxmlformats.org/officeDocument/2006/relationships" xmlns:p="http://schemas.openxmlformats.org/presentationml/2006/main">
   <p:cSld>
     <p:spTree>
@@ -7782,14 +7884,14 @@
   <p:timing>
     <p:tnLst>
       <p:par>
-        <p:cTn id="1" dur="indefinite" restart="never" nodeType="tmRoot"/>
+        <p:cTn xmlns:p14="http://schemas.microsoft.com/office/powerpoint/2010/main" id="1" dur="indefinite" restart="never" nodeType="tmRoot"/>
       </p:par>
     </p:tnLst>
   </p:timing>
 </p:sld>
 </file>
 
-<file path=ppt/slides/slide16.xml><?xml version="1.0" encoding="utf-8"?>
+<file path=ppt/slides/slide17.xml><?xml version="1.0" encoding="utf-8"?>
 <p:sld xmlns:a="http://schemas.openxmlformats.org/drawingml/2006/main" xmlns:r="http://schemas.openxmlformats.org/officeDocument/2006/relationships" xmlns:p="http://schemas.openxmlformats.org/presentationml/2006/main">
   <p:cSld>
     <p:spTree>
@@ -8708,14 +8810,14 @@
   <p:timing>
     <p:tnLst>
       <p:par>
-        <p:cTn id="1" dur="indefinite" restart="never" nodeType="tmRoot"/>
+        <p:cTn xmlns:p14="http://schemas.microsoft.com/office/powerpoint/2010/main" id="1" dur="indefinite" restart="never" nodeType="tmRoot"/>
       </p:par>
     </p:tnLst>
   </p:timing>
 </p:sld>
 </file>
 
-<file path=ppt/slides/slide17.xml><?xml version="1.0" encoding="utf-8"?>
+<file path=ppt/slides/slide18.xml><?xml version="1.0" encoding="utf-8"?>
 <p:sld xmlns:a="http://schemas.openxmlformats.org/drawingml/2006/main" xmlns:r="http://schemas.openxmlformats.org/officeDocument/2006/relationships" xmlns:p="http://schemas.openxmlformats.org/presentationml/2006/main">
   <p:cSld>
     <p:spTree>
@@ -8936,14 +9038,14 @@
   <p:timing>
     <p:tnLst>
       <p:par>
-        <p:cTn id="1" dur="indefinite" restart="never" nodeType="tmRoot"/>
+        <p:cTn xmlns:p14="http://schemas.microsoft.com/office/powerpoint/2010/main" id="1" dur="indefinite" restart="never" nodeType="tmRoot"/>
       </p:par>
     </p:tnLst>
   </p:timing>
 </p:sld>
 </file>
 
-<file path=ppt/slides/slide18.xml><?xml version="1.0" encoding="utf-8"?>
+<file path=ppt/slides/slide19.xml><?xml version="1.0" encoding="utf-8"?>
 <p:sld xmlns:a="http://schemas.openxmlformats.org/drawingml/2006/main" xmlns:r="http://schemas.openxmlformats.org/officeDocument/2006/relationships" xmlns:p="http://schemas.openxmlformats.org/presentationml/2006/main">
   <p:cSld>
     <p:spTree>
@@ -9029,233 +9131,10 @@
   <p:timing>
     <p:tnLst>
       <p:par>
-        <p:cTn id="1" dur="indefinite" restart="never" nodeType="tmRoot"/>
+        <p:cTn xmlns:p14="http://schemas.microsoft.com/office/powerpoint/2010/main" id="1" dur="indefinite" restart="never" nodeType="tmRoot"/>
       </p:par>
     </p:tnLst>
   </p:timing>
-</p:sld>
-</file>
-
-<file path=ppt/slides/slide19.xml><?xml version="1.0" encoding="utf-8"?>
-<p:sld xmlns:a="http://schemas.openxmlformats.org/drawingml/2006/main" xmlns:r="http://schemas.openxmlformats.org/officeDocument/2006/relationships" xmlns:p="http://schemas.openxmlformats.org/presentationml/2006/main">
-  <p:cSld>
-    <p:spTree>
-      <p:nvGrpSpPr>
-        <p:cNvPr id="1" name=""/>
-        <p:cNvGrpSpPr/>
-        <p:nvPr/>
-      </p:nvGrpSpPr>
-      <p:grpSpPr>
-        <a:xfrm>
-          <a:off x="0" y="0"/>
-          <a:ext cx="0" cy="0"/>
-          <a:chOff x="0" y="0"/>
-          <a:chExt cx="0" cy="0"/>
-        </a:xfrm>
-      </p:grpSpPr>
-      <p:sp>
-        <p:nvSpPr>
-          <p:cNvPr id="2" name="Title 1"/>
-          <p:cNvSpPr>
-            <a:spLocks noGrp="1"/>
-          </p:cNvSpPr>
-          <p:nvPr>
-            <p:ph type="title"/>
-          </p:nvPr>
-        </p:nvSpPr>
-        <p:spPr/>
-        <p:txBody>
-          <a:bodyPr/>
-          <a:lstStyle/>
-          <a:p>
-            <a:r>
-              <a:rPr lang="en-US" dirty="0" smtClean="0"/>
-              <a:t>Lambda</a:t>
-            </a:r>
-            <a:br>
-              <a:rPr lang="en-US" dirty="0" smtClean="0"/>
-            </a:br>
-            <a:r>
-              <a:rPr lang="en-US" sz="2400" dirty="0" smtClean="0"/>
-              <a:t>what is it</a:t>
-            </a:r>
-            <a:endParaRPr lang="en-US" sz="2400" dirty="0"/>
-          </a:p>
-        </p:txBody>
-      </p:sp>
-      <p:sp>
-        <p:nvSpPr>
-          <p:cNvPr id="3" name="Content Placeholder 2"/>
-          <p:cNvSpPr>
-            <a:spLocks noGrp="1"/>
-          </p:cNvSpPr>
-          <p:nvPr>
-            <p:ph idx="1"/>
-          </p:nvPr>
-        </p:nvSpPr>
-        <p:spPr>
-          <a:xfrm>
-            <a:off x="5181600" y="569066"/>
-            <a:ext cx="6248398" cy="5542976"/>
-          </a:xfrm>
-        </p:spPr>
-        <p:txBody>
-          <a:bodyPr>
-            <a:normAutofit/>
-          </a:bodyPr>
-          <a:lstStyle/>
-          <a:p>
-            <a:pPr marL="0" lvl="0" indent="0">
-              <a:lnSpc>
-                <a:spcPct val="100000"/>
-              </a:lnSpc>
-              <a:spcBef>
-                <a:spcPts val="0"/>
-              </a:spcBef>
-              <a:buNone/>
-            </a:pPr>
-            <a:r>
-              <a:rPr lang="en-US" sz="2800" dirty="0">
-                <a:hlinkClick r:id="rId2"/>
-              </a:rPr>
-              <a:t>AWS Lambda</a:t>
-            </a:r>
-            <a:r>
-              <a:rPr lang="en-US" sz="2800" dirty="0"/>
-              <a:t> is a compute service that lets you run code without provisioning or managing </a:t>
-            </a:r>
-            <a:r>
-              <a:rPr lang="en-US" sz="2800" dirty="0" smtClean="0"/>
-              <a:t>servers</a:t>
-            </a:r>
-          </a:p>
-          <a:p>
-            <a:pPr marL="0" lvl="0" indent="0">
-              <a:lnSpc>
-                <a:spcPct val="100000"/>
-              </a:lnSpc>
-              <a:spcBef>
-                <a:spcPts val="0"/>
-              </a:spcBef>
-              <a:buNone/>
-            </a:pPr>
-            <a:r>
-              <a:rPr lang="en-US" sz="2800" dirty="0" smtClean="0"/>
-              <a:t>— </a:t>
-            </a:r>
-            <a:r>
-              <a:rPr lang="en-US" sz="2800" dirty="0"/>
-              <a:t>AWS </a:t>
-            </a:r>
-            <a:r>
-              <a:rPr lang="en-US" sz="2800" dirty="0" smtClean="0"/>
-              <a:t>Documentation</a:t>
-            </a:r>
-          </a:p>
-          <a:p>
-            <a:pPr marL="0" lvl="0" indent="0">
-              <a:lnSpc>
-                <a:spcPct val="100000"/>
-              </a:lnSpc>
-              <a:spcBef>
-                <a:spcPts val="0"/>
-              </a:spcBef>
-              <a:buNone/>
-            </a:pPr>
-            <a:endParaRPr lang="en-US" sz="2800" dirty="0"/>
-          </a:p>
-          <a:p>
-            <a:pPr>
-              <a:lnSpc>
-                <a:spcPct val="100000"/>
-              </a:lnSpc>
-              <a:spcBef>
-                <a:spcPts val="0"/>
-              </a:spcBef>
-            </a:pPr>
-            <a:r>
-              <a:rPr lang="en-US" sz="2800" dirty="0" smtClean="0"/>
-              <a:t>The FUNCTION in </a:t>
-            </a:r>
-            <a:r>
-              <a:rPr lang="en-US" sz="2800" dirty="0" err="1" smtClean="0"/>
-              <a:t>FaaS</a:t>
-            </a:r>
-            <a:endParaRPr lang="en-US" sz="2800" dirty="0" smtClean="0"/>
-          </a:p>
-          <a:p>
-            <a:pPr>
-              <a:lnSpc>
-                <a:spcPct val="100000"/>
-              </a:lnSpc>
-              <a:spcBef>
-                <a:spcPts val="0"/>
-              </a:spcBef>
-            </a:pPr>
-            <a:r>
-              <a:rPr lang="en-US" sz="2800" dirty="0" smtClean="0"/>
-              <a:t>Scalable</a:t>
-            </a:r>
-          </a:p>
-          <a:p>
-            <a:pPr>
-              <a:lnSpc>
-                <a:spcPct val="100000"/>
-              </a:lnSpc>
-              <a:spcBef>
-                <a:spcPts val="0"/>
-              </a:spcBef>
-            </a:pPr>
-            <a:r>
-              <a:rPr lang="en-US" sz="2800" dirty="0" smtClean="0"/>
-              <a:t>Pay per use</a:t>
-            </a:r>
-          </a:p>
-          <a:p>
-            <a:pPr>
-              <a:lnSpc>
-                <a:spcPct val="100000"/>
-              </a:lnSpc>
-              <a:spcBef>
-                <a:spcPts val="0"/>
-              </a:spcBef>
-            </a:pPr>
-            <a:r>
-              <a:rPr lang="en-US" sz="2800" dirty="0" smtClean="0"/>
-              <a:t>Managed</a:t>
-            </a:r>
-          </a:p>
-          <a:p>
-            <a:pPr>
-              <a:lnSpc>
-                <a:spcPct val="100000"/>
-              </a:lnSpc>
-              <a:spcBef>
-                <a:spcPts val="0"/>
-              </a:spcBef>
-            </a:pPr>
-            <a:r>
-              <a:rPr lang="en-US" sz="2800" dirty="0" smtClean="0"/>
-              <a:t>No </a:t>
-            </a:r>
-            <a:r>
-              <a:rPr lang="en-US" sz="2800" dirty="0" err="1" smtClean="0"/>
-              <a:t>admininstration</a:t>
-            </a:r>
-            <a:endParaRPr lang="en-US" sz="2800" dirty="0" smtClean="0"/>
-          </a:p>
-        </p:txBody>
-      </p:sp>
-    </p:spTree>
-    <p:extLst>
-      <p:ext uri="{BB962C8B-B14F-4D97-AF65-F5344CB8AC3E}">
-        <p14:creationId xmlns:p14="http://schemas.microsoft.com/office/powerpoint/2010/main" val="2028719974"/>
-      </p:ext>
-    </p:extLst>
-  </p:cSld>
-  <p:clrMapOvr>
-    <a:masterClrMapping/>
-  </p:clrMapOvr>
 </p:sld>
 </file>
 
@@ -9391,7 +9270,7 @@
   <p:timing>
     <p:tnLst>
       <p:par>
-        <p:cTn id="1" dur="indefinite" restart="never" nodeType="tmRoot"/>
+        <p:cTn xmlns:p14="http://schemas.microsoft.com/office/powerpoint/2010/main" id="1" dur="indefinite" restart="never" nodeType="tmRoot"/>
       </p:par>
     </p:tnLst>
   </p:timing>
@@ -9439,6 +9318,229 @@
             </a:br>
             <a:r>
               <a:rPr lang="en-US" sz="2400" dirty="0" smtClean="0"/>
+              <a:t>what is it</a:t>
+            </a:r>
+            <a:endParaRPr lang="en-US" sz="2400" dirty="0"/>
+          </a:p>
+        </p:txBody>
+      </p:sp>
+      <p:sp>
+        <p:nvSpPr>
+          <p:cNvPr id="3" name="Content Placeholder 2"/>
+          <p:cNvSpPr>
+            <a:spLocks noGrp="1"/>
+          </p:cNvSpPr>
+          <p:nvPr>
+            <p:ph idx="1"/>
+          </p:nvPr>
+        </p:nvSpPr>
+        <p:spPr>
+          <a:xfrm>
+            <a:off x="5181600" y="569066"/>
+            <a:ext cx="6248398" cy="5542976"/>
+          </a:xfrm>
+        </p:spPr>
+        <p:txBody>
+          <a:bodyPr>
+            <a:normAutofit/>
+          </a:bodyPr>
+          <a:lstStyle/>
+          <a:p>
+            <a:pPr marL="0" lvl="0" indent="0">
+              <a:lnSpc>
+                <a:spcPct val="100000"/>
+              </a:lnSpc>
+              <a:spcBef>
+                <a:spcPts val="0"/>
+              </a:spcBef>
+              <a:buNone/>
+            </a:pPr>
+            <a:r>
+              <a:rPr lang="en-US" sz="2800" dirty="0">
+                <a:hlinkClick r:id="rId2"/>
+              </a:rPr>
+              <a:t>AWS Lambda</a:t>
+            </a:r>
+            <a:r>
+              <a:rPr lang="en-US" sz="2800" dirty="0"/>
+              <a:t> is a compute service that lets you run code without provisioning or managing </a:t>
+            </a:r>
+            <a:r>
+              <a:rPr lang="en-US" sz="2800" dirty="0" smtClean="0"/>
+              <a:t>servers</a:t>
+            </a:r>
+          </a:p>
+          <a:p>
+            <a:pPr marL="0" lvl="0" indent="0">
+              <a:lnSpc>
+                <a:spcPct val="100000"/>
+              </a:lnSpc>
+              <a:spcBef>
+                <a:spcPts val="0"/>
+              </a:spcBef>
+              <a:buNone/>
+            </a:pPr>
+            <a:r>
+              <a:rPr lang="en-US" sz="2800" dirty="0" smtClean="0"/>
+              <a:t>— </a:t>
+            </a:r>
+            <a:r>
+              <a:rPr lang="en-US" sz="2800" dirty="0"/>
+              <a:t>AWS </a:t>
+            </a:r>
+            <a:r>
+              <a:rPr lang="en-US" sz="2800" dirty="0" smtClean="0"/>
+              <a:t>Documentation</a:t>
+            </a:r>
+          </a:p>
+          <a:p>
+            <a:pPr marL="0" lvl="0" indent="0">
+              <a:lnSpc>
+                <a:spcPct val="100000"/>
+              </a:lnSpc>
+              <a:spcBef>
+                <a:spcPts val="0"/>
+              </a:spcBef>
+              <a:buNone/>
+            </a:pPr>
+            <a:endParaRPr lang="en-US" sz="2800" dirty="0"/>
+          </a:p>
+          <a:p>
+            <a:pPr>
+              <a:lnSpc>
+                <a:spcPct val="100000"/>
+              </a:lnSpc>
+              <a:spcBef>
+                <a:spcPts val="0"/>
+              </a:spcBef>
+            </a:pPr>
+            <a:r>
+              <a:rPr lang="en-US" sz="2800" dirty="0" smtClean="0"/>
+              <a:t>The FUNCTION in </a:t>
+            </a:r>
+            <a:r>
+              <a:rPr lang="en-US" sz="2800" dirty="0" err="1" smtClean="0"/>
+              <a:t>FaaS</a:t>
+            </a:r>
+            <a:endParaRPr lang="en-US" sz="2800" dirty="0" smtClean="0"/>
+          </a:p>
+          <a:p>
+            <a:pPr>
+              <a:lnSpc>
+                <a:spcPct val="100000"/>
+              </a:lnSpc>
+              <a:spcBef>
+                <a:spcPts val="0"/>
+              </a:spcBef>
+            </a:pPr>
+            <a:r>
+              <a:rPr lang="en-US" sz="2800" dirty="0" smtClean="0"/>
+              <a:t>Scalable</a:t>
+            </a:r>
+          </a:p>
+          <a:p>
+            <a:pPr>
+              <a:lnSpc>
+                <a:spcPct val="100000"/>
+              </a:lnSpc>
+              <a:spcBef>
+                <a:spcPts val="0"/>
+              </a:spcBef>
+            </a:pPr>
+            <a:r>
+              <a:rPr lang="en-US" sz="2800" dirty="0" smtClean="0"/>
+              <a:t>Pay per use</a:t>
+            </a:r>
+          </a:p>
+          <a:p>
+            <a:pPr>
+              <a:lnSpc>
+                <a:spcPct val="100000"/>
+              </a:lnSpc>
+              <a:spcBef>
+                <a:spcPts val="0"/>
+              </a:spcBef>
+            </a:pPr>
+            <a:r>
+              <a:rPr lang="en-US" sz="2800" dirty="0" smtClean="0"/>
+              <a:t>Managed</a:t>
+            </a:r>
+          </a:p>
+          <a:p>
+            <a:pPr>
+              <a:lnSpc>
+                <a:spcPct val="100000"/>
+              </a:lnSpc>
+              <a:spcBef>
+                <a:spcPts val="0"/>
+              </a:spcBef>
+            </a:pPr>
+            <a:r>
+              <a:rPr lang="en-US" sz="2800" dirty="0" smtClean="0"/>
+              <a:t>No </a:t>
+            </a:r>
+            <a:r>
+              <a:rPr lang="en-US" sz="2800" dirty="0" err="1" smtClean="0"/>
+              <a:t>admininstration</a:t>
+            </a:r>
+            <a:endParaRPr lang="en-US" sz="2800" dirty="0" smtClean="0"/>
+          </a:p>
+        </p:txBody>
+      </p:sp>
+    </p:spTree>
+    <p:extLst>
+      <p:ext uri="{BB962C8B-B14F-4D97-AF65-F5344CB8AC3E}">
+        <p14:creationId xmlns:p14="http://schemas.microsoft.com/office/powerpoint/2010/main" val="2028719974"/>
+      </p:ext>
+    </p:extLst>
+  </p:cSld>
+  <p:clrMapOvr>
+    <a:masterClrMapping/>
+  </p:clrMapOvr>
+</p:sld>
+</file>
+
+<file path=ppt/slides/slide21.xml><?xml version="1.0" encoding="utf-8"?>
+<p:sld xmlns:a="http://schemas.openxmlformats.org/drawingml/2006/main" xmlns:r="http://schemas.openxmlformats.org/officeDocument/2006/relationships" xmlns:p="http://schemas.openxmlformats.org/presentationml/2006/main">
+  <p:cSld>
+    <p:spTree>
+      <p:nvGrpSpPr>
+        <p:cNvPr id="1" name=""/>
+        <p:cNvGrpSpPr/>
+        <p:nvPr/>
+      </p:nvGrpSpPr>
+      <p:grpSpPr>
+        <a:xfrm>
+          <a:off x="0" y="0"/>
+          <a:ext cx="0" cy="0"/>
+          <a:chOff x="0" y="0"/>
+          <a:chExt cx="0" cy="0"/>
+        </a:xfrm>
+      </p:grpSpPr>
+      <p:sp>
+        <p:nvSpPr>
+          <p:cNvPr id="2" name="Title 1"/>
+          <p:cNvSpPr>
+            <a:spLocks noGrp="1"/>
+          </p:cNvSpPr>
+          <p:nvPr>
+            <p:ph type="title"/>
+          </p:nvPr>
+        </p:nvSpPr>
+        <p:spPr/>
+        <p:txBody>
+          <a:bodyPr/>
+          <a:lstStyle/>
+          <a:p>
+            <a:r>
+              <a:rPr lang="en-US" dirty="0" smtClean="0"/>
+              <a:t>Lambda</a:t>
+            </a:r>
+            <a:br>
+              <a:rPr lang="en-US" dirty="0" smtClean="0"/>
+            </a:br>
+            <a:r>
+              <a:rPr lang="en-US" sz="2400" dirty="0" smtClean="0"/>
               <a:t>language/runtime support</a:t>
             </a:r>
             <a:endParaRPr lang="en-US" sz="2400" dirty="0"/>
@@ -9578,14 +9680,14 @@
   <p:timing>
     <p:tnLst>
       <p:par>
-        <p:cTn id="1" dur="indefinite" restart="never" nodeType="tmRoot"/>
+        <p:cTn xmlns:p14="http://schemas.microsoft.com/office/powerpoint/2010/main" id="1" dur="indefinite" restart="never" nodeType="tmRoot"/>
       </p:par>
     </p:tnLst>
   </p:timing>
 </p:sld>
 </file>
 
-<file path=ppt/slides/slide21.xml><?xml version="1.0" encoding="utf-8"?>
+<file path=ppt/slides/slide22.xml><?xml version="1.0" encoding="utf-8"?>
 <p:sld xmlns:a="http://schemas.openxmlformats.org/drawingml/2006/main" xmlns:r="http://schemas.openxmlformats.org/officeDocument/2006/relationships" xmlns:p="http://schemas.openxmlformats.org/presentationml/2006/main">
   <p:cSld>
     <p:bg>
@@ -9615,7 +9717,7 @@
           <p:cNvPr id="12" name="Rectangle 11">
             <a:extLst>
               <a:ext uri="{FF2B5EF4-FFF2-40B4-BE49-F238E27FC236}">
-                <a16:creationId xmlns:a16="http://schemas.microsoft.com/office/drawing/2014/main" xmlns="" id="{D9FF99B6-0BBC-4955-9A39-545FF77A584B}"/>
+                <a16:creationId xmlns="" xmlns:a16="http://schemas.microsoft.com/office/drawing/2014/main" id="{D9FF99B6-0BBC-4955-9A39-545FF77A584B}"/>
               </a:ext>
             </a:extLst>
           </p:cNvPr>
@@ -9625,7 +9727,7 @@
           <p:nvPr>
             <p:extLst>
               <p:ext uri="{386F3935-93C4-4BCD-93E2-E3B085C9AB24}">
-                <p16:designElem xmlns:p16="http://schemas.microsoft.com/office/powerpoint/2015/main" val="1"/>
+                <p16:designElem xmlns:p16="http://schemas.microsoft.com/office/powerpoint/2015/main" xmlns="" val="1"/>
               </p:ext>
             </p:extLst>
           </p:nvPr>
@@ -9672,7 +9774,7 @@
           <p:cNvPr id="14" name="Freeform 6" title="Page Number Shape">
             <a:extLst>
               <a:ext uri="{FF2B5EF4-FFF2-40B4-BE49-F238E27FC236}">
-                <a16:creationId xmlns:a16="http://schemas.microsoft.com/office/drawing/2014/main" xmlns="" id="{EFFCBFD9-BE8B-4513-8B1D-D19F805EA0DF}"/>
+                <a16:creationId xmlns="" xmlns:a16="http://schemas.microsoft.com/office/drawing/2014/main" id="{EFFCBFD9-BE8B-4513-8B1D-D19F805EA0DF}"/>
               </a:ext>
             </a:extLst>
           </p:cNvPr>
@@ -9682,7 +9784,7 @@
           <p:nvPr>
             <p:extLst>
               <p:ext uri="{386F3935-93C4-4BCD-93E2-E3B085C9AB24}">
-                <p16:designElem xmlns:p16="http://schemas.microsoft.com/office/powerpoint/2015/main" val="1"/>
+                <p16:designElem xmlns:p16="http://schemas.microsoft.com/office/powerpoint/2015/main" xmlns="" val="1"/>
               </p:ext>
             </p:extLst>
           </p:nvPr>
@@ -9916,7 +10018,7 @@
           <p:cNvPr id="16" name="Straight Connector 15">
             <a:extLst>
               <a:ext uri="{FF2B5EF4-FFF2-40B4-BE49-F238E27FC236}">
-                <a16:creationId xmlns:a16="http://schemas.microsoft.com/office/drawing/2014/main" xmlns="" id="{292F8A50-4E5D-40E7-8E9C-0C63722D6F76}"/>
+                <a16:creationId xmlns="" xmlns:a16="http://schemas.microsoft.com/office/drawing/2014/main" id="{292F8A50-4E5D-40E7-8E9C-0C63722D6F76}"/>
               </a:ext>
             </a:extLst>
           </p:cNvPr>
@@ -9926,7 +10028,7 @@
           <p:nvPr>
             <p:extLst>
               <p:ext uri="{386F3935-93C4-4BCD-93E2-E3B085C9AB24}">
-                <p16:designElem xmlns:p16="http://schemas.microsoft.com/office/powerpoint/2015/main" val="1"/>
+                <p16:designElem xmlns:p16="http://schemas.microsoft.com/office/powerpoint/2015/main" xmlns="" val="1"/>
               </p:ext>
             </p:extLst>
           </p:nvPr>
@@ -10115,7 +10217,7 @@
 </p:sld>
 </file>
 
-<file path=ppt/slides/slide22.xml><?xml version="1.0" encoding="utf-8"?>
+<file path=ppt/slides/slide23.xml><?xml version="1.0" encoding="utf-8"?>
 <p:sld xmlns:a="http://schemas.openxmlformats.org/drawingml/2006/main" xmlns:r="http://schemas.openxmlformats.org/officeDocument/2006/relationships" xmlns:p="http://schemas.openxmlformats.org/presentationml/2006/main">
   <p:cSld>
     <p:spTree>
@@ -10576,7 +10678,7 @@
   <p:timing>
     <p:tnLst>
       <p:par>
-        <p:cTn id="1" dur="indefinite" restart="never" nodeType="tmRoot">
+        <p:cTn xmlns:p14="http://schemas.microsoft.com/office/powerpoint/2010/main" id="1" dur="indefinite" restart="never" nodeType="tmRoot">
           <p:childTnLst>
             <p:seq concurrent="1" nextAc="seek">
               <p:cTn id="2" dur="indefinite" nodeType="mainSeq">
@@ -10741,116 +10843,6 @@
 </p:sld>
 </file>
 
-<file path=ppt/slides/slide23.xml><?xml version="1.0" encoding="utf-8"?>
-<p:sld xmlns:a="http://schemas.openxmlformats.org/drawingml/2006/main" xmlns:r="http://schemas.openxmlformats.org/officeDocument/2006/relationships" xmlns:p="http://schemas.openxmlformats.org/presentationml/2006/main">
-  <p:cSld>
-    <p:spTree>
-      <p:nvGrpSpPr>
-        <p:cNvPr id="1" name=""/>
-        <p:cNvGrpSpPr/>
-        <p:nvPr/>
-      </p:nvGrpSpPr>
-      <p:grpSpPr>
-        <a:xfrm>
-          <a:off x="0" y="0"/>
-          <a:ext cx="0" cy="0"/>
-          <a:chOff x="0" y="0"/>
-          <a:chExt cx="0" cy="0"/>
-        </a:xfrm>
-      </p:grpSpPr>
-      <p:sp>
-        <p:nvSpPr>
-          <p:cNvPr id="2" name="Title 1"/>
-          <p:cNvSpPr>
-            <a:spLocks noGrp="1"/>
-          </p:cNvSpPr>
-          <p:nvPr>
-            <p:ph type="title"/>
-          </p:nvPr>
-        </p:nvSpPr>
-        <p:spPr/>
-        <p:txBody>
-          <a:bodyPr>
-            <a:normAutofit/>
-          </a:bodyPr>
-          <a:lstStyle/>
-          <a:p>
-            <a:r>
-              <a:rPr lang="en-US" sz="4000" dirty="0" smtClean="0"/>
-              <a:t>API-Gateway</a:t>
-            </a:r>
-            <a:endParaRPr lang="en-US" sz="4000" dirty="0"/>
-          </a:p>
-        </p:txBody>
-      </p:sp>
-      <p:sp>
-        <p:nvSpPr>
-          <p:cNvPr id="3" name="Content Placeholder 2"/>
-          <p:cNvSpPr>
-            <a:spLocks noGrp="1"/>
-          </p:cNvSpPr>
-          <p:nvPr>
-            <p:ph idx="1"/>
-          </p:nvPr>
-        </p:nvSpPr>
-        <p:spPr/>
-        <p:txBody>
-          <a:bodyPr/>
-          <a:lstStyle/>
-          <a:p>
-            <a:r>
-              <a:rPr lang="en-US" dirty="0" smtClean="0"/>
-              <a:t>REST endpoint provider</a:t>
-            </a:r>
-          </a:p>
-          <a:p>
-            <a:r>
-              <a:rPr lang="en-US" dirty="0" smtClean="0"/>
-              <a:t>Built in monitoring (</a:t>
-            </a:r>
-            <a:r>
-              <a:rPr lang="en-US" dirty="0" err="1" smtClean="0"/>
-              <a:t>CloudWatch</a:t>
-            </a:r>
-            <a:r>
-              <a:rPr lang="en-US" dirty="0" smtClean="0"/>
-              <a:t>)</a:t>
-            </a:r>
-          </a:p>
-          <a:p>
-            <a:r>
-              <a:rPr lang="en-US" dirty="0" smtClean="0"/>
-              <a:t>Run APIs without servers</a:t>
-            </a:r>
-          </a:p>
-          <a:p>
-            <a:r>
-              <a:rPr lang="en-US" dirty="0" smtClean="0"/>
-              <a:t>Scalable</a:t>
-            </a:r>
-          </a:p>
-          <a:p>
-            <a:r>
-              <a:rPr lang="en-US" dirty="0" smtClean="0"/>
-              <a:t>Develop efficiently</a:t>
-            </a:r>
-            <a:endParaRPr lang="en-US" dirty="0"/>
-          </a:p>
-        </p:txBody>
-      </p:sp>
-    </p:spTree>
-    <p:extLst>
-      <p:ext uri="{BB962C8B-B14F-4D97-AF65-F5344CB8AC3E}">
-        <p14:creationId xmlns:p14="http://schemas.microsoft.com/office/powerpoint/2010/main" val="544503135"/>
-      </p:ext>
-    </p:extLst>
-  </p:cSld>
-  <p:clrMapOvr>
-    <a:masterClrMapping/>
-  </p:clrMapOvr>
-</p:sld>
-</file>
-
 <file path=ppt/slides/slide24.xml><?xml version="1.0" encoding="utf-8"?>
 <p:sld xmlns:a="http://schemas.openxmlformats.org/drawingml/2006/main" xmlns:r="http://schemas.openxmlformats.org/officeDocument/2006/relationships" xmlns:p="http://schemas.openxmlformats.org/presentationml/2006/main">
   <p:cSld>
@@ -10880,6 +10872,116 @@
         </p:nvSpPr>
         <p:spPr/>
         <p:txBody>
+          <a:bodyPr>
+            <a:normAutofit/>
+          </a:bodyPr>
+          <a:lstStyle/>
+          <a:p>
+            <a:r>
+              <a:rPr lang="en-US" sz="4000" dirty="0" smtClean="0"/>
+              <a:t>API-Gateway</a:t>
+            </a:r>
+            <a:endParaRPr lang="en-US" sz="4000" dirty="0"/>
+          </a:p>
+        </p:txBody>
+      </p:sp>
+      <p:sp>
+        <p:nvSpPr>
+          <p:cNvPr id="3" name="Content Placeholder 2"/>
+          <p:cNvSpPr>
+            <a:spLocks noGrp="1"/>
+          </p:cNvSpPr>
+          <p:nvPr>
+            <p:ph idx="1"/>
+          </p:nvPr>
+        </p:nvSpPr>
+        <p:spPr/>
+        <p:txBody>
+          <a:bodyPr/>
+          <a:lstStyle/>
+          <a:p>
+            <a:r>
+              <a:rPr lang="en-US" dirty="0" smtClean="0"/>
+              <a:t>REST endpoint provider</a:t>
+            </a:r>
+          </a:p>
+          <a:p>
+            <a:r>
+              <a:rPr lang="en-US" dirty="0" smtClean="0"/>
+              <a:t>Built in monitoring (</a:t>
+            </a:r>
+            <a:r>
+              <a:rPr lang="en-US" dirty="0" err="1" smtClean="0"/>
+              <a:t>CloudWatch</a:t>
+            </a:r>
+            <a:r>
+              <a:rPr lang="en-US" dirty="0" smtClean="0"/>
+              <a:t>)</a:t>
+            </a:r>
+          </a:p>
+          <a:p>
+            <a:r>
+              <a:rPr lang="en-US" dirty="0" smtClean="0"/>
+              <a:t>Run APIs without servers</a:t>
+            </a:r>
+          </a:p>
+          <a:p>
+            <a:r>
+              <a:rPr lang="en-US" dirty="0" smtClean="0"/>
+              <a:t>Scalable</a:t>
+            </a:r>
+          </a:p>
+          <a:p>
+            <a:r>
+              <a:rPr lang="en-US" dirty="0" smtClean="0"/>
+              <a:t>Develop efficiently</a:t>
+            </a:r>
+            <a:endParaRPr lang="en-US" dirty="0"/>
+          </a:p>
+        </p:txBody>
+      </p:sp>
+    </p:spTree>
+    <p:extLst>
+      <p:ext uri="{BB962C8B-B14F-4D97-AF65-F5344CB8AC3E}">
+        <p14:creationId xmlns:p14="http://schemas.microsoft.com/office/powerpoint/2010/main" val="544503135"/>
+      </p:ext>
+    </p:extLst>
+  </p:cSld>
+  <p:clrMapOvr>
+    <a:masterClrMapping/>
+  </p:clrMapOvr>
+</p:sld>
+</file>
+
+<file path=ppt/slides/slide25.xml><?xml version="1.0" encoding="utf-8"?>
+<p:sld xmlns:a="http://schemas.openxmlformats.org/drawingml/2006/main" xmlns:r="http://schemas.openxmlformats.org/officeDocument/2006/relationships" xmlns:p="http://schemas.openxmlformats.org/presentationml/2006/main">
+  <p:cSld>
+    <p:spTree>
+      <p:nvGrpSpPr>
+        <p:cNvPr id="1" name=""/>
+        <p:cNvGrpSpPr/>
+        <p:nvPr/>
+      </p:nvGrpSpPr>
+      <p:grpSpPr>
+        <a:xfrm>
+          <a:off x="0" y="0"/>
+          <a:ext cx="0" cy="0"/>
+          <a:chOff x="0" y="0"/>
+          <a:chExt cx="0" cy="0"/>
+        </a:xfrm>
+      </p:grpSpPr>
+      <p:sp>
+        <p:nvSpPr>
+          <p:cNvPr id="2" name="Title 1"/>
+          <p:cNvSpPr>
+            <a:spLocks noGrp="1"/>
+          </p:cNvSpPr>
+          <p:nvPr>
+            <p:ph type="title"/>
+          </p:nvPr>
+        </p:nvSpPr>
+        <p:spPr/>
+        <p:txBody>
           <a:bodyPr/>
           <a:lstStyle/>
           <a:p>
@@ -10938,14 +11040,14 @@
   <p:timing>
     <p:tnLst>
       <p:par>
-        <p:cTn id="1" dur="indefinite" restart="never" nodeType="tmRoot"/>
+        <p:cTn xmlns:p14="http://schemas.microsoft.com/office/powerpoint/2010/main" id="1" dur="indefinite" restart="never" nodeType="tmRoot"/>
       </p:par>
     </p:tnLst>
   </p:timing>
 </p:sld>
 </file>
 
-<file path=ppt/slides/slide25.xml><?xml version="1.0" encoding="utf-8"?>
+<file path=ppt/slides/slide26.xml><?xml version="1.0" encoding="utf-8"?>
 <p:sld xmlns:a="http://schemas.openxmlformats.org/drawingml/2006/main" xmlns:r="http://schemas.openxmlformats.org/officeDocument/2006/relationships" xmlns:p="http://schemas.openxmlformats.org/presentationml/2006/main">
   <p:cSld>
     <p:spTree>
@@ -11035,14 +11137,14 @@
   <p:timing>
     <p:tnLst>
       <p:par>
-        <p:cTn id="1" dur="indefinite" restart="never" nodeType="tmRoot"/>
+        <p:cTn xmlns:p14="http://schemas.microsoft.com/office/powerpoint/2010/main" id="1" dur="indefinite" restart="never" nodeType="tmRoot"/>
       </p:par>
     </p:tnLst>
   </p:timing>
 </p:sld>
 </file>
 
-<file path=ppt/slides/slide26.xml><?xml version="1.0" encoding="utf-8"?>
+<file path=ppt/slides/slide27.xml><?xml version="1.0" encoding="utf-8"?>
 <p:sld xmlns:a="http://schemas.openxmlformats.org/drawingml/2006/main" xmlns:r="http://schemas.openxmlformats.org/officeDocument/2006/relationships" xmlns:p="http://schemas.openxmlformats.org/presentationml/2006/main">
   <p:cSld>
     <p:spTree>
@@ -11126,109 +11228,7 @@
   <p:timing>
     <p:tnLst>
       <p:par>
-        <p:cTn id="1" dur="indefinite" restart="never" nodeType="tmRoot"/>
-      </p:par>
-    </p:tnLst>
-  </p:timing>
-</p:sld>
-</file>
-
-<file path=ppt/slides/slide27.xml><?xml version="1.0" encoding="utf-8"?>
-<p:sld xmlns:a="http://schemas.openxmlformats.org/drawingml/2006/main" xmlns:r="http://schemas.openxmlformats.org/officeDocument/2006/relationships" xmlns:p="http://schemas.openxmlformats.org/presentationml/2006/main">
-  <p:cSld>
-    <p:spTree>
-      <p:nvGrpSpPr>
-        <p:cNvPr id="1" name=""/>
-        <p:cNvGrpSpPr/>
-        <p:nvPr/>
-      </p:nvGrpSpPr>
-      <p:grpSpPr>
-        <a:xfrm>
-          <a:off x="0" y="0"/>
-          <a:ext cx="0" cy="0"/>
-          <a:chOff x="0" y="0"/>
-          <a:chExt cx="0" cy="0"/>
-        </a:xfrm>
-      </p:grpSpPr>
-      <p:sp>
-        <p:nvSpPr>
-          <p:cNvPr id="2" name="Title 1"/>
-          <p:cNvSpPr>
-            <a:spLocks noGrp="1"/>
-          </p:cNvSpPr>
-          <p:nvPr>
-            <p:ph type="title"/>
-          </p:nvPr>
-        </p:nvSpPr>
-        <p:spPr/>
-        <p:txBody>
-          <a:bodyPr/>
-          <a:lstStyle/>
-          <a:p>
-            <a:r>
-              <a:rPr lang="en-US" dirty="0" smtClean="0"/>
-              <a:t>Frameworks</a:t>
-            </a:r>
-            <a:br>
-              <a:rPr lang="en-US" dirty="0" smtClean="0"/>
-            </a:br>
-            <a:r>
-              <a:rPr lang="en-US" sz="2400" dirty="0" smtClean="0"/>
-              <a:t>now we’re getting somewhere</a:t>
-            </a:r>
-            <a:endParaRPr lang="en-US" sz="2400" dirty="0"/>
-          </a:p>
-        </p:txBody>
-      </p:sp>
-      <p:sp>
-        <p:nvSpPr>
-          <p:cNvPr id="3" name="Content Placeholder 2"/>
-          <p:cNvSpPr>
-            <a:spLocks noGrp="1"/>
-          </p:cNvSpPr>
-          <p:nvPr>
-            <p:ph idx="1"/>
-          </p:nvPr>
-        </p:nvSpPr>
-        <p:spPr/>
-        <p:txBody>
-          <a:bodyPr/>
-          <a:lstStyle/>
-          <a:p>
-            <a:r>
-              <a:rPr lang="en-US" dirty="0" smtClean="0"/>
-              <a:t>Apex</a:t>
-            </a:r>
-          </a:p>
-          <a:p>
-            <a:r>
-              <a:rPr lang="en-US" dirty="0" smtClean="0"/>
-              <a:t>AWS Sam</a:t>
-            </a:r>
-          </a:p>
-          <a:p>
-            <a:r>
-              <a:rPr lang="en-US" dirty="0" err="1" smtClean="0"/>
-              <a:t>Serverless</a:t>
-            </a:r>
-            <a:endParaRPr lang="en-US" dirty="0" smtClean="0"/>
-          </a:p>
-        </p:txBody>
-      </p:sp>
-    </p:spTree>
-    <p:extLst>
-      <p:ext uri="{BB962C8B-B14F-4D97-AF65-F5344CB8AC3E}">
-        <p14:creationId xmlns:p14="http://schemas.microsoft.com/office/powerpoint/2010/main" val="1115277555"/>
-      </p:ext>
-    </p:extLst>
-  </p:cSld>
-  <p:clrMapOvr>
-    <a:masterClrMapping/>
-  </p:clrMapOvr>
-  <p:timing>
-    <p:tnLst>
-      <p:par>
-        <p:cTn id="1" dur="indefinite" restart="never" nodeType="tmRoot"/>
+        <p:cTn xmlns:p14="http://schemas.microsoft.com/office/powerpoint/2010/main" id="1" dur="indefinite" restart="never" nodeType="tmRoot"/>
       </p:par>
     </p:tnLst>
   </p:timing>
@@ -11268,19 +11268,15 @@
           <a:lstStyle/>
           <a:p>
             <a:r>
-              <a:rPr lang="en-US" dirty="0" err="1" smtClean="0"/>
-              <a:t>Serverless</a:t>
-            </a:r>
-            <a:r>
-              <a:rPr lang="en-US" dirty="0" smtClean="0"/>
-              <a:t/>
+              <a:rPr lang="en-US" dirty="0" smtClean="0"/>
+              <a:t>Frameworks</a:t>
             </a:r>
             <a:br>
               <a:rPr lang="en-US" dirty="0" smtClean="0"/>
             </a:br>
             <a:r>
               <a:rPr lang="en-US" sz="2400" dirty="0" smtClean="0"/>
-              <a:t>the framework</a:t>
+              <a:t>now we’re getting somewhere</a:t>
             </a:r>
             <a:endParaRPr lang="en-US" sz="2400" dirty="0"/>
           </a:p>
@@ -11302,66 +11298,29 @@
           <a:lstStyle/>
           <a:p>
             <a:r>
+              <a:rPr lang="en-US" dirty="0" smtClean="0"/>
+              <a:t>Apex</a:t>
+            </a:r>
+          </a:p>
+          <a:p>
+            <a:r>
+              <a:rPr lang="en-US" dirty="0" smtClean="0"/>
+              <a:t>AWS Sam</a:t>
+            </a:r>
+          </a:p>
+          <a:p>
+            <a:r>
               <a:rPr lang="en-US" dirty="0" err="1" smtClean="0"/>
               <a:t>Serverless</a:t>
             </a:r>
-            <a:r>
-              <a:rPr lang="en-US" dirty="0"/>
-              <a:t>: </a:t>
-            </a:r>
-            <a:r>
-              <a:rPr lang="en-US" dirty="0">
-                <a:hlinkClick r:id="rId2"/>
-              </a:rPr>
-              <a:t>https://</a:t>
-            </a:r>
-            <a:r>
-              <a:rPr lang="en-US" dirty="0" err="1">
-                <a:hlinkClick r:id="rId2"/>
-              </a:rPr>
-              <a:t>serverless.com</a:t>
-            </a:r>
             <a:endParaRPr lang="en-US" dirty="0" smtClean="0"/>
-          </a:p>
-          <a:p>
-            <a:r>
-              <a:rPr lang="en-US" dirty="0" smtClean="0"/>
-              <a:t>Works for multiple providers</a:t>
-            </a:r>
-          </a:p>
-          <a:p>
-            <a:r>
-              <a:rPr lang="en-US" dirty="0" smtClean="0"/>
-              <a:t>Works with multiple templates</a:t>
-            </a:r>
-          </a:p>
-          <a:p>
-            <a:r>
-              <a:rPr lang="en-US" dirty="0" smtClean="0"/>
-              <a:t>Very similar to cloud formation templates</a:t>
-            </a:r>
-          </a:p>
-          <a:p>
-            <a:r>
-              <a:rPr lang="en-US" dirty="0" smtClean="0"/>
-              <a:t>Sanity for the developers</a:t>
-            </a:r>
-          </a:p>
-          <a:p>
-            <a:pPr marL="0" indent="0">
-              <a:buNone/>
-            </a:pPr>
-            <a:endParaRPr lang="en-US" dirty="0" smtClean="0"/>
-          </a:p>
-          <a:p>
-            <a:endParaRPr lang="en-US" dirty="0"/>
           </a:p>
         </p:txBody>
       </p:sp>
     </p:spTree>
     <p:extLst>
       <p:ext uri="{BB962C8B-B14F-4D97-AF65-F5344CB8AC3E}">
-        <p14:creationId xmlns:p14="http://schemas.microsoft.com/office/powerpoint/2010/main" val="1124419550"/>
+        <p14:creationId xmlns:p14="http://schemas.microsoft.com/office/powerpoint/2010/main" val="1115277555"/>
       </p:ext>
     </p:extLst>
   </p:cSld>
@@ -11371,7 +11330,7 @@
   <p:timing>
     <p:tnLst>
       <p:par>
-        <p:cTn id="1" dur="indefinite" restart="never" nodeType="tmRoot"/>
+        <p:cTn xmlns:p14="http://schemas.microsoft.com/office/powerpoint/2010/main" id="1" dur="indefinite" restart="never" nodeType="tmRoot"/>
       </p:par>
     </p:tnLst>
   </p:timing>
@@ -11411,10 +11370,21 @@
           <a:lstStyle/>
           <a:p>
             <a:r>
-              <a:rPr lang="en-US" dirty="0" smtClean="0"/>
-              <a:t>Additional resources</a:t>
-            </a:r>
-            <a:endParaRPr lang="en-US" dirty="0"/>
+              <a:rPr lang="en-US" dirty="0" err="1" smtClean="0"/>
+              <a:t>Serverless</a:t>
+            </a:r>
+            <a:r>
+              <a:rPr lang="en-US" dirty="0" smtClean="0"/>
+              <a:t/>
+            </a:r>
+            <a:br>
+              <a:rPr lang="en-US" dirty="0" smtClean="0"/>
+            </a:br>
+            <a:r>
+              <a:rPr lang="en-US" sz="2400" dirty="0" smtClean="0"/>
+              <a:t>the framework</a:t>
+            </a:r>
+            <a:endParaRPr lang="en-US" sz="2400" dirty="0"/>
           </a:p>
         </p:txBody>
       </p:sp>
@@ -11434,141 +11404,66 @@
           <a:lstStyle/>
           <a:p>
             <a:r>
+              <a:rPr lang="en-US" dirty="0" err="1" smtClean="0"/>
+              <a:t>Serverless</a:t>
+            </a:r>
+            <a:r>
               <a:rPr lang="en-US" dirty="0"/>
-              <a:t>Pricing example: </a:t>
+              <a:t>: </a:t>
             </a:r>
             <a:r>
               <a:rPr lang="en-US" dirty="0">
                 <a:hlinkClick r:id="rId2"/>
               </a:rPr>
-              <a:t>https://alestic.com/2016/12/aws-invoice-example</a:t>
-            </a:r>
-            <a:r>
-              <a:rPr lang="en-US" dirty="0" smtClean="0">
+              <a:t>https://</a:t>
+            </a:r>
+            <a:r>
+              <a:rPr lang="en-US" dirty="0" err="1">
                 <a:hlinkClick r:id="rId2"/>
               </a:rPr>
-              <a:t>/</a:t>
+              <a:t>serverless.com</a:t>
             </a:r>
             <a:endParaRPr lang="en-US" dirty="0" smtClean="0"/>
           </a:p>
           <a:p>
             <a:r>
-              <a:rPr lang="en-US" dirty="0"/>
-              <a:t>A Cloud Guru: </a:t>
-            </a:r>
-            <a:r>
-              <a:rPr lang="en-US" dirty="0">
-                <a:hlinkClick r:id="rId3"/>
-              </a:rPr>
-              <a:t>https://acloud.guru</a:t>
-            </a:r>
-            <a:r>
-              <a:rPr lang="en-US" dirty="0" smtClean="0">
-                <a:hlinkClick r:id="rId3"/>
-              </a:rPr>
-              <a:t>/</a:t>
-            </a:r>
+              <a:rPr lang="en-US" dirty="0" smtClean="0"/>
+              <a:t>Works for multiple providers</a:t>
+            </a:r>
+          </a:p>
+          <a:p>
+            <a:r>
+              <a:rPr lang="en-US" dirty="0" smtClean="0"/>
+              <a:t>Works with multiple templates</a:t>
+            </a:r>
+          </a:p>
+          <a:p>
+            <a:r>
+              <a:rPr lang="en-US" dirty="0" smtClean="0"/>
+              <a:t>Very similar to cloud formation templates</a:t>
+            </a:r>
+          </a:p>
+          <a:p>
+            <a:r>
+              <a:rPr lang="en-US" dirty="0" smtClean="0"/>
+              <a:t>Sanity for the developers</a:t>
+            </a:r>
+          </a:p>
+          <a:p>
+            <a:pPr marL="0" indent="0">
+              <a:buNone/>
+            </a:pPr>
             <a:endParaRPr lang="en-US" dirty="0" smtClean="0"/>
           </a:p>
           <a:p>
-            <a:r>
-              <a:rPr lang="en-US" dirty="0" err="1" smtClean="0"/>
-              <a:t>Serverless</a:t>
-            </a:r>
-            <a:r>
-              <a:rPr lang="en-US" dirty="0"/>
-              <a:t>: </a:t>
-            </a:r>
-            <a:r>
-              <a:rPr lang="en-US" dirty="0">
-                <a:hlinkClick r:id="rId4"/>
-              </a:rPr>
-              <a:t>https://serverless.com</a:t>
-            </a:r>
-            <a:r>
-              <a:rPr lang="en-US" dirty="0" smtClean="0">
-                <a:hlinkClick r:id="rId4"/>
-              </a:rPr>
-              <a:t>/</a:t>
-            </a:r>
-            <a:endParaRPr lang="en-US" dirty="0" smtClean="0"/>
-          </a:p>
-          <a:p>
-            <a:r>
-              <a:rPr lang="en-US" dirty="0"/>
-              <a:t>AWS </a:t>
-            </a:r>
-            <a:r>
-              <a:rPr lang="en-US" dirty="0" err="1"/>
-              <a:t>Serverless</a:t>
-            </a:r>
-            <a:r>
-              <a:rPr lang="en-US" dirty="0"/>
-              <a:t>: </a:t>
-            </a:r>
-            <a:r>
-              <a:rPr lang="en-US" dirty="0">
-                <a:hlinkClick r:id="rId5"/>
-              </a:rPr>
-              <a:t>https://aws.amazon.com/serverless</a:t>
-            </a:r>
-            <a:r>
-              <a:rPr lang="en-US" dirty="0" smtClean="0">
-                <a:hlinkClick r:id="rId5"/>
-              </a:rPr>
-              <a:t>/</a:t>
-            </a:r>
-            <a:endParaRPr lang="en-US" dirty="0" smtClean="0"/>
-          </a:p>
-          <a:p>
-            <a:r>
-              <a:rPr lang="en-US" dirty="0" smtClean="0"/>
-              <a:t>Optimizing Enterprise Economics for </a:t>
-            </a:r>
-            <a:r>
-              <a:rPr lang="en-US" dirty="0" err="1" smtClean="0"/>
-              <a:t>Serverless</a:t>
-            </a:r>
-            <a:r>
-              <a:rPr lang="en-US" dirty="0" smtClean="0"/>
-              <a:t> </a:t>
-            </a:r>
-            <a:r>
-              <a:rPr lang="en-US" dirty="0"/>
-              <a:t>Architecture: </a:t>
-            </a:r>
-            <a:r>
-              <a:rPr lang="en-US" dirty="0">
-                <a:hlinkClick r:id="rId6"/>
-              </a:rPr>
-              <a:t>https://d0.awsstatic.com/whitepapers/optimizing-enterprise-economics-</a:t>
-            </a:r>
-            <a:r>
-              <a:rPr lang="en-US" dirty="0" err="1">
-                <a:hlinkClick r:id="rId6"/>
-              </a:rPr>
-              <a:t>serverless</a:t>
-            </a:r>
-            <a:r>
-              <a:rPr lang="en-US" dirty="0">
-                <a:hlinkClick r:id="rId6"/>
-              </a:rPr>
-              <a:t>-</a:t>
-            </a:r>
-            <a:r>
-              <a:rPr lang="en-US" dirty="0" err="1">
-                <a:hlinkClick r:id="rId6"/>
-              </a:rPr>
-              <a:t>architectures.pdf</a:t>
-            </a:r>
-            <a:endParaRPr lang="en-US" dirty="0" smtClean="0"/>
+            <a:endParaRPr lang="en-US" dirty="0"/>
           </a:p>
         </p:txBody>
       </p:sp>
     </p:spTree>
     <p:extLst>
       <p:ext uri="{BB962C8B-B14F-4D97-AF65-F5344CB8AC3E}">
-        <p14:creationId xmlns:p14="http://schemas.microsoft.com/office/powerpoint/2010/main" val="722583454"/>
+        <p14:creationId xmlns:p14="http://schemas.microsoft.com/office/powerpoint/2010/main" val="1124419550"/>
       </p:ext>
     </p:extLst>
   </p:cSld>
@@ -11578,7 +11473,7 @@
   <p:timing>
     <p:tnLst>
       <p:par>
-        <p:cTn id="1" dur="indefinite" restart="never" nodeType="tmRoot"/>
+        <p:cTn xmlns:p14="http://schemas.microsoft.com/office/powerpoint/2010/main" id="1" dur="indefinite" restart="never" nodeType="tmRoot"/>
       </p:par>
     </p:tnLst>
   </p:timing>
@@ -11672,7 +11567,7 @@
   <p:timing>
     <p:tnLst>
       <p:par>
-        <p:cTn id="1" dur="indefinite" restart="never" nodeType="tmRoot"/>
+        <p:cTn xmlns:p14="http://schemas.microsoft.com/office/powerpoint/2010/main" id="1" dur="indefinite" restart="never" nodeType="tmRoot"/>
       </p:par>
     </p:tnLst>
   </p:timing>
@@ -11713,7 +11608,7 @@
           <a:p>
             <a:r>
               <a:rPr lang="en-US" dirty="0" smtClean="0"/>
-              <a:t>Questions</a:t>
+              <a:t>Additional resources</a:t>
             </a:r>
             <a:endParaRPr lang="en-US" dirty="0"/>
           </a:p>
@@ -11734,7 +11629,218 @@
           <a:bodyPr/>
           <a:lstStyle/>
           <a:p>
-            <a:endParaRPr lang="en-US"/>
+            <a:r>
+              <a:rPr lang="en-US" dirty="0"/>
+              <a:t>AWS Labs: https://</a:t>
+            </a:r>
+            <a:r>
+              <a:rPr lang="en-US" dirty="0" err="1"/>
+              <a:t>github.com</a:t>
+            </a:r>
+            <a:r>
+              <a:rPr lang="en-US" dirty="0"/>
+              <a:t>/</a:t>
+            </a:r>
+            <a:r>
+              <a:rPr lang="en-US" dirty="0" err="1"/>
+              <a:t>awslabs</a:t>
+            </a:r>
+            <a:endParaRPr lang="en-US" dirty="0"/>
+          </a:p>
+          <a:p>
+            <a:r>
+              <a:rPr lang="en-US" dirty="0" smtClean="0"/>
+              <a:t>Pricing </a:t>
+            </a:r>
+            <a:r>
+              <a:rPr lang="en-US" dirty="0"/>
+              <a:t>example: </a:t>
+            </a:r>
+            <a:r>
+              <a:rPr lang="en-US" dirty="0">
+                <a:hlinkClick r:id="rId2"/>
+              </a:rPr>
+              <a:t>https://alestic.com/2016/12/aws-invoice-example</a:t>
+            </a:r>
+            <a:r>
+              <a:rPr lang="en-US" dirty="0" smtClean="0">
+                <a:hlinkClick r:id="rId2"/>
+              </a:rPr>
+              <a:t>/</a:t>
+            </a:r>
+            <a:endParaRPr lang="en-US" dirty="0" smtClean="0"/>
+          </a:p>
+          <a:p>
+            <a:r>
+              <a:rPr lang="en-US" dirty="0"/>
+              <a:t>A Cloud Guru: </a:t>
+            </a:r>
+            <a:r>
+              <a:rPr lang="en-US" dirty="0">
+                <a:hlinkClick r:id="rId3"/>
+              </a:rPr>
+              <a:t>https://acloud.guru</a:t>
+            </a:r>
+            <a:r>
+              <a:rPr lang="en-US" dirty="0" smtClean="0">
+                <a:hlinkClick r:id="rId3"/>
+              </a:rPr>
+              <a:t>/</a:t>
+            </a:r>
+            <a:endParaRPr lang="en-US" dirty="0" smtClean="0"/>
+          </a:p>
+          <a:p>
+            <a:r>
+              <a:rPr lang="en-US" dirty="0" err="1" smtClean="0"/>
+              <a:t>Serverless</a:t>
+            </a:r>
+            <a:r>
+              <a:rPr lang="en-US" dirty="0"/>
+              <a:t>: </a:t>
+            </a:r>
+            <a:r>
+              <a:rPr lang="en-US" dirty="0">
+                <a:hlinkClick r:id="rId4"/>
+              </a:rPr>
+              <a:t>https://serverless.com</a:t>
+            </a:r>
+            <a:r>
+              <a:rPr lang="en-US" dirty="0" smtClean="0">
+                <a:hlinkClick r:id="rId4"/>
+              </a:rPr>
+              <a:t>/</a:t>
+            </a:r>
+            <a:endParaRPr lang="en-US" dirty="0" smtClean="0"/>
+          </a:p>
+          <a:p>
+            <a:r>
+              <a:rPr lang="en-US" dirty="0"/>
+              <a:t>AWS </a:t>
+            </a:r>
+            <a:r>
+              <a:rPr lang="en-US" dirty="0" err="1"/>
+              <a:t>Serverless</a:t>
+            </a:r>
+            <a:r>
+              <a:rPr lang="en-US" dirty="0"/>
+              <a:t>: </a:t>
+            </a:r>
+            <a:r>
+              <a:rPr lang="en-US" dirty="0">
+                <a:hlinkClick r:id="rId5"/>
+              </a:rPr>
+              <a:t>https://aws.amazon.com/serverless</a:t>
+            </a:r>
+            <a:r>
+              <a:rPr lang="en-US" dirty="0" smtClean="0">
+                <a:hlinkClick r:id="rId5"/>
+              </a:rPr>
+              <a:t>/</a:t>
+            </a:r>
+            <a:endParaRPr lang="en-US" dirty="0" smtClean="0"/>
+          </a:p>
+          <a:p>
+            <a:r>
+              <a:rPr lang="en-US" dirty="0" smtClean="0"/>
+              <a:t>Optimizing Enterprise Economics for </a:t>
+            </a:r>
+            <a:r>
+              <a:rPr lang="en-US" dirty="0" err="1" smtClean="0"/>
+              <a:t>Serverless</a:t>
+            </a:r>
+            <a:r>
+              <a:rPr lang="en-US" dirty="0" smtClean="0"/>
+              <a:t> </a:t>
+            </a:r>
+            <a:r>
+              <a:rPr lang="en-US" dirty="0"/>
+              <a:t>Architecture: </a:t>
+            </a:r>
+            <a:r>
+              <a:rPr lang="en-US" dirty="0">
+                <a:hlinkClick r:id="rId6"/>
+              </a:rPr>
+              <a:t>https://d0.awsstatic.com/whitepapers/optimizing-enterprise-economics-</a:t>
+            </a:r>
+            <a:r>
+              <a:rPr lang="en-US" dirty="0" err="1">
+                <a:hlinkClick r:id="rId6"/>
+              </a:rPr>
+              <a:t>serverless</a:t>
+            </a:r>
+            <a:r>
+              <a:rPr lang="en-US" dirty="0">
+                <a:hlinkClick r:id="rId6"/>
+              </a:rPr>
+              <a:t>-</a:t>
+            </a:r>
+            <a:r>
+              <a:rPr lang="en-US" dirty="0" err="1">
+                <a:hlinkClick r:id="rId6"/>
+              </a:rPr>
+              <a:t>architectures.pdf</a:t>
+            </a:r>
+            <a:endParaRPr lang="en-US" dirty="0" smtClean="0"/>
+          </a:p>
+        </p:txBody>
+      </p:sp>
+    </p:spTree>
+    <p:extLst>
+      <p:ext uri="{BB962C8B-B14F-4D97-AF65-F5344CB8AC3E}">
+        <p14:creationId xmlns:p14="http://schemas.microsoft.com/office/powerpoint/2010/main" val="722583454"/>
+      </p:ext>
+    </p:extLst>
+  </p:cSld>
+  <p:clrMapOvr>
+    <a:masterClrMapping/>
+  </p:clrMapOvr>
+  <p:timing>
+    <p:tnLst>
+      <p:par>
+        <p:cTn xmlns:p14="http://schemas.microsoft.com/office/powerpoint/2010/main" id="1" dur="indefinite" restart="never" nodeType="tmRoot"/>
+      </p:par>
+    </p:tnLst>
+  </p:timing>
+</p:sld>
+</file>
+
+<file path=ppt/slides/slide31.xml><?xml version="1.0" encoding="utf-8"?>
+<p:sld xmlns:a="http://schemas.openxmlformats.org/drawingml/2006/main" xmlns:r="http://schemas.openxmlformats.org/officeDocument/2006/relationships" xmlns:p="http://schemas.openxmlformats.org/presentationml/2006/main">
+  <p:cSld>
+    <p:spTree>
+      <p:nvGrpSpPr>
+        <p:cNvPr id="1" name=""/>
+        <p:cNvGrpSpPr/>
+        <p:nvPr/>
+      </p:nvGrpSpPr>
+      <p:grpSpPr>
+        <a:xfrm>
+          <a:off x="0" y="0"/>
+          <a:ext cx="0" cy="0"/>
+          <a:chOff x="0" y="0"/>
+          <a:chExt cx="0" cy="0"/>
+        </a:xfrm>
+      </p:grpSpPr>
+      <p:sp>
+        <p:nvSpPr>
+          <p:cNvPr id="2" name="Title 1"/>
+          <p:cNvSpPr>
+            <a:spLocks noGrp="1"/>
+          </p:cNvSpPr>
+          <p:nvPr>
+            <p:ph type="title"/>
+          </p:nvPr>
+        </p:nvSpPr>
+        <p:spPr/>
+        <p:txBody>
+          <a:bodyPr/>
+          <a:lstStyle/>
+          <a:p>
+            <a:r>
+              <a:rPr lang="en-US" dirty="0" smtClean="0"/>
+              <a:t>Questions</a:t>
+            </a:r>
+            <a:endParaRPr lang="en-US" dirty="0"/>
           </a:p>
         </p:txBody>
       </p:sp>
@@ -11751,7 +11857,7 @@
   <p:timing>
     <p:tnLst>
       <p:par>
-        <p:cTn id="1" dur="indefinite" restart="never" nodeType="tmRoot"/>
+        <p:cTn xmlns:p14="http://schemas.microsoft.com/office/powerpoint/2010/main" id="1" dur="indefinite" restart="never" nodeType="tmRoot"/>
       </p:par>
     </p:tnLst>
   </p:timing>
@@ -11880,7 +11986,7 @@
   <p:timing>
     <p:tnLst>
       <p:par>
-        <p:cTn id="1" dur="indefinite" restart="never" nodeType="tmRoot"/>
+        <p:cTn xmlns:p14="http://schemas.microsoft.com/office/powerpoint/2010/main" id="1" dur="indefinite" restart="never" nodeType="tmRoot"/>
       </p:par>
     </p:tnLst>
   </p:timing>
@@ -12008,7 +12114,7 @@
   <p:timing>
     <p:tnLst>
       <p:par>
-        <p:cTn id="1" dur="indefinite" restart="never" nodeType="tmRoot"/>
+        <p:cTn xmlns:p14="http://schemas.microsoft.com/office/powerpoint/2010/main" id="1" dur="indefinite" restart="never" nodeType="tmRoot"/>
       </p:par>
     </p:tnLst>
   </p:timing>
@@ -12049,15 +12155,11 @@
           <a:p>
             <a:r>
               <a:rPr lang="en-US" dirty="0" smtClean="0"/>
-              <a:t>Why </a:t>
+              <a:t>What is </a:t>
             </a:r>
             <a:r>
               <a:rPr lang="en-US" dirty="0" err="1" smtClean="0"/>
               <a:t>Serverless</a:t>
-            </a:r>
-            <a:r>
-              <a:rPr lang="en-US" dirty="0" smtClean="0"/>
-              <a:t> </a:t>
             </a:r>
             <a:endParaRPr lang="en-US" dirty="0"/>
           </a:p>
@@ -12078,48 +12180,77 @@
           <a:bodyPr/>
           <a:lstStyle/>
           <a:p>
-            <a:r>
-              <a:rPr lang="en-US" dirty="0" smtClean="0"/>
-              <a:t>Scalable</a:t>
-            </a:r>
-          </a:p>
-          <a:p>
-            <a:r>
-              <a:rPr lang="en-US" dirty="0" smtClean="0"/>
-              <a:t>Managed</a:t>
-            </a:r>
-          </a:p>
-          <a:p>
-            <a:r>
-              <a:rPr lang="en-US" dirty="0" smtClean="0"/>
-              <a:t>Services</a:t>
-            </a:r>
-          </a:p>
-          <a:p>
-            <a:r>
-              <a:rPr lang="en-US" dirty="0" smtClean="0"/>
-              <a:t>Cost</a:t>
-            </a:r>
+            <a:pPr marL="0" indent="0">
+              <a:buNone/>
+            </a:pPr>
+            <a:r>
+              <a:rPr lang="en-US" dirty="0" smtClean="0"/>
+              <a:t>“</a:t>
+            </a:r>
+            <a:r>
+              <a:rPr lang="en-US" dirty="0" err="1" smtClean="0"/>
+              <a:t>Serverless</a:t>
+            </a:r>
+            <a:r>
+              <a:rPr lang="en-US" dirty="0" smtClean="0"/>
+              <a:t> architectures refer to applications that significantly depend on third-party services or on custom code that’s run in ephemeral containers (Function as a Service)” </a:t>
+            </a:r>
+          </a:p>
+          <a:p>
+            <a:pPr marL="0" indent="0">
+              <a:buNone/>
+            </a:pPr>
+            <a:r>
+              <a:rPr lang="en-US" dirty="0" smtClean="0"/>
+              <a:t>-- </a:t>
+            </a:r>
+            <a:r>
+              <a:rPr lang="en-US" dirty="0"/>
+              <a:t>Martin </a:t>
+            </a:r>
+            <a:r>
+              <a:rPr lang="en-US" dirty="0" smtClean="0"/>
+              <a:t>Fowler</a:t>
+            </a:r>
+          </a:p>
+          <a:p>
+            <a:pPr marL="0" indent="0">
+              <a:buNone/>
+            </a:pPr>
+            <a:r>
+              <a:rPr lang="en-US" dirty="0" smtClean="0"/>
+              <a:t>https</a:t>
+            </a:r>
+            <a:r>
+              <a:rPr lang="en-US" dirty="0"/>
+              <a:t>://</a:t>
+            </a:r>
+            <a:r>
+              <a:rPr lang="en-US" dirty="0" err="1"/>
+              <a:t>martinfowler.com</a:t>
+            </a:r>
+            <a:r>
+              <a:rPr lang="en-US" dirty="0"/>
+              <a:t>/articles/</a:t>
+            </a:r>
+            <a:r>
+              <a:rPr lang="en-US" dirty="0" err="1"/>
+              <a:t>serverless.html</a:t>
+            </a:r>
+            <a:endParaRPr lang="en-US" dirty="0"/>
           </a:p>
         </p:txBody>
       </p:sp>
     </p:spTree>
     <p:extLst>
       <p:ext uri="{BB962C8B-B14F-4D97-AF65-F5344CB8AC3E}">
-        <p14:creationId xmlns:p14="http://schemas.microsoft.com/office/powerpoint/2010/main" val="634894413"/>
+        <p14:creationId xmlns:p14="http://schemas.microsoft.com/office/powerpoint/2010/main" val="3042151365"/>
       </p:ext>
     </p:extLst>
   </p:cSld>
   <p:clrMapOvr>
     <a:masterClrMapping/>
   </p:clrMapOvr>
-  <p:timing>
-    <p:tnLst>
-      <p:par>
-        <p:cTn id="1" dur="indefinite" restart="never" nodeType="tmRoot"/>
-      </p:par>
-    </p:tnLst>
-  </p:timing>
 </p:sld>
 </file>
 
@@ -12157,16 +12288,17 @@
           <a:p>
             <a:r>
               <a:rPr lang="en-US" dirty="0" smtClean="0"/>
-              <a:t>Use Cases</a:t>
-            </a:r>
-            <a:br>
-              <a:rPr lang="en-US" dirty="0" smtClean="0"/>
-            </a:br>
-            <a:r>
-              <a:rPr lang="en-US" sz="2400" dirty="0" smtClean="0"/>
-              <a:t>we will see this again</a:t>
-            </a:r>
-            <a:endParaRPr lang="en-US" sz="2400" dirty="0"/>
+              <a:t>Why </a:t>
+            </a:r>
+            <a:r>
+              <a:rPr lang="en-US" dirty="0" err="1" smtClean="0"/>
+              <a:t>Serverless</a:t>
+            </a:r>
+            <a:r>
+              <a:rPr lang="en-US" dirty="0" smtClean="0"/>
+              <a:t> </a:t>
+            </a:r>
+            <a:endParaRPr lang="en-US" dirty="0"/>
           </a:p>
         </p:txBody>
       </p:sp>
@@ -12187,62 +12319,33 @@
           <a:p>
             <a:r>
               <a:rPr lang="en-US" dirty="0" smtClean="0"/>
-              <a:t>3 Tier Web Application</a:t>
-            </a:r>
-          </a:p>
-          <a:p>
-            <a:r>
-              <a:rPr lang="en-US" dirty="0" smtClean="0"/>
-              <a:t>Batch Processing</a:t>
-            </a:r>
-          </a:p>
-          <a:p>
-            <a:r>
-              <a:rPr lang="en-US" dirty="0" smtClean="0"/>
-              <a:t>Stream Processing</a:t>
-            </a:r>
-          </a:p>
-          <a:p>
-            <a:r>
-              <a:rPr lang="en-US" dirty="0" smtClean="0"/>
-              <a:t>Automation</a:t>
-            </a:r>
-          </a:p>
-          <a:p>
-            <a:r>
-              <a:rPr lang="en-US" dirty="0" smtClean="0"/>
-              <a:t>Mobile </a:t>
-            </a:r>
-            <a:r>
-              <a:rPr lang="en-US" dirty="0" err="1" smtClean="0"/>
-              <a:t>backends</a:t>
-            </a:r>
-            <a:endParaRPr lang="en-US" dirty="0" smtClean="0"/>
-          </a:p>
-          <a:p>
-            <a:r>
-              <a:rPr lang="en-US" dirty="0" err="1" smtClean="0"/>
-              <a:t>IoT</a:t>
-            </a:r>
-            <a:r>
-              <a:rPr lang="en-US" dirty="0" smtClean="0"/>
-              <a:t> </a:t>
-            </a:r>
-            <a:r>
-              <a:rPr lang="en-US" dirty="0" err="1" smtClean="0"/>
-              <a:t>backends</a:t>
-            </a:r>
-            <a:endParaRPr lang="en-US" dirty="0" smtClean="0"/>
-          </a:p>
-          <a:p>
-            <a:endParaRPr lang="en-US" dirty="0"/>
+              <a:t>Scalable</a:t>
+            </a:r>
+          </a:p>
+          <a:p>
+            <a:r>
+              <a:rPr lang="en-US" dirty="0" smtClean="0"/>
+              <a:t>Managed</a:t>
+            </a:r>
+          </a:p>
+          <a:p>
+            <a:r>
+              <a:rPr lang="en-US" dirty="0" smtClean="0"/>
+              <a:t>Services</a:t>
+            </a:r>
+          </a:p>
+          <a:p>
+            <a:r>
+              <a:rPr lang="en-US" dirty="0" smtClean="0"/>
+              <a:t>Cost</a:t>
+            </a:r>
           </a:p>
         </p:txBody>
       </p:sp>
     </p:spTree>
     <p:extLst>
       <p:ext uri="{BB962C8B-B14F-4D97-AF65-F5344CB8AC3E}">
-        <p14:creationId xmlns:p14="http://schemas.microsoft.com/office/powerpoint/2010/main" val="1361616562"/>
+        <p14:creationId xmlns:p14="http://schemas.microsoft.com/office/powerpoint/2010/main" val="634894413"/>
       </p:ext>
     </p:extLst>
   </p:cSld>
@@ -12252,7 +12355,7 @@
   <p:timing>
     <p:tnLst>
       <p:par>
-        <p:cTn id="1" dur="indefinite" restart="never" nodeType="tmRoot"/>
+        <p:cTn xmlns:p14="http://schemas.microsoft.com/office/powerpoint/2010/main" id="1" dur="indefinite" restart="never" nodeType="tmRoot"/>
       </p:par>
     </p:tnLst>
   </p:timing>
@@ -12293,13 +12396,16 @@
           <a:p>
             <a:r>
               <a:rPr lang="en-US" dirty="0" smtClean="0"/>
-              <a:t>Why NOT </a:t>
-            </a:r>
-            <a:r>
-              <a:rPr lang="en-US" dirty="0" err="1" smtClean="0"/>
-              <a:t>Serverless</a:t>
-            </a:r>
-            <a:endParaRPr lang="en-US" dirty="0"/>
+              <a:t>Use Cases</a:t>
+            </a:r>
+            <a:br>
+              <a:rPr lang="en-US" dirty="0" smtClean="0"/>
+            </a:br>
+            <a:r>
+              <a:rPr lang="en-US" sz="2400" dirty="0" smtClean="0"/>
+              <a:t>we will see this again</a:t>
+            </a:r>
+            <a:endParaRPr lang="en-US" sz="2400" dirty="0"/>
           </a:p>
         </p:txBody>
       </p:sp>
@@ -12320,20 +12426,54 @@
           <a:p>
             <a:r>
               <a:rPr lang="en-US" dirty="0" smtClean="0"/>
-              <a:t>Fine grained environment control is needed</a:t>
-            </a:r>
-          </a:p>
-          <a:p>
-            <a:r>
-              <a:rPr lang="en-US" dirty="0" smtClean="0"/>
-              <a:t>On-premise/co-location applications not available in the public cloud</a:t>
-            </a:r>
-          </a:p>
-          <a:p>
-            <a:r>
-              <a:rPr lang="en-US" dirty="0" smtClean="0"/>
-              <a:t>PII issues with data and customer contracts</a:t>
-            </a:r>
+              <a:t>3 Tier Web Application</a:t>
+            </a:r>
+          </a:p>
+          <a:p>
+            <a:r>
+              <a:rPr lang="en-US" dirty="0" smtClean="0"/>
+              <a:t>Batch Processing</a:t>
+            </a:r>
+          </a:p>
+          <a:p>
+            <a:r>
+              <a:rPr lang="en-US" dirty="0" smtClean="0"/>
+              <a:t>Stream Processing</a:t>
+            </a:r>
+          </a:p>
+          <a:p>
+            <a:r>
+              <a:rPr lang="en-US" dirty="0" smtClean="0"/>
+              <a:t>Automation</a:t>
+            </a:r>
+          </a:p>
+          <a:p>
+            <a:r>
+              <a:rPr lang="en-US" dirty="0" smtClean="0"/>
+              <a:t>Mobile </a:t>
+            </a:r>
+            <a:r>
+              <a:rPr lang="en-US" dirty="0" err="1" smtClean="0"/>
+              <a:t>backends</a:t>
+            </a:r>
+            <a:endParaRPr lang="en-US" dirty="0" smtClean="0"/>
+          </a:p>
+          <a:p>
+            <a:r>
+              <a:rPr lang="en-US" dirty="0" err="1" smtClean="0"/>
+              <a:t>IoT</a:t>
+            </a:r>
+            <a:r>
+              <a:rPr lang="en-US" dirty="0" smtClean="0"/>
+              <a:t> </a:t>
+            </a:r>
+            <a:r>
+              <a:rPr lang="en-US" dirty="0" err="1" smtClean="0"/>
+              <a:t>backends</a:t>
+            </a:r>
+            <a:endParaRPr lang="en-US" dirty="0" smtClean="0"/>
+          </a:p>
+          <a:p>
             <a:endParaRPr lang="en-US" dirty="0"/>
           </a:p>
         </p:txBody>
@@ -12341,7 +12481,7 @@
     </p:spTree>
     <p:extLst>
       <p:ext uri="{BB962C8B-B14F-4D97-AF65-F5344CB8AC3E}">
-        <p14:creationId xmlns:p14="http://schemas.microsoft.com/office/powerpoint/2010/main" val="1422429233"/>
+        <p14:creationId xmlns:p14="http://schemas.microsoft.com/office/powerpoint/2010/main" val="1361616562"/>
       </p:ext>
     </p:extLst>
   </p:cSld>
@@ -12351,7 +12491,7 @@
   <p:timing>
     <p:tnLst>
       <p:par>
-        <p:cTn id="1" dur="indefinite" restart="never" nodeType="tmRoot"/>
+        <p:cTn xmlns:p14="http://schemas.microsoft.com/office/powerpoint/2010/main" id="1" dur="indefinite" restart="never" nodeType="tmRoot"/>
       </p:par>
     </p:tnLst>
   </p:timing>
@@ -12392,7 +12532,11 @@
           <a:p>
             <a:r>
               <a:rPr lang="en-US" dirty="0" smtClean="0"/>
-              <a:t>Scalable</a:t>
+              <a:t>Why NOT </a:t>
+            </a:r>
+            <a:r>
+              <a:rPr lang="en-US" dirty="0" err="1" smtClean="0"/>
+              <a:t>Serverless</a:t>
             </a:r>
             <a:endParaRPr lang="en-US" dirty="0"/>
           </a:p>
@@ -12415,25 +12559,19 @@
           <a:p>
             <a:r>
               <a:rPr lang="en-US" dirty="0" smtClean="0"/>
-              <a:t>Auto scaling based on calls</a:t>
-            </a:r>
-          </a:p>
-          <a:p>
-            <a:r>
-              <a:rPr lang="en-US" dirty="0" smtClean="0"/>
-              <a:t>Manually scale with settings</a:t>
-            </a:r>
-          </a:p>
-          <a:p>
-            <a:r>
-              <a:rPr lang="en-US" dirty="0" smtClean="0"/>
-              <a:t>Scale units of computing instead of servers</a:t>
-            </a:r>
-          </a:p>
-          <a:p>
-            <a:r>
-              <a:rPr lang="en-US" dirty="0" smtClean="0"/>
-              <a:t>Scales back down</a:t>
+              <a:t>Fine grained environment control is needed</a:t>
+            </a:r>
+          </a:p>
+          <a:p>
+            <a:r>
+              <a:rPr lang="en-US" dirty="0" smtClean="0"/>
+              <a:t>On-premise/co-location applications not available in the public cloud</a:t>
+            </a:r>
+          </a:p>
+          <a:p>
+            <a:r>
+              <a:rPr lang="en-US" dirty="0" smtClean="0"/>
+              <a:t>PII issues with data and customer contracts</a:t>
             </a:r>
             <a:endParaRPr lang="en-US" dirty="0"/>
           </a:p>
@@ -12442,7 +12580,7 @@
     </p:spTree>
     <p:extLst>
       <p:ext uri="{BB962C8B-B14F-4D97-AF65-F5344CB8AC3E}">
-        <p14:creationId xmlns:p14="http://schemas.microsoft.com/office/powerpoint/2010/main" val="498775429"/>
+        <p14:creationId xmlns:p14="http://schemas.microsoft.com/office/powerpoint/2010/main" val="1422429233"/>
       </p:ext>
     </p:extLst>
   </p:cSld>
@@ -12452,7 +12590,7 @@
   <p:timing>
     <p:tnLst>
       <p:par>
-        <p:cTn id="1" dur="indefinite" restart="never" nodeType="tmRoot"/>
+        <p:cTn xmlns:p14="http://schemas.microsoft.com/office/powerpoint/2010/main" id="1" dur="indefinite" restart="never" nodeType="tmRoot"/>
       </p:par>
     </p:tnLst>
   </p:timing>
@@ -12640,7 +12778,7 @@
   <a:extraClrSchemeLst/>
   <a:extLst>
     <a:ext uri="{05A4C25C-085E-4340-85A3-A5531E510DB2}">
-      <thm15:themeFamily xmlns:thm15="http://schemas.microsoft.com/office/thememl/2012/main" name="Headlines" id="{3841520A-25F2-4EB8-BE4C-611DB5ABEED9}" vid="{ECD25A4C-D97E-4C12-84B1-63580BFFAEEB}"/>
+      <thm15:themeFamily xmlns:thm15="http://schemas.microsoft.com/office/thememl/2012/main" xmlns="" name="Headlines" id="{3841520A-25F2-4EB8-BE4C-611DB5ABEED9}" vid="{ECD25A4C-D97E-4C12-84B1-63580BFFAEEB}"/>
     </a:ext>
   </a:extLst>
 </a:theme>
@@ -12901,7 +13039,7 @@
   <a:extraClrSchemeLst/>
   <a:extLst>
     <a:ext uri="{05A4C25C-085E-4340-85A3-A5531E510DB2}">
-      <thm15:themeFamily xmlns:thm15="http://schemas.microsoft.com/office/thememl/2012/main" name="Office Theme" id="{62F939B6-93AF-4DB8-9C6B-D6C7DFDC589F}" vid="{4A3C46E8-61CC-4603-A589-7422A47A8E4A}"/>
+      <thm15:themeFamily xmlns:thm15="http://schemas.microsoft.com/office/thememl/2012/main" xmlns="" name="Office Theme" id="{62F939B6-93AF-4DB8-9C6B-D6C7DFDC589F}" vid="{4A3C46E8-61CC-4603-A589-7422A47A8E4A}"/>
     </a:ext>
   </a:extLst>
 </a:theme>

--- a/going-serverless-2017.pptx
+++ b/going-serverless-2017.pptx
@@ -16,10 +16,10 @@
     <p:sldId id="299" r:id="rId7"/>
     <p:sldId id="260" r:id="rId8"/>
     <p:sldId id="292" r:id="rId9"/>
-    <p:sldId id="295" r:id="rId10"/>
-    <p:sldId id="280" r:id="rId11"/>
-    <p:sldId id="274" r:id="rId12"/>
-    <p:sldId id="290" r:id="rId13"/>
+    <p:sldId id="280" r:id="rId10"/>
+    <p:sldId id="274" r:id="rId11"/>
+    <p:sldId id="290" r:id="rId12"/>
+    <p:sldId id="295" r:id="rId13"/>
     <p:sldId id="276" r:id="rId14"/>
     <p:sldId id="294" r:id="rId15"/>
     <p:sldId id="283" r:id="rId16"/>
@@ -29,8 +29,8 @@
     <p:sldId id="293" r:id="rId20"/>
     <p:sldId id="296" r:id="rId21"/>
     <p:sldId id="278" r:id="rId22"/>
-    <p:sldId id="298" r:id="rId23"/>
-    <p:sldId id="277" r:id="rId24"/>
+    <p:sldId id="277" r:id="rId23"/>
+    <p:sldId id="298" r:id="rId24"/>
     <p:sldId id="297" r:id="rId25"/>
     <p:sldId id="263" r:id="rId26"/>
     <p:sldId id="269" r:id="rId27"/>
@@ -5006,7 +5006,7 @@
           <a:p>
             <a:r>
               <a:rPr lang="en-US" dirty="0" smtClean="0"/>
-              <a:t>Scalable</a:t>
+              <a:t>Managed</a:t>
             </a:r>
             <a:endParaRPr lang="en-US" dirty="0"/>
           </a:p>
@@ -5029,25 +5029,46 @@
           <a:p>
             <a:r>
               <a:rPr lang="en-US" dirty="0" smtClean="0"/>
-              <a:t>Auto scaling based on calls</a:t>
-            </a:r>
-          </a:p>
-          <a:p>
-            <a:r>
-              <a:rPr lang="en-US" dirty="0" smtClean="0"/>
-              <a:t>Manually scale with settings</a:t>
-            </a:r>
-          </a:p>
-          <a:p>
-            <a:r>
-              <a:rPr lang="en-US" dirty="0" smtClean="0"/>
-              <a:t>Scale units of computing instead of servers</a:t>
-            </a:r>
-          </a:p>
-          <a:p>
-            <a:r>
-              <a:rPr lang="en-US" dirty="0" smtClean="0"/>
-              <a:t>Scales back down</a:t>
+              <a:t>No runtimes to install</a:t>
+            </a:r>
+          </a:p>
+          <a:p>
+            <a:r>
+              <a:rPr lang="en-US" dirty="0" smtClean="0"/>
+              <a:t>No servers to provision</a:t>
+            </a:r>
+          </a:p>
+          <a:p>
+            <a:r>
+              <a:rPr lang="en-US" dirty="0" smtClean="0"/>
+              <a:t>No “</a:t>
+            </a:r>
+            <a:r>
+              <a:rPr lang="en-US" dirty="0" err="1" smtClean="0"/>
+              <a:t>INFRAopps</a:t>
+            </a:r>
+            <a:r>
+              <a:rPr lang="en-US" dirty="0" smtClean="0"/>
+              <a:t>”</a:t>
+            </a:r>
+          </a:p>
+          <a:p>
+            <a:r>
+              <a:rPr lang="en-US" dirty="0" smtClean="0"/>
+              <a:t>No logging setup</a:t>
+            </a:r>
+          </a:p>
+          <a:p>
+            <a:r>
+              <a:rPr lang="en-US" dirty="0" smtClean="0"/>
+              <a:t>Security</a:t>
+            </a:r>
+            <a:endParaRPr lang="en-US" dirty="0" smtClean="0"/>
+          </a:p>
+          <a:p>
+            <a:r>
+              <a:rPr lang="en-US" dirty="0" smtClean="0"/>
+              <a:t>Etc.</a:t>
             </a:r>
             <a:endParaRPr lang="en-US" dirty="0"/>
           </a:p>
@@ -5056,7 +5077,7 @@
     </p:spTree>
     <p:extLst>
       <p:ext uri="{BB962C8B-B14F-4D97-AF65-F5344CB8AC3E}">
-        <p14:creationId xmlns:p14="http://schemas.microsoft.com/office/powerpoint/2010/main" val="498775429"/>
+        <p14:creationId xmlns:p14="http://schemas.microsoft.com/office/powerpoint/2010/main" val="902979938"/>
       </p:ext>
     </p:extLst>
   </p:cSld>
@@ -5107,8 +5128,11 @@
           <a:p>
             <a:r>
               <a:rPr lang="en-US" dirty="0" smtClean="0"/>
-              <a:t>Managed</a:t>
-            </a:r>
+              <a:t>Cost</a:t>
+            </a:r>
+            <a:br>
+              <a:rPr lang="en-US" dirty="0" smtClean="0"/>
+            </a:br>
             <a:endParaRPr lang="en-US" dirty="0"/>
           </a:p>
         </p:txBody>
@@ -5125,50 +5149,30 @@
         </p:nvSpPr>
         <p:spPr/>
         <p:txBody>
-          <a:bodyPr/>
+          <a:bodyPr>
+            <a:normAutofit/>
+          </a:bodyPr>
           <a:lstStyle/>
           <a:p>
             <a:r>
               <a:rPr lang="en-US" dirty="0" smtClean="0"/>
-              <a:t>No runtimes to install</a:t>
-            </a:r>
-          </a:p>
-          <a:p>
-            <a:r>
-              <a:rPr lang="en-US" dirty="0" smtClean="0"/>
-              <a:t>No servers to provision</a:t>
-            </a:r>
-          </a:p>
-          <a:p>
-            <a:r>
-              <a:rPr lang="en-US" dirty="0" smtClean="0"/>
-              <a:t>No “</a:t>
-            </a:r>
-            <a:r>
-              <a:rPr lang="en-US" dirty="0" err="1" smtClean="0"/>
-              <a:t>INFRAopps</a:t>
-            </a:r>
-            <a:r>
-              <a:rPr lang="en-US" dirty="0" smtClean="0"/>
-              <a:t>”</a:t>
-            </a:r>
-          </a:p>
-          <a:p>
-            <a:r>
-              <a:rPr lang="en-US" dirty="0" smtClean="0"/>
-              <a:t>No logging setup</a:t>
-            </a:r>
-          </a:p>
-          <a:p>
-            <a:r>
-              <a:rPr lang="en-US" dirty="0" smtClean="0"/>
-              <a:t>Data replication</a:t>
-            </a:r>
-          </a:p>
-          <a:p>
-            <a:r>
-              <a:rPr lang="en-US" dirty="0" smtClean="0"/>
-              <a:t>Etc.</a:t>
+              <a:t>Pay for usage</a:t>
+            </a:r>
+          </a:p>
+          <a:p>
+            <a:r>
+              <a:rPr lang="en-US" dirty="0" smtClean="0"/>
+              <a:t>Pay for capacity</a:t>
+            </a:r>
+          </a:p>
+          <a:p>
+            <a:r>
+              <a:rPr lang="en-US" dirty="0" smtClean="0"/>
+              <a:t>No need </a:t>
+            </a:r>
+            <a:r>
+              <a:rPr lang="en-US" smtClean="0"/>
+              <a:t>to over-provision</a:t>
             </a:r>
             <a:endParaRPr lang="en-US" dirty="0"/>
           </a:p>
@@ -5177,7 +5181,7 @@
     </p:spTree>
     <p:extLst>
       <p:ext uri="{BB962C8B-B14F-4D97-AF65-F5344CB8AC3E}">
-        <p14:creationId xmlns:p14="http://schemas.microsoft.com/office/powerpoint/2010/main" val="902979938"/>
+        <p14:creationId xmlns:p14="http://schemas.microsoft.com/office/powerpoint/2010/main" val="712143592"/>
       </p:ext>
     </p:extLst>
   </p:cSld>
@@ -5228,11 +5232,12 @@
           <a:p>
             <a:r>
               <a:rPr lang="en-US" dirty="0" smtClean="0"/>
-              <a:t>Cost</a:t>
-            </a:r>
-            <a:br>
-              <a:rPr lang="en-US" dirty="0" smtClean="0"/>
-            </a:br>
+              <a:t>Why NOT </a:t>
+            </a:r>
+            <a:r>
+              <a:rPr lang="en-US" dirty="0" err="1" smtClean="0"/>
+              <a:t>Serverless</a:t>
+            </a:r>
             <a:endParaRPr lang="en-US" dirty="0"/>
           </a:p>
         </p:txBody>
@@ -5249,30 +5254,24 @@
         </p:nvSpPr>
         <p:spPr/>
         <p:txBody>
-          <a:bodyPr>
-            <a:normAutofit/>
-          </a:bodyPr>
+          <a:bodyPr/>
           <a:lstStyle/>
           <a:p>
             <a:r>
               <a:rPr lang="en-US" dirty="0" smtClean="0"/>
-              <a:t>Pay for usage</a:t>
-            </a:r>
-          </a:p>
-          <a:p>
-            <a:r>
-              <a:rPr lang="en-US" dirty="0" smtClean="0"/>
-              <a:t>Pay for capacity</a:t>
-            </a:r>
-          </a:p>
-          <a:p>
-            <a:r>
-              <a:rPr lang="en-US" dirty="0" smtClean="0"/>
-              <a:t>No need </a:t>
-            </a:r>
-            <a:r>
-              <a:rPr lang="en-US" smtClean="0"/>
-              <a:t>to over-provision</a:t>
+              <a:t>Fine grained environment control is needed</a:t>
+            </a:r>
+          </a:p>
+          <a:p>
+            <a:r>
+              <a:rPr lang="en-US" dirty="0" smtClean="0"/>
+              <a:t>On-premise/co-location applications not available in the public cloud</a:t>
+            </a:r>
+          </a:p>
+          <a:p>
+            <a:r>
+              <a:rPr lang="en-US" dirty="0" smtClean="0"/>
+              <a:t>PII issues with data and customer contracts</a:t>
             </a:r>
             <a:endParaRPr lang="en-US" dirty="0"/>
           </a:p>
@@ -5281,7 +5280,7 @@
     </p:spTree>
     <p:extLst>
       <p:ext uri="{BB962C8B-B14F-4D97-AF65-F5344CB8AC3E}">
-        <p14:creationId xmlns:p14="http://schemas.microsoft.com/office/powerpoint/2010/main" val="712143592"/>
+        <p14:creationId xmlns:p14="http://schemas.microsoft.com/office/powerpoint/2010/main" val="1422429233"/>
       </p:ext>
     </p:extLst>
   </p:cSld>
@@ -7107,26 +7106,9 @@
             </a:r>
           </a:p>
           <a:p>
-            <a:r>
-              <a:rPr lang="en-US" dirty="0" smtClean="0"/>
-              <a:t>Stream Processing</a:t>
-            </a:r>
-          </a:p>
-          <a:p>
-            <a:r>
-              <a:rPr lang="en-US" dirty="0" smtClean="0"/>
-              <a:t>Automation</a:t>
-            </a:r>
-          </a:p>
-          <a:p>
-            <a:r>
-              <a:rPr lang="en-US" dirty="0" smtClean="0"/>
-              <a:t>And more</a:t>
-            </a:r>
-            <a:r>
-              <a:rPr lang="mr-IN" dirty="0" smtClean="0"/>
-              <a:t>…</a:t>
-            </a:r>
+            <a:pPr marL="0" indent="0">
+              <a:buNone/>
+            </a:pPr>
             <a:endParaRPr lang="en-US" dirty="0" smtClean="0"/>
           </a:p>
           <a:p>
@@ -9497,6 +9479,13 @@
   <p:clrMapOvr>
     <a:masterClrMapping/>
   </p:clrMapOvr>
+  <p:timing>
+    <p:tnLst>
+      <p:par>
+        <p:cTn xmlns:p14="http://schemas.microsoft.com/office/powerpoint/2010/main" id="1" dur="indefinite" restart="never" nodeType="tmRoot"/>
+      </p:par>
+    </p:tnLst>
+  </p:timing>
 </p:sld>
 </file>
 
@@ -9688,536 +9677,6 @@
 </file>
 
 <file path=ppt/slides/slide22.xml><?xml version="1.0" encoding="utf-8"?>
-<p:sld xmlns:a="http://schemas.openxmlformats.org/drawingml/2006/main" xmlns:r="http://schemas.openxmlformats.org/officeDocument/2006/relationships" xmlns:p="http://schemas.openxmlformats.org/presentationml/2006/main">
-  <p:cSld>
-    <p:bg>
-      <p:bgPr>
-        <a:solidFill>
-          <a:schemeClr val="bg2"/>
-        </a:solidFill>
-        <a:effectLst/>
-      </p:bgPr>
-    </p:bg>
-    <p:spTree>
-      <p:nvGrpSpPr>
-        <p:cNvPr id="1" name=""/>
-        <p:cNvGrpSpPr/>
-        <p:nvPr/>
-      </p:nvGrpSpPr>
-      <p:grpSpPr>
-        <a:xfrm>
-          <a:off x="0" y="0"/>
-          <a:ext cx="0" cy="0"/>
-          <a:chOff x="0" y="0"/>
-          <a:chExt cx="0" cy="0"/>
-        </a:xfrm>
-      </p:grpSpPr>
-      <p:sp useBgFill="1">
-        <p:nvSpPr>
-          <p:cNvPr id="12" name="Rectangle 11">
-            <a:extLst>
-              <a:ext uri="{FF2B5EF4-FFF2-40B4-BE49-F238E27FC236}">
-                <a16:creationId xmlns="" xmlns:a16="http://schemas.microsoft.com/office/drawing/2014/main" id="{D9FF99B6-0BBC-4955-9A39-545FF77A584B}"/>
-              </a:ext>
-            </a:extLst>
-          </p:cNvPr>
-          <p:cNvSpPr>
-            <a:spLocks noGrp="1" noRot="1" noChangeAspect="1" noMove="1" noResize="1" noEditPoints="1" noAdjustHandles="1" noChangeArrowheads="1" noChangeShapeType="1" noTextEdit="1"/>
-          </p:cNvSpPr>
-          <p:nvPr>
-            <p:extLst>
-              <p:ext uri="{386F3935-93C4-4BCD-93E2-E3B085C9AB24}">
-                <p16:designElem xmlns:p16="http://schemas.microsoft.com/office/powerpoint/2015/main" xmlns="" val="1"/>
-              </p:ext>
-            </p:extLst>
-          </p:nvPr>
-        </p:nvSpPr>
-        <p:spPr>
-          <a:xfrm>
-            <a:off x="0" y="0"/>
-            <a:ext cx="12192000" cy="6858000"/>
-          </a:xfrm>
-          <a:prstGeom prst="rect">
-            <a:avLst/>
-          </a:prstGeom>
-          <a:ln>
-            <a:noFill/>
-          </a:ln>
-        </p:spPr>
-        <p:style>
-          <a:lnRef idx="2">
-            <a:schemeClr val="accent1">
-              <a:shade val="50000"/>
-            </a:schemeClr>
-          </a:lnRef>
-          <a:fillRef idx="1">
-            <a:schemeClr val="accent1"/>
-          </a:fillRef>
-          <a:effectRef idx="0">
-            <a:schemeClr val="accent1"/>
-          </a:effectRef>
-          <a:fontRef idx="minor">
-            <a:schemeClr val="lt1"/>
-          </a:fontRef>
-        </p:style>
-        <p:txBody>
-          <a:bodyPr rtlCol="0" anchor="ctr"/>
-          <a:lstStyle/>
-          <a:p>
-            <a:pPr algn="ctr"/>
-            <a:endParaRPr lang="en-US"/>
-          </a:p>
-        </p:txBody>
-      </p:sp>
-      <p:sp>
-        <p:nvSpPr>
-          <p:cNvPr id="14" name="Freeform 6" title="Page Number Shape">
-            <a:extLst>
-              <a:ext uri="{FF2B5EF4-FFF2-40B4-BE49-F238E27FC236}">
-                <a16:creationId xmlns="" xmlns:a16="http://schemas.microsoft.com/office/drawing/2014/main" id="{EFFCBFD9-BE8B-4513-8B1D-D19F805EA0DF}"/>
-              </a:ext>
-            </a:extLst>
-          </p:cNvPr>
-          <p:cNvSpPr>
-            <a:spLocks noGrp="1" noRot="1" noChangeAspect="1" noMove="1" noResize="1" noEditPoints="1" noAdjustHandles="1" noChangeArrowheads="1" noChangeShapeType="1" noTextEdit="1"/>
-          </p:cNvSpPr>
-          <p:nvPr>
-            <p:extLst>
-              <p:ext uri="{386F3935-93C4-4BCD-93E2-E3B085C9AB24}">
-                <p16:designElem xmlns:p16="http://schemas.microsoft.com/office/powerpoint/2015/main" xmlns="" val="1"/>
-              </p:ext>
-            </p:extLst>
-          </p:nvPr>
-        </p:nvSpPr>
-        <p:spPr bwMode="auto">
-          <a:xfrm>
-            <a:off x="11784011" y="5380580"/>
-            <a:ext cx="407988" cy="819150"/>
-          </a:xfrm>
-          <a:custGeom>
-            <a:avLst/>
-            <a:gdLst/>
-            <a:ahLst/>
-            <a:cxnLst/>
-            <a:rect l="0" t="0" r="r" b="b"/>
-            <a:pathLst>
-              <a:path w="1799" h="3612">
-                <a:moveTo>
-                  <a:pt x="1799" y="0"/>
-                </a:moveTo>
-                <a:lnTo>
-                  <a:pt x="1799" y="3612"/>
-                </a:lnTo>
-                <a:lnTo>
-                  <a:pt x="1686" y="3609"/>
-                </a:lnTo>
-                <a:lnTo>
-                  <a:pt x="1574" y="3598"/>
-                </a:lnTo>
-                <a:lnTo>
-                  <a:pt x="1464" y="3581"/>
-                </a:lnTo>
-                <a:lnTo>
-                  <a:pt x="1357" y="3557"/>
-                </a:lnTo>
-                <a:lnTo>
-                  <a:pt x="1251" y="3527"/>
-                </a:lnTo>
-                <a:lnTo>
-                  <a:pt x="1150" y="3490"/>
-                </a:lnTo>
-                <a:lnTo>
-                  <a:pt x="1050" y="3448"/>
-                </a:lnTo>
-                <a:lnTo>
-                  <a:pt x="953" y="3401"/>
-                </a:lnTo>
-                <a:lnTo>
-                  <a:pt x="860" y="3347"/>
-                </a:lnTo>
-                <a:lnTo>
-                  <a:pt x="771" y="3289"/>
-                </a:lnTo>
-                <a:lnTo>
-                  <a:pt x="686" y="3224"/>
-                </a:lnTo>
-                <a:lnTo>
-                  <a:pt x="604" y="3156"/>
-                </a:lnTo>
-                <a:lnTo>
-                  <a:pt x="527" y="3083"/>
-                </a:lnTo>
-                <a:lnTo>
-                  <a:pt x="454" y="3005"/>
-                </a:lnTo>
-                <a:lnTo>
-                  <a:pt x="386" y="2923"/>
-                </a:lnTo>
-                <a:lnTo>
-                  <a:pt x="323" y="2838"/>
-                </a:lnTo>
-                <a:lnTo>
-                  <a:pt x="265" y="2748"/>
-                </a:lnTo>
-                <a:lnTo>
-                  <a:pt x="211" y="2655"/>
-                </a:lnTo>
-                <a:lnTo>
-                  <a:pt x="163" y="2559"/>
-                </a:lnTo>
-                <a:lnTo>
-                  <a:pt x="121" y="2459"/>
-                </a:lnTo>
-                <a:lnTo>
-                  <a:pt x="85" y="2356"/>
-                </a:lnTo>
-                <a:lnTo>
-                  <a:pt x="55" y="2251"/>
-                </a:lnTo>
-                <a:lnTo>
-                  <a:pt x="32" y="2143"/>
-                </a:lnTo>
-                <a:lnTo>
-                  <a:pt x="14" y="2033"/>
-                </a:lnTo>
-                <a:lnTo>
-                  <a:pt x="4" y="1920"/>
-                </a:lnTo>
-                <a:lnTo>
-                  <a:pt x="0" y="1806"/>
-                </a:lnTo>
-                <a:lnTo>
-                  <a:pt x="4" y="1692"/>
-                </a:lnTo>
-                <a:lnTo>
-                  <a:pt x="14" y="1580"/>
-                </a:lnTo>
-                <a:lnTo>
-                  <a:pt x="32" y="1469"/>
-                </a:lnTo>
-                <a:lnTo>
-                  <a:pt x="55" y="1362"/>
-                </a:lnTo>
-                <a:lnTo>
-                  <a:pt x="85" y="1256"/>
-                </a:lnTo>
-                <a:lnTo>
-                  <a:pt x="121" y="1154"/>
-                </a:lnTo>
-                <a:lnTo>
-                  <a:pt x="163" y="1054"/>
-                </a:lnTo>
-                <a:lnTo>
-                  <a:pt x="211" y="958"/>
-                </a:lnTo>
-                <a:lnTo>
-                  <a:pt x="265" y="864"/>
-                </a:lnTo>
-                <a:lnTo>
-                  <a:pt x="323" y="774"/>
-                </a:lnTo>
-                <a:lnTo>
-                  <a:pt x="386" y="689"/>
-                </a:lnTo>
-                <a:lnTo>
-                  <a:pt x="454" y="607"/>
-                </a:lnTo>
-                <a:lnTo>
-                  <a:pt x="527" y="529"/>
-                </a:lnTo>
-                <a:lnTo>
-                  <a:pt x="604" y="456"/>
-                </a:lnTo>
-                <a:lnTo>
-                  <a:pt x="686" y="388"/>
-                </a:lnTo>
-                <a:lnTo>
-                  <a:pt x="771" y="325"/>
-                </a:lnTo>
-                <a:lnTo>
-                  <a:pt x="860" y="266"/>
-                </a:lnTo>
-                <a:lnTo>
-                  <a:pt x="953" y="212"/>
-                </a:lnTo>
-                <a:lnTo>
-                  <a:pt x="1050" y="164"/>
-                </a:lnTo>
-                <a:lnTo>
-                  <a:pt x="1150" y="122"/>
-                </a:lnTo>
-                <a:lnTo>
-                  <a:pt x="1251" y="85"/>
-                </a:lnTo>
-                <a:lnTo>
-                  <a:pt x="1357" y="55"/>
-                </a:lnTo>
-                <a:lnTo>
-                  <a:pt x="1464" y="32"/>
-                </a:lnTo>
-                <a:lnTo>
-                  <a:pt x="1574" y="14"/>
-                </a:lnTo>
-                <a:lnTo>
-                  <a:pt x="1686" y="5"/>
-                </a:lnTo>
-                <a:lnTo>
-                  <a:pt x="1799" y="0"/>
-                </a:lnTo>
-                <a:close/>
-              </a:path>
-            </a:pathLst>
-          </a:custGeom>
-          <a:solidFill>
-            <a:schemeClr val="tx1">
-              <a:lumMod val="85000"/>
-              <a:lumOff val="15000"/>
-            </a:schemeClr>
-          </a:solidFill>
-          <a:ln w="0">
-            <a:noFill/>
-            <a:prstDash val="solid"/>
-            <a:round/>
-            <a:headEnd/>
-            <a:tailEnd/>
-          </a:ln>
-        </p:spPr>
-      </p:sp>
-      <p:pic>
-        <p:nvPicPr>
-          <p:cNvPr id="7" name="Content Placeholder 3"/>
-          <p:cNvPicPr>
-            <a:picLocks noChangeAspect="1"/>
-          </p:cNvPicPr>
-          <p:nvPr/>
-        </p:nvPicPr>
-        <p:blipFill>
-          <a:blip r:embed="rId2">
-            <a:extLst>
-              <a:ext uri="{28A0092B-C50C-407E-A947-70E740481C1C}">
-                <a14:useLocalDpi xmlns:a14="http://schemas.microsoft.com/office/drawing/2010/main" val="0"/>
-              </a:ext>
-            </a:extLst>
-          </a:blip>
-          <a:stretch>
-            <a:fillRect/>
-          </a:stretch>
-        </p:blipFill>
-        <p:spPr>
-          <a:xfrm>
-            <a:off x="4713404" y="1156729"/>
-            <a:ext cx="6716596" cy="1141820"/>
-          </a:xfrm>
-          <a:prstGeom prst="rect">
-            <a:avLst/>
-          </a:prstGeom>
-        </p:spPr>
-      </p:pic>
-      <p:cxnSp>
-        <p:nvCxnSpPr>
-          <p:cNvPr id="16" name="Straight Connector 15">
-            <a:extLst>
-              <a:ext uri="{FF2B5EF4-FFF2-40B4-BE49-F238E27FC236}">
-                <a16:creationId xmlns="" xmlns:a16="http://schemas.microsoft.com/office/drawing/2014/main" id="{292F8A50-4E5D-40E7-8E9C-0C63722D6F76}"/>
-              </a:ext>
-            </a:extLst>
-          </p:cNvPr>
-          <p:cNvCxnSpPr>
-            <a:cxnSpLocks noGrp="1" noRot="1" noChangeAspect="1" noMove="1" noResize="1" noEditPoints="1" noAdjustHandles="1" noChangeArrowheads="1" noChangeShapeType="1"/>
-          </p:cNvCxnSpPr>
-          <p:nvPr>
-            <p:extLst>
-              <p:ext uri="{386F3935-93C4-4BCD-93E2-E3B085C9AB24}">
-                <p16:designElem xmlns:p16="http://schemas.microsoft.com/office/powerpoint/2015/main" xmlns="" val="1"/>
-              </p:ext>
-            </p:extLst>
-          </p:nvPr>
-        </p:nvCxnSpPr>
-        <p:spPr>
-          <a:xfrm>
-            <a:off x="0" y="6212033"/>
-            <a:ext cx="4062954" cy="0"/>
-          </a:xfrm>
-          <a:prstGeom prst="line">
-            <a:avLst/>
-          </a:prstGeom>
-          <a:ln w="25400">
-            <a:solidFill>
-              <a:schemeClr val="tx1"/>
-            </a:solidFill>
-          </a:ln>
-        </p:spPr>
-        <p:style>
-          <a:lnRef idx="1">
-            <a:schemeClr val="accent1"/>
-          </a:lnRef>
-          <a:fillRef idx="0">
-            <a:schemeClr val="accent1"/>
-          </a:fillRef>
-          <a:effectRef idx="0">
-            <a:schemeClr val="accent1"/>
-          </a:effectRef>
-          <a:fontRef idx="minor">
-            <a:schemeClr val="tx1"/>
-          </a:fontRef>
-        </p:style>
-      </p:cxnSp>
-      <p:sp>
-        <p:nvSpPr>
-          <p:cNvPr id="2" name="Title 1"/>
-          <p:cNvSpPr>
-            <a:spLocks noGrp="1"/>
-          </p:cNvSpPr>
-          <p:nvPr>
-            <p:ph type="title"/>
-          </p:nvPr>
-        </p:nvSpPr>
-        <p:spPr>
-          <a:xfrm>
-            <a:off x="650450" y="559678"/>
-            <a:ext cx="3412504" cy="4952492"/>
-          </a:xfrm>
-        </p:spPr>
-        <p:txBody>
-          <a:bodyPr>
-            <a:normAutofit/>
-          </a:bodyPr>
-          <a:lstStyle/>
-          <a:p>
-            <a:r>
-              <a:rPr lang="en-US" dirty="0"/>
-              <a:t>Lambda</a:t>
-            </a:r>
-            <a:br>
-              <a:rPr lang="en-US" dirty="0"/>
-            </a:br>
-            <a:r>
-              <a:rPr lang="en-US" sz="2400"/>
-              <a:t>function </a:t>
-            </a:r>
-            <a:r>
-              <a:rPr lang="en-US" sz="2400" smtClean="0"/>
-              <a:t>signature</a:t>
-            </a:r>
-            <a:endParaRPr lang="en-US" sz="2400" dirty="0"/>
-          </a:p>
-        </p:txBody>
-      </p:sp>
-      <p:sp>
-        <p:nvSpPr>
-          <p:cNvPr id="9" name="Content Placeholder 8"/>
-          <p:cNvSpPr>
-            <a:spLocks noGrp="1"/>
-          </p:cNvSpPr>
-          <p:nvPr>
-            <p:ph idx="1"/>
-          </p:nvPr>
-        </p:nvSpPr>
-        <p:spPr>
-          <a:xfrm>
-            <a:off x="4713404" y="3124200"/>
-            <a:ext cx="6711884" cy="3087833"/>
-          </a:xfrm>
-        </p:spPr>
-        <p:txBody>
-          <a:bodyPr>
-            <a:normAutofit/>
-          </a:bodyPr>
-          <a:lstStyle/>
-          <a:p>
-            <a:r>
-              <a:rPr lang="en-US" dirty="0" smtClean="0"/>
-              <a:t>Event </a:t>
-            </a:r>
-            <a:r>
-              <a:rPr lang="mr-IN" dirty="0" smtClean="0"/>
-              <a:t>–</a:t>
-            </a:r>
-            <a:r>
-              <a:rPr lang="en-US" dirty="0" smtClean="0"/>
-              <a:t> passes the event data into the handler</a:t>
-            </a:r>
-          </a:p>
-          <a:p>
-            <a:r>
-              <a:rPr lang="en-US" dirty="0" smtClean="0"/>
-              <a:t>Context </a:t>
-            </a:r>
-            <a:r>
-              <a:rPr lang="mr-IN" dirty="0" smtClean="0"/>
-              <a:t>–</a:t>
-            </a:r>
-            <a:r>
-              <a:rPr lang="en-US" dirty="0" smtClean="0"/>
-              <a:t> runtime information </a:t>
-            </a:r>
-          </a:p>
-          <a:p>
-            <a:r>
-              <a:rPr lang="en-US" dirty="0" smtClean="0"/>
-              <a:t>Callback </a:t>
-            </a:r>
-            <a:r>
-              <a:rPr lang="mr-IN" dirty="0" smtClean="0"/>
-              <a:t>–</a:t>
-            </a:r>
-            <a:r>
-              <a:rPr lang="en-US" dirty="0" smtClean="0"/>
-              <a:t> (optional)</a:t>
-            </a:r>
-          </a:p>
-          <a:p>
-            <a:pPr lvl="1"/>
-            <a:r>
-              <a:rPr lang="en-US" dirty="0"/>
-              <a:t>http://</a:t>
-            </a:r>
-            <a:r>
-              <a:rPr lang="en-US" dirty="0" err="1"/>
-              <a:t>docs.aws.amazon.com</a:t>
-            </a:r>
-            <a:r>
-              <a:rPr lang="en-US" dirty="0"/>
-              <a:t>/lambda/latest/dg/</a:t>
-            </a:r>
-            <a:r>
-              <a:rPr lang="en-US" dirty="0" err="1"/>
-              <a:t>nodejs</a:t>
-            </a:r>
-            <a:r>
-              <a:rPr lang="en-US" dirty="0"/>
-              <a:t>-</a:t>
-            </a:r>
-            <a:r>
-              <a:rPr lang="en-US" dirty="0" err="1"/>
-              <a:t>prog</a:t>
-            </a:r>
-            <a:r>
-              <a:rPr lang="en-US" dirty="0"/>
-              <a:t>-model-</a:t>
-            </a:r>
-            <a:r>
-              <a:rPr lang="en-US" dirty="0" err="1"/>
-              <a:t>handler.html</a:t>
-            </a:r>
-            <a:endParaRPr lang="en-US" dirty="0"/>
-          </a:p>
-        </p:txBody>
-      </p:sp>
-    </p:spTree>
-    <p:extLst>
-      <p:ext uri="{BB962C8B-B14F-4D97-AF65-F5344CB8AC3E}">
-        <p14:creationId xmlns:p14="http://schemas.microsoft.com/office/powerpoint/2010/main" val="1103310581"/>
-      </p:ext>
-    </p:extLst>
-  </p:cSld>
-  <p:clrMapOvr>
-    <a:masterClrMapping/>
-  </p:clrMapOvr>
-</p:sld>
-</file>
-
-<file path=ppt/slides/slide23.xml><?xml version="1.0" encoding="utf-8"?>
 <p:sld xmlns:a="http://schemas.openxmlformats.org/drawingml/2006/main" xmlns:r="http://schemas.openxmlformats.org/officeDocument/2006/relationships" xmlns:p="http://schemas.openxmlformats.org/presentationml/2006/main">
   <p:cSld>
     <p:spTree>
@@ -10843,6 +10302,543 @@
 </p:sld>
 </file>
 
+<file path=ppt/slides/slide23.xml><?xml version="1.0" encoding="utf-8"?>
+<p:sld xmlns:a="http://schemas.openxmlformats.org/drawingml/2006/main" xmlns:r="http://schemas.openxmlformats.org/officeDocument/2006/relationships" xmlns:p="http://schemas.openxmlformats.org/presentationml/2006/main">
+  <p:cSld>
+    <p:bg>
+      <p:bgPr>
+        <a:solidFill>
+          <a:schemeClr val="bg2"/>
+        </a:solidFill>
+        <a:effectLst/>
+      </p:bgPr>
+    </p:bg>
+    <p:spTree>
+      <p:nvGrpSpPr>
+        <p:cNvPr id="1" name=""/>
+        <p:cNvGrpSpPr/>
+        <p:nvPr/>
+      </p:nvGrpSpPr>
+      <p:grpSpPr>
+        <a:xfrm>
+          <a:off x="0" y="0"/>
+          <a:ext cx="0" cy="0"/>
+          <a:chOff x="0" y="0"/>
+          <a:chExt cx="0" cy="0"/>
+        </a:xfrm>
+      </p:grpSpPr>
+      <p:sp useBgFill="1">
+        <p:nvSpPr>
+          <p:cNvPr id="12" name="Rectangle 11">
+            <a:extLst>
+              <a:ext uri="{FF2B5EF4-FFF2-40B4-BE49-F238E27FC236}">
+                <a16:creationId xmlns="" xmlns:a16="http://schemas.microsoft.com/office/drawing/2014/main" id="{D9FF99B6-0BBC-4955-9A39-545FF77A584B}"/>
+              </a:ext>
+            </a:extLst>
+          </p:cNvPr>
+          <p:cNvSpPr>
+            <a:spLocks noGrp="1" noRot="1" noChangeAspect="1" noMove="1" noResize="1" noEditPoints="1" noAdjustHandles="1" noChangeArrowheads="1" noChangeShapeType="1" noTextEdit="1"/>
+          </p:cNvSpPr>
+          <p:nvPr>
+            <p:extLst>
+              <p:ext uri="{386F3935-93C4-4BCD-93E2-E3B085C9AB24}">
+                <p16:designElem xmlns:p16="http://schemas.microsoft.com/office/powerpoint/2015/main" xmlns="" val="1"/>
+              </p:ext>
+            </p:extLst>
+          </p:nvPr>
+        </p:nvSpPr>
+        <p:spPr>
+          <a:xfrm>
+            <a:off x="0" y="0"/>
+            <a:ext cx="12192000" cy="6858000"/>
+          </a:xfrm>
+          <a:prstGeom prst="rect">
+            <a:avLst/>
+          </a:prstGeom>
+          <a:ln>
+            <a:noFill/>
+          </a:ln>
+        </p:spPr>
+        <p:style>
+          <a:lnRef idx="2">
+            <a:schemeClr val="accent1">
+              <a:shade val="50000"/>
+            </a:schemeClr>
+          </a:lnRef>
+          <a:fillRef idx="1">
+            <a:schemeClr val="accent1"/>
+          </a:fillRef>
+          <a:effectRef idx="0">
+            <a:schemeClr val="accent1"/>
+          </a:effectRef>
+          <a:fontRef idx="minor">
+            <a:schemeClr val="lt1"/>
+          </a:fontRef>
+        </p:style>
+        <p:txBody>
+          <a:bodyPr rtlCol="0" anchor="ctr"/>
+          <a:lstStyle/>
+          <a:p>
+            <a:pPr algn="ctr"/>
+            <a:endParaRPr lang="en-US"/>
+          </a:p>
+        </p:txBody>
+      </p:sp>
+      <p:sp>
+        <p:nvSpPr>
+          <p:cNvPr id="14" name="Freeform 6" title="Page Number Shape">
+            <a:extLst>
+              <a:ext uri="{FF2B5EF4-FFF2-40B4-BE49-F238E27FC236}">
+                <a16:creationId xmlns="" xmlns:a16="http://schemas.microsoft.com/office/drawing/2014/main" id="{EFFCBFD9-BE8B-4513-8B1D-D19F805EA0DF}"/>
+              </a:ext>
+            </a:extLst>
+          </p:cNvPr>
+          <p:cNvSpPr>
+            <a:spLocks noGrp="1" noRot="1" noChangeAspect="1" noMove="1" noResize="1" noEditPoints="1" noAdjustHandles="1" noChangeArrowheads="1" noChangeShapeType="1" noTextEdit="1"/>
+          </p:cNvSpPr>
+          <p:nvPr>
+            <p:extLst>
+              <p:ext uri="{386F3935-93C4-4BCD-93E2-E3B085C9AB24}">
+                <p16:designElem xmlns:p16="http://schemas.microsoft.com/office/powerpoint/2015/main" xmlns="" val="1"/>
+              </p:ext>
+            </p:extLst>
+          </p:nvPr>
+        </p:nvSpPr>
+        <p:spPr bwMode="auto">
+          <a:xfrm>
+            <a:off x="11784011" y="5380580"/>
+            <a:ext cx="407988" cy="819150"/>
+          </a:xfrm>
+          <a:custGeom>
+            <a:avLst/>
+            <a:gdLst/>
+            <a:ahLst/>
+            <a:cxnLst/>
+            <a:rect l="0" t="0" r="r" b="b"/>
+            <a:pathLst>
+              <a:path w="1799" h="3612">
+                <a:moveTo>
+                  <a:pt x="1799" y="0"/>
+                </a:moveTo>
+                <a:lnTo>
+                  <a:pt x="1799" y="3612"/>
+                </a:lnTo>
+                <a:lnTo>
+                  <a:pt x="1686" y="3609"/>
+                </a:lnTo>
+                <a:lnTo>
+                  <a:pt x="1574" y="3598"/>
+                </a:lnTo>
+                <a:lnTo>
+                  <a:pt x="1464" y="3581"/>
+                </a:lnTo>
+                <a:lnTo>
+                  <a:pt x="1357" y="3557"/>
+                </a:lnTo>
+                <a:lnTo>
+                  <a:pt x="1251" y="3527"/>
+                </a:lnTo>
+                <a:lnTo>
+                  <a:pt x="1150" y="3490"/>
+                </a:lnTo>
+                <a:lnTo>
+                  <a:pt x="1050" y="3448"/>
+                </a:lnTo>
+                <a:lnTo>
+                  <a:pt x="953" y="3401"/>
+                </a:lnTo>
+                <a:lnTo>
+                  <a:pt x="860" y="3347"/>
+                </a:lnTo>
+                <a:lnTo>
+                  <a:pt x="771" y="3289"/>
+                </a:lnTo>
+                <a:lnTo>
+                  <a:pt x="686" y="3224"/>
+                </a:lnTo>
+                <a:lnTo>
+                  <a:pt x="604" y="3156"/>
+                </a:lnTo>
+                <a:lnTo>
+                  <a:pt x="527" y="3083"/>
+                </a:lnTo>
+                <a:lnTo>
+                  <a:pt x="454" y="3005"/>
+                </a:lnTo>
+                <a:lnTo>
+                  <a:pt x="386" y="2923"/>
+                </a:lnTo>
+                <a:lnTo>
+                  <a:pt x="323" y="2838"/>
+                </a:lnTo>
+                <a:lnTo>
+                  <a:pt x="265" y="2748"/>
+                </a:lnTo>
+                <a:lnTo>
+                  <a:pt x="211" y="2655"/>
+                </a:lnTo>
+                <a:lnTo>
+                  <a:pt x="163" y="2559"/>
+                </a:lnTo>
+                <a:lnTo>
+                  <a:pt x="121" y="2459"/>
+                </a:lnTo>
+                <a:lnTo>
+                  <a:pt x="85" y="2356"/>
+                </a:lnTo>
+                <a:lnTo>
+                  <a:pt x="55" y="2251"/>
+                </a:lnTo>
+                <a:lnTo>
+                  <a:pt x="32" y="2143"/>
+                </a:lnTo>
+                <a:lnTo>
+                  <a:pt x="14" y="2033"/>
+                </a:lnTo>
+                <a:lnTo>
+                  <a:pt x="4" y="1920"/>
+                </a:lnTo>
+                <a:lnTo>
+                  <a:pt x="0" y="1806"/>
+                </a:lnTo>
+                <a:lnTo>
+                  <a:pt x="4" y="1692"/>
+                </a:lnTo>
+                <a:lnTo>
+                  <a:pt x="14" y="1580"/>
+                </a:lnTo>
+                <a:lnTo>
+                  <a:pt x="32" y="1469"/>
+                </a:lnTo>
+                <a:lnTo>
+                  <a:pt x="55" y="1362"/>
+                </a:lnTo>
+                <a:lnTo>
+                  <a:pt x="85" y="1256"/>
+                </a:lnTo>
+                <a:lnTo>
+                  <a:pt x="121" y="1154"/>
+                </a:lnTo>
+                <a:lnTo>
+                  <a:pt x="163" y="1054"/>
+                </a:lnTo>
+                <a:lnTo>
+                  <a:pt x="211" y="958"/>
+                </a:lnTo>
+                <a:lnTo>
+                  <a:pt x="265" y="864"/>
+                </a:lnTo>
+                <a:lnTo>
+                  <a:pt x="323" y="774"/>
+                </a:lnTo>
+                <a:lnTo>
+                  <a:pt x="386" y="689"/>
+                </a:lnTo>
+                <a:lnTo>
+                  <a:pt x="454" y="607"/>
+                </a:lnTo>
+                <a:lnTo>
+                  <a:pt x="527" y="529"/>
+                </a:lnTo>
+                <a:lnTo>
+                  <a:pt x="604" y="456"/>
+                </a:lnTo>
+                <a:lnTo>
+                  <a:pt x="686" y="388"/>
+                </a:lnTo>
+                <a:lnTo>
+                  <a:pt x="771" y="325"/>
+                </a:lnTo>
+                <a:lnTo>
+                  <a:pt x="860" y="266"/>
+                </a:lnTo>
+                <a:lnTo>
+                  <a:pt x="953" y="212"/>
+                </a:lnTo>
+                <a:lnTo>
+                  <a:pt x="1050" y="164"/>
+                </a:lnTo>
+                <a:lnTo>
+                  <a:pt x="1150" y="122"/>
+                </a:lnTo>
+                <a:lnTo>
+                  <a:pt x="1251" y="85"/>
+                </a:lnTo>
+                <a:lnTo>
+                  <a:pt x="1357" y="55"/>
+                </a:lnTo>
+                <a:lnTo>
+                  <a:pt x="1464" y="32"/>
+                </a:lnTo>
+                <a:lnTo>
+                  <a:pt x="1574" y="14"/>
+                </a:lnTo>
+                <a:lnTo>
+                  <a:pt x="1686" y="5"/>
+                </a:lnTo>
+                <a:lnTo>
+                  <a:pt x="1799" y="0"/>
+                </a:lnTo>
+                <a:close/>
+              </a:path>
+            </a:pathLst>
+          </a:custGeom>
+          <a:solidFill>
+            <a:schemeClr val="tx1">
+              <a:lumMod val="85000"/>
+              <a:lumOff val="15000"/>
+            </a:schemeClr>
+          </a:solidFill>
+          <a:ln w="0">
+            <a:noFill/>
+            <a:prstDash val="solid"/>
+            <a:round/>
+            <a:headEnd/>
+            <a:tailEnd/>
+          </a:ln>
+        </p:spPr>
+      </p:sp>
+      <p:pic>
+        <p:nvPicPr>
+          <p:cNvPr id="7" name="Content Placeholder 3"/>
+          <p:cNvPicPr>
+            <a:picLocks noChangeAspect="1"/>
+          </p:cNvPicPr>
+          <p:nvPr/>
+        </p:nvPicPr>
+        <p:blipFill>
+          <a:blip r:embed="rId2">
+            <a:extLst>
+              <a:ext uri="{28A0092B-C50C-407E-A947-70E740481C1C}">
+                <a14:useLocalDpi xmlns:a14="http://schemas.microsoft.com/office/drawing/2010/main" val="0"/>
+              </a:ext>
+            </a:extLst>
+          </a:blip>
+          <a:stretch>
+            <a:fillRect/>
+          </a:stretch>
+        </p:blipFill>
+        <p:spPr>
+          <a:xfrm>
+            <a:off x="4713404" y="1156729"/>
+            <a:ext cx="6716596" cy="1141820"/>
+          </a:xfrm>
+          <a:prstGeom prst="rect">
+            <a:avLst/>
+          </a:prstGeom>
+        </p:spPr>
+      </p:pic>
+      <p:cxnSp>
+        <p:nvCxnSpPr>
+          <p:cNvPr id="16" name="Straight Connector 15">
+            <a:extLst>
+              <a:ext uri="{FF2B5EF4-FFF2-40B4-BE49-F238E27FC236}">
+                <a16:creationId xmlns="" xmlns:a16="http://schemas.microsoft.com/office/drawing/2014/main" id="{292F8A50-4E5D-40E7-8E9C-0C63722D6F76}"/>
+              </a:ext>
+            </a:extLst>
+          </p:cNvPr>
+          <p:cNvCxnSpPr>
+            <a:cxnSpLocks noGrp="1" noRot="1" noChangeAspect="1" noMove="1" noResize="1" noEditPoints="1" noAdjustHandles="1" noChangeArrowheads="1" noChangeShapeType="1"/>
+          </p:cNvCxnSpPr>
+          <p:nvPr>
+            <p:extLst>
+              <p:ext uri="{386F3935-93C4-4BCD-93E2-E3B085C9AB24}">
+                <p16:designElem xmlns:p16="http://schemas.microsoft.com/office/powerpoint/2015/main" xmlns="" val="1"/>
+              </p:ext>
+            </p:extLst>
+          </p:nvPr>
+        </p:nvCxnSpPr>
+        <p:spPr>
+          <a:xfrm>
+            <a:off x="0" y="6212033"/>
+            <a:ext cx="4062954" cy="0"/>
+          </a:xfrm>
+          <a:prstGeom prst="line">
+            <a:avLst/>
+          </a:prstGeom>
+          <a:ln w="25400">
+            <a:solidFill>
+              <a:schemeClr val="tx1"/>
+            </a:solidFill>
+          </a:ln>
+        </p:spPr>
+        <p:style>
+          <a:lnRef idx="1">
+            <a:schemeClr val="accent1"/>
+          </a:lnRef>
+          <a:fillRef idx="0">
+            <a:schemeClr val="accent1"/>
+          </a:fillRef>
+          <a:effectRef idx="0">
+            <a:schemeClr val="accent1"/>
+          </a:effectRef>
+          <a:fontRef idx="minor">
+            <a:schemeClr val="tx1"/>
+          </a:fontRef>
+        </p:style>
+      </p:cxnSp>
+      <p:sp>
+        <p:nvSpPr>
+          <p:cNvPr id="2" name="Title 1"/>
+          <p:cNvSpPr>
+            <a:spLocks noGrp="1"/>
+          </p:cNvSpPr>
+          <p:nvPr>
+            <p:ph type="title"/>
+          </p:nvPr>
+        </p:nvSpPr>
+        <p:spPr>
+          <a:xfrm>
+            <a:off x="650450" y="559678"/>
+            <a:ext cx="3412504" cy="4952492"/>
+          </a:xfrm>
+        </p:spPr>
+        <p:txBody>
+          <a:bodyPr>
+            <a:normAutofit/>
+          </a:bodyPr>
+          <a:lstStyle/>
+          <a:p>
+            <a:r>
+              <a:rPr lang="en-US" dirty="0"/>
+              <a:t>Lambda</a:t>
+            </a:r>
+            <a:br>
+              <a:rPr lang="en-US" dirty="0"/>
+            </a:br>
+            <a:r>
+              <a:rPr lang="en-US" sz="2400"/>
+              <a:t>function </a:t>
+            </a:r>
+            <a:r>
+              <a:rPr lang="en-US" sz="2400" smtClean="0"/>
+              <a:t>signature</a:t>
+            </a:r>
+            <a:endParaRPr lang="en-US" sz="2400" dirty="0"/>
+          </a:p>
+        </p:txBody>
+      </p:sp>
+      <p:sp>
+        <p:nvSpPr>
+          <p:cNvPr id="9" name="Content Placeholder 8"/>
+          <p:cNvSpPr>
+            <a:spLocks noGrp="1"/>
+          </p:cNvSpPr>
+          <p:nvPr>
+            <p:ph idx="1"/>
+          </p:nvPr>
+        </p:nvSpPr>
+        <p:spPr>
+          <a:xfrm>
+            <a:off x="4713404" y="3124200"/>
+            <a:ext cx="6711884" cy="3087833"/>
+          </a:xfrm>
+        </p:spPr>
+        <p:txBody>
+          <a:bodyPr>
+            <a:normAutofit/>
+          </a:bodyPr>
+          <a:lstStyle/>
+          <a:p>
+            <a:r>
+              <a:rPr lang="en-US" dirty="0" smtClean="0"/>
+              <a:t>Event </a:t>
+            </a:r>
+            <a:r>
+              <a:rPr lang="mr-IN" dirty="0" smtClean="0"/>
+              <a:t>–</a:t>
+            </a:r>
+            <a:r>
+              <a:rPr lang="en-US" dirty="0" smtClean="0"/>
+              <a:t> passes the event data into the handler</a:t>
+            </a:r>
+          </a:p>
+          <a:p>
+            <a:r>
+              <a:rPr lang="en-US" dirty="0" smtClean="0"/>
+              <a:t>Context </a:t>
+            </a:r>
+            <a:r>
+              <a:rPr lang="mr-IN" dirty="0" smtClean="0"/>
+              <a:t>–</a:t>
+            </a:r>
+            <a:r>
+              <a:rPr lang="en-US" dirty="0" smtClean="0"/>
+              <a:t> runtime information </a:t>
+            </a:r>
+          </a:p>
+          <a:p>
+            <a:r>
+              <a:rPr lang="en-US" dirty="0" smtClean="0"/>
+              <a:t>Callback </a:t>
+            </a:r>
+            <a:r>
+              <a:rPr lang="mr-IN" dirty="0" smtClean="0"/>
+              <a:t>–</a:t>
+            </a:r>
+            <a:r>
+              <a:rPr lang="en-US" dirty="0" smtClean="0"/>
+              <a:t> (optional)</a:t>
+            </a:r>
+          </a:p>
+          <a:p>
+            <a:pPr lvl="1"/>
+            <a:r>
+              <a:rPr lang="en-US" dirty="0"/>
+              <a:t>http://</a:t>
+            </a:r>
+            <a:r>
+              <a:rPr lang="en-US" dirty="0" err="1"/>
+              <a:t>docs.aws.amazon.com</a:t>
+            </a:r>
+            <a:r>
+              <a:rPr lang="en-US" dirty="0"/>
+              <a:t>/lambda/latest/dg/</a:t>
+            </a:r>
+            <a:r>
+              <a:rPr lang="en-US" dirty="0" err="1"/>
+              <a:t>nodejs</a:t>
+            </a:r>
+            <a:r>
+              <a:rPr lang="en-US" dirty="0"/>
+              <a:t>-</a:t>
+            </a:r>
+            <a:r>
+              <a:rPr lang="en-US" dirty="0" err="1"/>
+              <a:t>prog</a:t>
+            </a:r>
+            <a:r>
+              <a:rPr lang="en-US" dirty="0"/>
+              <a:t>-model-</a:t>
+            </a:r>
+            <a:r>
+              <a:rPr lang="en-US" dirty="0" err="1"/>
+              <a:t>handler.html</a:t>
+            </a:r>
+            <a:endParaRPr lang="en-US" dirty="0"/>
+          </a:p>
+        </p:txBody>
+      </p:sp>
+    </p:spTree>
+    <p:extLst>
+      <p:ext uri="{BB962C8B-B14F-4D97-AF65-F5344CB8AC3E}">
+        <p14:creationId xmlns:p14="http://schemas.microsoft.com/office/powerpoint/2010/main" val="1103310581"/>
+      </p:ext>
+    </p:extLst>
+  </p:cSld>
+  <p:clrMapOvr>
+    <a:masterClrMapping/>
+  </p:clrMapOvr>
+  <p:timing>
+    <p:tnLst>
+      <p:par>
+        <p:cTn xmlns:p14="http://schemas.microsoft.com/office/powerpoint/2010/main" id="1" dur="indefinite" restart="never" nodeType="tmRoot"/>
+      </p:par>
+    </p:tnLst>
+  </p:timing>
+</p:sld>
+</file>
+
 <file path=ppt/slides/slide24.xml><?xml version="1.0" encoding="utf-8"?>
 <p:sld xmlns:a="http://schemas.openxmlformats.org/drawingml/2006/main" xmlns:r="http://schemas.openxmlformats.org/officeDocument/2006/relationships" xmlns:p="http://schemas.openxmlformats.org/presentationml/2006/main">
   <p:cSld>
@@ -10950,6 +10946,13 @@
   <p:clrMapOvr>
     <a:masterClrMapping/>
   </p:clrMapOvr>
+  <p:timing>
+    <p:tnLst>
+      <p:par>
+        <p:cTn xmlns:p14="http://schemas.microsoft.com/office/powerpoint/2010/main" id="1" dur="indefinite" restart="never" nodeType="tmRoot"/>
+      </p:par>
+    </p:tnLst>
+  </p:timing>
 </p:sld>
 </file>
 
@@ -12251,6 +12254,13 @@
   <p:clrMapOvr>
     <a:masterClrMapping/>
   </p:clrMapOvr>
+  <p:timing>
+    <p:tnLst>
+      <p:par>
+        <p:cTn xmlns:p14="http://schemas.microsoft.com/office/powerpoint/2010/main" id="1" dur="indefinite" restart="never" nodeType="tmRoot"/>
+      </p:par>
+    </p:tnLst>
+  </p:timing>
 </p:sld>
 </file>
 
@@ -12338,6 +12348,12 @@
             <a:r>
               <a:rPr lang="en-US" dirty="0" smtClean="0"/>
               <a:t>Cost</a:t>
+            </a:r>
+          </a:p>
+          <a:p>
+            <a:r>
+              <a:rPr lang="en-US" dirty="0" smtClean="0"/>
+              <a:t>Product focus</a:t>
             </a:r>
           </a:p>
         </p:txBody>
@@ -12474,6 +12490,23 @@
             <a:endParaRPr lang="en-US" dirty="0" smtClean="0"/>
           </a:p>
           <a:p>
+            <a:r>
+              <a:rPr lang="en-US" dirty="0" err="1" smtClean="0"/>
+              <a:t>Etc</a:t>
+            </a:r>
+            <a:r>
+              <a:rPr lang="mr-IN" dirty="0" smtClean="0"/>
+              <a:t>…</a:t>
+            </a:r>
+            <a:endParaRPr lang="en-US" dirty="0" smtClean="0"/>
+          </a:p>
+          <a:p>
+            <a:pPr marL="0" indent="0">
+              <a:buNone/>
+            </a:pPr>
+            <a:endParaRPr lang="en-US" dirty="0" smtClean="0"/>
+          </a:p>
+          <a:p>
             <a:endParaRPr lang="en-US" dirty="0"/>
           </a:p>
         </p:txBody>
@@ -12532,11 +12565,7 @@
           <a:p>
             <a:r>
               <a:rPr lang="en-US" dirty="0" smtClean="0"/>
-              <a:t>Why NOT </a:t>
-            </a:r>
-            <a:r>
-              <a:rPr lang="en-US" dirty="0" err="1" smtClean="0"/>
-              <a:t>Serverless</a:t>
+              <a:t>Scalable</a:t>
             </a:r>
             <a:endParaRPr lang="en-US" dirty="0"/>
           </a:p>
@@ -12559,19 +12588,25 @@
           <a:p>
             <a:r>
               <a:rPr lang="en-US" dirty="0" smtClean="0"/>
-              <a:t>Fine grained environment control is needed</a:t>
-            </a:r>
-          </a:p>
-          <a:p>
-            <a:r>
-              <a:rPr lang="en-US" dirty="0" smtClean="0"/>
-              <a:t>On-premise/co-location applications not available in the public cloud</a:t>
-            </a:r>
-          </a:p>
-          <a:p>
-            <a:r>
-              <a:rPr lang="en-US" dirty="0" smtClean="0"/>
-              <a:t>PII issues with data and customer contracts</a:t>
+              <a:t>Auto scaling based on calls</a:t>
+            </a:r>
+          </a:p>
+          <a:p>
+            <a:r>
+              <a:rPr lang="en-US" dirty="0" smtClean="0"/>
+              <a:t>Manually scale with settings</a:t>
+            </a:r>
+          </a:p>
+          <a:p>
+            <a:r>
+              <a:rPr lang="en-US" dirty="0" smtClean="0"/>
+              <a:t>Scale units of computing instead of servers</a:t>
+            </a:r>
+          </a:p>
+          <a:p>
+            <a:r>
+              <a:rPr lang="en-US" dirty="0" smtClean="0"/>
+              <a:t>Scales back down</a:t>
             </a:r>
             <a:endParaRPr lang="en-US" dirty="0"/>
           </a:p>
@@ -12580,7 +12615,7 @@
     </p:spTree>
     <p:extLst>
       <p:ext uri="{BB962C8B-B14F-4D97-AF65-F5344CB8AC3E}">
-        <p14:creationId xmlns:p14="http://schemas.microsoft.com/office/powerpoint/2010/main" val="1422429233"/>
+        <p14:creationId xmlns:p14="http://schemas.microsoft.com/office/powerpoint/2010/main" val="498775429"/>
       </p:ext>
     </p:extLst>
   </p:cSld>
